--- a/data/presentation/PS_presentation.pptx
+++ b/data/presentation/PS_presentation.pptx
@@ -122,6 +122,3626 @@
     </p:ext>
   </p:extLst>
 </p:presentation>
+</file>
+
+<file path=ppt/diagrams/colors1.xml><?xml version="1.0" encoding="utf-8"?>
+<dgm:colorsDef xmlns:dgm="http://schemas.openxmlformats.org/drawingml/2006/diagram" xmlns:a="http://schemas.openxmlformats.org/drawingml/2006/main" uniqueId="urn:microsoft.com/office/officeart/2005/8/colors/accent3_2">
+  <dgm:title val=""/>
+  <dgm:desc val=""/>
+  <dgm:catLst>
+    <dgm:cat type="accent3" pri="11200"/>
+  </dgm:catLst>
+  <dgm:styleLbl name="node0">
+    <dgm:fillClrLst meth="repeat">
+      <a:schemeClr val="accent3"/>
+    </dgm:fillClrLst>
+    <dgm:linClrLst meth="repeat">
+      <a:schemeClr val="lt1"/>
+    </dgm:linClrLst>
+    <dgm:effectClrLst/>
+    <dgm:txLinClrLst/>
+    <dgm:txFillClrLst/>
+    <dgm:txEffectClrLst/>
+  </dgm:styleLbl>
+  <dgm:styleLbl name="node1">
+    <dgm:fillClrLst meth="repeat">
+      <a:schemeClr val="accent3"/>
+    </dgm:fillClrLst>
+    <dgm:linClrLst meth="repeat">
+      <a:schemeClr val="lt1"/>
+    </dgm:linClrLst>
+    <dgm:effectClrLst/>
+    <dgm:txLinClrLst/>
+    <dgm:txFillClrLst/>
+    <dgm:txEffectClrLst/>
+  </dgm:styleLbl>
+  <dgm:styleLbl name="alignNode1">
+    <dgm:fillClrLst meth="repeat">
+      <a:schemeClr val="accent3"/>
+    </dgm:fillClrLst>
+    <dgm:linClrLst meth="repeat">
+      <a:schemeClr val="accent3"/>
+    </dgm:linClrLst>
+    <dgm:effectClrLst/>
+    <dgm:txLinClrLst/>
+    <dgm:txFillClrLst/>
+    <dgm:txEffectClrLst/>
+  </dgm:styleLbl>
+  <dgm:styleLbl name="lnNode1">
+    <dgm:fillClrLst meth="repeat">
+      <a:schemeClr val="accent3"/>
+    </dgm:fillClrLst>
+    <dgm:linClrLst meth="repeat">
+      <a:schemeClr val="lt1"/>
+    </dgm:linClrLst>
+    <dgm:effectClrLst/>
+    <dgm:txLinClrLst/>
+    <dgm:txFillClrLst/>
+    <dgm:txEffectClrLst/>
+  </dgm:styleLbl>
+  <dgm:styleLbl name="vennNode1">
+    <dgm:fillClrLst meth="repeat">
+      <a:schemeClr val="accent3">
+        <a:alpha val="50000"/>
+      </a:schemeClr>
+    </dgm:fillClrLst>
+    <dgm:linClrLst meth="repeat">
+      <a:schemeClr val="lt1"/>
+    </dgm:linClrLst>
+    <dgm:effectClrLst/>
+    <dgm:txLinClrLst/>
+    <dgm:txFillClrLst/>
+    <dgm:txEffectClrLst/>
+  </dgm:styleLbl>
+  <dgm:styleLbl name="node2">
+    <dgm:fillClrLst meth="repeat">
+      <a:schemeClr val="accent3"/>
+    </dgm:fillClrLst>
+    <dgm:linClrLst meth="repeat">
+      <a:schemeClr val="lt1"/>
+    </dgm:linClrLst>
+    <dgm:effectClrLst/>
+    <dgm:txLinClrLst/>
+    <dgm:txFillClrLst/>
+    <dgm:txEffectClrLst/>
+  </dgm:styleLbl>
+  <dgm:styleLbl name="node3">
+    <dgm:fillClrLst meth="repeat">
+      <a:schemeClr val="accent3"/>
+    </dgm:fillClrLst>
+    <dgm:linClrLst meth="repeat">
+      <a:schemeClr val="lt1"/>
+    </dgm:linClrLst>
+    <dgm:effectClrLst/>
+    <dgm:txLinClrLst/>
+    <dgm:txFillClrLst/>
+    <dgm:txEffectClrLst/>
+  </dgm:styleLbl>
+  <dgm:styleLbl name="node4">
+    <dgm:fillClrLst meth="repeat">
+      <a:schemeClr val="accent3"/>
+    </dgm:fillClrLst>
+    <dgm:linClrLst meth="repeat">
+      <a:schemeClr val="lt1"/>
+    </dgm:linClrLst>
+    <dgm:effectClrLst/>
+    <dgm:txLinClrLst/>
+    <dgm:txFillClrLst/>
+    <dgm:txEffectClrLst/>
+  </dgm:styleLbl>
+  <dgm:styleLbl name="fgImgPlace1">
+    <dgm:fillClrLst meth="repeat">
+      <a:schemeClr val="accent3">
+        <a:tint val="50000"/>
+      </a:schemeClr>
+    </dgm:fillClrLst>
+    <dgm:linClrLst meth="repeat">
+      <a:schemeClr val="lt1"/>
+    </dgm:linClrLst>
+    <dgm:effectClrLst/>
+    <dgm:txLinClrLst/>
+    <dgm:txFillClrLst meth="repeat">
+      <a:schemeClr val="lt1"/>
+    </dgm:txFillClrLst>
+    <dgm:txEffectClrLst/>
+  </dgm:styleLbl>
+  <dgm:styleLbl name="alignImgPlace1">
+    <dgm:fillClrLst meth="repeat">
+      <a:schemeClr val="accent3">
+        <a:tint val="50000"/>
+      </a:schemeClr>
+    </dgm:fillClrLst>
+    <dgm:linClrLst meth="repeat">
+      <a:schemeClr val="lt1"/>
+    </dgm:linClrLst>
+    <dgm:effectClrLst/>
+    <dgm:txLinClrLst/>
+    <dgm:txFillClrLst meth="repeat">
+      <a:schemeClr val="lt1"/>
+    </dgm:txFillClrLst>
+    <dgm:txEffectClrLst/>
+  </dgm:styleLbl>
+  <dgm:styleLbl name="bgImgPlace1">
+    <dgm:fillClrLst meth="repeat">
+      <a:schemeClr val="accent3">
+        <a:tint val="50000"/>
+      </a:schemeClr>
+    </dgm:fillClrLst>
+    <dgm:linClrLst meth="repeat">
+      <a:schemeClr val="lt1"/>
+    </dgm:linClrLst>
+    <dgm:effectClrLst/>
+    <dgm:txLinClrLst/>
+    <dgm:txFillClrLst meth="repeat">
+      <a:schemeClr val="lt1"/>
+    </dgm:txFillClrLst>
+    <dgm:txEffectClrLst/>
+  </dgm:styleLbl>
+  <dgm:styleLbl name="sibTrans2D1">
+    <dgm:fillClrLst meth="repeat">
+      <a:schemeClr val="accent3">
+        <a:tint val="60000"/>
+      </a:schemeClr>
+    </dgm:fillClrLst>
+    <dgm:linClrLst meth="repeat">
+      <a:schemeClr val="accent3">
+        <a:tint val="60000"/>
+      </a:schemeClr>
+    </dgm:linClrLst>
+    <dgm:effectClrLst/>
+    <dgm:txLinClrLst/>
+    <dgm:txFillClrLst/>
+    <dgm:txEffectClrLst/>
+  </dgm:styleLbl>
+  <dgm:styleLbl name="fgSibTrans2D1">
+    <dgm:fillClrLst meth="repeat">
+      <a:schemeClr val="accent3">
+        <a:tint val="60000"/>
+      </a:schemeClr>
+    </dgm:fillClrLst>
+    <dgm:linClrLst meth="repeat">
+      <a:schemeClr val="accent3">
+        <a:tint val="60000"/>
+      </a:schemeClr>
+    </dgm:linClrLst>
+    <dgm:effectClrLst/>
+    <dgm:txLinClrLst/>
+    <dgm:txFillClrLst/>
+    <dgm:txEffectClrLst/>
+  </dgm:styleLbl>
+  <dgm:styleLbl name="bgSibTrans2D1">
+    <dgm:fillClrLst meth="repeat">
+      <a:schemeClr val="accent3">
+        <a:tint val="60000"/>
+      </a:schemeClr>
+    </dgm:fillClrLst>
+    <dgm:linClrLst meth="repeat">
+      <a:schemeClr val="accent3">
+        <a:tint val="60000"/>
+      </a:schemeClr>
+    </dgm:linClrLst>
+    <dgm:effectClrLst/>
+    <dgm:txLinClrLst/>
+    <dgm:txFillClrLst/>
+    <dgm:txEffectClrLst/>
+  </dgm:styleLbl>
+  <dgm:styleLbl name="sibTrans1D1">
+    <dgm:fillClrLst meth="repeat">
+      <a:schemeClr val="accent3"/>
+    </dgm:fillClrLst>
+    <dgm:linClrLst meth="repeat">
+      <a:schemeClr val="accent3"/>
+    </dgm:linClrLst>
+    <dgm:effectClrLst/>
+    <dgm:txLinClrLst/>
+    <dgm:txFillClrLst meth="repeat">
+      <a:schemeClr val="tx1"/>
+    </dgm:txFillClrLst>
+    <dgm:txEffectClrLst/>
+  </dgm:styleLbl>
+  <dgm:styleLbl name="callout">
+    <dgm:fillClrLst meth="repeat">
+      <a:schemeClr val="accent3"/>
+    </dgm:fillClrLst>
+    <dgm:linClrLst meth="repeat">
+      <a:schemeClr val="accent3">
+        <a:tint val="50000"/>
+      </a:schemeClr>
+    </dgm:linClrLst>
+    <dgm:effectClrLst/>
+    <dgm:txLinClrLst/>
+    <dgm:txFillClrLst meth="repeat">
+      <a:schemeClr val="tx1"/>
+    </dgm:txFillClrLst>
+    <dgm:txEffectClrLst/>
+  </dgm:styleLbl>
+  <dgm:styleLbl name="asst0">
+    <dgm:fillClrLst meth="repeat">
+      <a:schemeClr val="accent3"/>
+    </dgm:fillClrLst>
+    <dgm:linClrLst meth="repeat">
+      <a:schemeClr val="lt1"/>
+    </dgm:linClrLst>
+    <dgm:effectClrLst/>
+    <dgm:txLinClrLst/>
+    <dgm:txFillClrLst/>
+    <dgm:txEffectClrLst/>
+  </dgm:styleLbl>
+  <dgm:styleLbl name="asst1">
+    <dgm:fillClrLst meth="repeat">
+      <a:schemeClr val="accent3"/>
+    </dgm:fillClrLst>
+    <dgm:linClrLst meth="repeat">
+      <a:schemeClr val="lt1"/>
+    </dgm:linClrLst>
+    <dgm:effectClrLst/>
+    <dgm:txLinClrLst/>
+    <dgm:txFillClrLst/>
+    <dgm:txEffectClrLst/>
+  </dgm:styleLbl>
+  <dgm:styleLbl name="asst2">
+    <dgm:fillClrLst meth="repeat">
+      <a:schemeClr val="accent3"/>
+    </dgm:fillClrLst>
+    <dgm:linClrLst meth="repeat">
+      <a:schemeClr val="lt1"/>
+    </dgm:linClrLst>
+    <dgm:effectClrLst/>
+    <dgm:txLinClrLst/>
+    <dgm:txFillClrLst/>
+    <dgm:txEffectClrLst/>
+  </dgm:styleLbl>
+  <dgm:styleLbl name="asst3">
+    <dgm:fillClrLst meth="repeat">
+      <a:schemeClr val="accent3"/>
+    </dgm:fillClrLst>
+    <dgm:linClrLst meth="repeat">
+      <a:schemeClr val="lt1"/>
+    </dgm:linClrLst>
+    <dgm:effectClrLst/>
+    <dgm:txLinClrLst/>
+    <dgm:txFillClrLst/>
+    <dgm:txEffectClrLst/>
+  </dgm:styleLbl>
+  <dgm:styleLbl name="asst4">
+    <dgm:fillClrLst meth="repeat">
+      <a:schemeClr val="accent3"/>
+    </dgm:fillClrLst>
+    <dgm:linClrLst meth="repeat">
+      <a:schemeClr val="lt1"/>
+    </dgm:linClrLst>
+    <dgm:effectClrLst/>
+    <dgm:txLinClrLst/>
+    <dgm:txFillClrLst/>
+    <dgm:txEffectClrLst/>
+  </dgm:styleLbl>
+  <dgm:styleLbl name="parChTrans2D1">
+    <dgm:fillClrLst meth="repeat">
+      <a:schemeClr val="accent3">
+        <a:tint val="60000"/>
+      </a:schemeClr>
+    </dgm:fillClrLst>
+    <dgm:linClrLst meth="repeat">
+      <a:schemeClr val="accent3">
+        <a:tint val="60000"/>
+      </a:schemeClr>
+    </dgm:linClrLst>
+    <dgm:effectClrLst/>
+    <dgm:txLinClrLst/>
+    <dgm:txFillClrLst meth="repeat">
+      <a:schemeClr val="lt1"/>
+    </dgm:txFillClrLst>
+    <dgm:txEffectClrLst/>
+  </dgm:styleLbl>
+  <dgm:styleLbl name="parChTrans2D2">
+    <dgm:fillClrLst meth="repeat">
+      <a:schemeClr val="accent3"/>
+    </dgm:fillClrLst>
+    <dgm:linClrLst meth="repeat">
+      <a:schemeClr val="accent3"/>
+    </dgm:linClrLst>
+    <dgm:effectClrLst/>
+    <dgm:txLinClrLst/>
+    <dgm:txFillClrLst meth="repeat">
+      <a:schemeClr val="lt1"/>
+    </dgm:txFillClrLst>
+    <dgm:txEffectClrLst/>
+  </dgm:styleLbl>
+  <dgm:styleLbl name="parChTrans2D3">
+    <dgm:fillClrLst meth="repeat">
+      <a:schemeClr val="accent3"/>
+    </dgm:fillClrLst>
+    <dgm:linClrLst meth="repeat">
+      <a:schemeClr val="accent3"/>
+    </dgm:linClrLst>
+    <dgm:effectClrLst/>
+    <dgm:txLinClrLst/>
+    <dgm:txFillClrLst meth="repeat">
+      <a:schemeClr val="lt1"/>
+    </dgm:txFillClrLst>
+    <dgm:txEffectClrLst/>
+  </dgm:styleLbl>
+  <dgm:styleLbl name="parChTrans2D4">
+    <dgm:fillClrLst meth="repeat">
+      <a:schemeClr val="accent3"/>
+    </dgm:fillClrLst>
+    <dgm:linClrLst meth="repeat">
+      <a:schemeClr val="accent3"/>
+    </dgm:linClrLst>
+    <dgm:effectClrLst/>
+    <dgm:txLinClrLst/>
+    <dgm:txFillClrLst meth="repeat">
+      <a:schemeClr val="lt1"/>
+    </dgm:txFillClrLst>
+    <dgm:txEffectClrLst/>
+  </dgm:styleLbl>
+  <dgm:styleLbl name="parChTrans1D1">
+    <dgm:fillClrLst meth="repeat">
+      <a:schemeClr val="accent3"/>
+    </dgm:fillClrLst>
+    <dgm:linClrLst meth="repeat">
+      <a:schemeClr val="accent3">
+        <a:shade val="60000"/>
+      </a:schemeClr>
+    </dgm:linClrLst>
+    <dgm:effectClrLst/>
+    <dgm:txLinClrLst/>
+    <dgm:txFillClrLst meth="repeat">
+      <a:schemeClr val="tx1"/>
+    </dgm:txFillClrLst>
+    <dgm:txEffectClrLst/>
+  </dgm:styleLbl>
+  <dgm:styleLbl name="parChTrans1D2">
+    <dgm:fillClrLst meth="repeat">
+      <a:schemeClr val="accent3"/>
+    </dgm:fillClrLst>
+    <dgm:linClrLst meth="repeat">
+      <a:schemeClr val="accent3">
+        <a:shade val="60000"/>
+      </a:schemeClr>
+    </dgm:linClrLst>
+    <dgm:effectClrLst/>
+    <dgm:txLinClrLst/>
+    <dgm:txFillClrLst meth="repeat">
+      <a:schemeClr val="tx1"/>
+    </dgm:txFillClrLst>
+    <dgm:txEffectClrLst/>
+  </dgm:styleLbl>
+  <dgm:styleLbl name="parChTrans1D3">
+    <dgm:fillClrLst meth="repeat">
+      <a:schemeClr val="accent3"/>
+    </dgm:fillClrLst>
+    <dgm:linClrLst meth="repeat">
+      <a:schemeClr val="accent3">
+        <a:shade val="80000"/>
+      </a:schemeClr>
+    </dgm:linClrLst>
+    <dgm:effectClrLst/>
+    <dgm:txLinClrLst/>
+    <dgm:txFillClrLst meth="repeat">
+      <a:schemeClr val="tx1"/>
+    </dgm:txFillClrLst>
+    <dgm:txEffectClrLst/>
+  </dgm:styleLbl>
+  <dgm:styleLbl name="parChTrans1D4">
+    <dgm:fillClrLst meth="repeat">
+      <a:schemeClr val="accent3"/>
+    </dgm:fillClrLst>
+    <dgm:linClrLst meth="repeat">
+      <a:schemeClr val="accent3">
+        <a:shade val="80000"/>
+      </a:schemeClr>
+    </dgm:linClrLst>
+    <dgm:effectClrLst/>
+    <dgm:txLinClrLst/>
+    <dgm:txFillClrLst meth="repeat">
+      <a:schemeClr val="tx1"/>
+    </dgm:txFillClrLst>
+    <dgm:txEffectClrLst/>
+  </dgm:styleLbl>
+  <dgm:styleLbl name="fgAcc1">
+    <dgm:fillClrLst meth="repeat">
+      <a:schemeClr val="lt1">
+        <a:alpha val="90000"/>
+      </a:schemeClr>
+    </dgm:fillClrLst>
+    <dgm:linClrLst meth="repeat">
+      <a:schemeClr val="accent3"/>
+    </dgm:linClrLst>
+    <dgm:effectClrLst/>
+    <dgm:txLinClrLst/>
+    <dgm:txFillClrLst meth="repeat">
+      <a:schemeClr val="dk1"/>
+    </dgm:txFillClrLst>
+    <dgm:txEffectClrLst/>
+  </dgm:styleLbl>
+  <dgm:styleLbl name="conFgAcc1">
+    <dgm:fillClrLst meth="repeat">
+      <a:schemeClr val="lt1">
+        <a:alpha val="90000"/>
+      </a:schemeClr>
+    </dgm:fillClrLst>
+    <dgm:linClrLst meth="repeat">
+      <a:schemeClr val="accent3"/>
+    </dgm:linClrLst>
+    <dgm:effectClrLst/>
+    <dgm:txLinClrLst/>
+    <dgm:txFillClrLst meth="repeat">
+      <a:schemeClr val="dk1"/>
+    </dgm:txFillClrLst>
+    <dgm:txEffectClrLst/>
+  </dgm:styleLbl>
+  <dgm:styleLbl name="alignAcc1">
+    <dgm:fillClrLst meth="repeat">
+      <a:schemeClr val="lt1">
+        <a:alpha val="90000"/>
+      </a:schemeClr>
+    </dgm:fillClrLst>
+    <dgm:linClrLst meth="repeat">
+      <a:schemeClr val="accent3"/>
+    </dgm:linClrLst>
+    <dgm:effectClrLst/>
+    <dgm:txLinClrLst/>
+    <dgm:txFillClrLst meth="repeat">
+      <a:schemeClr val="dk1"/>
+    </dgm:txFillClrLst>
+    <dgm:txEffectClrLst/>
+  </dgm:styleLbl>
+  <dgm:styleLbl name="trAlignAcc1">
+    <dgm:fillClrLst meth="repeat">
+      <a:schemeClr val="lt1">
+        <a:alpha val="40000"/>
+      </a:schemeClr>
+    </dgm:fillClrLst>
+    <dgm:linClrLst meth="repeat">
+      <a:schemeClr val="accent3"/>
+    </dgm:linClrLst>
+    <dgm:effectClrLst/>
+    <dgm:txLinClrLst/>
+    <dgm:txFillClrLst meth="repeat">
+      <a:schemeClr val="dk1"/>
+    </dgm:txFillClrLst>
+    <dgm:txEffectClrLst/>
+  </dgm:styleLbl>
+  <dgm:styleLbl name="bgAcc1">
+    <dgm:fillClrLst meth="repeat">
+      <a:schemeClr val="lt1">
+        <a:alpha val="90000"/>
+      </a:schemeClr>
+    </dgm:fillClrLst>
+    <dgm:linClrLst meth="repeat">
+      <a:schemeClr val="accent3"/>
+    </dgm:linClrLst>
+    <dgm:effectClrLst/>
+    <dgm:txLinClrLst/>
+    <dgm:txFillClrLst meth="repeat">
+      <a:schemeClr val="dk1"/>
+    </dgm:txFillClrLst>
+    <dgm:txEffectClrLst/>
+  </dgm:styleLbl>
+  <dgm:styleLbl name="solidFgAcc1">
+    <dgm:fillClrLst meth="repeat">
+      <a:schemeClr val="lt1"/>
+    </dgm:fillClrLst>
+    <dgm:linClrLst meth="repeat">
+      <a:schemeClr val="accent3"/>
+    </dgm:linClrLst>
+    <dgm:effectClrLst/>
+    <dgm:txLinClrLst/>
+    <dgm:txFillClrLst meth="repeat">
+      <a:schemeClr val="dk1"/>
+    </dgm:txFillClrLst>
+    <dgm:txEffectClrLst/>
+  </dgm:styleLbl>
+  <dgm:styleLbl name="solidAlignAcc1">
+    <dgm:fillClrLst meth="repeat">
+      <a:schemeClr val="lt1"/>
+    </dgm:fillClrLst>
+    <dgm:linClrLst meth="repeat">
+      <a:schemeClr val="accent3"/>
+    </dgm:linClrLst>
+    <dgm:effectClrLst/>
+    <dgm:txLinClrLst/>
+    <dgm:txFillClrLst meth="repeat">
+      <a:schemeClr val="dk1"/>
+    </dgm:txFillClrLst>
+    <dgm:txEffectClrLst/>
+  </dgm:styleLbl>
+  <dgm:styleLbl name="solidBgAcc1">
+    <dgm:fillClrLst meth="repeat">
+      <a:schemeClr val="lt1"/>
+    </dgm:fillClrLst>
+    <dgm:linClrLst meth="repeat">
+      <a:schemeClr val="accent3"/>
+    </dgm:linClrLst>
+    <dgm:effectClrLst/>
+    <dgm:txLinClrLst/>
+    <dgm:txFillClrLst meth="repeat">
+      <a:schemeClr val="dk1"/>
+    </dgm:txFillClrLst>
+    <dgm:txEffectClrLst/>
+  </dgm:styleLbl>
+  <dgm:styleLbl name="fgAccFollowNode1">
+    <dgm:fillClrLst meth="repeat">
+      <a:schemeClr val="accent3">
+        <a:alpha val="90000"/>
+        <a:tint val="40000"/>
+      </a:schemeClr>
+    </dgm:fillClrLst>
+    <dgm:linClrLst meth="repeat">
+      <a:schemeClr val="accent3">
+        <a:alpha val="90000"/>
+        <a:tint val="40000"/>
+      </a:schemeClr>
+    </dgm:linClrLst>
+    <dgm:effectClrLst/>
+    <dgm:txLinClrLst/>
+    <dgm:txFillClrLst meth="repeat">
+      <a:schemeClr val="dk1"/>
+    </dgm:txFillClrLst>
+    <dgm:txEffectClrLst/>
+  </dgm:styleLbl>
+  <dgm:styleLbl name="alignAccFollowNode1">
+    <dgm:fillClrLst meth="repeat">
+      <a:schemeClr val="accent3">
+        <a:alpha val="90000"/>
+        <a:tint val="40000"/>
+      </a:schemeClr>
+    </dgm:fillClrLst>
+    <dgm:linClrLst meth="repeat">
+      <a:schemeClr val="accent3">
+        <a:alpha val="90000"/>
+        <a:tint val="40000"/>
+      </a:schemeClr>
+    </dgm:linClrLst>
+    <dgm:effectClrLst/>
+    <dgm:txLinClrLst/>
+    <dgm:txFillClrLst meth="repeat">
+      <a:schemeClr val="dk1"/>
+    </dgm:txFillClrLst>
+    <dgm:txEffectClrLst/>
+  </dgm:styleLbl>
+  <dgm:styleLbl name="bgAccFollowNode1">
+    <dgm:fillClrLst meth="repeat">
+      <a:schemeClr val="accent3">
+        <a:alpha val="90000"/>
+        <a:tint val="40000"/>
+      </a:schemeClr>
+    </dgm:fillClrLst>
+    <dgm:linClrLst meth="repeat">
+      <a:schemeClr val="accent3">
+        <a:alpha val="90000"/>
+        <a:tint val="40000"/>
+      </a:schemeClr>
+    </dgm:linClrLst>
+    <dgm:effectClrLst/>
+    <dgm:txLinClrLst/>
+    <dgm:txFillClrLst meth="repeat">
+      <a:schemeClr val="dk1"/>
+    </dgm:txFillClrLst>
+    <dgm:txEffectClrLst/>
+  </dgm:styleLbl>
+  <dgm:styleLbl name="fgAcc0">
+    <dgm:fillClrLst meth="repeat">
+      <a:schemeClr val="lt1">
+        <a:alpha val="90000"/>
+      </a:schemeClr>
+    </dgm:fillClrLst>
+    <dgm:linClrLst meth="repeat">
+      <a:schemeClr val="accent3"/>
+    </dgm:linClrLst>
+    <dgm:effectClrLst/>
+    <dgm:txLinClrLst/>
+    <dgm:txFillClrLst meth="repeat">
+      <a:schemeClr val="dk1"/>
+    </dgm:txFillClrLst>
+    <dgm:txEffectClrLst/>
+  </dgm:styleLbl>
+  <dgm:styleLbl name="fgAcc2">
+    <dgm:fillClrLst meth="repeat">
+      <a:schemeClr val="lt1">
+        <a:alpha val="90000"/>
+      </a:schemeClr>
+    </dgm:fillClrLst>
+    <dgm:linClrLst meth="repeat">
+      <a:schemeClr val="accent3"/>
+    </dgm:linClrLst>
+    <dgm:effectClrLst/>
+    <dgm:txLinClrLst/>
+    <dgm:txFillClrLst meth="repeat">
+      <a:schemeClr val="dk1"/>
+    </dgm:txFillClrLst>
+    <dgm:txEffectClrLst/>
+  </dgm:styleLbl>
+  <dgm:styleLbl name="fgAcc3">
+    <dgm:fillClrLst meth="repeat">
+      <a:schemeClr val="lt1">
+        <a:alpha val="90000"/>
+      </a:schemeClr>
+    </dgm:fillClrLst>
+    <dgm:linClrLst meth="repeat">
+      <a:schemeClr val="accent3"/>
+    </dgm:linClrLst>
+    <dgm:effectClrLst/>
+    <dgm:txLinClrLst/>
+    <dgm:txFillClrLst meth="repeat">
+      <a:schemeClr val="dk1"/>
+    </dgm:txFillClrLst>
+    <dgm:txEffectClrLst/>
+  </dgm:styleLbl>
+  <dgm:styleLbl name="fgAcc4">
+    <dgm:fillClrLst meth="repeat">
+      <a:schemeClr val="lt1">
+        <a:alpha val="90000"/>
+      </a:schemeClr>
+    </dgm:fillClrLst>
+    <dgm:linClrLst meth="repeat">
+      <a:schemeClr val="accent3"/>
+    </dgm:linClrLst>
+    <dgm:effectClrLst/>
+    <dgm:txLinClrLst/>
+    <dgm:txFillClrLst meth="repeat">
+      <a:schemeClr val="dk1"/>
+    </dgm:txFillClrLst>
+    <dgm:txEffectClrLst/>
+  </dgm:styleLbl>
+  <dgm:styleLbl name="bgShp">
+    <dgm:fillClrLst meth="repeat">
+      <a:schemeClr val="accent3">
+        <a:tint val="40000"/>
+      </a:schemeClr>
+    </dgm:fillClrLst>
+    <dgm:linClrLst meth="repeat">
+      <a:schemeClr val="accent3"/>
+    </dgm:linClrLst>
+    <dgm:effectClrLst/>
+    <dgm:txLinClrLst/>
+    <dgm:txFillClrLst meth="repeat">
+      <a:schemeClr val="dk1"/>
+    </dgm:txFillClrLst>
+    <dgm:txEffectClrLst/>
+  </dgm:styleLbl>
+  <dgm:styleLbl name="dkBgShp">
+    <dgm:fillClrLst meth="repeat">
+      <a:schemeClr val="accent3">
+        <a:shade val="80000"/>
+      </a:schemeClr>
+    </dgm:fillClrLst>
+    <dgm:linClrLst meth="repeat">
+      <a:schemeClr val="accent3"/>
+    </dgm:linClrLst>
+    <dgm:effectClrLst/>
+    <dgm:txLinClrLst/>
+    <dgm:txFillClrLst meth="repeat">
+      <a:schemeClr val="lt1"/>
+    </dgm:txFillClrLst>
+    <dgm:txEffectClrLst/>
+  </dgm:styleLbl>
+  <dgm:styleLbl name="trBgShp">
+    <dgm:fillClrLst meth="repeat">
+      <a:schemeClr val="accent3">
+        <a:tint val="50000"/>
+        <a:alpha val="40000"/>
+      </a:schemeClr>
+    </dgm:fillClrLst>
+    <dgm:linClrLst meth="repeat">
+      <a:schemeClr val="accent3"/>
+    </dgm:linClrLst>
+    <dgm:effectClrLst/>
+    <dgm:txLinClrLst/>
+    <dgm:txFillClrLst meth="repeat">
+      <a:schemeClr val="lt1"/>
+    </dgm:txFillClrLst>
+    <dgm:txEffectClrLst/>
+  </dgm:styleLbl>
+  <dgm:styleLbl name="fgShp">
+    <dgm:fillClrLst meth="repeat">
+      <a:schemeClr val="accent3">
+        <a:tint val="60000"/>
+      </a:schemeClr>
+    </dgm:fillClrLst>
+    <dgm:linClrLst meth="repeat">
+      <a:schemeClr val="lt1"/>
+    </dgm:linClrLst>
+    <dgm:effectClrLst/>
+    <dgm:txLinClrLst/>
+    <dgm:txFillClrLst meth="repeat">
+      <a:schemeClr val="dk1"/>
+    </dgm:txFillClrLst>
+    <dgm:txEffectClrLst/>
+  </dgm:styleLbl>
+  <dgm:styleLbl name="revTx">
+    <dgm:fillClrLst meth="repeat">
+      <a:schemeClr val="lt1">
+        <a:alpha val="0"/>
+      </a:schemeClr>
+    </dgm:fillClrLst>
+    <dgm:linClrLst meth="repeat">
+      <a:schemeClr val="dk1">
+        <a:alpha val="0"/>
+      </a:schemeClr>
+    </dgm:linClrLst>
+    <dgm:effectClrLst/>
+    <dgm:txLinClrLst/>
+    <dgm:txFillClrLst meth="repeat">
+      <a:schemeClr val="tx1"/>
+    </dgm:txFillClrLst>
+    <dgm:txEffectClrLst/>
+  </dgm:styleLbl>
+</dgm:colorsDef>
+</file>
+
+<file path=ppt/diagrams/data1.xml><?xml version="1.0" encoding="utf-8"?>
+<dgm:dataModel xmlns:dgm="http://schemas.openxmlformats.org/drawingml/2006/diagram" xmlns:a="http://schemas.openxmlformats.org/drawingml/2006/main">
+  <dgm:ptLst>
+    <dgm:pt modelId="{FCC8923D-1C02-4F0A-BA97-113C006F84F3}" type="doc">
+      <dgm:prSet loTypeId="urn:microsoft.com/office/officeart/2005/8/layout/hList1" loCatId="list" qsTypeId="urn:microsoft.com/office/officeart/2005/8/quickstyle/simple1" qsCatId="simple" csTypeId="urn:microsoft.com/office/officeart/2005/8/colors/accent3_2" csCatId="accent3" phldr="1"/>
+      <dgm:spPr/>
+      <dgm:t>
+        <a:bodyPr/>
+        <a:lstStyle/>
+        <a:p>
+          <a:endParaRPr lang="en-GB"/>
+        </a:p>
+      </dgm:t>
+    </dgm:pt>
+    <dgm:pt modelId="{25B20CE3-F2BA-4B66-8727-7C1AD8C6CC89}">
+      <dgm:prSet phldrT="[Text]"/>
+      <dgm:spPr/>
+      <dgm:t>
+        <a:bodyPr/>
+        <a:lstStyle/>
+        <a:p>
+          <a:r>
+            <a:rPr lang="en-GB" dirty="0"/>
+            <a:t>Requirement analysis</a:t>
+          </a:r>
+        </a:p>
+      </dgm:t>
+    </dgm:pt>
+    <dgm:pt modelId="{EF6C7BA1-221E-4667-A8DD-F0C4008692CD}" type="parTrans" cxnId="{65A2AF46-B545-49B2-82B7-01F62900F06A}">
+      <dgm:prSet/>
+      <dgm:spPr/>
+      <dgm:t>
+        <a:bodyPr/>
+        <a:lstStyle/>
+        <a:p>
+          <a:endParaRPr lang="en-GB"/>
+        </a:p>
+      </dgm:t>
+    </dgm:pt>
+    <dgm:pt modelId="{319ADE62-7907-4649-9428-8DAD0D0CBD9D}" type="sibTrans" cxnId="{65A2AF46-B545-49B2-82B7-01F62900F06A}">
+      <dgm:prSet/>
+      <dgm:spPr/>
+      <dgm:t>
+        <a:bodyPr/>
+        <a:lstStyle/>
+        <a:p>
+          <a:endParaRPr lang="en-GB"/>
+        </a:p>
+      </dgm:t>
+    </dgm:pt>
+    <dgm:pt modelId="{1B3D78F2-D344-49FA-AD5F-204135470CA8}">
+      <dgm:prSet phldrT="[Text]"/>
+      <dgm:spPr/>
+      <dgm:t>
+        <a:bodyPr/>
+        <a:lstStyle/>
+        <a:p>
+          <a:r>
+            <a:rPr lang="en-GB" dirty="0"/>
+            <a:t>Robust</a:t>
+          </a:r>
+        </a:p>
+      </dgm:t>
+    </dgm:pt>
+    <dgm:pt modelId="{761BFC96-8461-41DB-810D-638524723C5C}" type="parTrans" cxnId="{21C21081-CB9F-4F3B-A4B8-9D1F6B3F9961}">
+      <dgm:prSet/>
+      <dgm:spPr/>
+      <dgm:t>
+        <a:bodyPr/>
+        <a:lstStyle/>
+        <a:p>
+          <a:endParaRPr lang="en-GB"/>
+        </a:p>
+      </dgm:t>
+    </dgm:pt>
+    <dgm:pt modelId="{BF3FF03A-4910-4EC8-89F2-70CF5A5B9CE8}" type="sibTrans" cxnId="{21C21081-CB9F-4F3B-A4B8-9D1F6B3F9961}">
+      <dgm:prSet/>
+      <dgm:spPr/>
+      <dgm:t>
+        <a:bodyPr/>
+        <a:lstStyle/>
+        <a:p>
+          <a:endParaRPr lang="en-GB"/>
+        </a:p>
+      </dgm:t>
+    </dgm:pt>
+    <dgm:pt modelId="{58833EB1-48C3-44FE-839D-3712D350D848}">
+      <dgm:prSet phldrT="[Text]"/>
+      <dgm:spPr/>
+      <dgm:t>
+        <a:bodyPr/>
+        <a:lstStyle/>
+        <a:p>
+          <a:r>
+            <a:rPr lang="en-GB" dirty="0"/>
+            <a:t>Fast</a:t>
+          </a:r>
+        </a:p>
+      </dgm:t>
+    </dgm:pt>
+    <dgm:pt modelId="{1B9E803A-827C-4642-A48F-7AFB8610B5C5}" type="parTrans" cxnId="{85A5A836-DFEE-4A31-AE75-7913054C7464}">
+      <dgm:prSet/>
+      <dgm:spPr/>
+      <dgm:t>
+        <a:bodyPr/>
+        <a:lstStyle/>
+        <a:p>
+          <a:endParaRPr lang="en-GB"/>
+        </a:p>
+      </dgm:t>
+    </dgm:pt>
+    <dgm:pt modelId="{43E2ECC0-A17E-4DA3-9BE9-E5797E83C1C3}" type="sibTrans" cxnId="{85A5A836-DFEE-4A31-AE75-7913054C7464}">
+      <dgm:prSet/>
+      <dgm:spPr/>
+      <dgm:t>
+        <a:bodyPr/>
+        <a:lstStyle/>
+        <a:p>
+          <a:endParaRPr lang="en-GB"/>
+        </a:p>
+      </dgm:t>
+    </dgm:pt>
+    <dgm:pt modelId="{FE2D95C6-68AA-414F-9718-ED6C7C224D4A}">
+      <dgm:prSet phldrT="[Text]"/>
+      <dgm:spPr/>
+      <dgm:t>
+        <a:bodyPr/>
+        <a:lstStyle/>
+        <a:p>
+          <a:r>
+            <a:rPr lang="en-GB" dirty="0"/>
+            <a:t>Protocol design</a:t>
+          </a:r>
+        </a:p>
+      </dgm:t>
+    </dgm:pt>
+    <dgm:pt modelId="{BC2B293B-101C-4351-87A4-0853CFBB9BB1}" type="parTrans" cxnId="{FBA2B149-ACF4-4045-8700-66EF7CAF0EB9}">
+      <dgm:prSet/>
+      <dgm:spPr/>
+      <dgm:t>
+        <a:bodyPr/>
+        <a:lstStyle/>
+        <a:p>
+          <a:endParaRPr lang="en-GB"/>
+        </a:p>
+      </dgm:t>
+    </dgm:pt>
+    <dgm:pt modelId="{7E1F24A0-0F70-46F9-8A9E-24FCE1959228}" type="sibTrans" cxnId="{FBA2B149-ACF4-4045-8700-66EF7CAF0EB9}">
+      <dgm:prSet/>
+      <dgm:spPr/>
+      <dgm:t>
+        <a:bodyPr/>
+        <a:lstStyle/>
+        <a:p>
+          <a:endParaRPr lang="en-GB"/>
+        </a:p>
+      </dgm:t>
+    </dgm:pt>
+    <dgm:pt modelId="{20AE3CD3-9581-4BAD-BAF3-4EB02E8FA467}">
+      <dgm:prSet phldrT="[Text]"/>
+      <dgm:spPr/>
+      <dgm:t>
+        <a:bodyPr/>
+        <a:lstStyle/>
+        <a:p>
+          <a:r>
+            <a:rPr lang="en-GB" dirty="0"/>
+            <a:t>COBS</a:t>
+          </a:r>
+        </a:p>
+      </dgm:t>
+    </dgm:pt>
+    <dgm:pt modelId="{CFD50D0D-8D20-4766-A970-253FA1E473EF}" type="parTrans" cxnId="{9F06EA8E-54A3-442E-ACB9-1BE166D05200}">
+      <dgm:prSet/>
+      <dgm:spPr/>
+      <dgm:t>
+        <a:bodyPr/>
+        <a:lstStyle/>
+        <a:p>
+          <a:endParaRPr lang="en-GB"/>
+        </a:p>
+      </dgm:t>
+    </dgm:pt>
+    <dgm:pt modelId="{C9342DA7-9594-4CF3-876E-D093BDEFD202}" type="sibTrans" cxnId="{9F06EA8E-54A3-442E-ACB9-1BE166D05200}">
+      <dgm:prSet/>
+      <dgm:spPr/>
+      <dgm:t>
+        <a:bodyPr/>
+        <a:lstStyle/>
+        <a:p>
+          <a:endParaRPr lang="en-GB"/>
+        </a:p>
+      </dgm:t>
+    </dgm:pt>
+    <dgm:pt modelId="{19A4407C-924F-4918-A9FF-12011F4CEA9B}">
+      <dgm:prSet phldrT="[Text]"/>
+      <dgm:spPr/>
+      <dgm:t>
+        <a:bodyPr/>
+        <a:lstStyle/>
+        <a:p>
+          <a:r>
+            <a:rPr lang="en-GB" dirty="0"/>
+            <a:t>Implementation</a:t>
+          </a:r>
+        </a:p>
+      </dgm:t>
+    </dgm:pt>
+    <dgm:pt modelId="{9E2DFBE2-FF0F-4F86-B67D-D6E14A8D35B5}" type="parTrans" cxnId="{7EDD64B9-A0D2-445F-88B2-9A34FAC7208B}">
+      <dgm:prSet/>
+      <dgm:spPr/>
+      <dgm:t>
+        <a:bodyPr/>
+        <a:lstStyle/>
+        <a:p>
+          <a:endParaRPr lang="en-GB"/>
+        </a:p>
+      </dgm:t>
+    </dgm:pt>
+    <dgm:pt modelId="{47CFE9ED-B482-4493-864F-59AE7A543522}" type="sibTrans" cxnId="{7EDD64B9-A0D2-445F-88B2-9A34FAC7208B}">
+      <dgm:prSet/>
+      <dgm:spPr/>
+      <dgm:t>
+        <a:bodyPr/>
+        <a:lstStyle/>
+        <a:p>
+          <a:endParaRPr lang="en-GB"/>
+        </a:p>
+      </dgm:t>
+    </dgm:pt>
+    <dgm:pt modelId="{367259CD-3583-4C6D-8E0A-46093B187AEB}">
+      <dgm:prSet phldrT="[Text]"/>
+      <dgm:spPr/>
+      <dgm:t>
+        <a:bodyPr/>
+        <a:lstStyle/>
+        <a:p>
+          <a:r>
+            <a:rPr lang="en-GB" dirty="0"/>
+            <a:t>Fact2</a:t>
+          </a:r>
+        </a:p>
+      </dgm:t>
+    </dgm:pt>
+    <dgm:pt modelId="{B75DB198-3B90-4A98-A3BA-38C178332DD7}" type="parTrans" cxnId="{69D9CD58-8573-4AD5-911D-19D2CC0389DE}">
+      <dgm:prSet/>
+      <dgm:spPr/>
+      <dgm:t>
+        <a:bodyPr/>
+        <a:lstStyle/>
+        <a:p>
+          <a:endParaRPr lang="en-GB"/>
+        </a:p>
+      </dgm:t>
+    </dgm:pt>
+    <dgm:pt modelId="{C6623FFE-EA17-4BF5-A819-B525C5C09E98}" type="sibTrans" cxnId="{69D9CD58-8573-4AD5-911D-19D2CC0389DE}">
+      <dgm:prSet/>
+      <dgm:spPr/>
+      <dgm:t>
+        <a:bodyPr/>
+        <a:lstStyle/>
+        <a:p>
+          <a:endParaRPr lang="en-GB"/>
+        </a:p>
+      </dgm:t>
+    </dgm:pt>
+    <dgm:pt modelId="{3380A10D-84CC-408C-9017-5D39B8D8C920}">
+      <dgm:prSet phldrT="[Text]"/>
+      <dgm:spPr/>
+      <dgm:t>
+        <a:bodyPr/>
+        <a:lstStyle/>
+        <a:p>
+          <a:r>
+            <a:rPr lang="en-GB" dirty="0"/>
+            <a:t>Testing</a:t>
+          </a:r>
+        </a:p>
+      </dgm:t>
+    </dgm:pt>
+    <dgm:pt modelId="{13213F54-13A0-4DAE-BDC7-C9E912B2606F}" type="parTrans" cxnId="{DDEC9806-A7A7-48F8-9939-04A8C03C04FF}">
+      <dgm:prSet/>
+      <dgm:spPr/>
+      <dgm:t>
+        <a:bodyPr/>
+        <a:lstStyle/>
+        <a:p>
+          <a:endParaRPr lang="en-GB"/>
+        </a:p>
+      </dgm:t>
+    </dgm:pt>
+    <dgm:pt modelId="{E023B4D1-F107-4758-A6D3-2F60C239E738}" type="sibTrans" cxnId="{DDEC9806-A7A7-48F8-9939-04A8C03C04FF}">
+      <dgm:prSet/>
+      <dgm:spPr/>
+      <dgm:t>
+        <a:bodyPr/>
+        <a:lstStyle/>
+        <a:p>
+          <a:endParaRPr lang="en-GB"/>
+        </a:p>
+      </dgm:t>
+    </dgm:pt>
+    <dgm:pt modelId="{5687A3E0-F179-4ACB-9567-88A5E5DEC885}">
+      <dgm:prSet phldrT="[Text]"/>
+      <dgm:spPr/>
+      <dgm:t>
+        <a:bodyPr/>
+        <a:lstStyle/>
+        <a:p>
+          <a:endParaRPr lang="en-GB" dirty="0"/>
+        </a:p>
+      </dgm:t>
+    </dgm:pt>
+    <dgm:pt modelId="{13348BE7-1676-46C5-81EC-9B691A53035D}" type="parTrans" cxnId="{41B577FB-0EF8-43CE-A05D-FC493D1A5E10}">
+      <dgm:prSet/>
+      <dgm:spPr/>
+      <dgm:t>
+        <a:bodyPr/>
+        <a:lstStyle/>
+        <a:p>
+          <a:endParaRPr lang="en-GB"/>
+        </a:p>
+      </dgm:t>
+    </dgm:pt>
+    <dgm:pt modelId="{91025D14-10F9-40BF-B55F-866FD63B9258}" type="sibTrans" cxnId="{41B577FB-0EF8-43CE-A05D-FC493D1A5E10}">
+      <dgm:prSet/>
+      <dgm:spPr/>
+      <dgm:t>
+        <a:bodyPr/>
+        <a:lstStyle/>
+        <a:p>
+          <a:endParaRPr lang="en-GB"/>
+        </a:p>
+      </dgm:t>
+    </dgm:pt>
+    <dgm:pt modelId="{ED974D52-B76B-49A3-8E99-54C9BE615D44}">
+      <dgm:prSet phldrT="[Text]"/>
+      <dgm:spPr/>
+      <dgm:t>
+        <a:bodyPr/>
+        <a:lstStyle/>
+        <a:p>
+          <a:r>
+            <a:rPr lang="en-GB" dirty="0"/>
+            <a:t>Fact3</a:t>
+          </a:r>
+        </a:p>
+      </dgm:t>
+    </dgm:pt>
+    <dgm:pt modelId="{B9DFA131-4203-4431-A072-C95F8A14FB48}" type="parTrans" cxnId="{CFE1F63D-D1C3-495E-A31B-87973EF3016A}">
+      <dgm:prSet/>
+      <dgm:spPr/>
+      <dgm:t>
+        <a:bodyPr/>
+        <a:lstStyle/>
+        <a:p>
+          <a:endParaRPr lang="en-GB"/>
+        </a:p>
+      </dgm:t>
+    </dgm:pt>
+    <dgm:pt modelId="{D2CC2640-6A42-4F1F-B15E-7DC63E8F8932}" type="sibTrans" cxnId="{CFE1F63D-D1C3-495E-A31B-87973EF3016A}">
+      <dgm:prSet/>
+      <dgm:spPr/>
+      <dgm:t>
+        <a:bodyPr/>
+        <a:lstStyle/>
+        <a:p>
+          <a:endParaRPr lang="en-GB"/>
+        </a:p>
+      </dgm:t>
+    </dgm:pt>
+    <dgm:pt modelId="{CDB271D0-6E9C-4853-BEBF-8C0C58ED76B3}">
+      <dgm:prSet phldrT="[Text]"/>
+      <dgm:spPr/>
+      <dgm:t>
+        <a:bodyPr/>
+        <a:lstStyle/>
+        <a:p>
+          <a:r>
+            <a:rPr lang="en-GB" dirty="0"/>
+            <a:t>fact4</a:t>
+          </a:r>
+        </a:p>
+      </dgm:t>
+    </dgm:pt>
+    <dgm:pt modelId="{27973728-C45A-4C7B-892A-7D75D8BD9E14}" type="parTrans" cxnId="{FA4CD924-E3FE-4CFB-840C-634FBE4DCED8}">
+      <dgm:prSet/>
+      <dgm:spPr/>
+      <dgm:t>
+        <a:bodyPr/>
+        <a:lstStyle/>
+        <a:p>
+          <a:endParaRPr lang="en-GB"/>
+        </a:p>
+      </dgm:t>
+    </dgm:pt>
+    <dgm:pt modelId="{C1B4149F-5318-4D31-9BA7-C2EB5138B223}" type="sibTrans" cxnId="{FA4CD924-E3FE-4CFB-840C-634FBE4DCED8}">
+      <dgm:prSet/>
+      <dgm:spPr/>
+      <dgm:t>
+        <a:bodyPr/>
+        <a:lstStyle/>
+        <a:p>
+          <a:endParaRPr lang="en-GB"/>
+        </a:p>
+      </dgm:t>
+    </dgm:pt>
+    <dgm:pt modelId="{DDBEC27C-3A33-4C94-BCCF-51589B63D2AF}">
+      <dgm:prSet phldrT="[Text]"/>
+      <dgm:spPr/>
+      <dgm:t>
+        <a:bodyPr/>
+        <a:lstStyle/>
+        <a:p>
+          <a:r>
+            <a:rPr lang="en-GB" dirty="0"/>
+            <a:t>Fact5</a:t>
+          </a:r>
+        </a:p>
+      </dgm:t>
+    </dgm:pt>
+    <dgm:pt modelId="{A14B49BE-7643-4DCD-AD45-3563E5AC3BF7}" type="parTrans" cxnId="{FE009DCA-024D-4DA0-9320-A795D416E7E0}">
+      <dgm:prSet/>
+      <dgm:spPr/>
+      <dgm:t>
+        <a:bodyPr/>
+        <a:lstStyle/>
+        <a:p>
+          <a:endParaRPr lang="en-GB"/>
+        </a:p>
+      </dgm:t>
+    </dgm:pt>
+    <dgm:pt modelId="{AABB19A2-C92F-42E8-8712-302C7F729B5B}" type="sibTrans" cxnId="{FE009DCA-024D-4DA0-9320-A795D416E7E0}">
+      <dgm:prSet/>
+      <dgm:spPr/>
+      <dgm:t>
+        <a:bodyPr/>
+        <a:lstStyle/>
+        <a:p>
+          <a:endParaRPr lang="en-GB"/>
+        </a:p>
+      </dgm:t>
+    </dgm:pt>
+    <dgm:pt modelId="{020CC1B2-AFE8-4535-970E-FBF8AE8EC319}">
+      <dgm:prSet phldrT="[Text]"/>
+      <dgm:spPr/>
+      <dgm:t>
+        <a:bodyPr/>
+        <a:lstStyle/>
+        <a:p>
+          <a:r>
+            <a:rPr lang="en-GB" dirty="0"/>
+            <a:t>Dact6</a:t>
+          </a:r>
+        </a:p>
+      </dgm:t>
+    </dgm:pt>
+    <dgm:pt modelId="{0740FFC1-0951-4922-9CE3-66BAB6961A97}" type="parTrans" cxnId="{87277374-9895-445A-A3F1-D8620BC65F01}">
+      <dgm:prSet/>
+      <dgm:spPr/>
+      <dgm:t>
+        <a:bodyPr/>
+        <a:lstStyle/>
+        <a:p>
+          <a:endParaRPr lang="en-GB"/>
+        </a:p>
+      </dgm:t>
+    </dgm:pt>
+    <dgm:pt modelId="{E068DF96-619C-4CAB-AC65-330F62D1DFA9}" type="sibTrans" cxnId="{87277374-9895-445A-A3F1-D8620BC65F01}">
+      <dgm:prSet/>
+      <dgm:spPr/>
+      <dgm:t>
+        <a:bodyPr/>
+        <a:lstStyle/>
+        <a:p>
+          <a:endParaRPr lang="en-GB"/>
+        </a:p>
+      </dgm:t>
+    </dgm:pt>
+    <dgm:pt modelId="{6F519324-7B79-45D8-BB48-8B3576193958}">
+      <dgm:prSet phldrT="[Text]"/>
+      <dgm:spPr/>
+      <dgm:t>
+        <a:bodyPr/>
+        <a:lstStyle/>
+        <a:p>
+          <a:r>
+            <a:rPr lang="en-GB" dirty="0"/>
+            <a:t>Dact7</a:t>
+          </a:r>
+        </a:p>
+      </dgm:t>
+    </dgm:pt>
+    <dgm:pt modelId="{4639DD29-1260-4A2F-8E93-B59CF0828458}" type="parTrans" cxnId="{901276CE-40C1-4317-983A-D30DEEC4E611}">
+      <dgm:prSet/>
+      <dgm:spPr/>
+      <dgm:t>
+        <a:bodyPr/>
+        <a:lstStyle/>
+        <a:p>
+          <a:endParaRPr lang="en-GB"/>
+        </a:p>
+      </dgm:t>
+    </dgm:pt>
+    <dgm:pt modelId="{AA5E8097-1DB1-4EF9-B024-6A185A396DA8}" type="sibTrans" cxnId="{901276CE-40C1-4317-983A-D30DEEC4E611}">
+      <dgm:prSet/>
+      <dgm:spPr/>
+      <dgm:t>
+        <a:bodyPr/>
+        <a:lstStyle/>
+        <a:p>
+          <a:endParaRPr lang="en-GB"/>
+        </a:p>
+      </dgm:t>
+    </dgm:pt>
+    <dgm:pt modelId="{95EE15FC-DA97-491E-AE7F-E3D2B7EA693C}">
+      <dgm:prSet phldrT="[Text]"/>
+      <dgm:spPr/>
+      <dgm:t>
+        <a:bodyPr/>
+        <a:lstStyle/>
+        <a:p>
+          <a:r>
+            <a:rPr lang="en-GB" dirty="0"/>
+            <a:t>Real time</a:t>
+          </a:r>
+        </a:p>
+      </dgm:t>
+    </dgm:pt>
+    <dgm:pt modelId="{78F6FB82-91C7-4B9C-A745-DEC58C5993F5}" type="parTrans" cxnId="{E231095B-1E09-466B-9C4B-62D589739689}">
+      <dgm:prSet/>
+      <dgm:spPr/>
+      <dgm:t>
+        <a:bodyPr/>
+        <a:lstStyle/>
+        <a:p>
+          <a:endParaRPr lang="en-GB"/>
+        </a:p>
+      </dgm:t>
+    </dgm:pt>
+    <dgm:pt modelId="{5AB2D185-E547-433B-A306-06014310D3D2}" type="sibTrans" cxnId="{E231095B-1E09-466B-9C4B-62D589739689}">
+      <dgm:prSet/>
+      <dgm:spPr/>
+      <dgm:t>
+        <a:bodyPr/>
+        <a:lstStyle/>
+        <a:p>
+          <a:endParaRPr lang="en-GB"/>
+        </a:p>
+      </dgm:t>
+    </dgm:pt>
+    <dgm:pt modelId="{D78BEAA3-1769-40AF-BB21-1FEDE668C53D}">
+      <dgm:prSet phldrT="[Text]"/>
+      <dgm:spPr/>
+      <dgm:t>
+        <a:bodyPr/>
+        <a:lstStyle/>
+        <a:p>
+          <a:r>
+            <a:rPr lang="en-GB" dirty="0"/>
+            <a:t>Expandable</a:t>
+          </a:r>
+        </a:p>
+      </dgm:t>
+    </dgm:pt>
+    <dgm:pt modelId="{B59CD722-B21F-40DA-B29F-16010C0B90D8}" type="parTrans" cxnId="{54C0C30E-F177-4159-A831-EC8F5CA2C483}">
+      <dgm:prSet/>
+      <dgm:spPr/>
+      <dgm:t>
+        <a:bodyPr/>
+        <a:lstStyle/>
+        <a:p>
+          <a:endParaRPr lang="en-GB"/>
+        </a:p>
+      </dgm:t>
+    </dgm:pt>
+    <dgm:pt modelId="{B298F9B3-89E4-4591-A05F-DDB23112CC09}" type="sibTrans" cxnId="{54C0C30E-F177-4159-A831-EC8F5CA2C483}">
+      <dgm:prSet/>
+      <dgm:spPr/>
+      <dgm:t>
+        <a:bodyPr/>
+        <a:lstStyle/>
+        <a:p>
+          <a:endParaRPr lang="en-GB"/>
+        </a:p>
+      </dgm:t>
+    </dgm:pt>
+    <dgm:pt modelId="{51CD9286-5F51-443B-B9DC-7862A0B12C37}">
+      <dgm:prSet phldrT="[Text]"/>
+      <dgm:spPr/>
+      <dgm:t>
+        <a:bodyPr/>
+        <a:lstStyle/>
+        <a:p>
+          <a:r>
+            <a:rPr lang="en-GB" dirty="0"/>
+            <a:t>Fletcher’s Checksum</a:t>
+          </a:r>
+        </a:p>
+      </dgm:t>
+    </dgm:pt>
+    <dgm:pt modelId="{87D17C0F-5FC3-4D87-AA4F-2CAB601B6EAF}" type="parTrans" cxnId="{E08687D1-2C0C-477C-A924-A9F7D1799115}">
+      <dgm:prSet/>
+      <dgm:spPr/>
+    </dgm:pt>
+    <dgm:pt modelId="{78222FC3-EE74-47A7-B42F-8F2691729E9B}" type="sibTrans" cxnId="{E08687D1-2C0C-477C-A924-A9F7D1799115}">
+      <dgm:prSet/>
+      <dgm:spPr/>
+    </dgm:pt>
+    <dgm:pt modelId="{BA168400-70C2-48B4-807C-62F92A298AF3}">
+      <dgm:prSet phldrT="[Text]"/>
+      <dgm:spPr/>
+      <dgm:t>
+        <a:bodyPr/>
+        <a:lstStyle/>
+        <a:p>
+          <a:r>
+            <a:rPr lang="en-GB" dirty="0"/>
+            <a:t>Etc.</a:t>
+          </a:r>
+        </a:p>
+      </dgm:t>
+    </dgm:pt>
+    <dgm:pt modelId="{BF4CE534-70AD-477B-B670-ACD2104B9F9E}" type="parTrans" cxnId="{6ED31C3B-C504-4D2B-83A2-07B252A51727}">
+      <dgm:prSet/>
+      <dgm:spPr/>
+    </dgm:pt>
+    <dgm:pt modelId="{7E68E442-0D88-4A24-8485-3F8E94E3A5BF}" type="sibTrans" cxnId="{6ED31C3B-C504-4D2B-83A2-07B252A51727}">
+      <dgm:prSet/>
+      <dgm:spPr/>
+    </dgm:pt>
+    <dgm:pt modelId="{A9A4DDB9-E64E-4F0E-B2BD-F8419AC57381}" type="pres">
+      <dgm:prSet presAssocID="{FCC8923D-1C02-4F0A-BA97-113C006F84F3}" presName="Name0" presStyleCnt="0">
+        <dgm:presLayoutVars>
+          <dgm:dir/>
+          <dgm:animLvl val="lvl"/>
+          <dgm:resizeHandles val="exact"/>
+        </dgm:presLayoutVars>
+      </dgm:prSet>
+      <dgm:spPr/>
+    </dgm:pt>
+    <dgm:pt modelId="{9BCF8619-5F75-41E7-BC9B-15EE2797A200}" type="pres">
+      <dgm:prSet presAssocID="{25B20CE3-F2BA-4B66-8727-7C1AD8C6CC89}" presName="composite" presStyleCnt="0"/>
+      <dgm:spPr/>
+    </dgm:pt>
+    <dgm:pt modelId="{C9BAEBD8-2202-419E-947D-E128E1D1799C}" type="pres">
+      <dgm:prSet presAssocID="{25B20CE3-F2BA-4B66-8727-7C1AD8C6CC89}" presName="parTx" presStyleLbl="alignNode1" presStyleIdx="0" presStyleCnt="4">
+        <dgm:presLayoutVars>
+          <dgm:chMax val="0"/>
+          <dgm:chPref val="0"/>
+          <dgm:bulletEnabled val="1"/>
+        </dgm:presLayoutVars>
+      </dgm:prSet>
+      <dgm:spPr/>
+    </dgm:pt>
+    <dgm:pt modelId="{AB3F3ED0-C353-4106-AE9F-58BADC57B5A3}" type="pres">
+      <dgm:prSet presAssocID="{25B20CE3-F2BA-4B66-8727-7C1AD8C6CC89}" presName="desTx" presStyleLbl="alignAccFollowNode1" presStyleIdx="0" presStyleCnt="4">
+        <dgm:presLayoutVars>
+          <dgm:bulletEnabled val="1"/>
+        </dgm:presLayoutVars>
+      </dgm:prSet>
+      <dgm:spPr/>
+    </dgm:pt>
+    <dgm:pt modelId="{0E8D4E7F-E54D-46D7-A4F7-2E203372E328}" type="pres">
+      <dgm:prSet presAssocID="{319ADE62-7907-4649-9428-8DAD0D0CBD9D}" presName="space" presStyleCnt="0"/>
+      <dgm:spPr/>
+    </dgm:pt>
+    <dgm:pt modelId="{22325C39-9132-43F8-BC45-F9FE1053734F}" type="pres">
+      <dgm:prSet presAssocID="{FE2D95C6-68AA-414F-9718-ED6C7C224D4A}" presName="composite" presStyleCnt="0"/>
+      <dgm:spPr/>
+    </dgm:pt>
+    <dgm:pt modelId="{FCFA5902-CDA4-44D7-81F4-7642CD4645E5}" type="pres">
+      <dgm:prSet presAssocID="{FE2D95C6-68AA-414F-9718-ED6C7C224D4A}" presName="parTx" presStyleLbl="alignNode1" presStyleIdx="1" presStyleCnt="4">
+        <dgm:presLayoutVars>
+          <dgm:chMax val="0"/>
+          <dgm:chPref val="0"/>
+          <dgm:bulletEnabled val="1"/>
+        </dgm:presLayoutVars>
+      </dgm:prSet>
+      <dgm:spPr/>
+    </dgm:pt>
+    <dgm:pt modelId="{071927AB-A6EC-4C09-931D-02BE466E7B3F}" type="pres">
+      <dgm:prSet presAssocID="{FE2D95C6-68AA-414F-9718-ED6C7C224D4A}" presName="desTx" presStyleLbl="alignAccFollowNode1" presStyleIdx="1" presStyleCnt="4">
+        <dgm:presLayoutVars>
+          <dgm:bulletEnabled val="1"/>
+        </dgm:presLayoutVars>
+      </dgm:prSet>
+      <dgm:spPr/>
+    </dgm:pt>
+    <dgm:pt modelId="{3CFED7FD-68C2-4601-960F-9FFD1105741A}" type="pres">
+      <dgm:prSet presAssocID="{7E1F24A0-0F70-46F9-8A9E-24FCE1959228}" presName="space" presStyleCnt="0"/>
+      <dgm:spPr/>
+    </dgm:pt>
+    <dgm:pt modelId="{1D842957-B589-4ADA-B842-A53484ECE499}" type="pres">
+      <dgm:prSet presAssocID="{19A4407C-924F-4918-A9FF-12011F4CEA9B}" presName="composite" presStyleCnt="0"/>
+      <dgm:spPr/>
+    </dgm:pt>
+    <dgm:pt modelId="{270C6582-85ED-4E53-9018-63CDC739E4FE}" type="pres">
+      <dgm:prSet presAssocID="{19A4407C-924F-4918-A9FF-12011F4CEA9B}" presName="parTx" presStyleLbl="alignNode1" presStyleIdx="2" presStyleCnt="4">
+        <dgm:presLayoutVars>
+          <dgm:chMax val="0"/>
+          <dgm:chPref val="0"/>
+          <dgm:bulletEnabled val="1"/>
+        </dgm:presLayoutVars>
+      </dgm:prSet>
+      <dgm:spPr/>
+    </dgm:pt>
+    <dgm:pt modelId="{F1738DBC-2D18-47D2-97EF-7B3AB1B94588}" type="pres">
+      <dgm:prSet presAssocID="{19A4407C-924F-4918-A9FF-12011F4CEA9B}" presName="desTx" presStyleLbl="alignAccFollowNode1" presStyleIdx="2" presStyleCnt="4">
+        <dgm:presLayoutVars>
+          <dgm:bulletEnabled val="1"/>
+        </dgm:presLayoutVars>
+      </dgm:prSet>
+      <dgm:spPr/>
+    </dgm:pt>
+    <dgm:pt modelId="{168B8C67-786A-4BE7-A994-05F1E21F7509}" type="pres">
+      <dgm:prSet presAssocID="{47CFE9ED-B482-4493-864F-59AE7A543522}" presName="space" presStyleCnt="0"/>
+      <dgm:spPr/>
+    </dgm:pt>
+    <dgm:pt modelId="{E9AD59AB-0904-4A30-82CC-2263ED21CC21}" type="pres">
+      <dgm:prSet presAssocID="{3380A10D-84CC-408C-9017-5D39B8D8C920}" presName="composite" presStyleCnt="0"/>
+      <dgm:spPr/>
+    </dgm:pt>
+    <dgm:pt modelId="{195B9F5F-DC90-4DDE-A008-D743D5E18D83}" type="pres">
+      <dgm:prSet presAssocID="{3380A10D-84CC-408C-9017-5D39B8D8C920}" presName="parTx" presStyleLbl="alignNode1" presStyleIdx="3" presStyleCnt="4">
+        <dgm:presLayoutVars>
+          <dgm:chMax val="0"/>
+          <dgm:chPref val="0"/>
+          <dgm:bulletEnabled val="1"/>
+        </dgm:presLayoutVars>
+      </dgm:prSet>
+      <dgm:spPr/>
+    </dgm:pt>
+    <dgm:pt modelId="{E4CB8C97-4590-4E34-ADC6-DD42B8BDC192}" type="pres">
+      <dgm:prSet presAssocID="{3380A10D-84CC-408C-9017-5D39B8D8C920}" presName="desTx" presStyleLbl="alignAccFollowNode1" presStyleIdx="3" presStyleCnt="4">
+        <dgm:presLayoutVars>
+          <dgm:bulletEnabled val="1"/>
+        </dgm:presLayoutVars>
+      </dgm:prSet>
+      <dgm:spPr/>
+    </dgm:pt>
+  </dgm:ptLst>
+  <dgm:cxnLst>
+    <dgm:cxn modelId="{DDEC9806-A7A7-48F8-9939-04A8C03C04FF}" srcId="{FCC8923D-1C02-4F0A-BA97-113C006F84F3}" destId="{3380A10D-84CC-408C-9017-5D39B8D8C920}" srcOrd="3" destOrd="0" parTransId="{13213F54-13A0-4DAE-BDC7-C9E912B2606F}" sibTransId="{E023B4D1-F107-4758-A6D3-2F60C239E738}"/>
+    <dgm:cxn modelId="{54C0C30E-F177-4159-A831-EC8F5CA2C483}" srcId="{25B20CE3-F2BA-4B66-8727-7C1AD8C6CC89}" destId="{D78BEAA3-1769-40AF-BB21-1FEDE668C53D}" srcOrd="3" destOrd="0" parTransId="{B59CD722-B21F-40DA-B29F-16010C0B90D8}" sibTransId="{B298F9B3-89E4-4591-A05F-DDB23112CC09}"/>
+    <dgm:cxn modelId="{504C1D22-6F1E-43EB-B00F-58A0DB036B63}" type="presOf" srcId="{95EE15FC-DA97-491E-AE7F-E3D2B7EA693C}" destId="{AB3F3ED0-C353-4106-AE9F-58BADC57B5A3}" srcOrd="0" destOrd="2" presId="urn:microsoft.com/office/officeart/2005/8/layout/hList1"/>
+    <dgm:cxn modelId="{FA4CD924-E3FE-4CFB-840C-634FBE4DCED8}" srcId="{19A4407C-924F-4918-A9FF-12011F4CEA9B}" destId="{CDB271D0-6E9C-4853-BEBF-8C0C58ED76B3}" srcOrd="2" destOrd="0" parTransId="{27973728-C45A-4C7B-892A-7D75D8BD9E14}" sibTransId="{C1B4149F-5318-4D31-9BA7-C2EB5138B223}"/>
+    <dgm:cxn modelId="{0670C235-F332-46FE-A5A6-5D53134420AE}" type="presOf" srcId="{1B3D78F2-D344-49FA-AD5F-204135470CA8}" destId="{AB3F3ED0-C353-4106-AE9F-58BADC57B5A3}" srcOrd="0" destOrd="0" presId="urn:microsoft.com/office/officeart/2005/8/layout/hList1"/>
+    <dgm:cxn modelId="{E3ED8C36-8848-43DC-8C0C-AD11BF6ABA3E}" type="presOf" srcId="{51CD9286-5F51-443B-B9DC-7862A0B12C37}" destId="{071927AB-A6EC-4C09-931D-02BE466E7B3F}" srcOrd="0" destOrd="1" presId="urn:microsoft.com/office/officeart/2005/8/layout/hList1"/>
+    <dgm:cxn modelId="{85A5A836-DFEE-4A31-AE75-7913054C7464}" srcId="{25B20CE3-F2BA-4B66-8727-7C1AD8C6CC89}" destId="{58833EB1-48C3-44FE-839D-3712D350D848}" srcOrd="1" destOrd="0" parTransId="{1B9E803A-827C-4642-A48F-7AFB8610B5C5}" sibTransId="{43E2ECC0-A17E-4DA3-9BE9-E5797E83C1C3}"/>
+    <dgm:cxn modelId="{6ED31C3B-C504-4D2B-83A2-07B252A51727}" srcId="{FE2D95C6-68AA-414F-9718-ED6C7C224D4A}" destId="{BA168400-70C2-48B4-807C-62F92A298AF3}" srcOrd="2" destOrd="0" parTransId="{BF4CE534-70AD-477B-B670-ACD2104B9F9E}" sibTransId="{7E68E442-0D88-4A24-8485-3F8E94E3A5BF}"/>
+    <dgm:cxn modelId="{CFE1F63D-D1C3-495E-A31B-87973EF3016A}" srcId="{19A4407C-924F-4918-A9FF-12011F4CEA9B}" destId="{ED974D52-B76B-49A3-8E99-54C9BE615D44}" srcOrd="1" destOrd="0" parTransId="{B9DFA131-4203-4431-A072-C95F8A14FB48}" sibTransId="{D2CC2640-6A42-4F1F-B15E-7DC63E8F8932}"/>
+    <dgm:cxn modelId="{E231095B-1E09-466B-9C4B-62D589739689}" srcId="{25B20CE3-F2BA-4B66-8727-7C1AD8C6CC89}" destId="{95EE15FC-DA97-491E-AE7F-E3D2B7EA693C}" srcOrd="2" destOrd="0" parTransId="{78F6FB82-91C7-4B9C-A745-DEC58C5993F5}" sibTransId="{5AB2D185-E547-433B-A306-06014310D3D2}"/>
+    <dgm:cxn modelId="{2098DA60-3FC0-48FA-A1AC-069218BB1676}" type="presOf" srcId="{D78BEAA3-1769-40AF-BB21-1FEDE668C53D}" destId="{AB3F3ED0-C353-4106-AE9F-58BADC57B5A3}" srcOrd="0" destOrd="3" presId="urn:microsoft.com/office/officeart/2005/8/layout/hList1"/>
+    <dgm:cxn modelId="{65A2AF46-B545-49B2-82B7-01F62900F06A}" srcId="{FCC8923D-1C02-4F0A-BA97-113C006F84F3}" destId="{25B20CE3-F2BA-4B66-8727-7C1AD8C6CC89}" srcOrd="0" destOrd="0" parTransId="{EF6C7BA1-221E-4667-A8DD-F0C4008692CD}" sibTransId="{319ADE62-7907-4649-9428-8DAD0D0CBD9D}"/>
+    <dgm:cxn modelId="{E6C6A647-C9BB-4478-B922-332FB3353D8E}" type="presOf" srcId="{6F519324-7B79-45D8-BB48-8B3576193958}" destId="{E4CB8C97-4590-4E34-ADC6-DD42B8BDC192}" srcOrd="0" destOrd="2" presId="urn:microsoft.com/office/officeart/2005/8/layout/hList1"/>
+    <dgm:cxn modelId="{FBA2B149-ACF4-4045-8700-66EF7CAF0EB9}" srcId="{FCC8923D-1C02-4F0A-BA97-113C006F84F3}" destId="{FE2D95C6-68AA-414F-9718-ED6C7C224D4A}" srcOrd="1" destOrd="0" parTransId="{BC2B293B-101C-4351-87A4-0853CFBB9BB1}" sibTransId="{7E1F24A0-0F70-46F9-8A9E-24FCE1959228}"/>
+    <dgm:cxn modelId="{87277374-9895-445A-A3F1-D8620BC65F01}" srcId="{3380A10D-84CC-408C-9017-5D39B8D8C920}" destId="{020CC1B2-AFE8-4535-970E-FBF8AE8EC319}" srcOrd="1" destOrd="0" parTransId="{0740FFC1-0951-4922-9CE3-66BAB6961A97}" sibTransId="{E068DF96-619C-4CAB-AC65-330F62D1DFA9}"/>
+    <dgm:cxn modelId="{595F2D75-DBE8-4574-A5BD-8288D788069E}" type="presOf" srcId="{5687A3E0-F179-4ACB-9567-88A5E5DEC885}" destId="{071927AB-A6EC-4C09-931D-02BE466E7B3F}" srcOrd="0" destOrd="3" presId="urn:microsoft.com/office/officeart/2005/8/layout/hList1"/>
+    <dgm:cxn modelId="{69D9CD58-8573-4AD5-911D-19D2CC0389DE}" srcId="{19A4407C-924F-4918-A9FF-12011F4CEA9B}" destId="{367259CD-3583-4C6D-8E0A-46093B187AEB}" srcOrd="0" destOrd="0" parTransId="{B75DB198-3B90-4A98-A3BA-38C178332DD7}" sibTransId="{C6623FFE-EA17-4BF5-A819-B525C5C09E98}"/>
+    <dgm:cxn modelId="{0FF09759-E691-499C-81DA-7A53AC68B6D9}" type="presOf" srcId="{3380A10D-84CC-408C-9017-5D39B8D8C920}" destId="{195B9F5F-DC90-4DDE-A008-D743D5E18D83}" srcOrd="0" destOrd="0" presId="urn:microsoft.com/office/officeart/2005/8/layout/hList1"/>
+    <dgm:cxn modelId="{170BEC59-61D6-4755-B7FE-CD925DE27719}" type="presOf" srcId="{20AE3CD3-9581-4BAD-BAF3-4EB02E8FA467}" destId="{071927AB-A6EC-4C09-931D-02BE466E7B3F}" srcOrd="0" destOrd="0" presId="urn:microsoft.com/office/officeart/2005/8/layout/hList1"/>
+    <dgm:cxn modelId="{21C21081-CB9F-4F3B-A4B8-9D1F6B3F9961}" srcId="{25B20CE3-F2BA-4B66-8727-7C1AD8C6CC89}" destId="{1B3D78F2-D344-49FA-AD5F-204135470CA8}" srcOrd="0" destOrd="0" parTransId="{761BFC96-8461-41DB-810D-638524723C5C}" sibTransId="{BF3FF03A-4910-4EC8-89F2-70CF5A5B9CE8}"/>
+    <dgm:cxn modelId="{9F06EA8E-54A3-442E-ACB9-1BE166D05200}" srcId="{FE2D95C6-68AA-414F-9718-ED6C7C224D4A}" destId="{20AE3CD3-9581-4BAD-BAF3-4EB02E8FA467}" srcOrd="0" destOrd="0" parTransId="{CFD50D0D-8D20-4766-A970-253FA1E473EF}" sibTransId="{C9342DA7-9594-4CF3-876E-D093BDEFD202}"/>
+    <dgm:cxn modelId="{4E313295-B0CC-4093-A9E7-37F14EDDADA2}" type="presOf" srcId="{FE2D95C6-68AA-414F-9718-ED6C7C224D4A}" destId="{FCFA5902-CDA4-44D7-81F4-7642CD4645E5}" srcOrd="0" destOrd="0" presId="urn:microsoft.com/office/officeart/2005/8/layout/hList1"/>
+    <dgm:cxn modelId="{5FD6319F-765C-4BF5-AF45-F49CF0172DFA}" type="presOf" srcId="{BA168400-70C2-48B4-807C-62F92A298AF3}" destId="{071927AB-A6EC-4C09-931D-02BE466E7B3F}" srcOrd="0" destOrd="2" presId="urn:microsoft.com/office/officeart/2005/8/layout/hList1"/>
+    <dgm:cxn modelId="{D43687B8-7865-45F4-9E7B-47CF31FD5F53}" type="presOf" srcId="{020CC1B2-AFE8-4535-970E-FBF8AE8EC319}" destId="{E4CB8C97-4590-4E34-ADC6-DD42B8BDC192}" srcOrd="0" destOrd="1" presId="urn:microsoft.com/office/officeart/2005/8/layout/hList1"/>
+    <dgm:cxn modelId="{7EDD64B9-A0D2-445F-88B2-9A34FAC7208B}" srcId="{FCC8923D-1C02-4F0A-BA97-113C006F84F3}" destId="{19A4407C-924F-4918-A9FF-12011F4CEA9B}" srcOrd="2" destOrd="0" parTransId="{9E2DFBE2-FF0F-4F86-B67D-D6E14A8D35B5}" sibTransId="{47CFE9ED-B482-4493-864F-59AE7A543522}"/>
+    <dgm:cxn modelId="{15ED37BB-B3BE-46D6-80E7-C1C42C2D8715}" type="presOf" srcId="{19A4407C-924F-4918-A9FF-12011F4CEA9B}" destId="{270C6582-85ED-4E53-9018-63CDC739E4FE}" srcOrd="0" destOrd="0" presId="urn:microsoft.com/office/officeart/2005/8/layout/hList1"/>
+    <dgm:cxn modelId="{891C0DC9-229B-4D4B-A388-042DC5C416D2}" type="presOf" srcId="{CDB271D0-6E9C-4853-BEBF-8C0C58ED76B3}" destId="{F1738DBC-2D18-47D2-97EF-7B3AB1B94588}" srcOrd="0" destOrd="2" presId="urn:microsoft.com/office/officeart/2005/8/layout/hList1"/>
+    <dgm:cxn modelId="{FE009DCA-024D-4DA0-9320-A795D416E7E0}" srcId="{3380A10D-84CC-408C-9017-5D39B8D8C920}" destId="{DDBEC27C-3A33-4C94-BCCF-51589B63D2AF}" srcOrd="0" destOrd="0" parTransId="{A14B49BE-7643-4DCD-AD45-3563E5AC3BF7}" sibTransId="{AABB19A2-C92F-42E8-8712-302C7F729B5B}"/>
+    <dgm:cxn modelId="{901276CE-40C1-4317-983A-D30DEEC4E611}" srcId="{3380A10D-84CC-408C-9017-5D39B8D8C920}" destId="{6F519324-7B79-45D8-BB48-8B3576193958}" srcOrd="2" destOrd="0" parTransId="{4639DD29-1260-4A2F-8E93-B59CF0828458}" sibTransId="{AA5E8097-1DB1-4EF9-B024-6A185A396DA8}"/>
+    <dgm:cxn modelId="{E08687D1-2C0C-477C-A924-A9F7D1799115}" srcId="{FE2D95C6-68AA-414F-9718-ED6C7C224D4A}" destId="{51CD9286-5F51-443B-B9DC-7862A0B12C37}" srcOrd="1" destOrd="0" parTransId="{87D17C0F-5FC3-4D87-AA4F-2CAB601B6EAF}" sibTransId="{78222FC3-EE74-47A7-B42F-8F2691729E9B}"/>
+    <dgm:cxn modelId="{B59477E4-71D4-47A3-A50B-54D2ED0D721D}" type="presOf" srcId="{FCC8923D-1C02-4F0A-BA97-113C006F84F3}" destId="{A9A4DDB9-E64E-4F0E-B2BD-F8419AC57381}" srcOrd="0" destOrd="0" presId="urn:microsoft.com/office/officeart/2005/8/layout/hList1"/>
+    <dgm:cxn modelId="{1CDF75E6-A943-48A7-80EC-331DAD6A28FB}" type="presOf" srcId="{58833EB1-48C3-44FE-839D-3712D350D848}" destId="{AB3F3ED0-C353-4106-AE9F-58BADC57B5A3}" srcOrd="0" destOrd="1" presId="urn:microsoft.com/office/officeart/2005/8/layout/hList1"/>
+    <dgm:cxn modelId="{17D5E1E6-1E6F-4BE2-B84A-4BF98347758B}" type="presOf" srcId="{ED974D52-B76B-49A3-8E99-54C9BE615D44}" destId="{F1738DBC-2D18-47D2-97EF-7B3AB1B94588}" srcOrd="0" destOrd="1" presId="urn:microsoft.com/office/officeart/2005/8/layout/hList1"/>
+    <dgm:cxn modelId="{25EA90EF-A92A-415F-AE1C-BA5ECBD4BDA8}" type="presOf" srcId="{25B20CE3-F2BA-4B66-8727-7C1AD8C6CC89}" destId="{C9BAEBD8-2202-419E-947D-E128E1D1799C}" srcOrd="0" destOrd="0" presId="urn:microsoft.com/office/officeart/2005/8/layout/hList1"/>
+    <dgm:cxn modelId="{1BE3F6EF-816E-4A50-8D1F-FDAC5E96140D}" type="presOf" srcId="{DDBEC27C-3A33-4C94-BCCF-51589B63D2AF}" destId="{E4CB8C97-4590-4E34-ADC6-DD42B8BDC192}" srcOrd="0" destOrd="0" presId="urn:microsoft.com/office/officeart/2005/8/layout/hList1"/>
+    <dgm:cxn modelId="{3C01DCFA-3C73-4F1F-AA6F-36BB31406FFE}" type="presOf" srcId="{367259CD-3583-4C6D-8E0A-46093B187AEB}" destId="{F1738DBC-2D18-47D2-97EF-7B3AB1B94588}" srcOrd="0" destOrd="0" presId="urn:microsoft.com/office/officeart/2005/8/layout/hList1"/>
+    <dgm:cxn modelId="{41B577FB-0EF8-43CE-A05D-FC493D1A5E10}" srcId="{FE2D95C6-68AA-414F-9718-ED6C7C224D4A}" destId="{5687A3E0-F179-4ACB-9567-88A5E5DEC885}" srcOrd="3" destOrd="0" parTransId="{13348BE7-1676-46C5-81EC-9B691A53035D}" sibTransId="{91025D14-10F9-40BF-B55F-866FD63B9258}"/>
+    <dgm:cxn modelId="{27CC73D6-6698-49D3-945A-7D45FA0017CA}" type="presParOf" srcId="{A9A4DDB9-E64E-4F0E-B2BD-F8419AC57381}" destId="{9BCF8619-5F75-41E7-BC9B-15EE2797A200}" srcOrd="0" destOrd="0" presId="urn:microsoft.com/office/officeart/2005/8/layout/hList1"/>
+    <dgm:cxn modelId="{23951400-F5EF-4824-A5A0-D668CCC11BA7}" type="presParOf" srcId="{9BCF8619-5F75-41E7-BC9B-15EE2797A200}" destId="{C9BAEBD8-2202-419E-947D-E128E1D1799C}" srcOrd="0" destOrd="0" presId="urn:microsoft.com/office/officeart/2005/8/layout/hList1"/>
+    <dgm:cxn modelId="{3DF485F5-B5D4-4F0B-8466-D1F7B43D262E}" type="presParOf" srcId="{9BCF8619-5F75-41E7-BC9B-15EE2797A200}" destId="{AB3F3ED0-C353-4106-AE9F-58BADC57B5A3}" srcOrd="1" destOrd="0" presId="urn:microsoft.com/office/officeart/2005/8/layout/hList1"/>
+    <dgm:cxn modelId="{AF36CD21-2FA3-45F4-9ADA-B7A85B5CAE5C}" type="presParOf" srcId="{A9A4DDB9-E64E-4F0E-B2BD-F8419AC57381}" destId="{0E8D4E7F-E54D-46D7-A4F7-2E203372E328}" srcOrd="1" destOrd="0" presId="urn:microsoft.com/office/officeart/2005/8/layout/hList1"/>
+    <dgm:cxn modelId="{82B9DF8B-B16E-4B72-9FDD-FC397C13692E}" type="presParOf" srcId="{A9A4DDB9-E64E-4F0E-B2BD-F8419AC57381}" destId="{22325C39-9132-43F8-BC45-F9FE1053734F}" srcOrd="2" destOrd="0" presId="urn:microsoft.com/office/officeart/2005/8/layout/hList1"/>
+    <dgm:cxn modelId="{7B8300AD-DDBD-4954-8549-503A92E0C06D}" type="presParOf" srcId="{22325C39-9132-43F8-BC45-F9FE1053734F}" destId="{FCFA5902-CDA4-44D7-81F4-7642CD4645E5}" srcOrd="0" destOrd="0" presId="urn:microsoft.com/office/officeart/2005/8/layout/hList1"/>
+    <dgm:cxn modelId="{94464015-B3CB-4C77-A433-47A8E0DD504F}" type="presParOf" srcId="{22325C39-9132-43F8-BC45-F9FE1053734F}" destId="{071927AB-A6EC-4C09-931D-02BE466E7B3F}" srcOrd="1" destOrd="0" presId="urn:microsoft.com/office/officeart/2005/8/layout/hList1"/>
+    <dgm:cxn modelId="{83DAB007-813D-4160-BD5B-9262F7F240B8}" type="presParOf" srcId="{A9A4DDB9-E64E-4F0E-B2BD-F8419AC57381}" destId="{3CFED7FD-68C2-4601-960F-9FFD1105741A}" srcOrd="3" destOrd="0" presId="urn:microsoft.com/office/officeart/2005/8/layout/hList1"/>
+    <dgm:cxn modelId="{8AD49B7D-93D1-4956-A6C2-A26E8DBB24E4}" type="presParOf" srcId="{A9A4DDB9-E64E-4F0E-B2BD-F8419AC57381}" destId="{1D842957-B589-4ADA-B842-A53484ECE499}" srcOrd="4" destOrd="0" presId="urn:microsoft.com/office/officeart/2005/8/layout/hList1"/>
+    <dgm:cxn modelId="{1520457F-A779-426E-8FF7-D42FC16B2D05}" type="presParOf" srcId="{1D842957-B589-4ADA-B842-A53484ECE499}" destId="{270C6582-85ED-4E53-9018-63CDC739E4FE}" srcOrd="0" destOrd="0" presId="urn:microsoft.com/office/officeart/2005/8/layout/hList1"/>
+    <dgm:cxn modelId="{965C5C81-9E68-4685-A340-DB02FC2C70D8}" type="presParOf" srcId="{1D842957-B589-4ADA-B842-A53484ECE499}" destId="{F1738DBC-2D18-47D2-97EF-7B3AB1B94588}" srcOrd="1" destOrd="0" presId="urn:microsoft.com/office/officeart/2005/8/layout/hList1"/>
+    <dgm:cxn modelId="{689AAF62-58DA-4AD1-84B4-32DAC6A2036E}" type="presParOf" srcId="{A9A4DDB9-E64E-4F0E-B2BD-F8419AC57381}" destId="{168B8C67-786A-4BE7-A994-05F1E21F7509}" srcOrd="5" destOrd="0" presId="urn:microsoft.com/office/officeart/2005/8/layout/hList1"/>
+    <dgm:cxn modelId="{DD5A932B-A863-4C48-8183-0B4C08CC314D}" type="presParOf" srcId="{A9A4DDB9-E64E-4F0E-B2BD-F8419AC57381}" destId="{E9AD59AB-0904-4A30-82CC-2263ED21CC21}" srcOrd="6" destOrd="0" presId="urn:microsoft.com/office/officeart/2005/8/layout/hList1"/>
+    <dgm:cxn modelId="{21E1ED17-DF22-45C2-B97F-455F0EC97B48}" type="presParOf" srcId="{E9AD59AB-0904-4A30-82CC-2263ED21CC21}" destId="{195B9F5F-DC90-4DDE-A008-D743D5E18D83}" srcOrd="0" destOrd="0" presId="urn:microsoft.com/office/officeart/2005/8/layout/hList1"/>
+    <dgm:cxn modelId="{9F215EE0-550E-48E3-B0E9-2C31794D7E52}" type="presParOf" srcId="{E9AD59AB-0904-4A30-82CC-2263ED21CC21}" destId="{E4CB8C97-4590-4E34-ADC6-DD42B8BDC192}" srcOrd="1" destOrd="0" presId="urn:microsoft.com/office/officeart/2005/8/layout/hList1"/>
+  </dgm:cxnLst>
+  <dgm:bg/>
+  <dgm:whole/>
+  <dgm:extLst>
+    <a:ext uri="http://schemas.microsoft.com/office/drawing/2008/diagram">
+      <dsp:dataModelExt xmlns:dsp="http://schemas.microsoft.com/office/drawing/2008/diagram" relId="rId7" minVer="http://schemas.openxmlformats.org/drawingml/2006/diagram"/>
+    </a:ext>
+    <a:ext uri="{C62137D5-CB1D-491B-B009-E17868A290BF}">
+      <dgm14:recolorImg xmlns:dgm14="http://schemas.microsoft.com/office/drawing/2010/diagram" val="1"/>
+    </a:ext>
+  </dgm:extLst>
+</dgm:dataModel>
+</file>
+
+<file path=ppt/diagrams/drawing1.xml><?xml version="1.0" encoding="utf-8"?>
+<dsp:drawing xmlns:dgm="http://schemas.openxmlformats.org/drawingml/2006/diagram" xmlns:dsp="http://schemas.microsoft.com/office/drawing/2008/diagram" xmlns:a="http://schemas.openxmlformats.org/drawingml/2006/main">
+  <dsp:spTree>
+    <dsp:nvGrpSpPr>
+      <dsp:cNvPr id="0" name=""/>
+      <dsp:cNvGrpSpPr/>
+    </dsp:nvGrpSpPr>
+    <dsp:grpSpPr/>
+    <dsp:sp modelId="{C9BAEBD8-2202-419E-947D-E128E1D1799C}">
+      <dsp:nvSpPr>
+        <dsp:cNvPr id="0" name=""/>
+        <dsp:cNvSpPr/>
+      </dsp:nvSpPr>
+      <dsp:spPr>
+        <a:xfrm>
+          <a:off x="3288" y="1291966"/>
+          <a:ext cx="1977147" cy="653800"/>
+        </a:xfrm>
+        <a:prstGeom prst="rect">
+          <a:avLst/>
+        </a:prstGeom>
+        <a:solidFill>
+          <a:schemeClr val="accent3">
+            <a:hueOff val="0"/>
+            <a:satOff val="0"/>
+            <a:lumOff val="0"/>
+            <a:alphaOff val="0"/>
+          </a:schemeClr>
+        </a:solidFill>
+        <a:ln w="25400" cap="flat" cmpd="sng" algn="ctr">
+          <a:solidFill>
+            <a:schemeClr val="accent3">
+              <a:hueOff val="0"/>
+              <a:satOff val="0"/>
+              <a:lumOff val="0"/>
+              <a:alphaOff val="0"/>
+            </a:schemeClr>
+          </a:solidFill>
+          <a:prstDash val="solid"/>
+        </a:ln>
+        <a:effectLst/>
+      </dsp:spPr>
+      <dsp:style>
+        <a:lnRef idx="2">
+          <a:scrgbClr r="0" g="0" b="0"/>
+        </a:lnRef>
+        <a:fillRef idx="1">
+          <a:scrgbClr r="0" g="0" b="0"/>
+        </a:fillRef>
+        <a:effectRef idx="0">
+          <a:scrgbClr r="0" g="0" b="0"/>
+        </a:effectRef>
+        <a:fontRef idx="minor">
+          <a:schemeClr val="lt1"/>
+        </a:fontRef>
+      </dsp:style>
+      <dsp:txBody>
+        <a:bodyPr spcFirstLastPara="0" vert="horz" wrap="square" lIns="135128" tIns="77216" rIns="135128" bIns="77216" numCol="1" spcCol="1270" anchor="ctr" anchorCtr="0">
+          <a:noAutofit/>
+        </a:bodyPr>
+        <a:lstStyle/>
+        <a:p>
+          <a:pPr marL="0" lvl="0" indent="0" algn="ctr" defTabSz="844550">
+            <a:lnSpc>
+              <a:spcPct val="90000"/>
+            </a:lnSpc>
+            <a:spcBef>
+              <a:spcPct val="0"/>
+            </a:spcBef>
+            <a:spcAft>
+              <a:spcPct val="35000"/>
+            </a:spcAft>
+            <a:buNone/>
+          </a:pPr>
+          <a:r>
+            <a:rPr lang="en-GB" sz="1900" kern="1200" dirty="0"/>
+            <a:t>Requirement analysis</a:t>
+          </a:r>
+        </a:p>
+      </dsp:txBody>
+      <dsp:txXfrm>
+        <a:off x="3288" y="1291966"/>
+        <a:ext cx="1977147" cy="653800"/>
+      </dsp:txXfrm>
+    </dsp:sp>
+    <dsp:sp modelId="{AB3F3ED0-C353-4106-AE9F-58BADC57B5A3}">
+      <dsp:nvSpPr>
+        <dsp:cNvPr id="0" name=""/>
+        <dsp:cNvSpPr/>
+      </dsp:nvSpPr>
+      <dsp:spPr>
+        <a:xfrm>
+          <a:off x="3288" y="1945767"/>
+          <a:ext cx="1977147" cy="1641252"/>
+        </a:xfrm>
+        <a:prstGeom prst="rect">
+          <a:avLst/>
+        </a:prstGeom>
+        <a:solidFill>
+          <a:schemeClr val="accent3">
+            <a:alpha val="90000"/>
+            <a:tint val="40000"/>
+            <a:hueOff val="0"/>
+            <a:satOff val="0"/>
+            <a:lumOff val="0"/>
+            <a:alphaOff val="0"/>
+          </a:schemeClr>
+        </a:solidFill>
+        <a:ln w="25400" cap="flat" cmpd="sng" algn="ctr">
+          <a:solidFill>
+            <a:schemeClr val="accent3">
+              <a:alpha val="90000"/>
+              <a:tint val="40000"/>
+              <a:hueOff val="0"/>
+              <a:satOff val="0"/>
+              <a:lumOff val="0"/>
+              <a:alphaOff val="0"/>
+            </a:schemeClr>
+          </a:solidFill>
+          <a:prstDash val="solid"/>
+        </a:ln>
+        <a:effectLst/>
+      </dsp:spPr>
+      <dsp:style>
+        <a:lnRef idx="2">
+          <a:scrgbClr r="0" g="0" b="0"/>
+        </a:lnRef>
+        <a:fillRef idx="1">
+          <a:scrgbClr r="0" g="0" b="0"/>
+        </a:fillRef>
+        <a:effectRef idx="0">
+          <a:scrgbClr r="0" g="0" b="0"/>
+        </a:effectRef>
+        <a:fontRef idx="minor"/>
+      </dsp:style>
+      <dsp:txBody>
+        <a:bodyPr spcFirstLastPara="0" vert="horz" wrap="square" lIns="101346" tIns="101346" rIns="135128" bIns="152019" numCol="1" spcCol="1270" anchor="t" anchorCtr="0">
+          <a:noAutofit/>
+        </a:bodyPr>
+        <a:lstStyle/>
+        <a:p>
+          <a:pPr marL="171450" lvl="1" indent="-171450" algn="l" defTabSz="844550">
+            <a:lnSpc>
+              <a:spcPct val="90000"/>
+            </a:lnSpc>
+            <a:spcBef>
+              <a:spcPct val="0"/>
+            </a:spcBef>
+            <a:spcAft>
+              <a:spcPct val="15000"/>
+            </a:spcAft>
+            <a:buChar char="•"/>
+          </a:pPr>
+          <a:r>
+            <a:rPr lang="en-GB" sz="1900" kern="1200" dirty="0"/>
+            <a:t>Robust</a:t>
+          </a:r>
+        </a:p>
+        <a:p>
+          <a:pPr marL="171450" lvl="1" indent="-171450" algn="l" defTabSz="844550">
+            <a:lnSpc>
+              <a:spcPct val="90000"/>
+            </a:lnSpc>
+            <a:spcBef>
+              <a:spcPct val="0"/>
+            </a:spcBef>
+            <a:spcAft>
+              <a:spcPct val="15000"/>
+            </a:spcAft>
+            <a:buChar char="•"/>
+          </a:pPr>
+          <a:r>
+            <a:rPr lang="en-GB" sz="1900" kern="1200" dirty="0"/>
+            <a:t>Fast</a:t>
+          </a:r>
+        </a:p>
+        <a:p>
+          <a:pPr marL="171450" lvl="1" indent="-171450" algn="l" defTabSz="844550">
+            <a:lnSpc>
+              <a:spcPct val="90000"/>
+            </a:lnSpc>
+            <a:spcBef>
+              <a:spcPct val="0"/>
+            </a:spcBef>
+            <a:spcAft>
+              <a:spcPct val="15000"/>
+            </a:spcAft>
+            <a:buChar char="•"/>
+          </a:pPr>
+          <a:r>
+            <a:rPr lang="en-GB" sz="1900" kern="1200" dirty="0"/>
+            <a:t>Real time</a:t>
+          </a:r>
+        </a:p>
+        <a:p>
+          <a:pPr marL="171450" lvl="1" indent="-171450" algn="l" defTabSz="844550">
+            <a:lnSpc>
+              <a:spcPct val="90000"/>
+            </a:lnSpc>
+            <a:spcBef>
+              <a:spcPct val="0"/>
+            </a:spcBef>
+            <a:spcAft>
+              <a:spcPct val="15000"/>
+            </a:spcAft>
+            <a:buChar char="•"/>
+          </a:pPr>
+          <a:r>
+            <a:rPr lang="en-GB" sz="1900" kern="1200" dirty="0"/>
+            <a:t>Expandable</a:t>
+          </a:r>
+        </a:p>
+      </dsp:txBody>
+      <dsp:txXfrm>
+        <a:off x="3288" y="1945767"/>
+        <a:ext cx="1977147" cy="1641252"/>
+      </dsp:txXfrm>
+    </dsp:sp>
+    <dsp:sp modelId="{FCFA5902-CDA4-44D7-81F4-7642CD4645E5}">
+      <dsp:nvSpPr>
+        <dsp:cNvPr id="0" name=""/>
+        <dsp:cNvSpPr/>
+      </dsp:nvSpPr>
+      <dsp:spPr>
+        <a:xfrm>
+          <a:off x="2257236" y="1291966"/>
+          <a:ext cx="1977147" cy="653800"/>
+        </a:xfrm>
+        <a:prstGeom prst="rect">
+          <a:avLst/>
+        </a:prstGeom>
+        <a:solidFill>
+          <a:schemeClr val="accent3">
+            <a:hueOff val="0"/>
+            <a:satOff val="0"/>
+            <a:lumOff val="0"/>
+            <a:alphaOff val="0"/>
+          </a:schemeClr>
+        </a:solidFill>
+        <a:ln w="25400" cap="flat" cmpd="sng" algn="ctr">
+          <a:solidFill>
+            <a:schemeClr val="accent3">
+              <a:hueOff val="0"/>
+              <a:satOff val="0"/>
+              <a:lumOff val="0"/>
+              <a:alphaOff val="0"/>
+            </a:schemeClr>
+          </a:solidFill>
+          <a:prstDash val="solid"/>
+        </a:ln>
+        <a:effectLst/>
+      </dsp:spPr>
+      <dsp:style>
+        <a:lnRef idx="2">
+          <a:scrgbClr r="0" g="0" b="0"/>
+        </a:lnRef>
+        <a:fillRef idx="1">
+          <a:scrgbClr r="0" g="0" b="0"/>
+        </a:fillRef>
+        <a:effectRef idx="0">
+          <a:scrgbClr r="0" g="0" b="0"/>
+        </a:effectRef>
+        <a:fontRef idx="minor">
+          <a:schemeClr val="lt1"/>
+        </a:fontRef>
+      </dsp:style>
+      <dsp:txBody>
+        <a:bodyPr spcFirstLastPara="0" vert="horz" wrap="square" lIns="135128" tIns="77216" rIns="135128" bIns="77216" numCol="1" spcCol="1270" anchor="ctr" anchorCtr="0">
+          <a:noAutofit/>
+        </a:bodyPr>
+        <a:lstStyle/>
+        <a:p>
+          <a:pPr marL="0" lvl="0" indent="0" algn="ctr" defTabSz="844550">
+            <a:lnSpc>
+              <a:spcPct val="90000"/>
+            </a:lnSpc>
+            <a:spcBef>
+              <a:spcPct val="0"/>
+            </a:spcBef>
+            <a:spcAft>
+              <a:spcPct val="35000"/>
+            </a:spcAft>
+            <a:buNone/>
+          </a:pPr>
+          <a:r>
+            <a:rPr lang="en-GB" sz="1900" kern="1200" dirty="0"/>
+            <a:t>Protocol design</a:t>
+          </a:r>
+        </a:p>
+      </dsp:txBody>
+      <dsp:txXfrm>
+        <a:off x="2257236" y="1291966"/>
+        <a:ext cx="1977147" cy="653800"/>
+      </dsp:txXfrm>
+    </dsp:sp>
+    <dsp:sp modelId="{071927AB-A6EC-4C09-931D-02BE466E7B3F}">
+      <dsp:nvSpPr>
+        <dsp:cNvPr id="0" name=""/>
+        <dsp:cNvSpPr/>
+      </dsp:nvSpPr>
+      <dsp:spPr>
+        <a:xfrm>
+          <a:off x="2257236" y="1945767"/>
+          <a:ext cx="1977147" cy="1641252"/>
+        </a:xfrm>
+        <a:prstGeom prst="rect">
+          <a:avLst/>
+        </a:prstGeom>
+        <a:solidFill>
+          <a:schemeClr val="accent3">
+            <a:alpha val="90000"/>
+            <a:tint val="40000"/>
+            <a:hueOff val="0"/>
+            <a:satOff val="0"/>
+            <a:lumOff val="0"/>
+            <a:alphaOff val="0"/>
+          </a:schemeClr>
+        </a:solidFill>
+        <a:ln w="25400" cap="flat" cmpd="sng" algn="ctr">
+          <a:solidFill>
+            <a:schemeClr val="accent3">
+              <a:alpha val="90000"/>
+              <a:tint val="40000"/>
+              <a:hueOff val="0"/>
+              <a:satOff val="0"/>
+              <a:lumOff val="0"/>
+              <a:alphaOff val="0"/>
+            </a:schemeClr>
+          </a:solidFill>
+          <a:prstDash val="solid"/>
+        </a:ln>
+        <a:effectLst/>
+      </dsp:spPr>
+      <dsp:style>
+        <a:lnRef idx="2">
+          <a:scrgbClr r="0" g="0" b="0"/>
+        </a:lnRef>
+        <a:fillRef idx="1">
+          <a:scrgbClr r="0" g="0" b="0"/>
+        </a:fillRef>
+        <a:effectRef idx="0">
+          <a:scrgbClr r="0" g="0" b="0"/>
+        </a:effectRef>
+        <a:fontRef idx="minor"/>
+      </dsp:style>
+      <dsp:txBody>
+        <a:bodyPr spcFirstLastPara="0" vert="horz" wrap="square" lIns="101346" tIns="101346" rIns="135128" bIns="152019" numCol="1" spcCol="1270" anchor="t" anchorCtr="0">
+          <a:noAutofit/>
+        </a:bodyPr>
+        <a:lstStyle/>
+        <a:p>
+          <a:pPr marL="171450" lvl="1" indent="-171450" algn="l" defTabSz="844550">
+            <a:lnSpc>
+              <a:spcPct val="90000"/>
+            </a:lnSpc>
+            <a:spcBef>
+              <a:spcPct val="0"/>
+            </a:spcBef>
+            <a:spcAft>
+              <a:spcPct val="15000"/>
+            </a:spcAft>
+            <a:buChar char="•"/>
+          </a:pPr>
+          <a:r>
+            <a:rPr lang="en-GB" sz="1900" kern="1200" dirty="0"/>
+            <a:t>COBS</a:t>
+          </a:r>
+        </a:p>
+        <a:p>
+          <a:pPr marL="171450" lvl="1" indent="-171450" algn="l" defTabSz="844550">
+            <a:lnSpc>
+              <a:spcPct val="90000"/>
+            </a:lnSpc>
+            <a:spcBef>
+              <a:spcPct val="0"/>
+            </a:spcBef>
+            <a:spcAft>
+              <a:spcPct val="15000"/>
+            </a:spcAft>
+            <a:buChar char="•"/>
+          </a:pPr>
+          <a:r>
+            <a:rPr lang="en-GB" sz="1900" kern="1200" dirty="0"/>
+            <a:t>Fletcher’s Checksum</a:t>
+          </a:r>
+        </a:p>
+        <a:p>
+          <a:pPr marL="171450" lvl="1" indent="-171450" algn="l" defTabSz="844550">
+            <a:lnSpc>
+              <a:spcPct val="90000"/>
+            </a:lnSpc>
+            <a:spcBef>
+              <a:spcPct val="0"/>
+            </a:spcBef>
+            <a:spcAft>
+              <a:spcPct val="15000"/>
+            </a:spcAft>
+            <a:buChar char="•"/>
+          </a:pPr>
+          <a:r>
+            <a:rPr lang="en-GB" sz="1900" kern="1200" dirty="0"/>
+            <a:t>Etc.</a:t>
+          </a:r>
+        </a:p>
+        <a:p>
+          <a:pPr marL="171450" lvl="1" indent="-171450" algn="l" defTabSz="844550">
+            <a:lnSpc>
+              <a:spcPct val="90000"/>
+            </a:lnSpc>
+            <a:spcBef>
+              <a:spcPct val="0"/>
+            </a:spcBef>
+            <a:spcAft>
+              <a:spcPct val="15000"/>
+            </a:spcAft>
+            <a:buChar char="•"/>
+          </a:pPr>
+          <a:endParaRPr lang="en-GB" sz="1900" kern="1200" dirty="0"/>
+        </a:p>
+      </dsp:txBody>
+      <dsp:txXfrm>
+        <a:off x="2257236" y="1945767"/>
+        <a:ext cx="1977147" cy="1641252"/>
+      </dsp:txXfrm>
+    </dsp:sp>
+    <dsp:sp modelId="{270C6582-85ED-4E53-9018-63CDC739E4FE}">
+      <dsp:nvSpPr>
+        <dsp:cNvPr id="0" name=""/>
+        <dsp:cNvSpPr/>
+      </dsp:nvSpPr>
+      <dsp:spPr>
+        <a:xfrm>
+          <a:off x="4511184" y="1291966"/>
+          <a:ext cx="1977147" cy="653800"/>
+        </a:xfrm>
+        <a:prstGeom prst="rect">
+          <a:avLst/>
+        </a:prstGeom>
+        <a:solidFill>
+          <a:schemeClr val="accent3">
+            <a:hueOff val="0"/>
+            <a:satOff val="0"/>
+            <a:lumOff val="0"/>
+            <a:alphaOff val="0"/>
+          </a:schemeClr>
+        </a:solidFill>
+        <a:ln w="25400" cap="flat" cmpd="sng" algn="ctr">
+          <a:solidFill>
+            <a:schemeClr val="accent3">
+              <a:hueOff val="0"/>
+              <a:satOff val="0"/>
+              <a:lumOff val="0"/>
+              <a:alphaOff val="0"/>
+            </a:schemeClr>
+          </a:solidFill>
+          <a:prstDash val="solid"/>
+        </a:ln>
+        <a:effectLst/>
+      </dsp:spPr>
+      <dsp:style>
+        <a:lnRef idx="2">
+          <a:scrgbClr r="0" g="0" b="0"/>
+        </a:lnRef>
+        <a:fillRef idx="1">
+          <a:scrgbClr r="0" g="0" b="0"/>
+        </a:fillRef>
+        <a:effectRef idx="0">
+          <a:scrgbClr r="0" g="0" b="0"/>
+        </a:effectRef>
+        <a:fontRef idx="minor">
+          <a:schemeClr val="lt1"/>
+        </a:fontRef>
+      </dsp:style>
+      <dsp:txBody>
+        <a:bodyPr spcFirstLastPara="0" vert="horz" wrap="square" lIns="135128" tIns="77216" rIns="135128" bIns="77216" numCol="1" spcCol="1270" anchor="ctr" anchorCtr="0">
+          <a:noAutofit/>
+        </a:bodyPr>
+        <a:lstStyle/>
+        <a:p>
+          <a:pPr marL="0" lvl="0" indent="0" algn="ctr" defTabSz="844550">
+            <a:lnSpc>
+              <a:spcPct val="90000"/>
+            </a:lnSpc>
+            <a:spcBef>
+              <a:spcPct val="0"/>
+            </a:spcBef>
+            <a:spcAft>
+              <a:spcPct val="35000"/>
+            </a:spcAft>
+            <a:buNone/>
+          </a:pPr>
+          <a:r>
+            <a:rPr lang="en-GB" sz="1900" kern="1200" dirty="0"/>
+            <a:t>Implementation</a:t>
+          </a:r>
+        </a:p>
+      </dsp:txBody>
+      <dsp:txXfrm>
+        <a:off x="4511184" y="1291966"/>
+        <a:ext cx="1977147" cy="653800"/>
+      </dsp:txXfrm>
+    </dsp:sp>
+    <dsp:sp modelId="{F1738DBC-2D18-47D2-97EF-7B3AB1B94588}">
+      <dsp:nvSpPr>
+        <dsp:cNvPr id="0" name=""/>
+        <dsp:cNvSpPr/>
+      </dsp:nvSpPr>
+      <dsp:spPr>
+        <a:xfrm>
+          <a:off x="4511184" y="1945767"/>
+          <a:ext cx="1977147" cy="1641252"/>
+        </a:xfrm>
+        <a:prstGeom prst="rect">
+          <a:avLst/>
+        </a:prstGeom>
+        <a:solidFill>
+          <a:schemeClr val="accent3">
+            <a:alpha val="90000"/>
+            <a:tint val="40000"/>
+            <a:hueOff val="0"/>
+            <a:satOff val="0"/>
+            <a:lumOff val="0"/>
+            <a:alphaOff val="0"/>
+          </a:schemeClr>
+        </a:solidFill>
+        <a:ln w="25400" cap="flat" cmpd="sng" algn="ctr">
+          <a:solidFill>
+            <a:schemeClr val="accent3">
+              <a:alpha val="90000"/>
+              <a:tint val="40000"/>
+              <a:hueOff val="0"/>
+              <a:satOff val="0"/>
+              <a:lumOff val="0"/>
+              <a:alphaOff val="0"/>
+            </a:schemeClr>
+          </a:solidFill>
+          <a:prstDash val="solid"/>
+        </a:ln>
+        <a:effectLst/>
+      </dsp:spPr>
+      <dsp:style>
+        <a:lnRef idx="2">
+          <a:scrgbClr r="0" g="0" b="0"/>
+        </a:lnRef>
+        <a:fillRef idx="1">
+          <a:scrgbClr r="0" g="0" b="0"/>
+        </a:fillRef>
+        <a:effectRef idx="0">
+          <a:scrgbClr r="0" g="0" b="0"/>
+        </a:effectRef>
+        <a:fontRef idx="minor"/>
+      </dsp:style>
+      <dsp:txBody>
+        <a:bodyPr spcFirstLastPara="0" vert="horz" wrap="square" lIns="101346" tIns="101346" rIns="135128" bIns="152019" numCol="1" spcCol="1270" anchor="t" anchorCtr="0">
+          <a:noAutofit/>
+        </a:bodyPr>
+        <a:lstStyle/>
+        <a:p>
+          <a:pPr marL="171450" lvl="1" indent="-171450" algn="l" defTabSz="844550">
+            <a:lnSpc>
+              <a:spcPct val="90000"/>
+            </a:lnSpc>
+            <a:spcBef>
+              <a:spcPct val="0"/>
+            </a:spcBef>
+            <a:spcAft>
+              <a:spcPct val="15000"/>
+            </a:spcAft>
+            <a:buChar char="•"/>
+          </a:pPr>
+          <a:r>
+            <a:rPr lang="en-GB" sz="1900" kern="1200" dirty="0"/>
+            <a:t>Fact2</a:t>
+          </a:r>
+        </a:p>
+        <a:p>
+          <a:pPr marL="171450" lvl="1" indent="-171450" algn="l" defTabSz="844550">
+            <a:lnSpc>
+              <a:spcPct val="90000"/>
+            </a:lnSpc>
+            <a:spcBef>
+              <a:spcPct val="0"/>
+            </a:spcBef>
+            <a:spcAft>
+              <a:spcPct val="15000"/>
+            </a:spcAft>
+            <a:buChar char="•"/>
+          </a:pPr>
+          <a:r>
+            <a:rPr lang="en-GB" sz="1900" kern="1200" dirty="0"/>
+            <a:t>Fact3</a:t>
+          </a:r>
+        </a:p>
+        <a:p>
+          <a:pPr marL="171450" lvl="1" indent="-171450" algn="l" defTabSz="844550">
+            <a:lnSpc>
+              <a:spcPct val="90000"/>
+            </a:lnSpc>
+            <a:spcBef>
+              <a:spcPct val="0"/>
+            </a:spcBef>
+            <a:spcAft>
+              <a:spcPct val="15000"/>
+            </a:spcAft>
+            <a:buChar char="•"/>
+          </a:pPr>
+          <a:r>
+            <a:rPr lang="en-GB" sz="1900" kern="1200" dirty="0"/>
+            <a:t>fact4</a:t>
+          </a:r>
+        </a:p>
+      </dsp:txBody>
+      <dsp:txXfrm>
+        <a:off x="4511184" y="1945767"/>
+        <a:ext cx="1977147" cy="1641252"/>
+      </dsp:txXfrm>
+    </dsp:sp>
+    <dsp:sp modelId="{195B9F5F-DC90-4DDE-A008-D743D5E18D83}">
+      <dsp:nvSpPr>
+        <dsp:cNvPr id="0" name=""/>
+        <dsp:cNvSpPr/>
+      </dsp:nvSpPr>
+      <dsp:spPr>
+        <a:xfrm>
+          <a:off x="6765132" y="1291966"/>
+          <a:ext cx="1977147" cy="653800"/>
+        </a:xfrm>
+        <a:prstGeom prst="rect">
+          <a:avLst/>
+        </a:prstGeom>
+        <a:solidFill>
+          <a:schemeClr val="accent3">
+            <a:hueOff val="0"/>
+            <a:satOff val="0"/>
+            <a:lumOff val="0"/>
+            <a:alphaOff val="0"/>
+          </a:schemeClr>
+        </a:solidFill>
+        <a:ln w="25400" cap="flat" cmpd="sng" algn="ctr">
+          <a:solidFill>
+            <a:schemeClr val="accent3">
+              <a:hueOff val="0"/>
+              <a:satOff val="0"/>
+              <a:lumOff val="0"/>
+              <a:alphaOff val="0"/>
+            </a:schemeClr>
+          </a:solidFill>
+          <a:prstDash val="solid"/>
+        </a:ln>
+        <a:effectLst/>
+      </dsp:spPr>
+      <dsp:style>
+        <a:lnRef idx="2">
+          <a:scrgbClr r="0" g="0" b="0"/>
+        </a:lnRef>
+        <a:fillRef idx="1">
+          <a:scrgbClr r="0" g="0" b="0"/>
+        </a:fillRef>
+        <a:effectRef idx="0">
+          <a:scrgbClr r="0" g="0" b="0"/>
+        </a:effectRef>
+        <a:fontRef idx="minor">
+          <a:schemeClr val="lt1"/>
+        </a:fontRef>
+      </dsp:style>
+      <dsp:txBody>
+        <a:bodyPr spcFirstLastPara="0" vert="horz" wrap="square" lIns="135128" tIns="77216" rIns="135128" bIns="77216" numCol="1" spcCol="1270" anchor="ctr" anchorCtr="0">
+          <a:noAutofit/>
+        </a:bodyPr>
+        <a:lstStyle/>
+        <a:p>
+          <a:pPr marL="0" lvl="0" indent="0" algn="ctr" defTabSz="844550">
+            <a:lnSpc>
+              <a:spcPct val="90000"/>
+            </a:lnSpc>
+            <a:spcBef>
+              <a:spcPct val="0"/>
+            </a:spcBef>
+            <a:spcAft>
+              <a:spcPct val="35000"/>
+            </a:spcAft>
+            <a:buNone/>
+          </a:pPr>
+          <a:r>
+            <a:rPr lang="en-GB" sz="1900" kern="1200" dirty="0"/>
+            <a:t>Testing</a:t>
+          </a:r>
+        </a:p>
+      </dsp:txBody>
+      <dsp:txXfrm>
+        <a:off x="6765132" y="1291966"/>
+        <a:ext cx="1977147" cy="653800"/>
+      </dsp:txXfrm>
+    </dsp:sp>
+    <dsp:sp modelId="{E4CB8C97-4590-4E34-ADC6-DD42B8BDC192}">
+      <dsp:nvSpPr>
+        <dsp:cNvPr id="0" name=""/>
+        <dsp:cNvSpPr/>
+      </dsp:nvSpPr>
+      <dsp:spPr>
+        <a:xfrm>
+          <a:off x="6765132" y="1945767"/>
+          <a:ext cx="1977147" cy="1641252"/>
+        </a:xfrm>
+        <a:prstGeom prst="rect">
+          <a:avLst/>
+        </a:prstGeom>
+        <a:solidFill>
+          <a:schemeClr val="accent3">
+            <a:alpha val="90000"/>
+            <a:tint val="40000"/>
+            <a:hueOff val="0"/>
+            <a:satOff val="0"/>
+            <a:lumOff val="0"/>
+            <a:alphaOff val="0"/>
+          </a:schemeClr>
+        </a:solidFill>
+        <a:ln w="25400" cap="flat" cmpd="sng" algn="ctr">
+          <a:solidFill>
+            <a:schemeClr val="accent3">
+              <a:alpha val="90000"/>
+              <a:tint val="40000"/>
+              <a:hueOff val="0"/>
+              <a:satOff val="0"/>
+              <a:lumOff val="0"/>
+              <a:alphaOff val="0"/>
+            </a:schemeClr>
+          </a:solidFill>
+          <a:prstDash val="solid"/>
+        </a:ln>
+        <a:effectLst/>
+      </dsp:spPr>
+      <dsp:style>
+        <a:lnRef idx="2">
+          <a:scrgbClr r="0" g="0" b="0"/>
+        </a:lnRef>
+        <a:fillRef idx="1">
+          <a:scrgbClr r="0" g="0" b="0"/>
+        </a:fillRef>
+        <a:effectRef idx="0">
+          <a:scrgbClr r="0" g="0" b="0"/>
+        </a:effectRef>
+        <a:fontRef idx="minor"/>
+      </dsp:style>
+      <dsp:txBody>
+        <a:bodyPr spcFirstLastPara="0" vert="horz" wrap="square" lIns="101346" tIns="101346" rIns="135128" bIns="152019" numCol="1" spcCol="1270" anchor="t" anchorCtr="0">
+          <a:noAutofit/>
+        </a:bodyPr>
+        <a:lstStyle/>
+        <a:p>
+          <a:pPr marL="171450" lvl="1" indent="-171450" algn="l" defTabSz="844550">
+            <a:lnSpc>
+              <a:spcPct val="90000"/>
+            </a:lnSpc>
+            <a:spcBef>
+              <a:spcPct val="0"/>
+            </a:spcBef>
+            <a:spcAft>
+              <a:spcPct val="15000"/>
+            </a:spcAft>
+            <a:buChar char="•"/>
+          </a:pPr>
+          <a:r>
+            <a:rPr lang="en-GB" sz="1900" kern="1200" dirty="0"/>
+            <a:t>Fact5</a:t>
+          </a:r>
+        </a:p>
+        <a:p>
+          <a:pPr marL="171450" lvl="1" indent="-171450" algn="l" defTabSz="844550">
+            <a:lnSpc>
+              <a:spcPct val="90000"/>
+            </a:lnSpc>
+            <a:spcBef>
+              <a:spcPct val="0"/>
+            </a:spcBef>
+            <a:spcAft>
+              <a:spcPct val="15000"/>
+            </a:spcAft>
+            <a:buChar char="•"/>
+          </a:pPr>
+          <a:r>
+            <a:rPr lang="en-GB" sz="1900" kern="1200" dirty="0"/>
+            <a:t>Dact6</a:t>
+          </a:r>
+        </a:p>
+        <a:p>
+          <a:pPr marL="171450" lvl="1" indent="-171450" algn="l" defTabSz="844550">
+            <a:lnSpc>
+              <a:spcPct val="90000"/>
+            </a:lnSpc>
+            <a:spcBef>
+              <a:spcPct val="0"/>
+            </a:spcBef>
+            <a:spcAft>
+              <a:spcPct val="15000"/>
+            </a:spcAft>
+            <a:buChar char="•"/>
+          </a:pPr>
+          <a:r>
+            <a:rPr lang="en-GB" sz="1900" kern="1200" dirty="0"/>
+            <a:t>Dact7</a:t>
+          </a:r>
+        </a:p>
+      </dsp:txBody>
+      <dsp:txXfrm>
+        <a:off x="6765132" y="1945767"/>
+        <a:ext cx="1977147" cy="1641252"/>
+      </dsp:txXfrm>
+    </dsp:sp>
+  </dsp:spTree>
+</dsp:drawing>
+</file>
+
+<file path=ppt/diagrams/layout1.xml><?xml version="1.0" encoding="utf-8"?>
+<dgm:layoutDef xmlns:dgm="http://schemas.openxmlformats.org/drawingml/2006/diagram" xmlns:a="http://schemas.openxmlformats.org/drawingml/2006/main" uniqueId="urn:microsoft.com/office/officeart/2005/8/layout/hList1">
+  <dgm:title val=""/>
+  <dgm:desc val=""/>
+  <dgm:catLst>
+    <dgm:cat type="list" pri="5000"/>
+    <dgm:cat type="convert" pri="5000"/>
+  </dgm:catLst>
+  <dgm:sampData>
+    <dgm:dataModel>
+      <dgm:ptLst>
+        <dgm:pt modelId="0" type="doc"/>
+        <dgm:pt modelId="1">
+          <dgm:prSet phldr="1"/>
+        </dgm:pt>
+        <dgm:pt modelId="11">
+          <dgm:prSet phldr="1"/>
+        </dgm:pt>
+        <dgm:pt modelId="12">
+          <dgm:prSet phldr="1"/>
+        </dgm:pt>
+        <dgm:pt modelId="2">
+          <dgm:prSet phldr="1"/>
+        </dgm:pt>
+        <dgm:pt modelId="21">
+          <dgm:prSet phldr="1"/>
+        </dgm:pt>
+        <dgm:pt modelId="22">
+          <dgm:prSet phldr="1"/>
+        </dgm:pt>
+        <dgm:pt modelId="3">
+          <dgm:prSet phldr="1"/>
+        </dgm:pt>
+        <dgm:pt modelId="31">
+          <dgm:prSet phldr="1"/>
+        </dgm:pt>
+        <dgm:pt modelId="32">
+          <dgm:prSet phldr="1"/>
+        </dgm:pt>
+      </dgm:ptLst>
+      <dgm:cxnLst>
+        <dgm:cxn modelId="4" srcId="0" destId="1" srcOrd="0" destOrd="0"/>
+        <dgm:cxn modelId="5" srcId="0" destId="2" srcOrd="1" destOrd="0"/>
+        <dgm:cxn modelId="6" srcId="0" destId="3" srcOrd="2" destOrd="0"/>
+        <dgm:cxn modelId="13" srcId="1" destId="11" srcOrd="0" destOrd="0"/>
+        <dgm:cxn modelId="14" srcId="1" destId="12" srcOrd="1" destOrd="0"/>
+        <dgm:cxn modelId="23" srcId="2" destId="21" srcOrd="0" destOrd="0"/>
+        <dgm:cxn modelId="24" srcId="2" destId="22" srcOrd="1" destOrd="0"/>
+        <dgm:cxn modelId="33" srcId="3" destId="31" srcOrd="0" destOrd="0"/>
+        <dgm:cxn modelId="34" srcId="3" destId="32" srcOrd="1" destOrd="0"/>
+      </dgm:cxnLst>
+      <dgm:bg/>
+      <dgm:whole/>
+    </dgm:dataModel>
+  </dgm:sampData>
+  <dgm:styleData>
+    <dgm:dataModel>
+      <dgm:ptLst>
+        <dgm:pt modelId="0" type="doc"/>
+        <dgm:pt modelId="1">
+          <dgm:prSet phldr="1"/>
+        </dgm:pt>
+        <dgm:pt modelId="2">
+          <dgm:prSet phldr="1"/>
+        </dgm:pt>
+      </dgm:ptLst>
+      <dgm:cxnLst>
+        <dgm:cxn modelId="3" srcId="0" destId="1" srcOrd="0" destOrd="0"/>
+        <dgm:cxn modelId="4" srcId="0" destId="2" srcOrd="1" destOrd="0"/>
+      </dgm:cxnLst>
+      <dgm:bg/>
+      <dgm:whole/>
+    </dgm:dataModel>
+  </dgm:styleData>
+  <dgm:clrData>
+    <dgm:dataModel>
+      <dgm:ptLst>
+        <dgm:pt modelId="0" type="doc"/>
+        <dgm:pt modelId="1">
+          <dgm:prSet phldr="1"/>
+        </dgm:pt>
+        <dgm:pt modelId="2">
+          <dgm:prSet phldr="1"/>
+        </dgm:pt>
+        <dgm:pt modelId="3">
+          <dgm:prSet phldr="1"/>
+        </dgm:pt>
+        <dgm:pt modelId="4">
+          <dgm:prSet phldr="1"/>
+        </dgm:pt>
+      </dgm:ptLst>
+      <dgm:cxnLst>
+        <dgm:cxn modelId="5" srcId="0" destId="1" srcOrd="0" destOrd="0"/>
+        <dgm:cxn modelId="6" srcId="0" destId="2" srcOrd="1" destOrd="0"/>
+        <dgm:cxn modelId="7" srcId="0" destId="3" srcOrd="2" destOrd="0"/>
+        <dgm:cxn modelId="8" srcId="0" destId="4" srcOrd="3" destOrd="0"/>
+      </dgm:cxnLst>
+      <dgm:bg/>
+      <dgm:whole/>
+    </dgm:dataModel>
+  </dgm:clrData>
+  <dgm:layoutNode name="Name0">
+    <dgm:varLst>
+      <dgm:dir/>
+      <dgm:animLvl val="lvl"/>
+      <dgm:resizeHandles val="exact"/>
+    </dgm:varLst>
+    <dgm:choose name="Name1">
+      <dgm:if name="Name2" func="var" arg="dir" op="equ" val="norm">
+        <dgm:alg type="lin"/>
+      </dgm:if>
+      <dgm:else name="Name3">
+        <dgm:alg type="lin">
+          <dgm:param type="linDir" val="fromR"/>
+        </dgm:alg>
+      </dgm:else>
+    </dgm:choose>
+    <dgm:shape xmlns:r="http://schemas.openxmlformats.org/officeDocument/2006/relationships" r:blip="">
+      <dgm:adjLst/>
+    </dgm:shape>
+    <dgm:presOf/>
+    <dgm:constrLst>
+      <dgm:constr type="h" for="ch" forName="composite" refType="h"/>
+      <dgm:constr type="w" for="ch" forName="composite" refType="w"/>
+      <dgm:constr type="w" for="des" forName="parTx"/>
+      <dgm:constr type="h" for="des" forName="parTx" op="equ"/>
+      <dgm:constr type="w" for="des" forName="desTx"/>
+      <dgm:constr type="h" for="des" forName="desTx" op="equ"/>
+      <dgm:constr type="primFontSz" for="des" forName="parTx" val="65"/>
+      <dgm:constr type="secFontSz" for="des" forName="desTx" refType="primFontSz" refFor="des" refForName="parTx" op="equ"/>
+      <dgm:constr type="h" for="des" forName="parTx" refType="primFontSz" refFor="des" refForName="parTx" fact="0.8"/>
+      <dgm:constr type="h" for="des" forName="desTx" refType="primFontSz" refFor="des" refForName="parTx" fact="1.22"/>
+      <dgm:constr type="w" for="ch" forName="space" refType="w" refFor="ch" refForName="composite" op="equ" fact="0.14"/>
+    </dgm:constrLst>
+    <dgm:ruleLst>
+      <dgm:rule type="w" for="ch" forName="composite" val="0" fact="NaN" max="NaN"/>
+      <dgm:rule type="primFontSz" for="des" forName="parTx" val="5" fact="NaN" max="NaN"/>
+    </dgm:ruleLst>
+    <dgm:forEach name="Name4" axis="ch" ptType="node">
+      <dgm:layoutNode name="composite">
+        <dgm:alg type="composite"/>
+        <dgm:shape xmlns:r="http://schemas.openxmlformats.org/officeDocument/2006/relationships" r:blip="">
+          <dgm:adjLst/>
+        </dgm:shape>
+        <dgm:presOf/>
+        <dgm:constrLst>
+          <dgm:constr type="l" for="ch" forName="parTx"/>
+          <dgm:constr type="w" for="ch" forName="parTx" refType="w"/>
+          <dgm:constr type="t" for="ch" forName="parTx"/>
+          <dgm:constr type="l" for="ch" forName="desTx"/>
+          <dgm:constr type="w" for="ch" forName="desTx" refType="w" refFor="ch" refForName="parTx"/>
+          <dgm:constr type="t" for="ch" forName="desTx" refType="h" refFor="ch" refForName="parTx"/>
+        </dgm:constrLst>
+        <dgm:ruleLst>
+          <dgm:rule type="h" val="INF" fact="NaN" max="NaN"/>
+        </dgm:ruleLst>
+        <dgm:layoutNode name="parTx" styleLbl="alignNode1">
+          <dgm:varLst>
+            <dgm:chMax val="0"/>
+            <dgm:chPref val="0"/>
+            <dgm:bulletEnabled val="1"/>
+          </dgm:varLst>
+          <dgm:alg type="tx"/>
+          <dgm:shape xmlns:r="http://schemas.openxmlformats.org/officeDocument/2006/relationships" type="rect" r:blip="">
+            <dgm:adjLst/>
+          </dgm:shape>
+          <dgm:presOf axis="self" ptType="node"/>
+          <dgm:constrLst>
+            <dgm:constr type="h" refType="w" op="lte" fact="0.4"/>
+            <dgm:constr type="h"/>
+            <dgm:constr type="tMarg" refType="primFontSz" fact="0.32"/>
+            <dgm:constr type="bMarg" refType="primFontSz" fact="0.32"/>
+          </dgm:constrLst>
+          <dgm:ruleLst>
+            <dgm:rule type="h" val="INF" fact="NaN" max="NaN"/>
+          </dgm:ruleLst>
+        </dgm:layoutNode>
+        <dgm:layoutNode name="desTx" styleLbl="alignAccFollowNode1">
+          <dgm:varLst>
+            <dgm:bulletEnabled val="1"/>
+          </dgm:varLst>
+          <dgm:alg type="tx">
+            <dgm:param type="stBulletLvl" val="1"/>
+          </dgm:alg>
+          <dgm:shape xmlns:r="http://schemas.openxmlformats.org/officeDocument/2006/relationships" type="rect" r:blip="">
+            <dgm:adjLst/>
+          </dgm:shape>
+          <dgm:presOf axis="des" ptType="node"/>
+          <dgm:constrLst>
+            <dgm:constr type="secFontSz" val="65"/>
+            <dgm:constr type="primFontSz" refType="secFontSz"/>
+            <dgm:constr type="h"/>
+            <dgm:constr type="lMarg" refType="primFontSz" fact="0.42"/>
+            <dgm:constr type="tMarg" refType="primFontSz" fact="0.42"/>
+            <dgm:constr type="bMarg" refType="primFontSz" fact="0.63"/>
+          </dgm:constrLst>
+          <dgm:ruleLst>
+            <dgm:rule type="h" val="INF" fact="NaN" max="NaN"/>
+          </dgm:ruleLst>
+        </dgm:layoutNode>
+      </dgm:layoutNode>
+      <dgm:forEach name="Name5" axis="followSib" ptType="sibTrans" cnt="1">
+        <dgm:layoutNode name="space">
+          <dgm:alg type="sp"/>
+          <dgm:shape xmlns:r="http://schemas.openxmlformats.org/officeDocument/2006/relationships" r:blip="">
+            <dgm:adjLst/>
+          </dgm:shape>
+          <dgm:presOf/>
+          <dgm:constrLst/>
+          <dgm:ruleLst/>
+        </dgm:layoutNode>
+      </dgm:forEach>
+    </dgm:forEach>
+  </dgm:layoutNode>
+</dgm:layoutDef>
+</file>
+
+<file path=ppt/diagrams/quickStyle1.xml><?xml version="1.0" encoding="utf-8"?>
+<dgm:styleDef xmlns:dgm="http://schemas.openxmlformats.org/drawingml/2006/diagram" xmlns:a="http://schemas.openxmlformats.org/drawingml/2006/main" uniqueId="urn:microsoft.com/office/officeart/2005/8/quickstyle/simple1">
+  <dgm:title val=""/>
+  <dgm:desc val=""/>
+  <dgm:catLst>
+    <dgm:cat type="simple" pri="10100"/>
+  </dgm:catLst>
+  <dgm:scene3d>
+    <a:camera prst="orthographicFront"/>
+    <a:lightRig rig="threePt" dir="t"/>
+  </dgm:scene3d>
+  <dgm:styleLbl name="node0">
+    <dgm:scene3d>
+      <a:camera prst="orthographicFront"/>
+      <a:lightRig rig="threePt" dir="t"/>
+    </dgm:scene3d>
+    <dgm:sp3d/>
+    <dgm:txPr/>
+    <dgm:style>
+      <a:lnRef idx="2">
+        <a:scrgbClr r="0" g="0" b="0"/>
+      </a:lnRef>
+      <a:fillRef idx="1">
+        <a:scrgbClr r="0" g="0" b="0"/>
+      </a:fillRef>
+      <a:effectRef idx="0">
+        <a:scrgbClr r="0" g="0" b="0"/>
+      </a:effectRef>
+      <a:fontRef idx="minor">
+        <a:schemeClr val="lt1"/>
+      </a:fontRef>
+    </dgm:style>
+  </dgm:styleLbl>
+  <dgm:styleLbl name="lnNode1">
+    <dgm:scene3d>
+      <a:camera prst="orthographicFront"/>
+      <a:lightRig rig="threePt" dir="t"/>
+    </dgm:scene3d>
+    <dgm:sp3d/>
+    <dgm:txPr/>
+    <dgm:style>
+      <a:lnRef idx="2">
+        <a:scrgbClr r="0" g="0" b="0"/>
+      </a:lnRef>
+      <a:fillRef idx="1">
+        <a:scrgbClr r="0" g="0" b="0"/>
+      </a:fillRef>
+      <a:effectRef idx="0">
+        <a:scrgbClr r="0" g="0" b="0"/>
+      </a:effectRef>
+      <a:fontRef idx="minor">
+        <a:schemeClr val="lt1"/>
+      </a:fontRef>
+    </dgm:style>
+  </dgm:styleLbl>
+  <dgm:styleLbl name="vennNode1">
+    <dgm:scene3d>
+      <a:camera prst="orthographicFront"/>
+      <a:lightRig rig="threePt" dir="t"/>
+    </dgm:scene3d>
+    <dgm:sp3d/>
+    <dgm:txPr/>
+    <dgm:style>
+      <a:lnRef idx="2">
+        <a:scrgbClr r="0" g="0" b="0"/>
+      </a:lnRef>
+      <a:fillRef idx="1">
+        <a:scrgbClr r="0" g="0" b="0"/>
+      </a:fillRef>
+      <a:effectRef idx="0">
+        <a:scrgbClr r="0" g="0" b="0"/>
+      </a:effectRef>
+      <a:fontRef idx="minor">
+        <a:schemeClr val="tx1"/>
+      </a:fontRef>
+    </dgm:style>
+  </dgm:styleLbl>
+  <dgm:styleLbl name="alignNode1">
+    <dgm:scene3d>
+      <a:camera prst="orthographicFront"/>
+      <a:lightRig rig="threePt" dir="t"/>
+    </dgm:scene3d>
+    <dgm:sp3d/>
+    <dgm:txPr/>
+    <dgm:style>
+      <a:lnRef idx="2">
+        <a:scrgbClr r="0" g="0" b="0"/>
+      </a:lnRef>
+      <a:fillRef idx="1">
+        <a:scrgbClr r="0" g="0" b="0"/>
+      </a:fillRef>
+      <a:effectRef idx="0">
+        <a:scrgbClr r="0" g="0" b="0"/>
+      </a:effectRef>
+      <a:fontRef idx="minor">
+        <a:schemeClr val="lt1"/>
+      </a:fontRef>
+    </dgm:style>
+  </dgm:styleLbl>
+  <dgm:styleLbl name="node1">
+    <dgm:scene3d>
+      <a:camera prst="orthographicFront"/>
+      <a:lightRig rig="threePt" dir="t"/>
+    </dgm:scene3d>
+    <dgm:sp3d/>
+    <dgm:txPr/>
+    <dgm:style>
+      <a:lnRef idx="2">
+        <a:scrgbClr r="0" g="0" b="0"/>
+      </a:lnRef>
+      <a:fillRef idx="1">
+        <a:scrgbClr r="0" g="0" b="0"/>
+      </a:fillRef>
+      <a:effectRef idx="0">
+        <a:scrgbClr r="0" g="0" b="0"/>
+      </a:effectRef>
+      <a:fontRef idx="minor">
+        <a:schemeClr val="lt1"/>
+      </a:fontRef>
+    </dgm:style>
+  </dgm:styleLbl>
+  <dgm:styleLbl name="node2">
+    <dgm:scene3d>
+      <a:camera prst="orthographicFront"/>
+      <a:lightRig rig="threePt" dir="t"/>
+    </dgm:scene3d>
+    <dgm:sp3d/>
+    <dgm:txPr/>
+    <dgm:style>
+      <a:lnRef idx="2">
+        <a:scrgbClr r="0" g="0" b="0"/>
+      </a:lnRef>
+      <a:fillRef idx="1">
+        <a:scrgbClr r="0" g="0" b="0"/>
+      </a:fillRef>
+      <a:effectRef idx="0">
+        <a:scrgbClr r="0" g="0" b="0"/>
+      </a:effectRef>
+      <a:fontRef idx="minor">
+        <a:schemeClr val="lt1"/>
+      </a:fontRef>
+    </dgm:style>
+  </dgm:styleLbl>
+  <dgm:styleLbl name="node3">
+    <dgm:scene3d>
+      <a:camera prst="orthographicFront"/>
+      <a:lightRig rig="threePt" dir="t"/>
+    </dgm:scene3d>
+    <dgm:sp3d/>
+    <dgm:txPr/>
+    <dgm:style>
+      <a:lnRef idx="2">
+        <a:scrgbClr r="0" g="0" b="0"/>
+      </a:lnRef>
+      <a:fillRef idx="1">
+        <a:scrgbClr r="0" g="0" b="0"/>
+      </a:fillRef>
+      <a:effectRef idx="0">
+        <a:scrgbClr r="0" g="0" b="0"/>
+      </a:effectRef>
+      <a:fontRef idx="minor">
+        <a:schemeClr val="lt1"/>
+      </a:fontRef>
+    </dgm:style>
+  </dgm:styleLbl>
+  <dgm:styleLbl name="node4">
+    <dgm:scene3d>
+      <a:camera prst="orthographicFront"/>
+      <a:lightRig rig="threePt" dir="t"/>
+    </dgm:scene3d>
+    <dgm:sp3d/>
+    <dgm:txPr/>
+    <dgm:style>
+      <a:lnRef idx="2">
+        <a:scrgbClr r="0" g="0" b="0"/>
+      </a:lnRef>
+      <a:fillRef idx="1">
+        <a:scrgbClr r="0" g="0" b="0"/>
+      </a:fillRef>
+      <a:effectRef idx="0">
+        <a:scrgbClr r="0" g="0" b="0"/>
+      </a:effectRef>
+      <a:fontRef idx="minor">
+        <a:schemeClr val="lt1"/>
+      </a:fontRef>
+    </dgm:style>
+  </dgm:styleLbl>
+  <dgm:styleLbl name="fgImgPlace1">
+    <dgm:scene3d>
+      <a:camera prst="orthographicFront"/>
+      <a:lightRig rig="threePt" dir="t"/>
+    </dgm:scene3d>
+    <dgm:sp3d/>
+    <dgm:txPr/>
+    <dgm:style>
+      <a:lnRef idx="2">
+        <a:scrgbClr r="0" g="0" b="0"/>
+      </a:lnRef>
+      <a:fillRef idx="1">
+        <a:scrgbClr r="0" g="0" b="0"/>
+      </a:fillRef>
+      <a:effectRef idx="0">
+        <a:scrgbClr r="0" g="0" b="0"/>
+      </a:effectRef>
+      <a:fontRef idx="minor"/>
+    </dgm:style>
+  </dgm:styleLbl>
+  <dgm:styleLbl name="alignImgPlace1">
+    <dgm:scene3d>
+      <a:camera prst="orthographicFront"/>
+      <a:lightRig rig="threePt" dir="t"/>
+    </dgm:scene3d>
+    <dgm:sp3d/>
+    <dgm:txPr/>
+    <dgm:style>
+      <a:lnRef idx="2">
+        <a:scrgbClr r="0" g="0" b="0"/>
+      </a:lnRef>
+      <a:fillRef idx="1">
+        <a:scrgbClr r="0" g="0" b="0"/>
+      </a:fillRef>
+      <a:effectRef idx="0">
+        <a:scrgbClr r="0" g="0" b="0"/>
+      </a:effectRef>
+      <a:fontRef idx="minor"/>
+    </dgm:style>
+  </dgm:styleLbl>
+  <dgm:styleLbl name="bgImgPlace1">
+    <dgm:scene3d>
+      <a:camera prst="orthographicFront"/>
+      <a:lightRig rig="threePt" dir="t"/>
+    </dgm:scene3d>
+    <dgm:sp3d/>
+    <dgm:txPr/>
+    <dgm:style>
+      <a:lnRef idx="2">
+        <a:scrgbClr r="0" g="0" b="0"/>
+      </a:lnRef>
+      <a:fillRef idx="1">
+        <a:scrgbClr r="0" g="0" b="0"/>
+      </a:fillRef>
+      <a:effectRef idx="0">
+        <a:scrgbClr r="0" g="0" b="0"/>
+      </a:effectRef>
+      <a:fontRef idx="minor"/>
+    </dgm:style>
+  </dgm:styleLbl>
+  <dgm:styleLbl name="sibTrans2D1">
+    <dgm:scene3d>
+      <a:camera prst="orthographicFront"/>
+      <a:lightRig rig="threePt" dir="t"/>
+    </dgm:scene3d>
+    <dgm:sp3d/>
+    <dgm:txPr/>
+    <dgm:style>
+      <a:lnRef idx="0">
+        <a:scrgbClr r="0" g="0" b="0"/>
+      </a:lnRef>
+      <a:fillRef idx="1">
+        <a:scrgbClr r="0" g="0" b="0"/>
+      </a:fillRef>
+      <a:effectRef idx="0">
+        <a:scrgbClr r="0" g="0" b="0"/>
+      </a:effectRef>
+      <a:fontRef idx="minor">
+        <a:schemeClr val="lt1"/>
+      </a:fontRef>
+    </dgm:style>
+  </dgm:styleLbl>
+  <dgm:styleLbl name="fgSibTrans2D1">
+    <dgm:scene3d>
+      <a:camera prst="orthographicFront"/>
+      <a:lightRig rig="threePt" dir="t"/>
+    </dgm:scene3d>
+    <dgm:sp3d/>
+    <dgm:txPr/>
+    <dgm:style>
+      <a:lnRef idx="0">
+        <a:scrgbClr r="0" g="0" b="0"/>
+      </a:lnRef>
+      <a:fillRef idx="1">
+        <a:scrgbClr r="0" g="0" b="0"/>
+      </a:fillRef>
+      <a:effectRef idx="0">
+        <a:scrgbClr r="0" g="0" b="0"/>
+      </a:effectRef>
+      <a:fontRef idx="minor">
+        <a:schemeClr val="lt1"/>
+      </a:fontRef>
+    </dgm:style>
+  </dgm:styleLbl>
+  <dgm:styleLbl name="bgSibTrans2D1">
+    <dgm:scene3d>
+      <a:camera prst="orthographicFront"/>
+      <a:lightRig rig="threePt" dir="t"/>
+    </dgm:scene3d>
+    <dgm:sp3d/>
+    <dgm:txPr/>
+    <dgm:style>
+      <a:lnRef idx="0">
+        <a:scrgbClr r="0" g="0" b="0"/>
+      </a:lnRef>
+      <a:fillRef idx="1">
+        <a:scrgbClr r="0" g="0" b="0"/>
+      </a:fillRef>
+      <a:effectRef idx="0">
+        <a:scrgbClr r="0" g="0" b="0"/>
+      </a:effectRef>
+      <a:fontRef idx="minor">
+        <a:schemeClr val="lt1"/>
+      </a:fontRef>
+    </dgm:style>
+  </dgm:styleLbl>
+  <dgm:styleLbl name="sibTrans1D1">
+    <dgm:scene3d>
+      <a:camera prst="orthographicFront"/>
+      <a:lightRig rig="threePt" dir="t"/>
+    </dgm:scene3d>
+    <dgm:sp3d/>
+    <dgm:txPr/>
+    <dgm:style>
+      <a:lnRef idx="1">
+        <a:scrgbClr r="0" g="0" b="0"/>
+      </a:lnRef>
+      <a:fillRef idx="0">
+        <a:scrgbClr r="0" g="0" b="0"/>
+      </a:fillRef>
+      <a:effectRef idx="0">
+        <a:scrgbClr r="0" g="0" b="0"/>
+      </a:effectRef>
+      <a:fontRef idx="minor"/>
+    </dgm:style>
+  </dgm:styleLbl>
+  <dgm:styleLbl name="callout">
+    <dgm:scene3d>
+      <a:camera prst="orthographicFront"/>
+      <a:lightRig rig="threePt" dir="t"/>
+    </dgm:scene3d>
+    <dgm:sp3d/>
+    <dgm:txPr/>
+    <dgm:style>
+      <a:lnRef idx="2">
+        <a:scrgbClr r="0" g="0" b="0"/>
+      </a:lnRef>
+      <a:fillRef idx="1">
+        <a:scrgbClr r="0" g="0" b="0"/>
+      </a:fillRef>
+      <a:effectRef idx="0">
+        <a:scrgbClr r="0" g="0" b="0"/>
+      </a:effectRef>
+      <a:fontRef idx="minor"/>
+    </dgm:style>
+  </dgm:styleLbl>
+  <dgm:styleLbl name="asst0">
+    <dgm:scene3d>
+      <a:camera prst="orthographicFront"/>
+      <a:lightRig rig="threePt" dir="t"/>
+    </dgm:scene3d>
+    <dgm:sp3d/>
+    <dgm:txPr/>
+    <dgm:style>
+      <a:lnRef idx="2">
+        <a:scrgbClr r="0" g="0" b="0"/>
+      </a:lnRef>
+      <a:fillRef idx="1">
+        <a:scrgbClr r="0" g="0" b="0"/>
+      </a:fillRef>
+      <a:effectRef idx="0">
+        <a:scrgbClr r="0" g="0" b="0"/>
+      </a:effectRef>
+      <a:fontRef idx="minor">
+        <a:schemeClr val="lt1"/>
+      </a:fontRef>
+    </dgm:style>
+  </dgm:styleLbl>
+  <dgm:styleLbl name="asst1">
+    <dgm:scene3d>
+      <a:camera prst="orthographicFront"/>
+      <a:lightRig rig="threePt" dir="t"/>
+    </dgm:scene3d>
+    <dgm:sp3d/>
+    <dgm:txPr/>
+    <dgm:style>
+      <a:lnRef idx="2">
+        <a:scrgbClr r="0" g="0" b="0"/>
+      </a:lnRef>
+      <a:fillRef idx="1">
+        <a:scrgbClr r="0" g="0" b="0"/>
+      </a:fillRef>
+      <a:effectRef idx="0">
+        <a:scrgbClr r="0" g="0" b="0"/>
+      </a:effectRef>
+      <a:fontRef idx="minor">
+        <a:schemeClr val="lt1"/>
+      </a:fontRef>
+    </dgm:style>
+  </dgm:styleLbl>
+  <dgm:styleLbl name="asst2">
+    <dgm:scene3d>
+      <a:camera prst="orthographicFront"/>
+      <a:lightRig rig="threePt" dir="t"/>
+    </dgm:scene3d>
+    <dgm:sp3d/>
+    <dgm:txPr/>
+    <dgm:style>
+      <a:lnRef idx="2">
+        <a:scrgbClr r="0" g="0" b="0"/>
+      </a:lnRef>
+      <a:fillRef idx="1">
+        <a:scrgbClr r="0" g="0" b="0"/>
+      </a:fillRef>
+      <a:effectRef idx="0">
+        <a:scrgbClr r="0" g="0" b="0"/>
+      </a:effectRef>
+      <a:fontRef idx="minor">
+        <a:schemeClr val="lt1"/>
+      </a:fontRef>
+    </dgm:style>
+  </dgm:styleLbl>
+  <dgm:styleLbl name="asst3">
+    <dgm:scene3d>
+      <a:camera prst="orthographicFront"/>
+      <a:lightRig rig="threePt" dir="t"/>
+    </dgm:scene3d>
+    <dgm:sp3d/>
+    <dgm:txPr/>
+    <dgm:style>
+      <a:lnRef idx="2">
+        <a:scrgbClr r="0" g="0" b="0"/>
+      </a:lnRef>
+      <a:fillRef idx="1">
+        <a:scrgbClr r="0" g="0" b="0"/>
+      </a:fillRef>
+      <a:effectRef idx="0">
+        <a:scrgbClr r="0" g="0" b="0"/>
+      </a:effectRef>
+      <a:fontRef idx="minor">
+        <a:schemeClr val="lt1"/>
+      </a:fontRef>
+    </dgm:style>
+  </dgm:styleLbl>
+  <dgm:styleLbl name="asst4">
+    <dgm:scene3d>
+      <a:camera prst="orthographicFront"/>
+      <a:lightRig rig="threePt" dir="t"/>
+    </dgm:scene3d>
+    <dgm:sp3d/>
+    <dgm:txPr/>
+    <dgm:style>
+      <a:lnRef idx="2">
+        <a:scrgbClr r="0" g="0" b="0"/>
+      </a:lnRef>
+      <a:fillRef idx="1">
+        <a:scrgbClr r="0" g="0" b="0"/>
+      </a:fillRef>
+      <a:effectRef idx="0">
+        <a:scrgbClr r="0" g="0" b="0"/>
+      </a:effectRef>
+      <a:fontRef idx="minor">
+        <a:schemeClr val="lt1"/>
+      </a:fontRef>
+    </dgm:style>
+  </dgm:styleLbl>
+  <dgm:styleLbl name="parChTrans2D1">
+    <dgm:scene3d>
+      <a:camera prst="orthographicFront"/>
+      <a:lightRig rig="threePt" dir="t"/>
+    </dgm:scene3d>
+    <dgm:sp3d/>
+    <dgm:txPr/>
+    <dgm:style>
+      <a:lnRef idx="2">
+        <a:scrgbClr r="0" g="0" b="0"/>
+      </a:lnRef>
+      <a:fillRef idx="1">
+        <a:scrgbClr r="0" g="0" b="0"/>
+      </a:fillRef>
+      <a:effectRef idx="0">
+        <a:scrgbClr r="0" g="0" b="0"/>
+      </a:effectRef>
+      <a:fontRef idx="minor">
+        <a:schemeClr val="lt1"/>
+      </a:fontRef>
+    </dgm:style>
+  </dgm:styleLbl>
+  <dgm:styleLbl name="parChTrans2D2">
+    <dgm:scene3d>
+      <a:camera prst="orthographicFront"/>
+      <a:lightRig rig="threePt" dir="t"/>
+    </dgm:scene3d>
+    <dgm:sp3d/>
+    <dgm:txPr/>
+    <dgm:style>
+      <a:lnRef idx="2">
+        <a:scrgbClr r="0" g="0" b="0"/>
+      </a:lnRef>
+      <a:fillRef idx="1">
+        <a:scrgbClr r="0" g="0" b="0"/>
+      </a:fillRef>
+      <a:effectRef idx="0">
+        <a:scrgbClr r="0" g="0" b="0"/>
+      </a:effectRef>
+      <a:fontRef idx="minor">
+        <a:schemeClr val="lt1"/>
+      </a:fontRef>
+    </dgm:style>
+  </dgm:styleLbl>
+  <dgm:styleLbl name="parChTrans2D3">
+    <dgm:scene3d>
+      <a:camera prst="orthographicFront"/>
+      <a:lightRig rig="threePt" dir="t"/>
+    </dgm:scene3d>
+    <dgm:sp3d/>
+    <dgm:txPr/>
+    <dgm:style>
+      <a:lnRef idx="2">
+        <a:scrgbClr r="0" g="0" b="0"/>
+      </a:lnRef>
+      <a:fillRef idx="1">
+        <a:scrgbClr r="0" g="0" b="0"/>
+      </a:fillRef>
+      <a:effectRef idx="0">
+        <a:scrgbClr r="0" g="0" b="0"/>
+      </a:effectRef>
+      <a:fontRef idx="minor">
+        <a:schemeClr val="lt1"/>
+      </a:fontRef>
+    </dgm:style>
+  </dgm:styleLbl>
+  <dgm:styleLbl name="parChTrans2D4">
+    <dgm:scene3d>
+      <a:camera prst="orthographicFront"/>
+      <a:lightRig rig="threePt" dir="t"/>
+    </dgm:scene3d>
+    <dgm:sp3d/>
+    <dgm:txPr/>
+    <dgm:style>
+      <a:lnRef idx="2">
+        <a:scrgbClr r="0" g="0" b="0"/>
+      </a:lnRef>
+      <a:fillRef idx="1">
+        <a:scrgbClr r="0" g="0" b="0"/>
+      </a:fillRef>
+      <a:effectRef idx="0">
+        <a:scrgbClr r="0" g="0" b="0"/>
+      </a:effectRef>
+      <a:fontRef idx="minor">
+        <a:schemeClr val="lt1"/>
+      </a:fontRef>
+    </dgm:style>
+  </dgm:styleLbl>
+  <dgm:styleLbl name="parChTrans1D1">
+    <dgm:scene3d>
+      <a:camera prst="orthographicFront"/>
+      <a:lightRig rig="threePt" dir="t"/>
+    </dgm:scene3d>
+    <dgm:sp3d/>
+    <dgm:txPr/>
+    <dgm:style>
+      <a:lnRef idx="2">
+        <a:scrgbClr r="0" g="0" b="0"/>
+      </a:lnRef>
+      <a:fillRef idx="0">
+        <a:scrgbClr r="0" g="0" b="0"/>
+      </a:fillRef>
+      <a:effectRef idx="0">
+        <a:scrgbClr r="0" g="0" b="0"/>
+      </a:effectRef>
+      <a:fontRef idx="minor"/>
+    </dgm:style>
+  </dgm:styleLbl>
+  <dgm:styleLbl name="parChTrans1D2">
+    <dgm:scene3d>
+      <a:camera prst="orthographicFront"/>
+      <a:lightRig rig="threePt" dir="t"/>
+    </dgm:scene3d>
+    <dgm:sp3d/>
+    <dgm:txPr/>
+    <dgm:style>
+      <a:lnRef idx="2">
+        <a:scrgbClr r="0" g="0" b="0"/>
+      </a:lnRef>
+      <a:fillRef idx="0">
+        <a:scrgbClr r="0" g="0" b="0"/>
+      </a:fillRef>
+      <a:effectRef idx="0">
+        <a:scrgbClr r="0" g="0" b="0"/>
+      </a:effectRef>
+      <a:fontRef idx="minor"/>
+    </dgm:style>
+  </dgm:styleLbl>
+  <dgm:styleLbl name="parChTrans1D3">
+    <dgm:scene3d>
+      <a:camera prst="orthographicFront"/>
+      <a:lightRig rig="threePt" dir="t"/>
+    </dgm:scene3d>
+    <dgm:sp3d/>
+    <dgm:txPr/>
+    <dgm:style>
+      <a:lnRef idx="2">
+        <a:scrgbClr r="0" g="0" b="0"/>
+      </a:lnRef>
+      <a:fillRef idx="0">
+        <a:scrgbClr r="0" g="0" b="0"/>
+      </a:fillRef>
+      <a:effectRef idx="0">
+        <a:scrgbClr r="0" g="0" b="0"/>
+      </a:effectRef>
+      <a:fontRef idx="minor"/>
+    </dgm:style>
+  </dgm:styleLbl>
+  <dgm:styleLbl name="parChTrans1D4">
+    <dgm:scene3d>
+      <a:camera prst="orthographicFront"/>
+      <a:lightRig rig="threePt" dir="t"/>
+    </dgm:scene3d>
+    <dgm:sp3d/>
+    <dgm:txPr/>
+    <dgm:style>
+      <a:lnRef idx="2">
+        <a:scrgbClr r="0" g="0" b="0"/>
+      </a:lnRef>
+      <a:fillRef idx="0">
+        <a:scrgbClr r="0" g="0" b="0"/>
+      </a:fillRef>
+      <a:effectRef idx="0">
+        <a:scrgbClr r="0" g="0" b="0"/>
+      </a:effectRef>
+      <a:fontRef idx="minor"/>
+    </dgm:style>
+  </dgm:styleLbl>
+  <dgm:styleLbl name="fgAcc1">
+    <dgm:scene3d>
+      <a:camera prst="orthographicFront"/>
+      <a:lightRig rig="threePt" dir="t"/>
+    </dgm:scene3d>
+    <dgm:sp3d/>
+    <dgm:txPr/>
+    <dgm:style>
+      <a:lnRef idx="2">
+        <a:scrgbClr r="0" g="0" b="0"/>
+      </a:lnRef>
+      <a:fillRef idx="1">
+        <a:scrgbClr r="0" g="0" b="0"/>
+      </a:fillRef>
+      <a:effectRef idx="0">
+        <a:scrgbClr r="0" g="0" b="0"/>
+      </a:effectRef>
+      <a:fontRef idx="minor"/>
+    </dgm:style>
+  </dgm:styleLbl>
+  <dgm:styleLbl name="conFgAcc1">
+    <dgm:scene3d>
+      <a:camera prst="orthographicFront"/>
+      <a:lightRig rig="threePt" dir="t"/>
+    </dgm:scene3d>
+    <dgm:sp3d/>
+    <dgm:txPr/>
+    <dgm:style>
+      <a:lnRef idx="2">
+        <a:scrgbClr r="0" g="0" b="0"/>
+      </a:lnRef>
+      <a:fillRef idx="1">
+        <a:scrgbClr r="0" g="0" b="0"/>
+      </a:fillRef>
+      <a:effectRef idx="0">
+        <a:scrgbClr r="0" g="0" b="0"/>
+      </a:effectRef>
+      <a:fontRef idx="minor"/>
+    </dgm:style>
+  </dgm:styleLbl>
+  <dgm:styleLbl name="alignAcc1">
+    <dgm:scene3d>
+      <a:camera prst="orthographicFront"/>
+      <a:lightRig rig="threePt" dir="t"/>
+    </dgm:scene3d>
+    <dgm:sp3d/>
+    <dgm:txPr/>
+    <dgm:style>
+      <a:lnRef idx="2">
+        <a:scrgbClr r="0" g="0" b="0"/>
+      </a:lnRef>
+      <a:fillRef idx="1">
+        <a:scrgbClr r="0" g="0" b="0"/>
+      </a:fillRef>
+      <a:effectRef idx="0">
+        <a:scrgbClr r="0" g="0" b="0"/>
+      </a:effectRef>
+      <a:fontRef idx="minor"/>
+    </dgm:style>
+  </dgm:styleLbl>
+  <dgm:styleLbl name="trAlignAcc1">
+    <dgm:scene3d>
+      <a:camera prst="orthographicFront"/>
+      <a:lightRig rig="threePt" dir="t"/>
+    </dgm:scene3d>
+    <dgm:sp3d/>
+    <dgm:txPr/>
+    <dgm:style>
+      <a:lnRef idx="1">
+        <a:scrgbClr r="0" g="0" b="0"/>
+      </a:lnRef>
+      <a:fillRef idx="1">
+        <a:scrgbClr r="0" g="0" b="0"/>
+      </a:fillRef>
+      <a:effectRef idx="0">
+        <a:scrgbClr r="0" g="0" b="0"/>
+      </a:effectRef>
+      <a:fontRef idx="minor"/>
+    </dgm:style>
+  </dgm:styleLbl>
+  <dgm:styleLbl name="bgAcc1">
+    <dgm:scene3d>
+      <a:camera prst="orthographicFront"/>
+      <a:lightRig rig="threePt" dir="t"/>
+    </dgm:scene3d>
+    <dgm:sp3d/>
+    <dgm:txPr/>
+    <dgm:style>
+      <a:lnRef idx="2">
+        <a:scrgbClr r="0" g="0" b="0"/>
+      </a:lnRef>
+      <a:fillRef idx="1">
+        <a:scrgbClr r="0" g="0" b="0"/>
+      </a:fillRef>
+      <a:effectRef idx="0">
+        <a:scrgbClr r="0" g="0" b="0"/>
+      </a:effectRef>
+      <a:fontRef idx="minor"/>
+    </dgm:style>
+  </dgm:styleLbl>
+  <dgm:styleLbl name="solidFgAcc1">
+    <dgm:scene3d>
+      <a:camera prst="orthographicFront"/>
+      <a:lightRig rig="threePt" dir="t"/>
+    </dgm:scene3d>
+    <dgm:sp3d/>
+    <dgm:txPr/>
+    <dgm:style>
+      <a:lnRef idx="2">
+        <a:scrgbClr r="0" g="0" b="0"/>
+      </a:lnRef>
+      <a:fillRef idx="1">
+        <a:scrgbClr r="0" g="0" b="0"/>
+      </a:fillRef>
+      <a:effectRef idx="0">
+        <a:scrgbClr r="0" g="0" b="0"/>
+      </a:effectRef>
+      <a:fontRef idx="minor"/>
+    </dgm:style>
+  </dgm:styleLbl>
+  <dgm:styleLbl name="solidAlignAcc1">
+    <dgm:scene3d>
+      <a:camera prst="orthographicFront"/>
+      <a:lightRig rig="threePt" dir="t"/>
+    </dgm:scene3d>
+    <dgm:sp3d/>
+    <dgm:txPr/>
+    <dgm:style>
+      <a:lnRef idx="2">
+        <a:scrgbClr r="0" g="0" b="0"/>
+      </a:lnRef>
+      <a:fillRef idx="1">
+        <a:scrgbClr r="0" g="0" b="0"/>
+      </a:fillRef>
+      <a:effectRef idx="0">
+        <a:scrgbClr r="0" g="0" b="0"/>
+      </a:effectRef>
+      <a:fontRef idx="minor"/>
+    </dgm:style>
+  </dgm:styleLbl>
+  <dgm:styleLbl name="solidBgAcc1">
+    <dgm:scene3d>
+      <a:camera prst="orthographicFront"/>
+      <a:lightRig rig="threePt" dir="t"/>
+    </dgm:scene3d>
+    <dgm:sp3d/>
+    <dgm:txPr/>
+    <dgm:style>
+      <a:lnRef idx="2">
+        <a:scrgbClr r="0" g="0" b="0"/>
+      </a:lnRef>
+      <a:fillRef idx="1">
+        <a:scrgbClr r="0" g="0" b="0"/>
+      </a:fillRef>
+      <a:effectRef idx="0">
+        <a:scrgbClr r="0" g="0" b="0"/>
+      </a:effectRef>
+      <a:fontRef idx="minor"/>
+    </dgm:style>
+  </dgm:styleLbl>
+  <dgm:styleLbl name="fgAccFollowNode1">
+    <dgm:scene3d>
+      <a:camera prst="orthographicFront"/>
+      <a:lightRig rig="threePt" dir="t"/>
+    </dgm:scene3d>
+    <dgm:sp3d/>
+    <dgm:txPr/>
+    <dgm:style>
+      <a:lnRef idx="2">
+        <a:scrgbClr r="0" g="0" b="0"/>
+      </a:lnRef>
+      <a:fillRef idx="1">
+        <a:scrgbClr r="0" g="0" b="0"/>
+      </a:fillRef>
+      <a:effectRef idx="0">
+        <a:scrgbClr r="0" g="0" b="0"/>
+      </a:effectRef>
+      <a:fontRef idx="minor"/>
+    </dgm:style>
+  </dgm:styleLbl>
+  <dgm:styleLbl name="alignAccFollowNode1">
+    <dgm:scene3d>
+      <a:camera prst="orthographicFront"/>
+      <a:lightRig rig="threePt" dir="t"/>
+    </dgm:scene3d>
+    <dgm:sp3d/>
+    <dgm:txPr/>
+    <dgm:style>
+      <a:lnRef idx="2">
+        <a:scrgbClr r="0" g="0" b="0"/>
+      </a:lnRef>
+      <a:fillRef idx="1">
+        <a:scrgbClr r="0" g="0" b="0"/>
+      </a:fillRef>
+      <a:effectRef idx="0">
+        <a:scrgbClr r="0" g="0" b="0"/>
+      </a:effectRef>
+      <a:fontRef idx="minor"/>
+    </dgm:style>
+  </dgm:styleLbl>
+  <dgm:styleLbl name="bgAccFollowNode1">
+    <dgm:scene3d>
+      <a:camera prst="orthographicFront"/>
+      <a:lightRig rig="threePt" dir="t"/>
+    </dgm:scene3d>
+    <dgm:sp3d/>
+    <dgm:txPr/>
+    <dgm:style>
+      <a:lnRef idx="2">
+        <a:scrgbClr r="0" g="0" b="0"/>
+      </a:lnRef>
+      <a:fillRef idx="1">
+        <a:scrgbClr r="0" g="0" b="0"/>
+      </a:fillRef>
+      <a:effectRef idx="0">
+        <a:scrgbClr r="0" g="0" b="0"/>
+      </a:effectRef>
+      <a:fontRef idx="minor"/>
+    </dgm:style>
+  </dgm:styleLbl>
+  <dgm:styleLbl name="fgAcc0">
+    <dgm:scene3d>
+      <a:camera prst="orthographicFront"/>
+      <a:lightRig rig="threePt" dir="t"/>
+    </dgm:scene3d>
+    <dgm:sp3d/>
+    <dgm:txPr/>
+    <dgm:style>
+      <a:lnRef idx="2">
+        <a:scrgbClr r="0" g="0" b="0"/>
+      </a:lnRef>
+      <a:fillRef idx="1">
+        <a:scrgbClr r="0" g="0" b="0"/>
+      </a:fillRef>
+      <a:effectRef idx="0">
+        <a:scrgbClr r="0" g="0" b="0"/>
+      </a:effectRef>
+      <a:fontRef idx="minor"/>
+    </dgm:style>
+  </dgm:styleLbl>
+  <dgm:styleLbl name="fgAcc2">
+    <dgm:scene3d>
+      <a:camera prst="orthographicFront"/>
+      <a:lightRig rig="threePt" dir="t"/>
+    </dgm:scene3d>
+    <dgm:sp3d/>
+    <dgm:txPr/>
+    <dgm:style>
+      <a:lnRef idx="2">
+        <a:scrgbClr r="0" g="0" b="0"/>
+      </a:lnRef>
+      <a:fillRef idx="1">
+        <a:scrgbClr r="0" g="0" b="0"/>
+      </a:fillRef>
+      <a:effectRef idx="0">
+        <a:scrgbClr r="0" g="0" b="0"/>
+      </a:effectRef>
+      <a:fontRef idx="minor"/>
+    </dgm:style>
+  </dgm:styleLbl>
+  <dgm:styleLbl name="fgAcc3">
+    <dgm:scene3d>
+      <a:camera prst="orthographicFront"/>
+      <a:lightRig rig="threePt" dir="t"/>
+    </dgm:scene3d>
+    <dgm:sp3d/>
+    <dgm:txPr/>
+    <dgm:style>
+      <a:lnRef idx="2">
+        <a:scrgbClr r="0" g="0" b="0"/>
+      </a:lnRef>
+      <a:fillRef idx="1">
+        <a:scrgbClr r="0" g="0" b="0"/>
+      </a:fillRef>
+      <a:effectRef idx="0">
+        <a:scrgbClr r="0" g="0" b="0"/>
+      </a:effectRef>
+      <a:fontRef idx="minor"/>
+    </dgm:style>
+  </dgm:styleLbl>
+  <dgm:styleLbl name="fgAcc4">
+    <dgm:scene3d>
+      <a:camera prst="orthographicFront"/>
+      <a:lightRig rig="threePt" dir="t"/>
+    </dgm:scene3d>
+    <dgm:sp3d/>
+    <dgm:txPr/>
+    <dgm:style>
+      <a:lnRef idx="2">
+        <a:scrgbClr r="0" g="0" b="0"/>
+      </a:lnRef>
+      <a:fillRef idx="1">
+        <a:scrgbClr r="0" g="0" b="0"/>
+      </a:fillRef>
+      <a:effectRef idx="0">
+        <a:scrgbClr r="0" g="0" b="0"/>
+      </a:effectRef>
+      <a:fontRef idx="minor"/>
+    </dgm:style>
+  </dgm:styleLbl>
+  <dgm:styleLbl name="bgShp">
+    <dgm:scene3d>
+      <a:camera prst="orthographicFront"/>
+      <a:lightRig rig="threePt" dir="t"/>
+    </dgm:scene3d>
+    <dgm:sp3d/>
+    <dgm:txPr/>
+    <dgm:style>
+      <a:lnRef idx="0">
+        <a:scrgbClr r="0" g="0" b="0"/>
+      </a:lnRef>
+      <a:fillRef idx="1">
+        <a:scrgbClr r="0" g="0" b="0"/>
+      </a:fillRef>
+      <a:effectRef idx="0">
+        <a:scrgbClr r="0" g="0" b="0"/>
+      </a:effectRef>
+      <a:fontRef idx="minor"/>
+    </dgm:style>
+  </dgm:styleLbl>
+  <dgm:styleLbl name="dkBgShp">
+    <dgm:scene3d>
+      <a:camera prst="orthographicFront"/>
+      <a:lightRig rig="threePt" dir="t"/>
+    </dgm:scene3d>
+    <dgm:sp3d/>
+    <dgm:txPr/>
+    <dgm:style>
+      <a:lnRef idx="0">
+        <a:scrgbClr r="0" g="0" b="0"/>
+      </a:lnRef>
+      <a:fillRef idx="1">
+        <a:scrgbClr r="0" g="0" b="0"/>
+      </a:fillRef>
+      <a:effectRef idx="0">
+        <a:scrgbClr r="0" g="0" b="0"/>
+      </a:effectRef>
+      <a:fontRef idx="minor"/>
+    </dgm:style>
+  </dgm:styleLbl>
+  <dgm:styleLbl name="trBgShp">
+    <dgm:scene3d>
+      <a:camera prst="orthographicFront"/>
+      <a:lightRig rig="threePt" dir="t"/>
+    </dgm:scene3d>
+    <dgm:sp3d/>
+    <dgm:txPr/>
+    <dgm:style>
+      <a:lnRef idx="0">
+        <a:scrgbClr r="0" g="0" b="0"/>
+      </a:lnRef>
+      <a:fillRef idx="1">
+        <a:scrgbClr r="0" g="0" b="0"/>
+      </a:fillRef>
+      <a:effectRef idx="0">
+        <a:scrgbClr r="0" g="0" b="0"/>
+      </a:effectRef>
+      <a:fontRef idx="minor"/>
+    </dgm:style>
+  </dgm:styleLbl>
+  <dgm:styleLbl name="fgShp">
+    <dgm:scene3d>
+      <a:camera prst="orthographicFront"/>
+      <a:lightRig rig="threePt" dir="t"/>
+    </dgm:scene3d>
+    <dgm:sp3d/>
+    <dgm:txPr/>
+    <dgm:style>
+      <a:lnRef idx="2">
+        <a:scrgbClr r="0" g="0" b="0"/>
+      </a:lnRef>
+      <a:fillRef idx="1">
+        <a:scrgbClr r="0" g="0" b="0"/>
+      </a:fillRef>
+      <a:effectRef idx="0">
+        <a:scrgbClr r="0" g="0" b="0"/>
+      </a:effectRef>
+      <a:fontRef idx="minor"/>
+    </dgm:style>
+  </dgm:styleLbl>
+  <dgm:styleLbl name="revTx">
+    <dgm:scene3d>
+      <a:camera prst="orthographicFront"/>
+      <a:lightRig rig="threePt" dir="t"/>
+    </dgm:scene3d>
+    <dgm:sp3d/>
+    <dgm:txPr/>
+    <dgm:style>
+      <a:lnRef idx="0">
+        <a:scrgbClr r="0" g="0" b="0"/>
+      </a:lnRef>
+      <a:fillRef idx="0">
+        <a:scrgbClr r="0" g="0" b="0"/>
+      </a:fillRef>
+      <a:effectRef idx="0">
+        <a:scrgbClr r="0" g="0" b="0"/>
+      </a:effectRef>
+      <a:fontRef idx="minor"/>
+    </dgm:style>
+  </dgm:styleLbl>
+</dgm:styleDef>
 </file>
 
 <file path=ppt/notesMasters/notesMaster1.xml><?xml version="1.0" encoding="utf-8"?>
@@ -7321,8 +10941,8 @@
         </p:nvSpPr>
         <p:spPr>
           <a:xfrm>
-            <a:off x="457200" y="1604520"/>
-            <a:ext cx="8229240" cy="3977280"/>
+            <a:off x="457200" y="3135086"/>
+            <a:ext cx="8229240" cy="3077028"/>
           </a:xfrm>
           <a:prstGeom prst="rect">
             <a:avLst/>
@@ -7496,18 +11116,275 @@
           </a:lstStyle>
           <a:p>
             <a:r>
-              <a:rPr lang="de-DE" dirty="0"/>
-              <a:t>Definition</a:t>
+              <a:rPr lang="en-GB" dirty="0"/>
+              <a:t>Defined timing of communication actions</a:t>
             </a:r>
           </a:p>
           <a:p>
             <a:r>
-              <a:rPr lang="de-DE" dirty="0" err="1"/>
-              <a:t>Some</a:t>
+              <a:rPr lang="en-GB" dirty="0"/>
+              <a:t>Defined format of PDUs </a:t>
             </a:r>
+          </a:p>
+          <a:p>
             <a:r>
-              <a:rPr lang="de-DE" dirty="0"/>
-              <a:t> Basics</a:t>
+              <a:rPr lang="en-GB" dirty="0"/>
+              <a:t>Partners need to provide serval protocol features</a:t>
+            </a:r>
+          </a:p>
+          <a:p>
+            <a:pPr lvl="1"/>
+            <a:r>
+              <a:rPr lang="en-GB" dirty="0"/>
+              <a:t>De- / Encoding of PDUs</a:t>
+            </a:r>
+          </a:p>
+          <a:p>
+            <a:pPr lvl="1"/>
+            <a:r>
+              <a:rPr lang="en-GB" dirty="0"/>
+              <a:t>Error detection</a:t>
+            </a:r>
+          </a:p>
+          <a:p>
+            <a:r>
+              <a:rPr lang="en-GB" dirty="0"/>
+              <a:t>Layer (provides functions)</a:t>
+            </a:r>
+          </a:p>
+          <a:p>
+            <a:pPr lvl="1"/>
+            <a:r>
+              <a:rPr lang="en-GB" dirty="0"/>
+              <a:t>serves the layer above , is served by the layer below</a:t>
+            </a:r>
+          </a:p>
+        </p:txBody>
+      </p:sp>
+      <p:sp>
+        <p:nvSpPr>
+          <p:cNvPr id="5" name="Textplatzhalter 2">
+            <a:extLst>
+              <a:ext uri="{FF2B5EF4-FFF2-40B4-BE49-F238E27FC236}">
+                <a16:creationId xmlns:a16="http://schemas.microsoft.com/office/drawing/2014/main" id="{28314434-D91F-4A79-BF95-196F9B78BBC0}"/>
+              </a:ext>
+            </a:extLst>
+          </p:cNvPr>
+          <p:cNvSpPr txBox="1">
+            <a:spLocks/>
+          </p:cNvSpPr>
+          <p:nvPr/>
+        </p:nvSpPr>
+        <p:spPr>
+          <a:xfrm>
+            <a:off x="457200" y="1620000"/>
+            <a:ext cx="8229240" cy="1413486"/>
+          </a:xfrm>
+          <a:prstGeom prst="rect">
+            <a:avLst/>
+          </a:prstGeom>
+          <a:ln w="28575">
+            <a:solidFill>
+              <a:srgbClr val="99C000"/>
+            </a:solidFill>
+          </a:ln>
+        </p:spPr>
+        <p:style>
+          <a:lnRef idx="2">
+            <a:schemeClr val="accent3"/>
+          </a:lnRef>
+          <a:fillRef idx="1">
+            <a:schemeClr val="lt1"/>
+          </a:fillRef>
+          <a:effectRef idx="0">
+            <a:schemeClr val="accent3"/>
+          </a:effectRef>
+          <a:fontRef idx="minor">
+            <a:schemeClr val="dk1"/>
+          </a:fontRef>
+        </p:style>
+        <p:txBody>
+          <a:bodyPr/>
+          <a:lstStyle>
+            <a:lvl1pPr marL="228600" indent="-228600" algn="l" defTabSz="914400" rtl="0" eaLnBrk="1" latinLnBrk="0" hangingPunct="1">
+              <a:lnSpc>
+                <a:spcPct val="90000"/>
+              </a:lnSpc>
+              <a:spcBef>
+                <a:spcPts val="1000"/>
+              </a:spcBef>
+              <a:buFont typeface="Arial" panose="020B0604020202020204" pitchFamily="34" charset="0"/>
+              <a:buChar char="•"/>
+              <a:defRPr sz="2800" kern="1200">
+                <a:solidFill>
+                  <a:schemeClr val="tx1"/>
+                </a:solidFill>
+                <a:latin typeface="+mn-lt"/>
+                <a:ea typeface="+mn-ea"/>
+                <a:cs typeface="+mn-cs"/>
+              </a:defRPr>
+            </a:lvl1pPr>
+            <a:lvl2pPr marL="685800" indent="-228600" algn="l" defTabSz="914400" rtl="0" eaLnBrk="1" latinLnBrk="0" hangingPunct="1">
+              <a:lnSpc>
+                <a:spcPct val="90000"/>
+              </a:lnSpc>
+              <a:spcBef>
+                <a:spcPts val="500"/>
+              </a:spcBef>
+              <a:buFont typeface="Arial" panose="020B0604020202020204" pitchFamily="34" charset="0"/>
+              <a:buChar char="•"/>
+              <a:defRPr sz="2400" kern="1200">
+                <a:solidFill>
+                  <a:schemeClr val="tx1"/>
+                </a:solidFill>
+                <a:latin typeface="+mn-lt"/>
+                <a:ea typeface="+mn-ea"/>
+                <a:cs typeface="+mn-cs"/>
+              </a:defRPr>
+            </a:lvl2pPr>
+            <a:lvl3pPr marL="1143000" indent="-228600" algn="l" defTabSz="914400" rtl="0" eaLnBrk="1" latinLnBrk="0" hangingPunct="1">
+              <a:lnSpc>
+                <a:spcPct val="90000"/>
+              </a:lnSpc>
+              <a:spcBef>
+                <a:spcPts val="500"/>
+              </a:spcBef>
+              <a:buFont typeface="Arial" panose="020B0604020202020204" pitchFamily="34" charset="0"/>
+              <a:buChar char="•"/>
+              <a:defRPr sz="2000" kern="1200">
+                <a:solidFill>
+                  <a:schemeClr val="tx1"/>
+                </a:solidFill>
+                <a:latin typeface="+mn-lt"/>
+                <a:ea typeface="+mn-ea"/>
+                <a:cs typeface="+mn-cs"/>
+              </a:defRPr>
+            </a:lvl3pPr>
+            <a:lvl4pPr marL="1600200" indent="-228600" algn="l" defTabSz="914400" rtl="0" eaLnBrk="1" latinLnBrk="0" hangingPunct="1">
+              <a:lnSpc>
+                <a:spcPct val="90000"/>
+              </a:lnSpc>
+              <a:spcBef>
+                <a:spcPts val="500"/>
+              </a:spcBef>
+              <a:buFont typeface="Arial" panose="020B0604020202020204" pitchFamily="34" charset="0"/>
+              <a:buChar char="•"/>
+              <a:defRPr sz="1800" kern="1200">
+                <a:solidFill>
+                  <a:schemeClr val="tx1"/>
+                </a:solidFill>
+                <a:latin typeface="+mn-lt"/>
+                <a:ea typeface="+mn-ea"/>
+                <a:cs typeface="+mn-cs"/>
+              </a:defRPr>
+            </a:lvl4pPr>
+            <a:lvl5pPr marL="2057400" indent="-228600" algn="l" defTabSz="914400" rtl="0" eaLnBrk="1" latinLnBrk="0" hangingPunct="1">
+              <a:lnSpc>
+                <a:spcPct val="90000"/>
+              </a:lnSpc>
+              <a:spcBef>
+                <a:spcPts val="500"/>
+              </a:spcBef>
+              <a:buFont typeface="Arial" panose="020B0604020202020204" pitchFamily="34" charset="0"/>
+              <a:buChar char="•"/>
+              <a:defRPr sz="1800" kern="1200">
+                <a:solidFill>
+                  <a:schemeClr val="tx1"/>
+                </a:solidFill>
+                <a:latin typeface="+mn-lt"/>
+                <a:ea typeface="+mn-ea"/>
+                <a:cs typeface="+mn-cs"/>
+              </a:defRPr>
+            </a:lvl5pPr>
+            <a:lvl6pPr marL="2514600" indent="-228600" algn="l" defTabSz="914400" rtl="0" eaLnBrk="1" latinLnBrk="0" hangingPunct="1">
+              <a:lnSpc>
+                <a:spcPct val="90000"/>
+              </a:lnSpc>
+              <a:spcBef>
+                <a:spcPts val="500"/>
+              </a:spcBef>
+              <a:buFont typeface="Arial" panose="020B0604020202020204" pitchFamily="34" charset="0"/>
+              <a:buChar char="•"/>
+              <a:defRPr sz="1800" kern="1200">
+                <a:solidFill>
+                  <a:schemeClr val="tx1"/>
+                </a:solidFill>
+                <a:latin typeface="+mn-lt"/>
+                <a:ea typeface="+mn-ea"/>
+                <a:cs typeface="+mn-cs"/>
+              </a:defRPr>
+            </a:lvl6pPr>
+            <a:lvl7pPr marL="2971800" indent="-228600" algn="l" defTabSz="914400" rtl="0" eaLnBrk="1" latinLnBrk="0" hangingPunct="1">
+              <a:lnSpc>
+                <a:spcPct val="90000"/>
+              </a:lnSpc>
+              <a:spcBef>
+                <a:spcPts val="500"/>
+              </a:spcBef>
+              <a:buFont typeface="Arial" panose="020B0604020202020204" pitchFamily="34" charset="0"/>
+              <a:buChar char="•"/>
+              <a:defRPr sz="1800" kern="1200">
+                <a:solidFill>
+                  <a:schemeClr val="tx1"/>
+                </a:solidFill>
+                <a:latin typeface="+mn-lt"/>
+                <a:ea typeface="+mn-ea"/>
+                <a:cs typeface="+mn-cs"/>
+              </a:defRPr>
+            </a:lvl7pPr>
+            <a:lvl8pPr marL="3429000" indent="-228600" algn="l" defTabSz="914400" rtl="0" eaLnBrk="1" latinLnBrk="0" hangingPunct="1">
+              <a:lnSpc>
+                <a:spcPct val="90000"/>
+              </a:lnSpc>
+              <a:spcBef>
+                <a:spcPts val="500"/>
+              </a:spcBef>
+              <a:buFont typeface="Arial" panose="020B0604020202020204" pitchFamily="34" charset="0"/>
+              <a:buChar char="•"/>
+              <a:defRPr sz="1800" kern="1200">
+                <a:solidFill>
+                  <a:schemeClr val="tx1"/>
+                </a:solidFill>
+                <a:latin typeface="+mn-lt"/>
+                <a:ea typeface="+mn-ea"/>
+                <a:cs typeface="+mn-cs"/>
+              </a:defRPr>
+            </a:lvl8pPr>
+            <a:lvl9pPr marL="3886200" indent="-228600" algn="l" defTabSz="914400" rtl="0" eaLnBrk="1" latinLnBrk="0" hangingPunct="1">
+              <a:lnSpc>
+                <a:spcPct val="90000"/>
+              </a:lnSpc>
+              <a:spcBef>
+                <a:spcPts val="500"/>
+              </a:spcBef>
+              <a:buFont typeface="Arial" panose="020B0604020202020204" pitchFamily="34" charset="0"/>
+              <a:buChar char="•"/>
+              <a:defRPr sz="1800" kern="1200">
+                <a:solidFill>
+                  <a:schemeClr val="tx1"/>
+                </a:solidFill>
+                <a:latin typeface="+mn-lt"/>
+                <a:ea typeface="+mn-ea"/>
+                <a:cs typeface="+mn-cs"/>
+              </a:defRPr>
+            </a:lvl9pPr>
+          </a:lstStyle>
+          <a:p>
+            <a:pPr marL="0" indent="0">
+              <a:buNone/>
+            </a:pPr>
+            <a:r>
+              <a:rPr lang="en-GB" b="1" dirty="0"/>
+              <a:t>Communication protocol</a:t>
+            </a:r>
+          </a:p>
+          <a:p>
+            <a:pPr marL="0" indent="0">
+              <a:buNone/>
+            </a:pPr>
+            <a:r>
+              <a:rPr lang="en-GB" dirty="0"/>
+              <a:t>A set of rules allowing communication partners to transmit information.</a:t>
             </a:r>
           </a:p>
         </p:txBody>
@@ -7831,7 +11708,7 @@
           <a:p>
             <a:r>
               <a:rPr lang="de-DE" dirty="0" err="1"/>
-              <a:t>To</a:t>
+              <a:t>Waterfall</a:t>
             </a:r>
             <a:r>
               <a:rPr lang="de-DE" dirty="0"/>
@@ -7839,23 +11716,43 @@
             </a:r>
             <a:r>
               <a:rPr lang="de-DE" dirty="0" err="1"/>
-              <a:t>be</a:t>
+              <a:t>model</a:t>
             </a:r>
-            <a:r>
-              <a:rPr lang="de-DE" dirty="0"/>
-              <a:t> </a:t>
-            </a:r>
-            <a:r>
-              <a:rPr lang="de-DE" dirty="0" err="1"/>
-              <a:t>continued</a:t>
-            </a:r>
-            <a:r>
-              <a:rPr lang="de-DE" dirty="0"/>
-              <a:t>…</a:t>
-            </a:r>
+            <a:endParaRPr lang="de-DE" dirty="0"/>
+          </a:p>
+          <a:p>
+            <a:endParaRPr lang="de-DE" dirty="0"/>
           </a:p>
         </p:txBody>
       </p:sp>
+      <p:graphicFrame>
+        <p:nvGraphicFramePr>
+          <p:cNvPr id="5" name="Diagramm 4">
+            <a:extLst>
+              <a:ext uri="{FF2B5EF4-FFF2-40B4-BE49-F238E27FC236}">
+                <a16:creationId xmlns:a16="http://schemas.microsoft.com/office/drawing/2014/main" id="{0EB26BDD-F70B-4BE1-9E78-A116EAF411A8}"/>
+              </a:ext>
+            </a:extLst>
+          </p:cNvPr>
+          <p:cNvGraphicFramePr/>
+          <p:nvPr>
+            <p:extLst>
+              <p:ext uri="{D42A27DB-BD31-4B8C-83A1-F6EECF244321}">
+                <p14:modId xmlns:p14="http://schemas.microsoft.com/office/powerpoint/2010/main" val="4062135370"/>
+              </p:ext>
+            </p:extLst>
+          </p:nvPr>
+        </p:nvGraphicFramePr>
+        <p:xfrm>
+          <a:off x="259644" y="1490132"/>
+          <a:ext cx="8745568" cy="4878987"/>
+        </p:xfrm>
+        <a:graphic>
+          <a:graphicData uri="http://schemas.openxmlformats.org/drawingml/2006/diagram">
+            <dgm:relIds xmlns:dgm="http://schemas.openxmlformats.org/drawingml/2006/diagram" xmlns:r="http://schemas.openxmlformats.org/officeDocument/2006/relationships" r:dm="rId3" r:lo="rId4" r:qs="rId5" r:cs="rId6"/>
+          </a:graphicData>
+        </a:graphic>
+      </p:graphicFrame>
     </p:spTree>
     <p:extLst>
       <p:ext uri="{BB962C8B-B14F-4D97-AF65-F5344CB8AC3E}">
@@ -8173,29 +12070,14 @@
           </a:lstStyle>
           <a:p>
             <a:r>
-              <a:rPr lang="de-DE" dirty="0" err="1"/>
-              <a:t>To</a:t>
-            </a:r>
-            <a:r>
               <a:rPr lang="de-DE" dirty="0"/>
-              <a:t> </a:t>
+              <a:t>Layer </a:t>
             </a:r>
             <a:r>
               <a:rPr lang="de-DE" dirty="0" err="1"/>
-              <a:t>be</a:t>
+              <a:t>representation</a:t>
             </a:r>
-            <a:r>
-              <a:rPr lang="de-DE" dirty="0"/>
-              <a:t> </a:t>
-            </a:r>
-            <a:r>
-              <a:rPr lang="de-DE" dirty="0" err="1"/>
-              <a:t>continued</a:t>
-            </a:r>
-            <a:r>
-              <a:rPr lang="de-DE" dirty="0"/>
-              <a:t>…</a:t>
-            </a:r>
+            <a:endParaRPr lang="de-DE" dirty="0"/>
           </a:p>
         </p:txBody>
       </p:sp>

--- a/data/presentation/PS_presentation.pptx
+++ b/data/presentation/PS_presentation.pptx
@@ -6,7 +6,7 @@
     <p:sldMasterId id="2147483661" r:id="rId2"/>
   </p:sldMasterIdLst>
   <p:notesMasterIdLst>
-    <p:notesMasterId r:id="rId12"/>
+    <p:notesMasterId r:id="rId11"/>
   </p:notesMasterIdLst>
   <p:sldIdLst>
     <p:sldId id="256" r:id="rId3"/>
@@ -16,8 +16,7 @@
     <p:sldId id="260" r:id="rId7"/>
     <p:sldId id="261" r:id="rId8"/>
     <p:sldId id="262" r:id="rId9"/>
-    <p:sldId id="264" r:id="rId10"/>
-    <p:sldId id="263" r:id="rId11"/>
+    <p:sldId id="263" r:id="rId10"/>
   </p:sldIdLst>
   <p:sldSz cx="9144000" cy="6858000" type="screen4x3"/>
   <p:notesSz cx="6858000" cy="9144000"/>
@@ -1030,15 +1029,23 @@
       </dgm:t>
     </dgm:pt>
     <dgm:pt modelId="{20AE3CD3-9581-4BAD-BAF3-4EB02E8FA467}">
-      <dgm:prSet phldrT="[Text]"/>
+      <dgm:prSet phldrT="[Text]" custT="1"/>
       <dgm:spPr/>
       <dgm:t>
         <a:bodyPr/>
         <a:lstStyle/>
         <a:p>
           <a:r>
-            <a:rPr lang="en-GB" dirty="0"/>
-            <a:t>COBS</a:t>
+            <a:rPr lang="en-GB" sz="1900" dirty="0"/>
+            <a:t>COBS (</a:t>
+          </a:r>
+          <a:r>
+            <a:rPr lang="en-GB" sz="2000" b="0" dirty="0"/>
+            <a:t>Consistent Overhead Byte Stuffing</a:t>
+          </a:r>
+          <a:r>
+            <a:rPr lang="en-GB" sz="1900" dirty="0"/>
+            <a:t>)</a:t>
           </a:r>
         </a:p>
       </dgm:t>
@@ -1110,7 +1117,7 @@
         <a:p>
           <a:r>
             <a:rPr lang="en-GB" dirty="0"/>
-            <a:t>Fact2</a:t>
+            <a:t>Different implementation on both microcontrollers</a:t>
           </a:r>
         </a:p>
       </dgm:t>
@@ -1173,39 +1180,6 @@
         </a:p>
       </dgm:t>
     </dgm:pt>
-    <dgm:pt modelId="{5687A3E0-F179-4ACB-9567-88A5E5DEC885}">
-      <dgm:prSet phldrT="[Text]"/>
-      <dgm:spPr/>
-      <dgm:t>
-        <a:bodyPr/>
-        <a:lstStyle/>
-        <a:p>
-          <a:endParaRPr lang="en-GB" dirty="0"/>
-        </a:p>
-      </dgm:t>
-    </dgm:pt>
-    <dgm:pt modelId="{13348BE7-1676-46C5-81EC-9B691A53035D}" type="parTrans" cxnId="{41B577FB-0EF8-43CE-A05D-FC493D1A5E10}">
-      <dgm:prSet/>
-      <dgm:spPr/>
-      <dgm:t>
-        <a:bodyPr/>
-        <a:lstStyle/>
-        <a:p>
-          <a:endParaRPr lang="en-GB"/>
-        </a:p>
-      </dgm:t>
-    </dgm:pt>
-    <dgm:pt modelId="{91025D14-10F9-40BF-B55F-866FD63B9258}" type="sibTrans" cxnId="{41B577FB-0EF8-43CE-A05D-FC493D1A5E10}">
-      <dgm:prSet/>
-      <dgm:spPr/>
-      <dgm:t>
-        <a:bodyPr/>
-        <a:lstStyle/>
-        <a:p>
-          <a:endParaRPr lang="en-GB"/>
-        </a:p>
-      </dgm:t>
-    </dgm:pt>
     <dgm:pt modelId="{ED974D52-B76B-49A3-8E99-54C9BE615D44}">
       <dgm:prSet phldrT="[Text]"/>
       <dgm:spPr/>
@@ -1215,7 +1189,7 @@
         <a:p>
           <a:r>
             <a:rPr lang="en-GB" dirty="0"/>
-            <a:t>Fact3</a:t>
+            <a:t>SPI drivers</a:t>
           </a:r>
         </a:p>
       </dgm:t>
@@ -1249,10 +1223,7 @@
         <a:bodyPr/>
         <a:lstStyle/>
         <a:p>
-          <a:r>
-            <a:rPr lang="en-GB" dirty="0"/>
-            <a:t>fact4</a:t>
-          </a:r>
+          <a:endParaRPr lang="en-GB" dirty="0"/>
         </a:p>
       </dgm:t>
     </dgm:pt>
@@ -1287,7 +1258,7 @@
         <a:p>
           <a:r>
             <a:rPr lang="en-GB" dirty="0"/>
-            <a:t>Fact5</a:t>
+            <a:t>Performance</a:t>
           </a:r>
         </a:p>
       </dgm:t>
@@ -1304,78 +1275,6 @@
       </dgm:t>
     </dgm:pt>
     <dgm:pt modelId="{AABB19A2-C92F-42E8-8712-302C7F729B5B}" type="sibTrans" cxnId="{FE009DCA-024D-4DA0-9320-A795D416E7E0}">
-      <dgm:prSet/>
-      <dgm:spPr/>
-      <dgm:t>
-        <a:bodyPr/>
-        <a:lstStyle/>
-        <a:p>
-          <a:endParaRPr lang="en-GB"/>
-        </a:p>
-      </dgm:t>
-    </dgm:pt>
-    <dgm:pt modelId="{020CC1B2-AFE8-4535-970E-FBF8AE8EC319}">
-      <dgm:prSet phldrT="[Text]"/>
-      <dgm:spPr/>
-      <dgm:t>
-        <a:bodyPr/>
-        <a:lstStyle/>
-        <a:p>
-          <a:r>
-            <a:rPr lang="en-GB" dirty="0"/>
-            <a:t>Dact6</a:t>
-          </a:r>
-        </a:p>
-      </dgm:t>
-    </dgm:pt>
-    <dgm:pt modelId="{0740FFC1-0951-4922-9CE3-66BAB6961A97}" type="parTrans" cxnId="{87277374-9895-445A-A3F1-D8620BC65F01}">
-      <dgm:prSet/>
-      <dgm:spPr/>
-      <dgm:t>
-        <a:bodyPr/>
-        <a:lstStyle/>
-        <a:p>
-          <a:endParaRPr lang="en-GB"/>
-        </a:p>
-      </dgm:t>
-    </dgm:pt>
-    <dgm:pt modelId="{E068DF96-619C-4CAB-AC65-330F62D1DFA9}" type="sibTrans" cxnId="{87277374-9895-445A-A3F1-D8620BC65F01}">
-      <dgm:prSet/>
-      <dgm:spPr/>
-      <dgm:t>
-        <a:bodyPr/>
-        <a:lstStyle/>
-        <a:p>
-          <a:endParaRPr lang="en-GB"/>
-        </a:p>
-      </dgm:t>
-    </dgm:pt>
-    <dgm:pt modelId="{6F519324-7B79-45D8-BB48-8B3576193958}">
-      <dgm:prSet phldrT="[Text]"/>
-      <dgm:spPr/>
-      <dgm:t>
-        <a:bodyPr/>
-        <a:lstStyle/>
-        <a:p>
-          <a:r>
-            <a:rPr lang="en-GB" dirty="0"/>
-            <a:t>Dact7</a:t>
-          </a:r>
-        </a:p>
-      </dgm:t>
-    </dgm:pt>
-    <dgm:pt modelId="{4639DD29-1260-4A2F-8E93-B59CF0828458}" type="parTrans" cxnId="{901276CE-40C1-4317-983A-D30DEEC4E611}">
-      <dgm:prSet/>
-      <dgm:spPr/>
-      <dgm:t>
-        <a:bodyPr/>
-        <a:lstStyle/>
-        <a:p>
-          <a:endParaRPr lang="en-GB"/>
-        </a:p>
-      </dgm:t>
-    </dgm:pt>
-    <dgm:pt modelId="{AA5E8097-1DB1-4EF9-B024-6A185A396DA8}" type="sibTrans" cxnId="{901276CE-40C1-4317-983A-D30DEEC4E611}">
       <dgm:prSet/>
       <dgm:spPr/>
       <dgm:t>
@@ -1466,7 +1365,7 @@
         <a:lstStyle/>
         <a:p>
           <a:r>
-            <a:rPr lang="en-GB" dirty="0"/>
+            <a:rPr lang="en-GB" sz="1900" dirty="0"/>
             <a:t>Fletcher’s Checksum</a:t>
           </a:r>
         </a:p>
@@ -1475,12 +1374,26 @@
     <dgm:pt modelId="{87D17C0F-5FC3-4D87-AA4F-2CAB601B6EAF}" type="parTrans" cxnId="{E08687D1-2C0C-477C-A924-A9F7D1799115}">
       <dgm:prSet/>
       <dgm:spPr/>
+      <dgm:t>
+        <a:bodyPr/>
+        <a:lstStyle/>
+        <a:p>
+          <a:endParaRPr lang="en-GB"/>
+        </a:p>
+      </dgm:t>
     </dgm:pt>
     <dgm:pt modelId="{78222FC3-EE74-47A7-B42F-8F2691729E9B}" type="sibTrans" cxnId="{E08687D1-2C0C-477C-A924-A9F7D1799115}">
       <dgm:prSet/>
       <dgm:spPr/>
+      <dgm:t>
+        <a:bodyPr/>
+        <a:lstStyle/>
+        <a:p>
+          <a:endParaRPr lang="en-GB"/>
+        </a:p>
+      </dgm:t>
     </dgm:pt>
-    <dgm:pt modelId="{BA168400-70C2-48B4-807C-62F92A298AF3}">
+    <dgm:pt modelId="{22DB3E3D-CB24-4FE3-ACD5-B36A55FAE080}">
       <dgm:prSet phldrT="[Text]"/>
       <dgm:spPr/>
       <dgm:t>
@@ -1489,18 +1402,104 @@
         <a:p>
           <a:r>
             <a:rPr lang="en-GB" dirty="0"/>
-            <a:t>Etc.</a:t>
+            <a:t>Error detection</a:t>
           </a:r>
         </a:p>
       </dgm:t>
     </dgm:pt>
-    <dgm:pt modelId="{BF4CE534-70AD-477B-B670-ACD2104B9F9E}" type="parTrans" cxnId="{6ED31C3B-C504-4D2B-83A2-07B252A51727}">
+    <dgm:pt modelId="{D4CC8E52-B687-4FF5-BB63-5DD86A39EA88}" type="parTrans" cxnId="{AA69C404-48DA-4BAF-948F-F5C77EAF9CD2}">
       <dgm:prSet/>
       <dgm:spPr/>
+      <dgm:t>
+        <a:bodyPr/>
+        <a:lstStyle/>
+        <a:p>
+          <a:endParaRPr lang="en-GB"/>
+        </a:p>
+      </dgm:t>
     </dgm:pt>
-    <dgm:pt modelId="{7E68E442-0D88-4A24-8485-3F8E94E3A5BF}" type="sibTrans" cxnId="{6ED31C3B-C504-4D2B-83A2-07B252A51727}">
+    <dgm:pt modelId="{5F6250BB-4F4B-4A74-9669-A8C2F7D42D31}" type="sibTrans" cxnId="{AA69C404-48DA-4BAF-948F-F5C77EAF9CD2}">
       <dgm:prSet/>
       <dgm:spPr/>
+      <dgm:t>
+        <a:bodyPr/>
+        <a:lstStyle/>
+        <a:p>
+          <a:endParaRPr lang="en-GB"/>
+        </a:p>
+      </dgm:t>
+    </dgm:pt>
+    <dgm:pt modelId="{DB28B0CC-0545-4664-9DB1-DF5F57C2885B}">
+      <dgm:prSet phldrT="[Text]"/>
+      <dgm:spPr/>
+      <dgm:t>
+        <a:bodyPr/>
+        <a:lstStyle/>
+        <a:p>
+          <a:r>
+            <a:rPr lang="en-GB" dirty="0"/>
+            <a:t>Reliability</a:t>
+          </a:r>
+        </a:p>
+      </dgm:t>
+    </dgm:pt>
+    <dgm:pt modelId="{1DAE4590-32A0-40D3-B796-7921EE8BC91D}" type="parTrans" cxnId="{B02DC051-4474-448A-8416-8223223D69C6}">
+      <dgm:prSet/>
+      <dgm:spPr/>
+      <dgm:t>
+        <a:bodyPr/>
+        <a:lstStyle/>
+        <a:p>
+          <a:endParaRPr lang="en-GB"/>
+        </a:p>
+      </dgm:t>
+    </dgm:pt>
+    <dgm:pt modelId="{C0C88451-6F36-4AD9-9533-81EFEFE202BF}" type="sibTrans" cxnId="{B02DC051-4474-448A-8416-8223223D69C6}">
+      <dgm:prSet/>
+      <dgm:spPr/>
+      <dgm:t>
+        <a:bodyPr/>
+        <a:lstStyle/>
+        <a:p>
+          <a:endParaRPr lang="en-GB"/>
+        </a:p>
+      </dgm:t>
+    </dgm:pt>
+    <dgm:pt modelId="{900DA08A-CB03-49A3-A51F-560CB31758AE}">
+      <dgm:prSet phldrT="[Text]"/>
+      <dgm:spPr/>
+      <dgm:t>
+        <a:bodyPr/>
+        <a:lstStyle/>
+        <a:p>
+          <a:r>
+            <a:rPr lang="en-GB" dirty="0"/>
+            <a:t>Robustness</a:t>
+          </a:r>
+        </a:p>
+      </dgm:t>
+    </dgm:pt>
+    <dgm:pt modelId="{07D0AA38-18C7-4360-8B95-69F6578CEB18}" type="parTrans" cxnId="{219C2599-CBDE-4D8A-B8A3-D8CA8A3CF351}">
+      <dgm:prSet/>
+      <dgm:spPr/>
+      <dgm:t>
+        <a:bodyPr/>
+        <a:lstStyle/>
+        <a:p>
+          <a:endParaRPr lang="en-GB"/>
+        </a:p>
+      </dgm:t>
+    </dgm:pt>
+    <dgm:pt modelId="{A8FCCD37-FDA8-4152-B9CC-9C3A58939BDA}" type="sibTrans" cxnId="{219C2599-CBDE-4D8A-B8A3-D8CA8A3CF351}">
+      <dgm:prSet/>
+      <dgm:spPr/>
+      <dgm:t>
+        <a:bodyPr/>
+        <a:lstStyle/>
+        <a:p>
+          <a:endParaRPr lang="en-GB"/>
+        </a:p>
+      </dgm:t>
     </dgm:pt>
     <dgm:pt modelId="{A9A4DDB9-E64E-4F0E-B2BD-F8419AC57381}" type="pres">
       <dgm:prSet presAssocID="{FCC8923D-1C02-4F0A-BA97-113C006F84F3}" presName="Name0" presStyleCnt="0">
@@ -1614,43 +1613,41 @@
     </dgm:pt>
   </dgm:ptLst>
   <dgm:cxnLst>
+    <dgm:cxn modelId="{AA69C404-48DA-4BAF-948F-F5C77EAF9CD2}" srcId="{1B3D78F2-D344-49FA-AD5F-204135470CA8}" destId="{22DB3E3D-CB24-4FE3-ACD5-B36A55FAE080}" srcOrd="0" destOrd="0" parTransId="{D4CC8E52-B687-4FF5-BB63-5DD86A39EA88}" sibTransId="{5F6250BB-4F4B-4A74-9669-A8C2F7D42D31}"/>
     <dgm:cxn modelId="{DDEC9806-A7A7-48F8-9939-04A8C03C04FF}" srcId="{FCC8923D-1C02-4F0A-BA97-113C006F84F3}" destId="{3380A10D-84CC-408C-9017-5D39B8D8C920}" srcOrd="3" destOrd="0" parTransId="{13213F54-13A0-4DAE-BDC7-C9E912B2606F}" sibTransId="{E023B4D1-F107-4758-A6D3-2F60C239E738}"/>
+    <dgm:cxn modelId="{92F5F606-8B69-431F-A74E-F88AF8529E40}" type="presOf" srcId="{DB28B0CC-0545-4664-9DB1-DF5F57C2885B}" destId="{AB3F3ED0-C353-4106-AE9F-58BADC57B5A3}" srcOrd="0" destOrd="2" presId="urn:microsoft.com/office/officeart/2005/8/layout/hList1"/>
     <dgm:cxn modelId="{54C0C30E-F177-4159-A831-EC8F5CA2C483}" srcId="{25B20CE3-F2BA-4B66-8727-7C1AD8C6CC89}" destId="{D78BEAA3-1769-40AF-BB21-1FEDE668C53D}" srcOrd="3" destOrd="0" parTransId="{B59CD722-B21F-40DA-B29F-16010C0B90D8}" sibTransId="{B298F9B3-89E4-4591-A05F-DDB23112CC09}"/>
-    <dgm:cxn modelId="{504C1D22-6F1E-43EB-B00F-58A0DB036B63}" type="presOf" srcId="{95EE15FC-DA97-491E-AE7F-E3D2B7EA693C}" destId="{AB3F3ED0-C353-4106-AE9F-58BADC57B5A3}" srcOrd="0" destOrd="2" presId="urn:microsoft.com/office/officeart/2005/8/layout/hList1"/>
+    <dgm:cxn modelId="{504C1D22-6F1E-43EB-B00F-58A0DB036B63}" type="presOf" srcId="{95EE15FC-DA97-491E-AE7F-E3D2B7EA693C}" destId="{AB3F3ED0-C353-4106-AE9F-58BADC57B5A3}" srcOrd="0" destOrd="4" presId="urn:microsoft.com/office/officeart/2005/8/layout/hList1"/>
     <dgm:cxn modelId="{FA4CD924-E3FE-4CFB-840C-634FBE4DCED8}" srcId="{19A4407C-924F-4918-A9FF-12011F4CEA9B}" destId="{CDB271D0-6E9C-4853-BEBF-8C0C58ED76B3}" srcOrd="2" destOrd="0" parTransId="{27973728-C45A-4C7B-892A-7D75D8BD9E14}" sibTransId="{C1B4149F-5318-4D31-9BA7-C2EB5138B223}"/>
     <dgm:cxn modelId="{0670C235-F332-46FE-A5A6-5D53134420AE}" type="presOf" srcId="{1B3D78F2-D344-49FA-AD5F-204135470CA8}" destId="{AB3F3ED0-C353-4106-AE9F-58BADC57B5A3}" srcOrd="0" destOrd="0" presId="urn:microsoft.com/office/officeart/2005/8/layout/hList1"/>
     <dgm:cxn modelId="{E3ED8C36-8848-43DC-8C0C-AD11BF6ABA3E}" type="presOf" srcId="{51CD9286-5F51-443B-B9DC-7862A0B12C37}" destId="{071927AB-A6EC-4C09-931D-02BE466E7B3F}" srcOrd="0" destOrd="1" presId="urn:microsoft.com/office/officeart/2005/8/layout/hList1"/>
     <dgm:cxn modelId="{85A5A836-DFEE-4A31-AE75-7913054C7464}" srcId="{25B20CE3-F2BA-4B66-8727-7C1AD8C6CC89}" destId="{58833EB1-48C3-44FE-839D-3712D350D848}" srcOrd="1" destOrd="0" parTransId="{1B9E803A-827C-4642-A48F-7AFB8610B5C5}" sibTransId="{43E2ECC0-A17E-4DA3-9BE9-E5797E83C1C3}"/>
-    <dgm:cxn modelId="{6ED31C3B-C504-4D2B-83A2-07B252A51727}" srcId="{FE2D95C6-68AA-414F-9718-ED6C7C224D4A}" destId="{BA168400-70C2-48B4-807C-62F92A298AF3}" srcOrd="2" destOrd="0" parTransId="{BF4CE534-70AD-477B-B670-ACD2104B9F9E}" sibTransId="{7E68E442-0D88-4A24-8485-3F8E94E3A5BF}"/>
     <dgm:cxn modelId="{CFE1F63D-D1C3-495E-A31B-87973EF3016A}" srcId="{19A4407C-924F-4918-A9FF-12011F4CEA9B}" destId="{ED974D52-B76B-49A3-8E99-54C9BE615D44}" srcOrd="1" destOrd="0" parTransId="{B9DFA131-4203-4431-A072-C95F8A14FB48}" sibTransId="{D2CC2640-6A42-4F1F-B15E-7DC63E8F8932}"/>
     <dgm:cxn modelId="{E231095B-1E09-466B-9C4B-62D589739689}" srcId="{25B20CE3-F2BA-4B66-8727-7C1AD8C6CC89}" destId="{95EE15FC-DA97-491E-AE7F-E3D2B7EA693C}" srcOrd="2" destOrd="0" parTransId="{78F6FB82-91C7-4B9C-A745-DEC58C5993F5}" sibTransId="{5AB2D185-E547-433B-A306-06014310D3D2}"/>
-    <dgm:cxn modelId="{2098DA60-3FC0-48FA-A1AC-069218BB1676}" type="presOf" srcId="{D78BEAA3-1769-40AF-BB21-1FEDE668C53D}" destId="{AB3F3ED0-C353-4106-AE9F-58BADC57B5A3}" srcOrd="0" destOrd="3" presId="urn:microsoft.com/office/officeart/2005/8/layout/hList1"/>
+    <dgm:cxn modelId="{2098DA60-3FC0-48FA-A1AC-069218BB1676}" type="presOf" srcId="{D78BEAA3-1769-40AF-BB21-1FEDE668C53D}" destId="{AB3F3ED0-C353-4106-AE9F-58BADC57B5A3}" srcOrd="0" destOrd="5" presId="urn:microsoft.com/office/officeart/2005/8/layout/hList1"/>
     <dgm:cxn modelId="{65A2AF46-B545-49B2-82B7-01F62900F06A}" srcId="{FCC8923D-1C02-4F0A-BA97-113C006F84F3}" destId="{25B20CE3-F2BA-4B66-8727-7C1AD8C6CC89}" srcOrd="0" destOrd="0" parTransId="{EF6C7BA1-221E-4667-A8DD-F0C4008692CD}" sibTransId="{319ADE62-7907-4649-9428-8DAD0D0CBD9D}"/>
-    <dgm:cxn modelId="{E6C6A647-C9BB-4478-B922-332FB3353D8E}" type="presOf" srcId="{6F519324-7B79-45D8-BB48-8B3576193958}" destId="{E4CB8C97-4590-4E34-ADC6-DD42B8BDC192}" srcOrd="0" destOrd="2" presId="urn:microsoft.com/office/officeart/2005/8/layout/hList1"/>
     <dgm:cxn modelId="{FBA2B149-ACF4-4045-8700-66EF7CAF0EB9}" srcId="{FCC8923D-1C02-4F0A-BA97-113C006F84F3}" destId="{FE2D95C6-68AA-414F-9718-ED6C7C224D4A}" srcOrd="1" destOrd="0" parTransId="{BC2B293B-101C-4351-87A4-0853CFBB9BB1}" sibTransId="{7E1F24A0-0F70-46F9-8A9E-24FCE1959228}"/>
-    <dgm:cxn modelId="{87277374-9895-445A-A3F1-D8620BC65F01}" srcId="{3380A10D-84CC-408C-9017-5D39B8D8C920}" destId="{020CC1B2-AFE8-4535-970E-FBF8AE8EC319}" srcOrd="1" destOrd="0" parTransId="{0740FFC1-0951-4922-9CE3-66BAB6961A97}" sibTransId="{E068DF96-619C-4CAB-AC65-330F62D1DFA9}"/>
-    <dgm:cxn modelId="{595F2D75-DBE8-4574-A5BD-8288D788069E}" type="presOf" srcId="{5687A3E0-F179-4ACB-9567-88A5E5DEC885}" destId="{071927AB-A6EC-4C09-931D-02BE466E7B3F}" srcOrd="0" destOrd="3" presId="urn:microsoft.com/office/officeart/2005/8/layout/hList1"/>
+    <dgm:cxn modelId="{458D944E-2670-4681-A1B9-8ADDB9C66B5A}" type="presOf" srcId="{900DA08A-CB03-49A3-A51F-560CB31758AE}" destId="{E4CB8C97-4590-4E34-ADC6-DD42B8BDC192}" srcOrd="0" destOrd="1" presId="urn:microsoft.com/office/officeart/2005/8/layout/hList1"/>
+    <dgm:cxn modelId="{B02DC051-4474-448A-8416-8223223D69C6}" srcId="{1B3D78F2-D344-49FA-AD5F-204135470CA8}" destId="{DB28B0CC-0545-4664-9DB1-DF5F57C2885B}" srcOrd="1" destOrd="0" parTransId="{1DAE4590-32A0-40D3-B796-7921EE8BC91D}" sibTransId="{C0C88451-6F36-4AD9-9533-81EFEFE202BF}"/>
     <dgm:cxn modelId="{69D9CD58-8573-4AD5-911D-19D2CC0389DE}" srcId="{19A4407C-924F-4918-A9FF-12011F4CEA9B}" destId="{367259CD-3583-4C6D-8E0A-46093B187AEB}" srcOrd="0" destOrd="0" parTransId="{B75DB198-3B90-4A98-A3BA-38C178332DD7}" sibTransId="{C6623FFE-EA17-4BF5-A819-B525C5C09E98}"/>
     <dgm:cxn modelId="{0FF09759-E691-499C-81DA-7A53AC68B6D9}" type="presOf" srcId="{3380A10D-84CC-408C-9017-5D39B8D8C920}" destId="{195B9F5F-DC90-4DDE-A008-D743D5E18D83}" srcOrd="0" destOrd="0" presId="urn:microsoft.com/office/officeart/2005/8/layout/hList1"/>
     <dgm:cxn modelId="{170BEC59-61D6-4755-B7FE-CD925DE27719}" type="presOf" srcId="{20AE3CD3-9581-4BAD-BAF3-4EB02E8FA467}" destId="{071927AB-A6EC-4C09-931D-02BE466E7B3F}" srcOrd="0" destOrd="0" presId="urn:microsoft.com/office/officeart/2005/8/layout/hList1"/>
     <dgm:cxn modelId="{21C21081-CB9F-4F3B-A4B8-9D1F6B3F9961}" srcId="{25B20CE3-F2BA-4B66-8727-7C1AD8C6CC89}" destId="{1B3D78F2-D344-49FA-AD5F-204135470CA8}" srcOrd="0" destOrd="0" parTransId="{761BFC96-8461-41DB-810D-638524723C5C}" sibTransId="{BF3FF03A-4910-4EC8-89F2-70CF5A5B9CE8}"/>
+    <dgm:cxn modelId="{DAC39E88-5DA7-4A05-A871-6FF16C05D23E}" type="presOf" srcId="{22DB3E3D-CB24-4FE3-ACD5-B36A55FAE080}" destId="{AB3F3ED0-C353-4106-AE9F-58BADC57B5A3}" srcOrd="0" destOrd="1" presId="urn:microsoft.com/office/officeart/2005/8/layout/hList1"/>
     <dgm:cxn modelId="{9F06EA8E-54A3-442E-ACB9-1BE166D05200}" srcId="{FE2D95C6-68AA-414F-9718-ED6C7C224D4A}" destId="{20AE3CD3-9581-4BAD-BAF3-4EB02E8FA467}" srcOrd="0" destOrd="0" parTransId="{CFD50D0D-8D20-4766-A970-253FA1E473EF}" sibTransId="{C9342DA7-9594-4CF3-876E-D093BDEFD202}"/>
     <dgm:cxn modelId="{4E313295-B0CC-4093-A9E7-37F14EDDADA2}" type="presOf" srcId="{FE2D95C6-68AA-414F-9718-ED6C7C224D4A}" destId="{FCFA5902-CDA4-44D7-81F4-7642CD4645E5}" srcOrd="0" destOrd="0" presId="urn:microsoft.com/office/officeart/2005/8/layout/hList1"/>
-    <dgm:cxn modelId="{5FD6319F-765C-4BF5-AF45-F49CF0172DFA}" type="presOf" srcId="{BA168400-70C2-48B4-807C-62F92A298AF3}" destId="{071927AB-A6EC-4C09-931D-02BE466E7B3F}" srcOrd="0" destOrd="2" presId="urn:microsoft.com/office/officeart/2005/8/layout/hList1"/>
-    <dgm:cxn modelId="{D43687B8-7865-45F4-9E7B-47CF31FD5F53}" type="presOf" srcId="{020CC1B2-AFE8-4535-970E-FBF8AE8EC319}" destId="{E4CB8C97-4590-4E34-ADC6-DD42B8BDC192}" srcOrd="0" destOrd="1" presId="urn:microsoft.com/office/officeart/2005/8/layout/hList1"/>
+    <dgm:cxn modelId="{219C2599-CBDE-4D8A-B8A3-D8CA8A3CF351}" srcId="{3380A10D-84CC-408C-9017-5D39B8D8C920}" destId="{900DA08A-CB03-49A3-A51F-560CB31758AE}" srcOrd="1" destOrd="0" parTransId="{07D0AA38-18C7-4360-8B95-69F6578CEB18}" sibTransId="{A8FCCD37-FDA8-4152-B9CC-9C3A58939BDA}"/>
     <dgm:cxn modelId="{7EDD64B9-A0D2-445F-88B2-9A34FAC7208B}" srcId="{FCC8923D-1C02-4F0A-BA97-113C006F84F3}" destId="{19A4407C-924F-4918-A9FF-12011F4CEA9B}" srcOrd="2" destOrd="0" parTransId="{9E2DFBE2-FF0F-4F86-B67D-D6E14A8D35B5}" sibTransId="{47CFE9ED-B482-4493-864F-59AE7A543522}"/>
     <dgm:cxn modelId="{15ED37BB-B3BE-46D6-80E7-C1C42C2D8715}" type="presOf" srcId="{19A4407C-924F-4918-A9FF-12011F4CEA9B}" destId="{270C6582-85ED-4E53-9018-63CDC739E4FE}" srcOrd="0" destOrd="0" presId="urn:microsoft.com/office/officeart/2005/8/layout/hList1"/>
     <dgm:cxn modelId="{891C0DC9-229B-4D4B-A388-042DC5C416D2}" type="presOf" srcId="{CDB271D0-6E9C-4853-BEBF-8C0C58ED76B3}" destId="{F1738DBC-2D18-47D2-97EF-7B3AB1B94588}" srcOrd="0" destOrd="2" presId="urn:microsoft.com/office/officeart/2005/8/layout/hList1"/>
     <dgm:cxn modelId="{FE009DCA-024D-4DA0-9320-A795D416E7E0}" srcId="{3380A10D-84CC-408C-9017-5D39B8D8C920}" destId="{DDBEC27C-3A33-4C94-BCCF-51589B63D2AF}" srcOrd="0" destOrd="0" parTransId="{A14B49BE-7643-4DCD-AD45-3563E5AC3BF7}" sibTransId="{AABB19A2-C92F-42E8-8712-302C7F729B5B}"/>
-    <dgm:cxn modelId="{901276CE-40C1-4317-983A-D30DEEC4E611}" srcId="{3380A10D-84CC-408C-9017-5D39B8D8C920}" destId="{6F519324-7B79-45D8-BB48-8B3576193958}" srcOrd="2" destOrd="0" parTransId="{4639DD29-1260-4A2F-8E93-B59CF0828458}" sibTransId="{AA5E8097-1DB1-4EF9-B024-6A185A396DA8}"/>
     <dgm:cxn modelId="{E08687D1-2C0C-477C-A924-A9F7D1799115}" srcId="{FE2D95C6-68AA-414F-9718-ED6C7C224D4A}" destId="{51CD9286-5F51-443B-B9DC-7862A0B12C37}" srcOrd="1" destOrd="0" parTransId="{87D17C0F-5FC3-4D87-AA4F-2CAB601B6EAF}" sibTransId="{78222FC3-EE74-47A7-B42F-8F2691729E9B}"/>
     <dgm:cxn modelId="{B59477E4-71D4-47A3-A50B-54D2ED0D721D}" type="presOf" srcId="{FCC8923D-1C02-4F0A-BA97-113C006F84F3}" destId="{A9A4DDB9-E64E-4F0E-B2BD-F8419AC57381}" srcOrd="0" destOrd="0" presId="urn:microsoft.com/office/officeart/2005/8/layout/hList1"/>
-    <dgm:cxn modelId="{1CDF75E6-A943-48A7-80EC-331DAD6A28FB}" type="presOf" srcId="{58833EB1-48C3-44FE-839D-3712D350D848}" destId="{AB3F3ED0-C353-4106-AE9F-58BADC57B5A3}" srcOrd="0" destOrd="1" presId="urn:microsoft.com/office/officeart/2005/8/layout/hList1"/>
+    <dgm:cxn modelId="{1CDF75E6-A943-48A7-80EC-331DAD6A28FB}" type="presOf" srcId="{58833EB1-48C3-44FE-839D-3712D350D848}" destId="{AB3F3ED0-C353-4106-AE9F-58BADC57B5A3}" srcOrd="0" destOrd="3" presId="urn:microsoft.com/office/officeart/2005/8/layout/hList1"/>
     <dgm:cxn modelId="{17D5E1E6-1E6F-4BE2-B84A-4BF98347758B}" type="presOf" srcId="{ED974D52-B76B-49A3-8E99-54C9BE615D44}" destId="{F1738DBC-2D18-47D2-97EF-7B3AB1B94588}" srcOrd="0" destOrd="1" presId="urn:microsoft.com/office/officeart/2005/8/layout/hList1"/>
     <dgm:cxn modelId="{25EA90EF-A92A-415F-AE1C-BA5ECBD4BDA8}" type="presOf" srcId="{25B20CE3-F2BA-4B66-8727-7C1AD8C6CC89}" destId="{C9BAEBD8-2202-419E-947D-E128E1D1799C}" srcOrd="0" destOrd="0" presId="urn:microsoft.com/office/officeart/2005/8/layout/hList1"/>
     <dgm:cxn modelId="{1BE3F6EF-816E-4A50-8D1F-FDAC5E96140D}" type="presOf" srcId="{DDBEC27C-3A33-4C94-BCCF-51589B63D2AF}" destId="{E4CB8C97-4590-4E34-ADC6-DD42B8BDC192}" srcOrd="0" destOrd="0" presId="urn:microsoft.com/office/officeart/2005/8/layout/hList1"/>
     <dgm:cxn modelId="{3C01DCFA-3C73-4F1F-AA6F-36BB31406FFE}" type="presOf" srcId="{367259CD-3583-4C6D-8E0A-46093B187AEB}" destId="{F1738DBC-2D18-47D2-97EF-7B3AB1B94588}" srcOrd="0" destOrd="0" presId="urn:microsoft.com/office/officeart/2005/8/layout/hList1"/>
-    <dgm:cxn modelId="{41B577FB-0EF8-43CE-A05D-FC493D1A5E10}" srcId="{FE2D95C6-68AA-414F-9718-ED6C7C224D4A}" destId="{5687A3E0-F179-4ACB-9567-88A5E5DEC885}" srcOrd="3" destOrd="0" parTransId="{13348BE7-1676-46C5-81EC-9B691A53035D}" sibTransId="{91025D14-10F9-40BF-B55F-866FD63B9258}"/>
     <dgm:cxn modelId="{27CC73D6-6698-49D3-945A-7D45FA0017CA}" type="presParOf" srcId="{A9A4DDB9-E64E-4F0E-B2BD-F8419AC57381}" destId="{9BCF8619-5F75-41E7-BC9B-15EE2797A200}" srcOrd="0" destOrd="0" presId="urn:microsoft.com/office/officeart/2005/8/layout/hList1"/>
     <dgm:cxn modelId="{23951400-F5EF-4824-A5A0-D668CCC11BA7}" type="presParOf" srcId="{9BCF8619-5F75-41E7-BC9B-15EE2797A200}" destId="{C9BAEBD8-2202-419E-947D-E128E1D1799C}" srcOrd="0" destOrd="0" presId="urn:microsoft.com/office/officeart/2005/8/layout/hList1"/>
     <dgm:cxn modelId="{3DF485F5-B5D4-4F0B-8466-D1F7B43D262E}" type="presParOf" srcId="{9BCF8619-5F75-41E7-BC9B-15EE2797A200}" destId="{AB3F3ED0-C353-4106-AE9F-58BADC57B5A3}" srcOrd="1" destOrd="0" presId="urn:microsoft.com/office/officeart/2005/8/layout/hList1"/>
@@ -1695,8 +1692,8 @@
       </dsp:nvSpPr>
       <dsp:spPr>
         <a:xfrm>
-          <a:off x="3288" y="1291966"/>
-          <a:ext cx="1977147" cy="653800"/>
+          <a:off x="3248" y="1162436"/>
+          <a:ext cx="1953094" cy="589850"/>
         </a:xfrm>
         <a:prstGeom prst="rect">
           <a:avLst/>
@@ -1737,12 +1734,12 @@
         </a:fontRef>
       </dsp:style>
       <dsp:txBody>
-        <a:bodyPr spcFirstLastPara="0" vert="horz" wrap="square" lIns="135128" tIns="77216" rIns="135128" bIns="77216" numCol="1" spcCol="1270" anchor="ctr" anchorCtr="0">
+        <a:bodyPr spcFirstLastPara="0" vert="horz" wrap="square" lIns="120904" tIns="69088" rIns="120904" bIns="69088" numCol="1" spcCol="1270" anchor="ctr" anchorCtr="0">
           <a:noAutofit/>
         </a:bodyPr>
         <a:lstStyle/>
         <a:p>
-          <a:pPr marL="0" lvl="0" indent="0" algn="ctr" defTabSz="844550">
+          <a:pPr marL="0" lvl="0" indent="0" algn="ctr" defTabSz="755650">
             <a:lnSpc>
               <a:spcPct val="90000"/>
             </a:lnSpc>
@@ -1755,14 +1752,14 @@
             <a:buNone/>
           </a:pPr>
           <a:r>
-            <a:rPr lang="en-GB" sz="1900" kern="1200" dirty="0"/>
+            <a:rPr lang="en-GB" sz="1700" kern="1200" dirty="0"/>
             <a:t>Requirement analysis</a:t>
           </a:r>
         </a:p>
       </dsp:txBody>
       <dsp:txXfrm>
-        <a:off x="3288" y="1291966"/>
-        <a:ext cx="1977147" cy="653800"/>
+        <a:off x="3248" y="1162436"/>
+        <a:ext cx="1953094" cy="589850"/>
       </dsp:txXfrm>
     </dsp:sp>
     <dsp:sp modelId="{AB3F3ED0-C353-4106-AE9F-58BADC57B5A3}">
@@ -1772,8 +1769,254 @@
       </dsp:nvSpPr>
       <dsp:spPr>
         <a:xfrm>
-          <a:off x="3288" y="1945767"/>
-          <a:ext cx="1977147" cy="1641252"/>
+          <a:off x="3248" y="1752287"/>
+          <a:ext cx="1953094" cy="2006595"/>
+        </a:xfrm>
+        <a:prstGeom prst="rect">
+          <a:avLst/>
+        </a:prstGeom>
+        <a:solidFill>
+          <a:schemeClr val="accent3">
+            <a:alpha val="90000"/>
+            <a:tint val="40000"/>
+            <a:hueOff val="0"/>
+            <a:satOff val="0"/>
+            <a:lumOff val="0"/>
+            <a:alphaOff val="0"/>
+          </a:schemeClr>
+        </a:solidFill>
+        <a:ln w="25400" cap="flat" cmpd="sng" algn="ctr">
+          <a:solidFill>
+            <a:schemeClr val="accent3">
+              <a:alpha val="90000"/>
+              <a:tint val="40000"/>
+              <a:hueOff val="0"/>
+              <a:satOff val="0"/>
+              <a:lumOff val="0"/>
+              <a:alphaOff val="0"/>
+            </a:schemeClr>
+          </a:solidFill>
+          <a:prstDash val="solid"/>
+        </a:ln>
+        <a:effectLst/>
+      </dsp:spPr>
+      <dsp:style>
+        <a:lnRef idx="2">
+          <a:scrgbClr r="0" g="0" b="0"/>
+        </a:lnRef>
+        <a:fillRef idx="1">
+          <a:scrgbClr r="0" g="0" b="0"/>
+        </a:fillRef>
+        <a:effectRef idx="0">
+          <a:scrgbClr r="0" g="0" b="0"/>
+        </a:effectRef>
+        <a:fontRef idx="minor"/>
+      </dsp:style>
+      <dsp:txBody>
+        <a:bodyPr spcFirstLastPara="0" vert="horz" wrap="square" lIns="90678" tIns="90678" rIns="120904" bIns="136017" numCol="1" spcCol="1270" anchor="t" anchorCtr="0">
+          <a:noAutofit/>
+        </a:bodyPr>
+        <a:lstStyle/>
+        <a:p>
+          <a:pPr marL="171450" lvl="1" indent="-171450" algn="l" defTabSz="755650">
+            <a:lnSpc>
+              <a:spcPct val="90000"/>
+            </a:lnSpc>
+            <a:spcBef>
+              <a:spcPct val="0"/>
+            </a:spcBef>
+            <a:spcAft>
+              <a:spcPct val="15000"/>
+            </a:spcAft>
+            <a:buChar char="•"/>
+          </a:pPr>
+          <a:r>
+            <a:rPr lang="en-GB" sz="1700" kern="1200" dirty="0"/>
+            <a:t>Robust</a:t>
+          </a:r>
+        </a:p>
+        <a:p>
+          <a:pPr marL="342900" lvl="2" indent="-171450" algn="l" defTabSz="755650">
+            <a:lnSpc>
+              <a:spcPct val="90000"/>
+            </a:lnSpc>
+            <a:spcBef>
+              <a:spcPct val="0"/>
+            </a:spcBef>
+            <a:spcAft>
+              <a:spcPct val="15000"/>
+            </a:spcAft>
+            <a:buChar char="•"/>
+          </a:pPr>
+          <a:r>
+            <a:rPr lang="en-GB" sz="1700" kern="1200" dirty="0"/>
+            <a:t>Error detection</a:t>
+          </a:r>
+        </a:p>
+        <a:p>
+          <a:pPr marL="342900" lvl="2" indent="-171450" algn="l" defTabSz="755650">
+            <a:lnSpc>
+              <a:spcPct val="90000"/>
+            </a:lnSpc>
+            <a:spcBef>
+              <a:spcPct val="0"/>
+            </a:spcBef>
+            <a:spcAft>
+              <a:spcPct val="15000"/>
+            </a:spcAft>
+            <a:buChar char="•"/>
+          </a:pPr>
+          <a:r>
+            <a:rPr lang="en-GB" sz="1700" kern="1200" dirty="0"/>
+            <a:t>Reliability</a:t>
+          </a:r>
+        </a:p>
+        <a:p>
+          <a:pPr marL="171450" lvl="1" indent="-171450" algn="l" defTabSz="755650">
+            <a:lnSpc>
+              <a:spcPct val="90000"/>
+            </a:lnSpc>
+            <a:spcBef>
+              <a:spcPct val="0"/>
+            </a:spcBef>
+            <a:spcAft>
+              <a:spcPct val="15000"/>
+            </a:spcAft>
+            <a:buChar char="•"/>
+          </a:pPr>
+          <a:r>
+            <a:rPr lang="en-GB" sz="1700" kern="1200" dirty="0"/>
+            <a:t>Fast</a:t>
+          </a:r>
+        </a:p>
+        <a:p>
+          <a:pPr marL="171450" lvl="1" indent="-171450" algn="l" defTabSz="755650">
+            <a:lnSpc>
+              <a:spcPct val="90000"/>
+            </a:lnSpc>
+            <a:spcBef>
+              <a:spcPct val="0"/>
+            </a:spcBef>
+            <a:spcAft>
+              <a:spcPct val="15000"/>
+            </a:spcAft>
+            <a:buChar char="•"/>
+          </a:pPr>
+          <a:r>
+            <a:rPr lang="en-GB" sz="1700" kern="1200" dirty="0"/>
+            <a:t>Real time</a:t>
+          </a:r>
+        </a:p>
+        <a:p>
+          <a:pPr marL="171450" lvl="1" indent="-171450" algn="l" defTabSz="755650">
+            <a:lnSpc>
+              <a:spcPct val="90000"/>
+            </a:lnSpc>
+            <a:spcBef>
+              <a:spcPct val="0"/>
+            </a:spcBef>
+            <a:spcAft>
+              <a:spcPct val="15000"/>
+            </a:spcAft>
+            <a:buChar char="•"/>
+          </a:pPr>
+          <a:r>
+            <a:rPr lang="en-GB" sz="1700" kern="1200" dirty="0"/>
+            <a:t>Expandable</a:t>
+          </a:r>
+        </a:p>
+      </dsp:txBody>
+      <dsp:txXfrm>
+        <a:off x="3248" y="1752287"/>
+        <a:ext cx="1953094" cy="2006595"/>
+      </dsp:txXfrm>
+    </dsp:sp>
+    <dsp:sp modelId="{FCFA5902-CDA4-44D7-81F4-7642CD4645E5}">
+      <dsp:nvSpPr>
+        <dsp:cNvPr id="0" name=""/>
+        <dsp:cNvSpPr/>
+      </dsp:nvSpPr>
+      <dsp:spPr>
+        <a:xfrm>
+          <a:off x="2229776" y="1162436"/>
+          <a:ext cx="1953094" cy="589850"/>
+        </a:xfrm>
+        <a:prstGeom prst="rect">
+          <a:avLst/>
+        </a:prstGeom>
+        <a:solidFill>
+          <a:schemeClr val="accent3">
+            <a:hueOff val="0"/>
+            <a:satOff val="0"/>
+            <a:lumOff val="0"/>
+            <a:alphaOff val="0"/>
+          </a:schemeClr>
+        </a:solidFill>
+        <a:ln w="25400" cap="flat" cmpd="sng" algn="ctr">
+          <a:solidFill>
+            <a:schemeClr val="accent3">
+              <a:hueOff val="0"/>
+              <a:satOff val="0"/>
+              <a:lumOff val="0"/>
+              <a:alphaOff val="0"/>
+            </a:schemeClr>
+          </a:solidFill>
+          <a:prstDash val="solid"/>
+        </a:ln>
+        <a:effectLst/>
+      </dsp:spPr>
+      <dsp:style>
+        <a:lnRef idx="2">
+          <a:scrgbClr r="0" g="0" b="0"/>
+        </a:lnRef>
+        <a:fillRef idx="1">
+          <a:scrgbClr r="0" g="0" b="0"/>
+        </a:fillRef>
+        <a:effectRef idx="0">
+          <a:scrgbClr r="0" g="0" b="0"/>
+        </a:effectRef>
+        <a:fontRef idx="minor">
+          <a:schemeClr val="lt1"/>
+        </a:fontRef>
+      </dsp:style>
+      <dsp:txBody>
+        <a:bodyPr spcFirstLastPara="0" vert="horz" wrap="square" lIns="120904" tIns="69088" rIns="120904" bIns="69088" numCol="1" spcCol="1270" anchor="ctr" anchorCtr="0">
+          <a:noAutofit/>
+        </a:bodyPr>
+        <a:lstStyle/>
+        <a:p>
+          <a:pPr marL="0" lvl="0" indent="0" algn="ctr" defTabSz="755650">
+            <a:lnSpc>
+              <a:spcPct val="90000"/>
+            </a:lnSpc>
+            <a:spcBef>
+              <a:spcPct val="0"/>
+            </a:spcBef>
+            <a:spcAft>
+              <a:spcPct val="35000"/>
+            </a:spcAft>
+            <a:buNone/>
+          </a:pPr>
+          <a:r>
+            <a:rPr lang="en-GB" sz="1700" kern="1200" dirty="0"/>
+            <a:t>Protocol design</a:t>
+          </a:r>
+        </a:p>
+      </dsp:txBody>
+      <dsp:txXfrm>
+        <a:off x="2229776" y="1162436"/>
+        <a:ext cx="1953094" cy="589850"/>
+      </dsp:txXfrm>
+    </dsp:sp>
+    <dsp:sp modelId="{071927AB-A6EC-4C09-931D-02BE466E7B3F}">
+      <dsp:nvSpPr>
+        <dsp:cNvPr id="0" name=""/>
+        <dsp:cNvSpPr/>
+      </dsp:nvSpPr>
+      <dsp:spPr>
+        <a:xfrm>
+          <a:off x="2229776" y="1752287"/>
+          <a:ext cx="1953094" cy="2006595"/>
         </a:xfrm>
         <a:prstGeom prst="rect">
           <a:avLst/>
@@ -1835,7 +2078,15 @@
           </a:pPr>
           <a:r>
             <a:rPr lang="en-GB" sz="1900" kern="1200" dirty="0"/>
-            <a:t>Robust</a:t>
+            <a:t>COBS (</a:t>
+          </a:r>
+          <a:r>
+            <a:rPr lang="en-GB" sz="2000" b="0" kern="1200" dirty="0"/>
+            <a:t>Consistent Overhead Byte Stuffing</a:t>
+          </a:r>
+          <a:r>
+            <a:rPr lang="en-GB" sz="1900" kern="1200" dirty="0"/>
+            <a:t>)</a:t>
           </a:r>
         </a:p>
         <a:p>
@@ -1853,60 +2104,24 @@
           </a:pPr>
           <a:r>
             <a:rPr lang="en-GB" sz="1900" kern="1200" dirty="0"/>
-            <a:t>Fast</a:t>
-          </a:r>
-        </a:p>
-        <a:p>
-          <a:pPr marL="171450" lvl="1" indent="-171450" algn="l" defTabSz="844550">
-            <a:lnSpc>
-              <a:spcPct val="90000"/>
-            </a:lnSpc>
-            <a:spcBef>
-              <a:spcPct val="0"/>
-            </a:spcBef>
-            <a:spcAft>
-              <a:spcPct val="15000"/>
-            </a:spcAft>
-            <a:buChar char="•"/>
-          </a:pPr>
-          <a:r>
-            <a:rPr lang="en-GB" sz="1900" kern="1200" dirty="0"/>
-            <a:t>Real time</a:t>
-          </a:r>
-        </a:p>
-        <a:p>
-          <a:pPr marL="171450" lvl="1" indent="-171450" algn="l" defTabSz="844550">
-            <a:lnSpc>
-              <a:spcPct val="90000"/>
-            </a:lnSpc>
-            <a:spcBef>
-              <a:spcPct val="0"/>
-            </a:spcBef>
-            <a:spcAft>
-              <a:spcPct val="15000"/>
-            </a:spcAft>
-            <a:buChar char="•"/>
-          </a:pPr>
-          <a:r>
-            <a:rPr lang="en-GB" sz="1900" kern="1200" dirty="0"/>
-            <a:t>Expandable</a:t>
+            <a:t>Fletcher’s Checksum</a:t>
           </a:r>
         </a:p>
       </dsp:txBody>
       <dsp:txXfrm>
-        <a:off x="3288" y="1945767"/>
-        <a:ext cx="1977147" cy="1641252"/>
+        <a:off x="2229776" y="1752287"/>
+        <a:ext cx="1953094" cy="2006595"/>
       </dsp:txXfrm>
     </dsp:sp>
-    <dsp:sp modelId="{FCFA5902-CDA4-44D7-81F4-7642CD4645E5}">
+    <dsp:sp modelId="{270C6582-85ED-4E53-9018-63CDC739E4FE}">
       <dsp:nvSpPr>
         <dsp:cNvPr id="0" name=""/>
         <dsp:cNvSpPr/>
       </dsp:nvSpPr>
       <dsp:spPr>
         <a:xfrm>
-          <a:off x="2257236" y="1291966"/>
-          <a:ext cx="1977147" cy="653800"/>
+          <a:off x="4456304" y="1162436"/>
+          <a:ext cx="1953094" cy="589850"/>
         </a:xfrm>
         <a:prstGeom prst="rect">
           <a:avLst/>
@@ -1947,12 +2162,12 @@
         </a:fontRef>
       </dsp:style>
       <dsp:txBody>
-        <a:bodyPr spcFirstLastPara="0" vert="horz" wrap="square" lIns="135128" tIns="77216" rIns="135128" bIns="77216" numCol="1" spcCol="1270" anchor="ctr" anchorCtr="0">
+        <a:bodyPr spcFirstLastPara="0" vert="horz" wrap="square" lIns="120904" tIns="69088" rIns="120904" bIns="69088" numCol="1" spcCol="1270" anchor="ctr" anchorCtr="0">
           <a:noAutofit/>
         </a:bodyPr>
         <a:lstStyle/>
         <a:p>
-          <a:pPr marL="0" lvl="0" indent="0" algn="ctr" defTabSz="844550">
+          <a:pPr marL="0" lvl="0" indent="0" algn="ctr" defTabSz="755650">
             <a:lnSpc>
               <a:spcPct val="90000"/>
             </a:lnSpc>
@@ -1965,25 +2180,25 @@
             <a:buNone/>
           </a:pPr>
           <a:r>
-            <a:rPr lang="en-GB" sz="1900" kern="1200" dirty="0"/>
-            <a:t>Protocol design</a:t>
+            <a:rPr lang="en-GB" sz="1700" kern="1200" dirty="0"/>
+            <a:t>Implementation</a:t>
           </a:r>
         </a:p>
       </dsp:txBody>
       <dsp:txXfrm>
-        <a:off x="2257236" y="1291966"/>
-        <a:ext cx="1977147" cy="653800"/>
+        <a:off x="4456304" y="1162436"/>
+        <a:ext cx="1953094" cy="589850"/>
       </dsp:txXfrm>
     </dsp:sp>
-    <dsp:sp modelId="{071927AB-A6EC-4C09-931D-02BE466E7B3F}">
+    <dsp:sp modelId="{F1738DBC-2D18-47D2-97EF-7B3AB1B94588}">
       <dsp:nvSpPr>
         <dsp:cNvPr id="0" name=""/>
         <dsp:cNvSpPr/>
       </dsp:nvSpPr>
       <dsp:spPr>
         <a:xfrm>
-          <a:off x="2257236" y="1945767"/>
-          <a:ext cx="1977147" cy="1641252"/>
+          <a:off x="4456304" y="1752287"/>
+          <a:ext cx="1953094" cy="2006595"/>
         </a:xfrm>
         <a:prstGeom prst="rect">
           <a:avLst/>
@@ -2026,12 +2241,12 @@
         <a:fontRef idx="minor"/>
       </dsp:style>
       <dsp:txBody>
-        <a:bodyPr spcFirstLastPara="0" vert="horz" wrap="square" lIns="101346" tIns="101346" rIns="135128" bIns="152019" numCol="1" spcCol="1270" anchor="t" anchorCtr="0">
+        <a:bodyPr spcFirstLastPara="0" vert="horz" wrap="square" lIns="90678" tIns="90678" rIns="120904" bIns="136017" numCol="1" spcCol="1270" anchor="t" anchorCtr="0">
           <a:noAutofit/>
         </a:bodyPr>
         <a:lstStyle/>
         <a:p>
-          <a:pPr marL="171450" lvl="1" indent="-171450" algn="l" defTabSz="844550">
+          <a:pPr marL="171450" lvl="1" indent="-171450" algn="l" defTabSz="755650">
             <a:lnSpc>
               <a:spcPct val="90000"/>
             </a:lnSpc>
@@ -2044,12 +2259,12 @@
             <a:buChar char="•"/>
           </a:pPr>
           <a:r>
-            <a:rPr lang="en-GB" sz="1900" kern="1200" dirty="0"/>
-            <a:t>COBS</a:t>
+            <a:rPr lang="en-GB" sz="1700" kern="1200" dirty="0"/>
+            <a:t>Different implementation on both microcontrollers</a:t>
           </a:r>
         </a:p>
         <a:p>
-          <a:pPr marL="171450" lvl="1" indent="-171450" algn="l" defTabSz="844550">
+          <a:pPr marL="171450" lvl="1" indent="-171450" algn="l" defTabSz="755650">
             <a:lnSpc>
               <a:spcPct val="90000"/>
             </a:lnSpc>
@@ -2062,12 +2277,12 @@
             <a:buChar char="•"/>
           </a:pPr>
           <a:r>
-            <a:rPr lang="en-GB" sz="1900" kern="1200" dirty="0"/>
-            <a:t>Fletcher’s Checksum</a:t>
+            <a:rPr lang="en-GB" sz="1700" kern="1200" dirty="0"/>
+            <a:t>SPI drivers</a:t>
           </a:r>
         </a:p>
         <a:p>
-          <a:pPr marL="171450" lvl="1" indent="-171450" algn="l" defTabSz="844550">
+          <a:pPr marL="171450" lvl="1" indent="-171450" algn="l" defTabSz="755650">
             <a:lnSpc>
               <a:spcPct val="90000"/>
             </a:lnSpc>
@@ -2079,41 +2294,23 @@
             </a:spcAft>
             <a:buChar char="•"/>
           </a:pPr>
-          <a:r>
-            <a:rPr lang="en-GB" sz="1900" kern="1200" dirty="0"/>
-            <a:t>Etc.</a:t>
-          </a:r>
-        </a:p>
-        <a:p>
-          <a:pPr marL="171450" lvl="1" indent="-171450" algn="l" defTabSz="844550">
-            <a:lnSpc>
-              <a:spcPct val="90000"/>
-            </a:lnSpc>
-            <a:spcBef>
-              <a:spcPct val="0"/>
-            </a:spcBef>
-            <a:spcAft>
-              <a:spcPct val="15000"/>
-            </a:spcAft>
-            <a:buChar char="•"/>
-          </a:pPr>
-          <a:endParaRPr lang="en-GB" sz="1900" kern="1200" dirty="0"/>
+          <a:endParaRPr lang="en-GB" sz="1700" kern="1200" dirty="0"/>
         </a:p>
       </dsp:txBody>
       <dsp:txXfrm>
-        <a:off x="2257236" y="1945767"/>
-        <a:ext cx="1977147" cy="1641252"/>
+        <a:off x="4456304" y="1752287"/>
+        <a:ext cx="1953094" cy="2006595"/>
       </dsp:txXfrm>
     </dsp:sp>
-    <dsp:sp modelId="{270C6582-85ED-4E53-9018-63CDC739E4FE}">
+    <dsp:sp modelId="{195B9F5F-DC90-4DDE-A008-D743D5E18D83}">
       <dsp:nvSpPr>
         <dsp:cNvPr id="0" name=""/>
         <dsp:cNvSpPr/>
       </dsp:nvSpPr>
       <dsp:spPr>
         <a:xfrm>
-          <a:off x="4511184" y="1291966"/>
-          <a:ext cx="1977147" cy="653800"/>
+          <a:off x="6682832" y="1162436"/>
+          <a:ext cx="1953094" cy="589850"/>
         </a:xfrm>
         <a:prstGeom prst="rect">
           <a:avLst/>
@@ -2154,12 +2351,12 @@
         </a:fontRef>
       </dsp:style>
       <dsp:txBody>
-        <a:bodyPr spcFirstLastPara="0" vert="horz" wrap="square" lIns="135128" tIns="77216" rIns="135128" bIns="77216" numCol="1" spcCol="1270" anchor="ctr" anchorCtr="0">
+        <a:bodyPr spcFirstLastPara="0" vert="horz" wrap="square" lIns="120904" tIns="69088" rIns="120904" bIns="69088" numCol="1" spcCol="1270" anchor="ctr" anchorCtr="0">
           <a:noAutofit/>
         </a:bodyPr>
         <a:lstStyle/>
         <a:p>
-          <a:pPr marL="0" lvl="0" indent="0" algn="ctr" defTabSz="844550">
+          <a:pPr marL="0" lvl="0" indent="0" algn="ctr" defTabSz="755650">
             <a:lnSpc>
               <a:spcPct val="90000"/>
             </a:lnSpc>
@@ -2172,25 +2369,25 @@
             <a:buNone/>
           </a:pPr>
           <a:r>
-            <a:rPr lang="en-GB" sz="1900" kern="1200" dirty="0"/>
-            <a:t>Implementation</a:t>
+            <a:rPr lang="en-GB" sz="1700" kern="1200" dirty="0"/>
+            <a:t>Testing</a:t>
           </a:r>
         </a:p>
       </dsp:txBody>
       <dsp:txXfrm>
-        <a:off x="4511184" y="1291966"/>
-        <a:ext cx="1977147" cy="653800"/>
+        <a:off x="6682832" y="1162436"/>
+        <a:ext cx="1953094" cy="589850"/>
       </dsp:txXfrm>
     </dsp:sp>
-    <dsp:sp modelId="{F1738DBC-2D18-47D2-97EF-7B3AB1B94588}">
+    <dsp:sp modelId="{E4CB8C97-4590-4E34-ADC6-DD42B8BDC192}">
       <dsp:nvSpPr>
         <dsp:cNvPr id="0" name=""/>
         <dsp:cNvSpPr/>
       </dsp:nvSpPr>
       <dsp:spPr>
         <a:xfrm>
-          <a:off x="4511184" y="1945767"/>
-          <a:ext cx="1977147" cy="1641252"/>
+          <a:off x="6682832" y="1752287"/>
+          <a:ext cx="1953094" cy="2006595"/>
         </a:xfrm>
         <a:prstGeom prst="rect">
           <a:avLst/>
@@ -2233,12 +2430,12 @@
         <a:fontRef idx="minor"/>
       </dsp:style>
       <dsp:txBody>
-        <a:bodyPr spcFirstLastPara="0" vert="horz" wrap="square" lIns="101346" tIns="101346" rIns="135128" bIns="152019" numCol="1" spcCol="1270" anchor="t" anchorCtr="0">
+        <a:bodyPr spcFirstLastPara="0" vert="horz" wrap="square" lIns="90678" tIns="90678" rIns="120904" bIns="136017" numCol="1" spcCol="1270" anchor="t" anchorCtr="0">
           <a:noAutofit/>
         </a:bodyPr>
         <a:lstStyle/>
         <a:p>
-          <a:pPr marL="171450" lvl="1" indent="-171450" algn="l" defTabSz="844550">
+          <a:pPr marL="171450" lvl="1" indent="-171450" algn="l" defTabSz="755650">
             <a:lnSpc>
               <a:spcPct val="90000"/>
             </a:lnSpc>
@@ -2251,12 +2448,12 @@
             <a:buChar char="•"/>
           </a:pPr>
           <a:r>
-            <a:rPr lang="en-GB" sz="1900" kern="1200" dirty="0"/>
-            <a:t>Fact2</a:t>
+            <a:rPr lang="en-GB" sz="1700" kern="1200" dirty="0"/>
+            <a:t>Performance</a:t>
           </a:r>
         </a:p>
         <a:p>
-          <a:pPr marL="171450" lvl="1" indent="-171450" algn="l" defTabSz="844550">
+          <a:pPr marL="171450" lvl="1" indent="-171450" algn="l" defTabSz="755650">
             <a:lnSpc>
               <a:spcPct val="90000"/>
             </a:lnSpc>
@@ -2269,224 +2466,14 @@
             <a:buChar char="•"/>
           </a:pPr>
           <a:r>
-            <a:rPr lang="en-GB" sz="1900" kern="1200" dirty="0"/>
-            <a:t>Fact3</a:t>
-          </a:r>
-        </a:p>
-        <a:p>
-          <a:pPr marL="171450" lvl="1" indent="-171450" algn="l" defTabSz="844550">
-            <a:lnSpc>
-              <a:spcPct val="90000"/>
-            </a:lnSpc>
-            <a:spcBef>
-              <a:spcPct val="0"/>
-            </a:spcBef>
-            <a:spcAft>
-              <a:spcPct val="15000"/>
-            </a:spcAft>
-            <a:buChar char="•"/>
-          </a:pPr>
-          <a:r>
-            <a:rPr lang="en-GB" sz="1900" kern="1200" dirty="0"/>
-            <a:t>fact4</a:t>
+            <a:rPr lang="en-GB" sz="1700" kern="1200" dirty="0"/>
+            <a:t>Robustness</a:t>
           </a:r>
         </a:p>
       </dsp:txBody>
       <dsp:txXfrm>
-        <a:off x="4511184" y="1945767"/>
-        <a:ext cx="1977147" cy="1641252"/>
-      </dsp:txXfrm>
-    </dsp:sp>
-    <dsp:sp modelId="{195B9F5F-DC90-4DDE-A008-D743D5E18D83}">
-      <dsp:nvSpPr>
-        <dsp:cNvPr id="0" name=""/>
-        <dsp:cNvSpPr/>
-      </dsp:nvSpPr>
-      <dsp:spPr>
-        <a:xfrm>
-          <a:off x="6765132" y="1291966"/>
-          <a:ext cx="1977147" cy="653800"/>
-        </a:xfrm>
-        <a:prstGeom prst="rect">
-          <a:avLst/>
-        </a:prstGeom>
-        <a:solidFill>
-          <a:schemeClr val="accent3">
-            <a:hueOff val="0"/>
-            <a:satOff val="0"/>
-            <a:lumOff val="0"/>
-            <a:alphaOff val="0"/>
-          </a:schemeClr>
-        </a:solidFill>
-        <a:ln w="25400" cap="flat" cmpd="sng" algn="ctr">
-          <a:solidFill>
-            <a:schemeClr val="accent3">
-              <a:hueOff val="0"/>
-              <a:satOff val="0"/>
-              <a:lumOff val="0"/>
-              <a:alphaOff val="0"/>
-            </a:schemeClr>
-          </a:solidFill>
-          <a:prstDash val="solid"/>
-        </a:ln>
-        <a:effectLst/>
-      </dsp:spPr>
-      <dsp:style>
-        <a:lnRef idx="2">
-          <a:scrgbClr r="0" g="0" b="0"/>
-        </a:lnRef>
-        <a:fillRef idx="1">
-          <a:scrgbClr r="0" g="0" b="0"/>
-        </a:fillRef>
-        <a:effectRef idx="0">
-          <a:scrgbClr r="0" g="0" b="0"/>
-        </a:effectRef>
-        <a:fontRef idx="minor">
-          <a:schemeClr val="lt1"/>
-        </a:fontRef>
-      </dsp:style>
-      <dsp:txBody>
-        <a:bodyPr spcFirstLastPara="0" vert="horz" wrap="square" lIns="135128" tIns="77216" rIns="135128" bIns="77216" numCol="1" spcCol="1270" anchor="ctr" anchorCtr="0">
-          <a:noAutofit/>
-        </a:bodyPr>
-        <a:lstStyle/>
-        <a:p>
-          <a:pPr marL="0" lvl="0" indent="0" algn="ctr" defTabSz="844550">
-            <a:lnSpc>
-              <a:spcPct val="90000"/>
-            </a:lnSpc>
-            <a:spcBef>
-              <a:spcPct val="0"/>
-            </a:spcBef>
-            <a:spcAft>
-              <a:spcPct val="35000"/>
-            </a:spcAft>
-            <a:buNone/>
-          </a:pPr>
-          <a:r>
-            <a:rPr lang="en-GB" sz="1900" kern="1200" dirty="0"/>
-            <a:t>Testing</a:t>
-          </a:r>
-        </a:p>
-      </dsp:txBody>
-      <dsp:txXfrm>
-        <a:off x="6765132" y="1291966"/>
-        <a:ext cx="1977147" cy="653800"/>
-      </dsp:txXfrm>
-    </dsp:sp>
-    <dsp:sp modelId="{E4CB8C97-4590-4E34-ADC6-DD42B8BDC192}">
-      <dsp:nvSpPr>
-        <dsp:cNvPr id="0" name=""/>
-        <dsp:cNvSpPr/>
-      </dsp:nvSpPr>
-      <dsp:spPr>
-        <a:xfrm>
-          <a:off x="6765132" y="1945767"/>
-          <a:ext cx="1977147" cy="1641252"/>
-        </a:xfrm>
-        <a:prstGeom prst="rect">
-          <a:avLst/>
-        </a:prstGeom>
-        <a:solidFill>
-          <a:schemeClr val="accent3">
-            <a:alpha val="90000"/>
-            <a:tint val="40000"/>
-            <a:hueOff val="0"/>
-            <a:satOff val="0"/>
-            <a:lumOff val="0"/>
-            <a:alphaOff val="0"/>
-          </a:schemeClr>
-        </a:solidFill>
-        <a:ln w="25400" cap="flat" cmpd="sng" algn="ctr">
-          <a:solidFill>
-            <a:schemeClr val="accent3">
-              <a:alpha val="90000"/>
-              <a:tint val="40000"/>
-              <a:hueOff val="0"/>
-              <a:satOff val="0"/>
-              <a:lumOff val="0"/>
-              <a:alphaOff val="0"/>
-            </a:schemeClr>
-          </a:solidFill>
-          <a:prstDash val="solid"/>
-        </a:ln>
-        <a:effectLst/>
-      </dsp:spPr>
-      <dsp:style>
-        <a:lnRef idx="2">
-          <a:scrgbClr r="0" g="0" b="0"/>
-        </a:lnRef>
-        <a:fillRef idx="1">
-          <a:scrgbClr r="0" g="0" b="0"/>
-        </a:fillRef>
-        <a:effectRef idx="0">
-          <a:scrgbClr r="0" g="0" b="0"/>
-        </a:effectRef>
-        <a:fontRef idx="minor"/>
-      </dsp:style>
-      <dsp:txBody>
-        <a:bodyPr spcFirstLastPara="0" vert="horz" wrap="square" lIns="101346" tIns="101346" rIns="135128" bIns="152019" numCol="1" spcCol="1270" anchor="t" anchorCtr="0">
-          <a:noAutofit/>
-        </a:bodyPr>
-        <a:lstStyle/>
-        <a:p>
-          <a:pPr marL="171450" lvl="1" indent="-171450" algn="l" defTabSz="844550">
-            <a:lnSpc>
-              <a:spcPct val="90000"/>
-            </a:lnSpc>
-            <a:spcBef>
-              <a:spcPct val="0"/>
-            </a:spcBef>
-            <a:spcAft>
-              <a:spcPct val="15000"/>
-            </a:spcAft>
-            <a:buChar char="•"/>
-          </a:pPr>
-          <a:r>
-            <a:rPr lang="en-GB" sz="1900" kern="1200" dirty="0"/>
-            <a:t>Fact5</a:t>
-          </a:r>
-        </a:p>
-        <a:p>
-          <a:pPr marL="171450" lvl="1" indent="-171450" algn="l" defTabSz="844550">
-            <a:lnSpc>
-              <a:spcPct val="90000"/>
-            </a:lnSpc>
-            <a:spcBef>
-              <a:spcPct val="0"/>
-            </a:spcBef>
-            <a:spcAft>
-              <a:spcPct val="15000"/>
-            </a:spcAft>
-            <a:buChar char="•"/>
-          </a:pPr>
-          <a:r>
-            <a:rPr lang="en-GB" sz="1900" kern="1200" dirty="0"/>
-            <a:t>Dact6</a:t>
-          </a:r>
-        </a:p>
-        <a:p>
-          <a:pPr marL="171450" lvl="1" indent="-171450" algn="l" defTabSz="844550">
-            <a:lnSpc>
-              <a:spcPct val="90000"/>
-            </a:lnSpc>
-            <a:spcBef>
-              <a:spcPct val="0"/>
-            </a:spcBef>
-            <a:spcAft>
-              <a:spcPct val="15000"/>
-            </a:spcAft>
-            <a:buChar char="•"/>
-          </a:pPr>
-          <a:r>
-            <a:rPr lang="en-GB" sz="1900" kern="1200" dirty="0"/>
-            <a:t>Dact7</a:t>
-          </a:r>
-        </a:p>
-      </dsp:txBody>
-      <dsp:txXfrm>
-        <a:off x="6765132" y="1945767"/>
-        <a:ext cx="1977147" cy="1641252"/>
+        <a:off x="6682832" y="1752287"/>
+        <a:ext cx="1953094" cy="2006595"/>
       </dsp:txXfrm>
     </dsp:sp>
   </dsp:spTree>
@@ -5354,199 +5341,6 @@
                 <a:ea typeface="+mn-ea"/>
               </a:rPr>
               <a:t>8</a:t>
-            </a:fld>
-            <a:endParaRPr/>
-          </a:p>
-        </p:txBody>
-      </p:sp>
-    </p:spTree>
-    <p:extLst>
-      <p:ext uri="{BB962C8B-B14F-4D97-AF65-F5344CB8AC3E}">
-        <p14:creationId xmlns:p14="http://schemas.microsoft.com/office/powerpoint/2010/main" val="1880059149"/>
-      </p:ext>
-    </p:extLst>
-  </p:cSld>
-  <p:clrMapOvr>
-    <a:masterClrMapping/>
-  </p:clrMapOvr>
-</p:notes>
-</file>
-
-<file path=ppt/notesSlides/notesSlide8.xml><?xml version="1.0" encoding="utf-8"?>
-<p:notes xmlns:a="http://schemas.openxmlformats.org/drawingml/2006/main" xmlns:r="http://schemas.openxmlformats.org/officeDocument/2006/relationships" xmlns:p="http://schemas.openxmlformats.org/presentationml/2006/main">
-  <p:cSld>
-    <p:spTree>
-      <p:nvGrpSpPr>
-        <p:cNvPr id="1" name=""/>
-        <p:cNvGrpSpPr/>
-        <p:nvPr/>
-      </p:nvGrpSpPr>
-      <p:grpSpPr>
-        <a:xfrm>
-          <a:off x="0" y="0"/>
-          <a:ext cx="0" cy="0"/>
-          <a:chOff x="0" y="0"/>
-          <a:chExt cx="0" cy="0"/>
-        </a:xfrm>
-      </p:grpSpPr>
-      <p:sp>
-        <p:nvSpPr>
-          <p:cNvPr id="110" name="PlaceHolder 1"/>
-          <p:cNvSpPr>
-            <a:spLocks noGrp="1"/>
-          </p:cNvSpPr>
-          <p:nvPr>
-            <p:ph type="body"/>
-          </p:nvPr>
-        </p:nvSpPr>
-        <p:spPr>
-          <a:xfrm>
-            <a:off x="190440" y="4284720"/>
-            <a:ext cx="6476400" cy="4282200"/>
-          </a:xfrm>
-          <a:prstGeom prst="rect">
-            <a:avLst/>
-          </a:prstGeom>
-        </p:spPr>
-        <p:txBody>
-          <a:bodyPr lIns="0" tIns="0" rIns="0" bIns="0"/>
-          <a:lstStyle/>
-          <a:p>
-            <a:endParaRPr/>
-          </a:p>
-        </p:txBody>
-      </p:sp>
-      <p:sp>
-        <p:nvSpPr>
-          <p:cNvPr id="111" name="CustomShape 2"/>
-          <p:cNvSpPr/>
-          <p:nvPr/>
-        </p:nvSpPr>
-        <p:spPr>
-          <a:xfrm>
-            <a:off x="189000" y="8685360"/>
-            <a:ext cx="1618560" cy="456480"/>
-          </a:xfrm>
-          <a:prstGeom prst="rect">
-            <a:avLst/>
-          </a:prstGeom>
-          <a:noFill/>
-          <a:ln>
-            <a:noFill/>
-          </a:ln>
-        </p:spPr>
-        <p:txBody>
-          <a:bodyPr lIns="90000" tIns="45000" rIns="90000" bIns="45000" anchor="ctr"/>
-          <a:lstStyle/>
-          <a:p>
-            <a:pPr>
-              <a:lnSpc>
-                <a:spcPts val="162"/>
-              </a:lnSpc>
-            </a:pPr>
-            <a:r>
-              <a:rPr lang="de-DE" sz="1000">
-                <a:solidFill>
-                  <a:srgbClr val="000000"/>
-                </a:solidFill>
-                <a:latin typeface="Stafford"/>
-                <a:ea typeface="+mn-ea"/>
-              </a:rPr>
-              <a:t>15.06.16</a:t>
-            </a:r>
-            <a:endParaRPr/>
-          </a:p>
-        </p:txBody>
-      </p:sp>
-      <p:sp>
-        <p:nvSpPr>
-          <p:cNvPr id="112" name="CustomShape 3"/>
-          <p:cNvSpPr/>
-          <p:nvPr/>
-        </p:nvSpPr>
-        <p:spPr>
-          <a:xfrm>
-            <a:off x="1808280" y="8685360"/>
-            <a:ext cx="4104720" cy="456480"/>
-          </a:xfrm>
-          <a:prstGeom prst="rect">
-            <a:avLst/>
-          </a:prstGeom>
-          <a:noFill/>
-          <a:ln>
-            <a:noFill/>
-          </a:ln>
-        </p:spPr>
-        <p:txBody>
-          <a:bodyPr lIns="90000" tIns="45000" rIns="90000" bIns="45000" anchor="ctr"/>
-          <a:lstStyle/>
-          <a:p>
-            <a:pPr>
-              <a:lnSpc>
-                <a:spcPts val="162"/>
-              </a:lnSpc>
-            </a:pPr>
-            <a:r>
-              <a:rPr lang="de-DE" sz="1000">
-                <a:solidFill>
-                  <a:srgbClr val="000000"/>
-                </a:solidFill>
-                <a:latin typeface="Stafford"/>
-                <a:ea typeface="+mn-ea"/>
-              </a:rPr>
-              <a:t>|  </a:t>
-            </a:r>
-            <a:endParaRPr/>
-          </a:p>
-        </p:txBody>
-      </p:sp>
-      <p:sp>
-        <p:nvSpPr>
-          <p:cNvPr id="113" name="CustomShape 4"/>
-          <p:cNvSpPr/>
-          <p:nvPr/>
-        </p:nvSpPr>
-        <p:spPr>
-          <a:xfrm>
-            <a:off x="5913360" y="8685360"/>
-            <a:ext cx="942120" cy="456480"/>
-          </a:xfrm>
-          <a:prstGeom prst="rect">
-            <a:avLst/>
-          </a:prstGeom>
-          <a:noFill/>
-          <a:ln>
-            <a:noFill/>
-          </a:ln>
-        </p:spPr>
-        <p:txBody>
-          <a:bodyPr lIns="90000" tIns="45000" rIns="90000" bIns="45000" anchor="ctr"/>
-          <a:lstStyle/>
-          <a:p>
-            <a:pPr algn="r">
-              <a:lnSpc>
-                <a:spcPts val="162"/>
-              </a:lnSpc>
-            </a:pPr>
-            <a:r>
-              <a:rPr lang="de-DE" sz="1000">
-                <a:solidFill>
-                  <a:srgbClr val="000000"/>
-                </a:solidFill>
-                <a:latin typeface="Stafford"/>
-                <a:ea typeface="+mn-ea"/>
-              </a:rPr>
-              <a:t>|  </a:t>
-            </a:r>
-            <a:fld id="{0BD78692-C88F-4214-A934-7F5547F1CA4D}" type="slidenum">
-              <a:rPr lang="de-DE" sz="1000">
-                <a:solidFill>
-                  <a:srgbClr val="000000"/>
-                </a:solidFill>
-                <a:latin typeface="Stafford"/>
-                <a:ea typeface="+mn-ea"/>
-              </a:rPr>
-              <a:t>9</a:t>
             </a:fld>
             <a:endParaRPr/>
           </a:p>
@@ -9081,13 +8875,13 @@
               </a:lnSpc>
             </a:pPr>
             <a:r>
-              <a:rPr lang="de-DE" sz="1000">
+              <a:rPr lang="de-DE" sz="1000" dirty="0">
                 <a:solidFill>
                   <a:srgbClr val="000000"/>
                 </a:solidFill>
                 <a:latin typeface="Arial"/>
               </a:rPr>
-              <a:t>[Datum]  | [Thema] | [Student] |  </a:t>
+              <a:t>12.08.18 | Projektseminar | Breitenbach, Chen, Hu |  </a:t>
             </a:r>
             <a:fld id="{D533869A-5E8B-4926-9AC7-B37A707100D4}" type="slidenum">
               <a:rPr lang="de-DE" sz="1000">
@@ -9098,7 +8892,7 @@
               </a:rPr>
               <a:t>‹Nr.›</a:t>
             </a:fld>
-            <a:endParaRPr/>
+            <a:endParaRPr dirty="0"/>
           </a:p>
         </p:txBody>
       </p:sp>
@@ -11496,32 +11290,84 @@
           </a:p>
         </p:txBody>
       </p:sp>
+      <p:graphicFrame>
+        <p:nvGraphicFramePr>
+          <p:cNvPr id="5" name="Diagramm 4">
+            <a:extLst>
+              <a:ext uri="{FF2B5EF4-FFF2-40B4-BE49-F238E27FC236}">
+                <a16:creationId xmlns:a16="http://schemas.microsoft.com/office/drawing/2014/main" id="{0EB26BDD-F70B-4BE1-9E78-A116EAF411A8}"/>
+              </a:ext>
+            </a:extLst>
+          </p:cNvPr>
+          <p:cNvGraphicFramePr/>
+          <p:nvPr>
+            <p:extLst>
+              <p:ext uri="{D42A27DB-BD31-4B8C-83A1-F6EECF244321}">
+                <p14:modId xmlns:p14="http://schemas.microsoft.com/office/powerpoint/2010/main" val="1199552640"/>
+              </p:ext>
+            </p:extLst>
+          </p:nvPr>
+        </p:nvGraphicFramePr>
+        <p:xfrm>
+          <a:off x="257175" y="1447800"/>
+          <a:ext cx="8639175" cy="4921319"/>
+        </p:xfrm>
+        <a:graphic>
+          <a:graphicData uri="http://schemas.openxmlformats.org/drawingml/2006/diagram">
+            <dgm:relIds xmlns:dgm="http://schemas.openxmlformats.org/drawingml/2006/diagram" xmlns:r="http://schemas.openxmlformats.org/officeDocument/2006/relationships" r:dm="rId3" r:lo="rId4" r:qs="rId5" r:cs="rId6"/>
+          </a:graphicData>
+        </a:graphic>
+      </p:graphicFrame>
+      <p:cxnSp>
+        <p:nvCxnSpPr>
+          <p:cNvPr id="6" name="Verbinder: gekrümmt 5">
+            <a:extLst>
+              <a:ext uri="{FF2B5EF4-FFF2-40B4-BE49-F238E27FC236}">
+                <a16:creationId xmlns:a16="http://schemas.microsoft.com/office/drawing/2014/main" id="{40219893-607E-4A67-9CBA-211EE134685D}"/>
+              </a:ext>
+            </a:extLst>
+          </p:cNvPr>
+          <p:cNvCxnSpPr>
+            <a:cxnSpLocks/>
+          </p:cNvCxnSpPr>
+          <p:nvPr/>
+        </p:nvCxnSpPr>
+        <p:spPr>
+          <a:xfrm>
+            <a:off x="2190750" y="2876550"/>
+            <a:ext cx="304800" cy="142875"/>
+          </a:xfrm>
+          <a:prstGeom prst="curvedConnector3">
+            <a:avLst/>
+          </a:prstGeom>
+          <a:ln>
+            <a:solidFill>
+              <a:srgbClr val="99C000"/>
+            </a:solidFill>
+            <a:tailEnd type="triangle"/>
+          </a:ln>
+        </p:spPr>
+        <p:style>
+          <a:lnRef idx="1">
+            <a:schemeClr val="accent1"/>
+          </a:lnRef>
+          <a:fillRef idx="0">
+            <a:schemeClr val="accent1"/>
+          </a:fillRef>
+          <a:effectRef idx="0">
+            <a:schemeClr val="accent1"/>
+          </a:effectRef>
+          <a:fontRef idx="minor">
+            <a:schemeClr val="tx1"/>
+          </a:fontRef>
+        </p:style>
+      </p:cxnSp>
       <p:sp>
         <p:nvSpPr>
-          <p:cNvPr id="105" name="CustomShape 2"/>
-          <p:cNvSpPr/>
-          <p:nvPr/>
-        </p:nvSpPr>
-        <p:spPr>
-          <a:xfrm>
-            <a:off x="360000" y="1620000"/>
-            <a:ext cx="6822720" cy="4479120"/>
-          </a:xfrm>
-          <a:prstGeom prst="rect">
-            <a:avLst/>
-          </a:prstGeom>
-          <a:noFill/>
-          <a:ln>
-            <a:noFill/>
-          </a:ln>
-        </p:spPr>
-      </p:sp>
-      <p:sp>
-        <p:nvSpPr>
-          <p:cNvPr id="4" name="Textplatzhalter 2">
+          <p:cNvPr id="9" name="Textplatzhalter 2">
             <a:extLst>
               <a:ext uri="{FF2B5EF4-FFF2-40B4-BE49-F238E27FC236}">
-                <a16:creationId xmlns:a16="http://schemas.microsoft.com/office/drawing/2014/main" id="{04F97E2B-5BEB-4CDB-B4DB-D6BA9D3A4737}"/>
+                <a16:creationId xmlns:a16="http://schemas.microsoft.com/office/drawing/2014/main" id="{FC4FB8F5-EF14-4DD2-8E4C-3E1E06E80F1E}"/>
               </a:ext>
             </a:extLst>
           </p:cNvPr>
@@ -11720,39 +11566,96 @@
             </a:r>
             <a:endParaRPr lang="de-DE" dirty="0"/>
           </a:p>
-          <a:p>
-            <a:endParaRPr lang="de-DE" dirty="0"/>
-          </a:p>
         </p:txBody>
       </p:sp>
-      <p:graphicFrame>
-        <p:nvGraphicFramePr>
-          <p:cNvPr id="5" name="Diagramm 4">
+      <p:cxnSp>
+        <p:nvCxnSpPr>
+          <p:cNvPr id="11" name="Verbinder: gekrümmt 10">
             <a:extLst>
               <a:ext uri="{FF2B5EF4-FFF2-40B4-BE49-F238E27FC236}">
-                <a16:creationId xmlns:a16="http://schemas.microsoft.com/office/drawing/2014/main" id="{0EB26BDD-F70B-4BE1-9E78-A116EAF411A8}"/>
+                <a16:creationId xmlns:a16="http://schemas.microsoft.com/office/drawing/2014/main" id="{10FB5AE4-CE9A-4850-939A-1C8C21257E21}"/>
               </a:ext>
             </a:extLst>
           </p:cNvPr>
-          <p:cNvGraphicFramePr/>
-          <p:nvPr>
-            <p:extLst>
-              <p:ext uri="{D42A27DB-BD31-4B8C-83A1-F6EECF244321}">
-                <p14:modId xmlns:p14="http://schemas.microsoft.com/office/powerpoint/2010/main" val="4062135370"/>
-              </p:ext>
-            </p:extLst>
-          </p:nvPr>
-        </p:nvGraphicFramePr>
-        <p:xfrm>
-          <a:off x="259644" y="1490132"/>
-          <a:ext cx="8745568" cy="4878987"/>
-        </p:xfrm>
-        <a:graphic>
-          <a:graphicData uri="http://schemas.openxmlformats.org/drawingml/2006/diagram">
-            <dgm:relIds xmlns:dgm="http://schemas.openxmlformats.org/drawingml/2006/diagram" xmlns:r="http://schemas.openxmlformats.org/officeDocument/2006/relationships" r:dm="rId3" r:lo="rId4" r:qs="rId5" r:cs="rId6"/>
-          </a:graphicData>
-        </a:graphic>
-      </p:graphicFrame>
+          <p:cNvCxnSpPr>
+            <a:cxnSpLocks/>
+          </p:cNvCxnSpPr>
+          <p:nvPr/>
+        </p:nvCxnSpPr>
+        <p:spPr>
+          <a:xfrm>
+            <a:off x="4419420" y="2874285"/>
+            <a:ext cx="304800" cy="142875"/>
+          </a:xfrm>
+          <a:prstGeom prst="curvedConnector3">
+            <a:avLst/>
+          </a:prstGeom>
+          <a:ln>
+            <a:solidFill>
+              <a:srgbClr val="99C000"/>
+            </a:solidFill>
+            <a:tailEnd type="triangle"/>
+          </a:ln>
+        </p:spPr>
+        <p:style>
+          <a:lnRef idx="1">
+            <a:schemeClr val="accent1"/>
+          </a:lnRef>
+          <a:fillRef idx="0">
+            <a:schemeClr val="accent1"/>
+          </a:fillRef>
+          <a:effectRef idx="0">
+            <a:schemeClr val="accent1"/>
+          </a:effectRef>
+          <a:fontRef idx="minor">
+            <a:schemeClr val="tx1"/>
+          </a:fontRef>
+        </p:style>
+      </p:cxnSp>
+      <p:cxnSp>
+        <p:nvCxnSpPr>
+          <p:cNvPr id="12" name="Verbinder: gekrümmt 11">
+            <a:extLst>
+              <a:ext uri="{FF2B5EF4-FFF2-40B4-BE49-F238E27FC236}">
+                <a16:creationId xmlns:a16="http://schemas.microsoft.com/office/drawing/2014/main" id="{CAF290E5-F1D7-41C7-A26B-A74F411EEFD2}"/>
+              </a:ext>
+            </a:extLst>
+          </p:cNvPr>
+          <p:cNvCxnSpPr>
+            <a:cxnSpLocks/>
+          </p:cNvCxnSpPr>
+          <p:nvPr/>
+        </p:nvCxnSpPr>
+        <p:spPr>
+          <a:xfrm>
+            <a:off x="6648090" y="2874285"/>
+            <a:ext cx="304800" cy="142875"/>
+          </a:xfrm>
+          <a:prstGeom prst="curvedConnector3">
+            <a:avLst/>
+          </a:prstGeom>
+          <a:ln>
+            <a:solidFill>
+              <a:srgbClr val="99C000"/>
+            </a:solidFill>
+            <a:tailEnd type="triangle"/>
+          </a:ln>
+        </p:spPr>
+        <p:style>
+          <a:lnRef idx="1">
+            <a:schemeClr val="accent1"/>
+          </a:lnRef>
+          <a:fillRef idx="0">
+            <a:schemeClr val="accent1"/>
+          </a:fillRef>
+          <a:effectRef idx="0">
+            <a:schemeClr val="accent1"/>
+          </a:effectRef>
+          <a:fontRef idx="minor">
+            <a:schemeClr val="tx1"/>
+          </a:fontRef>
+        </p:style>
+      </p:cxnSp>
     </p:spTree>
     <p:extLst>
       <p:ext uri="{BB962C8B-B14F-4D97-AF65-F5344CB8AC3E}">
@@ -11810,6 +11713,572 @@
           <a:chExt cx="0" cy="0"/>
         </a:xfrm>
       </p:grpSpPr>
+      <p:sp>
+        <p:nvSpPr>
+          <p:cNvPr id="241" name="Textfeld 240">
+            <a:extLst>
+              <a:ext uri="{FF2B5EF4-FFF2-40B4-BE49-F238E27FC236}">
+                <a16:creationId xmlns:a16="http://schemas.microsoft.com/office/drawing/2014/main" id="{BE7494F9-F4C1-4A31-92C4-F25641DE61C0}"/>
+              </a:ext>
+            </a:extLst>
+          </p:cNvPr>
+          <p:cNvSpPr txBox="1"/>
+          <p:nvPr/>
+        </p:nvSpPr>
+        <p:spPr>
+          <a:xfrm>
+            <a:off x="5486400" y="1661039"/>
+            <a:ext cx="3345984" cy="369332"/>
+          </a:xfrm>
+          <a:prstGeom prst="rect">
+            <a:avLst/>
+          </a:prstGeom>
+        </p:spPr>
+        <p:style>
+          <a:lnRef idx="2">
+            <a:schemeClr val="accent3"/>
+          </a:lnRef>
+          <a:fillRef idx="1">
+            <a:schemeClr val="lt1"/>
+          </a:fillRef>
+          <a:effectRef idx="0">
+            <a:schemeClr val="accent3"/>
+          </a:effectRef>
+          <a:fontRef idx="minor">
+            <a:schemeClr val="dk1"/>
+          </a:fontRef>
+        </p:style>
+        <p:txBody>
+          <a:bodyPr wrap="square" rtlCol="0">
+            <a:spAutoFit/>
+          </a:bodyPr>
+          <a:lstStyle/>
+          <a:p>
+            <a:pPr algn="r"/>
+            <a:r>
+              <a:rPr lang="en-GB" dirty="0"/>
+              <a:t>Application Layer</a:t>
+            </a:r>
+          </a:p>
+        </p:txBody>
+      </p:sp>
+      <p:sp>
+        <p:nvSpPr>
+          <p:cNvPr id="237" name="Textfeld 236">
+            <a:extLst>
+              <a:ext uri="{FF2B5EF4-FFF2-40B4-BE49-F238E27FC236}">
+                <a16:creationId xmlns:a16="http://schemas.microsoft.com/office/drawing/2014/main" id="{9C93E13D-F084-491A-B226-F6336FC20B75}"/>
+              </a:ext>
+            </a:extLst>
+          </p:cNvPr>
+          <p:cNvSpPr txBox="1"/>
+          <p:nvPr/>
+        </p:nvSpPr>
+        <p:spPr>
+          <a:xfrm>
+            <a:off x="5486400" y="1654682"/>
+            <a:ext cx="3345984" cy="369332"/>
+          </a:xfrm>
+          <a:prstGeom prst="rect">
+            <a:avLst/>
+          </a:prstGeom>
+        </p:spPr>
+        <p:style>
+          <a:lnRef idx="2">
+            <a:schemeClr val="accent3"/>
+          </a:lnRef>
+          <a:fillRef idx="1">
+            <a:schemeClr val="lt1"/>
+          </a:fillRef>
+          <a:effectRef idx="0">
+            <a:schemeClr val="accent3"/>
+          </a:effectRef>
+          <a:fontRef idx="minor">
+            <a:schemeClr val="dk1"/>
+          </a:fontRef>
+        </p:style>
+        <p:txBody>
+          <a:bodyPr wrap="square" rtlCol="0">
+            <a:spAutoFit/>
+          </a:bodyPr>
+          <a:lstStyle/>
+          <a:p>
+            <a:pPr algn="r"/>
+            <a:r>
+              <a:rPr lang="en-GB" dirty="0"/>
+              <a:t>Transmission assurance Layer</a:t>
+            </a:r>
+          </a:p>
+        </p:txBody>
+      </p:sp>
+      <p:sp>
+        <p:nvSpPr>
+          <p:cNvPr id="242" name="Textfeld 241">
+            <a:extLst>
+              <a:ext uri="{FF2B5EF4-FFF2-40B4-BE49-F238E27FC236}">
+                <a16:creationId xmlns:a16="http://schemas.microsoft.com/office/drawing/2014/main" id="{8F3213DA-AD9D-47A5-A215-C2F49F0B881E}"/>
+              </a:ext>
+            </a:extLst>
+          </p:cNvPr>
+          <p:cNvSpPr txBox="1"/>
+          <p:nvPr/>
+        </p:nvSpPr>
+        <p:spPr>
+          <a:xfrm>
+            <a:off x="5486400" y="1653932"/>
+            <a:ext cx="3345984" cy="369332"/>
+          </a:xfrm>
+          <a:prstGeom prst="rect">
+            <a:avLst/>
+          </a:prstGeom>
+        </p:spPr>
+        <p:style>
+          <a:lnRef idx="2">
+            <a:schemeClr val="accent3"/>
+          </a:lnRef>
+          <a:fillRef idx="1">
+            <a:schemeClr val="lt1"/>
+          </a:fillRef>
+          <a:effectRef idx="0">
+            <a:schemeClr val="accent3"/>
+          </a:effectRef>
+          <a:fontRef idx="minor">
+            <a:schemeClr val="dk1"/>
+          </a:fontRef>
+        </p:style>
+        <p:txBody>
+          <a:bodyPr wrap="square" rtlCol="0">
+            <a:spAutoFit/>
+          </a:bodyPr>
+          <a:lstStyle/>
+          <a:p>
+            <a:pPr algn="r"/>
+            <a:r>
+              <a:rPr lang="en-GB" dirty="0"/>
+              <a:t>De- /Encoding Layer</a:t>
+            </a:r>
+          </a:p>
+        </p:txBody>
+      </p:sp>
+      <p:graphicFrame>
+        <p:nvGraphicFramePr>
+          <p:cNvPr id="238" name="Tabelle 237">
+            <a:extLst>
+              <a:ext uri="{FF2B5EF4-FFF2-40B4-BE49-F238E27FC236}">
+                <a16:creationId xmlns:a16="http://schemas.microsoft.com/office/drawing/2014/main" id="{6F8A4A9B-AF2E-4572-926E-C03FEA047A63}"/>
+              </a:ext>
+            </a:extLst>
+          </p:cNvPr>
+          <p:cNvGraphicFramePr>
+            <a:graphicFrameLocks noGrp="1"/>
+          </p:cNvGraphicFramePr>
+          <p:nvPr>
+            <p:extLst>
+              <p:ext uri="{D42A27DB-BD31-4B8C-83A1-F6EECF244321}">
+                <p14:modId xmlns:p14="http://schemas.microsoft.com/office/powerpoint/2010/main" val="3023674441"/>
+              </p:ext>
+            </p:extLst>
+          </p:nvPr>
+        </p:nvGraphicFramePr>
+        <p:xfrm>
+          <a:off x="242676" y="2326490"/>
+          <a:ext cx="2887028" cy="511748"/>
+        </p:xfrm>
+        <a:graphic>
+          <a:graphicData uri="http://schemas.openxmlformats.org/drawingml/2006/table">
+            <a:tbl>
+              <a:tblPr firstRow="1" bandRow="1">
+                <a:tableStyleId>{8799B23B-EC83-4686-B30A-512413B5E67A}</a:tableStyleId>
+              </a:tblPr>
+              <a:tblGrid>
+                <a:gridCol w="811530">
+                  <a:extLst>
+                    <a:ext uri="{9D8B030D-6E8A-4147-A177-3AD203B41FA5}">
+                      <a16:colId xmlns:a16="http://schemas.microsoft.com/office/drawing/2014/main" val="2613248472"/>
+                    </a:ext>
+                  </a:extLst>
+                </a:gridCol>
+                <a:gridCol w="1036955">
+                  <a:extLst>
+                    <a:ext uri="{9D8B030D-6E8A-4147-A177-3AD203B41FA5}">
+                      <a16:colId xmlns:a16="http://schemas.microsoft.com/office/drawing/2014/main" val="111009139"/>
+                    </a:ext>
+                  </a:extLst>
+                </a:gridCol>
+                <a:gridCol w="1038543">
+                  <a:extLst>
+                    <a:ext uri="{9D8B030D-6E8A-4147-A177-3AD203B41FA5}">
+                      <a16:colId xmlns:a16="http://schemas.microsoft.com/office/drawing/2014/main" val="3971022014"/>
+                    </a:ext>
+                  </a:extLst>
+                </a:gridCol>
+              </a:tblGrid>
+              <a:tr h="255874">
+                <a:tc>
+                  <a:txBody>
+                    <a:bodyPr/>
+                    <a:lstStyle/>
+                    <a:p>
+                      <a:r>
+                        <a:rPr lang="en-GB" sz="1000" b="0" dirty="0" err="1"/>
+                        <a:t>Startbyte</a:t>
+                      </a:r>
+                      <a:endParaRPr lang="en-GB" sz="1000" b="0" dirty="0"/>
+                    </a:p>
+                  </a:txBody>
+                  <a:tcPr>
+                    <a:lnL w="12700" cap="flat" cmpd="sng" algn="ctr">
+                      <a:solidFill>
+                        <a:schemeClr val="tx1"/>
+                      </a:solidFill>
+                      <a:prstDash val="solid"/>
+                      <a:round/>
+                      <a:headEnd type="none" w="med" len="med"/>
+                      <a:tailEnd type="none" w="med" len="med"/>
+                    </a:lnL>
+                    <a:lnR w="12700" cap="flat" cmpd="sng" algn="ctr">
+                      <a:solidFill>
+                        <a:schemeClr val="tx1"/>
+                      </a:solidFill>
+                      <a:prstDash val="solid"/>
+                      <a:round/>
+                      <a:headEnd type="none" w="med" len="med"/>
+                      <a:tailEnd type="none" w="med" len="med"/>
+                    </a:lnR>
+                    <a:lnT w="12700" cap="flat" cmpd="sng" algn="ctr">
+                      <a:solidFill>
+                        <a:schemeClr val="tx1"/>
+                      </a:solidFill>
+                      <a:prstDash val="solid"/>
+                      <a:round/>
+                      <a:headEnd type="none" w="med" len="med"/>
+                      <a:tailEnd type="none" w="med" len="med"/>
+                    </a:lnT>
+                    <a:lnB w="12700" cap="flat" cmpd="sng" algn="ctr">
+                      <a:solidFill>
+                        <a:schemeClr val="tx1"/>
+                      </a:solidFill>
+                      <a:prstDash val="solid"/>
+                      <a:round/>
+                      <a:headEnd type="none" w="med" len="med"/>
+                      <a:tailEnd type="none" w="med" len="med"/>
+                    </a:lnB>
+                  </a:tcPr>
+                </a:tc>
+                <a:tc>
+                  <a:txBody>
+                    <a:bodyPr/>
+                    <a:lstStyle/>
+                    <a:p>
+                      <a:r>
+                        <a:rPr lang="en-GB" sz="1000" b="0" dirty="0"/>
+                        <a:t>Speed reading</a:t>
+                      </a:r>
+                    </a:p>
+                  </a:txBody>
+                  <a:tcPr>
+                    <a:lnL w="12700" cap="flat" cmpd="sng" algn="ctr">
+                      <a:solidFill>
+                        <a:schemeClr val="tx1"/>
+                      </a:solidFill>
+                      <a:prstDash val="solid"/>
+                      <a:round/>
+                      <a:headEnd type="none" w="med" len="med"/>
+                      <a:tailEnd type="none" w="med" len="med"/>
+                    </a:lnL>
+                    <a:lnR w="12700" cap="flat" cmpd="sng" algn="ctr">
+                      <a:solidFill>
+                        <a:schemeClr val="tx1"/>
+                      </a:solidFill>
+                      <a:prstDash val="solid"/>
+                      <a:round/>
+                      <a:headEnd type="none" w="med" len="med"/>
+                      <a:tailEnd type="none" w="med" len="med"/>
+                    </a:lnR>
+                    <a:lnT w="12700" cap="flat" cmpd="sng" algn="ctr">
+                      <a:solidFill>
+                        <a:schemeClr val="tx1"/>
+                      </a:solidFill>
+                      <a:prstDash val="solid"/>
+                      <a:round/>
+                      <a:headEnd type="none" w="med" len="med"/>
+                      <a:tailEnd type="none" w="med" len="med"/>
+                    </a:lnT>
+                    <a:lnB w="12700" cap="flat" cmpd="sng" algn="ctr">
+                      <a:solidFill>
+                        <a:schemeClr val="tx1"/>
+                      </a:solidFill>
+                      <a:prstDash val="solid"/>
+                      <a:round/>
+                      <a:headEnd type="none" w="med" len="med"/>
+                      <a:tailEnd type="none" w="med" len="med"/>
+                    </a:lnB>
+                  </a:tcPr>
+                </a:tc>
+                <a:tc>
+                  <a:txBody>
+                    <a:bodyPr/>
+                    <a:lstStyle/>
+                    <a:p>
+                      <a:pPr marL="0" marR="0" lvl="0" indent="0" algn="l" defTabSz="914400" rtl="0" eaLnBrk="1" fontAlgn="auto" latinLnBrk="0" hangingPunct="1">
+                        <a:lnSpc>
+                          <a:spcPct val="100000"/>
+                        </a:lnSpc>
+                        <a:spcBef>
+                          <a:spcPts val="0"/>
+                        </a:spcBef>
+                        <a:spcAft>
+                          <a:spcPts val="0"/>
+                        </a:spcAft>
+                        <a:buClrTx/>
+                        <a:buSzTx/>
+                        <a:buFontTx/>
+                        <a:buNone/>
+                        <a:tabLst/>
+                        <a:defRPr/>
+                      </a:pPr>
+                      <a:r>
+                        <a:rPr lang="en-GB" sz="1000" b="0" dirty="0"/>
+                        <a:t>Height reading</a:t>
+                      </a:r>
+                    </a:p>
+                  </a:txBody>
+                  <a:tcPr>
+                    <a:lnL w="12700" cap="flat" cmpd="sng" algn="ctr">
+                      <a:solidFill>
+                        <a:schemeClr val="tx1"/>
+                      </a:solidFill>
+                      <a:prstDash val="solid"/>
+                      <a:round/>
+                      <a:headEnd type="none" w="med" len="med"/>
+                      <a:tailEnd type="none" w="med" len="med"/>
+                    </a:lnL>
+                    <a:lnR w="12700" cap="flat" cmpd="sng" algn="ctr">
+                      <a:solidFill>
+                        <a:schemeClr val="tx1"/>
+                      </a:solidFill>
+                      <a:prstDash val="solid"/>
+                      <a:round/>
+                      <a:headEnd type="none" w="med" len="med"/>
+                      <a:tailEnd type="none" w="med" len="med"/>
+                    </a:lnR>
+                    <a:lnT w="12700" cap="flat" cmpd="sng" algn="ctr">
+                      <a:solidFill>
+                        <a:schemeClr val="tx1"/>
+                      </a:solidFill>
+                      <a:prstDash val="solid"/>
+                      <a:round/>
+                      <a:headEnd type="none" w="med" len="med"/>
+                      <a:tailEnd type="none" w="med" len="med"/>
+                    </a:lnT>
+                    <a:lnB w="12700" cap="flat" cmpd="sng" algn="ctr">
+                      <a:solidFill>
+                        <a:schemeClr val="tx1"/>
+                      </a:solidFill>
+                      <a:prstDash val="solid"/>
+                      <a:round/>
+                      <a:headEnd type="none" w="med" len="med"/>
+                      <a:tailEnd type="none" w="med" len="med"/>
+                    </a:lnB>
+                  </a:tcPr>
+                </a:tc>
+                <a:extLst>
+                  <a:ext uri="{0D108BD9-81ED-4DB2-BD59-A6C34878D82A}">
+                    <a16:rowId xmlns:a16="http://schemas.microsoft.com/office/drawing/2014/main" val="395093362"/>
+                  </a:ext>
+                </a:extLst>
+              </a:tr>
+              <a:tr h="255874">
+                <a:tc>
+                  <a:txBody>
+                    <a:bodyPr/>
+                    <a:lstStyle/>
+                    <a:p>
+                      <a:r>
+                        <a:rPr lang="en-GB" sz="1000" dirty="0">
+                          <a:solidFill>
+                            <a:schemeClr val="bg1">
+                              <a:lumMod val="50000"/>
+                            </a:schemeClr>
+                          </a:solidFill>
+                        </a:rPr>
+                        <a:t>0x</a:t>
+                      </a:r>
+                      <a:r>
+                        <a:rPr lang="en-GB" sz="1000" dirty="0"/>
+                        <a:t> 01</a:t>
+                      </a:r>
+                    </a:p>
+                  </a:txBody>
+                  <a:tcPr>
+                    <a:lnL w="12700" cap="flat" cmpd="sng" algn="ctr">
+                      <a:solidFill>
+                        <a:schemeClr val="tx1"/>
+                      </a:solidFill>
+                      <a:prstDash val="solid"/>
+                      <a:round/>
+                      <a:headEnd type="none" w="med" len="med"/>
+                      <a:tailEnd type="none" w="med" len="med"/>
+                    </a:lnL>
+                    <a:lnR w="12700" cap="flat" cmpd="sng" algn="ctr">
+                      <a:solidFill>
+                        <a:schemeClr val="tx1"/>
+                      </a:solidFill>
+                      <a:prstDash val="solid"/>
+                      <a:round/>
+                      <a:headEnd type="none" w="med" len="med"/>
+                      <a:tailEnd type="none" w="med" len="med"/>
+                    </a:lnR>
+                    <a:lnT w="12700" cap="flat" cmpd="sng" algn="ctr">
+                      <a:solidFill>
+                        <a:schemeClr val="tx1"/>
+                      </a:solidFill>
+                      <a:prstDash val="solid"/>
+                      <a:round/>
+                      <a:headEnd type="none" w="med" len="med"/>
+                      <a:tailEnd type="none" w="med" len="med"/>
+                    </a:lnT>
+                    <a:lnB w="12700" cap="flat" cmpd="sng" algn="ctr">
+                      <a:solidFill>
+                        <a:schemeClr val="tx1"/>
+                      </a:solidFill>
+                      <a:prstDash val="solid"/>
+                      <a:round/>
+                      <a:headEnd type="none" w="med" len="med"/>
+                      <a:tailEnd type="none" w="med" len="med"/>
+                    </a:lnB>
+                  </a:tcPr>
+                </a:tc>
+                <a:tc>
+                  <a:txBody>
+                    <a:bodyPr/>
+                    <a:lstStyle/>
+                    <a:p>
+                      <a:r>
+                        <a:rPr lang="en-GB" sz="1000" dirty="0">
+                          <a:solidFill>
+                            <a:schemeClr val="bg1">
+                              <a:lumMod val="50000"/>
+                            </a:schemeClr>
+                          </a:solidFill>
+                        </a:rPr>
+                        <a:t>0x</a:t>
+                      </a:r>
+                      <a:r>
+                        <a:rPr lang="en-GB" sz="1000" dirty="0"/>
+                        <a:t> 00 33</a:t>
+                      </a:r>
+                    </a:p>
+                  </a:txBody>
+                  <a:tcPr>
+                    <a:lnL w="12700" cap="flat" cmpd="sng" algn="ctr">
+                      <a:solidFill>
+                        <a:schemeClr val="tx1"/>
+                      </a:solidFill>
+                      <a:prstDash val="solid"/>
+                      <a:round/>
+                      <a:headEnd type="none" w="med" len="med"/>
+                      <a:tailEnd type="none" w="med" len="med"/>
+                    </a:lnL>
+                    <a:lnR w="12700" cap="flat" cmpd="sng" algn="ctr">
+                      <a:solidFill>
+                        <a:schemeClr val="tx1"/>
+                      </a:solidFill>
+                      <a:prstDash val="solid"/>
+                      <a:round/>
+                      <a:headEnd type="none" w="med" len="med"/>
+                      <a:tailEnd type="none" w="med" len="med"/>
+                    </a:lnR>
+                    <a:lnT w="12700" cap="flat" cmpd="sng" algn="ctr">
+                      <a:solidFill>
+                        <a:schemeClr val="tx1"/>
+                      </a:solidFill>
+                      <a:prstDash val="solid"/>
+                      <a:round/>
+                      <a:headEnd type="none" w="med" len="med"/>
+                      <a:tailEnd type="none" w="med" len="med"/>
+                    </a:lnT>
+                    <a:lnB w="12700" cap="flat" cmpd="sng" algn="ctr">
+                      <a:solidFill>
+                        <a:schemeClr val="tx1"/>
+                      </a:solidFill>
+                      <a:prstDash val="solid"/>
+                      <a:round/>
+                      <a:headEnd type="none" w="med" len="med"/>
+                      <a:tailEnd type="none" w="med" len="med"/>
+                    </a:lnB>
+                  </a:tcPr>
+                </a:tc>
+                <a:tc>
+                  <a:txBody>
+                    <a:bodyPr/>
+                    <a:lstStyle/>
+                    <a:p>
+                      <a:r>
+                        <a:rPr lang="en-GB" sz="1000" dirty="0">
+                          <a:solidFill>
+                            <a:schemeClr val="bg1">
+                              <a:lumMod val="50000"/>
+                            </a:schemeClr>
+                          </a:solidFill>
+                        </a:rPr>
+                        <a:t>0x</a:t>
+                      </a:r>
+                      <a:r>
+                        <a:rPr lang="en-GB" sz="1000" dirty="0"/>
+                        <a:t> 12 D3</a:t>
+                      </a:r>
+                    </a:p>
+                  </a:txBody>
+                  <a:tcPr>
+                    <a:lnL w="12700" cap="flat" cmpd="sng" algn="ctr">
+                      <a:solidFill>
+                        <a:schemeClr val="tx1"/>
+                      </a:solidFill>
+                      <a:prstDash val="solid"/>
+                      <a:round/>
+                      <a:headEnd type="none" w="med" len="med"/>
+                      <a:tailEnd type="none" w="med" len="med"/>
+                    </a:lnL>
+                    <a:lnR w="12700" cap="flat" cmpd="sng" algn="ctr">
+                      <a:solidFill>
+                        <a:schemeClr val="tx1"/>
+                      </a:solidFill>
+                      <a:prstDash val="solid"/>
+                      <a:round/>
+                      <a:headEnd type="none" w="med" len="med"/>
+                      <a:tailEnd type="none" w="med" len="med"/>
+                    </a:lnR>
+                    <a:lnT w="12700" cap="flat" cmpd="sng" algn="ctr">
+                      <a:solidFill>
+                        <a:schemeClr val="tx1"/>
+                      </a:solidFill>
+                      <a:prstDash val="solid"/>
+                      <a:round/>
+                      <a:headEnd type="none" w="med" len="med"/>
+                      <a:tailEnd type="none" w="med" len="med"/>
+                    </a:lnT>
+                    <a:lnB w="12700" cap="flat" cmpd="sng" algn="ctr">
+                      <a:solidFill>
+                        <a:schemeClr val="tx1"/>
+                      </a:solidFill>
+                      <a:prstDash val="solid"/>
+                      <a:round/>
+                      <a:headEnd type="none" w="med" len="med"/>
+                      <a:tailEnd type="none" w="med" len="med"/>
+                    </a:lnB>
+                  </a:tcPr>
+                </a:tc>
+                <a:extLst>
+                  <a:ext uri="{0D108BD9-81ED-4DB2-BD59-A6C34878D82A}">
+                    <a16:rowId xmlns:a16="http://schemas.microsoft.com/office/drawing/2014/main" val="70308981"/>
+                  </a:ext>
+                </a:extLst>
+              </a:tr>
+            </a:tbl>
+          </a:graphicData>
+        </a:graphic>
+      </p:graphicFrame>
       <p:sp>
         <p:nvSpPr>
           <p:cNvPr id="104" name="CustomShape 1"/>
@@ -11895,7 +12364,7 @@
         </p:nvSpPr>
         <p:spPr>
           <a:xfrm>
-            <a:off x="457200" y="1604520"/>
+            <a:off x="457380" y="1591575"/>
             <a:ext cx="8229240" cy="3977280"/>
           </a:xfrm>
           <a:prstGeom prst="rect">
@@ -12074,13 +12543,3276 @@
               <a:t>Layer </a:t>
             </a:r>
             <a:r>
-              <a:rPr lang="de-DE" dirty="0" err="1"/>
+              <a:rPr lang="en-GB" dirty="0"/>
               <a:t>representation</a:t>
             </a:r>
-            <a:endParaRPr lang="de-DE" dirty="0"/>
+          </a:p>
+          <a:p>
+            <a:pPr marL="0" indent="0">
+              <a:buNone/>
+            </a:pPr>
+            <a:endParaRPr lang="en-GB" dirty="0"/>
+          </a:p>
+          <a:p>
+            <a:pPr marL="0" indent="0">
+              <a:buNone/>
+            </a:pPr>
+            <a:endParaRPr lang="en-GB" dirty="0"/>
+          </a:p>
+          <a:p>
+            <a:pPr marL="0" indent="0">
+              <a:buNone/>
+            </a:pPr>
+            <a:endParaRPr lang="en-GB" dirty="0"/>
+          </a:p>
+          <a:p>
+            <a:pPr marL="0" indent="0">
+              <a:buNone/>
+            </a:pPr>
+            <a:endParaRPr lang="en-GB" dirty="0"/>
+          </a:p>
+          <a:p>
+            <a:pPr marL="0" indent="0">
+              <a:buNone/>
+            </a:pPr>
+            <a:endParaRPr lang="en-GB" dirty="0"/>
+          </a:p>
+          <a:p>
+            <a:pPr marL="0" indent="0">
+              <a:buNone/>
+            </a:pPr>
+            <a:endParaRPr lang="en-GB" dirty="0"/>
+          </a:p>
+          <a:p>
+            <a:r>
+              <a:rPr lang="en-GB" sz="2000" dirty="0"/>
+              <a:t>Packing / reading new messages in Application layer (N=4)</a:t>
+            </a:r>
+          </a:p>
+          <a:p>
+            <a:r>
+              <a:rPr lang="en-GB" sz="2000" dirty="0"/>
+              <a:t>Bit transfer in physical layer (N=1)</a:t>
+            </a:r>
           </a:p>
         </p:txBody>
       </p:sp>
+      <p:sp>
+        <p:nvSpPr>
+          <p:cNvPr id="205" name="Freihandform: Form 204">
+            <a:extLst>
+              <a:ext uri="{FF2B5EF4-FFF2-40B4-BE49-F238E27FC236}">
+                <a16:creationId xmlns:a16="http://schemas.microsoft.com/office/drawing/2014/main" id="{5960A11C-5272-47E0-A7F2-F2115D4E4BD8}"/>
+              </a:ext>
+            </a:extLst>
+          </p:cNvPr>
+          <p:cNvSpPr/>
+          <p:nvPr/>
+        </p:nvSpPr>
+        <p:spPr>
+          <a:xfrm>
+            <a:off x="5025407" y="4580325"/>
+            <a:ext cx="1126663" cy="26834"/>
+          </a:xfrm>
+          <a:custGeom>
+            <a:avLst/>
+            <a:gdLst>
+              <a:gd name="connsiteX0" fmla="*/ 6036 w 1126662"/>
+              <a:gd name="connsiteY0" fmla="*/ 6038 h 0"/>
+              <a:gd name="connsiteX1" fmla="*/ 1143573 w 1126662"/>
+              <a:gd name="connsiteY1" fmla="*/ 6038 h 0"/>
+              <a:gd name="connsiteX2" fmla="*/ 1143573 w 1126662"/>
+              <a:gd name="connsiteY2" fmla="*/ 6038 h 0"/>
+            </a:gdLst>
+            <a:ahLst/>
+            <a:cxnLst>
+              <a:cxn ang="0">
+                <a:pos x="connsiteX0" y="connsiteY0"/>
+              </a:cxn>
+              <a:cxn ang="0">
+                <a:pos x="connsiteX1" y="connsiteY1"/>
+              </a:cxn>
+              <a:cxn ang="0">
+                <a:pos x="connsiteX2" y="connsiteY2"/>
+              </a:cxn>
+            </a:cxnLst>
+            <a:rect l="l" t="t" r="r" b="b"/>
+            <a:pathLst>
+              <a:path w="1126662">
+                <a:moveTo>
+                  <a:pt x="6036" y="6038"/>
+                </a:moveTo>
+                <a:lnTo>
+                  <a:pt x="1143573" y="6038"/>
+                </a:lnTo>
+                <a:lnTo>
+                  <a:pt x="1143573" y="6038"/>
+                </a:lnTo>
+              </a:path>
+            </a:pathLst>
+          </a:custGeom>
+          <a:noFill/>
+          <a:ln w="2858" cap="flat">
+            <a:solidFill>
+              <a:srgbClr val="000000"/>
+            </a:solidFill>
+            <a:prstDash val="solid"/>
+            <a:miter/>
+          </a:ln>
+        </p:spPr>
+        <p:txBody>
+          <a:bodyPr rtlCol="0" anchor="ctr"/>
+          <a:lstStyle/>
+          <a:p>
+            <a:endParaRPr lang="en-GB"/>
+          </a:p>
+        </p:txBody>
+      </p:sp>
+      <p:sp>
+        <p:nvSpPr>
+          <p:cNvPr id="206" name="Freihandform: Form 205">
+            <a:extLst>
+              <a:ext uri="{FF2B5EF4-FFF2-40B4-BE49-F238E27FC236}">
+                <a16:creationId xmlns:a16="http://schemas.microsoft.com/office/drawing/2014/main" id="{BFF334E7-FA6A-4BA7-A6C4-2A8F7658FBF6}"/>
+              </a:ext>
+            </a:extLst>
+          </p:cNvPr>
+          <p:cNvSpPr/>
+          <p:nvPr/>
+        </p:nvSpPr>
+        <p:spPr>
+          <a:xfrm>
+            <a:off x="5039767" y="3931440"/>
+            <a:ext cx="1126663" cy="26834"/>
+          </a:xfrm>
+          <a:custGeom>
+            <a:avLst/>
+            <a:gdLst>
+              <a:gd name="connsiteX0" fmla="*/ 6036 w 1126662"/>
+              <a:gd name="connsiteY0" fmla="*/ 6038 h 0"/>
+              <a:gd name="connsiteX1" fmla="*/ 1143573 w 1126662"/>
+              <a:gd name="connsiteY1" fmla="*/ 6038 h 0"/>
+              <a:gd name="connsiteX2" fmla="*/ 1143573 w 1126662"/>
+              <a:gd name="connsiteY2" fmla="*/ 6038 h 0"/>
+            </a:gdLst>
+            <a:ahLst/>
+            <a:cxnLst>
+              <a:cxn ang="0">
+                <a:pos x="connsiteX0" y="connsiteY0"/>
+              </a:cxn>
+              <a:cxn ang="0">
+                <a:pos x="connsiteX1" y="connsiteY1"/>
+              </a:cxn>
+              <a:cxn ang="0">
+                <a:pos x="connsiteX2" y="connsiteY2"/>
+              </a:cxn>
+            </a:cxnLst>
+            <a:rect l="l" t="t" r="r" b="b"/>
+            <a:pathLst>
+              <a:path w="1126662">
+                <a:moveTo>
+                  <a:pt x="6036" y="6038"/>
+                </a:moveTo>
+                <a:lnTo>
+                  <a:pt x="1143573" y="6038"/>
+                </a:lnTo>
+                <a:lnTo>
+                  <a:pt x="1143573" y="6038"/>
+                </a:lnTo>
+              </a:path>
+            </a:pathLst>
+          </a:custGeom>
+          <a:noFill/>
+          <a:ln w="2858" cap="flat">
+            <a:solidFill>
+              <a:srgbClr val="000000"/>
+            </a:solidFill>
+            <a:custDash>
+              <a:ds d="90000" sp="90000"/>
+            </a:custDash>
+            <a:miter/>
+          </a:ln>
+        </p:spPr>
+        <p:txBody>
+          <a:bodyPr rtlCol="0" anchor="ctr"/>
+          <a:lstStyle/>
+          <a:p>
+            <a:endParaRPr lang="en-GB"/>
+          </a:p>
+        </p:txBody>
+      </p:sp>
+      <p:sp>
+        <p:nvSpPr>
+          <p:cNvPr id="207" name="Freihandform: Form 206">
+            <a:extLst>
+              <a:ext uri="{FF2B5EF4-FFF2-40B4-BE49-F238E27FC236}">
+                <a16:creationId xmlns:a16="http://schemas.microsoft.com/office/drawing/2014/main" id="{01AB836E-A6E9-4ADE-80F4-C633E0CA5955}"/>
+              </a:ext>
+            </a:extLst>
+          </p:cNvPr>
+          <p:cNvSpPr/>
+          <p:nvPr/>
+        </p:nvSpPr>
+        <p:spPr>
+          <a:xfrm>
+            <a:off x="4124245" y="3014343"/>
+            <a:ext cx="912060" cy="509839"/>
+          </a:xfrm>
+          <a:custGeom>
+            <a:avLst/>
+            <a:gdLst>
+              <a:gd name="connsiteX0" fmla="*/ 6902 w 912060"/>
+              <a:gd name="connsiteY0" fmla="*/ 6904 h 509838"/>
+              <a:gd name="connsiteX1" fmla="*/ 907196 w 912060"/>
+              <a:gd name="connsiteY1" fmla="*/ 6904 h 509838"/>
+              <a:gd name="connsiteX2" fmla="*/ 907196 w 912060"/>
+              <a:gd name="connsiteY2" fmla="*/ 511030 h 509838"/>
+              <a:gd name="connsiteX3" fmla="*/ 6902 w 912060"/>
+              <a:gd name="connsiteY3" fmla="*/ 511030 h 509838"/>
+            </a:gdLst>
+            <a:ahLst/>
+            <a:cxnLst>
+              <a:cxn ang="0">
+                <a:pos x="connsiteX0" y="connsiteY0"/>
+              </a:cxn>
+              <a:cxn ang="0">
+                <a:pos x="connsiteX1" y="connsiteY1"/>
+              </a:cxn>
+              <a:cxn ang="0">
+                <a:pos x="connsiteX2" y="connsiteY2"/>
+              </a:cxn>
+              <a:cxn ang="0">
+                <a:pos x="connsiteX3" y="connsiteY3"/>
+              </a:cxn>
+            </a:cxnLst>
+            <a:rect l="l" t="t" r="r" b="b"/>
+            <a:pathLst>
+              <a:path w="912060" h="509838">
+                <a:moveTo>
+                  <a:pt x="6902" y="6904"/>
+                </a:moveTo>
+                <a:lnTo>
+                  <a:pt x="907196" y="6904"/>
+                </a:lnTo>
+                <a:lnTo>
+                  <a:pt x="907196" y="511030"/>
+                </a:lnTo>
+                <a:lnTo>
+                  <a:pt x="6902" y="511030"/>
+                </a:lnTo>
+                <a:close/>
+              </a:path>
+            </a:pathLst>
+          </a:custGeom>
+          <a:solidFill>
+            <a:srgbClr val="000000">
+              <a:alpha val="0"/>
+            </a:srgbClr>
+          </a:solidFill>
+          <a:ln w="3267" cap="flat">
+            <a:solidFill>
+              <a:srgbClr val="000000"/>
+            </a:solidFill>
+            <a:prstDash val="solid"/>
+            <a:miter/>
+          </a:ln>
+        </p:spPr>
+        <p:txBody>
+          <a:bodyPr rtlCol="0" anchor="ctr"/>
+          <a:lstStyle/>
+          <a:p>
+            <a:r>
+              <a:rPr lang="en-GB" dirty="0"/>
+              <a:t>  N=3</a:t>
+            </a:r>
+          </a:p>
+        </p:txBody>
+      </p:sp>
+      <p:sp>
+        <p:nvSpPr>
+          <p:cNvPr id="208" name="Freihandform: Form 207">
+            <a:extLst>
+              <a:ext uri="{FF2B5EF4-FFF2-40B4-BE49-F238E27FC236}">
+                <a16:creationId xmlns:a16="http://schemas.microsoft.com/office/drawing/2014/main" id="{5BD1CC4D-F106-410C-BF77-0E61C43DF222}"/>
+              </a:ext>
+            </a:extLst>
+          </p:cNvPr>
+          <p:cNvSpPr/>
+          <p:nvPr/>
+        </p:nvSpPr>
+        <p:spPr>
+          <a:xfrm>
+            <a:off x="4124245" y="3678488"/>
+            <a:ext cx="912060" cy="509839"/>
+          </a:xfrm>
+          <a:custGeom>
+            <a:avLst/>
+            <a:gdLst>
+              <a:gd name="connsiteX0" fmla="*/ 6902 w 912060"/>
+              <a:gd name="connsiteY0" fmla="*/ 6904 h 509838"/>
+              <a:gd name="connsiteX1" fmla="*/ 907196 w 912060"/>
+              <a:gd name="connsiteY1" fmla="*/ 6904 h 509838"/>
+              <a:gd name="connsiteX2" fmla="*/ 907196 w 912060"/>
+              <a:gd name="connsiteY2" fmla="*/ 511030 h 509838"/>
+              <a:gd name="connsiteX3" fmla="*/ 6902 w 912060"/>
+              <a:gd name="connsiteY3" fmla="*/ 511030 h 509838"/>
+            </a:gdLst>
+            <a:ahLst/>
+            <a:cxnLst>
+              <a:cxn ang="0">
+                <a:pos x="connsiteX0" y="connsiteY0"/>
+              </a:cxn>
+              <a:cxn ang="0">
+                <a:pos x="connsiteX1" y="connsiteY1"/>
+              </a:cxn>
+              <a:cxn ang="0">
+                <a:pos x="connsiteX2" y="connsiteY2"/>
+              </a:cxn>
+              <a:cxn ang="0">
+                <a:pos x="connsiteX3" y="connsiteY3"/>
+              </a:cxn>
+            </a:cxnLst>
+            <a:rect l="l" t="t" r="r" b="b"/>
+            <a:pathLst>
+              <a:path w="912060" h="509838">
+                <a:moveTo>
+                  <a:pt x="6902" y="6904"/>
+                </a:moveTo>
+                <a:lnTo>
+                  <a:pt x="907196" y="6904"/>
+                </a:lnTo>
+                <a:lnTo>
+                  <a:pt x="907196" y="511030"/>
+                </a:lnTo>
+                <a:lnTo>
+                  <a:pt x="6902" y="511030"/>
+                </a:lnTo>
+                <a:close/>
+              </a:path>
+            </a:pathLst>
+          </a:custGeom>
+          <a:solidFill>
+            <a:srgbClr val="000000">
+              <a:alpha val="0"/>
+            </a:srgbClr>
+          </a:solidFill>
+          <a:ln w="3267" cap="flat">
+            <a:solidFill>
+              <a:srgbClr val="000000"/>
+            </a:solidFill>
+            <a:prstDash val="solid"/>
+            <a:miter/>
+          </a:ln>
+        </p:spPr>
+        <p:txBody>
+          <a:bodyPr rtlCol="0" anchor="ctr"/>
+          <a:lstStyle/>
+          <a:p>
+            <a:r>
+              <a:rPr lang="en-GB" dirty="0"/>
+              <a:t>  N=2</a:t>
+            </a:r>
+          </a:p>
+        </p:txBody>
+      </p:sp>
+      <p:sp>
+        <p:nvSpPr>
+          <p:cNvPr id="209" name="Freihandform: Form 208">
+            <a:extLst>
+              <a:ext uri="{FF2B5EF4-FFF2-40B4-BE49-F238E27FC236}">
+                <a16:creationId xmlns:a16="http://schemas.microsoft.com/office/drawing/2014/main" id="{C53AEE27-24BD-477A-BD7C-C93473445DCA}"/>
+              </a:ext>
+            </a:extLst>
+          </p:cNvPr>
+          <p:cNvSpPr/>
+          <p:nvPr/>
+        </p:nvSpPr>
+        <p:spPr>
+          <a:xfrm>
+            <a:off x="4124245" y="4327397"/>
+            <a:ext cx="912060" cy="509839"/>
+          </a:xfrm>
+          <a:custGeom>
+            <a:avLst/>
+            <a:gdLst>
+              <a:gd name="connsiteX0" fmla="*/ 6902 w 912060"/>
+              <a:gd name="connsiteY0" fmla="*/ 6904 h 509838"/>
+              <a:gd name="connsiteX1" fmla="*/ 907196 w 912060"/>
+              <a:gd name="connsiteY1" fmla="*/ 6904 h 509838"/>
+              <a:gd name="connsiteX2" fmla="*/ 907196 w 912060"/>
+              <a:gd name="connsiteY2" fmla="*/ 511030 h 509838"/>
+              <a:gd name="connsiteX3" fmla="*/ 6902 w 912060"/>
+              <a:gd name="connsiteY3" fmla="*/ 511030 h 509838"/>
+            </a:gdLst>
+            <a:ahLst/>
+            <a:cxnLst>
+              <a:cxn ang="0">
+                <a:pos x="connsiteX0" y="connsiteY0"/>
+              </a:cxn>
+              <a:cxn ang="0">
+                <a:pos x="connsiteX1" y="connsiteY1"/>
+              </a:cxn>
+              <a:cxn ang="0">
+                <a:pos x="connsiteX2" y="connsiteY2"/>
+              </a:cxn>
+              <a:cxn ang="0">
+                <a:pos x="connsiteX3" y="connsiteY3"/>
+              </a:cxn>
+            </a:cxnLst>
+            <a:rect l="l" t="t" r="r" b="b"/>
+            <a:pathLst>
+              <a:path w="912060" h="509838">
+                <a:moveTo>
+                  <a:pt x="6902" y="6904"/>
+                </a:moveTo>
+                <a:lnTo>
+                  <a:pt x="907196" y="6904"/>
+                </a:lnTo>
+                <a:lnTo>
+                  <a:pt x="907196" y="511030"/>
+                </a:lnTo>
+                <a:lnTo>
+                  <a:pt x="6902" y="511030"/>
+                </a:lnTo>
+                <a:close/>
+              </a:path>
+            </a:pathLst>
+          </a:custGeom>
+          <a:solidFill>
+            <a:srgbClr val="000000">
+              <a:alpha val="0"/>
+            </a:srgbClr>
+          </a:solidFill>
+          <a:ln w="3267" cap="flat">
+            <a:solidFill>
+              <a:srgbClr val="000000"/>
+            </a:solidFill>
+            <a:prstDash val="solid"/>
+            <a:miter/>
+          </a:ln>
+        </p:spPr>
+        <p:txBody>
+          <a:bodyPr rtlCol="0" anchor="ctr"/>
+          <a:lstStyle/>
+          <a:p>
+            <a:r>
+              <a:rPr lang="en-GB" dirty="0"/>
+              <a:t>  N=1</a:t>
+            </a:r>
+          </a:p>
+        </p:txBody>
+      </p:sp>
+      <p:sp>
+        <p:nvSpPr>
+          <p:cNvPr id="210" name="Freihandform: Form 209">
+            <a:extLst>
+              <a:ext uri="{FF2B5EF4-FFF2-40B4-BE49-F238E27FC236}">
+                <a16:creationId xmlns:a16="http://schemas.microsoft.com/office/drawing/2014/main" id="{D45562CD-AD29-47F4-8733-7646E13D6FDA}"/>
+              </a:ext>
+            </a:extLst>
+          </p:cNvPr>
+          <p:cNvSpPr/>
+          <p:nvPr/>
+        </p:nvSpPr>
+        <p:spPr>
+          <a:xfrm>
+            <a:off x="7920324" y="3014343"/>
+            <a:ext cx="912060" cy="509839"/>
+          </a:xfrm>
+          <a:custGeom>
+            <a:avLst/>
+            <a:gdLst>
+              <a:gd name="connsiteX0" fmla="*/ 6902 w 912060"/>
+              <a:gd name="connsiteY0" fmla="*/ 6904 h 509838"/>
+              <a:gd name="connsiteX1" fmla="*/ 907196 w 912060"/>
+              <a:gd name="connsiteY1" fmla="*/ 6904 h 509838"/>
+              <a:gd name="connsiteX2" fmla="*/ 907196 w 912060"/>
+              <a:gd name="connsiteY2" fmla="*/ 511030 h 509838"/>
+              <a:gd name="connsiteX3" fmla="*/ 6902 w 912060"/>
+              <a:gd name="connsiteY3" fmla="*/ 511030 h 509838"/>
+            </a:gdLst>
+            <a:ahLst/>
+            <a:cxnLst>
+              <a:cxn ang="0">
+                <a:pos x="connsiteX0" y="connsiteY0"/>
+              </a:cxn>
+              <a:cxn ang="0">
+                <a:pos x="connsiteX1" y="connsiteY1"/>
+              </a:cxn>
+              <a:cxn ang="0">
+                <a:pos x="connsiteX2" y="connsiteY2"/>
+              </a:cxn>
+              <a:cxn ang="0">
+                <a:pos x="connsiteX3" y="connsiteY3"/>
+              </a:cxn>
+            </a:cxnLst>
+            <a:rect l="l" t="t" r="r" b="b"/>
+            <a:pathLst>
+              <a:path w="912060" h="509838">
+                <a:moveTo>
+                  <a:pt x="6902" y="6904"/>
+                </a:moveTo>
+                <a:lnTo>
+                  <a:pt x="907196" y="6904"/>
+                </a:lnTo>
+                <a:lnTo>
+                  <a:pt x="907196" y="511030"/>
+                </a:lnTo>
+                <a:lnTo>
+                  <a:pt x="6902" y="511030"/>
+                </a:lnTo>
+                <a:close/>
+              </a:path>
+            </a:pathLst>
+          </a:custGeom>
+          <a:solidFill>
+            <a:srgbClr val="000000">
+              <a:alpha val="0"/>
+            </a:srgbClr>
+          </a:solidFill>
+          <a:ln w="3267" cap="flat">
+            <a:solidFill>
+              <a:srgbClr val="000000"/>
+            </a:solidFill>
+            <a:prstDash val="solid"/>
+            <a:miter/>
+          </a:ln>
+        </p:spPr>
+        <p:txBody>
+          <a:bodyPr rtlCol="0" anchor="ctr"/>
+          <a:lstStyle/>
+          <a:p>
+            <a:r>
+              <a:rPr lang="en-GB" dirty="0"/>
+              <a:t>  N=3</a:t>
+            </a:r>
+          </a:p>
+        </p:txBody>
+      </p:sp>
+      <p:sp>
+        <p:nvSpPr>
+          <p:cNvPr id="211" name="Freihandform: Form 210">
+            <a:extLst>
+              <a:ext uri="{FF2B5EF4-FFF2-40B4-BE49-F238E27FC236}">
+                <a16:creationId xmlns:a16="http://schemas.microsoft.com/office/drawing/2014/main" id="{CB7B9DF3-F7BE-4A5C-AC4D-DF97402A74CD}"/>
+              </a:ext>
+            </a:extLst>
+          </p:cNvPr>
+          <p:cNvSpPr/>
+          <p:nvPr/>
+        </p:nvSpPr>
+        <p:spPr>
+          <a:xfrm>
+            <a:off x="7920324" y="3678488"/>
+            <a:ext cx="912060" cy="509839"/>
+          </a:xfrm>
+          <a:custGeom>
+            <a:avLst/>
+            <a:gdLst>
+              <a:gd name="connsiteX0" fmla="*/ 6902 w 912060"/>
+              <a:gd name="connsiteY0" fmla="*/ 6904 h 509838"/>
+              <a:gd name="connsiteX1" fmla="*/ 907196 w 912060"/>
+              <a:gd name="connsiteY1" fmla="*/ 6904 h 509838"/>
+              <a:gd name="connsiteX2" fmla="*/ 907196 w 912060"/>
+              <a:gd name="connsiteY2" fmla="*/ 511030 h 509838"/>
+              <a:gd name="connsiteX3" fmla="*/ 6902 w 912060"/>
+              <a:gd name="connsiteY3" fmla="*/ 511030 h 509838"/>
+            </a:gdLst>
+            <a:ahLst/>
+            <a:cxnLst>
+              <a:cxn ang="0">
+                <a:pos x="connsiteX0" y="connsiteY0"/>
+              </a:cxn>
+              <a:cxn ang="0">
+                <a:pos x="connsiteX1" y="connsiteY1"/>
+              </a:cxn>
+              <a:cxn ang="0">
+                <a:pos x="connsiteX2" y="connsiteY2"/>
+              </a:cxn>
+              <a:cxn ang="0">
+                <a:pos x="connsiteX3" y="connsiteY3"/>
+              </a:cxn>
+            </a:cxnLst>
+            <a:rect l="l" t="t" r="r" b="b"/>
+            <a:pathLst>
+              <a:path w="912060" h="509838">
+                <a:moveTo>
+                  <a:pt x="6902" y="6904"/>
+                </a:moveTo>
+                <a:lnTo>
+                  <a:pt x="907196" y="6904"/>
+                </a:lnTo>
+                <a:lnTo>
+                  <a:pt x="907196" y="511030"/>
+                </a:lnTo>
+                <a:lnTo>
+                  <a:pt x="6902" y="511030"/>
+                </a:lnTo>
+                <a:close/>
+              </a:path>
+            </a:pathLst>
+          </a:custGeom>
+          <a:solidFill>
+            <a:srgbClr val="000000">
+              <a:alpha val="0"/>
+            </a:srgbClr>
+          </a:solidFill>
+          <a:ln w="3267" cap="flat">
+            <a:solidFill>
+              <a:srgbClr val="000000"/>
+            </a:solidFill>
+            <a:prstDash val="solid"/>
+            <a:miter/>
+          </a:ln>
+        </p:spPr>
+        <p:txBody>
+          <a:bodyPr rtlCol="0" anchor="ctr"/>
+          <a:lstStyle/>
+          <a:p>
+            <a:r>
+              <a:rPr lang="en-GB" dirty="0"/>
+              <a:t>  N=2</a:t>
+            </a:r>
+          </a:p>
+        </p:txBody>
+      </p:sp>
+      <p:sp>
+        <p:nvSpPr>
+          <p:cNvPr id="212" name="Freihandform: Form 211">
+            <a:extLst>
+              <a:ext uri="{FF2B5EF4-FFF2-40B4-BE49-F238E27FC236}">
+                <a16:creationId xmlns:a16="http://schemas.microsoft.com/office/drawing/2014/main" id="{7B246F91-EC0C-4D4F-B16B-B8A189846A87}"/>
+              </a:ext>
+            </a:extLst>
+          </p:cNvPr>
+          <p:cNvSpPr/>
+          <p:nvPr/>
+        </p:nvSpPr>
+        <p:spPr>
+          <a:xfrm>
+            <a:off x="7920324" y="4327397"/>
+            <a:ext cx="912060" cy="509839"/>
+          </a:xfrm>
+          <a:custGeom>
+            <a:avLst/>
+            <a:gdLst>
+              <a:gd name="connsiteX0" fmla="*/ 6902 w 912060"/>
+              <a:gd name="connsiteY0" fmla="*/ 6904 h 509838"/>
+              <a:gd name="connsiteX1" fmla="*/ 907196 w 912060"/>
+              <a:gd name="connsiteY1" fmla="*/ 6904 h 509838"/>
+              <a:gd name="connsiteX2" fmla="*/ 907196 w 912060"/>
+              <a:gd name="connsiteY2" fmla="*/ 511030 h 509838"/>
+              <a:gd name="connsiteX3" fmla="*/ 6902 w 912060"/>
+              <a:gd name="connsiteY3" fmla="*/ 511030 h 509838"/>
+            </a:gdLst>
+            <a:ahLst/>
+            <a:cxnLst>
+              <a:cxn ang="0">
+                <a:pos x="connsiteX0" y="connsiteY0"/>
+              </a:cxn>
+              <a:cxn ang="0">
+                <a:pos x="connsiteX1" y="connsiteY1"/>
+              </a:cxn>
+              <a:cxn ang="0">
+                <a:pos x="connsiteX2" y="connsiteY2"/>
+              </a:cxn>
+              <a:cxn ang="0">
+                <a:pos x="connsiteX3" y="connsiteY3"/>
+              </a:cxn>
+            </a:cxnLst>
+            <a:rect l="l" t="t" r="r" b="b"/>
+            <a:pathLst>
+              <a:path w="912060" h="509838">
+                <a:moveTo>
+                  <a:pt x="6902" y="6904"/>
+                </a:moveTo>
+                <a:lnTo>
+                  <a:pt x="907196" y="6904"/>
+                </a:lnTo>
+                <a:lnTo>
+                  <a:pt x="907196" y="511030"/>
+                </a:lnTo>
+                <a:lnTo>
+                  <a:pt x="6902" y="511030"/>
+                </a:lnTo>
+                <a:close/>
+              </a:path>
+            </a:pathLst>
+          </a:custGeom>
+          <a:solidFill>
+            <a:srgbClr val="000000">
+              <a:alpha val="0"/>
+            </a:srgbClr>
+          </a:solidFill>
+          <a:ln w="3267" cap="flat">
+            <a:solidFill>
+              <a:srgbClr val="000000"/>
+            </a:solidFill>
+            <a:prstDash val="solid"/>
+            <a:miter/>
+          </a:ln>
+        </p:spPr>
+        <p:txBody>
+          <a:bodyPr rtlCol="0" anchor="ctr"/>
+          <a:lstStyle/>
+          <a:p>
+            <a:r>
+              <a:rPr lang="en-GB" dirty="0"/>
+              <a:t>  N=1</a:t>
+            </a:r>
+          </a:p>
+        </p:txBody>
+      </p:sp>
+      <p:sp>
+        <p:nvSpPr>
+          <p:cNvPr id="213" name="Freihandform: Form 212">
+            <a:extLst>
+              <a:ext uri="{FF2B5EF4-FFF2-40B4-BE49-F238E27FC236}">
+                <a16:creationId xmlns:a16="http://schemas.microsoft.com/office/drawing/2014/main" id="{A70BFE5F-C92C-46C2-BF39-9B2078893523}"/>
+              </a:ext>
+            </a:extLst>
+          </p:cNvPr>
+          <p:cNvSpPr/>
+          <p:nvPr/>
+        </p:nvSpPr>
+        <p:spPr>
+          <a:xfrm>
+            <a:off x="6165261" y="3154417"/>
+            <a:ext cx="616982" cy="214669"/>
+          </a:xfrm>
+          <a:custGeom>
+            <a:avLst/>
+            <a:gdLst>
+              <a:gd name="connsiteX0" fmla="*/ 3720 w 616981"/>
+              <a:gd name="connsiteY0" fmla="*/ 3721 h 214669"/>
+              <a:gd name="connsiteX1" fmla="*/ 619288 w 616981"/>
+              <a:gd name="connsiteY1" fmla="*/ 3721 h 214669"/>
+              <a:gd name="connsiteX2" fmla="*/ 619288 w 616981"/>
+              <a:gd name="connsiteY2" fmla="*/ 234065 h 214669"/>
+              <a:gd name="connsiteX3" fmla="*/ 3720 w 616981"/>
+              <a:gd name="connsiteY3" fmla="*/ 234065 h 214669"/>
+            </a:gdLst>
+            <a:ahLst/>
+            <a:cxnLst>
+              <a:cxn ang="0">
+                <a:pos x="connsiteX0" y="connsiteY0"/>
+              </a:cxn>
+              <a:cxn ang="0">
+                <a:pos x="connsiteX1" y="connsiteY1"/>
+              </a:cxn>
+              <a:cxn ang="0">
+                <a:pos x="connsiteX2" y="connsiteY2"/>
+              </a:cxn>
+              <a:cxn ang="0">
+                <a:pos x="connsiteX3" y="connsiteY3"/>
+              </a:cxn>
+            </a:cxnLst>
+            <a:rect l="l" t="t" r="r" b="b"/>
+            <a:pathLst>
+              <a:path w="616981" h="214669">
+                <a:moveTo>
+                  <a:pt x="3720" y="3721"/>
+                </a:moveTo>
+                <a:lnTo>
+                  <a:pt x="619288" y="3721"/>
+                </a:lnTo>
+                <a:lnTo>
+                  <a:pt x="619288" y="234065"/>
+                </a:lnTo>
+                <a:lnTo>
+                  <a:pt x="3720" y="234065"/>
+                </a:lnTo>
+                <a:close/>
+              </a:path>
+            </a:pathLst>
+          </a:custGeom>
+          <a:solidFill>
+            <a:srgbClr val="99C000"/>
+          </a:solidFill>
+          <a:ln w="1761" cap="flat">
+            <a:solidFill>
+              <a:srgbClr val="000000"/>
+            </a:solidFill>
+            <a:prstDash val="solid"/>
+            <a:miter/>
+          </a:ln>
+        </p:spPr>
+        <p:txBody>
+          <a:bodyPr rtlCol="0" anchor="ctr"/>
+          <a:lstStyle/>
+          <a:p>
+            <a:endParaRPr lang="en-GB"/>
+          </a:p>
+        </p:txBody>
+      </p:sp>
+      <p:sp>
+        <p:nvSpPr>
+          <p:cNvPr id="214" name="Freihandform: Form 213">
+            <a:extLst>
+              <a:ext uri="{FF2B5EF4-FFF2-40B4-BE49-F238E27FC236}">
+                <a16:creationId xmlns:a16="http://schemas.microsoft.com/office/drawing/2014/main" id="{CBA6BE56-F47F-4FD7-8C85-1D558AB8ED46}"/>
+              </a:ext>
+            </a:extLst>
+          </p:cNvPr>
+          <p:cNvSpPr/>
+          <p:nvPr/>
+        </p:nvSpPr>
+        <p:spPr>
+          <a:xfrm>
+            <a:off x="6113315" y="3818755"/>
+            <a:ext cx="53651" cy="214669"/>
+          </a:xfrm>
+          <a:custGeom>
+            <a:avLst/>
+            <a:gdLst>
+              <a:gd name="connsiteX0" fmla="*/ 3694 w 53650"/>
+              <a:gd name="connsiteY0" fmla="*/ 3695 h 214669"/>
+              <a:gd name="connsiteX1" fmla="*/ 70025 w 53650"/>
+              <a:gd name="connsiteY1" fmla="*/ 3695 h 214669"/>
+              <a:gd name="connsiteX2" fmla="*/ 70025 w 53650"/>
+              <a:gd name="connsiteY2" fmla="*/ 233750 h 214669"/>
+              <a:gd name="connsiteX3" fmla="*/ 3694 w 53650"/>
+              <a:gd name="connsiteY3" fmla="*/ 233750 h 214669"/>
+            </a:gdLst>
+            <a:ahLst/>
+            <a:cxnLst>
+              <a:cxn ang="0">
+                <a:pos x="connsiteX0" y="connsiteY0"/>
+              </a:cxn>
+              <a:cxn ang="0">
+                <a:pos x="connsiteX1" y="connsiteY1"/>
+              </a:cxn>
+              <a:cxn ang="0">
+                <a:pos x="connsiteX2" y="connsiteY2"/>
+              </a:cxn>
+              <a:cxn ang="0">
+                <a:pos x="connsiteX3" y="connsiteY3"/>
+              </a:cxn>
+            </a:cxnLst>
+            <a:rect l="l" t="t" r="r" b="b"/>
+            <a:pathLst>
+              <a:path w="53650" h="214669">
+                <a:moveTo>
+                  <a:pt x="3694" y="3695"/>
+                </a:moveTo>
+                <a:lnTo>
+                  <a:pt x="70025" y="3695"/>
+                </a:lnTo>
+                <a:lnTo>
+                  <a:pt x="70025" y="233750"/>
+                </a:lnTo>
+                <a:lnTo>
+                  <a:pt x="3694" y="233750"/>
+                </a:lnTo>
+                <a:close/>
+              </a:path>
+            </a:pathLst>
+          </a:custGeom>
+          <a:solidFill>
+            <a:srgbClr val="EDC000"/>
+          </a:solidFill>
+          <a:ln w="1749" cap="flat">
+            <a:solidFill>
+              <a:srgbClr val="000000"/>
+            </a:solidFill>
+            <a:prstDash val="solid"/>
+            <a:miter/>
+          </a:ln>
+        </p:spPr>
+        <p:txBody>
+          <a:bodyPr rtlCol="0" anchor="ctr"/>
+          <a:lstStyle/>
+          <a:p>
+            <a:endParaRPr lang="en-GB"/>
+          </a:p>
+        </p:txBody>
+      </p:sp>
+      <p:sp>
+        <p:nvSpPr>
+          <p:cNvPr id="215" name="Freihandform: Form 214">
+            <a:extLst>
+              <a:ext uri="{FF2B5EF4-FFF2-40B4-BE49-F238E27FC236}">
+                <a16:creationId xmlns:a16="http://schemas.microsoft.com/office/drawing/2014/main" id="{9EB6E433-E1C9-42B9-8139-063024B8D531}"/>
+              </a:ext>
+            </a:extLst>
+          </p:cNvPr>
+          <p:cNvSpPr/>
+          <p:nvPr/>
+        </p:nvSpPr>
+        <p:spPr>
+          <a:xfrm>
+            <a:off x="5025407" y="3267273"/>
+            <a:ext cx="1126663" cy="26834"/>
+          </a:xfrm>
+          <a:custGeom>
+            <a:avLst/>
+            <a:gdLst>
+              <a:gd name="connsiteX0" fmla="*/ 6036 w 1126662"/>
+              <a:gd name="connsiteY0" fmla="*/ 6038 h 0"/>
+              <a:gd name="connsiteX1" fmla="*/ 1143573 w 1126662"/>
+              <a:gd name="connsiteY1" fmla="*/ 6038 h 0"/>
+              <a:gd name="connsiteX2" fmla="*/ 1143573 w 1126662"/>
+              <a:gd name="connsiteY2" fmla="*/ 6038 h 0"/>
+            </a:gdLst>
+            <a:ahLst/>
+            <a:cxnLst>
+              <a:cxn ang="0">
+                <a:pos x="connsiteX0" y="connsiteY0"/>
+              </a:cxn>
+              <a:cxn ang="0">
+                <a:pos x="connsiteX1" y="connsiteY1"/>
+              </a:cxn>
+              <a:cxn ang="0">
+                <a:pos x="connsiteX2" y="connsiteY2"/>
+              </a:cxn>
+            </a:cxnLst>
+            <a:rect l="l" t="t" r="r" b="b"/>
+            <a:pathLst>
+              <a:path w="1126662">
+                <a:moveTo>
+                  <a:pt x="6036" y="6038"/>
+                </a:moveTo>
+                <a:lnTo>
+                  <a:pt x="1143573" y="6038"/>
+                </a:lnTo>
+                <a:lnTo>
+                  <a:pt x="1143573" y="6038"/>
+                </a:lnTo>
+              </a:path>
+            </a:pathLst>
+          </a:custGeom>
+          <a:noFill/>
+          <a:ln w="2858" cap="flat">
+            <a:solidFill>
+              <a:srgbClr val="000000"/>
+            </a:solidFill>
+            <a:custDash>
+              <a:ds d="90000" sp="90000"/>
+            </a:custDash>
+            <a:miter/>
+          </a:ln>
+        </p:spPr>
+        <p:txBody>
+          <a:bodyPr rtlCol="0" anchor="ctr"/>
+          <a:lstStyle/>
+          <a:p>
+            <a:endParaRPr lang="en-GB"/>
+          </a:p>
+        </p:txBody>
+      </p:sp>
+      <p:sp>
+        <p:nvSpPr>
+          <p:cNvPr id="216" name="Freihandform: Form 215">
+            <a:extLst>
+              <a:ext uri="{FF2B5EF4-FFF2-40B4-BE49-F238E27FC236}">
+                <a16:creationId xmlns:a16="http://schemas.microsoft.com/office/drawing/2014/main" id="{ADA4C44C-61AB-4BF5-8281-936205F1C6DF}"/>
+              </a:ext>
+            </a:extLst>
+          </p:cNvPr>
+          <p:cNvSpPr/>
+          <p:nvPr/>
+        </p:nvSpPr>
+        <p:spPr>
+          <a:xfrm>
+            <a:off x="6780981" y="3271298"/>
+            <a:ext cx="1126663" cy="26834"/>
+          </a:xfrm>
+          <a:custGeom>
+            <a:avLst/>
+            <a:gdLst>
+              <a:gd name="connsiteX0" fmla="*/ 6036 w 1126662"/>
+              <a:gd name="connsiteY0" fmla="*/ 6038 h 0"/>
+              <a:gd name="connsiteX1" fmla="*/ 1143590 w 1126662"/>
+              <a:gd name="connsiteY1" fmla="*/ 6038 h 0"/>
+              <a:gd name="connsiteX2" fmla="*/ 1143590 w 1126662"/>
+              <a:gd name="connsiteY2" fmla="*/ 6038 h 0"/>
+            </a:gdLst>
+            <a:ahLst/>
+            <a:cxnLst>
+              <a:cxn ang="0">
+                <a:pos x="connsiteX0" y="connsiteY0"/>
+              </a:cxn>
+              <a:cxn ang="0">
+                <a:pos x="connsiteX1" y="connsiteY1"/>
+              </a:cxn>
+              <a:cxn ang="0">
+                <a:pos x="connsiteX2" y="connsiteY2"/>
+              </a:cxn>
+            </a:cxnLst>
+            <a:rect l="l" t="t" r="r" b="b"/>
+            <a:pathLst>
+              <a:path w="1126662">
+                <a:moveTo>
+                  <a:pt x="6036" y="6038"/>
+                </a:moveTo>
+                <a:lnTo>
+                  <a:pt x="1143590" y="6038"/>
+                </a:lnTo>
+                <a:lnTo>
+                  <a:pt x="1143590" y="6038"/>
+                </a:lnTo>
+              </a:path>
+            </a:pathLst>
+          </a:custGeom>
+          <a:noFill/>
+          <a:ln w="2858" cap="flat">
+            <a:solidFill>
+              <a:srgbClr val="000000"/>
+            </a:solidFill>
+            <a:custDash>
+              <a:ds d="90000" sp="90000"/>
+            </a:custDash>
+            <a:miter/>
+          </a:ln>
+        </p:spPr>
+        <p:txBody>
+          <a:bodyPr rtlCol="0" anchor="ctr"/>
+          <a:lstStyle/>
+          <a:p>
+            <a:endParaRPr lang="en-GB"/>
+          </a:p>
+        </p:txBody>
+      </p:sp>
+      <p:sp>
+        <p:nvSpPr>
+          <p:cNvPr id="217" name="Freihandform: Form 216">
+            <a:extLst>
+              <a:ext uri="{FF2B5EF4-FFF2-40B4-BE49-F238E27FC236}">
+                <a16:creationId xmlns:a16="http://schemas.microsoft.com/office/drawing/2014/main" id="{3C4006A1-6FF3-4438-AC03-C4584C30BB7D}"/>
+              </a:ext>
+            </a:extLst>
+          </p:cNvPr>
+          <p:cNvSpPr/>
+          <p:nvPr/>
+        </p:nvSpPr>
+        <p:spPr>
+          <a:xfrm>
+            <a:off x="6795198" y="3931419"/>
+            <a:ext cx="1126663" cy="26834"/>
+          </a:xfrm>
+          <a:custGeom>
+            <a:avLst/>
+            <a:gdLst>
+              <a:gd name="connsiteX0" fmla="*/ 6036 w 1126662"/>
+              <a:gd name="connsiteY0" fmla="*/ 6038 h 0"/>
+              <a:gd name="connsiteX1" fmla="*/ 1143563 w 1126662"/>
+              <a:gd name="connsiteY1" fmla="*/ 6038 h 0"/>
+              <a:gd name="connsiteX2" fmla="*/ 1143563 w 1126662"/>
+              <a:gd name="connsiteY2" fmla="*/ 6038 h 0"/>
+            </a:gdLst>
+            <a:ahLst/>
+            <a:cxnLst>
+              <a:cxn ang="0">
+                <a:pos x="connsiteX0" y="connsiteY0"/>
+              </a:cxn>
+              <a:cxn ang="0">
+                <a:pos x="connsiteX1" y="connsiteY1"/>
+              </a:cxn>
+              <a:cxn ang="0">
+                <a:pos x="connsiteX2" y="connsiteY2"/>
+              </a:cxn>
+            </a:cxnLst>
+            <a:rect l="l" t="t" r="r" b="b"/>
+            <a:pathLst>
+              <a:path w="1126662">
+                <a:moveTo>
+                  <a:pt x="6036" y="6038"/>
+                </a:moveTo>
+                <a:lnTo>
+                  <a:pt x="1143563" y="6038"/>
+                </a:lnTo>
+                <a:lnTo>
+                  <a:pt x="1143563" y="6038"/>
+                </a:lnTo>
+              </a:path>
+            </a:pathLst>
+          </a:custGeom>
+          <a:noFill/>
+          <a:ln w="2858" cap="flat">
+            <a:solidFill>
+              <a:srgbClr val="000000"/>
+            </a:solidFill>
+            <a:custDash>
+              <a:ds d="90000" sp="90000"/>
+            </a:custDash>
+            <a:miter/>
+          </a:ln>
+        </p:spPr>
+        <p:txBody>
+          <a:bodyPr rtlCol="0" anchor="ctr"/>
+          <a:lstStyle/>
+          <a:p>
+            <a:endParaRPr lang="en-GB"/>
+          </a:p>
+        </p:txBody>
+      </p:sp>
+      <p:sp>
+        <p:nvSpPr>
+          <p:cNvPr id="218" name="Freihandform: Form 217">
+            <a:extLst>
+              <a:ext uri="{FF2B5EF4-FFF2-40B4-BE49-F238E27FC236}">
+                <a16:creationId xmlns:a16="http://schemas.microsoft.com/office/drawing/2014/main" id="{883F1C12-4CA3-4CA5-8974-77FB8E387B0A}"/>
+              </a:ext>
+            </a:extLst>
+          </p:cNvPr>
+          <p:cNvSpPr/>
+          <p:nvPr/>
+        </p:nvSpPr>
+        <p:spPr>
+          <a:xfrm>
+            <a:off x="6806545" y="4580325"/>
+            <a:ext cx="1126663" cy="26834"/>
+          </a:xfrm>
+          <a:custGeom>
+            <a:avLst/>
+            <a:gdLst>
+              <a:gd name="connsiteX0" fmla="*/ 6036 w 1126662"/>
+              <a:gd name="connsiteY0" fmla="*/ 6038 h 0"/>
+              <a:gd name="connsiteX1" fmla="*/ 1120681 w 1126662"/>
+              <a:gd name="connsiteY1" fmla="*/ 6038 h 0"/>
+            </a:gdLst>
+            <a:ahLst/>
+            <a:cxnLst>
+              <a:cxn ang="0">
+                <a:pos x="connsiteX0" y="connsiteY0"/>
+              </a:cxn>
+              <a:cxn ang="0">
+                <a:pos x="connsiteX1" y="connsiteY1"/>
+              </a:cxn>
+            </a:cxnLst>
+            <a:rect l="l" t="t" r="r" b="b"/>
+            <a:pathLst>
+              <a:path w="1126662">
+                <a:moveTo>
+                  <a:pt x="6036" y="6038"/>
+                </a:moveTo>
+                <a:lnTo>
+                  <a:pt x="1120681" y="6038"/>
+                </a:lnTo>
+              </a:path>
+            </a:pathLst>
+          </a:custGeom>
+          <a:noFill/>
+          <a:ln w="2858" cap="flat">
+            <a:solidFill>
+              <a:srgbClr val="000000"/>
+            </a:solidFill>
+            <a:prstDash val="solid"/>
+            <a:miter/>
+          </a:ln>
+        </p:spPr>
+        <p:txBody>
+          <a:bodyPr rtlCol="0" anchor="ctr"/>
+          <a:lstStyle/>
+          <a:p>
+            <a:endParaRPr lang="en-GB"/>
+          </a:p>
+        </p:txBody>
+      </p:sp>
+      <p:sp>
+        <p:nvSpPr>
+          <p:cNvPr id="219" name="Freihandform: Form 218">
+            <a:extLst>
+              <a:ext uri="{FF2B5EF4-FFF2-40B4-BE49-F238E27FC236}">
+                <a16:creationId xmlns:a16="http://schemas.microsoft.com/office/drawing/2014/main" id="{185B8B3F-C388-43DE-B62D-46AA99C35469}"/>
+              </a:ext>
+            </a:extLst>
+          </p:cNvPr>
+          <p:cNvSpPr/>
+          <p:nvPr/>
+        </p:nvSpPr>
+        <p:spPr>
+          <a:xfrm>
+            <a:off x="4124245" y="2334956"/>
+            <a:ext cx="912060" cy="509839"/>
+          </a:xfrm>
+          <a:custGeom>
+            <a:avLst/>
+            <a:gdLst>
+              <a:gd name="connsiteX0" fmla="*/ 6902 w 912060"/>
+              <a:gd name="connsiteY0" fmla="*/ 6904 h 509838"/>
+              <a:gd name="connsiteX1" fmla="*/ 907196 w 912060"/>
+              <a:gd name="connsiteY1" fmla="*/ 6904 h 509838"/>
+              <a:gd name="connsiteX2" fmla="*/ 907196 w 912060"/>
+              <a:gd name="connsiteY2" fmla="*/ 511030 h 509838"/>
+              <a:gd name="connsiteX3" fmla="*/ 6902 w 912060"/>
+              <a:gd name="connsiteY3" fmla="*/ 511030 h 509838"/>
+            </a:gdLst>
+            <a:ahLst/>
+            <a:cxnLst>
+              <a:cxn ang="0">
+                <a:pos x="connsiteX0" y="connsiteY0"/>
+              </a:cxn>
+              <a:cxn ang="0">
+                <a:pos x="connsiteX1" y="connsiteY1"/>
+              </a:cxn>
+              <a:cxn ang="0">
+                <a:pos x="connsiteX2" y="connsiteY2"/>
+              </a:cxn>
+              <a:cxn ang="0">
+                <a:pos x="connsiteX3" y="connsiteY3"/>
+              </a:cxn>
+            </a:cxnLst>
+            <a:rect l="l" t="t" r="r" b="b"/>
+            <a:pathLst>
+              <a:path w="912060" h="509838">
+                <a:moveTo>
+                  <a:pt x="6902" y="6904"/>
+                </a:moveTo>
+                <a:lnTo>
+                  <a:pt x="907196" y="6904"/>
+                </a:lnTo>
+                <a:lnTo>
+                  <a:pt x="907196" y="511030"/>
+                </a:lnTo>
+                <a:lnTo>
+                  <a:pt x="6902" y="511030"/>
+                </a:lnTo>
+                <a:close/>
+              </a:path>
+            </a:pathLst>
+          </a:custGeom>
+          <a:solidFill>
+            <a:srgbClr val="000000">
+              <a:alpha val="0"/>
+            </a:srgbClr>
+          </a:solidFill>
+          <a:ln w="3267" cap="flat">
+            <a:solidFill>
+              <a:srgbClr val="000000"/>
+            </a:solidFill>
+            <a:prstDash val="solid"/>
+            <a:miter/>
+          </a:ln>
+        </p:spPr>
+        <p:txBody>
+          <a:bodyPr rtlCol="0" anchor="ctr"/>
+          <a:lstStyle/>
+          <a:p>
+            <a:r>
+              <a:rPr lang="en-GB" dirty="0"/>
+              <a:t>  N=4</a:t>
+            </a:r>
+          </a:p>
+        </p:txBody>
+      </p:sp>
+      <p:sp>
+        <p:nvSpPr>
+          <p:cNvPr id="220" name="Freihandform: Form 219">
+            <a:extLst>
+              <a:ext uri="{FF2B5EF4-FFF2-40B4-BE49-F238E27FC236}">
+                <a16:creationId xmlns:a16="http://schemas.microsoft.com/office/drawing/2014/main" id="{1B84AA74-F62B-4379-BC9F-3A0E8B52541B}"/>
+              </a:ext>
+            </a:extLst>
+          </p:cNvPr>
+          <p:cNvSpPr/>
+          <p:nvPr/>
+        </p:nvSpPr>
+        <p:spPr>
+          <a:xfrm>
+            <a:off x="7920324" y="2334956"/>
+            <a:ext cx="912060" cy="509839"/>
+          </a:xfrm>
+          <a:custGeom>
+            <a:avLst/>
+            <a:gdLst>
+              <a:gd name="connsiteX0" fmla="*/ 6902 w 912060"/>
+              <a:gd name="connsiteY0" fmla="*/ 6904 h 509838"/>
+              <a:gd name="connsiteX1" fmla="*/ 907196 w 912060"/>
+              <a:gd name="connsiteY1" fmla="*/ 6904 h 509838"/>
+              <a:gd name="connsiteX2" fmla="*/ 907196 w 912060"/>
+              <a:gd name="connsiteY2" fmla="*/ 511030 h 509838"/>
+              <a:gd name="connsiteX3" fmla="*/ 6902 w 912060"/>
+              <a:gd name="connsiteY3" fmla="*/ 511030 h 509838"/>
+            </a:gdLst>
+            <a:ahLst/>
+            <a:cxnLst>
+              <a:cxn ang="0">
+                <a:pos x="connsiteX0" y="connsiteY0"/>
+              </a:cxn>
+              <a:cxn ang="0">
+                <a:pos x="connsiteX1" y="connsiteY1"/>
+              </a:cxn>
+              <a:cxn ang="0">
+                <a:pos x="connsiteX2" y="connsiteY2"/>
+              </a:cxn>
+              <a:cxn ang="0">
+                <a:pos x="connsiteX3" y="connsiteY3"/>
+              </a:cxn>
+            </a:cxnLst>
+            <a:rect l="l" t="t" r="r" b="b"/>
+            <a:pathLst>
+              <a:path w="912060" h="509838">
+                <a:moveTo>
+                  <a:pt x="6902" y="6904"/>
+                </a:moveTo>
+                <a:lnTo>
+                  <a:pt x="907196" y="6904"/>
+                </a:lnTo>
+                <a:lnTo>
+                  <a:pt x="907196" y="511030"/>
+                </a:lnTo>
+                <a:lnTo>
+                  <a:pt x="6902" y="511030"/>
+                </a:lnTo>
+                <a:close/>
+              </a:path>
+            </a:pathLst>
+          </a:custGeom>
+          <a:solidFill>
+            <a:srgbClr val="000000">
+              <a:alpha val="0"/>
+            </a:srgbClr>
+          </a:solidFill>
+          <a:ln w="3267" cap="flat">
+            <a:solidFill>
+              <a:srgbClr val="000000"/>
+            </a:solidFill>
+            <a:prstDash val="solid"/>
+            <a:miter/>
+          </a:ln>
+        </p:spPr>
+        <p:txBody>
+          <a:bodyPr rtlCol="0" anchor="ctr"/>
+          <a:lstStyle/>
+          <a:p>
+            <a:r>
+              <a:rPr lang="en-GB" dirty="0"/>
+              <a:t>  N=4</a:t>
+            </a:r>
+          </a:p>
+        </p:txBody>
+      </p:sp>
+      <p:sp>
+        <p:nvSpPr>
+          <p:cNvPr id="221" name="Freihandform: Form 220">
+            <a:extLst>
+              <a:ext uri="{FF2B5EF4-FFF2-40B4-BE49-F238E27FC236}">
+                <a16:creationId xmlns:a16="http://schemas.microsoft.com/office/drawing/2014/main" id="{6CD5A505-C35A-4EF3-B406-714E2234C3A0}"/>
+              </a:ext>
+            </a:extLst>
+          </p:cNvPr>
+          <p:cNvSpPr/>
+          <p:nvPr/>
+        </p:nvSpPr>
+        <p:spPr>
+          <a:xfrm>
+            <a:off x="6165261" y="2475030"/>
+            <a:ext cx="616982" cy="214669"/>
+          </a:xfrm>
+          <a:custGeom>
+            <a:avLst/>
+            <a:gdLst>
+              <a:gd name="connsiteX0" fmla="*/ 3720 w 616981"/>
+              <a:gd name="connsiteY0" fmla="*/ 3721 h 214669"/>
+              <a:gd name="connsiteX1" fmla="*/ 619288 w 616981"/>
+              <a:gd name="connsiteY1" fmla="*/ 3721 h 214669"/>
+              <a:gd name="connsiteX2" fmla="*/ 619288 w 616981"/>
+              <a:gd name="connsiteY2" fmla="*/ 234065 h 214669"/>
+              <a:gd name="connsiteX3" fmla="*/ 3720 w 616981"/>
+              <a:gd name="connsiteY3" fmla="*/ 234065 h 214669"/>
+            </a:gdLst>
+            <a:ahLst/>
+            <a:cxnLst>
+              <a:cxn ang="0">
+                <a:pos x="connsiteX0" y="connsiteY0"/>
+              </a:cxn>
+              <a:cxn ang="0">
+                <a:pos x="connsiteX1" y="connsiteY1"/>
+              </a:cxn>
+              <a:cxn ang="0">
+                <a:pos x="connsiteX2" y="connsiteY2"/>
+              </a:cxn>
+              <a:cxn ang="0">
+                <a:pos x="connsiteX3" y="connsiteY3"/>
+              </a:cxn>
+            </a:cxnLst>
+            <a:rect l="l" t="t" r="r" b="b"/>
+            <a:pathLst>
+              <a:path w="616981" h="214669">
+                <a:moveTo>
+                  <a:pt x="3720" y="3721"/>
+                </a:moveTo>
+                <a:lnTo>
+                  <a:pt x="619288" y="3721"/>
+                </a:lnTo>
+                <a:lnTo>
+                  <a:pt x="619288" y="234065"/>
+                </a:lnTo>
+                <a:lnTo>
+                  <a:pt x="3720" y="234065"/>
+                </a:lnTo>
+                <a:close/>
+              </a:path>
+            </a:pathLst>
+          </a:custGeom>
+          <a:solidFill>
+            <a:srgbClr val="99C000"/>
+          </a:solidFill>
+          <a:ln w="1761" cap="flat">
+            <a:solidFill>
+              <a:srgbClr val="000000"/>
+            </a:solidFill>
+            <a:prstDash val="solid"/>
+            <a:miter/>
+          </a:ln>
+        </p:spPr>
+        <p:txBody>
+          <a:bodyPr rtlCol="0" anchor="ctr"/>
+          <a:lstStyle/>
+          <a:p>
+            <a:endParaRPr lang="en-GB" dirty="0"/>
+          </a:p>
+        </p:txBody>
+      </p:sp>
+      <p:sp>
+        <p:nvSpPr>
+          <p:cNvPr id="222" name="Freihandform: Form 221">
+            <a:extLst>
+              <a:ext uri="{FF2B5EF4-FFF2-40B4-BE49-F238E27FC236}">
+                <a16:creationId xmlns:a16="http://schemas.microsoft.com/office/drawing/2014/main" id="{A2853763-D807-40F5-BAF6-38E2BD693BE6}"/>
+              </a:ext>
+            </a:extLst>
+          </p:cNvPr>
+          <p:cNvSpPr/>
+          <p:nvPr/>
+        </p:nvSpPr>
+        <p:spPr>
+          <a:xfrm>
+            <a:off x="5025407" y="2587885"/>
+            <a:ext cx="1126663" cy="26834"/>
+          </a:xfrm>
+          <a:custGeom>
+            <a:avLst/>
+            <a:gdLst>
+              <a:gd name="connsiteX0" fmla="*/ 6036 w 1126662"/>
+              <a:gd name="connsiteY0" fmla="*/ 6038 h 0"/>
+              <a:gd name="connsiteX1" fmla="*/ 1143573 w 1126662"/>
+              <a:gd name="connsiteY1" fmla="*/ 6038 h 0"/>
+              <a:gd name="connsiteX2" fmla="*/ 1143573 w 1126662"/>
+              <a:gd name="connsiteY2" fmla="*/ 6038 h 0"/>
+            </a:gdLst>
+            <a:ahLst/>
+            <a:cxnLst>
+              <a:cxn ang="0">
+                <a:pos x="connsiteX0" y="connsiteY0"/>
+              </a:cxn>
+              <a:cxn ang="0">
+                <a:pos x="connsiteX1" y="connsiteY1"/>
+              </a:cxn>
+              <a:cxn ang="0">
+                <a:pos x="connsiteX2" y="connsiteY2"/>
+              </a:cxn>
+            </a:cxnLst>
+            <a:rect l="l" t="t" r="r" b="b"/>
+            <a:pathLst>
+              <a:path w="1126662">
+                <a:moveTo>
+                  <a:pt x="6036" y="6038"/>
+                </a:moveTo>
+                <a:lnTo>
+                  <a:pt x="1143573" y="6038"/>
+                </a:lnTo>
+                <a:lnTo>
+                  <a:pt x="1143573" y="6038"/>
+                </a:lnTo>
+              </a:path>
+            </a:pathLst>
+          </a:custGeom>
+          <a:noFill/>
+          <a:ln w="2858" cap="flat">
+            <a:solidFill>
+              <a:srgbClr val="000000"/>
+            </a:solidFill>
+            <a:custDash>
+              <a:ds d="90000" sp="90000"/>
+            </a:custDash>
+            <a:miter/>
+          </a:ln>
+        </p:spPr>
+        <p:txBody>
+          <a:bodyPr rtlCol="0" anchor="ctr"/>
+          <a:lstStyle/>
+          <a:p>
+            <a:endParaRPr lang="en-GB"/>
+          </a:p>
+        </p:txBody>
+      </p:sp>
+      <p:sp>
+        <p:nvSpPr>
+          <p:cNvPr id="223" name="Freihandform: Form 222">
+            <a:extLst>
+              <a:ext uri="{FF2B5EF4-FFF2-40B4-BE49-F238E27FC236}">
+                <a16:creationId xmlns:a16="http://schemas.microsoft.com/office/drawing/2014/main" id="{52B8C14D-A7FC-4B92-948F-C4CCF59A168D}"/>
+              </a:ext>
+            </a:extLst>
+          </p:cNvPr>
+          <p:cNvSpPr/>
+          <p:nvPr/>
+        </p:nvSpPr>
+        <p:spPr>
+          <a:xfrm>
+            <a:off x="6780981" y="2591910"/>
+            <a:ext cx="1126663" cy="26834"/>
+          </a:xfrm>
+          <a:custGeom>
+            <a:avLst/>
+            <a:gdLst>
+              <a:gd name="connsiteX0" fmla="*/ 6036 w 1126662"/>
+              <a:gd name="connsiteY0" fmla="*/ 6038 h 0"/>
+              <a:gd name="connsiteX1" fmla="*/ 1143590 w 1126662"/>
+              <a:gd name="connsiteY1" fmla="*/ 6038 h 0"/>
+              <a:gd name="connsiteX2" fmla="*/ 1143590 w 1126662"/>
+              <a:gd name="connsiteY2" fmla="*/ 6038 h 0"/>
+            </a:gdLst>
+            <a:ahLst/>
+            <a:cxnLst>
+              <a:cxn ang="0">
+                <a:pos x="connsiteX0" y="connsiteY0"/>
+              </a:cxn>
+              <a:cxn ang="0">
+                <a:pos x="connsiteX1" y="connsiteY1"/>
+              </a:cxn>
+              <a:cxn ang="0">
+                <a:pos x="connsiteX2" y="connsiteY2"/>
+              </a:cxn>
+            </a:cxnLst>
+            <a:rect l="l" t="t" r="r" b="b"/>
+            <a:pathLst>
+              <a:path w="1126662">
+                <a:moveTo>
+                  <a:pt x="6036" y="6038"/>
+                </a:moveTo>
+                <a:lnTo>
+                  <a:pt x="1143590" y="6038"/>
+                </a:lnTo>
+                <a:lnTo>
+                  <a:pt x="1143590" y="6038"/>
+                </a:lnTo>
+              </a:path>
+            </a:pathLst>
+          </a:custGeom>
+          <a:noFill/>
+          <a:ln w="2858" cap="flat">
+            <a:solidFill>
+              <a:srgbClr val="000000"/>
+            </a:solidFill>
+            <a:custDash>
+              <a:ds d="90000" sp="90000"/>
+            </a:custDash>
+            <a:miter/>
+          </a:ln>
+        </p:spPr>
+        <p:txBody>
+          <a:bodyPr rtlCol="0" anchor="ctr"/>
+          <a:lstStyle/>
+          <a:p>
+            <a:endParaRPr lang="en-GB"/>
+          </a:p>
+        </p:txBody>
+      </p:sp>
+      <p:sp>
+        <p:nvSpPr>
+          <p:cNvPr id="224" name="Freihandform: Form 223">
+            <a:extLst>
+              <a:ext uri="{FF2B5EF4-FFF2-40B4-BE49-F238E27FC236}">
+                <a16:creationId xmlns:a16="http://schemas.microsoft.com/office/drawing/2014/main" id="{66BF7E93-E379-4B16-8B0D-8C2C10D598C8}"/>
+              </a:ext>
+            </a:extLst>
+          </p:cNvPr>
+          <p:cNvSpPr/>
+          <p:nvPr/>
+        </p:nvSpPr>
+        <p:spPr>
+          <a:xfrm>
+            <a:off x="6777117" y="3153930"/>
+            <a:ext cx="80476" cy="214669"/>
+          </a:xfrm>
+          <a:custGeom>
+            <a:avLst/>
+            <a:gdLst>
+              <a:gd name="connsiteX0" fmla="*/ 3703 w 80475"/>
+              <a:gd name="connsiteY0" fmla="*/ 3704 h 214669"/>
+              <a:gd name="connsiteX1" fmla="*/ 90071 w 80475"/>
+              <a:gd name="connsiteY1" fmla="*/ 3704 h 214669"/>
+              <a:gd name="connsiteX2" fmla="*/ 90071 w 80475"/>
+              <a:gd name="connsiteY2" fmla="*/ 234629 h 214669"/>
+              <a:gd name="connsiteX3" fmla="*/ 3703 w 80475"/>
+              <a:gd name="connsiteY3" fmla="*/ 234629 h 214669"/>
+            </a:gdLst>
+            <a:ahLst/>
+            <a:cxnLst>
+              <a:cxn ang="0">
+                <a:pos x="connsiteX0" y="connsiteY0"/>
+              </a:cxn>
+              <a:cxn ang="0">
+                <a:pos x="connsiteX1" y="connsiteY1"/>
+              </a:cxn>
+              <a:cxn ang="0">
+                <a:pos x="connsiteX2" y="connsiteY2"/>
+              </a:cxn>
+              <a:cxn ang="0">
+                <a:pos x="connsiteX3" y="connsiteY3"/>
+              </a:cxn>
+            </a:cxnLst>
+            <a:rect l="l" t="t" r="r" b="b"/>
+            <a:pathLst>
+              <a:path w="80475" h="214669">
+                <a:moveTo>
+                  <a:pt x="3703" y="3704"/>
+                </a:moveTo>
+                <a:lnTo>
+                  <a:pt x="90071" y="3704"/>
+                </a:lnTo>
+                <a:lnTo>
+                  <a:pt x="90071" y="234629"/>
+                </a:lnTo>
+                <a:lnTo>
+                  <a:pt x="3703" y="234629"/>
+                </a:lnTo>
+                <a:close/>
+              </a:path>
+            </a:pathLst>
+          </a:custGeom>
+          <a:solidFill>
+            <a:srgbClr val="99C000"/>
+          </a:solidFill>
+          <a:ln w="1753" cap="flat">
+            <a:solidFill>
+              <a:srgbClr val="000000"/>
+            </a:solidFill>
+            <a:prstDash val="solid"/>
+            <a:miter/>
+          </a:ln>
+        </p:spPr>
+        <p:txBody>
+          <a:bodyPr rtlCol="0" anchor="ctr"/>
+          <a:lstStyle/>
+          <a:p>
+            <a:endParaRPr lang="en-GB"/>
+          </a:p>
+        </p:txBody>
+      </p:sp>
+      <p:sp>
+        <p:nvSpPr>
+          <p:cNvPr id="225" name="Freihandform: Form 224">
+            <a:extLst>
+              <a:ext uri="{FF2B5EF4-FFF2-40B4-BE49-F238E27FC236}">
+                <a16:creationId xmlns:a16="http://schemas.microsoft.com/office/drawing/2014/main" id="{396B2A81-2CD5-4410-B5A7-188ADC8030D7}"/>
+              </a:ext>
+            </a:extLst>
+          </p:cNvPr>
+          <p:cNvSpPr/>
+          <p:nvPr/>
+        </p:nvSpPr>
+        <p:spPr>
+          <a:xfrm>
+            <a:off x="6881074" y="3818733"/>
+            <a:ext cx="53651" cy="214669"/>
+          </a:xfrm>
+          <a:custGeom>
+            <a:avLst/>
+            <a:gdLst>
+              <a:gd name="connsiteX0" fmla="*/ 3694 w 53650"/>
+              <a:gd name="connsiteY0" fmla="*/ 3695 h 214669"/>
+              <a:gd name="connsiteX1" fmla="*/ 70026 w 53650"/>
+              <a:gd name="connsiteY1" fmla="*/ 3695 h 214669"/>
+              <a:gd name="connsiteX2" fmla="*/ 70026 w 53650"/>
+              <a:gd name="connsiteY2" fmla="*/ 233750 h 214669"/>
+              <a:gd name="connsiteX3" fmla="*/ 3694 w 53650"/>
+              <a:gd name="connsiteY3" fmla="*/ 233750 h 214669"/>
+            </a:gdLst>
+            <a:ahLst/>
+            <a:cxnLst>
+              <a:cxn ang="0">
+                <a:pos x="connsiteX0" y="connsiteY0"/>
+              </a:cxn>
+              <a:cxn ang="0">
+                <a:pos x="connsiteX1" y="connsiteY1"/>
+              </a:cxn>
+              <a:cxn ang="0">
+                <a:pos x="connsiteX2" y="connsiteY2"/>
+              </a:cxn>
+              <a:cxn ang="0">
+                <a:pos x="connsiteX3" y="connsiteY3"/>
+              </a:cxn>
+            </a:cxnLst>
+            <a:rect l="l" t="t" r="r" b="b"/>
+            <a:pathLst>
+              <a:path w="53650" h="214669">
+                <a:moveTo>
+                  <a:pt x="3694" y="3695"/>
+                </a:moveTo>
+                <a:lnTo>
+                  <a:pt x="70026" y="3695"/>
+                </a:lnTo>
+                <a:lnTo>
+                  <a:pt x="70026" y="233750"/>
+                </a:lnTo>
+                <a:lnTo>
+                  <a:pt x="3694" y="233750"/>
+                </a:lnTo>
+                <a:close/>
+              </a:path>
+            </a:pathLst>
+          </a:custGeom>
+          <a:solidFill>
+            <a:srgbClr val="EDC000"/>
+          </a:solidFill>
+          <a:ln w="1749" cap="flat">
+            <a:solidFill>
+              <a:srgbClr val="000000"/>
+            </a:solidFill>
+            <a:prstDash val="solid"/>
+            <a:miter/>
+          </a:ln>
+        </p:spPr>
+        <p:txBody>
+          <a:bodyPr rtlCol="0" anchor="ctr"/>
+          <a:lstStyle/>
+          <a:p>
+            <a:endParaRPr lang="en-GB"/>
+          </a:p>
+        </p:txBody>
+      </p:sp>
+      <p:sp>
+        <p:nvSpPr>
+          <p:cNvPr id="226" name="Freihandform: Form 225">
+            <a:extLst>
+              <a:ext uri="{FF2B5EF4-FFF2-40B4-BE49-F238E27FC236}">
+                <a16:creationId xmlns:a16="http://schemas.microsoft.com/office/drawing/2014/main" id="{1AF0DED9-1D57-4107-932F-211B2348EA89}"/>
+              </a:ext>
+            </a:extLst>
+          </p:cNvPr>
+          <p:cNvSpPr/>
+          <p:nvPr/>
+        </p:nvSpPr>
+        <p:spPr>
+          <a:xfrm>
+            <a:off x="6179618" y="3818727"/>
+            <a:ext cx="697458" cy="214669"/>
+          </a:xfrm>
+          <a:custGeom>
+            <a:avLst/>
+            <a:gdLst>
+              <a:gd name="connsiteX0" fmla="*/ 3722 w 697457"/>
+              <a:gd name="connsiteY0" fmla="*/ 3723 h 214669"/>
+              <a:gd name="connsiteX1" fmla="*/ 705142 w 697457"/>
+              <a:gd name="connsiteY1" fmla="*/ 3723 h 214669"/>
+              <a:gd name="connsiteX2" fmla="*/ 705142 w 697457"/>
+              <a:gd name="connsiteY2" fmla="*/ 233736 h 214669"/>
+              <a:gd name="connsiteX3" fmla="*/ 3722 w 697457"/>
+              <a:gd name="connsiteY3" fmla="*/ 233736 h 214669"/>
+            </a:gdLst>
+            <a:ahLst/>
+            <a:cxnLst>
+              <a:cxn ang="0">
+                <a:pos x="connsiteX0" y="connsiteY0"/>
+              </a:cxn>
+              <a:cxn ang="0">
+                <a:pos x="connsiteX1" y="connsiteY1"/>
+              </a:cxn>
+              <a:cxn ang="0">
+                <a:pos x="connsiteX2" y="connsiteY2"/>
+              </a:cxn>
+              <a:cxn ang="0">
+                <a:pos x="connsiteX3" y="connsiteY3"/>
+              </a:cxn>
+            </a:cxnLst>
+            <a:rect l="l" t="t" r="r" b="b"/>
+            <a:pathLst>
+              <a:path w="697457" h="214669">
+                <a:moveTo>
+                  <a:pt x="3722" y="3723"/>
+                </a:moveTo>
+                <a:lnTo>
+                  <a:pt x="705142" y="3723"/>
+                </a:lnTo>
+                <a:lnTo>
+                  <a:pt x="705142" y="233736"/>
+                </a:lnTo>
+                <a:lnTo>
+                  <a:pt x="3722" y="233736"/>
+                </a:lnTo>
+                <a:close/>
+              </a:path>
+            </a:pathLst>
+          </a:custGeom>
+          <a:solidFill>
+            <a:srgbClr val="EDC000"/>
+          </a:solidFill>
+          <a:ln w="1762" cap="flat">
+            <a:solidFill>
+              <a:srgbClr val="000000"/>
+            </a:solidFill>
+            <a:prstDash val="solid"/>
+            <a:miter/>
+          </a:ln>
+        </p:spPr>
+        <p:txBody>
+          <a:bodyPr rtlCol="0" anchor="ctr"/>
+          <a:lstStyle/>
+          <a:p>
+            <a:endParaRPr lang="en-GB"/>
+          </a:p>
+        </p:txBody>
+      </p:sp>
+      <p:sp>
+        <p:nvSpPr>
+          <p:cNvPr id="227" name="Freihandform: Form 226">
+            <a:extLst>
+              <a:ext uri="{FF2B5EF4-FFF2-40B4-BE49-F238E27FC236}">
+                <a16:creationId xmlns:a16="http://schemas.microsoft.com/office/drawing/2014/main" id="{8F898CC3-A69A-44EC-A798-80E4909F06F5}"/>
+              </a:ext>
+            </a:extLst>
+          </p:cNvPr>
+          <p:cNvSpPr/>
+          <p:nvPr/>
+        </p:nvSpPr>
+        <p:spPr>
+          <a:xfrm>
+            <a:off x="6115086" y="4462767"/>
+            <a:ext cx="831584" cy="214669"/>
+          </a:xfrm>
+          <a:custGeom>
+            <a:avLst/>
+            <a:gdLst>
+              <a:gd name="connsiteX0" fmla="*/ 4316 w 831584"/>
+              <a:gd name="connsiteY0" fmla="*/ 4317 h 214669"/>
+              <a:gd name="connsiteX1" fmla="*/ 835978 w 831584"/>
+              <a:gd name="connsiteY1" fmla="*/ 4317 h 214669"/>
+              <a:gd name="connsiteX2" fmla="*/ 835978 w 831584"/>
+              <a:gd name="connsiteY2" fmla="*/ 233866 h 214669"/>
+              <a:gd name="connsiteX3" fmla="*/ 4316 w 831584"/>
+              <a:gd name="connsiteY3" fmla="*/ 233866 h 214669"/>
+            </a:gdLst>
+            <a:ahLst/>
+            <a:cxnLst>
+              <a:cxn ang="0">
+                <a:pos x="connsiteX0" y="connsiteY0"/>
+              </a:cxn>
+              <a:cxn ang="0">
+                <a:pos x="connsiteX1" y="connsiteY1"/>
+              </a:cxn>
+              <a:cxn ang="0">
+                <a:pos x="connsiteX2" y="connsiteY2"/>
+              </a:cxn>
+              <a:cxn ang="0">
+                <a:pos x="connsiteX3" y="connsiteY3"/>
+              </a:cxn>
+            </a:cxnLst>
+            <a:rect l="l" t="t" r="r" b="b"/>
+            <a:pathLst>
+              <a:path w="831584" h="214669">
+                <a:moveTo>
+                  <a:pt x="4316" y="4317"/>
+                </a:moveTo>
+                <a:lnTo>
+                  <a:pt x="835978" y="4317"/>
+                </a:lnTo>
+                <a:lnTo>
+                  <a:pt x="835978" y="233866"/>
+                </a:lnTo>
+                <a:lnTo>
+                  <a:pt x="4316" y="233866"/>
+                </a:lnTo>
+                <a:close/>
+              </a:path>
+            </a:pathLst>
+          </a:custGeom>
+          <a:solidFill>
+            <a:srgbClr val="EDC000"/>
+          </a:solidFill>
+          <a:ln w="2043" cap="flat">
+            <a:solidFill>
+              <a:srgbClr val="000000"/>
+            </a:solidFill>
+            <a:prstDash val="solid"/>
+            <a:miter/>
+          </a:ln>
+        </p:spPr>
+        <p:txBody>
+          <a:bodyPr rtlCol="0" anchor="ctr"/>
+          <a:lstStyle/>
+          <a:p>
+            <a:endParaRPr lang="en-GB"/>
+          </a:p>
+        </p:txBody>
+      </p:sp>
+      <p:graphicFrame>
+        <p:nvGraphicFramePr>
+          <p:cNvPr id="234" name="Tabelle 233">
+            <a:extLst>
+              <a:ext uri="{FF2B5EF4-FFF2-40B4-BE49-F238E27FC236}">
+                <a16:creationId xmlns:a16="http://schemas.microsoft.com/office/drawing/2014/main" id="{CB2C05EE-0C47-4A64-AACE-4B1CA719696F}"/>
+              </a:ext>
+            </a:extLst>
+          </p:cNvPr>
+          <p:cNvGraphicFramePr>
+            <a:graphicFrameLocks noGrp="1"/>
+          </p:cNvGraphicFramePr>
+          <p:nvPr>
+            <p:extLst>
+              <p:ext uri="{D42A27DB-BD31-4B8C-83A1-F6EECF244321}">
+                <p14:modId xmlns:p14="http://schemas.microsoft.com/office/powerpoint/2010/main" val="1609058784"/>
+              </p:ext>
+            </p:extLst>
+          </p:nvPr>
+        </p:nvGraphicFramePr>
+        <p:xfrm>
+          <a:off x="242676" y="3014584"/>
+          <a:ext cx="3844577" cy="511748"/>
+        </p:xfrm>
+        <a:graphic>
+          <a:graphicData uri="http://schemas.openxmlformats.org/drawingml/2006/table">
+            <a:tbl>
+              <a:tblPr firstRow="1" bandRow="1">
+                <a:tableStyleId>{8799B23B-EC83-4686-B30A-512413B5E67A}</a:tableStyleId>
+              </a:tblPr>
+              <a:tblGrid>
+                <a:gridCol w="811530">
+                  <a:extLst>
+                    <a:ext uri="{9D8B030D-6E8A-4147-A177-3AD203B41FA5}">
+                      <a16:colId xmlns:a16="http://schemas.microsoft.com/office/drawing/2014/main" val="2613248472"/>
+                    </a:ext>
+                  </a:extLst>
+                </a:gridCol>
+                <a:gridCol w="1036955">
+                  <a:extLst>
+                    <a:ext uri="{9D8B030D-6E8A-4147-A177-3AD203B41FA5}">
+                      <a16:colId xmlns:a16="http://schemas.microsoft.com/office/drawing/2014/main" val="111009139"/>
+                    </a:ext>
+                  </a:extLst>
+                </a:gridCol>
+                <a:gridCol w="1038543">
+                  <a:extLst>
+                    <a:ext uri="{9D8B030D-6E8A-4147-A177-3AD203B41FA5}">
+                      <a16:colId xmlns:a16="http://schemas.microsoft.com/office/drawing/2014/main" val="3971022014"/>
+                    </a:ext>
+                  </a:extLst>
+                </a:gridCol>
+                <a:gridCol w="957549">
+                  <a:extLst>
+                    <a:ext uri="{9D8B030D-6E8A-4147-A177-3AD203B41FA5}">
+                      <a16:colId xmlns:a16="http://schemas.microsoft.com/office/drawing/2014/main" val="3474785680"/>
+                    </a:ext>
+                  </a:extLst>
+                </a:gridCol>
+              </a:tblGrid>
+              <a:tr h="255874">
+                <a:tc>
+                  <a:txBody>
+                    <a:bodyPr/>
+                    <a:lstStyle/>
+                    <a:p>
+                      <a:r>
+                        <a:rPr lang="en-GB" sz="1000" b="0" dirty="0" err="1"/>
+                        <a:t>Startbyte</a:t>
+                      </a:r>
+                      <a:endParaRPr lang="en-GB" sz="1000" b="0" dirty="0"/>
+                    </a:p>
+                  </a:txBody>
+                  <a:tcPr>
+                    <a:lnL w="12700" cap="flat" cmpd="sng" algn="ctr">
+                      <a:solidFill>
+                        <a:schemeClr val="tx1"/>
+                      </a:solidFill>
+                      <a:prstDash val="solid"/>
+                      <a:round/>
+                      <a:headEnd type="none" w="med" len="med"/>
+                      <a:tailEnd type="none" w="med" len="med"/>
+                    </a:lnL>
+                    <a:lnR w="12700" cap="flat" cmpd="sng" algn="ctr">
+                      <a:solidFill>
+                        <a:schemeClr val="tx1"/>
+                      </a:solidFill>
+                      <a:prstDash val="solid"/>
+                      <a:round/>
+                      <a:headEnd type="none" w="med" len="med"/>
+                      <a:tailEnd type="none" w="med" len="med"/>
+                    </a:lnR>
+                    <a:lnT w="12700" cap="flat" cmpd="sng" algn="ctr">
+                      <a:solidFill>
+                        <a:schemeClr val="tx1"/>
+                      </a:solidFill>
+                      <a:prstDash val="solid"/>
+                      <a:round/>
+                      <a:headEnd type="none" w="med" len="med"/>
+                      <a:tailEnd type="none" w="med" len="med"/>
+                    </a:lnT>
+                    <a:lnB w="12700" cap="flat" cmpd="sng" algn="ctr">
+                      <a:solidFill>
+                        <a:schemeClr val="tx1"/>
+                      </a:solidFill>
+                      <a:prstDash val="solid"/>
+                      <a:round/>
+                      <a:headEnd type="none" w="med" len="med"/>
+                      <a:tailEnd type="none" w="med" len="med"/>
+                    </a:lnB>
+                  </a:tcPr>
+                </a:tc>
+                <a:tc>
+                  <a:txBody>
+                    <a:bodyPr/>
+                    <a:lstStyle/>
+                    <a:p>
+                      <a:r>
+                        <a:rPr lang="en-GB" sz="1000" b="0" dirty="0"/>
+                        <a:t>Speed reading</a:t>
+                      </a:r>
+                    </a:p>
+                  </a:txBody>
+                  <a:tcPr>
+                    <a:lnL w="12700" cap="flat" cmpd="sng" algn="ctr">
+                      <a:solidFill>
+                        <a:schemeClr val="tx1"/>
+                      </a:solidFill>
+                      <a:prstDash val="solid"/>
+                      <a:round/>
+                      <a:headEnd type="none" w="med" len="med"/>
+                      <a:tailEnd type="none" w="med" len="med"/>
+                    </a:lnL>
+                    <a:lnR w="12700" cap="flat" cmpd="sng" algn="ctr">
+                      <a:solidFill>
+                        <a:schemeClr val="tx1"/>
+                      </a:solidFill>
+                      <a:prstDash val="solid"/>
+                      <a:round/>
+                      <a:headEnd type="none" w="med" len="med"/>
+                      <a:tailEnd type="none" w="med" len="med"/>
+                    </a:lnR>
+                    <a:lnT w="12700" cap="flat" cmpd="sng" algn="ctr">
+                      <a:solidFill>
+                        <a:schemeClr val="tx1"/>
+                      </a:solidFill>
+                      <a:prstDash val="solid"/>
+                      <a:round/>
+                      <a:headEnd type="none" w="med" len="med"/>
+                      <a:tailEnd type="none" w="med" len="med"/>
+                    </a:lnT>
+                    <a:lnB w="12700" cap="flat" cmpd="sng" algn="ctr">
+                      <a:solidFill>
+                        <a:schemeClr val="tx1"/>
+                      </a:solidFill>
+                      <a:prstDash val="solid"/>
+                      <a:round/>
+                      <a:headEnd type="none" w="med" len="med"/>
+                      <a:tailEnd type="none" w="med" len="med"/>
+                    </a:lnB>
+                  </a:tcPr>
+                </a:tc>
+                <a:tc>
+                  <a:txBody>
+                    <a:bodyPr/>
+                    <a:lstStyle/>
+                    <a:p>
+                      <a:pPr marL="0" marR="0" lvl="0" indent="0" algn="l" defTabSz="914400" rtl="0" eaLnBrk="1" fontAlgn="auto" latinLnBrk="0" hangingPunct="1">
+                        <a:lnSpc>
+                          <a:spcPct val="100000"/>
+                        </a:lnSpc>
+                        <a:spcBef>
+                          <a:spcPts val="0"/>
+                        </a:spcBef>
+                        <a:spcAft>
+                          <a:spcPts val="0"/>
+                        </a:spcAft>
+                        <a:buClrTx/>
+                        <a:buSzTx/>
+                        <a:buFontTx/>
+                        <a:buNone/>
+                        <a:tabLst/>
+                        <a:defRPr/>
+                      </a:pPr>
+                      <a:r>
+                        <a:rPr lang="en-GB" sz="1000" b="0" dirty="0"/>
+                        <a:t>Height reading</a:t>
+                      </a:r>
+                    </a:p>
+                  </a:txBody>
+                  <a:tcPr>
+                    <a:lnL w="12700" cap="flat" cmpd="sng" algn="ctr">
+                      <a:solidFill>
+                        <a:schemeClr val="tx1"/>
+                      </a:solidFill>
+                      <a:prstDash val="solid"/>
+                      <a:round/>
+                      <a:headEnd type="none" w="med" len="med"/>
+                      <a:tailEnd type="none" w="med" len="med"/>
+                    </a:lnL>
+                    <a:lnR w="12700" cap="flat" cmpd="sng" algn="ctr">
+                      <a:solidFill>
+                        <a:schemeClr val="tx1"/>
+                      </a:solidFill>
+                      <a:prstDash val="solid"/>
+                      <a:round/>
+                      <a:headEnd type="none" w="med" len="med"/>
+                      <a:tailEnd type="none" w="med" len="med"/>
+                    </a:lnR>
+                    <a:lnT w="12700" cap="flat" cmpd="sng" algn="ctr">
+                      <a:solidFill>
+                        <a:schemeClr val="tx1"/>
+                      </a:solidFill>
+                      <a:prstDash val="solid"/>
+                      <a:round/>
+                      <a:headEnd type="none" w="med" len="med"/>
+                      <a:tailEnd type="none" w="med" len="med"/>
+                    </a:lnT>
+                    <a:lnB w="12700" cap="flat" cmpd="sng" algn="ctr">
+                      <a:solidFill>
+                        <a:schemeClr val="tx1"/>
+                      </a:solidFill>
+                      <a:prstDash val="solid"/>
+                      <a:round/>
+                      <a:headEnd type="none" w="med" len="med"/>
+                      <a:tailEnd type="none" w="med" len="med"/>
+                    </a:lnB>
+                  </a:tcPr>
+                </a:tc>
+                <a:tc>
+                  <a:txBody>
+                    <a:bodyPr/>
+                    <a:lstStyle/>
+                    <a:p>
+                      <a:pPr marL="0" marR="0" lvl="0" indent="0" algn="l" defTabSz="914400" rtl="0" eaLnBrk="1" fontAlgn="auto" latinLnBrk="0" hangingPunct="1">
+                        <a:lnSpc>
+                          <a:spcPct val="100000"/>
+                        </a:lnSpc>
+                        <a:spcBef>
+                          <a:spcPts val="0"/>
+                        </a:spcBef>
+                        <a:spcAft>
+                          <a:spcPts val="0"/>
+                        </a:spcAft>
+                        <a:buClrTx/>
+                        <a:buSzTx/>
+                        <a:buFontTx/>
+                        <a:buNone/>
+                        <a:tabLst/>
+                        <a:defRPr/>
+                      </a:pPr>
+                      <a:r>
+                        <a:rPr lang="en-GB" sz="1000" b="0" dirty="0"/>
+                        <a:t>Checksum</a:t>
+                      </a:r>
+                    </a:p>
+                  </a:txBody>
+                  <a:tcPr>
+                    <a:lnL w="12700" cap="flat" cmpd="sng" algn="ctr">
+                      <a:solidFill>
+                        <a:schemeClr val="tx1"/>
+                      </a:solidFill>
+                      <a:prstDash val="solid"/>
+                      <a:round/>
+                      <a:headEnd type="none" w="med" len="med"/>
+                      <a:tailEnd type="none" w="med" len="med"/>
+                    </a:lnL>
+                    <a:lnR w="12700" cap="flat" cmpd="sng" algn="ctr">
+                      <a:solidFill>
+                        <a:schemeClr val="tx1"/>
+                      </a:solidFill>
+                      <a:prstDash val="solid"/>
+                      <a:round/>
+                      <a:headEnd type="none" w="med" len="med"/>
+                      <a:tailEnd type="none" w="med" len="med"/>
+                    </a:lnR>
+                    <a:lnT w="12700" cap="flat" cmpd="sng" algn="ctr">
+                      <a:solidFill>
+                        <a:schemeClr val="tx1"/>
+                      </a:solidFill>
+                      <a:prstDash val="solid"/>
+                      <a:round/>
+                      <a:headEnd type="none" w="med" len="med"/>
+                      <a:tailEnd type="none" w="med" len="med"/>
+                    </a:lnT>
+                    <a:lnB w="12700" cap="flat" cmpd="sng" algn="ctr">
+                      <a:solidFill>
+                        <a:schemeClr val="tx1"/>
+                      </a:solidFill>
+                      <a:prstDash val="solid"/>
+                      <a:round/>
+                      <a:headEnd type="none" w="med" len="med"/>
+                      <a:tailEnd type="none" w="med" len="med"/>
+                    </a:lnB>
+                  </a:tcPr>
+                </a:tc>
+                <a:extLst>
+                  <a:ext uri="{0D108BD9-81ED-4DB2-BD59-A6C34878D82A}">
+                    <a16:rowId xmlns:a16="http://schemas.microsoft.com/office/drawing/2014/main" val="395093362"/>
+                  </a:ext>
+                </a:extLst>
+              </a:tr>
+              <a:tr h="255874">
+                <a:tc>
+                  <a:txBody>
+                    <a:bodyPr/>
+                    <a:lstStyle/>
+                    <a:p>
+                      <a:r>
+                        <a:rPr lang="en-GB" sz="1000" dirty="0">
+                          <a:solidFill>
+                            <a:schemeClr val="bg1">
+                              <a:lumMod val="50000"/>
+                            </a:schemeClr>
+                          </a:solidFill>
+                        </a:rPr>
+                        <a:t>0x</a:t>
+                      </a:r>
+                      <a:r>
+                        <a:rPr lang="en-GB" sz="1000" dirty="0"/>
+                        <a:t> 01</a:t>
+                      </a:r>
+                    </a:p>
+                  </a:txBody>
+                  <a:tcPr>
+                    <a:lnL w="12700" cap="flat" cmpd="sng" algn="ctr">
+                      <a:solidFill>
+                        <a:schemeClr val="tx1"/>
+                      </a:solidFill>
+                      <a:prstDash val="solid"/>
+                      <a:round/>
+                      <a:headEnd type="none" w="med" len="med"/>
+                      <a:tailEnd type="none" w="med" len="med"/>
+                    </a:lnL>
+                    <a:lnR w="12700" cap="flat" cmpd="sng" algn="ctr">
+                      <a:solidFill>
+                        <a:schemeClr val="tx1"/>
+                      </a:solidFill>
+                      <a:prstDash val="solid"/>
+                      <a:round/>
+                      <a:headEnd type="none" w="med" len="med"/>
+                      <a:tailEnd type="none" w="med" len="med"/>
+                    </a:lnR>
+                    <a:lnT w="12700" cap="flat" cmpd="sng" algn="ctr">
+                      <a:solidFill>
+                        <a:schemeClr val="tx1"/>
+                      </a:solidFill>
+                      <a:prstDash val="solid"/>
+                      <a:round/>
+                      <a:headEnd type="none" w="med" len="med"/>
+                      <a:tailEnd type="none" w="med" len="med"/>
+                    </a:lnT>
+                    <a:lnB w="12700" cap="flat" cmpd="sng" algn="ctr">
+                      <a:solidFill>
+                        <a:schemeClr val="tx1"/>
+                      </a:solidFill>
+                      <a:prstDash val="solid"/>
+                      <a:round/>
+                      <a:headEnd type="none" w="med" len="med"/>
+                      <a:tailEnd type="none" w="med" len="med"/>
+                    </a:lnB>
+                  </a:tcPr>
+                </a:tc>
+                <a:tc>
+                  <a:txBody>
+                    <a:bodyPr/>
+                    <a:lstStyle/>
+                    <a:p>
+                      <a:r>
+                        <a:rPr lang="en-GB" sz="1000" dirty="0">
+                          <a:solidFill>
+                            <a:schemeClr val="bg1">
+                              <a:lumMod val="50000"/>
+                            </a:schemeClr>
+                          </a:solidFill>
+                        </a:rPr>
+                        <a:t>0x</a:t>
+                      </a:r>
+                      <a:r>
+                        <a:rPr lang="en-GB" sz="1000" dirty="0"/>
+                        <a:t> 00 33</a:t>
+                      </a:r>
+                    </a:p>
+                  </a:txBody>
+                  <a:tcPr>
+                    <a:lnL w="12700" cap="flat" cmpd="sng" algn="ctr">
+                      <a:solidFill>
+                        <a:schemeClr val="tx1"/>
+                      </a:solidFill>
+                      <a:prstDash val="solid"/>
+                      <a:round/>
+                      <a:headEnd type="none" w="med" len="med"/>
+                      <a:tailEnd type="none" w="med" len="med"/>
+                    </a:lnL>
+                    <a:lnR w="12700" cap="flat" cmpd="sng" algn="ctr">
+                      <a:solidFill>
+                        <a:schemeClr val="tx1"/>
+                      </a:solidFill>
+                      <a:prstDash val="solid"/>
+                      <a:round/>
+                      <a:headEnd type="none" w="med" len="med"/>
+                      <a:tailEnd type="none" w="med" len="med"/>
+                    </a:lnR>
+                    <a:lnT w="12700" cap="flat" cmpd="sng" algn="ctr">
+                      <a:solidFill>
+                        <a:schemeClr val="tx1"/>
+                      </a:solidFill>
+                      <a:prstDash val="solid"/>
+                      <a:round/>
+                      <a:headEnd type="none" w="med" len="med"/>
+                      <a:tailEnd type="none" w="med" len="med"/>
+                    </a:lnT>
+                    <a:lnB w="12700" cap="flat" cmpd="sng" algn="ctr">
+                      <a:solidFill>
+                        <a:schemeClr val="tx1"/>
+                      </a:solidFill>
+                      <a:prstDash val="solid"/>
+                      <a:round/>
+                      <a:headEnd type="none" w="med" len="med"/>
+                      <a:tailEnd type="none" w="med" len="med"/>
+                    </a:lnB>
+                  </a:tcPr>
+                </a:tc>
+                <a:tc>
+                  <a:txBody>
+                    <a:bodyPr/>
+                    <a:lstStyle/>
+                    <a:p>
+                      <a:r>
+                        <a:rPr lang="en-GB" sz="1000" dirty="0">
+                          <a:solidFill>
+                            <a:schemeClr val="bg1">
+                              <a:lumMod val="50000"/>
+                            </a:schemeClr>
+                          </a:solidFill>
+                        </a:rPr>
+                        <a:t>0x</a:t>
+                      </a:r>
+                      <a:r>
+                        <a:rPr lang="en-GB" sz="1000" dirty="0"/>
+                        <a:t> 12 D3</a:t>
+                      </a:r>
+                    </a:p>
+                  </a:txBody>
+                  <a:tcPr>
+                    <a:lnL w="12700" cap="flat" cmpd="sng" algn="ctr">
+                      <a:solidFill>
+                        <a:schemeClr val="tx1"/>
+                      </a:solidFill>
+                      <a:prstDash val="solid"/>
+                      <a:round/>
+                      <a:headEnd type="none" w="med" len="med"/>
+                      <a:tailEnd type="none" w="med" len="med"/>
+                    </a:lnL>
+                    <a:lnR w="12700" cap="flat" cmpd="sng" algn="ctr">
+                      <a:solidFill>
+                        <a:schemeClr val="tx1"/>
+                      </a:solidFill>
+                      <a:prstDash val="solid"/>
+                      <a:round/>
+                      <a:headEnd type="none" w="med" len="med"/>
+                      <a:tailEnd type="none" w="med" len="med"/>
+                    </a:lnR>
+                    <a:lnT w="12700" cap="flat" cmpd="sng" algn="ctr">
+                      <a:solidFill>
+                        <a:schemeClr val="tx1"/>
+                      </a:solidFill>
+                      <a:prstDash val="solid"/>
+                      <a:round/>
+                      <a:headEnd type="none" w="med" len="med"/>
+                      <a:tailEnd type="none" w="med" len="med"/>
+                    </a:lnT>
+                    <a:lnB w="12700" cap="flat" cmpd="sng" algn="ctr">
+                      <a:solidFill>
+                        <a:schemeClr val="tx1"/>
+                      </a:solidFill>
+                      <a:prstDash val="solid"/>
+                      <a:round/>
+                      <a:headEnd type="none" w="med" len="med"/>
+                      <a:tailEnd type="none" w="med" len="med"/>
+                    </a:lnB>
+                  </a:tcPr>
+                </a:tc>
+                <a:tc>
+                  <a:txBody>
+                    <a:bodyPr/>
+                    <a:lstStyle/>
+                    <a:p>
+                      <a:pPr marL="0" marR="0" lvl="0" indent="0" algn="l" defTabSz="914400" rtl="0" eaLnBrk="1" fontAlgn="auto" latinLnBrk="0" hangingPunct="1">
+                        <a:lnSpc>
+                          <a:spcPct val="100000"/>
+                        </a:lnSpc>
+                        <a:spcBef>
+                          <a:spcPts val="0"/>
+                        </a:spcBef>
+                        <a:spcAft>
+                          <a:spcPts val="0"/>
+                        </a:spcAft>
+                        <a:buClrTx/>
+                        <a:buSzTx/>
+                        <a:buFontTx/>
+                        <a:buNone/>
+                        <a:tabLst/>
+                        <a:defRPr/>
+                      </a:pPr>
+                      <a:r>
+                        <a:rPr lang="en-GB" sz="1000" dirty="0">
+                          <a:solidFill>
+                            <a:schemeClr val="bg1">
+                              <a:lumMod val="50000"/>
+                            </a:schemeClr>
+                          </a:solidFill>
+                        </a:rPr>
+                        <a:t>0x</a:t>
+                      </a:r>
+                      <a:r>
+                        <a:rPr lang="en-GB" sz="1000" dirty="0"/>
+                        <a:t> 3F 2D</a:t>
+                      </a:r>
+                    </a:p>
+                  </a:txBody>
+                  <a:tcPr>
+                    <a:lnL w="12700" cap="flat" cmpd="sng" algn="ctr">
+                      <a:solidFill>
+                        <a:schemeClr val="tx1"/>
+                      </a:solidFill>
+                      <a:prstDash val="solid"/>
+                      <a:round/>
+                      <a:headEnd type="none" w="med" len="med"/>
+                      <a:tailEnd type="none" w="med" len="med"/>
+                    </a:lnL>
+                    <a:lnR w="12700" cap="flat" cmpd="sng" algn="ctr">
+                      <a:solidFill>
+                        <a:schemeClr val="tx1"/>
+                      </a:solidFill>
+                      <a:prstDash val="solid"/>
+                      <a:round/>
+                      <a:headEnd type="none" w="med" len="med"/>
+                      <a:tailEnd type="none" w="med" len="med"/>
+                    </a:lnR>
+                    <a:lnT w="12700" cap="flat" cmpd="sng" algn="ctr">
+                      <a:solidFill>
+                        <a:schemeClr val="tx1"/>
+                      </a:solidFill>
+                      <a:prstDash val="solid"/>
+                      <a:round/>
+                      <a:headEnd type="none" w="med" len="med"/>
+                      <a:tailEnd type="none" w="med" len="med"/>
+                    </a:lnT>
+                    <a:lnB w="12700" cap="flat" cmpd="sng" algn="ctr">
+                      <a:solidFill>
+                        <a:schemeClr val="tx1"/>
+                      </a:solidFill>
+                      <a:prstDash val="solid"/>
+                      <a:round/>
+                      <a:headEnd type="none" w="med" len="med"/>
+                      <a:tailEnd type="none" w="med" len="med"/>
+                    </a:lnB>
+                  </a:tcPr>
+                </a:tc>
+                <a:extLst>
+                  <a:ext uri="{0D108BD9-81ED-4DB2-BD59-A6C34878D82A}">
+                    <a16:rowId xmlns:a16="http://schemas.microsoft.com/office/drawing/2014/main" val="70308981"/>
+                  </a:ext>
+                </a:extLst>
+              </a:tr>
+            </a:tbl>
+          </a:graphicData>
+        </a:graphic>
+      </p:graphicFrame>
+      <p:graphicFrame>
+        <p:nvGraphicFramePr>
+          <p:cNvPr id="235" name="Tabelle 234">
+            <a:extLst>
+              <a:ext uri="{FF2B5EF4-FFF2-40B4-BE49-F238E27FC236}">
+                <a16:creationId xmlns:a16="http://schemas.microsoft.com/office/drawing/2014/main" id="{B3D6DF2B-ACB1-4E72-86E4-5EA1EACAF75A}"/>
+              </a:ext>
+            </a:extLst>
+          </p:cNvPr>
+          <p:cNvGraphicFramePr>
+            <a:graphicFrameLocks noGrp="1"/>
+          </p:cNvGraphicFramePr>
+          <p:nvPr>
+            <p:extLst>
+              <p:ext uri="{D42A27DB-BD31-4B8C-83A1-F6EECF244321}">
+                <p14:modId xmlns:p14="http://schemas.microsoft.com/office/powerpoint/2010/main" val="3324182739"/>
+              </p:ext>
+            </p:extLst>
+          </p:nvPr>
+        </p:nvGraphicFramePr>
+        <p:xfrm>
+          <a:off x="242675" y="3685898"/>
+          <a:ext cx="3844577" cy="509516"/>
+        </p:xfrm>
+        <a:graphic>
+          <a:graphicData uri="http://schemas.openxmlformats.org/drawingml/2006/table">
+            <a:tbl>
+              <a:tblPr firstRow="1" bandRow="1">
+                <a:tableStyleId>{8799B23B-EC83-4686-B30A-512413B5E67A}</a:tableStyleId>
+              </a:tblPr>
+              <a:tblGrid>
+                <a:gridCol w="882470">
+                  <a:extLst>
+                    <a:ext uri="{9D8B030D-6E8A-4147-A177-3AD203B41FA5}">
+                      <a16:colId xmlns:a16="http://schemas.microsoft.com/office/drawing/2014/main" val="2613248472"/>
+                    </a:ext>
+                  </a:extLst>
+                </a:gridCol>
+                <a:gridCol w="2006675">
+                  <a:extLst>
+                    <a:ext uri="{9D8B030D-6E8A-4147-A177-3AD203B41FA5}">
+                      <a16:colId xmlns:a16="http://schemas.microsoft.com/office/drawing/2014/main" val="111009139"/>
+                    </a:ext>
+                  </a:extLst>
+                </a:gridCol>
+                <a:gridCol w="955432">
+                  <a:extLst>
+                    <a:ext uri="{9D8B030D-6E8A-4147-A177-3AD203B41FA5}">
+                      <a16:colId xmlns:a16="http://schemas.microsoft.com/office/drawing/2014/main" val="3474785680"/>
+                    </a:ext>
+                  </a:extLst>
+                </a:gridCol>
+              </a:tblGrid>
+              <a:tr h="253642">
+                <a:tc>
+                  <a:txBody>
+                    <a:bodyPr/>
+                    <a:lstStyle/>
+                    <a:p>
+                      <a:r>
+                        <a:rPr lang="en-GB" sz="1000" b="0" dirty="0"/>
+                        <a:t>Stuffed Byte</a:t>
+                      </a:r>
+                    </a:p>
+                  </a:txBody>
+                  <a:tcPr>
+                    <a:lnL w="12700" cap="flat" cmpd="sng" algn="ctr">
+                      <a:solidFill>
+                        <a:schemeClr val="tx1"/>
+                      </a:solidFill>
+                      <a:prstDash val="solid"/>
+                      <a:round/>
+                      <a:headEnd type="none" w="med" len="med"/>
+                      <a:tailEnd type="none" w="med" len="med"/>
+                    </a:lnL>
+                    <a:lnR w="12700" cap="flat" cmpd="sng" algn="ctr">
+                      <a:solidFill>
+                        <a:schemeClr val="tx1"/>
+                      </a:solidFill>
+                      <a:prstDash val="solid"/>
+                      <a:round/>
+                      <a:headEnd type="none" w="med" len="med"/>
+                      <a:tailEnd type="none" w="med" len="med"/>
+                    </a:lnR>
+                    <a:lnT w="12700" cap="flat" cmpd="sng" algn="ctr">
+                      <a:solidFill>
+                        <a:schemeClr val="tx1"/>
+                      </a:solidFill>
+                      <a:prstDash val="solid"/>
+                      <a:round/>
+                      <a:headEnd type="none" w="med" len="med"/>
+                      <a:tailEnd type="none" w="med" len="med"/>
+                    </a:lnT>
+                    <a:lnB w="12700" cap="flat" cmpd="sng" algn="ctr">
+                      <a:solidFill>
+                        <a:schemeClr val="tx1"/>
+                      </a:solidFill>
+                      <a:prstDash val="solid"/>
+                      <a:round/>
+                      <a:headEnd type="none" w="med" len="med"/>
+                      <a:tailEnd type="none" w="med" len="med"/>
+                    </a:lnB>
+                  </a:tcPr>
+                </a:tc>
+                <a:tc>
+                  <a:txBody>
+                    <a:bodyPr/>
+                    <a:lstStyle/>
+                    <a:p>
+                      <a:r>
+                        <a:rPr lang="en-GB" sz="1000" b="0" dirty="0"/>
+                        <a:t>Encoded Byte stream</a:t>
+                      </a:r>
+                    </a:p>
+                  </a:txBody>
+                  <a:tcPr>
+                    <a:lnL w="12700" cap="flat" cmpd="sng" algn="ctr">
+                      <a:solidFill>
+                        <a:schemeClr val="tx1"/>
+                      </a:solidFill>
+                      <a:prstDash val="solid"/>
+                      <a:round/>
+                      <a:headEnd type="none" w="med" len="med"/>
+                      <a:tailEnd type="none" w="med" len="med"/>
+                    </a:lnL>
+                    <a:lnR w="12700" cap="flat" cmpd="sng" algn="ctr">
+                      <a:solidFill>
+                        <a:schemeClr val="tx1"/>
+                      </a:solidFill>
+                      <a:prstDash val="solid"/>
+                      <a:round/>
+                      <a:headEnd type="none" w="med" len="med"/>
+                      <a:tailEnd type="none" w="med" len="med"/>
+                    </a:lnR>
+                    <a:lnT w="12700" cap="flat" cmpd="sng" algn="ctr">
+                      <a:solidFill>
+                        <a:schemeClr val="tx1"/>
+                      </a:solidFill>
+                      <a:prstDash val="solid"/>
+                      <a:round/>
+                      <a:headEnd type="none" w="med" len="med"/>
+                      <a:tailEnd type="none" w="med" len="med"/>
+                    </a:lnT>
+                    <a:lnB w="12700" cap="flat" cmpd="sng" algn="ctr">
+                      <a:solidFill>
+                        <a:schemeClr val="tx1"/>
+                      </a:solidFill>
+                      <a:prstDash val="solid"/>
+                      <a:round/>
+                      <a:headEnd type="none" w="med" len="med"/>
+                      <a:tailEnd type="none" w="med" len="med"/>
+                    </a:lnB>
+                  </a:tcPr>
+                </a:tc>
+                <a:tc>
+                  <a:txBody>
+                    <a:bodyPr/>
+                    <a:lstStyle/>
+                    <a:p>
+                      <a:pPr marL="0" marR="0" lvl="0" indent="0" algn="l" defTabSz="914400" rtl="0" eaLnBrk="1" fontAlgn="auto" latinLnBrk="0" hangingPunct="1">
+                        <a:lnSpc>
+                          <a:spcPct val="100000"/>
+                        </a:lnSpc>
+                        <a:spcBef>
+                          <a:spcPts val="0"/>
+                        </a:spcBef>
+                        <a:spcAft>
+                          <a:spcPts val="0"/>
+                        </a:spcAft>
+                        <a:buClrTx/>
+                        <a:buSzTx/>
+                        <a:buFontTx/>
+                        <a:buNone/>
+                        <a:tabLst/>
+                        <a:defRPr/>
+                      </a:pPr>
+                      <a:r>
+                        <a:rPr lang="en-GB" sz="1000" b="0" dirty="0"/>
+                        <a:t>Delimiter</a:t>
+                      </a:r>
+                    </a:p>
+                  </a:txBody>
+                  <a:tcPr>
+                    <a:lnL w="12700" cap="flat" cmpd="sng" algn="ctr">
+                      <a:solidFill>
+                        <a:schemeClr val="tx1"/>
+                      </a:solidFill>
+                      <a:prstDash val="solid"/>
+                      <a:round/>
+                      <a:headEnd type="none" w="med" len="med"/>
+                      <a:tailEnd type="none" w="med" len="med"/>
+                    </a:lnL>
+                    <a:lnR w="12700" cap="flat" cmpd="sng" algn="ctr">
+                      <a:solidFill>
+                        <a:schemeClr val="tx1"/>
+                      </a:solidFill>
+                      <a:prstDash val="solid"/>
+                      <a:round/>
+                      <a:headEnd type="none" w="med" len="med"/>
+                      <a:tailEnd type="none" w="med" len="med"/>
+                    </a:lnR>
+                    <a:lnT w="12700" cap="flat" cmpd="sng" algn="ctr">
+                      <a:solidFill>
+                        <a:schemeClr val="tx1"/>
+                      </a:solidFill>
+                      <a:prstDash val="solid"/>
+                      <a:round/>
+                      <a:headEnd type="none" w="med" len="med"/>
+                      <a:tailEnd type="none" w="med" len="med"/>
+                    </a:lnT>
+                    <a:lnB w="12700" cap="flat" cmpd="sng" algn="ctr">
+                      <a:solidFill>
+                        <a:schemeClr val="tx1"/>
+                      </a:solidFill>
+                      <a:prstDash val="solid"/>
+                      <a:round/>
+                      <a:headEnd type="none" w="med" len="med"/>
+                      <a:tailEnd type="none" w="med" len="med"/>
+                    </a:lnB>
+                  </a:tcPr>
+                </a:tc>
+                <a:extLst>
+                  <a:ext uri="{0D108BD9-81ED-4DB2-BD59-A6C34878D82A}">
+                    <a16:rowId xmlns:a16="http://schemas.microsoft.com/office/drawing/2014/main" val="395093362"/>
+                  </a:ext>
+                </a:extLst>
+              </a:tr>
+              <a:tr h="255874">
+                <a:tc>
+                  <a:txBody>
+                    <a:bodyPr/>
+                    <a:lstStyle/>
+                    <a:p>
+                      <a:r>
+                        <a:rPr lang="en-GB" sz="1000" dirty="0">
+                          <a:solidFill>
+                            <a:schemeClr val="bg1">
+                              <a:lumMod val="50000"/>
+                            </a:schemeClr>
+                          </a:solidFill>
+                        </a:rPr>
+                        <a:t>0x</a:t>
+                      </a:r>
+                      <a:r>
+                        <a:rPr lang="en-GB" sz="1000" dirty="0"/>
+                        <a:t> 02</a:t>
+                      </a:r>
+                    </a:p>
+                  </a:txBody>
+                  <a:tcPr>
+                    <a:lnL w="12700" cap="flat" cmpd="sng" algn="ctr">
+                      <a:solidFill>
+                        <a:schemeClr val="tx1"/>
+                      </a:solidFill>
+                      <a:prstDash val="solid"/>
+                      <a:round/>
+                      <a:headEnd type="none" w="med" len="med"/>
+                      <a:tailEnd type="none" w="med" len="med"/>
+                    </a:lnL>
+                    <a:lnR w="12700" cap="flat" cmpd="sng" algn="ctr">
+                      <a:solidFill>
+                        <a:schemeClr val="tx1"/>
+                      </a:solidFill>
+                      <a:prstDash val="solid"/>
+                      <a:round/>
+                      <a:headEnd type="none" w="med" len="med"/>
+                      <a:tailEnd type="none" w="med" len="med"/>
+                    </a:lnR>
+                    <a:lnT w="12700" cap="flat" cmpd="sng" algn="ctr">
+                      <a:solidFill>
+                        <a:schemeClr val="tx1"/>
+                      </a:solidFill>
+                      <a:prstDash val="solid"/>
+                      <a:round/>
+                      <a:headEnd type="none" w="med" len="med"/>
+                      <a:tailEnd type="none" w="med" len="med"/>
+                    </a:lnT>
+                    <a:lnB w="12700" cap="flat" cmpd="sng" algn="ctr">
+                      <a:solidFill>
+                        <a:schemeClr val="tx1"/>
+                      </a:solidFill>
+                      <a:prstDash val="solid"/>
+                      <a:round/>
+                      <a:headEnd type="none" w="med" len="med"/>
+                      <a:tailEnd type="none" w="med" len="med"/>
+                    </a:lnB>
+                  </a:tcPr>
+                </a:tc>
+                <a:tc>
+                  <a:txBody>
+                    <a:bodyPr/>
+                    <a:lstStyle/>
+                    <a:p>
+                      <a:r>
+                        <a:rPr lang="en-GB" sz="1000" dirty="0">
+                          <a:solidFill>
+                            <a:schemeClr val="bg1">
+                              <a:lumMod val="50000"/>
+                            </a:schemeClr>
+                          </a:solidFill>
+                        </a:rPr>
+                        <a:t>0x</a:t>
+                      </a:r>
+                      <a:r>
+                        <a:rPr lang="en-GB" sz="1000" dirty="0"/>
+                        <a:t> 01 06 33 12 D3 3F 2D</a:t>
+                      </a:r>
+                    </a:p>
+                  </a:txBody>
+                  <a:tcPr>
+                    <a:lnL w="12700" cap="flat" cmpd="sng" algn="ctr">
+                      <a:solidFill>
+                        <a:schemeClr val="tx1"/>
+                      </a:solidFill>
+                      <a:prstDash val="solid"/>
+                      <a:round/>
+                      <a:headEnd type="none" w="med" len="med"/>
+                      <a:tailEnd type="none" w="med" len="med"/>
+                    </a:lnL>
+                    <a:lnR w="12700" cap="flat" cmpd="sng" algn="ctr">
+                      <a:solidFill>
+                        <a:schemeClr val="tx1"/>
+                      </a:solidFill>
+                      <a:prstDash val="solid"/>
+                      <a:round/>
+                      <a:headEnd type="none" w="med" len="med"/>
+                      <a:tailEnd type="none" w="med" len="med"/>
+                    </a:lnR>
+                    <a:lnT w="12700" cap="flat" cmpd="sng" algn="ctr">
+                      <a:solidFill>
+                        <a:schemeClr val="tx1"/>
+                      </a:solidFill>
+                      <a:prstDash val="solid"/>
+                      <a:round/>
+                      <a:headEnd type="none" w="med" len="med"/>
+                      <a:tailEnd type="none" w="med" len="med"/>
+                    </a:lnT>
+                    <a:lnB w="12700" cap="flat" cmpd="sng" algn="ctr">
+                      <a:solidFill>
+                        <a:schemeClr val="tx1"/>
+                      </a:solidFill>
+                      <a:prstDash val="solid"/>
+                      <a:round/>
+                      <a:headEnd type="none" w="med" len="med"/>
+                      <a:tailEnd type="none" w="med" len="med"/>
+                    </a:lnB>
+                  </a:tcPr>
+                </a:tc>
+                <a:tc>
+                  <a:txBody>
+                    <a:bodyPr/>
+                    <a:lstStyle/>
+                    <a:p>
+                      <a:pPr marL="0" marR="0" lvl="0" indent="0" algn="l" defTabSz="914400" rtl="0" eaLnBrk="1" fontAlgn="auto" latinLnBrk="0" hangingPunct="1">
+                        <a:lnSpc>
+                          <a:spcPct val="100000"/>
+                        </a:lnSpc>
+                        <a:spcBef>
+                          <a:spcPts val="0"/>
+                        </a:spcBef>
+                        <a:spcAft>
+                          <a:spcPts val="0"/>
+                        </a:spcAft>
+                        <a:buClrTx/>
+                        <a:buSzTx/>
+                        <a:buFontTx/>
+                        <a:buNone/>
+                        <a:tabLst/>
+                        <a:defRPr/>
+                      </a:pPr>
+                      <a:r>
+                        <a:rPr lang="en-GB" sz="1000" dirty="0">
+                          <a:solidFill>
+                            <a:schemeClr val="bg1">
+                              <a:lumMod val="50000"/>
+                            </a:schemeClr>
+                          </a:solidFill>
+                        </a:rPr>
+                        <a:t>0x</a:t>
+                      </a:r>
+                      <a:r>
+                        <a:rPr lang="en-GB" sz="1000" dirty="0"/>
+                        <a:t> 00</a:t>
+                      </a:r>
+                    </a:p>
+                  </a:txBody>
+                  <a:tcPr>
+                    <a:lnL w="12700" cap="flat" cmpd="sng" algn="ctr">
+                      <a:solidFill>
+                        <a:schemeClr val="tx1"/>
+                      </a:solidFill>
+                      <a:prstDash val="solid"/>
+                      <a:round/>
+                      <a:headEnd type="none" w="med" len="med"/>
+                      <a:tailEnd type="none" w="med" len="med"/>
+                    </a:lnL>
+                    <a:lnR w="12700" cap="flat" cmpd="sng" algn="ctr">
+                      <a:solidFill>
+                        <a:schemeClr val="tx1"/>
+                      </a:solidFill>
+                      <a:prstDash val="solid"/>
+                      <a:round/>
+                      <a:headEnd type="none" w="med" len="med"/>
+                      <a:tailEnd type="none" w="med" len="med"/>
+                    </a:lnR>
+                    <a:lnT w="12700" cap="flat" cmpd="sng" algn="ctr">
+                      <a:solidFill>
+                        <a:schemeClr val="tx1"/>
+                      </a:solidFill>
+                      <a:prstDash val="solid"/>
+                      <a:round/>
+                      <a:headEnd type="none" w="med" len="med"/>
+                      <a:tailEnd type="none" w="med" len="med"/>
+                    </a:lnT>
+                    <a:lnB w="12700" cap="flat" cmpd="sng" algn="ctr">
+                      <a:solidFill>
+                        <a:schemeClr val="tx1"/>
+                      </a:solidFill>
+                      <a:prstDash val="solid"/>
+                      <a:round/>
+                      <a:headEnd type="none" w="med" len="med"/>
+                      <a:tailEnd type="none" w="med" len="med"/>
+                    </a:lnB>
+                  </a:tcPr>
+                </a:tc>
+                <a:extLst>
+                  <a:ext uri="{0D108BD9-81ED-4DB2-BD59-A6C34878D82A}">
+                    <a16:rowId xmlns:a16="http://schemas.microsoft.com/office/drawing/2014/main" val="70308981"/>
+                  </a:ext>
+                </a:extLst>
+              </a:tr>
+            </a:tbl>
+          </a:graphicData>
+        </a:graphic>
+      </p:graphicFrame>
+      <p:graphicFrame>
+        <p:nvGraphicFramePr>
+          <p:cNvPr id="236" name="Tabelle 235">
+            <a:extLst>
+              <a:ext uri="{FF2B5EF4-FFF2-40B4-BE49-F238E27FC236}">
+                <a16:creationId xmlns:a16="http://schemas.microsoft.com/office/drawing/2014/main" id="{E2B69FD0-E0EA-4804-ABFB-F94FF73DCDB8}"/>
+              </a:ext>
+            </a:extLst>
+          </p:cNvPr>
+          <p:cNvGraphicFramePr>
+            <a:graphicFrameLocks noGrp="1"/>
+          </p:cNvGraphicFramePr>
+          <p:nvPr>
+            <p:extLst>
+              <p:ext uri="{D42A27DB-BD31-4B8C-83A1-F6EECF244321}">
+                <p14:modId xmlns:p14="http://schemas.microsoft.com/office/powerpoint/2010/main" val="3883986468"/>
+              </p:ext>
+            </p:extLst>
+          </p:nvPr>
+        </p:nvGraphicFramePr>
+        <p:xfrm>
+          <a:off x="242675" y="4325194"/>
+          <a:ext cx="3844577" cy="509516"/>
+        </p:xfrm>
+        <a:graphic>
+          <a:graphicData uri="http://schemas.openxmlformats.org/drawingml/2006/table">
+            <a:tbl>
+              <a:tblPr firstRow="1" bandRow="1">
+                <a:tableStyleId>{8799B23B-EC83-4686-B30A-512413B5E67A}</a:tableStyleId>
+              </a:tblPr>
+              <a:tblGrid>
+                <a:gridCol w="3844577">
+                  <a:extLst>
+                    <a:ext uri="{9D8B030D-6E8A-4147-A177-3AD203B41FA5}">
+                      <a16:colId xmlns:a16="http://schemas.microsoft.com/office/drawing/2014/main" val="2613248472"/>
+                    </a:ext>
+                  </a:extLst>
+                </a:gridCol>
+              </a:tblGrid>
+              <a:tr h="253642">
+                <a:tc>
+                  <a:txBody>
+                    <a:bodyPr/>
+                    <a:lstStyle/>
+                    <a:p>
+                      <a:r>
+                        <a:rPr lang="en-GB" sz="1000" b="0" dirty="0"/>
+                        <a:t>Transport Byte stream</a:t>
+                      </a:r>
+                    </a:p>
+                  </a:txBody>
+                  <a:tcPr>
+                    <a:lnL w="12700" cap="flat" cmpd="sng" algn="ctr">
+                      <a:solidFill>
+                        <a:schemeClr val="tx1"/>
+                      </a:solidFill>
+                      <a:prstDash val="solid"/>
+                      <a:round/>
+                      <a:headEnd type="none" w="med" len="med"/>
+                      <a:tailEnd type="none" w="med" len="med"/>
+                    </a:lnL>
+                    <a:lnR w="12700" cap="flat" cmpd="sng" algn="ctr">
+                      <a:solidFill>
+                        <a:schemeClr val="tx1"/>
+                      </a:solidFill>
+                      <a:prstDash val="solid"/>
+                      <a:round/>
+                      <a:headEnd type="none" w="med" len="med"/>
+                      <a:tailEnd type="none" w="med" len="med"/>
+                    </a:lnR>
+                    <a:lnT w="12700" cap="flat" cmpd="sng" algn="ctr">
+                      <a:solidFill>
+                        <a:schemeClr val="tx1"/>
+                      </a:solidFill>
+                      <a:prstDash val="solid"/>
+                      <a:round/>
+                      <a:headEnd type="none" w="med" len="med"/>
+                      <a:tailEnd type="none" w="med" len="med"/>
+                    </a:lnT>
+                    <a:lnB w="12700" cap="flat" cmpd="sng" algn="ctr">
+                      <a:solidFill>
+                        <a:schemeClr val="tx1"/>
+                      </a:solidFill>
+                      <a:prstDash val="solid"/>
+                      <a:round/>
+                      <a:headEnd type="none" w="med" len="med"/>
+                      <a:tailEnd type="none" w="med" len="med"/>
+                    </a:lnB>
+                  </a:tcPr>
+                </a:tc>
+                <a:extLst>
+                  <a:ext uri="{0D108BD9-81ED-4DB2-BD59-A6C34878D82A}">
+                    <a16:rowId xmlns:a16="http://schemas.microsoft.com/office/drawing/2014/main" val="395093362"/>
+                  </a:ext>
+                </a:extLst>
+              </a:tr>
+              <a:tr h="255874">
+                <a:tc>
+                  <a:txBody>
+                    <a:bodyPr/>
+                    <a:lstStyle/>
+                    <a:p>
+                      <a:r>
+                        <a:rPr lang="en-GB" sz="1000" dirty="0">
+                          <a:solidFill>
+                            <a:schemeClr val="bg1">
+                              <a:lumMod val="50000"/>
+                            </a:schemeClr>
+                          </a:solidFill>
+                        </a:rPr>
+                        <a:t>0x</a:t>
+                      </a:r>
+                      <a:r>
+                        <a:rPr lang="en-GB" sz="1000" dirty="0"/>
+                        <a:t> 02 01 06 33 12 D3 3F 2D 00 00</a:t>
+                      </a:r>
+                    </a:p>
+                  </a:txBody>
+                  <a:tcPr>
+                    <a:lnL w="12700" cap="flat" cmpd="sng" algn="ctr">
+                      <a:solidFill>
+                        <a:schemeClr val="tx1"/>
+                      </a:solidFill>
+                      <a:prstDash val="solid"/>
+                      <a:round/>
+                      <a:headEnd type="none" w="med" len="med"/>
+                      <a:tailEnd type="none" w="med" len="med"/>
+                    </a:lnL>
+                    <a:lnR w="12700" cap="flat" cmpd="sng" algn="ctr">
+                      <a:solidFill>
+                        <a:schemeClr val="tx1"/>
+                      </a:solidFill>
+                      <a:prstDash val="solid"/>
+                      <a:round/>
+                      <a:headEnd type="none" w="med" len="med"/>
+                      <a:tailEnd type="none" w="med" len="med"/>
+                    </a:lnR>
+                    <a:lnT w="12700" cap="flat" cmpd="sng" algn="ctr">
+                      <a:solidFill>
+                        <a:schemeClr val="tx1"/>
+                      </a:solidFill>
+                      <a:prstDash val="solid"/>
+                      <a:round/>
+                      <a:headEnd type="none" w="med" len="med"/>
+                      <a:tailEnd type="none" w="med" len="med"/>
+                    </a:lnT>
+                    <a:lnB w="12700" cap="flat" cmpd="sng" algn="ctr">
+                      <a:solidFill>
+                        <a:schemeClr val="tx1"/>
+                      </a:solidFill>
+                      <a:prstDash val="solid"/>
+                      <a:round/>
+                      <a:headEnd type="none" w="med" len="med"/>
+                      <a:tailEnd type="none" w="med" len="med"/>
+                    </a:lnB>
+                  </a:tcPr>
+                </a:tc>
+                <a:extLst>
+                  <a:ext uri="{0D108BD9-81ED-4DB2-BD59-A6C34878D82A}">
+                    <a16:rowId xmlns:a16="http://schemas.microsoft.com/office/drawing/2014/main" val="70308981"/>
+                  </a:ext>
+                </a:extLst>
+              </a:tr>
+            </a:tbl>
+          </a:graphicData>
+        </a:graphic>
+      </p:graphicFrame>
+      <p:sp>
+        <p:nvSpPr>
+          <p:cNvPr id="243" name="Textfeld 242">
+            <a:extLst>
+              <a:ext uri="{FF2B5EF4-FFF2-40B4-BE49-F238E27FC236}">
+                <a16:creationId xmlns:a16="http://schemas.microsoft.com/office/drawing/2014/main" id="{2E6CBA11-2087-4068-8BE2-21292837496B}"/>
+              </a:ext>
+            </a:extLst>
+          </p:cNvPr>
+          <p:cNvSpPr txBox="1"/>
+          <p:nvPr/>
+        </p:nvSpPr>
+        <p:spPr>
+          <a:xfrm>
+            <a:off x="5486400" y="1657736"/>
+            <a:ext cx="3345984" cy="369332"/>
+          </a:xfrm>
+          <a:prstGeom prst="rect">
+            <a:avLst/>
+          </a:prstGeom>
+        </p:spPr>
+        <p:style>
+          <a:lnRef idx="2">
+            <a:schemeClr val="accent3"/>
+          </a:lnRef>
+          <a:fillRef idx="1">
+            <a:schemeClr val="lt1"/>
+          </a:fillRef>
+          <a:effectRef idx="0">
+            <a:schemeClr val="accent3"/>
+          </a:effectRef>
+          <a:fontRef idx="minor">
+            <a:schemeClr val="dk1"/>
+          </a:fontRef>
+        </p:style>
+        <p:txBody>
+          <a:bodyPr wrap="square" rtlCol="0">
+            <a:spAutoFit/>
+          </a:bodyPr>
+          <a:lstStyle/>
+          <a:p>
+            <a:pPr algn="r"/>
+            <a:r>
+              <a:rPr lang="en-GB" dirty="0"/>
+              <a:t>Physical Layer</a:t>
+            </a:r>
+          </a:p>
+        </p:txBody>
+      </p:sp>
+      <p:sp>
+        <p:nvSpPr>
+          <p:cNvPr id="244" name="Textfeld 243">
+            <a:extLst>
+              <a:ext uri="{FF2B5EF4-FFF2-40B4-BE49-F238E27FC236}">
+                <a16:creationId xmlns:a16="http://schemas.microsoft.com/office/drawing/2014/main" id="{D742721C-2F6B-44CE-93FB-8AA6A3B9C89D}"/>
+              </a:ext>
+            </a:extLst>
+          </p:cNvPr>
+          <p:cNvSpPr txBox="1"/>
+          <p:nvPr/>
+        </p:nvSpPr>
+        <p:spPr>
+          <a:xfrm>
+            <a:off x="4727440" y="1992474"/>
+            <a:ext cx="1031051" cy="369332"/>
+          </a:xfrm>
+          <a:prstGeom prst="rect">
+            <a:avLst/>
+          </a:prstGeom>
+          <a:noFill/>
+        </p:spPr>
+        <p:txBody>
+          <a:bodyPr wrap="none" rtlCol="0">
+            <a:spAutoFit/>
+          </a:bodyPr>
+          <a:lstStyle/>
+          <a:p>
+            <a:r>
+              <a:rPr lang="en-GB" dirty="0"/>
+              <a:t>Sending</a:t>
+            </a:r>
+          </a:p>
+        </p:txBody>
+      </p:sp>
+      <p:sp>
+        <p:nvSpPr>
+          <p:cNvPr id="245" name="Textfeld 244">
+            <a:extLst>
+              <a:ext uri="{FF2B5EF4-FFF2-40B4-BE49-F238E27FC236}">
+                <a16:creationId xmlns:a16="http://schemas.microsoft.com/office/drawing/2014/main" id="{2D237F96-9D3A-4D44-8A81-D0E83DA0D1DC}"/>
+              </a:ext>
+            </a:extLst>
+          </p:cNvPr>
+          <p:cNvSpPr txBox="1"/>
+          <p:nvPr/>
+        </p:nvSpPr>
+        <p:spPr>
+          <a:xfrm>
+            <a:off x="7125564" y="1963601"/>
+            <a:ext cx="1197764" cy="369332"/>
+          </a:xfrm>
+          <a:prstGeom prst="rect">
+            <a:avLst/>
+          </a:prstGeom>
+          <a:noFill/>
+        </p:spPr>
+        <p:txBody>
+          <a:bodyPr wrap="none" rtlCol="0">
+            <a:spAutoFit/>
+          </a:bodyPr>
+          <a:lstStyle/>
+          <a:p>
+            <a:r>
+              <a:rPr lang="en-GB" dirty="0"/>
+              <a:t>Receiving</a:t>
+            </a:r>
+          </a:p>
+        </p:txBody>
+      </p:sp>
+      <p:cxnSp>
+        <p:nvCxnSpPr>
+          <p:cNvPr id="247" name="Gerade Verbindung mit Pfeil 246">
+            <a:extLst>
+              <a:ext uri="{FF2B5EF4-FFF2-40B4-BE49-F238E27FC236}">
+                <a16:creationId xmlns:a16="http://schemas.microsoft.com/office/drawing/2014/main" id="{23BFFEA9-0A7B-4D20-BC33-437732217BFF}"/>
+              </a:ext>
+            </a:extLst>
+          </p:cNvPr>
+          <p:cNvCxnSpPr>
+            <a:stCxn id="244" idx="2"/>
+          </p:cNvCxnSpPr>
+          <p:nvPr/>
+        </p:nvCxnSpPr>
+        <p:spPr>
+          <a:xfrm>
+            <a:off x="5242966" y="2361806"/>
+            <a:ext cx="5309" cy="2472904"/>
+          </a:xfrm>
+          <a:prstGeom prst="straightConnector1">
+            <a:avLst/>
+          </a:prstGeom>
+          <a:ln>
+            <a:tailEnd type="triangle"/>
+          </a:ln>
+        </p:spPr>
+        <p:style>
+          <a:lnRef idx="1">
+            <a:schemeClr val="accent3"/>
+          </a:lnRef>
+          <a:fillRef idx="0">
+            <a:schemeClr val="accent3"/>
+          </a:fillRef>
+          <a:effectRef idx="0">
+            <a:schemeClr val="accent3"/>
+          </a:effectRef>
+          <a:fontRef idx="minor">
+            <a:schemeClr val="tx1"/>
+          </a:fontRef>
+        </p:style>
+      </p:cxnSp>
+      <p:cxnSp>
+        <p:nvCxnSpPr>
+          <p:cNvPr id="248" name="Gerade Verbindung mit Pfeil 247">
+            <a:extLst>
+              <a:ext uri="{FF2B5EF4-FFF2-40B4-BE49-F238E27FC236}">
+                <a16:creationId xmlns:a16="http://schemas.microsoft.com/office/drawing/2014/main" id="{860FF276-D703-4993-AC16-F619ADDB546A}"/>
+              </a:ext>
+            </a:extLst>
+          </p:cNvPr>
+          <p:cNvCxnSpPr>
+            <a:cxnSpLocks/>
+            <a:endCxn id="245" idx="2"/>
+          </p:cNvCxnSpPr>
+          <p:nvPr/>
+        </p:nvCxnSpPr>
+        <p:spPr>
+          <a:xfrm flipH="1" flipV="1">
+            <a:off x="7724446" y="2332933"/>
+            <a:ext cx="12974" cy="2494697"/>
+          </a:xfrm>
+          <a:prstGeom prst="straightConnector1">
+            <a:avLst/>
+          </a:prstGeom>
+          <a:ln>
+            <a:tailEnd type="triangle"/>
+          </a:ln>
+        </p:spPr>
+        <p:style>
+          <a:lnRef idx="1">
+            <a:schemeClr val="accent3"/>
+          </a:lnRef>
+          <a:fillRef idx="0">
+            <a:schemeClr val="accent3"/>
+          </a:fillRef>
+          <a:effectRef idx="0">
+            <a:schemeClr val="accent3"/>
+          </a:effectRef>
+          <a:fontRef idx="minor">
+            <a:schemeClr val="tx1"/>
+          </a:fontRef>
+        </p:style>
+      </p:cxnSp>
     </p:spTree>
     <p:extLst>
       <p:ext uri="{BB962C8B-B14F-4D97-AF65-F5344CB8AC3E}">
@@ -12097,7 +15829,1805 @@
         <p:cTn id="1" dur="indefinite" restart="never" nodeType="tmRoot">
           <p:childTnLst>
             <p:seq>
-              <p:cTn id="2" nodeType="mainSeq"/>
+              <p:cTn id="2" nodeType="mainSeq">
+                <p:childTnLst>
+                  <p:par>
+                    <p:cTn id="3" fill="hold">
+                      <p:stCondLst>
+                        <p:cond delay="indefinite"/>
+                        <p:cond evt="onBegin" delay="0">
+                          <p:tn val="2"/>
+                        </p:cond>
+                      </p:stCondLst>
+                      <p:childTnLst>
+                        <p:par>
+                          <p:cTn id="4" fill="hold">
+                            <p:stCondLst>
+                              <p:cond delay="0"/>
+                            </p:stCondLst>
+                            <p:childTnLst>
+                              <p:par>
+                                <p:cTn id="5" presetID="9" presetClass="emph" presetSubtype="0" grpId="0" nodeType="withEffect">
+                                  <p:stCondLst>
+                                    <p:cond delay="0"/>
+                                  </p:stCondLst>
+                                  <p:childTnLst>
+                                    <p:set>
+                                      <p:cBhvr>
+                                        <p:cTn id="6" dur="indefinite"/>
+                                        <p:tgtEl>
+                                          <p:spTgt spid="205"/>
+                                        </p:tgtEl>
+                                        <p:attrNameLst>
+                                          <p:attrName>style.opacity</p:attrName>
+                                        </p:attrNameLst>
+                                      </p:cBhvr>
+                                      <p:to>
+                                        <p:strVal val="0.25"/>
+                                      </p:to>
+                                    </p:set>
+                                    <p:animEffect filter="image" prLst="opacity: 0.25">
+                                      <p:cBhvr rctx="IE">
+                                        <p:cTn id="7" dur="indefinite"/>
+                                        <p:tgtEl>
+                                          <p:spTgt spid="205"/>
+                                        </p:tgtEl>
+                                      </p:cBhvr>
+                                    </p:animEffect>
+                                  </p:childTnLst>
+                                </p:cTn>
+                              </p:par>
+                              <p:par>
+                                <p:cTn id="8" presetID="9" presetClass="emph" presetSubtype="0" grpId="0" nodeType="withEffect">
+                                  <p:stCondLst>
+                                    <p:cond delay="0"/>
+                                  </p:stCondLst>
+                                  <p:childTnLst>
+                                    <p:set>
+                                      <p:cBhvr>
+                                        <p:cTn id="9" dur="indefinite"/>
+                                        <p:tgtEl>
+                                          <p:spTgt spid="206"/>
+                                        </p:tgtEl>
+                                        <p:attrNameLst>
+                                          <p:attrName>style.opacity</p:attrName>
+                                        </p:attrNameLst>
+                                      </p:cBhvr>
+                                      <p:to>
+                                        <p:strVal val="0.25"/>
+                                      </p:to>
+                                    </p:set>
+                                    <p:animEffect filter="image" prLst="opacity: 0.25">
+                                      <p:cBhvr rctx="IE">
+                                        <p:cTn id="10" dur="indefinite"/>
+                                        <p:tgtEl>
+                                          <p:spTgt spid="206"/>
+                                        </p:tgtEl>
+                                      </p:cBhvr>
+                                    </p:animEffect>
+                                  </p:childTnLst>
+                                </p:cTn>
+                              </p:par>
+                              <p:par>
+                                <p:cTn id="11" presetID="9" presetClass="emph" presetSubtype="0" grpId="0" nodeType="withEffect">
+                                  <p:stCondLst>
+                                    <p:cond delay="0"/>
+                                  </p:stCondLst>
+                                  <p:childTnLst>
+                                    <p:set>
+                                      <p:cBhvr>
+                                        <p:cTn id="12" dur="indefinite"/>
+                                        <p:tgtEl>
+                                          <p:spTgt spid="207"/>
+                                        </p:tgtEl>
+                                        <p:attrNameLst>
+                                          <p:attrName>style.opacity</p:attrName>
+                                        </p:attrNameLst>
+                                      </p:cBhvr>
+                                      <p:to>
+                                        <p:strVal val="0.25"/>
+                                      </p:to>
+                                    </p:set>
+                                    <p:animEffect filter="image" prLst="opacity: 0.25">
+                                      <p:cBhvr rctx="IE">
+                                        <p:cTn id="13" dur="indefinite"/>
+                                        <p:tgtEl>
+                                          <p:spTgt spid="207"/>
+                                        </p:tgtEl>
+                                      </p:cBhvr>
+                                    </p:animEffect>
+                                  </p:childTnLst>
+                                </p:cTn>
+                              </p:par>
+                              <p:par>
+                                <p:cTn id="14" presetID="9" presetClass="emph" presetSubtype="0" grpId="0" nodeType="withEffect">
+                                  <p:stCondLst>
+                                    <p:cond delay="0"/>
+                                  </p:stCondLst>
+                                  <p:childTnLst>
+                                    <p:set>
+                                      <p:cBhvr>
+                                        <p:cTn id="15" dur="indefinite"/>
+                                        <p:tgtEl>
+                                          <p:spTgt spid="208"/>
+                                        </p:tgtEl>
+                                        <p:attrNameLst>
+                                          <p:attrName>style.opacity</p:attrName>
+                                        </p:attrNameLst>
+                                      </p:cBhvr>
+                                      <p:to>
+                                        <p:strVal val="0.25"/>
+                                      </p:to>
+                                    </p:set>
+                                    <p:animEffect filter="image" prLst="opacity: 0.25">
+                                      <p:cBhvr rctx="IE">
+                                        <p:cTn id="16" dur="indefinite"/>
+                                        <p:tgtEl>
+                                          <p:spTgt spid="208"/>
+                                        </p:tgtEl>
+                                      </p:cBhvr>
+                                    </p:animEffect>
+                                  </p:childTnLst>
+                                </p:cTn>
+                              </p:par>
+                              <p:par>
+                                <p:cTn id="17" presetID="9" presetClass="emph" presetSubtype="0" grpId="0" nodeType="withEffect">
+                                  <p:stCondLst>
+                                    <p:cond delay="0"/>
+                                  </p:stCondLst>
+                                  <p:childTnLst>
+                                    <p:set>
+                                      <p:cBhvr>
+                                        <p:cTn id="18" dur="indefinite"/>
+                                        <p:tgtEl>
+                                          <p:spTgt spid="209"/>
+                                        </p:tgtEl>
+                                        <p:attrNameLst>
+                                          <p:attrName>style.opacity</p:attrName>
+                                        </p:attrNameLst>
+                                      </p:cBhvr>
+                                      <p:to>
+                                        <p:strVal val="0.25"/>
+                                      </p:to>
+                                    </p:set>
+                                    <p:animEffect filter="image" prLst="opacity: 0.25">
+                                      <p:cBhvr rctx="IE">
+                                        <p:cTn id="19" dur="indefinite"/>
+                                        <p:tgtEl>
+                                          <p:spTgt spid="209"/>
+                                        </p:tgtEl>
+                                      </p:cBhvr>
+                                    </p:animEffect>
+                                  </p:childTnLst>
+                                </p:cTn>
+                              </p:par>
+                              <p:par>
+                                <p:cTn id="20" presetID="9" presetClass="emph" presetSubtype="0" grpId="0" nodeType="withEffect">
+                                  <p:stCondLst>
+                                    <p:cond delay="0"/>
+                                  </p:stCondLst>
+                                  <p:childTnLst>
+                                    <p:set>
+                                      <p:cBhvr>
+                                        <p:cTn id="21" dur="indefinite"/>
+                                        <p:tgtEl>
+                                          <p:spTgt spid="210"/>
+                                        </p:tgtEl>
+                                        <p:attrNameLst>
+                                          <p:attrName>style.opacity</p:attrName>
+                                        </p:attrNameLst>
+                                      </p:cBhvr>
+                                      <p:to>
+                                        <p:strVal val="0.25"/>
+                                      </p:to>
+                                    </p:set>
+                                    <p:animEffect filter="image" prLst="opacity: 0.25">
+                                      <p:cBhvr rctx="IE">
+                                        <p:cTn id="22" dur="indefinite"/>
+                                        <p:tgtEl>
+                                          <p:spTgt spid="210"/>
+                                        </p:tgtEl>
+                                      </p:cBhvr>
+                                    </p:animEffect>
+                                  </p:childTnLst>
+                                </p:cTn>
+                              </p:par>
+                              <p:par>
+                                <p:cTn id="23" presetID="9" presetClass="emph" presetSubtype="0" grpId="0" nodeType="withEffect">
+                                  <p:stCondLst>
+                                    <p:cond delay="0"/>
+                                  </p:stCondLst>
+                                  <p:childTnLst>
+                                    <p:set>
+                                      <p:cBhvr>
+                                        <p:cTn id="24" dur="indefinite"/>
+                                        <p:tgtEl>
+                                          <p:spTgt spid="211"/>
+                                        </p:tgtEl>
+                                        <p:attrNameLst>
+                                          <p:attrName>style.opacity</p:attrName>
+                                        </p:attrNameLst>
+                                      </p:cBhvr>
+                                      <p:to>
+                                        <p:strVal val="0.25"/>
+                                      </p:to>
+                                    </p:set>
+                                    <p:animEffect filter="image" prLst="opacity: 0.25">
+                                      <p:cBhvr rctx="IE">
+                                        <p:cTn id="25" dur="indefinite"/>
+                                        <p:tgtEl>
+                                          <p:spTgt spid="211"/>
+                                        </p:tgtEl>
+                                      </p:cBhvr>
+                                    </p:animEffect>
+                                  </p:childTnLst>
+                                </p:cTn>
+                              </p:par>
+                              <p:par>
+                                <p:cTn id="26" presetID="9" presetClass="emph" presetSubtype="0" grpId="0" nodeType="withEffect">
+                                  <p:stCondLst>
+                                    <p:cond delay="0"/>
+                                  </p:stCondLst>
+                                  <p:childTnLst>
+                                    <p:set>
+                                      <p:cBhvr>
+                                        <p:cTn id="27" dur="indefinite"/>
+                                        <p:tgtEl>
+                                          <p:spTgt spid="212"/>
+                                        </p:tgtEl>
+                                        <p:attrNameLst>
+                                          <p:attrName>style.opacity</p:attrName>
+                                        </p:attrNameLst>
+                                      </p:cBhvr>
+                                      <p:to>
+                                        <p:strVal val="0.25"/>
+                                      </p:to>
+                                    </p:set>
+                                    <p:animEffect filter="image" prLst="opacity: 0.25">
+                                      <p:cBhvr rctx="IE">
+                                        <p:cTn id="28" dur="indefinite"/>
+                                        <p:tgtEl>
+                                          <p:spTgt spid="212"/>
+                                        </p:tgtEl>
+                                      </p:cBhvr>
+                                    </p:animEffect>
+                                  </p:childTnLst>
+                                </p:cTn>
+                              </p:par>
+                              <p:par>
+                                <p:cTn id="29" presetID="9" presetClass="emph" presetSubtype="0" grpId="0" nodeType="withEffect">
+                                  <p:stCondLst>
+                                    <p:cond delay="0"/>
+                                  </p:stCondLst>
+                                  <p:childTnLst>
+                                    <p:set>
+                                      <p:cBhvr>
+                                        <p:cTn id="30" dur="indefinite"/>
+                                        <p:tgtEl>
+                                          <p:spTgt spid="213"/>
+                                        </p:tgtEl>
+                                        <p:attrNameLst>
+                                          <p:attrName>style.opacity</p:attrName>
+                                        </p:attrNameLst>
+                                      </p:cBhvr>
+                                      <p:to>
+                                        <p:strVal val="0.25"/>
+                                      </p:to>
+                                    </p:set>
+                                    <p:animEffect filter="image" prLst="opacity: 0.25">
+                                      <p:cBhvr rctx="IE">
+                                        <p:cTn id="31" dur="indefinite"/>
+                                        <p:tgtEl>
+                                          <p:spTgt spid="213"/>
+                                        </p:tgtEl>
+                                      </p:cBhvr>
+                                    </p:animEffect>
+                                  </p:childTnLst>
+                                </p:cTn>
+                              </p:par>
+                              <p:par>
+                                <p:cTn id="32" presetID="9" presetClass="emph" presetSubtype="0" grpId="0" nodeType="withEffect">
+                                  <p:stCondLst>
+                                    <p:cond delay="0"/>
+                                  </p:stCondLst>
+                                  <p:childTnLst>
+                                    <p:set>
+                                      <p:cBhvr>
+                                        <p:cTn id="33" dur="indefinite"/>
+                                        <p:tgtEl>
+                                          <p:spTgt spid="214"/>
+                                        </p:tgtEl>
+                                        <p:attrNameLst>
+                                          <p:attrName>style.opacity</p:attrName>
+                                        </p:attrNameLst>
+                                      </p:cBhvr>
+                                      <p:to>
+                                        <p:strVal val="0.25"/>
+                                      </p:to>
+                                    </p:set>
+                                    <p:animEffect filter="image" prLst="opacity: 0.25">
+                                      <p:cBhvr rctx="IE">
+                                        <p:cTn id="34" dur="indefinite"/>
+                                        <p:tgtEl>
+                                          <p:spTgt spid="214"/>
+                                        </p:tgtEl>
+                                      </p:cBhvr>
+                                    </p:animEffect>
+                                  </p:childTnLst>
+                                </p:cTn>
+                              </p:par>
+                              <p:par>
+                                <p:cTn id="35" presetID="9" presetClass="emph" presetSubtype="0" grpId="0" nodeType="withEffect">
+                                  <p:stCondLst>
+                                    <p:cond delay="0"/>
+                                  </p:stCondLst>
+                                  <p:childTnLst>
+                                    <p:set>
+                                      <p:cBhvr>
+                                        <p:cTn id="36" dur="indefinite"/>
+                                        <p:tgtEl>
+                                          <p:spTgt spid="215"/>
+                                        </p:tgtEl>
+                                        <p:attrNameLst>
+                                          <p:attrName>style.opacity</p:attrName>
+                                        </p:attrNameLst>
+                                      </p:cBhvr>
+                                      <p:to>
+                                        <p:strVal val="0.25"/>
+                                      </p:to>
+                                    </p:set>
+                                    <p:animEffect filter="image" prLst="opacity: 0.25">
+                                      <p:cBhvr rctx="IE">
+                                        <p:cTn id="37" dur="indefinite"/>
+                                        <p:tgtEl>
+                                          <p:spTgt spid="215"/>
+                                        </p:tgtEl>
+                                      </p:cBhvr>
+                                    </p:animEffect>
+                                  </p:childTnLst>
+                                </p:cTn>
+                              </p:par>
+                              <p:par>
+                                <p:cTn id="38" presetID="9" presetClass="emph" presetSubtype="0" grpId="0" nodeType="withEffect">
+                                  <p:stCondLst>
+                                    <p:cond delay="0"/>
+                                  </p:stCondLst>
+                                  <p:childTnLst>
+                                    <p:set>
+                                      <p:cBhvr>
+                                        <p:cTn id="39" dur="indefinite"/>
+                                        <p:tgtEl>
+                                          <p:spTgt spid="216"/>
+                                        </p:tgtEl>
+                                        <p:attrNameLst>
+                                          <p:attrName>style.opacity</p:attrName>
+                                        </p:attrNameLst>
+                                      </p:cBhvr>
+                                      <p:to>
+                                        <p:strVal val="0.25"/>
+                                      </p:to>
+                                    </p:set>
+                                    <p:animEffect filter="image" prLst="opacity: 0.25">
+                                      <p:cBhvr rctx="IE">
+                                        <p:cTn id="40" dur="indefinite"/>
+                                        <p:tgtEl>
+                                          <p:spTgt spid="216"/>
+                                        </p:tgtEl>
+                                      </p:cBhvr>
+                                    </p:animEffect>
+                                  </p:childTnLst>
+                                </p:cTn>
+                              </p:par>
+                              <p:par>
+                                <p:cTn id="41" presetID="9" presetClass="emph" presetSubtype="0" grpId="0" nodeType="withEffect">
+                                  <p:stCondLst>
+                                    <p:cond delay="0"/>
+                                  </p:stCondLst>
+                                  <p:childTnLst>
+                                    <p:set>
+                                      <p:cBhvr>
+                                        <p:cTn id="42" dur="indefinite"/>
+                                        <p:tgtEl>
+                                          <p:spTgt spid="217"/>
+                                        </p:tgtEl>
+                                        <p:attrNameLst>
+                                          <p:attrName>style.opacity</p:attrName>
+                                        </p:attrNameLst>
+                                      </p:cBhvr>
+                                      <p:to>
+                                        <p:strVal val="0.25"/>
+                                      </p:to>
+                                    </p:set>
+                                    <p:animEffect filter="image" prLst="opacity: 0.25">
+                                      <p:cBhvr rctx="IE">
+                                        <p:cTn id="43" dur="indefinite"/>
+                                        <p:tgtEl>
+                                          <p:spTgt spid="217"/>
+                                        </p:tgtEl>
+                                      </p:cBhvr>
+                                    </p:animEffect>
+                                  </p:childTnLst>
+                                </p:cTn>
+                              </p:par>
+                              <p:par>
+                                <p:cTn id="44" presetID="9" presetClass="emph" presetSubtype="0" grpId="0" nodeType="withEffect">
+                                  <p:stCondLst>
+                                    <p:cond delay="0"/>
+                                  </p:stCondLst>
+                                  <p:childTnLst>
+                                    <p:set>
+                                      <p:cBhvr>
+                                        <p:cTn id="45" dur="indefinite"/>
+                                        <p:tgtEl>
+                                          <p:spTgt spid="218"/>
+                                        </p:tgtEl>
+                                        <p:attrNameLst>
+                                          <p:attrName>style.opacity</p:attrName>
+                                        </p:attrNameLst>
+                                      </p:cBhvr>
+                                      <p:to>
+                                        <p:strVal val="0.25"/>
+                                      </p:to>
+                                    </p:set>
+                                    <p:animEffect filter="image" prLst="opacity: 0.25">
+                                      <p:cBhvr rctx="IE">
+                                        <p:cTn id="46" dur="indefinite"/>
+                                        <p:tgtEl>
+                                          <p:spTgt spid="218"/>
+                                        </p:tgtEl>
+                                      </p:cBhvr>
+                                    </p:animEffect>
+                                  </p:childTnLst>
+                                </p:cTn>
+                              </p:par>
+                              <p:par>
+                                <p:cTn id="47" presetID="9" presetClass="emph" presetSubtype="0" grpId="0" nodeType="withEffect">
+                                  <p:stCondLst>
+                                    <p:cond delay="0"/>
+                                  </p:stCondLst>
+                                  <p:childTnLst>
+                                    <p:set>
+                                      <p:cBhvr>
+                                        <p:cTn id="48" dur="indefinite"/>
+                                        <p:tgtEl>
+                                          <p:spTgt spid="224"/>
+                                        </p:tgtEl>
+                                        <p:attrNameLst>
+                                          <p:attrName>style.opacity</p:attrName>
+                                        </p:attrNameLst>
+                                      </p:cBhvr>
+                                      <p:to>
+                                        <p:strVal val="0.25"/>
+                                      </p:to>
+                                    </p:set>
+                                    <p:animEffect filter="image" prLst="opacity: 0.25">
+                                      <p:cBhvr rctx="IE">
+                                        <p:cTn id="49" dur="indefinite"/>
+                                        <p:tgtEl>
+                                          <p:spTgt spid="224"/>
+                                        </p:tgtEl>
+                                      </p:cBhvr>
+                                    </p:animEffect>
+                                  </p:childTnLst>
+                                </p:cTn>
+                              </p:par>
+                              <p:par>
+                                <p:cTn id="50" presetID="9" presetClass="emph" presetSubtype="0" grpId="0" nodeType="withEffect">
+                                  <p:stCondLst>
+                                    <p:cond delay="0"/>
+                                  </p:stCondLst>
+                                  <p:childTnLst>
+                                    <p:set>
+                                      <p:cBhvr>
+                                        <p:cTn id="51" dur="indefinite"/>
+                                        <p:tgtEl>
+                                          <p:spTgt spid="225"/>
+                                        </p:tgtEl>
+                                        <p:attrNameLst>
+                                          <p:attrName>style.opacity</p:attrName>
+                                        </p:attrNameLst>
+                                      </p:cBhvr>
+                                      <p:to>
+                                        <p:strVal val="0.25"/>
+                                      </p:to>
+                                    </p:set>
+                                    <p:animEffect filter="image" prLst="opacity: 0.25">
+                                      <p:cBhvr rctx="IE">
+                                        <p:cTn id="52" dur="indefinite"/>
+                                        <p:tgtEl>
+                                          <p:spTgt spid="225"/>
+                                        </p:tgtEl>
+                                      </p:cBhvr>
+                                    </p:animEffect>
+                                  </p:childTnLst>
+                                </p:cTn>
+                              </p:par>
+                              <p:par>
+                                <p:cTn id="53" presetID="9" presetClass="emph" presetSubtype="0" grpId="0" nodeType="withEffect">
+                                  <p:stCondLst>
+                                    <p:cond delay="0"/>
+                                  </p:stCondLst>
+                                  <p:childTnLst>
+                                    <p:set>
+                                      <p:cBhvr>
+                                        <p:cTn id="54" dur="indefinite"/>
+                                        <p:tgtEl>
+                                          <p:spTgt spid="226"/>
+                                        </p:tgtEl>
+                                        <p:attrNameLst>
+                                          <p:attrName>style.opacity</p:attrName>
+                                        </p:attrNameLst>
+                                      </p:cBhvr>
+                                      <p:to>
+                                        <p:strVal val="0.25"/>
+                                      </p:to>
+                                    </p:set>
+                                    <p:animEffect filter="image" prLst="opacity: 0.25">
+                                      <p:cBhvr rctx="IE">
+                                        <p:cTn id="55" dur="indefinite"/>
+                                        <p:tgtEl>
+                                          <p:spTgt spid="226"/>
+                                        </p:tgtEl>
+                                      </p:cBhvr>
+                                    </p:animEffect>
+                                  </p:childTnLst>
+                                </p:cTn>
+                              </p:par>
+                              <p:par>
+                                <p:cTn id="56" presetID="9" presetClass="emph" presetSubtype="0" grpId="0" nodeType="withEffect">
+                                  <p:stCondLst>
+                                    <p:cond delay="0"/>
+                                  </p:stCondLst>
+                                  <p:childTnLst>
+                                    <p:set>
+                                      <p:cBhvr>
+                                        <p:cTn id="57" dur="indefinite"/>
+                                        <p:tgtEl>
+                                          <p:spTgt spid="227"/>
+                                        </p:tgtEl>
+                                        <p:attrNameLst>
+                                          <p:attrName>style.opacity</p:attrName>
+                                        </p:attrNameLst>
+                                      </p:cBhvr>
+                                      <p:to>
+                                        <p:strVal val="0.25"/>
+                                      </p:to>
+                                    </p:set>
+                                    <p:animEffect filter="image" prLst="opacity: 0.25">
+                                      <p:cBhvr rctx="IE">
+                                        <p:cTn id="58" dur="indefinite"/>
+                                        <p:tgtEl>
+                                          <p:spTgt spid="227"/>
+                                        </p:tgtEl>
+                                      </p:cBhvr>
+                                    </p:animEffect>
+                                  </p:childTnLst>
+                                </p:cTn>
+                              </p:par>
+                              <p:par>
+                                <p:cTn id="59" presetID="9" presetClass="emph" presetSubtype="0" nodeType="withEffect">
+                                  <p:stCondLst>
+                                    <p:cond delay="0"/>
+                                  </p:stCondLst>
+                                  <p:childTnLst>
+                                    <p:set>
+                                      <p:cBhvr>
+                                        <p:cTn id="60" dur="indefinite"/>
+                                        <p:tgtEl>
+                                          <p:spTgt spid="234"/>
+                                        </p:tgtEl>
+                                        <p:attrNameLst>
+                                          <p:attrName>style.opacity</p:attrName>
+                                        </p:attrNameLst>
+                                      </p:cBhvr>
+                                      <p:to>
+                                        <p:strVal val="0.25"/>
+                                      </p:to>
+                                    </p:set>
+                                    <p:animEffect filter="image" prLst="opacity: 0.25">
+                                      <p:cBhvr rctx="IE">
+                                        <p:cTn id="61" dur="indefinite"/>
+                                        <p:tgtEl>
+                                          <p:spTgt spid="234"/>
+                                        </p:tgtEl>
+                                      </p:cBhvr>
+                                    </p:animEffect>
+                                  </p:childTnLst>
+                                </p:cTn>
+                              </p:par>
+                              <p:par>
+                                <p:cTn id="62" presetID="9" presetClass="emph" presetSubtype="0" nodeType="withEffect">
+                                  <p:stCondLst>
+                                    <p:cond delay="0"/>
+                                  </p:stCondLst>
+                                  <p:childTnLst>
+                                    <p:set>
+                                      <p:cBhvr>
+                                        <p:cTn id="63" dur="indefinite"/>
+                                        <p:tgtEl>
+                                          <p:spTgt spid="235"/>
+                                        </p:tgtEl>
+                                        <p:attrNameLst>
+                                          <p:attrName>style.opacity</p:attrName>
+                                        </p:attrNameLst>
+                                      </p:cBhvr>
+                                      <p:to>
+                                        <p:strVal val="0.25"/>
+                                      </p:to>
+                                    </p:set>
+                                    <p:animEffect filter="image" prLst="opacity: 0.25">
+                                      <p:cBhvr rctx="IE">
+                                        <p:cTn id="64" dur="indefinite"/>
+                                        <p:tgtEl>
+                                          <p:spTgt spid="235"/>
+                                        </p:tgtEl>
+                                      </p:cBhvr>
+                                    </p:animEffect>
+                                  </p:childTnLst>
+                                </p:cTn>
+                              </p:par>
+                              <p:par>
+                                <p:cTn id="65" presetID="9" presetClass="emph" presetSubtype="0" nodeType="withEffect">
+                                  <p:stCondLst>
+                                    <p:cond delay="0"/>
+                                  </p:stCondLst>
+                                  <p:childTnLst>
+                                    <p:set>
+                                      <p:cBhvr>
+                                        <p:cTn id="66" dur="indefinite"/>
+                                        <p:tgtEl>
+                                          <p:spTgt spid="236"/>
+                                        </p:tgtEl>
+                                        <p:attrNameLst>
+                                          <p:attrName>style.opacity</p:attrName>
+                                        </p:attrNameLst>
+                                      </p:cBhvr>
+                                      <p:to>
+                                        <p:strVal val="0.25"/>
+                                      </p:to>
+                                    </p:set>
+                                    <p:animEffect filter="image" prLst="opacity: 0.25">
+                                      <p:cBhvr rctx="IE">
+                                        <p:cTn id="67" dur="indefinite"/>
+                                        <p:tgtEl>
+                                          <p:spTgt spid="236"/>
+                                        </p:tgtEl>
+                                      </p:cBhvr>
+                                    </p:animEffect>
+                                  </p:childTnLst>
+                                </p:cTn>
+                              </p:par>
+                            </p:childTnLst>
+                          </p:cTn>
+                        </p:par>
+                      </p:childTnLst>
+                    </p:cTn>
+                  </p:par>
+                  <p:par>
+                    <p:cTn id="68" fill="hold">
+                      <p:stCondLst>
+                        <p:cond delay="indefinite"/>
+                      </p:stCondLst>
+                      <p:childTnLst>
+                        <p:par>
+                          <p:cTn id="69" fill="hold">
+                            <p:stCondLst>
+                              <p:cond delay="0"/>
+                            </p:stCondLst>
+                            <p:childTnLst>
+                              <p:par>
+                                <p:cTn id="70" presetID="10" presetClass="entr" presetSubtype="0" fill="hold" grpId="0" nodeType="clickEffect">
+                                  <p:stCondLst>
+                                    <p:cond delay="0"/>
+                                  </p:stCondLst>
+                                  <p:childTnLst>
+                                    <p:set>
+                                      <p:cBhvr>
+                                        <p:cTn id="71" dur="1" fill="hold">
+                                          <p:stCondLst>
+                                            <p:cond delay="0"/>
+                                          </p:stCondLst>
+                                        </p:cTn>
+                                        <p:tgtEl>
+                                          <p:spTgt spid="241"/>
+                                        </p:tgtEl>
+                                        <p:attrNameLst>
+                                          <p:attrName>style.visibility</p:attrName>
+                                        </p:attrNameLst>
+                                      </p:cBhvr>
+                                      <p:to>
+                                        <p:strVal val="visible"/>
+                                      </p:to>
+                                    </p:set>
+                                    <p:animEffect transition="in" filter="fade">
+                                      <p:cBhvr>
+                                        <p:cTn id="72" dur="100"/>
+                                        <p:tgtEl>
+                                          <p:spTgt spid="241"/>
+                                        </p:tgtEl>
+                                      </p:cBhvr>
+                                    </p:animEffect>
+                                  </p:childTnLst>
+                                </p:cTn>
+                              </p:par>
+                              <p:par>
+                                <p:cTn id="73" presetID="9" presetClass="emph" presetSubtype="0" grpId="1" nodeType="withEffect">
+                                  <p:stCondLst>
+                                    <p:cond delay="0"/>
+                                  </p:stCondLst>
+                                  <p:childTnLst>
+                                    <p:set>
+                                      <p:cBhvr>
+                                        <p:cTn id="74" dur="indefinite"/>
+                                        <p:tgtEl>
+                                          <p:spTgt spid="207"/>
+                                        </p:tgtEl>
+                                        <p:attrNameLst>
+                                          <p:attrName>style.opacity</p:attrName>
+                                        </p:attrNameLst>
+                                      </p:cBhvr>
+                                      <p:to>
+                                        <p:strVal val="1"/>
+                                      </p:to>
+                                    </p:set>
+                                    <p:animEffect filter="image" prLst="opacity: 1">
+                                      <p:cBhvr rctx="IE">
+                                        <p:cTn id="75" dur="indefinite"/>
+                                        <p:tgtEl>
+                                          <p:spTgt spid="207"/>
+                                        </p:tgtEl>
+                                      </p:cBhvr>
+                                    </p:animEffect>
+                                  </p:childTnLst>
+                                </p:cTn>
+                              </p:par>
+                              <p:par>
+                                <p:cTn id="76" presetID="9" presetClass="emph" presetSubtype="0" grpId="1" nodeType="withEffect">
+                                  <p:stCondLst>
+                                    <p:cond delay="0"/>
+                                  </p:stCondLst>
+                                  <p:childTnLst>
+                                    <p:set>
+                                      <p:cBhvr>
+                                        <p:cTn id="77" dur="indefinite"/>
+                                        <p:tgtEl>
+                                          <p:spTgt spid="210"/>
+                                        </p:tgtEl>
+                                        <p:attrNameLst>
+                                          <p:attrName>style.opacity</p:attrName>
+                                        </p:attrNameLst>
+                                      </p:cBhvr>
+                                      <p:to>
+                                        <p:strVal val="1"/>
+                                      </p:to>
+                                    </p:set>
+                                    <p:animEffect filter="image" prLst="opacity: 1">
+                                      <p:cBhvr rctx="IE">
+                                        <p:cTn id="78" dur="indefinite"/>
+                                        <p:tgtEl>
+                                          <p:spTgt spid="210"/>
+                                        </p:tgtEl>
+                                      </p:cBhvr>
+                                    </p:animEffect>
+                                  </p:childTnLst>
+                                </p:cTn>
+                              </p:par>
+                              <p:par>
+                                <p:cTn id="79" presetID="9" presetClass="emph" presetSubtype="0" grpId="1" nodeType="withEffect">
+                                  <p:stCondLst>
+                                    <p:cond delay="0"/>
+                                  </p:stCondLst>
+                                  <p:childTnLst>
+                                    <p:set>
+                                      <p:cBhvr>
+                                        <p:cTn id="80" dur="indefinite"/>
+                                        <p:tgtEl>
+                                          <p:spTgt spid="213"/>
+                                        </p:tgtEl>
+                                        <p:attrNameLst>
+                                          <p:attrName>style.opacity</p:attrName>
+                                        </p:attrNameLst>
+                                      </p:cBhvr>
+                                      <p:to>
+                                        <p:strVal val="1"/>
+                                      </p:to>
+                                    </p:set>
+                                    <p:animEffect filter="image" prLst="opacity: 1">
+                                      <p:cBhvr rctx="IE">
+                                        <p:cTn id="81" dur="indefinite"/>
+                                        <p:tgtEl>
+                                          <p:spTgt spid="213"/>
+                                        </p:tgtEl>
+                                      </p:cBhvr>
+                                    </p:animEffect>
+                                  </p:childTnLst>
+                                </p:cTn>
+                              </p:par>
+                              <p:par>
+                                <p:cTn id="82" presetID="9" presetClass="emph" presetSubtype="0" grpId="1" nodeType="withEffect">
+                                  <p:stCondLst>
+                                    <p:cond delay="0"/>
+                                  </p:stCondLst>
+                                  <p:childTnLst>
+                                    <p:set>
+                                      <p:cBhvr>
+                                        <p:cTn id="83" dur="indefinite"/>
+                                        <p:tgtEl>
+                                          <p:spTgt spid="215"/>
+                                        </p:tgtEl>
+                                        <p:attrNameLst>
+                                          <p:attrName>style.opacity</p:attrName>
+                                        </p:attrNameLst>
+                                      </p:cBhvr>
+                                      <p:to>
+                                        <p:strVal val="1"/>
+                                      </p:to>
+                                    </p:set>
+                                    <p:animEffect filter="image" prLst="opacity: 1">
+                                      <p:cBhvr rctx="IE">
+                                        <p:cTn id="84" dur="indefinite"/>
+                                        <p:tgtEl>
+                                          <p:spTgt spid="215"/>
+                                        </p:tgtEl>
+                                      </p:cBhvr>
+                                    </p:animEffect>
+                                  </p:childTnLst>
+                                </p:cTn>
+                              </p:par>
+                              <p:par>
+                                <p:cTn id="85" presetID="9" presetClass="emph" presetSubtype="0" grpId="1" nodeType="withEffect">
+                                  <p:stCondLst>
+                                    <p:cond delay="0"/>
+                                  </p:stCondLst>
+                                  <p:childTnLst>
+                                    <p:set>
+                                      <p:cBhvr>
+                                        <p:cTn id="86" dur="indefinite"/>
+                                        <p:tgtEl>
+                                          <p:spTgt spid="216"/>
+                                        </p:tgtEl>
+                                        <p:attrNameLst>
+                                          <p:attrName>style.opacity</p:attrName>
+                                        </p:attrNameLst>
+                                      </p:cBhvr>
+                                      <p:to>
+                                        <p:strVal val="1"/>
+                                      </p:to>
+                                    </p:set>
+                                    <p:animEffect filter="image" prLst="opacity: 1">
+                                      <p:cBhvr rctx="IE">
+                                        <p:cTn id="87" dur="indefinite"/>
+                                        <p:tgtEl>
+                                          <p:spTgt spid="216"/>
+                                        </p:tgtEl>
+                                      </p:cBhvr>
+                                    </p:animEffect>
+                                  </p:childTnLst>
+                                </p:cTn>
+                              </p:par>
+                              <p:par>
+                                <p:cTn id="88" presetID="9" presetClass="emph" presetSubtype="0" grpId="1" nodeType="withEffect">
+                                  <p:stCondLst>
+                                    <p:cond delay="0"/>
+                                  </p:stCondLst>
+                                  <p:childTnLst>
+                                    <p:set>
+                                      <p:cBhvr>
+                                        <p:cTn id="89" dur="indefinite"/>
+                                        <p:tgtEl>
+                                          <p:spTgt spid="224"/>
+                                        </p:tgtEl>
+                                        <p:attrNameLst>
+                                          <p:attrName>style.opacity</p:attrName>
+                                        </p:attrNameLst>
+                                      </p:cBhvr>
+                                      <p:to>
+                                        <p:strVal val="1"/>
+                                      </p:to>
+                                    </p:set>
+                                    <p:animEffect filter="image" prLst="opacity: 1">
+                                      <p:cBhvr rctx="IE">
+                                        <p:cTn id="90" dur="indefinite"/>
+                                        <p:tgtEl>
+                                          <p:spTgt spid="224"/>
+                                        </p:tgtEl>
+                                      </p:cBhvr>
+                                    </p:animEffect>
+                                  </p:childTnLst>
+                                </p:cTn>
+                              </p:par>
+                              <p:par>
+                                <p:cTn id="91" presetID="9" presetClass="emph" presetSubtype="0" nodeType="withEffect">
+                                  <p:stCondLst>
+                                    <p:cond delay="0"/>
+                                  </p:stCondLst>
+                                  <p:childTnLst>
+                                    <p:set>
+                                      <p:cBhvr>
+                                        <p:cTn id="92" dur="indefinite"/>
+                                        <p:tgtEl>
+                                          <p:spTgt spid="234"/>
+                                        </p:tgtEl>
+                                        <p:attrNameLst>
+                                          <p:attrName>style.opacity</p:attrName>
+                                        </p:attrNameLst>
+                                      </p:cBhvr>
+                                      <p:to>
+                                        <p:strVal val="1"/>
+                                      </p:to>
+                                    </p:set>
+                                    <p:animEffect filter="image" prLst="opacity: 1">
+                                      <p:cBhvr rctx="IE">
+                                        <p:cTn id="93" dur="indefinite"/>
+                                        <p:tgtEl>
+                                          <p:spTgt spid="234"/>
+                                        </p:tgtEl>
+                                      </p:cBhvr>
+                                    </p:animEffect>
+                                  </p:childTnLst>
+                                </p:cTn>
+                              </p:par>
+                              <p:par>
+                                <p:cTn id="94" presetID="10" presetClass="entr" presetSubtype="0" fill="hold" grpId="0" nodeType="withEffect">
+                                  <p:stCondLst>
+                                    <p:cond delay="0"/>
+                                  </p:stCondLst>
+                                  <p:childTnLst>
+                                    <p:set>
+                                      <p:cBhvr>
+                                        <p:cTn id="95" dur="1" fill="hold">
+                                          <p:stCondLst>
+                                            <p:cond delay="0"/>
+                                          </p:stCondLst>
+                                        </p:cTn>
+                                        <p:tgtEl>
+                                          <p:spTgt spid="237"/>
+                                        </p:tgtEl>
+                                        <p:attrNameLst>
+                                          <p:attrName>style.visibility</p:attrName>
+                                        </p:attrNameLst>
+                                      </p:cBhvr>
+                                      <p:to>
+                                        <p:strVal val="visible"/>
+                                      </p:to>
+                                    </p:set>
+                                    <p:animEffect transition="in" filter="fade">
+                                      <p:cBhvr>
+                                        <p:cTn id="96" dur="100"/>
+                                        <p:tgtEl>
+                                          <p:spTgt spid="237"/>
+                                        </p:tgtEl>
+                                      </p:cBhvr>
+                                    </p:animEffect>
+                                  </p:childTnLst>
+                                </p:cTn>
+                              </p:par>
+                            </p:childTnLst>
+                          </p:cTn>
+                        </p:par>
+                      </p:childTnLst>
+                    </p:cTn>
+                  </p:par>
+                  <p:par>
+                    <p:cTn id="97" fill="hold">
+                      <p:stCondLst>
+                        <p:cond delay="indefinite"/>
+                      </p:stCondLst>
+                      <p:childTnLst>
+                        <p:par>
+                          <p:cTn id="98" fill="hold">
+                            <p:stCondLst>
+                              <p:cond delay="0"/>
+                            </p:stCondLst>
+                            <p:childTnLst>
+                              <p:par>
+                                <p:cTn id="99" presetID="26" presetClass="emph" presetSubtype="0" fill="hold" grpId="2" nodeType="clickEffect">
+                                  <p:stCondLst>
+                                    <p:cond delay="0"/>
+                                  </p:stCondLst>
+                                  <p:childTnLst>
+                                    <p:animEffect transition="out" filter="fade">
+                                      <p:cBhvr>
+                                        <p:cTn id="100" dur="500" tmFilter="0, 0; .2, .5; .8, .5; 1, 0"/>
+                                        <p:tgtEl>
+                                          <p:spTgt spid="224"/>
+                                        </p:tgtEl>
+                                      </p:cBhvr>
+                                    </p:animEffect>
+                                    <p:animScale>
+                                      <p:cBhvr>
+                                        <p:cTn id="101" dur="250" autoRev="1" fill="hold"/>
+                                        <p:tgtEl>
+                                          <p:spTgt spid="224"/>
+                                        </p:tgtEl>
+                                      </p:cBhvr>
+                                      <p:by x="105000" y="105000"/>
+                                    </p:animScale>
+                                  </p:childTnLst>
+                                </p:cTn>
+                              </p:par>
+                            </p:childTnLst>
+                          </p:cTn>
+                        </p:par>
+                      </p:childTnLst>
+                    </p:cTn>
+                  </p:par>
+                  <p:par>
+                    <p:cTn id="102" fill="hold">
+                      <p:stCondLst>
+                        <p:cond delay="indefinite"/>
+                      </p:stCondLst>
+                      <p:childTnLst>
+                        <p:par>
+                          <p:cTn id="103" fill="hold">
+                            <p:stCondLst>
+                              <p:cond delay="0"/>
+                            </p:stCondLst>
+                            <p:childTnLst>
+                              <p:par>
+                                <p:cTn id="104" presetID="9" presetClass="emph" presetSubtype="0" grpId="1" nodeType="clickEffect">
+                                  <p:stCondLst>
+                                    <p:cond delay="0"/>
+                                  </p:stCondLst>
+                                  <p:childTnLst>
+                                    <p:set>
+                                      <p:cBhvr>
+                                        <p:cTn id="105" dur="indefinite"/>
+                                        <p:tgtEl>
+                                          <p:spTgt spid="206"/>
+                                        </p:tgtEl>
+                                        <p:attrNameLst>
+                                          <p:attrName>style.opacity</p:attrName>
+                                        </p:attrNameLst>
+                                      </p:cBhvr>
+                                      <p:to>
+                                        <p:strVal val="1"/>
+                                      </p:to>
+                                    </p:set>
+                                    <p:animEffect filter="image" prLst="opacity: 1">
+                                      <p:cBhvr rctx="IE">
+                                        <p:cTn id="106" dur="indefinite"/>
+                                        <p:tgtEl>
+                                          <p:spTgt spid="206"/>
+                                        </p:tgtEl>
+                                      </p:cBhvr>
+                                    </p:animEffect>
+                                  </p:childTnLst>
+                                </p:cTn>
+                              </p:par>
+                              <p:par>
+                                <p:cTn id="107" presetID="9" presetClass="emph" presetSubtype="0" grpId="1" nodeType="withEffect">
+                                  <p:stCondLst>
+                                    <p:cond delay="0"/>
+                                  </p:stCondLst>
+                                  <p:childTnLst>
+                                    <p:set>
+                                      <p:cBhvr>
+                                        <p:cTn id="108" dur="indefinite"/>
+                                        <p:tgtEl>
+                                          <p:spTgt spid="208"/>
+                                        </p:tgtEl>
+                                        <p:attrNameLst>
+                                          <p:attrName>style.opacity</p:attrName>
+                                        </p:attrNameLst>
+                                      </p:cBhvr>
+                                      <p:to>
+                                        <p:strVal val="1"/>
+                                      </p:to>
+                                    </p:set>
+                                    <p:animEffect filter="image" prLst="opacity: 1">
+                                      <p:cBhvr rctx="IE">
+                                        <p:cTn id="109" dur="indefinite"/>
+                                        <p:tgtEl>
+                                          <p:spTgt spid="208"/>
+                                        </p:tgtEl>
+                                      </p:cBhvr>
+                                    </p:animEffect>
+                                  </p:childTnLst>
+                                </p:cTn>
+                              </p:par>
+                              <p:par>
+                                <p:cTn id="110" presetID="9" presetClass="emph" presetSubtype="0" grpId="1" nodeType="withEffect">
+                                  <p:stCondLst>
+                                    <p:cond delay="0"/>
+                                  </p:stCondLst>
+                                  <p:childTnLst>
+                                    <p:set>
+                                      <p:cBhvr>
+                                        <p:cTn id="111" dur="indefinite"/>
+                                        <p:tgtEl>
+                                          <p:spTgt spid="211"/>
+                                        </p:tgtEl>
+                                        <p:attrNameLst>
+                                          <p:attrName>style.opacity</p:attrName>
+                                        </p:attrNameLst>
+                                      </p:cBhvr>
+                                      <p:to>
+                                        <p:strVal val="1"/>
+                                      </p:to>
+                                    </p:set>
+                                    <p:animEffect filter="image" prLst="opacity: 1">
+                                      <p:cBhvr rctx="IE">
+                                        <p:cTn id="112" dur="indefinite"/>
+                                        <p:tgtEl>
+                                          <p:spTgt spid="211"/>
+                                        </p:tgtEl>
+                                      </p:cBhvr>
+                                    </p:animEffect>
+                                  </p:childTnLst>
+                                </p:cTn>
+                              </p:par>
+                              <p:par>
+                                <p:cTn id="113" presetID="9" presetClass="emph" presetSubtype="0" grpId="1" nodeType="withEffect">
+                                  <p:stCondLst>
+                                    <p:cond delay="0"/>
+                                  </p:stCondLst>
+                                  <p:childTnLst>
+                                    <p:set>
+                                      <p:cBhvr>
+                                        <p:cTn id="114" dur="indefinite"/>
+                                        <p:tgtEl>
+                                          <p:spTgt spid="214"/>
+                                        </p:tgtEl>
+                                        <p:attrNameLst>
+                                          <p:attrName>style.opacity</p:attrName>
+                                        </p:attrNameLst>
+                                      </p:cBhvr>
+                                      <p:to>
+                                        <p:strVal val="1"/>
+                                      </p:to>
+                                    </p:set>
+                                    <p:animEffect filter="image" prLst="opacity: 1">
+                                      <p:cBhvr rctx="IE">
+                                        <p:cTn id="115" dur="indefinite"/>
+                                        <p:tgtEl>
+                                          <p:spTgt spid="214"/>
+                                        </p:tgtEl>
+                                      </p:cBhvr>
+                                    </p:animEffect>
+                                  </p:childTnLst>
+                                </p:cTn>
+                              </p:par>
+                              <p:par>
+                                <p:cTn id="116" presetID="9" presetClass="emph" presetSubtype="0" grpId="1" nodeType="withEffect">
+                                  <p:stCondLst>
+                                    <p:cond delay="0"/>
+                                  </p:stCondLst>
+                                  <p:childTnLst>
+                                    <p:set>
+                                      <p:cBhvr>
+                                        <p:cTn id="117" dur="indefinite"/>
+                                        <p:tgtEl>
+                                          <p:spTgt spid="217"/>
+                                        </p:tgtEl>
+                                        <p:attrNameLst>
+                                          <p:attrName>style.opacity</p:attrName>
+                                        </p:attrNameLst>
+                                      </p:cBhvr>
+                                      <p:to>
+                                        <p:strVal val="1"/>
+                                      </p:to>
+                                    </p:set>
+                                    <p:animEffect filter="image" prLst="opacity: 1">
+                                      <p:cBhvr rctx="IE">
+                                        <p:cTn id="118" dur="indefinite"/>
+                                        <p:tgtEl>
+                                          <p:spTgt spid="217"/>
+                                        </p:tgtEl>
+                                      </p:cBhvr>
+                                    </p:animEffect>
+                                  </p:childTnLst>
+                                </p:cTn>
+                              </p:par>
+                              <p:par>
+                                <p:cTn id="119" presetID="9" presetClass="emph" presetSubtype="0" grpId="1" nodeType="withEffect">
+                                  <p:stCondLst>
+                                    <p:cond delay="0"/>
+                                  </p:stCondLst>
+                                  <p:childTnLst>
+                                    <p:set>
+                                      <p:cBhvr>
+                                        <p:cTn id="120" dur="indefinite"/>
+                                        <p:tgtEl>
+                                          <p:spTgt spid="225"/>
+                                        </p:tgtEl>
+                                        <p:attrNameLst>
+                                          <p:attrName>style.opacity</p:attrName>
+                                        </p:attrNameLst>
+                                      </p:cBhvr>
+                                      <p:to>
+                                        <p:strVal val="1"/>
+                                      </p:to>
+                                    </p:set>
+                                    <p:animEffect filter="image" prLst="opacity: 1">
+                                      <p:cBhvr rctx="IE">
+                                        <p:cTn id="121" dur="indefinite"/>
+                                        <p:tgtEl>
+                                          <p:spTgt spid="225"/>
+                                        </p:tgtEl>
+                                      </p:cBhvr>
+                                    </p:animEffect>
+                                  </p:childTnLst>
+                                </p:cTn>
+                              </p:par>
+                              <p:par>
+                                <p:cTn id="122" presetID="9" presetClass="emph" presetSubtype="0" grpId="1" nodeType="withEffect">
+                                  <p:stCondLst>
+                                    <p:cond delay="0"/>
+                                  </p:stCondLst>
+                                  <p:childTnLst>
+                                    <p:set>
+                                      <p:cBhvr>
+                                        <p:cTn id="123" dur="indefinite"/>
+                                        <p:tgtEl>
+                                          <p:spTgt spid="226"/>
+                                        </p:tgtEl>
+                                        <p:attrNameLst>
+                                          <p:attrName>style.opacity</p:attrName>
+                                        </p:attrNameLst>
+                                      </p:cBhvr>
+                                      <p:to>
+                                        <p:strVal val="1"/>
+                                      </p:to>
+                                    </p:set>
+                                    <p:animEffect filter="image" prLst="opacity: 1">
+                                      <p:cBhvr rctx="IE">
+                                        <p:cTn id="124" dur="indefinite"/>
+                                        <p:tgtEl>
+                                          <p:spTgt spid="226"/>
+                                        </p:tgtEl>
+                                      </p:cBhvr>
+                                    </p:animEffect>
+                                  </p:childTnLst>
+                                </p:cTn>
+                              </p:par>
+                              <p:par>
+                                <p:cTn id="125" presetID="9" presetClass="emph" presetSubtype="0" nodeType="withEffect">
+                                  <p:stCondLst>
+                                    <p:cond delay="0"/>
+                                  </p:stCondLst>
+                                  <p:childTnLst>
+                                    <p:set>
+                                      <p:cBhvr>
+                                        <p:cTn id="126" dur="indefinite"/>
+                                        <p:tgtEl>
+                                          <p:spTgt spid="235"/>
+                                        </p:tgtEl>
+                                        <p:attrNameLst>
+                                          <p:attrName>style.opacity</p:attrName>
+                                        </p:attrNameLst>
+                                      </p:cBhvr>
+                                      <p:to>
+                                        <p:strVal val="1"/>
+                                      </p:to>
+                                    </p:set>
+                                    <p:animEffect filter="image" prLst="opacity: 1">
+                                      <p:cBhvr rctx="IE">
+                                        <p:cTn id="127" dur="indefinite"/>
+                                        <p:tgtEl>
+                                          <p:spTgt spid="235"/>
+                                        </p:tgtEl>
+                                      </p:cBhvr>
+                                    </p:animEffect>
+                                  </p:childTnLst>
+                                </p:cTn>
+                              </p:par>
+                              <p:par>
+                                <p:cTn id="128" presetID="10" presetClass="entr" presetSubtype="0" fill="hold" grpId="0" nodeType="withEffect">
+                                  <p:stCondLst>
+                                    <p:cond delay="0"/>
+                                  </p:stCondLst>
+                                  <p:childTnLst>
+                                    <p:set>
+                                      <p:cBhvr>
+                                        <p:cTn id="129" dur="1" fill="hold">
+                                          <p:stCondLst>
+                                            <p:cond delay="0"/>
+                                          </p:stCondLst>
+                                        </p:cTn>
+                                        <p:tgtEl>
+                                          <p:spTgt spid="242"/>
+                                        </p:tgtEl>
+                                        <p:attrNameLst>
+                                          <p:attrName>style.visibility</p:attrName>
+                                        </p:attrNameLst>
+                                      </p:cBhvr>
+                                      <p:to>
+                                        <p:strVal val="visible"/>
+                                      </p:to>
+                                    </p:set>
+                                    <p:animEffect transition="in" filter="fade">
+                                      <p:cBhvr>
+                                        <p:cTn id="130" dur="100"/>
+                                        <p:tgtEl>
+                                          <p:spTgt spid="242"/>
+                                        </p:tgtEl>
+                                      </p:cBhvr>
+                                    </p:animEffect>
+                                  </p:childTnLst>
+                                </p:cTn>
+                              </p:par>
+                            </p:childTnLst>
+                          </p:cTn>
+                        </p:par>
+                      </p:childTnLst>
+                    </p:cTn>
+                  </p:par>
+                  <p:par>
+                    <p:cTn id="131" fill="hold">
+                      <p:stCondLst>
+                        <p:cond delay="indefinite"/>
+                      </p:stCondLst>
+                      <p:childTnLst>
+                        <p:par>
+                          <p:cTn id="132" fill="hold">
+                            <p:stCondLst>
+                              <p:cond delay="0"/>
+                            </p:stCondLst>
+                            <p:childTnLst>
+                              <p:par>
+                                <p:cTn id="133" presetID="9" presetClass="emph" presetSubtype="0" grpId="1" nodeType="clickEffect">
+                                  <p:stCondLst>
+                                    <p:cond delay="0"/>
+                                  </p:stCondLst>
+                                  <p:childTnLst>
+                                    <p:set>
+                                      <p:cBhvr>
+                                        <p:cTn id="134" dur="indefinite"/>
+                                        <p:tgtEl>
+                                          <p:spTgt spid="205"/>
+                                        </p:tgtEl>
+                                        <p:attrNameLst>
+                                          <p:attrName>style.opacity</p:attrName>
+                                        </p:attrNameLst>
+                                      </p:cBhvr>
+                                      <p:to>
+                                        <p:strVal val="1"/>
+                                      </p:to>
+                                    </p:set>
+                                    <p:animEffect filter="image" prLst="opacity: 1">
+                                      <p:cBhvr rctx="IE">
+                                        <p:cTn id="135" dur="indefinite"/>
+                                        <p:tgtEl>
+                                          <p:spTgt spid="205"/>
+                                        </p:tgtEl>
+                                      </p:cBhvr>
+                                    </p:animEffect>
+                                  </p:childTnLst>
+                                </p:cTn>
+                              </p:par>
+                              <p:par>
+                                <p:cTn id="136" presetID="9" presetClass="emph" presetSubtype="0" grpId="1" nodeType="withEffect">
+                                  <p:stCondLst>
+                                    <p:cond delay="0"/>
+                                  </p:stCondLst>
+                                  <p:childTnLst>
+                                    <p:set>
+                                      <p:cBhvr>
+                                        <p:cTn id="137" dur="indefinite"/>
+                                        <p:tgtEl>
+                                          <p:spTgt spid="209"/>
+                                        </p:tgtEl>
+                                        <p:attrNameLst>
+                                          <p:attrName>style.opacity</p:attrName>
+                                        </p:attrNameLst>
+                                      </p:cBhvr>
+                                      <p:to>
+                                        <p:strVal val="1"/>
+                                      </p:to>
+                                    </p:set>
+                                    <p:animEffect filter="image" prLst="opacity: 1">
+                                      <p:cBhvr rctx="IE">
+                                        <p:cTn id="138" dur="indefinite"/>
+                                        <p:tgtEl>
+                                          <p:spTgt spid="209"/>
+                                        </p:tgtEl>
+                                      </p:cBhvr>
+                                    </p:animEffect>
+                                  </p:childTnLst>
+                                </p:cTn>
+                              </p:par>
+                              <p:par>
+                                <p:cTn id="139" presetID="9" presetClass="emph" presetSubtype="0" grpId="1" nodeType="withEffect">
+                                  <p:stCondLst>
+                                    <p:cond delay="0"/>
+                                  </p:stCondLst>
+                                  <p:childTnLst>
+                                    <p:set>
+                                      <p:cBhvr>
+                                        <p:cTn id="140" dur="indefinite"/>
+                                        <p:tgtEl>
+                                          <p:spTgt spid="212"/>
+                                        </p:tgtEl>
+                                        <p:attrNameLst>
+                                          <p:attrName>style.opacity</p:attrName>
+                                        </p:attrNameLst>
+                                      </p:cBhvr>
+                                      <p:to>
+                                        <p:strVal val="1"/>
+                                      </p:to>
+                                    </p:set>
+                                    <p:animEffect filter="image" prLst="opacity: 1">
+                                      <p:cBhvr rctx="IE">
+                                        <p:cTn id="141" dur="indefinite"/>
+                                        <p:tgtEl>
+                                          <p:spTgt spid="212"/>
+                                        </p:tgtEl>
+                                      </p:cBhvr>
+                                    </p:animEffect>
+                                  </p:childTnLst>
+                                </p:cTn>
+                              </p:par>
+                              <p:par>
+                                <p:cTn id="142" presetID="9" presetClass="emph" presetSubtype="0" grpId="1" nodeType="withEffect">
+                                  <p:stCondLst>
+                                    <p:cond delay="0"/>
+                                  </p:stCondLst>
+                                  <p:childTnLst>
+                                    <p:set>
+                                      <p:cBhvr>
+                                        <p:cTn id="143" dur="indefinite"/>
+                                        <p:tgtEl>
+                                          <p:spTgt spid="218"/>
+                                        </p:tgtEl>
+                                        <p:attrNameLst>
+                                          <p:attrName>style.opacity</p:attrName>
+                                        </p:attrNameLst>
+                                      </p:cBhvr>
+                                      <p:to>
+                                        <p:strVal val="1"/>
+                                      </p:to>
+                                    </p:set>
+                                    <p:animEffect filter="image" prLst="opacity: 1">
+                                      <p:cBhvr rctx="IE">
+                                        <p:cTn id="144" dur="indefinite"/>
+                                        <p:tgtEl>
+                                          <p:spTgt spid="218"/>
+                                        </p:tgtEl>
+                                      </p:cBhvr>
+                                    </p:animEffect>
+                                  </p:childTnLst>
+                                </p:cTn>
+                              </p:par>
+                              <p:par>
+                                <p:cTn id="145" presetID="9" presetClass="emph" presetSubtype="0" grpId="1" nodeType="withEffect">
+                                  <p:stCondLst>
+                                    <p:cond delay="0"/>
+                                  </p:stCondLst>
+                                  <p:childTnLst>
+                                    <p:set>
+                                      <p:cBhvr>
+                                        <p:cTn id="146" dur="indefinite"/>
+                                        <p:tgtEl>
+                                          <p:spTgt spid="227"/>
+                                        </p:tgtEl>
+                                        <p:attrNameLst>
+                                          <p:attrName>style.opacity</p:attrName>
+                                        </p:attrNameLst>
+                                      </p:cBhvr>
+                                      <p:to>
+                                        <p:strVal val="1"/>
+                                      </p:to>
+                                    </p:set>
+                                    <p:animEffect filter="image" prLst="opacity: 1">
+                                      <p:cBhvr rctx="IE">
+                                        <p:cTn id="147" dur="indefinite"/>
+                                        <p:tgtEl>
+                                          <p:spTgt spid="227"/>
+                                        </p:tgtEl>
+                                      </p:cBhvr>
+                                    </p:animEffect>
+                                  </p:childTnLst>
+                                </p:cTn>
+                              </p:par>
+                              <p:par>
+                                <p:cTn id="148" presetID="9" presetClass="emph" presetSubtype="0" nodeType="withEffect">
+                                  <p:stCondLst>
+                                    <p:cond delay="0"/>
+                                  </p:stCondLst>
+                                  <p:childTnLst>
+                                    <p:set>
+                                      <p:cBhvr>
+                                        <p:cTn id="149" dur="indefinite"/>
+                                        <p:tgtEl>
+                                          <p:spTgt spid="236"/>
+                                        </p:tgtEl>
+                                        <p:attrNameLst>
+                                          <p:attrName>style.opacity</p:attrName>
+                                        </p:attrNameLst>
+                                      </p:cBhvr>
+                                      <p:to>
+                                        <p:strVal val="1"/>
+                                      </p:to>
+                                    </p:set>
+                                    <p:animEffect filter="image" prLst="opacity: 1">
+                                      <p:cBhvr rctx="IE">
+                                        <p:cTn id="150" dur="indefinite"/>
+                                        <p:tgtEl>
+                                          <p:spTgt spid="236"/>
+                                        </p:tgtEl>
+                                      </p:cBhvr>
+                                    </p:animEffect>
+                                  </p:childTnLst>
+                                </p:cTn>
+                              </p:par>
+                              <p:par>
+                                <p:cTn id="151" presetID="10" presetClass="entr" presetSubtype="0" fill="hold" grpId="0" nodeType="withEffect">
+                                  <p:stCondLst>
+                                    <p:cond delay="0"/>
+                                  </p:stCondLst>
+                                  <p:childTnLst>
+                                    <p:set>
+                                      <p:cBhvr>
+                                        <p:cTn id="152" dur="1" fill="hold">
+                                          <p:stCondLst>
+                                            <p:cond delay="0"/>
+                                          </p:stCondLst>
+                                        </p:cTn>
+                                        <p:tgtEl>
+                                          <p:spTgt spid="243"/>
+                                        </p:tgtEl>
+                                        <p:attrNameLst>
+                                          <p:attrName>style.visibility</p:attrName>
+                                        </p:attrNameLst>
+                                      </p:cBhvr>
+                                      <p:to>
+                                        <p:strVal val="visible"/>
+                                      </p:to>
+                                    </p:set>
+                                    <p:animEffect transition="in" filter="fade">
+                                      <p:cBhvr>
+                                        <p:cTn id="153" dur="100"/>
+                                        <p:tgtEl>
+                                          <p:spTgt spid="243"/>
+                                        </p:tgtEl>
+                                      </p:cBhvr>
+                                    </p:animEffect>
+                                  </p:childTnLst>
+                                </p:cTn>
+                              </p:par>
+                            </p:childTnLst>
+                          </p:cTn>
+                        </p:par>
+                      </p:childTnLst>
+                    </p:cTn>
+                  </p:par>
+                  <p:par>
+                    <p:cTn id="154" fill="hold">
+                      <p:stCondLst>
+                        <p:cond delay="indefinite"/>
+                      </p:stCondLst>
+                      <p:childTnLst>
+                        <p:par>
+                          <p:cTn id="155" fill="hold">
+                            <p:stCondLst>
+                              <p:cond delay="0"/>
+                            </p:stCondLst>
+                            <p:childTnLst>
+                              <p:par>
+                                <p:cTn id="156" presetID="1" presetClass="exit" presetSubtype="0" fill="hold" grpId="1" nodeType="clickEffect">
+                                  <p:stCondLst>
+                                    <p:cond delay="0"/>
+                                  </p:stCondLst>
+                                  <p:childTnLst>
+                                    <p:set>
+                                      <p:cBhvr>
+                                        <p:cTn id="157" dur="1" fill="hold">
+                                          <p:stCondLst>
+                                            <p:cond delay="0"/>
+                                          </p:stCondLst>
+                                        </p:cTn>
+                                        <p:tgtEl>
+                                          <p:spTgt spid="241"/>
+                                        </p:tgtEl>
+                                        <p:attrNameLst>
+                                          <p:attrName>style.visibility</p:attrName>
+                                        </p:attrNameLst>
+                                      </p:cBhvr>
+                                      <p:to>
+                                        <p:strVal val="hidden"/>
+                                      </p:to>
+                                    </p:set>
+                                  </p:childTnLst>
+                                </p:cTn>
+                              </p:par>
+                              <p:par>
+                                <p:cTn id="158" presetID="1" presetClass="exit" presetSubtype="0" fill="hold" grpId="1" nodeType="withEffect">
+                                  <p:stCondLst>
+                                    <p:cond delay="0"/>
+                                  </p:stCondLst>
+                                  <p:childTnLst>
+                                    <p:set>
+                                      <p:cBhvr>
+                                        <p:cTn id="159" dur="1" fill="hold">
+                                          <p:stCondLst>
+                                            <p:cond delay="0"/>
+                                          </p:stCondLst>
+                                        </p:cTn>
+                                        <p:tgtEl>
+                                          <p:spTgt spid="237"/>
+                                        </p:tgtEl>
+                                        <p:attrNameLst>
+                                          <p:attrName>style.visibility</p:attrName>
+                                        </p:attrNameLst>
+                                      </p:cBhvr>
+                                      <p:to>
+                                        <p:strVal val="hidden"/>
+                                      </p:to>
+                                    </p:set>
+                                  </p:childTnLst>
+                                </p:cTn>
+                              </p:par>
+                              <p:par>
+                                <p:cTn id="160" presetID="1" presetClass="exit" presetSubtype="0" fill="hold" grpId="1" nodeType="withEffect">
+                                  <p:stCondLst>
+                                    <p:cond delay="0"/>
+                                  </p:stCondLst>
+                                  <p:childTnLst>
+                                    <p:set>
+                                      <p:cBhvr>
+                                        <p:cTn id="161" dur="1" fill="hold">
+                                          <p:stCondLst>
+                                            <p:cond delay="0"/>
+                                          </p:stCondLst>
+                                        </p:cTn>
+                                        <p:tgtEl>
+                                          <p:spTgt spid="242"/>
+                                        </p:tgtEl>
+                                        <p:attrNameLst>
+                                          <p:attrName>style.visibility</p:attrName>
+                                        </p:attrNameLst>
+                                      </p:cBhvr>
+                                      <p:to>
+                                        <p:strVal val="hidden"/>
+                                      </p:to>
+                                    </p:set>
+                                  </p:childTnLst>
+                                </p:cTn>
+                              </p:par>
+                              <p:par>
+                                <p:cTn id="162" presetID="1" presetClass="exit" presetSubtype="0" fill="hold" grpId="1" nodeType="withEffect">
+                                  <p:stCondLst>
+                                    <p:cond delay="0"/>
+                                  </p:stCondLst>
+                                  <p:childTnLst>
+                                    <p:set>
+                                      <p:cBhvr>
+                                        <p:cTn id="163" dur="1" fill="hold">
+                                          <p:stCondLst>
+                                            <p:cond delay="0"/>
+                                          </p:stCondLst>
+                                        </p:cTn>
+                                        <p:tgtEl>
+                                          <p:spTgt spid="243"/>
+                                        </p:tgtEl>
+                                        <p:attrNameLst>
+                                          <p:attrName>style.visibility</p:attrName>
+                                        </p:attrNameLst>
+                                      </p:cBhvr>
+                                      <p:to>
+                                        <p:strVal val="hidden"/>
+                                      </p:to>
+                                    </p:set>
+                                  </p:childTnLst>
+                                </p:cTn>
+                              </p:par>
+                              <p:par>
+                                <p:cTn id="164" presetID="1" presetClass="entr" presetSubtype="0" fill="hold" grpId="0" nodeType="withEffect">
+                                  <p:stCondLst>
+                                    <p:cond delay="0"/>
+                                  </p:stCondLst>
+                                  <p:childTnLst>
+                                    <p:set>
+                                      <p:cBhvr>
+                                        <p:cTn id="165" dur="1" fill="hold">
+                                          <p:stCondLst>
+                                            <p:cond delay="0"/>
+                                          </p:stCondLst>
+                                        </p:cTn>
+                                        <p:tgtEl>
+                                          <p:spTgt spid="244"/>
+                                        </p:tgtEl>
+                                        <p:attrNameLst>
+                                          <p:attrName>style.visibility</p:attrName>
+                                        </p:attrNameLst>
+                                      </p:cBhvr>
+                                      <p:to>
+                                        <p:strVal val="visible"/>
+                                      </p:to>
+                                    </p:set>
+                                  </p:childTnLst>
+                                </p:cTn>
+                              </p:par>
+                              <p:par>
+                                <p:cTn id="166" presetID="1" presetClass="entr" presetSubtype="0" fill="hold" nodeType="withEffect">
+                                  <p:stCondLst>
+                                    <p:cond delay="0"/>
+                                  </p:stCondLst>
+                                  <p:childTnLst>
+                                    <p:set>
+                                      <p:cBhvr>
+                                        <p:cTn id="167" dur="1" fill="hold">
+                                          <p:stCondLst>
+                                            <p:cond delay="0"/>
+                                          </p:stCondLst>
+                                        </p:cTn>
+                                        <p:tgtEl>
+                                          <p:spTgt spid="247"/>
+                                        </p:tgtEl>
+                                        <p:attrNameLst>
+                                          <p:attrName>style.visibility</p:attrName>
+                                        </p:attrNameLst>
+                                      </p:cBhvr>
+                                      <p:to>
+                                        <p:strVal val="visible"/>
+                                      </p:to>
+                                    </p:set>
+                                  </p:childTnLst>
+                                </p:cTn>
+                              </p:par>
+                              <p:par>
+                                <p:cTn id="168" presetID="1" presetClass="entr" presetSubtype="0" fill="hold" nodeType="withEffect">
+                                  <p:stCondLst>
+                                    <p:cond delay="0"/>
+                                  </p:stCondLst>
+                                  <p:childTnLst>
+                                    <p:set>
+                                      <p:cBhvr>
+                                        <p:cTn id="169" dur="1" fill="hold">
+                                          <p:stCondLst>
+                                            <p:cond delay="0"/>
+                                          </p:stCondLst>
+                                        </p:cTn>
+                                        <p:tgtEl>
+                                          <p:spTgt spid="248"/>
+                                        </p:tgtEl>
+                                        <p:attrNameLst>
+                                          <p:attrName>style.visibility</p:attrName>
+                                        </p:attrNameLst>
+                                      </p:cBhvr>
+                                      <p:to>
+                                        <p:strVal val="visible"/>
+                                      </p:to>
+                                    </p:set>
+                                  </p:childTnLst>
+                                </p:cTn>
+                              </p:par>
+                              <p:par>
+                                <p:cTn id="170" presetID="1" presetClass="entr" presetSubtype="0" fill="hold" grpId="0" nodeType="withEffect">
+                                  <p:stCondLst>
+                                    <p:cond delay="0"/>
+                                  </p:stCondLst>
+                                  <p:childTnLst>
+                                    <p:set>
+                                      <p:cBhvr>
+                                        <p:cTn id="171" dur="1" fill="hold">
+                                          <p:stCondLst>
+                                            <p:cond delay="0"/>
+                                          </p:stCondLst>
+                                        </p:cTn>
+                                        <p:tgtEl>
+                                          <p:spTgt spid="245"/>
+                                        </p:tgtEl>
+                                        <p:attrNameLst>
+                                          <p:attrName>style.visibility</p:attrName>
+                                        </p:attrNameLst>
+                                      </p:cBhvr>
+                                      <p:to>
+                                        <p:strVal val="visible"/>
+                                      </p:to>
+                                    </p:set>
+                                  </p:childTnLst>
+                                </p:cTn>
+                              </p:par>
+                            </p:childTnLst>
+                          </p:cTn>
+                        </p:par>
+                      </p:childTnLst>
+                    </p:cTn>
+                  </p:par>
+                </p:childTnLst>
+              </p:cTn>
               <p:prevCondLst>
                 <p:cond evt="onPrev" delay="0">
                   <p:tgtEl>
@@ -12117,354 +17647,60 @@
         </p:cTn>
       </p:par>
     </p:tnLst>
+    <p:bldLst>
+      <p:bldP spid="241" grpId="0" animBg="1"/>
+      <p:bldP spid="241" grpId="1" animBg="1"/>
+      <p:bldP spid="237" grpId="0" animBg="1"/>
+      <p:bldP spid="237" grpId="1" animBg="1"/>
+      <p:bldP spid="242" grpId="0" animBg="1"/>
+      <p:bldP spid="242" grpId="1" animBg="1"/>
+      <p:bldP spid="205" grpId="0" animBg="1"/>
+      <p:bldP spid="205" grpId="1" animBg="1"/>
+      <p:bldP spid="206" grpId="0" animBg="1"/>
+      <p:bldP spid="206" grpId="1" animBg="1"/>
+      <p:bldP spid="207" grpId="0" animBg="1"/>
+      <p:bldP spid="207" grpId="1" animBg="1"/>
+      <p:bldP spid="208" grpId="0" animBg="1"/>
+      <p:bldP spid="208" grpId="1" animBg="1"/>
+      <p:bldP spid="209" grpId="0" animBg="1"/>
+      <p:bldP spid="209" grpId="1" animBg="1"/>
+      <p:bldP spid="210" grpId="0" animBg="1"/>
+      <p:bldP spid="210" grpId="1" animBg="1"/>
+      <p:bldP spid="211" grpId="0" animBg="1"/>
+      <p:bldP spid="211" grpId="1" animBg="1"/>
+      <p:bldP spid="212" grpId="0" animBg="1"/>
+      <p:bldP spid="212" grpId="1" animBg="1"/>
+      <p:bldP spid="213" grpId="0" animBg="1"/>
+      <p:bldP spid="213" grpId="1" animBg="1"/>
+      <p:bldP spid="214" grpId="0" animBg="1"/>
+      <p:bldP spid="214" grpId="1" animBg="1"/>
+      <p:bldP spid="215" grpId="0" animBg="1"/>
+      <p:bldP spid="215" grpId="1" animBg="1"/>
+      <p:bldP spid="216" grpId="0" animBg="1"/>
+      <p:bldP spid="216" grpId="1" animBg="1"/>
+      <p:bldP spid="217" grpId="0" animBg="1"/>
+      <p:bldP spid="217" grpId="1" animBg="1"/>
+      <p:bldP spid="218" grpId="0" animBg="1"/>
+      <p:bldP spid="218" grpId="1" animBg="1"/>
+      <p:bldP spid="224" grpId="0" animBg="1"/>
+      <p:bldP spid="224" grpId="1" animBg="1"/>
+      <p:bldP spid="224" grpId="2" animBg="1"/>
+      <p:bldP spid="225" grpId="0" animBg="1"/>
+      <p:bldP spid="225" grpId="1" animBg="1"/>
+      <p:bldP spid="226" grpId="0" animBg="1"/>
+      <p:bldP spid="226" grpId="1" animBg="1"/>
+      <p:bldP spid="227" grpId="0" animBg="1"/>
+      <p:bldP spid="227" grpId="1" animBg="1"/>
+      <p:bldP spid="243" grpId="0" animBg="1"/>
+      <p:bldP spid="243" grpId="1" animBg="1"/>
+      <p:bldP spid="244" grpId="0"/>
+      <p:bldP spid="245" grpId="0"/>
+    </p:bldLst>
   </p:timing>
 </p:sld>
 </file>
 
 <file path=ppt/slides/slide8.xml><?xml version="1.0" encoding="utf-8"?>
-<p:sld xmlns:a="http://schemas.openxmlformats.org/drawingml/2006/main" xmlns:r="http://schemas.openxmlformats.org/officeDocument/2006/relationships" xmlns:p="http://schemas.openxmlformats.org/presentationml/2006/main">
-  <p:cSld>
-    <p:spTree>
-      <p:nvGrpSpPr>
-        <p:cNvPr id="1" name=""/>
-        <p:cNvGrpSpPr/>
-        <p:nvPr/>
-      </p:nvGrpSpPr>
-      <p:grpSpPr>
-        <a:xfrm>
-          <a:off x="0" y="0"/>
-          <a:ext cx="0" cy="0"/>
-          <a:chOff x="0" y="0"/>
-          <a:chExt cx="0" cy="0"/>
-        </a:xfrm>
-      </p:grpSpPr>
-      <p:sp>
-        <p:nvSpPr>
-          <p:cNvPr id="104" name="CustomShape 1"/>
-          <p:cNvSpPr/>
-          <p:nvPr/>
-        </p:nvSpPr>
-        <p:spPr>
-          <a:xfrm>
-            <a:off x="358920" y="488880"/>
-            <a:ext cx="6641280" cy="837360"/>
-          </a:xfrm>
-          <a:prstGeom prst="rect">
-            <a:avLst/>
-          </a:prstGeom>
-          <a:noFill/>
-          <a:ln>
-            <a:noFill/>
-          </a:ln>
-        </p:spPr>
-        <p:txBody>
-          <a:bodyPr lIns="0" tIns="0" rIns="0" bIns="0" anchor="ctr"/>
-          <a:lstStyle/>
-          <a:p>
-            <a:pPr>
-              <a:lnSpc>
-                <a:spcPct val="100000"/>
-              </a:lnSpc>
-            </a:pPr>
-            <a:r>
-              <a:rPr lang="en-GB" sz="2400" b="1" dirty="0" err="1">
-                <a:solidFill>
-                  <a:srgbClr val="000000"/>
-                </a:solidFill>
-                <a:latin typeface="Arial"/>
-              </a:rPr>
-              <a:t>Protocoldesign</a:t>
-            </a:r>
-            <a:r>
-              <a:rPr lang="en-GB" sz="2400" b="1" dirty="0">
-                <a:solidFill>
-                  <a:srgbClr val="000000"/>
-                </a:solidFill>
-              </a:rPr>
-              <a:t> - Presentation</a:t>
-            </a:r>
-            <a:endParaRPr lang="en-GB" dirty="0"/>
-          </a:p>
-        </p:txBody>
-      </p:sp>
-      <p:sp>
-        <p:nvSpPr>
-          <p:cNvPr id="105" name="CustomShape 2"/>
-          <p:cNvSpPr/>
-          <p:nvPr/>
-        </p:nvSpPr>
-        <p:spPr>
-          <a:xfrm>
-            <a:off x="360000" y="1620000"/>
-            <a:ext cx="6822720" cy="4479120"/>
-          </a:xfrm>
-          <a:prstGeom prst="rect">
-            <a:avLst/>
-          </a:prstGeom>
-          <a:noFill/>
-          <a:ln>
-            <a:noFill/>
-          </a:ln>
-        </p:spPr>
-      </p:sp>
-      <p:sp>
-        <p:nvSpPr>
-          <p:cNvPr id="4" name="Textplatzhalter 2">
-            <a:extLst>
-              <a:ext uri="{FF2B5EF4-FFF2-40B4-BE49-F238E27FC236}">
-                <a16:creationId xmlns:a16="http://schemas.microsoft.com/office/drawing/2014/main" id="{04F97E2B-5BEB-4CDB-B4DB-D6BA9D3A4737}"/>
-              </a:ext>
-            </a:extLst>
-          </p:cNvPr>
-          <p:cNvSpPr txBox="1">
-            <a:spLocks/>
-          </p:cNvSpPr>
-          <p:nvPr/>
-        </p:nvSpPr>
-        <p:spPr>
-          <a:xfrm>
-            <a:off x="457200" y="1604520"/>
-            <a:ext cx="8229240" cy="3977280"/>
-          </a:xfrm>
-          <a:prstGeom prst="rect">
-            <a:avLst/>
-          </a:prstGeom>
-        </p:spPr>
-        <p:txBody>
-          <a:bodyPr/>
-          <a:lstStyle>
-            <a:lvl1pPr marL="228600" indent="-228600" algn="l" defTabSz="914400" rtl="0" eaLnBrk="1" latinLnBrk="0" hangingPunct="1">
-              <a:lnSpc>
-                <a:spcPct val="90000"/>
-              </a:lnSpc>
-              <a:spcBef>
-                <a:spcPts val="1000"/>
-              </a:spcBef>
-              <a:buFont typeface="Arial" panose="020B0604020202020204" pitchFamily="34" charset="0"/>
-              <a:buChar char="•"/>
-              <a:defRPr sz="2800" kern="1200">
-                <a:solidFill>
-                  <a:schemeClr val="tx1"/>
-                </a:solidFill>
-                <a:latin typeface="+mn-lt"/>
-                <a:ea typeface="+mn-ea"/>
-                <a:cs typeface="+mn-cs"/>
-              </a:defRPr>
-            </a:lvl1pPr>
-            <a:lvl2pPr marL="685800" indent="-228600" algn="l" defTabSz="914400" rtl="0" eaLnBrk="1" latinLnBrk="0" hangingPunct="1">
-              <a:lnSpc>
-                <a:spcPct val="90000"/>
-              </a:lnSpc>
-              <a:spcBef>
-                <a:spcPts val="500"/>
-              </a:spcBef>
-              <a:buFont typeface="Arial" panose="020B0604020202020204" pitchFamily="34" charset="0"/>
-              <a:buChar char="•"/>
-              <a:defRPr sz="2400" kern="1200">
-                <a:solidFill>
-                  <a:schemeClr val="tx1"/>
-                </a:solidFill>
-                <a:latin typeface="+mn-lt"/>
-                <a:ea typeface="+mn-ea"/>
-                <a:cs typeface="+mn-cs"/>
-              </a:defRPr>
-            </a:lvl2pPr>
-            <a:lvl3pPr marL="1143000" indent="-228600" algn="l" defTabSz="914400" rtl="0" eaLnBrk="1" latinLnBrk="0" hangingPunct="1">
-              <a:lnSpc>
-                <a:spcPct val="90000"/>
-              </a:lnSpc>
-              <a:spcBef>
-                <a:spcPts val="500"/>
-              </a:spcBef>
-              <a:buFont typeface="Arial" panose="020B0604020202020204" pitchFamily="34" charset="0"/>
-              <a:buChar char="•"/>
-              <a:defRPr sz="2000" kern="1200">
-                <a:solidFill>
-                  <a:schemeClr val="tx1"/>
-                </a:solidFill>
-                <a:latin typeface="+mn-lt"/>
-                <a:ea typeface="+mn-ea"/>
-                <a:cs typeface="+mn-cs"/>
-              </a:defRPr>
-            </a:lvl3pPr>
-            <a:lvl4pPr marL="1600200" indent="-228600" algn="l" defTabSz="914400" rtl="0" eaLnBrk="1" latinLnBrk="0" hangingPunct="1">
-              <a:lnSpc>
-                <a:spcPct val="90000"/>
-              </a:lnSpc>
-              <a:spcBef>
-                <a:spcPts val="500"/>
-              </a:spcBef>
-              <a:buFont typeface="Arial" panose="020B0604020202020204" pitchFamily="34" charset="0"/>
-              <a:buChar char="•"/>
-              <a:defRPr sz="1800" kern="1200">
-                <a:solidFill>
-                  <a:schemeClr val="tx1"/>
-                </a:solidFill>
-                <a:latin typeface="+mn-lt"/>
-                <a:ea typeface="+mn-ea"/>
-                <a:cs typeface="+mn-cs"/>
-              </a:defRPr>
-            </a:lvl4pPr>
-            <a:lvl5pPr marL="2057400" indent="-228600" algn="l" defTabSz="914400" rtl="0" eaLnBrk="1" latinLnBrk="0" hangingPunct="1">
-              <a:lnSpc>
-                <a:spcPct val="90000"/>
-              </a:lnSpc>
-              <a:spcBef>
-                <a:spcPts val="500"/>
-              </a:spcBef>
-              <a:buFont typeface="Arial" panose="020B0604020202020204" pitchFamily="34" charset="0"/>
-              <a:buChar char="•"/>
-              <a:defRPr sz="1800" kern="1200">
-                <a:solidFill>
-                  <a:schemeClr val="tx1"/>
-                </a:solidFill>
-                <a:latin typeface="+mn-lt"/>
-                <a:ea typeface="+mn-ea"/>
-                <a:cs typeface="+mn-cs"/>
-              </a:defRPr>
-            </a:lvl5pPr>
-            <a:lvl6pPr marL="2514600" indent="-228600" algn="l" defTabSz="914400" rtl="0" eaLnBrk="1" latinLnBrk="0" hangingPunct="1">
-              <a:lnSpc>
-                <a:spcPct val="90000"/>
-              </a:lnSpc>
-              <a:spcBef>
-                <a:spcPts val="500"/>
-              </a:spcBef>
-              <a:buFont typeface="Arial" panose="020B0604020202020204" pitchFamily="34" charset="0"/>
-              <a:buChar char="•"/>
-              <a:defRPr sz="1800" kern="1200">
-                <a:solidFill>
-                  <a:schemeClr val="tx1"/>
-                </a:solidFill>
-                <a:latin typeface="+mn-lt"/>
-                <a:ea typeface="+mn-ea"/>
-                <a:cs typeface="+mn-cs"/>
-              </a:defRPr>
-            </a:lvl6pPr>
-            <a:lvl7pPr marL="2971800" indent="-228600" algn="l" defTabSz="914400" rtl="0" eaLnBrk="1" latinLnBrk="0" hangingPunct="1">
-              <a:lnSpc>
-                <a:spcPct val="90000"/>
-              </a:lnSpc>
-              <a:spcBef>
-                <a:spcPts val="500"/>
-              </a:spcBef>
-              <a:buFont typeface="Arial" panose="020B0604020202020204" pitchFamily="34" charset="0"/>
-              <a:buChar char="•"/>
-              <a:defRPr sz="1800" kern="1200">
-                <a:solidFill>
-                  <a:schemeClr val="tx1"/>
-                </a:solidFill>
-                <a:latin typeface="+mn-lt"/>
-                <a:ea typeface="+mn-ea"/>
-                <a:cs typeface="+mn-cs"/>
-              </a:defRPr>
-            </a:lvl7pPr>
-            <a:lvl8pPr marL="3429000" indent="-228600" algn="l" defTabSz="914400" rtl="0" eaLnBrk="1" latinLnBrk="0" hangingPunct="1">
-              <a:lnSpc>
-                <a:spcPct val="90000"/>
-              </a:lnSpc>
-              <a:spcBef>
-                <a:spcPts val="500"/>
-              </a:spcBef>
-              <a:buFont typeface="Arial" panose="020B0604020202020204" pitchFamily="34" charset="0"/>
-              <a:buChar char="•"/>
-              <a:defRPr sz="1800" kern="1200">
-                <a:solidFill>
-                  <a:schemeClr val="tx1"/>
-                </a:solidFill>
-                <a:latin typeface="+mn-lt"/>
-                <a:ea typeface="+mn-ea"/>
-                <a:cs typeface="+mn-cs"/>
-              </a:defRPr>
-            </a:lvl8pPr>
-            <a:lvl9pPr marL="3886200" indent="-228600" algn="l" defTabSz="914400" rtl="0" eaLnBrk="1" latinLnBrk="0" hangingPunct="1">
-              <a:lnSpc>
-                <a:spcPct val="90000"/>
-              </a:lnSpc>
-              <a:spcBef>
-                <a:spcPts val="500"/>
-              </a:spcBef>
-              <a:buFont typeface="Arial" panose="020B0604020202020204" pitchFamily="34" charset="0"/>
-              <a:buChar char="•"/>
-              <a:defRPr sz="1800" kern="1200">
-                <a:solidFill>
-                  <a:schemeClr val="tx1"/>
-                </a:solidFill>
-                <a:latin typeface="+mn-lt"/>
-                <a:ea typeface="+mn-ea"/>
-                <a:cs typeface="+mn-cs"/>
-              </a:defRPr>
-            </a:lvl9pPr>
-          </a:lstStyle>
-          <a:p>
-            <a:r>
-              <a:rPr lang="de-DE" dirty="0" err="1"/>
-              <a:t>To</a:t>
-            </a:r>
-            <a:r>
-              <a:rPr lang="de-DE" dirty="0"/>
-              <a:t> </a:t>
-            </a:r>
-            <a:r>
-              <a:rPr lang="de-DE" dirty="0" err="1"/>
-              <a:t>be</a:t>
-            </a:r>
-            <a:r>
-              <a:rPr lang="de-DE" dirty="0"/>
-              <a:t> </a:t>
-            </a:r>
-            <a:r>
-              <a:rPr lang="de-DE" dirty="0" err="1"/>
-              <a:t>continued</a:t>
-            </a:r>
-            <a:r>
-              <a:rPr lang="de-DE" dirty="0"/>
-              <a:t>…</a:t>
-            </a:r>
-          </a:p>
-        </p:txBody>
-      </p:sp>
-    </p:spTree>
-    <p:extLst>
-      <p:ext uri="{BB962C8B-B14F-4D97-AF65-F5344CB8AC3E}">
-        <p14:creationId xmlns:p14="http://schemas.microsoft.com/office/powerpoint/2010/main" val="2498636305"/>
-      </p:ext>
-    </p:extLst>
-  </p:cSld>
-  <p:clrMapOvr>
-    <a:masterClrMapping/>
-  </p:clrMapOvr>
-  <p:timing>
-    <p:tnLst>
-      <p:par>
-        <p:cTn id="1" dur="indefinite" restart="never" nodeType="tmRoot">
-          <p:childTnLst>
-            <p:seq>
-              <p:cTn id="2" nodeType="mainSeq"/>
-              <p:prevCondLst>
-                <p:cond evt="onPrev" delay="0">
-                  <p:tgtEl>
-                    <p:sldTgt/>
-                  </p:tgtEl>
-                </p:cond>
-              </p:prevCondLst>
-              <p:nextCondLst>
-                <p:cond evt="onNext" delay="0">
-                  <p:tgtEl>
-                    <p:sldTgt/>
-                  </p:tgtEl>
-                </p:cond>
-              </p:nextCondLst>
-            </p:seq>
-          </p:childTnLst>
-        </p:cTn>
-      </p:par>
-    </p:tnLst>
-  </p:timing>
-</p:sld>
-</file>
-
-<file path=ppt/slides/slide9.xml><?xml version="1.0" encoding="utf-8"?>
 <p:sld xmlns:a="http://schemas.openxmlformats.org/drawingml/2006/main" xmlns:r="http://schemas.openxmlformats.org/officeDocument/2006/relationships" xmlns:p="http://schemas.openxmlformats.org/presentationml/2006/main">
   <p:cSld>
     <p:spTree>

--- a/data/presentation/PS_presentation.pptx
+++ b/data/presentation/PS_presentation.pptx
@@ -118,6 +118,9 @@
   <p:extLst>
     <p:ext uri="{EFAFB233-063F-42B5-8137-9DF3F51BA10A}">
       <p15:sldGuideLst xmlns:p15="http://schemas.microsoft.com/office/powerpoint/2012/main"/>
+    </p:ext>
+    <p:ext uri="{2D200454-40CA-4A62-9FC3-DE9A4176ACB9}">
+      <p15:notesGuideLst xmlns:p15="http://schemas.microsoft.com/office/powerpoint/2012/main"/>
     </p:ext>
   </p:extLst>
 </p:presentation>
@@ -1250,14 +1253,14 @@
       </dgm:t>
     </dgm:pt>
     <dgm:pt modelId="{DDBEC27C-3A33-4C94-BCCF-51589B63D2AF}">
-      <dgm:prSet phldrT="[Text]"/>
+      <dgm:prSet phldrT="[Text]" custT="1"/>
       <dgm:spPr/>
       <dgm:t>
         <a:bodyPr/>
         <a:lstStyle/>
         <a:p>
           <a:r>
-            <a:rPr lang="en-GB" dirty="0"/>
+            <a:rPr lang="en-GB" sz="2000" dirty="0"/>
             <a:t>Performance</a:t>
           </a:r>
         </a:p>
@@ -1466,14 +1469,14 @@
       </dgm:t>
     </dgm:pt>
     <dgm:pt modelId="{900DA08A-CB03-49A3-A51F-560CB31758AE}">
-      <dgm:prSet phldrT="[Text]"/>
+      <dgm:prSet phldrT="[Text]" custT="1"/>
       <dgm:spPr/>
       <dgm:t>
         <a:bodyPr/>
         <a:lstStyle/>
         <a:p>
           <a:r>
-            <a:rPr lang="en-GB" dirty="0"/>
+            <a:rPr lang="en-GB" sz="2000" dirty="0"/>
             <a:t>Robustness</a:t>
           </a:r>
         </a:p>
@@ -1498,6 +1501,42 @@
         <a:lstStyle/>
         <a:p>
           <a:endParaRPr lang="en-GB"/>
+        </a:p>
+      </dgm:t>
+    </dgm:pt>
+    <dgm:pt modelId="{90476383-FCAD-49A9-A8C2-5FCA3FABFAD2}">
+      <dgm:prSet phldrT="[Text]"/>
+      <dgm:spPr/>
+      <dgm:t>
+        <a:bodyPr/>
+        <a:lstStyle/>
+        <a:p>
+          <a:r>
+            <a:rPr lang="en-GB" dirty="0"/>
+            <a:t>Easy access by a struct</a:t>
+          </a:r>
+        </a:p>
+      </dgm:t>
+    </dgm:pt>
+    <dgm:pt modelId="{17CB4363-828D-4B3E-93EF-D9D991BF5349}" type="parTrans" cxnId="{D399E4BA-4459-4435-B2D5-93AB53B7473D}">
+      <dgm:prSet/>
+      <dgm:spPr/>
+      <dgm:t>
+        <a:bodyPr/>
+        <a:lstStyle/>
+        <a:p>
+          <a:endParaRPr lang="de-DE"/>
+        </a:p>
+      </dgm:t>
+    </dgm:pt>
+    <dgm:pt modelId="{28922084-9DC7-4C41-81C3-B06C468E9F2A}" type="sibTrans" cxnId="{D399E4BA-4459-4435-B2D5-93AB53B7473D}">
+      <dgm:prSet/>
+      <dgm:spPr/>
+      <dgm:t>
+        <a:bodyPr/>
+        <a:lstStyle/>
+        <a:p>
+          <a:endParaRPr lang="de-DE"/>
         </a:p>
       </dgm:t>
     </dgm:pt>
@@ -1618,7 +1657,7 @@
     <dgm:cxn modelId="{92F5F606-8B69-431F-A74E-F88AF8529E40}" type="presOf" srcId="{DB28B0CC-0545-4664-9DB1-DF5F57C2885B}" destId="{AB3F3ED0-C353-4106-AE9F-58BADC57B5A3}" srcOrd="0" destOrd="2" presId="urn:microsoft.com/office/officeart/2005/8/layout/hList1"/>
     <dgm:cxn modelId="{54C0C30E-F177-4159-A831-EC8F5CA2C483}" srcId="{25B20CE3-F2BA-4B66-8727-7C1AD8C6CC89}" destId="{D78BEAA3-1769-40AF-BB21-1FEDE668C53D}" srcOrd="3" destOrd="0" parTransId="{B59CD722-B21F-40DA-B29F-16010C0B90D8}" sibTransId="{B298F9B3-89E4-4591-A05F-DDB23112CC09}"/>
     <dgm:cxn modelId="{504C1D22-6F1E-43EB-B00F-58A0DB036B63}" type="presOf" srcId="{95EE15FC-DA97-491E-AE7F-E3D2B7EA693C}" destId="{AB3F3ED0-C353-4106-AE9F-58BADC57B5A3}" srcOrd="0" destOrd="4" presId="urn:microsoft.com/office/officeart/2005/8/layout/hList1"/>
-    <dgm:cxn modelId="{FA4CD924-E3FE-4CFB-840C-634FBE4DCED8}" srcId="{19A4407C-924F-4918-A9FF-12011F4CEA9B}" destId="{CDB271D0-6E9C-4853-BEBF-8C0C58ED76B3}" srcOrd="2" destOrd="0" parTransId="{27973728-C45A-4C7B-892A-7D75D8BD9E14}" sibTransId="{C1B4149F-5318-4D31-9BA7-C2EB5138B223}"/>
+    <dgm:cxn modelId="{FA4CD924-E3FE-4CFB-840C-634FBE4DCED8}" srcId="{19A4407C-924F-4918-A9FF-12011F4CEA9B}" destId="{CDB271D0-6E9C-4853-BEBF-8C0C58ED76B3}" srcOrd="3" destOrd="0" parTransId="{27973728-C45A-4C7B-892A-7D75D8BD9E14}" sibTransId="{C1B4149F-5318-4D31-9BA7-C2EB5138B223}"/>
     <dgm:cxn modelId="{0670C235-F332-46FE-A5A6-5D53134420AE}" type="presOf" srcId="{1B3D78F2-D344-49FA-AD5F-204135470CA8}" destId="{AB3F3ED0-C353-4106-AE9F-58BADC57B5A3}" srcOrd="0" destOrd="0" presId="urn:microsoft.com/office/officeart/2005/8/layout/hList1"/>
     <dgm:cxn modelId="{E3ED8C36-8848-43DC-8C0C-AD11BF6ABA3E}" type="presOf" srcId="{51CD9286-5F51-443B-B9DC-7862A0B12C37}" destId="{071927AB-A6EC-4C09-931D-02BE466E7B3F}" srcOrd="0" destOrd="1" presId="urn:microsoft.com/office/officeart/2005/8/layout/hList1"/>
     <dgm:cxn modelId="{85A5A836-DFEE-4A31-AE75-7913054C7464}" srcId="{25B20CE3-F2BA-4B66-8727-7C1AD8C6CC89}" destId="{58833EB1-48C3-44FE-839D-3712D350D848}" srcOrd="1" destOrd="0" parTransId="{1B9E803A-827C-4642-A48F-7AFB8610B5C5}" sibTransId="{43E2ECC0-A17E-4DA3-9BE9-E5797E83C1C3}"/>
@@ -1632,14 +1671,16 @@
     <dgm:cxn modelId="{69D9CD58-8573-4AD5-911D-19D2CC0389DE}" srcId="{19A4407C-924F-4918-A9FF-12011F4CEA9B}" destId="{367259CD-3583-4C6D-8E0A-46093B187AEB}" srcOrd="0" destOrd="0" parTransId="{B75DB198-3B90-4A98-A3BA-38C178332DD7}" sibTransId="{C6623FFE-EA17-4BF5-A819-B525C5C09E98}"/>
     <dgm:cxn modelId="{0FF09759-E691-499C-81DA-7A53AC68B6D9}" type="presOf" srcId="{3380A10D-84CC-408C-9017-5D39B8D8C920}" destId="{195B9F5F-DC90-4DDE-A008-D743D5E18D83}" srcOrd="0" destOrd="0" presId="urn:microsoft.com/office/officeart/2005/8/layout/hList1"/>
     <dgm:cxn modelId="{170BEC59-61D6-4755-B7FE-CD925DE27719}" type="presOf" srcId="{20AE3CD3-9581-4BAD-BAF3-4EB02E8FA467}" destId="{071927AB-A6EC-4C09-931D-02BE466E7B3F}" srcOrd="0" destOrd="0" presId="urn:microsoft.com/office/officeart/2005/8/layout/hList1"/>
+    <dgm:cxn modelId="{9283C27F-BB9A-4D4B-A326-E05A119FDD08}" type="presOf" srcId="{90476383-FCAD-49A9-A8C2-5FCA3FABFAD2}" destId="{F1738DBC-2D18-47D2-97EF-7B3AB1B94588}" srcOrd="0" destOrd="2" presId="urn:microsoft.com/office/officeart/2005/8/layout/hList1"/>
     <dgm:cxn modelId="{21C21081-CB9F-4F3B-A4B8-9D1F6B3F9961}" srcId="{25B20CE3-F2BA-4B66-8727-7C1AD8C6CC89}" destId="{1B3D78F2-D344-49FA-AD5F-204135470CA8}" srcOrd="0" destOrd="0" parTransId="{761BFC96-8461-41DB-810D-638524723C5C}" sibTransId="{BF3FF03A-4910-4EC8-89F2-70CF5A5B9CE8}"/>
     <dgm:cxn modelId="{DAC39E88-5DA7-4A05-A871-6FF16C05D23E}" type="presOf" srcId="{22DB3E3D-CB24-4FE3-ACD5-B36A55FAE080}" destId="{AB3F3ED0-C353-4106-AE9F-58BADC57B5A3}" srcOrd="0" destOrd="1" presId="urn:microsoft.com/office/officeart/2005/8/layout/hList1"/>
     <dgm:cxn modelId="{9F06EA8E-54A3-442E-ACB9-1BE166D05200}" srcId="{FE2D95C6-68AA-414F-9718-ED6C7C224D4A}" destId="{20AE3CD3-9581-4BAD-BAF3-4EB02E8FA467}" srcOrd="0" destOrd="0" parTransId="{CFD50D0D-8D20-4766-A970-253FA1E473EF}" sibTransId="{C9342DA7-9594-4CF3-876E-D093BDEFD202}"/>
     <dgm:cxn modelId="{4E313295-B0CC-4093-A9E7-37F14EDDADA2}" type="presOf" srcId="{FE2D95C6-68AA-414F-9718-ED6C7C224D4A}" destId="{FCFA5902-CDA4-44D7-81F4-7642CD4645E5}" srcOrd="0" destOrd="0" presId="urn:microsoft.com/office/officeart/2005/8/layout/hList1"/>
     <dgm:cxn modelId="{219C2599-CBDE-4D8A-B8A3-D8CA8A3CF351}" srcId="{3380A10D-84CC-408C-9017-5D39B8D8C920}" destId="{900DA08A-CB03-49A3-A51F-560CB31758AE}" srcOrd="1" destOrd="0" parTransId="{07D0AA38-18C7-4360-8B95-69F6578CEB18}" sibTransId="{A8FCCD37-FDA8-4152-B9CC-9C3A58939BDA}"/>
     <dgm:cxn modelId="{7EDD64B9-A0D2-445F-88B2-9A34FAC7208B}" srcId="{FCC8923D-1C02-4F0A-BA97-113C006F84F3}" destId="{19A4407C-924F-4918-A9FF-12011F4CEA9B}" srcOrd="2" destOrd="0" parTransId="{9E2DFBE2-FF0F-4F86-B67D-D6E14A8D35B5}" sibTransId="{47CFE9ED-B482-4493-864F-59AE7A543522}"/>
+    <dgm:cxn modelId="{D399E4BA-4459-4435-B2D5-93AB53B7473D}" srcId="{19A4407C-924F-4918-A9FF-12011F4CEA9B}" destId="{90476383-FCAD-49A9-A8C2-5FCA3FABFAD2}" srcOrd="2" destOrd="0" parTransId="{17CB4363-828D-4B3E-93EF-D9D991BF5349}" sibTransId="{28922084-9DC7-4C41-81C3-B06C468E9F2A}"/>
     <dgm:cxn modelId="{15ED37BB-B3BE-46D6-80E7-C1C42C2D8715}" type="presOf" srcId="{19A4407C-924F-4918-A9FF-12011F4CEA9B}" destId="{270C6582-85ED-4E53-9018-63CDC739E4FE}" srcOrd="0" destOrd="0" presId="urn:microsoft.com/office/officeart/2005/8/layout/hList1"/>
-    <dgm:cxn modelId="{891C0DC9-229B-4D4B-A388-042DC5C416D2}" type="presOf" srcId="{CDB271D0-6E9C-4853-BEBF-8C0C58ED76B3}" destId="{F1738DBC-2D18-47D2-97EF-7B3AB1B94588}" srcOrd="0" destOrd="2" presId="urn:microsoft.com/office/officeart/2005/8/layout/hList1"/>
+    <dgm:cxn modelId="{891C0DC9-229B-4D4B-A388-042DC5C416D2}" type="presOf" srcId="{CDB271D0-6E9C-4853-BEBF-8C0C58ED76B3}" destId="{F1738DBC-2D18-47D2-97EF-7B3AB1B94588}" srcOrd="0" destOrd="3" presId="urn:microsoft.com/office/officeart/2005/8/layout/hList1"/>
     <dgm:cxn modelId="{FE009DCA-024D-4DA0-9320-A795D416E7E0}" srcId="{3380A10D-84CC-408C-9017-5D39B8D8C920}" destId="{DDBEC27C-3A33-4C94-BCCF-51589B63D2AF}" srcOrd="0" destOrd="0" parTransId="{A14B49BE-7643-4DCD-AD45-3563E5AC3BF7}" sibTransId="{AABB19A2-C92F-42E8-8712-302C7F729B5B}"/>
     <dgm:cxn modelId="{E08687D1-2C0C-477C-A924-A9F7D1799115}" srcId="{FE2D95C6-68AA-414F-9718-ED6C7C224D4A}" destId="{51CD9286-5F51-443B-B9DC-7862A0B12C37}" srcOrd="1" destOrd="0" parTransId="{87D17C0F-5FC3-4D87-AA4F-2CAB601B6EAF}" sibTransId="{78222FC3-EE74-47A7-B42F-8F2691729E9B}"/>
     <dgm:cxn modelId="{B59477E4-71D4-47A3-A50B-54D2ED0D721D}" type="presOf" srcId="{FCC8923D-1C02-4F0A-BA97-113C006F84F3}" destId="{A9A4DDB9-E64E-4F0E-B2BD-F8419AC57381}" srcOrd="0" destOrd="0" presId="urn:microsoft.com/office/officeart/2005/8/layout/hList1"/>
@@ -1692,7 +1733,7 @@
       </dsp:nvSpPr>
       <dsp:spPr>
         <a:xfrm>
-          <a:off x="3248" y="1162436"/>
+          <a:off x="3248" y="1099730"/>
           <a:ext cx="1953094" cy="589850"/>
         </a:xfrm>
         <a:prstGeom prst="rect">
@@ -1758,7 +1799,7 @@
         </a:p>
       </dsp:txBody>
       <dsp:txXfrm>
-        <a:off x="3248" y="1162436"/>
+        <a:off x="3248" y="1099730"/>
         <a:ext cx="1953094" cy="589850"/>
       </dsp:txXfrm>
     </dsp:sp>
@@ -1769,8 +1810,8 @@
       </dsp:nvSpPr>
       <dsp:spPr>
         <a:xfrm>
-          <a:off x="3248" y="1752287"/>
-          <a:ext cx="1953094" cy="2006595"/>
+          <a:off x="3248" y="1689581"/>
+          <a:ext cx="1953094" cy="2132007"/>
         </a:xfrm>
         <a:prstGeom prst="rect">
           <a:avLst/>
@@ -1927,8 +1968,8 @@
         </a:p>
       </dsp:txBody>
       <dsp:txXfrm>
-        <a:off x="3248" y="1752287"/>
-        <a:ext cx="1953094" cy="2006595"/>
+        <a:off x="3248" y="1689581"/>
+        <a:ext cx="1953094" cy="2132007"/>
       </dsp:txXfrm>
     </dsp:sp>
     <dsp:sp modelId="{FCFA5902-CDA4-44D7-81F4-7642CD4645E5}">
@@ -1938,7 +1979,7 @@
       </dsp:nvSpPr>
       <dsp:spPr>
         <a:xfrm>
-          <a:off x="2229776" y="1162436"/>
+          <a:off x="2229776" y="1099730"/>
           <a:ext cx="1953094" cy="589850"/>
         </a:xfrm>
         <a:prstGeom prst="rect">
@@ -2004,7 +2045,7 @@
         </a:p>
       </dsp:txBody>
       <dsp:txXfrm>
-        <a:off x="2229776" y="1162436"/>
+        <a:off x="2229776" y="1099730"/>
         <a:ext cx="1953094" cy="589850"/>
       </dsp:txXfrm>
     </dsp:sp>
@@ -2015,8 +2056,8 @@
       </dsp:nvSpPr>
       <dsp:spPr>
         <a:xfrm>
-          <a:off x="2229776" y="1752287"/>
-          <a:ext cx="1953094" cy="2006595"/>
+          <a:off x="2229776" y="1689581"/>
+          <a:ext cx="1953094" cy="2132007"/>
         </a:xfrm>
         <a:prstGeom prst="rect">
           <a:avLst/>
@@ -2109,8 +2150,8 @@
         </a:p>
       </dsp:txBody>
       <dsp:txXfrm>
-        <a:off x="2229776" y="1752287"/>
-        <a:ext cx="1953094" cy="2006595"/>
+        <a:off x="2229776" y="1689581"/>
+        <a:ext cx="1953094" cy="2132007"/>
       </dsp:txXfrm>
     </dsp:sp>
     <dsp:sp modelId="{270C6582-85ED-4E53-9018-63CDC739E4FE}">
@@ -2120,7 +2161,7 @@
       </dsp:nvSpPr>
       <dsp:spPr>
         <a:xfrm>
-          <a:off x="4456304" y="1162436"/>
+          <a:off x="4456304" y="1099730"/>
           <a:ext cx="1953094" cy="589850"/>
         </a:xfrm>
         <a:prstGeom prst="rect">
@@ -2186,7 +2227,7 @@
         </a:p>
       </dsp:txBody>
       <dsp:txXfrm>
-        <a:off x="4456304" y="1162436"/>
+        <a:off x="4456304" y="1099730"/>
         <a:ext cx="1953094" cy="589850"/>
       </dsp:txXfrm>
     </dsp:sp>
@@ -2197,8 +2238,8 @@
       </dsp:nvSpPr>
       <dsp:spPr>
         <a:xfrm>
-          <a:off x="4456304" y="1752287"/>
-          <a:ext cx="1953094" cy="2006595"/>
+          <a:off x="4456304" y="1689581"/>
+          <a:ext cx="1953094" cy="2132007"/>
         </a:xfrm>
         <a:prstGeom prst="rect">
           <a:avLst/>
@@ -2294,12 +2335,30 @@
             </a:spcAft>
             <a:buChar char="•"/>
           </a:pPr>
+          <a:r>
+            <a:rPr lang="en-GB" sz="1700" kern="1200" dirty="0"/>
+            <a:t>Easy access by a struct</a:t>
+          </a:r>
+        </a:p>
+        <a:p>
+          <a:pPr marL="171450" lvl="1" indent="-171450" algn="l" defTabSz="755650">
+            <a:lnSpc>
+              <a:spcPct val="90000"/>
+            </a:lnSpc>
+            <a:spcBef>
+              <a:spcPct val="0"/>
+            </a:spcBef>
+            <a:spcAft>
+              <a:spcPct val="15000"/>
+            </a:spcAft>
+            <a:buChar char="•"/>
+          </a:pPr>
           <a:endParaRPr lang="en-GB" sz="1700" kern="1200" dirty="0"/>
         </a:p>
       </dsp:txBody>
       <dsp:txXfrm>
-        <a:off x="4456304" y="1752287"/>
-        <a:ext cx="1953094" cy="2006595"/>
+        <a:off x="4456304" y="1689581"/>
+        <a:ext cx="1953094" cy="2132007"/>
       </dsp:txXfrm>
     </dsp:sp>
     <dsp:sp modelId="{195B9F5F-DC90-4DDE-A008-D743D5E18D83}">
@@ -2309,7 +2368,7 @@
       </dsp:nvSpPr>
       <dsp:spPr>
         <a:xfrm>
-          <a:off x="6682832" y="1162436"/>
+          <a:off x="6682832" y="1099730"/>
           <a:ext cx="1953094" cy="589850"/>
         </a:xfrm>
         <a:prstGeom prst="rect">
@@ -2375,7 +2434,7 @@
         </a:p>
       </dsp:txBody>
       <dsp:txXfrm>
-        <a:off x="6682832" y="1162436"/>
+        <a:off x="6682832" y="1099730"/>
         <a:ext cx="1953094" cy="589850"/>
       </dsp:txXfrm>
     </dsp:sp>
@@ -2386,8 +2445,8 @@
       </dsp:nvSpPr>
       <dsp:spPr>
         <a:xfrm>
-          <a:off x="6682832" y="1752287"/>
-          <a:ext cx="1953094" cy="2006595"/>
+          <a:off x="6682832" y="1689581"/>
+          <a:ext cx="1953094" cy="2132007"/>
         </a:xfrm>
         <a:prstGeom prst="rect">
           <a:avLst/>
@@ -2430,12 +2489,12 @@
         <a:fontRef idx="minor"/>
       </dsp:style>
       <dsp:txBody>
-        <a:bodyPr spcFirstLastPara="0" vert="horz" wrap="square" lIns="90678" tIns="90678" rIns="120904" bIns="136017" numCol="1" spcCol="1270" anchor="t" anchorCtr="0">
+        <a:bodyPr spcFirstLastPara="0" vert="horz" wrap="square" lIns="106680" tIns="106680" rIns="142240" bIns="160020" numCol="1" spcCol="1270" anchor="t" anchorCtr="0">
           <a:noAutofit/>
         </a:bodyPr>
         <a:lstStyle/>
         <a:p>
-          <a:pPr marL="171450" lvl="1" indent="-171450" algn="l" defTabSz="755650">
+          <a:pPr marL="228600" lvl="1" indent="-228600" algn="l" defTabSz="889000">
             <a:lnSpc>
               <a:spcPct val="90000"/>
             </a:lnSpc>
@@ -2448,12 +2507,12 @@
             <a:buChar char="•"/>
           </a:pPr>
           <a:r>
-            <a:rPr lang="en-GB" sz="1700" kern="1200" dirty="0"/>
+            <a:rPr lang="en-GB" sz="2000" kern="1200" dirty="0"/>
             <a:t>Performance</a:t>
           </a:r>
         </a:p>
         <a:p>
-          <a:pPr marL="171450" lvl="1" indent="-171450" algn="l" defTabSz="755650">
+          <a:pPr marL="228600" lvl="1" indent="-228600" algn="l" defTabSz="889000">
             <a:lnSpc>
               <a:spcPct val="90000"/>
             </a:lnSpc>
@@ -2466,14 +2525,14 @@
             <a:buChar char="•"/>
           </a:pPr>
           <a:r>
-            <a:rPr lang="en-GB" sz="1700" kern="1200" dirty="0"/>
+            <a:rPr lang="en-GB" sz="2000" kern="1200" dirty="0"/>
             <a:t>Robustness</a:t>
           </a:r>
         </a:p>
       </dsp:txBody>
       <dsp:txXfrm>
-        <a:off x="6682832" y="1752287"/>
-        <a:ext cx="1953094" cy="2006595"/>
+        <a:off x="6682832" y="1689581"/>
+        <a:ext cx="1953094" cy="2132007"/>
       </dsp:txXfrm>
     </dsp:sp>
   </dsp:spTree>
@@ -4627,7 +4686,624 @@
           <a:bodyPr lIns="0" tIns="0" rIns="0" bIns="0"/>
           <a:lstStyle/>
           <a:p>
-            <a:endParaRPr/>
+            <a:pPr marL="0" marR="0" lvl="0" indent="0" algn="l" defTabSz="914400" rtl="0" eaLnBrk="1" fontAlgn="auto" latinLnBrk="0" hangingPunct="1">
+              <a:lnSpc>
+                <a:spcPct val="100000"/>
+              </a:lnSpc>
+              <a:spcBef>
+                <a:spcPts val="0"/>
+              </a:spcBef>
+              <a:spcAft>
+                <a:spcPts val="0"/>
+              </a:spcAft>
+              <a:buClrTx/>
+              <a:buSzTx/>
+              <a:buFontTx/>
+              <a:buNone/>
+              <a:tabLst/>
+              <a:defRPr/>
+            </a:pPr>
+            <a:r>
+              <a:rPr lang="de-DE" dirty="0" err="1"/>
+              <a:t>Thank</a:t>
+            </a:r>
+            <a:r>
+              <a:rPr lang="de-DE" dirty="0"/>
+              <a:t> </a:t>
+            </a:r>
+            <a:r>
+              <a:rPr lang="de-DE" dirty="0" err="1"/>
+              <a:t>you</a:t>
+            </a:r>
+            <a:r>
+              <a:rPr lang="de-DE" dirty="0"/>
+              <a:t> Mr. Hu, also a </a:t>
+            </a:r>
+            <a:r>
+              <a:rPr lang="de-DE" dirty="0" err="1"/>
+              <a:t>good</a:t>
+            </a:r>
+            <a:r>
+              <a:rPr lang="de-DE" dirty="0"/>
+              <a:t> </a:t>
+            </a:r>
+            <a:r>
+              <a:rPr lang="de-DE" dirty="0" err="1"/>
+              <a:t>afternoon</a:t>
+            </a:r>
+            <a:r>
+              <a:rPr lang="de-DE" dirty="0"/>
+              <a:t> </a:t>
+            </a:r>
+            <a:r>
+              <a:rPr lang="de-DE" dirty="0" err="1"/>
+              <a:t>from</a:t>
+            </a:r>
+            <a:r>
+              <a:rPr lang="de-DE" dirty="0"/>
+              <a:t> </a:t>
+            </a:r>
+            <a:r>
+              <a:rPr lang="de-DE" dirty="0" err="1"/>
+              <a:t>my</a:t>
+            </a:r>
+            <a:r>
+              <a:rPr lang="de-DE" dirty="0"/>
+              <a:t> </a:t>
+            </a:r>
+            <a:r>
+              <a:rPr lang="de-DE" dirty="0" err="1"/>
+              <a:t>side</a:t>
+            </a:r>
+            <a:r>
+              <a:rPr lang="de-DE" dirty="0"/>
+              <a:t>.</a:t>
+            </a:r>
+          </a:p>
+          <a:p>
+            <a:pPr marL="0" marR="0" lvl="0" indent="0" algn="l" defTabSz="914400" rtl="0" eaLnBrk="1" fontAlgn="auto" latinLnBrk="0" hangingPunct="1">
+              <a:lnSpc>
+                <a:spcPct val="100000"/>
+              </a:lnSpc>
+              <a:spcBef>
+                <a:spcPts val="0"/>
+              </a:spcBef>
+              <a:spcAft>
+                <a:spcPts val="0"/>
+              </a:spcAft>
+              <a:buClrTx/>
+              <a:buSzTx/>
+              <a:buFontTx/>
+              <a:buNone/>
+              <a:tabLst/>
+              <a:defRPr/>
+            </a:pPr>
+            <a:r>
+              <a:rPr lang="en-US" dirty="0"/>
+              <a:t>I would start by explaining to you what a communication protocol is in information technology. </a:t>
+            </a:r>
+          </a:p>
+          <a:p>
+            <a:pPr marL="0" marR="0" lvl="0" indent="0" algn="l" defTabSz="914400" rtl="0" eaLnBrk="1" fontAlgn="auto" latinLnBrk="0" hangingPunct="1">
+              <a:lnSpc>
+                <a:spcPct val="100000"/>
+              </a:lnSpc>
+              <a:spcBef>
+                <a:spcPts val="0"/>
+              </a:spcBef>
+              <a:spcAft>
+                <a:spcPts val="0"/>
+              </a:spcAft>
+              <a:buClrTx/>
+              <a:buSzTx/>
+              <a:buFontTx/>
+              <a:buNone/>
+              <a:tabLst/>
+              <a:defRPr/>
+            </a:pPr>
+            <a:r>
+              <a:rPr lang="en-US" dirty="0"/>
+              <a:t>Basically it’s a</a:t>
+            </a:r>
+            <a:r>
+              <a:rPr lang="en-GB" dirty="0"/>
+              <a:t> set of rules allowing communication partners to transmit information.</a:t>
+            </a:r>
+          </a:p>
+          <a:p>
+            <a:pPr marL="0" marR="0" lvl="0" indent="0" algn="l" defTabSz="914400" rtl="0" eaLnBrk="1" fontAlgn="auto" latinLnBrk="0" hangingPunct="1">
+              <a:lnSpc>
+                <a:spcPct val="100000"/>
+              </a:lnSpc>
+              <a:spcBef>
+                <a:spcPts val="0"/>
+              </a:spcBef>
+              <a:spcAft>
+                <a:spcPts val="0"/>
+              </a:spcAft>
+              <a:buClrTx/>
+              <a:buSzTx/>
+              <a:buFontTx/>
+              <a:buNone/>
+              <a:tabLst/>
+              <a:defRPr/>
+            </a:pPr>
+            <a:r>
+              <a:rPr lang="en-GB" dirty="0"/>
+              <a:t>Therefore both partners have to use </a:t>
+            </a:r>
+            <a:r>
+              <a:rPr lang="en-US" dirty="0"/>
+              <a:t>a defined timing of communication actions, like transmitting data or decode some data at a </a:t>
+            </a:r>
+            <a:r>
+              <a:rPr lang="en-US" dirty="0" err="1"/>
+              <a:t>a</a:t>
+            </a:r>
+            <a:r>
+              <a:rPr lang="en-US" dirty="0"/>
+              <a:t> specified point. </a:t>
+            </a:r>
+          </a:p>
+          <a:p>
+            <a:pPr marL="0" marR="0" lvl="0" indent="0" algn="l" defTabSz="914400" rtl="0" eaLnBrk="1" fontAlgn="auto" latinLnBrk="0" hangingPunct="1">
+              <a:lnSpc>
+                <a:spcPct val="100000"/>
+              </a:lnSpc>
+              <a:spcBef>
+                <a:spcPts val="0"/>
+              </a:spcBef>
+              <a:spcAft>
+                <a:spcPts val="0"/>
+              </a:spcAft>
+              <a:buClrTx/>
+              <a:buSzTx/>
+              <a:buFontTx/>
+              <a:buNone/>
+              <a:tabLst/>
+              <a:defRPr/>
+            </a:pPr>
+            <a:r>
+              <a:rPr lang="en-US" dirty="0"/>
+              <a:t>The information both partners share are packed in so called </a:t>
+            </a:r>
+            <a:r>
+              <a:rPr lang="en-GB" dirty="0"/>
+              <a:t>PDUs, </a:t>
+            </a:r>
+            <a:r>
+              <a:rPr lang="de-DE" dirty="0" err="1"/>
+              <a:t>what</a:t>
+            </a:r>
+            <a:r>
+              <a:rPr lang="de-DE" dirty="0"/>
+              <a:t> stands </a:t>
+            </a:r>
+            <a:r>
+              <a:rPr lang="de-DE" dirty="0" err="1"/>
+              <a:t>for</a:t>
+            </a:r>
+            <a:r>
+              <a:rPr lang="de-DE" dirty="0"/>
+              <a:t> „Packet </a:t>
+            </a:r>
+            <a:r>
+              <a:rPr lang="de-DE" dirty="0" err="1"/>
+              <a:t>data</a:t>
+            </a:r>
+            <a:r>
+              <a:rPr lang="de-DE" dirty="0"/>
+              <a:t> Unit“.</a:t>
+            </a:r>
+          </a:p>
+          <a:p>
+            <a:pPr marL="0" marR="0" lvl="0" indent="0" algn="l" defTabSz="914400" rtl="0" eaLnBrk="1" fontAlgn="auto" latinLnBrk="0" hangingPunct="1">
+              <a:lnSpc>
+                <a:spcPct val="100000"/>
+              </a:lnSpc>
+              <a:spcBef>
+                <a:spcPts val="0"/>
+              </a:spcBef>
+              <a:spcAft>
+                <a:spcPts val="0"/>
+              </a:spcAft>
+              <a:buClrTx/>
+              <a:buSzTx/>
+              <a:buFontTx/>
+              <a:buNone/>
+              <a:tabLst/>
+              <a:defRPr/>
+            </a:pPr>
+            <a:r>
+              <a:rPr lang="en-US" dirty="0"/>
+              <a:t>So it must be known for what the first three bytes are, is there  a </a:t>
+            </a:r>
+            <a:r>
+              <a:rPr lang="en-US" dirty="0" err="1"/>
+              <a:t>Startbyte</a:t>
+            </a:r>
+            <a:r>
+              <a:rPr lang="en-US" dirty="0"/>
+              <a:t> for example.</a:t>
+            </a:r>
+          </a:p>
+          <a:p>
+            <a:pPr marL="0" marR="0" lvl="0" indent="0" algn="l" defTabSz="914400" rtl="0" eaLnBrk="1" fontAlgn="auto" latinLnBrk="0" hangingPunct="1">
+              <a:lnSpc>
+                <a:spcPct val="100000"/>
+              </a:lnSpc>
+              <a:spcBef>
+                <a:spcPts val="0"/>
+              </a:spcBef>
+              <a:spcAft>
+                <a:spcPts val="0"/>
+              </a:spcAft>
+              <a:buClrTx/>
+              <a:buSzTx/>
+              <a:buFontTx/>
+              <a:buNone/>
+              <a:tabLst/>
+              <a:defRPr/>
+            </a:pPr>
+            <a:endParaRPr lang="en-US" dirty="0"/>
+          </a:p>
+          <a:p>
+            <a:pPr marL="0" marR="0" lvl="0" indent="0" algn="l" defTabSz="914400" rtl="0" eaLnBrk="1" fontAlgn="auto" latinLnBrk="0" hangingPunct="1">
+              <a:lnSpc>
+                <a:spcPct val="100000"/>
+              </a:lnSpc>
+              <a:spcBef>
+                <a:spcPts val="0"/>
+              </a:spcBef>
+              <a:spcAft>
+                <a:spcPts val="0"/>
+              </a:spcAft>
+              <a:buClrTx/>
+              <a:buSzTx/>
+              <a:buFontTx/>
+              <a:buNone/>
+              <a:tabLst/>
+              <a:defRPr/>
+            </a:pPr>
+            <a:r>
+              <a:rPr lang="en-US" dirty="0"/>
+              <a:t>To achieve a successful communication, both partners need to provide </a:t>
+            </a:r>
+            <a:r>
+              <a:rPr lang="en-GB" dirty="0"/>
+              <a:t>protocol features</a:t>
+            </a:r>
+          </a:p>
+          <a:p>
+            <a:pPr marL="0" marR="0" lvl="0" indent="0" algn="l" defTabSz="914400" rtl="0" eaLnBrk="1" fontAlgn="auto" latinLnBrk="0" hangingPunct="1">
+              <a:lnSpc>
+                <a:spcPct val="100000"/>
+              </a:lnSpc>
+              <a:spcBef>
+                <a:spcPts val="0"/>
+              </a:spcBef>
+              <a:spcAft>
+                <a:spcPts val="0"/>
+              </a:spcAft>
+              <a:buClrTx/>
+              <a:buSzTx/>
+              <a:buFontTx/>
+              <a:buNone/>
+              <a:tabLst/>
+              <a:defRPr/>
+            </a:pPr>
+            <a:r>
+              <a:rPr lang="en-GB" dirty="0"/>
+              <a:t>-&gt; De-/Encoding of PDUs</a:t>
+            </a:r>
+          </a:p>
+          <a:p>
+            <a:pPr marL="0" marR="0" lvl="0" indent="0" algn="l" defTabSz="914400" rtl="0" eaLnBrk="1" fontAlgn="auto" latinLnBrk="0" hangingPunct="1">
+              <a:lnSpc>
+                <a:spcPct val="100000"/>
+              </a:lnSpc>
+              <a:spcBef>
+                <a:spcPts val="0"/>
+              </a:spcBef>
+              <a:spcAft>
+                <a:spcPts val="0"/>
+              </a:spcAft>
+              <a:buClrTx/>
+              <a:buSzTx/>
+              <a:buFontTx/>
+              <a:buNone/>
+              <a:tabLst/>
+              <a:defRPr/>
+            </a:pPr>
+            <a:r>
+              <a:rPr lang="en-GB" dirty="0"/>
+              <a:t>-&gt; Error detection, to detect errors while transmission</a:t>
+            </a:r>
+          </a:p>
+          <a:p>
+            <a:pPr marL="0" marR="0" lvl="0" indent="0" algn="l" defTabSz="914400" rtl="0" eaLnBrk="1" fontAlgn="auto" latinLnBrk="0" hangingPunct="1">
+              <a:lnSpc>
+                <a:spcPct val="100000"/>
+              </a:lnSpc>
+              <a:spcBef>
+                <a:spcPts val="0"/>
+              </a:spcBef>
+              <a:spcAft>
+                <a:spcPts val="0"/>
+              </a:spcAft>
+              <a:buClrTx/>
+              <a:buSzTx/>
+              <a:buFontTx/>
+              <a:buNone/>
+              <a:tabLst/>
+              <a:defRPr/>
+            </a:pPr>
+            <a:endParaRPr lang="en-GB" dirty="0"/>
+          </a:p>
+          <a:p>
+            <a:pPr marL="0" marR="0" lvl="0" indent="0" algn="l" defTabSz="914400" rtl="0" eaLnBrk="1" fontAlgn="auto" latinLnBrk="0" hangingPunct="1">
+              <a:lnSpc>
+                <a:spcPct val="100000"/>
+              </a:lnSpc>
+              <a:spcBef>
+                <a:spcPts val="0"/>
+              </a:spcBef>
+              <a:spcAft>
+                <a:spcPts val="0"/>
+              </a:spcAft>
+              <a:buClrTx/>
+              <a:buSzTx/>
+              <a:buFontTx/>
+              <a:buNone/>
+              <a:tabLst/>
+              <a:defRPr/>
+            </a:pPr>
+            <a:r>
+              <a:rPr lang="de-DE" dirty="0"/>
+              <a:t>An </a:t>
+            </a:r>
+            <a:r>
+              <a:rPr lang="de-DE" dirty="0" err="1"/>
+              <a:t>important</a:t>
+            </a:r>
+            <a:r>
+              <a:rPr lang="de-DE" dirty="0"/>
+              <a:t> </a:t>
+            </a:r>
+            <a:r>
+              <a:rPr lang="de-DE" dirty="0" err="1"/>
+              <a:t>term</a:t>
+            </a:r>
+            <a:r>
+              <a:rPr lang="de-DE" dirty="0"/>
+              <a:t> in </a:t>
+            </a:r>
+            <a:r>
+              <a:rPr lang="de-DE" dirty="0" err="1"/>
+              <a:t>protocol</a:t>
+            </a:r>
+            <a:r>
+              <a:rPr lang="de-DE" dirty="0"/>
+              <a:t> </a:t>
+            </a:r>
+            <a:r>
+              <a:rPr lang="de-DE" dirty="0" err="1"/>
+              <a:t>technology</a:t>
+            </a:r>
+            <a:r>
+              <a:rPr lang="de-DE" dirty="0"/>
+              <a:t> </a:t>
+            </a:r>
+            <a:r>
+              <a:rPr lang="de-DE" dirty="0" err="1"/>
+              <a:t>is</a:t>
+            </a:r>
+            <a:r>
+              <a:rPr lang="de-DE" dirty="0"/>
+              <a:t> </a:t>
+            </a:r>
+            <a:r>
+              <a:rPr lang="de-DE" dirty="0" err="1"/>
+              <a:t>the</a:t>
+            </a:r>
+            <a:r>
+              <a:rPr lang="de-DE" dirty="0"/>
+              <a:t> </a:t>
+            </a:r>
+            <a:r>
+              <a:rPr lang="de-DE" dirty="0" err="1"/>
+              <a:t>layer</a:t>
+            </a:r>
+            <a:r>
+              <a:rPr lang="de-DE" dirty="0"/>
+              <a:t>.</a:t>
+            </a:r>
+          </a:p>
+          <a:p>
+            <a:pPr marL="0" marR="0" lvl="0" indent="0" algn="l" defTabSz="914400" rtl="0" eaLnBrk="1" fontAlgn="auto" latinLnBrk="0" hangingPunct="1">
+              <a:lnSpc>
+                <a:spcPct val="100000"/>
+              </a:lnSpc>
+              <a:spcBef>
+                <a:spcPts val="0"/>
+              </a:spcBef>
+              <a:spcAft>
+                <a:spcPts val="0"/>
+              </a:spcAft>
+              <a:buClrTx/>
+              <a:buSzTx/>
+              <a:buFontTx/>
+              <a:buNone/>
+              <a:tabLst/>
+              <a:defRPr/>
+            </a:pPr>
+            <a:r>
+              <a:rPr lang="de-DE" dirty="0" err="1"/>
+              <a:t>Basically</a:t>
+            </a:r>
+            <a:r>
+              <a:rPr lang="de-DE" dirty="0"/>
+              <a:t> </a:t>
+            </a:r>
+            <a:r>
+              <a:rPr lang="de-DE" dirty="0" err="1"/>
+              <a:t>each</a:t>
+            </a:r>
+            <a:r>
+              <a:rPr lang="de-DE" dirty="0"/>
+              <a:t> </a:t>
+            </a:r>
+            <a:r>
+              <a:rPr lang="de-DE" dirty="0" err="1"/>
+              <a:t>layer</a:t>
+            </a:r>
+            <a:r>
+              <a:rPr lang="de-DE" dirty="0"/>
+              <a:t> </a:t>
+            </a:r>
+            <a:r>
+              <a:rPr lang="de-DE" dirty="0" err="1"/>
+              <a:t>provides</a:t>
+            </a:r>
+            <a:r>
+              <a:rPr lang="de-DE" dirty="0"/>
+              <a:t> </a:t>
+            </a:r>
+            <a:r>
+              <a:rPr lang="de-DE" dirty="0" err="1"/>
+              <a:t>functions</a:t>
+            </a:r>
+            <a:r>
+              <a:rPr lang="de-DE" dirty="0"/>
+              <a:t> </a:t>
+            </a:r>
+            <a:r>
+              <a:rPr lang="en-US" dirty="0"/>
+              <a:t>to fulfill a specific goal. </a:t>
+            </a:r>
+          </a:p>
+          <a:p>
+            <a:pPr marL="0" marR="0" lvl="0" indent="0" algn="l" defTabSz="914400" rtl="0" eaLnBrk="1" fontAlgn="auto" latinLnBrk="0" hangingPunct="1">
+              <a:lnSpc>
+                <a:spcPct val="100000"/>
+              </a:lnSpc>
+              <a:spcBef>
+                <a:spcPts val="0"/>
+              </a:spcBef>
+              <a:spcAft>
+                <a:spcPts val="0"/>
+              </a:spcAft>
+              <a:buClrTx/>
+              <a:buSzTx/>
+              <a:buFontTx/>
+              <a:buNone/>
+              <a:tabLst/>
+              <a:defRPr/>
+            </a:pPr>
+            <a:r>
+              <a:rPr lang="en-GB" dirty="0"/>
+              <a:t>-&gt; serves the layer above and is served by the layer below (but does not need to know how the other layers are implemented)</a:t>
+            </a:r>
+          </a:p>
+          <a:p>
+            <a:pPr marL="0" marR="0" lvl="0" indent="0" algn="l" defTabSz="914400" rtl="0" eaLnBrk="1" fontAlgn="auto" latinLnBrk="0" hangingPunct="1">
+              <a:lnSpc>
+                <a:spcPct val="100000"/>
+              </a:lnSpc>
+              <a:spcBef>
+                <a:spcPts val="0"/>
+              </a:spcBef>
+              <a:spcAft>
+                <a:spcPts val="0"/>
+              </a:spcAft>
+              <a:buClrTx/>
+              <a:buSzTx/>
+              <a:buFontTx/>
+              <a:buNone/>
+              <a:tabLst/>
+              <a:defRPr/>
+            </a:pPr>
+            <a:endParaRPr lang="en-US" dirty="0"/>
+          </a:p>
+          <a:p>
+            <a:pPr marL="0" marR="0" lvl="0" indent="0" algn="l" defTabSz="914400" rtl="0" eaLnBrk="1" fontAlgn="auto" latinLnBrk="0" hangingPunct="1">
+              <a:lnSpc>
+                <a:spcPct val="100000"/>
+              </a:lnSpc>
+              <a:spcBef>
+                <a:spcPts val="0"/>
+              </a:spcBef>
+              <a:spcAft>
+                <a:spcPts val="0"/>
+              </a:spcAft>
+              <a:buClrTx/>
+              <a:buSzTx/>
+              <a:buFontTx/>
+              <a:buNone/>
+              <a:tabLst/>
+              <a:defRPr/>
+            </a:pPr>
+            <a:endParaRPr lang="en-US" dirty="0"/>
+          </a:p>
+          <a:p>
+            <a:pPr marL="0" marR="0" lvl="0" indent="0" algn="l" defTabSz="914400" rtl="0" eaLnBrk="1" fontAlgn="auto" latinLnBrk="0" hangingPunct="1">
+              <a:lnSpc>
+                <a:spcPct val="100000"/>
+              </a:lnSpc>
+              <a:spcBef>
+                <a:spcPts val="0"/>
+              </a:spcBef>
+              <a:spcAft>
+                <a:spcPts val="0"/>
+              </a:spcAft>
+              <a:buClrTx/>
+              <a:buSzTx/>
+              <a:buFontTx/>
+              <a:buNone/>
+              <a:tabLst/>
+              <a:defRPr/>
+            </a:pPr>
+            <a:endParaRPr lang="en-US" dirty="0"/>
+          </a:p>
+          <a:p>
+            <a:pPr marL="0" marR="0" lvl="0" indent="0" algn="l" defTabSz="914400" rtl="0" eaLnBrk="1" fontAlgn="auto" latinLnBrk="0" hangingPunct="1">
+              <a:lnSpc>
+                <a:spcPct val="100000"/>
+              </a:lnSpc>
+              <a:spcBef>
+                <a:spcPts val="0"/>
+              </a:spcBef>
+              <a:spcAft>
+                <a:spcPts val="0"/>
+              </a:spcAft>
+              <a:buClrTx/>
+              <a:buSzTx/>
+              <a:buFontTx/>
+              <a:buNone/>
+              <a:tabLst/>
+              <a:defRPr/>
+            </a:pPr>
+            <a:endParaRPr lang="en-US" dirty="0"/>
+          </a:p>
+          <a:p>
+            <a:pPr marL="0" marR="0" lvl="0" indent="0" algn="l" defTabSz="914400" rtl="0" eaLnBrk="1" fontAlgn="auto" latinLnBrk="0" hangingPunct="1">
+              <a:lnSpc>
+                <a:spcPct val="100000"/>
+              </a:lnSpc>
+              <a:spcBef>
+                <a:spcPts val="0"/>
+              </a:spcBef>
+              <a:spcAft>
+                <a:spcPts val="0"/>
+              </a:spcAft>
+              <a:buClrTx/>
+              <a:buSzTx/>
+              <a:buFontTx/>
+              <a:buNone/>
+              <a:tabLst/>
+              <a:defRPr/>
+            </a:pPr>
+            <a:endParaRPr dirty="0"/>
           </a:p>
         </p:txBody>
       </p:sp>
@@ -4820,7 +5496,913 @@
           <a:bodyPr lIns="0" tIns="0" rIns="0" bIns="0"/>
           <a:lstStyle/>
           <a:p>
-            <a:endParaRPr/>
+            <a:r>
+              <a:rPr lang="en-US" dirty="0"/>
+              <a:t>To clarify the basics mentioned, we take a look at the protocol we designed.</a:t>
+            </a:r>
+          </a:p>
+          <a:p>
+            <a:r>
+              <a:rPr lang="en-US" dirty="0"/>
+              <a:t>While the design process the waterfall model was used. </a:t>
+            </a:r>
+          </a:p>
+          <a:p>
+            <a:r>
+              <a:rPr lang="en-US" dirty="0"/>
+              <a:t>This method intends a requirement analysis as the first step. </a:t>
+            </a:r>
+          </a:p>
+          <a:p>
+            <a:r>
+              <a:rPr lang="en-US" dirty="0"/>
+              <a:t>Here different requirements were set, like the protocol needs to be robust.</a:t>
+            </a:r>
+          </a:p>
+          <a:p>
+            <a:r>
+              <a:rPr lang="en-US" dirty="0"/>
+              <a:t>In this context robust means, that </a:t>
+            </a:r>
+            <a:r>
+              <a:rPr lang="de-DE" dirty="0" err="1"/>
+              <a:t>transmission</a:t>
+            </a:r>
+            <a:r>
+              <a:rPr lang="de-DE" dirty="0"/>
+              <a:t> </a:t>
+            </a:r>
+            <a:r>
+              <a:rPr lang="de-DE" dirty="0" err="1"/>
+              <a:t>errors</a:t>
+            </a:r>
+            <a:r>
+              <a:rPr lang="de-DE" dirty="0"/>
+              <a:t> </a:t>
+            </a:r>
+            <a:r>
+              <a:rPr lang="de-DE" dirty="0" err="1"/>
+              <a:t>need</a:t>
+            </a:r>
+            <a:r>
+              <a:rPr lang="de-DE" dirty="0"/>
+              <a:t> </a:t>
+            </a:r>
+            <a:r>
+              <a:rPr lang="de-DE" dirty="0" err="1"/>
+              <a:t>to</a:t>
+            </a:r>
+            <a:r>
+              <a:rPr lang="de-DE" dirty="0"/>
+              <a:t> </a:t>
+            </a:r>
+            <a:r>
+              <a:rPr lang="de-DE" dirty="0" err="1"/>
+              <a:t>be</a:t>
+            </a:r>
+            <a:r>
+              <a:rPr lang="de-DE" dirty="0"/>
+              <a:t> </a:t>
+            </a:r>
+            <a:r>
+              <a:rPr lang="de-DE" dirty="0" err="1"/>
+              <a:t>detected</a:t>
+            </a:r>
+            <a:r>
+              <a:rPr lang="de-DE" dirty="0"/>
+              <a:t> and </a:t>
+            </a:r>
+            <a:r>
+              <a:rPr lang="de-DE" dirty="0" err="1"/>
+              <a:t>handeld</a:t>
+            </a:r>
+            <a:r>
+              <a:rPr lang="de-DE" dirty="0"/>
+              <a:t> AND </a:t>
+            </a:r>
+            <a:r>
+              <a:rPr lang="de-DE" dirty="0" err="1"/>
+              <a:t>there</a:t>
+            </a:r>
+            <a:r>
+              <a:rPr lang="de-DE" dirty="0"/>
+              <a:t> </a:t>
+            </a:r>
+            <a:r>
+              <a:rPr lang="de-DE" dirty="0" err="1"/>
+              <a:t>should</a:t>
+            </a:r>
+            <a:r>
+              <a:rPr lang="de-DE" dirty="0"/>
+              <a:t> </a:t>
+            </a:r>
+            <a:r>
+              <a:rPr lang="de-DE" dirty="0" err="1"/>
+              <a:t>never</a:t>
+            </a:r>
+            <a:r>
+              <a:rPr lang="de-DE" dirty="0"/>
+              <a:t> </a:t>
+            </a:r>
+            <a:r>
+              <a:rPr lang="de-DE" dirty="0" err="1"/>
+              <a:t>be</a:t>
+            </a:r>
+            <a:r>
+              <a:rPr lang="de-DE" dirty="0"/>
+              <a:t> a Live- </a:t>
+            </a:r>
+            <a:r>
+              <a:rPr lang="de-DE" dirty="0" err="1"/>
+              <a:t>or</a:t>
+            </a:r>
+            <a:r>
+              <a:rPr lang="de-DE" dirty="0"/>
+              <a:t> a Deadlock. So </a:t>
+            </a:r>
+            <a:r>
+              <a:rPr lang="en-US" dirty="0"/>
+              <a:t>the program must never hang up.</a:t>
+            </a:r>
+          </a:p>
+          <a:p>
+            <a:endParaRPr lang="en-US" dirty="0"/>
+          </a:p>
+          <a:p>
+            <a:r>
+              <a:rPr lang="en-US" dirty="0"/>
+              <a:t>The transfer needs to be fast of course, to reach a high data </a:t>
+            </a:r>
+            <a:r>
+              <a:rPr lang="en-US" dirty="0" err="1"/>
+              <a:t>throuput</a:t>
+            </a:r>
+            <a:r>
+              <a:rPr lang="en-US" dirty="0"/>
+              <a:t> (so the </a:t>
+            </a:r>
+            <a:r>
+              <a:rPr lang="en-US" dirty="0" err="1"/>
+              <a:t>hexacopter</a:t>
+            </a:r>
+            <a:r>
+              <a:rPr lang="en-US" dirty="0"/>
+              <a:t> can be </a:t>
+            </a:r>
+            <a:r>
+              <a:rPr lang="de-DE" dirty="0" err="1"/>
+              <a:t>stably</a:t>
+            </a:r>
+            <a:r>
+              <a:rPr lang="de-DE" dirty="0"/>
+              <a:t> </a:t>
+            </a:r>
+            <a:r>
+              <a:rPr lang="de-DE" dirty="0" err="1"/>
+              <a:t>controlled</a:t>
+            </a:r>
+            <a:r>
+              <a:rPr lang="en-US" dirty="0"/>
+              <a:t>).</a:t>
+            </a:r>
+          </a:p>
+          <a:p>
+            <a:r>
+              <a:rPr lang="de-DE" dirty="0" err="1"/>
+              <a:t>For</a:t>
+            </a:r>
+            <a:r>
+              <a:rPr lang="de-DE" dirty="0"/>
+              <a:t> </a:t>
+            </a:r>
+            <a:r>
+              <a:rPr lang="de-DE" dirty="0" err="1"/>
+              <a:t>the</a:t>
+            </a:r>
+            <a:r>
+              <a:rPr lang="de-DE" dirty="0"/>
+              <a:t> same </a:t>
+            </a:r>
+            <a:r>
+              <a:rPr lang="de-DE" dirty="0" err="1"/>
+              <a:t>reason</a:t>
+            </a:r>
+            <a:r>
+              <a:rPr lang="de-DE" dirty="0"/>
+              <a:t> </a:t>
+            </a:r>
+            <a:r>
+              <a:rPr lang="de-DE" dirty="0" err="1"/>
+              <a:t>the</a:t>
+            </a:r>
+            <a:r>
+              <a:rPr lang="de-DE" dirty="0"/>
+              <a:t> hole </a:t>
+            </a:r>
+            <a:r>
+              <a:rPr lang="de-DE" dirty="0" err="1"/>
+              <a:t>implementation</a:t>
+            </a:r>
+            <a:r>
+              <a:rPr lang="de-DE" dirty="0"/>
+              <a:t> </a:t>
+            </a:r>
+            <a:r>
+              <a:rPr lang="de-DE" dirty="0" err="1"/>
+              <a:t>needs</a:t>
+            </a:r>
+            <a:r>
+              <a:rPr lang="de-DE" dirty="0"/>
+              <a:t> </a:t>
+            </a:r>
+            <a:r>
+              <a:rPr lang="de-DE" dirty="0" err="1"/>
+              <a:t>to</a:t>
+            </a:r>
+            <a:r>
+              <a:rPr lang="de-DE" dirty="0"/>
+              <a:t> </a:t>
+            </a:r>
+            <a:r>
+              <a:rPr lang="de-DE" dirty="0" err="1"/>
+              <a:t>be</a:t>
+            </a:r>
+            <a:r>
+              <a:rPr lang="de-DE" dirty="0"/>
+              <a:t> </a:t>
+            </a:r>
+            <a:r>
+              <a:rPr lang="de-DE" dirty="0" err="1"/>
+              <a:t>realtime</a:t>
+            </a:r>
+            <a:r>
+              <a:rPr lang="de-DE" dirty="0"/>
+              <a:t> – </a:t>
+            </a:r>
+            <a:r>
+              <a:rPr lang="de-DE" dirty="0" err="1"/>
+              <a:t>capable</a:t>
+            </a:r>
+            <a:r>
+              <a:rPr lang="de-DE" dirty="0"/>
+              <a:t>.</a:t>
+            </a:r>
+          </a:p>
+          <a:p>
+            <a:endParaRPr lang="de-DE" dirty="0"/>
+          </a:p>
+          <a:p>
+            <a:r>
+              <a:rPr lang="de-DE" dirty="0"/>
+              <a:t>Last but not least, </a:t>
+            </a:r>
+            <a:r>
+              <a:rPr lang="de-DE" dirty="0" err="1"/>
+              <a:t>the</a:t>
+            </a:r>
+            <a:r>
+              <a:rPr lang="de-DE" dirty="0"/>
+              <a:t> </a:t>
+            </a:r>
+            <a:r>
+              <a:rPr lang="de-DE" dirty="0" err="1"/>
+              <a:t>implementation</a:t>
+            </a:r>
+            <a:r>
+              <a:rPr lang="de-DE" dirty="0"/>
+              <a:t> </a:t>
+            </a:r>
+            <a:r>
+              <a:rPr lang="de-DE" dirty="0" err="1"/>
+              <a:t>should</a:t>
+            </a:r>
+            <a:r>
+              <a:rPr lang="de-DE" dirty="0"/>
+              <a:t> </a:t>
+            </a:r>
+            <a:r>
+              <a:rPr lang="de-DE" dirty="0" err="1"/>
+              <a:t>be</a:t>
+            </a:r>
+            <a:r>
+              <a:rPr lang="de-DE" dirty="0"/>
+              <a:t> </a:t>
+            </a:r>
+            <a:r>
+              <a:rPr lang="de-DE" dirty="0" err="1"/>
+              <a:t>easily</a:t>
+            </a:r>
+            <a:r>
+              <a:rPr lang="de-DE" dirty="0"/>
+              <a:t> </a:t>
+            </a:r>
+            <a:r>
+              <a:rPr lang="de-DE" dirty="0" err="1"/>
+              <a:t>expandable</a:t>
+            </a:r>
+            <a:r>
+              <a:rPr lang="de-DE" dirty="0"/>
+              <a:t>, so </a:t>
+            </a:r>
+            <a:r>
+              <a:rPr lang="de-DE" dirty="0" err="1"/>
+              <a:t>it</a:t>
+            </a:r>
+            <a:r>
+              <a:rPr lang="de-DE" dirty="0"/>
+              <a:t> </a:t>
+            </a:r>
+            <a:r>
+              <a:rPr lang="de-DE" dirty="0" err="1"/>
+              <a:t>should</a:t>
+            </a:r>
+            <a:r>
+              <a:rPr lang="de-DE" dirty="0"/>
+              <a:t> </a:t>
+            </a:r>
+            <a:r>
+              <a:rPr lang="de-DE" dirty="0" err="1"/>
+              <a:t>be</a:t>
+            </a:r>
+            <a:r>
+              <a:rPr lang="de-DE" dirty="0"/>
+              <a:t> possible </a:t>
+            </a:r>
+            <a:r>
+              <a:rPr lang="de-DE" dirty="0" err="1"/>
+              <a:t>to</a:t>
+            </a:r>
+            <a:r>
+              <a:rPr lang="de-DE" dirty="0"/>
+              <a:t> </a:t>
+            </a:r>
+            <a:r>
+              <a:rPr lang="de-DE" dirty="0" err="1"/>
+              <a:t>add</a:t>
+            </a:r>
+            <a:r>
+              <a:rPr lang="de-DE" dirty="0"/>
+              <a:t> and </a:t>
+            </a:r>
+            <a:r>
+              <a:rPr lang="de-DE" dirty="0" err="1"/>
+              <a:t>remove</a:t>
+            </a:r>
+            <a:r>
+              <a:rPr lang="de-DE" dirty="0"/>
+              <a:t> </a:t>
+            </a:r>
+            <a:r>
+              <a:rPr lang="de-DE" dirty="0" err="1"/>
+              <a:t>new</a:t>
+            </a:r>
+            <a:r>
+              <a:rPr lang="de-DE" dirty="0"/>
+              <a:t> </a:t>
+            </a:r>
+            <a:r>
+              <a:rPr lang="de-DE" dirty="0" err="1"/>
+              <a:t>sensory</a:t>
+            </a:r>
+            <a:r>
+              <a:rPr lang="de-DE" dirty="0"/>
+              <a:t> </a:t>
+            </a:r>
+            <a:r>
+              <a:rPr lang="de-DE" dirty="0" err="1"/>
+              <a:t>by</a:t>
+            </a:r>
+            <a:r>
+              <a:rPr lang="de-DE" dirty="0"/>
+              <a:t> </a:t>
+            </a:r>
+            <a:r>
+              <a:rPr lang="de-DE" dirty="0" err="1"/>
+              <a:t>small</a:t>
+            </a:r>
+            <a:r>
+              <a:rPr lang="de-DE" dirty="0"/>
+              <a:t> </a:t>
+            </a:r>
+            <a:r>
+              <a:rPr lang="de-DE" dirty="0" err="1"/>
+              <a:t>effort</a:t>
+            </a:r>
+            <a:r>
+              <a:rPr lang="de-DE" dirty="0"/>
+              <a:t>.</a:t>
+            </a:r>
+          </a:p>
+          <a:p>
+            <a:endParaRPr lang="de-DE" dirty="0"/>
+          </a:p>
+          <a:p>
+            <a:pPr marL="0" marR="0" lvl="0" indent="0" algn="l" defTabSz="914400" rtl="0" eaLnBrk="1" fontAlgn="auto" latinLnBrk="0" hangingPunct="1">
+              <a:lnSpc>
+                <a:spcPct val="100000"/>
+              </a:lnSpc>
+              <a:spcBef>
+                <a:spcPts val="0"/>
+              </a:spcBef>
+              <a:spcAft>
+                <a:spcPts val="0"/>
+              </a:spcAft>
+              <a:buClrTx/>
+              <a:buSzTx/>
+              <a:buFontTx/>
+              <a:buNone/>
+              <a:tabLst/>
+              <a:defRPr/>
+            </a:pPr>
+            <a:r>
+              <a:rPr lang="de-DE" dirty="0"/>
+              <a:t>The </a:t>
+            </a:r>
+            <a:r>
+              <a:rPr lang="de-DE" dirty="0" err="1"/>
+              <a:t>next</a:t>
+            </a:r>
+            <a:r>
+              <a:rPr lang="de-DE" dirty="0"/>
+              <a:t> </a:t>
+            </a:r>
+            <a:r>
+              <a:rPr lang="de-DE" dirty="0" err="1"/>
+              <a:t>step</a:t>
+            </a:r>
+            <a:r>
+              <a:rPr lang="de-DE" dirty="0"/>
+              <a:t> </a:t>
+            </a:r>
+            <a:r>
+              <a:rPr lang="de-DE" dirty="0" err="1"/>
+              <a:t>is</a:t>
+            </a:r>
+            <a:r>
+              <a:rPr lang="de-DE" dirty="0"/>
+              <a:t> </a:t>
+            </a:r>
+            <a:r>
+              <a:rPr lang="de-DE" dirty="0" err="1"/>
+              <a:t>the</a:t>
+            </a:r>
+            <a:r>
+              <a:rPr lang="de-DE" dirty="0"/>
+              <a:t> </a:t>
+            </a:r>
+            <a:r>
+              <a:rPr lang="de-DE" dirty="0" err="1"/>
+              <a:t>protocol</a:t>
+            </a:r>
+            <a:r>
+              <a:rPr lang="de-DE" dirty="0"/>
+              <a:t> design. </a:t>
+            </a:r>
+            <a:r>
+              <a:rPr lang="de-DE" dirty="0" err="1"/>
+              <a:t>Our</a:t>
+            </a:r>
+            <a:r>
+              <a:rPr lang="de-DE" dirty="0"/>
+              <a:t> </a:t>
+            </a:r>
+            <a:r>
+              <a:rPr lang="de-DE" dirty="0" err="1"/>
+              <a:t>protocol</a:t>
+            </a:r>
+            <a:r>
+              <a:rPr lang="de-DE" dirty="0"/>
+              <a:t> </a:t>
+            </a:r>
+            <a:r>
+              <a:rPr lang="de-DE" dirty="0" err="1"/>
+              <a:t>is</a:t>
+            </a:r>
+            <a:r>
+              <a:rPr lang="de-DE" dirty="0"/>
+              <a:t> </a:t>
+            </a:r>
+            <a:r>
+              <a:rPr lang="de-DE" dirty="0" err="1"/>
+              <a:t>based</a:t>
+            </a:r>
+            <a:r>
+              <a:rPr lang="de-DE" dirty="0"/>
+              <a:t> on COBS (</a:t>
+            </a:r>
+            <a:r>
+              <a:rPr lang="en-GB" sz="1200" b="0" dirty="0"/>
+              <a:t>Consistent Overhead Byte Stuffing</a:t>
+            </a:r>
+            <a:r>
+              <a:rPr lang="de-DE" dirty="0"/>
+              <a:t>), I will </a:t>
+            </a:r>
+            <a:r>
+              <a:rPr lang="de-DE" dirty="0" err="1"/>
+              <a:t>go</a:t>
+            </a:r>
+            <a:r>
+              <a:rPr lang="de-DE" dirty="0"/>
+              <a:t> </a:t>
+            </a:r>
+            <a:r>
+              <a:rPr lang="de-DE" dirty="0" err="1"/>
+              <a:t>into</a:t>
+            </a:r>
+            <a:r>
+              <a:rPr lang="de-DE" dirty="0"/>
+              <a:t> </a:t>
+            </a:r>
+            <a:r>
+              <a:rPr lang="de-DE" dirty="0" err="1"/>
+              <a:t>more</a:t>
+            </a:r>
+            <a:r>
+              <a:rPr lang="de-DE" dirty="0"/>
+              <a:t> </a:t>
+            </a:r>
+            <a:r>
+              <a:rPr lang="de-DE" dirty="0" err="1"/>
+              <a:t>detail</a:t>
+            </a:r>
+            <a:r>
+              <a:rPr lang="de-DE" dirty="0"/>
+              <a:t> on </a:t>
+            </a:r>
+            <a:r>
+              <a:rPr lang="de-DE" dirty="0" err="1"/>
+              <a:t>the</a:t>
+            </a:r>
+            <a:r>
+              <a:rPr lang="de-DE" dirty="0"/>
+              <a:t> </a:t>
+            </a:r>
+            <a:r>
+              <a:rPr lang="de-DE" dirty="0" err="1"/>
+              <a:t>next</a:t>
+            </a:r>
+            <a:r>
+              <a:rPr lang="de-DE" dirty="0"/>
+              <a:t> </a:t>
+            </a:r>
+            <a:r>
+              <a:rPr lang="de-DE" dirty="0" err="1"/>
+              <a:t>slide</a:t>
+            </a:r>
+            <a:r>
+              <a:rPr lang="de-DE" dirty="0"/>
+              <a:t>. </a:t>
+            </a:r>
+          </a:p>
+          <a:p>
+            <a:pPr marL="0" marR="0" lvl="0" indent="0" algn="l" defTabSz="914400" rtl="0" eaLnBrk="1" fontAlgn="auto" latinLnBrk="0" hangingPunct="1">
+              <a:lnSpc>
+                <a:spcPct val="100000"/>
+              </a:lnSpc>
+              <a:spcBef>
+                <a:spcPts val="0"/>
+              </a:spcBef>
+              <a:spcAft>
+                <a:spcPts val="0"/>
+              </a:spcAft>
+              <a:buClrTx/>
+              <a:buSzTx/>
+              <a:buFontTx/>
+              <a:buNone/>
+              <a:tabLst/>
+              <a:defRPr/>
+            </a:pPr>
+            <a:r>
+              <a:rPr lang="de-DE" dirty="0" err="1"/>
+              <a:t>For</a:t>
+            </a:r>
+            <a:r>
+              <a:rPr lang="de-DE" dirty="0"/>
+              <a:t> </a:t>
+            </a:r>
+            <a:r>
+              <a:rPr lang="de-DE" dirty="0" err="1"/>
+              <a:t>the</a:t>
+            </a:r>
+            <a:r>
+              <a:rPr lang="de-DE" dirty="0"/>
+              <a:t> </a:t>
+            </a:r>
+            <a:r>
+              <a:rPr lang="en-GB" dirty="0"/>
+              <a:t>Error detection the Fletchers Checksum is used. This means, we are calculating a checksum </a:t>
+            </a:r>
+            <a:r>
+              <a:rPr lang="en-US" dirty="0"/>
+              <a:t>based on the byte sequence to be sent. This calculated Checksum is then </a:t>
+            </a:r>
+            <a:r>
+              <a:rPr lang="de-DE" dirty="0" err="1"/>
+              <a:t>attached</a:t>
+            </a:r>
+            <a:r>
+              <a:rPr lang="de-DE" dirty="0"/>
+              <a:t> </a:t>
+            </a:r>
+            <a:r>
+              <a:rPr lang="de-DE" dirty="0" err="1"/>
+              <a:t>to</a:t>
+            </a:r>
+            <a:r>
+              <a:rPr lang="de-DE" dirty="0"/>
+              <a:t> </a:t>
+            </a:r>
+            <a:r>
+              <a:rPr lang="de-DE" dirty="0" err="1"/>
+              <a:t>the</a:t>
+            </a:r>
+            <a:r>
+              <a:rPr lang="de-DE" dirty="0"/>
+              <a:t> send-</a:t>
+            </a:r>
+            <a:r>
+              <a:rPr lang="de-DE" dirty="0" err="1"/>
+              <a:t>package</a:t>
+            </a:r>
+            <a:r>
+              <a:rPr lang="de-DE" dirty="0"/>
+              <a:t>, and </a:t>
+            </a:r>
+            <a:r>
+              <a:rPr lang="de-DE" dirty="0" err="1"/>
+              <a:t>can</a:t>
+            </a:r>
+            <a:r>
+              <a:rPr lang="de-DE" dirty="0"/>
+              <a:t> </a:t>
+            </a:r>
+            <a:r>
+              <a:rPr lang="de-DE" dirty="0" err="1"/>
+              <a:t>be</a:t>
+            </a:r>
+            <a:r>
+              <a:rPr lang="de-DE" dirty="0"/>
+              <a:t> </a:t>
+            </a:r>
+            <a:r>
+              <a:rPr lang="de-DE" dirty="0" err="1"/>
+              <a:t>checked</a:t>
+            </a:r>
+            <a:r>
+              <a:rPr lang="de-DE" dirty="0"/>
+              <a:t> on </a:t>
+            </a:r>
+            <a:r>
+              <a:rPr lang="de-DE" dirty="0" err="1"/>
+              <a:t>the</a:t>
+            </a:r>
+            <a:r>
+              <a:rPr lang="de-DE" dirty="0"/>
+              <a:t> </a:t>
+            </a:r>
+            <a:r>
+              <a:rPr lang="de-DE" dirty="0" err="1"/>
+              <a:t>receiving</a:t>
+            </a:r>
+            <a:r>
+              <a:rPr lang="de-DE" dirty="0"/>
+              <a:t> </a:t>
+            </a:r>
+            <a:r>
+              <a:rPr lang="de-DE" dirty="0" err="1"/>
+              <a:t>side</a:t>
+            </a:r>
+            <a:r>
+              <a:rPr lang="de-DE" dirty="0"/>
+              <a:t>. </a:t>
+            </a:r>
+          </a:p>
+          <a:p>
+            <a:pPr marL="0" marR="0" lvl="0" indent="0" algn="l" defTabSz="914400" rtl="0" eaLnBrk="1" fontAlgn="auto" latinLnBrk="0" hangingPunct="1">
+              <a:lnSpc>
+                <a:spcPct val="100000"/>
+              </a:lnSpc>
+              <a:spcBef>
+                <a:spcPts val="0"/>
+              </a:spcBef>
+              <a:spcAft>
+                <a:spcPts val="0"/>
+              </a:spcAft>
+              <a:buClrTx/>
+              <a:buSzTx/>
+              <a:buFontTx/>
+              <a:buNone/>
+              <a:tabLst/>
+              <a:defRPr/>
+            </a:pPr>
+            <a:endParaRPr lang="de-DE" dirty="0"/>
+          </a:p>
+          <a:p>
+            <a:r>
+              <a:rPr lang="en-GB" dirty="0"/>
+              <a:t>The Design is followed by the Implementation, which should translate the design specification into </a:t>
+            </a:r>
+            <a:endParaRPr lang="de-DE" dirty="0"/>
+          </a:p>
+          <a:p>
+            <a:r>
+              <a:rPr lang="de-DE" dirty="0" err="1"/>
+              <a:t>executable</a:t>
+            </a:r>
+            <a:r>
+              <a:rPr lang="de-DE" dirty="0"/>
+              <a:t> </a:t>
+            </a:r>
+            <a:r>
+              <a:rPr lang="de-DE" dirty="0" err="1"/>
+              <a:t>program</a:t>
+            </a:r>
+            <a:r>
+              <a:rPr lang="de-DE" dirty="0"/>
+              <a:t> </a:t>
+            </a:r>
+            <a:r>
+              <a:rPr lang="de-DE" dirty="0" err="1"/>
+              <a:t>code</a:t>
+            </a:r>
+            <a:r>
+              <a:rPr lang="en-GB" dirty="0"/>
+              <a:t>. </a:t>
+            </a:r>
+          </a:p>
+          <a:p>
+            <a:r>
+              <a:rPr lang="en-GB" dirty="0"/>
+              <a:t>here are two different microcontrollers (as Mr. Hu already </a:t>
+            </a:r>
+            <a:r>
+              <a:rPr lang="en-GB" dirty="0" err="1"/>
+              <a:t>meantiond</a:t>
+            </a:r>
+            <a:r>
+              <a:rPr lang="en-GB" dirty="0"/>
+              <a:t>), so two different implementations are needed. </a:t>
+            </a:r>
+          </a:p>
+          <a:p>
+            <a:pPr marL="0" marR="0" lvl="0" indent="0" algn="l" defTabSz="914400" rtl="0" eaLnBrk="1" fontAlgn="auto" latinLnBrk="0" hangingPunct="1">
+              <a:lnSpc>
+                <a:spcPct val="100000"/>
+              </a:lnSpc>
+              <a:spcBef>
+                <a:spcPts val="0"/>
+              </a:spcBef>
+              <a:spcAft>
+                <a:spcPts val="0"/>
+              </a:spcAft>
+              <a:buClrTx/>
+              <a:buSzTx/>
+              <a:buFontTx/>
+              <a:buNone/>
+              <a:tabLst/>
+              <a:defRPr/>
+            </a:pPr>
+            <a:r>
+              <a:rPr lang="en-US" dirty="0"/>
+              <a:t>Due to the high demand for transfer speeds, SPI is chosen as the bus technology. So SPI drivers have to be implemented and tested on both sides. </a:t>
+            </a:r>
+          </a:p>
+          <a:p>
+            <a:pPr marL="0" marR="0" lvl="0" indent="0" algn="l" defTabSz="914400" rtl="0" eaLnBrk="1" fontAlgn="auto" latinLnBrk="0" hangingPunct="1">
+              <a:lnSpc>
+                <a:spcPct val="100000"/>
+              </a:lnSpc>
+              <a:spcBef>
+                <a:spcPts val="0"/>
+              </a:spcBef>
+              <a:spcAft>
+                <a:spcPts val="0"/>
+              </a:spcAft>
+              <a:buClrTx/>
+              <a:buSzTx/>
+              <a:buFontTx/>
+              <a:buNone/>
+              <a:tabLst/>
+              <a:defRPr/>
+            </a:pPr>
+            <a:endParaRPr lang="en-US" dirty="0"/>
+          </a:p>
+          <a:p>
+            <a:pPr marL="0" marR="0" lvl="0" indent="0" algn="l" defTabSz="914400" rtl="0" eaLnBrk="1" fontAlgn="auto" latinLnBrk="0" hangingPunct="1">
+              <a:lnSpc>
+                <a:spcPct val="100000"/>
+              </a:lnSpc>
+              <a:spcBef>
+                <a:spcPts val="0"/>
+              </a:spcBef>
+              <a:spcAft>
+                <a:spcPts val="0"/>
+              </a:spcAft>
+              <a:buClrTx/>
+              <a:buSzTx/>
+              <a:buFontTx/>
+              <a:buNone/>
+              <a:tabLst/>
+              <a:defRPr/>
+            </a:pPr>
+            <a:r>
+              <a:rPr lang="en-US" dirty="0"/>
+              <a:t>For an easy access of the variables, a C-struct is used.</a:t>
+            </a:r>
+          </a:p>
+          <a:p>
+            <a:pPr marL="0" marR="0" lvl="0" indent="0" algn="l" defTabSz="914400" rtl="0" eaLnBrk="1" fontAlgn="auto" latinLnBrk="0" hangingPunct="1">
+              <a:lnSpc>
+                <a:spcPct val="100000"/>
+              </a:lnSpc>
+              <a:spcBef>
+                <a:spcPts val="0"/>
+              </a:spcBef>
+              <a:spcAft>
+                <a:spcPts val="0"/>
+              </a:spcAft>
+              <a:buClrTx/>
+              <a:buSzTx/>
+              <a:buFontTx/>
+              <a:buNone/>
+              <a:tabLst/>
+              <a:defRPr/>
+            </a:pPr>
+            <a:endParaRPr lang="en-GB" dirty="0"/>
+          </a:p>
+          <a:p>
+            <a:pPr marL="0" marR="0" lvl="0" indent="0" algn="l" defTabSz="914400" rtl="0" eaLnBrk="1" fontAlgn="auto" latinLnBrk="0" hangingPunct="1">
+              <a:lnSpc>
+                <a:spcPct val="100000"/>
+              </a:lnSpc>
+              <a:spcBef>
+                <a:spcPts val="0"/>
+              </a:spcBef>
+              <a:spcAft>
+                <a:spcPts val="0"/>
+              </a:spcAft>
+              <a:buClrTx/>
+              <a:buSzTx/>
+              <a:buFontTx/>
+              <a:buNone/>
+              <a:tabLst/>
+              <a:defRPr/>
+            </a:pPr>
+            <a:r>
+              <a:rPr lang="en-GB" dirty="0"/>
+              <a:t>To test the design and implementation, at the end some benchmarks and testing sequences </a:t>
+            </a:r>
+            <a:r>
+              <a:rPr lang="en-US" dirty="0"/>
+              <a:t>have to be run through, Mr. Chen will go into more detail later.</a:t>
+            </a:r>
+          </a:p>
+          <a:p>
+            <a:pPr marL="0" marR="0" lvl="0" indent="0" algn="l" defTabSz="914400" rtl="0" eaLnBrk="1" fontAlgn="auto" latinLnBrk="0" hangingPunct="1">
+              <a:lnSpc>
+                <a:spcPct val="100000"/>
+              </a:lnSpc>
+              <a:spcBef>
+                <a:spcPts val="0"/>
+              </a:spcBef>
+              <a:spcAft>
+                <a:spcPts val="0"/>
+              </a:spcAft>
+              <a:buClrTx/>
+              <a:buSzTx/>
+              <a:buFontTx/>
+              <a:buNone/>
+              <a:tabLst/>
+              <a:defRPr/>
+            </a:pPr>
+            <a:endParaRPr lang="en-US" dirty="0"/>
+          </a:p>
+          <a:p>
+            <a:pPr marL="0" marR="0" lvl="0" indent="0" algn="l" defTabSz="914400" rtl="0" eaLnBrk="1" fontAlgn="auto" latinLnBrk="0" hangingPunct="1">
+              <a:lnSpc>
+                <a:spcPct val="100000"/>
+              </a:lnSpc>
+              <a:spcBef>
+                <a:spcPts val="0"/>
+              </a:spcBef>
+              <a:spcAft>
+                <a:spcPts val="0"/>
+              </a:spcAft>
+              <a:buClrTx/>
+              <a:buSzTx/>
+              <a:buFontTx/>
+              <a:buNone/>
+              <a:tabLst/>
+              <a:defRPr/>
+            </a:pPr>
+            <a:endParaRPr lang="en-US" dirty="0"/>
+          </a:p>
+          <a:p>
+            <a:endParaRPr lang="en-US" dirty="0"/>
+          </a:p>
+          <a:p>
+            <a:endParaRPr dirty="0"/>
           </a:p>
         </p:txBody>
       </p:sp>
@@ -10977,24 +12559,20 @@
           <a:prstGeom prst="rect">
             <a:avLst/>
           </a:prstGeom>
-          <a:ln w="28575">
-            <a:solidFill>
-              <a:srgbClr val="99C000"/>
-            </a:solidFill>
-          </a:ln>
+          <a:ln/>
         </p:spPr>
         <p:style>
-          <a:lnRef idx="2">
+          <a:lnRef idx="1">
             <a:schemeClr val="accent3"/>
           </a:lnRef>
-          <a:fillRef idx="1">
-            <a:schemeClr val="lt1"/>
+          <a:fillRef idx="3">
+            <a:schemeClr val="accent3"/>
           </a:fillRef>
-          <a:effectRef idx="0">
+          <a:effectRef idx="2">
             <a:schemeClr val="accent3"/>
           </a:effectRef>
           <a:fontRef idx="minor">
-            <a:schemeClr val="dk1"/>
+            <a:schemeClr val="lt1"/>
           </a:fontRef>
         </p:style>
         <p:txBody>
@@ -11199,7 +12777,365 @@
         <p:cTn id="1" dur="indefinite" restart="never" nodeType="tmRoot">
           <p:childTnLst>
             <p:seq>
-              <p:cTn id="2" nodeType="mainSeq"/>
+              <p:cTn id="2" nodeType="mainSeq">
+                <p:childTnLst>
+                  <p:par>
+                    <p:cTn id="3" fill="hold">
+                      <p:stCondLst>
+                        <p:cond delay="indefinite"/>
+                      </p:stCondLst>
+                      <p:childTnLst>
+                        <p:par>
+                          <p:cTn id="4" fill="hold">
+                            <p:stCondLst>
+                              <p:cond delay="0"/>
+                            </p:stCondLst>
+                            <p:childTnLst>
+                              <p:par>
+                                <p:cTn id="5" presetID="10" presetClass="entr" presetSubtype="0" fill="hold" nodeType="clickEffect">
+                                  <p:stCondLst>
+                                    <p:cond delay="0"/>
+                                  </p:stCondLst>
+                                  <p:childTnLst>
+                                    <p:set>
+                                      <p:cBhvr>
+                                        <p:cTn id="6" dur="1" fill="hold">
+                                          <p:stCondLst>
+                                            <p:cond delay="0"/>
+                                          </p:stCondLst>
+                                        </p:cTn>
+                                        <p:tgtEl>
+                                          <p:spTgt spid="4">
+                                            <p:txEl>
+                                              <p:pRg st="0" end="0"/>
+                                            </p:txEl>
+                                          </p:spTgt>
+                                        </p:tgtEl>
+                                        <p:attrNameLst>
+                                          <p:attrName>style.visibility</p:attrName>
+                                        </p:attrNameLst>
+                                      </p:cBhvr>
+                                      <p:to>
+                                        <p:strVal val="visible"/>
+                                      </p:to>
+                                    </p:set>
+                                    <p:animEffect transition="in" filter="fade">
+                                      <p:cBhvr>
+                                        <p:cTn id="7" dur="500"/>
+                                        <p:tgtEl>
+                                          <p:spTgt spid="4">
+                                            <p:txEl>
+                                              <p:pRg st="0" end="0"/>
+                                            </p:txEl>
+                                          </p:spTgt>
+                                        </p:tgtEl>
+                                      </p:cBhvr>
+                                    </p:animEffect>
+                                  </p:childTnLst>
+                                </p:cTn>
+                              </p:par>
+                              <p:par>
+                                <p:cTn id="8" presetID="10" presetClass="entr" presetSubtype="0" fill="hold" nodeType="withEffect">
+                                  <p:stCondLst>
+                                    <p:cond delay="0"/>
+                                  </p:stCondLst>
+                                  <p:childTnLst>
+                                    <p:set>
+                                      <p:cBhvr>
+                                        <p:cTn id="9" dur="1" fill="hold">
+                                          <p:stCondLst>
+                                            <p:cond delay="0"/>
+                                          </p:stCondLst>
+                                        </p:cTn>
+                                        <p:tgtEl>
+                                          <p:spTgt spid="4">
+                                            <p:txEl>
+                                              <p:pRg st="1" end="1"/>
+                                            </p:txEl>
+                                          </p:spTgt>
+                                        </p:tgtEl>
+                                        <p:attrNameLst>
+                                          <p:attrName>style.visibility</p:attrName>
+                                        </p:attrNameLst>
+                                      </p:cBhvr>
+                                      <p:to>
+                                        <p:strVal val="visible"/>
+                                      </p:to>
+                                    </p:set>
+                                    <p:animEffect transition="in" filter="fade">
+                                      <p:cBhvr>
+                                        <p:cTn id="10" dur="500"/>
+                                        <p:tgtEl>
+                                          <p:spTgt spid="4">
+                                            <p:txEl>
+                                              <p:pRg st="1" end="1"/>
+                                            </p:txEl>
+                                          </p:spTgt>
+                                        </p:tgtEl>
+                                      </p:cBhvr>
+                                    </p:animEffect>
+                                  </p:childTnLst>
+                                </p:cTn>
+                              </p:par>
+                            </p:childTnLst>
+                          </p:cTn>
+                        </p:par>
+                      </p:childTnLst>
+                    </p:cTn>
+                  </p:par>
+                  <p:par>
+                    <p:cTn id="11" fill="hold">
+                      <p:stCondLst>
+                        <p:cond delay="indefinite"/>
+                      </p:stCondLst>
+                      <p:childTnLst>
+                        <p:par>
+                          <p:cTn id="12" fill="hold">
+                            <p:stCondLst>
+                              <p:cond delay="0"/>
+                            </p:stCondLst>
+                            <p:childTnLst>
+                              <p:par>
+                                <p:cTn id="13" presetID="10" presetClass="entr" presetSubtype="0" fill="hold" nodeType="clickEffect">
+                                  <p:stCondLst>
+                                    <p:cond delay="0"/>
+                                  </p:stCondLst>
+                                  <p:childTnLst>
+                                    <p:set>
+                                      <p:cBhvr>
+                                        <p:cTn id="14" dur="1" fill="hold">
+                                          <p:stCondLst>
+                                            <p:cond delay="0"/>
+                                          </p:stCondLst>
+                                        </p:cTn>
+                                        <p:tgtEl>
+                                          <p:spTgt spid="4">
+                                            <p:txEl>
+                                              <p:pRg st="2" end="2"/>
+                                            </p:txEl>
+                                          </p:spTgt>
+                                        </p:tgtEl>
+                                        <p:attrNameLst>
+                                          <p:attrName>style.visibility</p:attrName>
+                                        </p:attrNameLst>
+                                      </p:cBhvr>
+                                      <p:to>
+                                        <p:strVal val="visible"/>
+                                      </p:to>
+                                    </p:set>
+                                    <p:animEffect transition="in" filter="fade">
+                                      <p:cBhvr>
+                                        <p:cTn id="15" dur="500"/>
+                                        <p:tgtEl>
+                                          <p:spTgt spid="4">
+                                            <p:txEl>
+                                              <p:pRg st="2" end="2"/>
+                                            </p:txEl>
+                                          </p:spTgt>
+                                        </p:tgtEl>
+                                      </p:cBhvr>
+                                    </p:animEffect>
+                                  </p:childTnLst>
+                                </p:cTn>
+                              </p:par>
+                              <p:par>
+                                <p:cTn id="16" presetID="10" presetClass="entr" presetSubtype="0" fill="hold" nodeType="withEffect">
+                                  <p:stCondLst>
+                                    <p:cond delay="0"/>
+                                  </p:stCondLst>
+                                  <p:childTnLst>
+                                    <p:set>
+                                      <p:cBhvr>
+                                        <p:cTn id="17" dur="1" fill="hold">
+                                          <p:stCondLst>
+                                            <p:cond delay="0"/>
+                                          </p:stCondLst>
+                                        </p:cTn>
+                                        <p:tgtEl>
+                                          <p:spTgt spid="4">
+                                            <p:txEl>
+                                              <p:pRg st="3" end="3"/>
+                                            </p:txEl>
+                                          </p:spTgt>
+                                        </p:tgtEl>
+                                        <p:attrNameLst>
+                                          <p:attrName>style.visibility</p:attrName>
+                                        </p:attrNameLst>
+                                      </p:cBhvr>
+                                      <p:to>
+                                        <p:strVal val="visible"/>
+                                      </p:to>
+                                    </p:set>
+                                    <p:animEffect transition="in" filter="fade">
+                                      <p:cBhvr>
+                                        <p:cTn id="18" dur="500"/>
+                                        <p:tgtEl>
+                                          <p:spTgt spid="4">
+                                            <p:txEl>
+                                              <p:pRg st="3" end="3"/>
+                                            </p:txEl>
+                                          </p:spTgt>
+                                        </p:tgtEl>
+                                      </p:cBhvr>
+                                    </p:animEffect>
+                                  </p:childTnLst>
+                                </p:cTn>
+                              </p:par>
+                              <p:par>
+                                <p:cTn id="19" presetID="10" presetClass="entr" presetSubtype="0" fill="hold" nodeType="withEffect">
+                                  <p:stCondLst>
+                                    <p:cond delay="0"/>
+                                  </p:stCondLst>
+                                  <p:childTnLst>
+                                    <p:set>
+                                      <p:cBhvr>
+                                        <p:cTn id="20" dur="1" fill="hold">
+                                          <p:stCondLst>
+                                            <p:cond delay="0"/>
+                                          </p:stCondLst>
+                                        </p:cTn>
+                                        <p:tgtEl>
+                                          <p:spTgt spid="4">
+                                            <p:txEl>
+                                              <p:pRg st="4" end="4"/>
+                                            </p:txEl>
+                                          </p:spTgt>
+                                        </p:tgtEl>
+                                        <p:attrNameLst>
+                                          <p:attrName>style.visibility</p:attrName>
+                                        </p:attrNameLst>
+                                      </p:cBhvr>
+                                      <p:to>
+                                        <p:strVal val="visible"/>
+                                      </p:to>
+                                    </p:set>
+                                    <p:animEffect transition="in" filter="fade">
+                                      <p:cBhvr>
+                                        <p:cTn id="21" dur="500"/>
+                                        <p:tgtEl>
+                                          <p:spTgt spid="4">
+                                            <p:txEl>
+                                              <p:pRg st="4" end="4"/>
+                                            </p:txEl>
+                                          </p:spTgt>
+                                        </p:tgtEl>
+                                      </p:cBhvr>
+                                    </p:animEffect>
+                                  </p:childTnLst>
+                                </p:cTn>
+                              </p:par>
+                            </p:childTnLst>
+                          </p:cTn>
+                        </p:par>
+                      </p:childTnLst>
+                    </p:cTn>
+                  </p:par>
+                  <p:par>
+                    <p:cTn id="22" fill="hold">
+                      <p:stCondLst>
+                        <p:cond delay="indefinite"/>
+                      </p:stCondLst>
+                      <p:childTnLst>
+                        <p:par>
+                          <p:cTn id="23" fill="hold">
+                            <p:stCondLst>
+                              <p:cond delay="0"/>
+                            </p:stCondLst>
+                            <p:childTnLst>
+                              <p:par>
+                                <p:cTn id="24" presetID="10" presetClass="entr" presetSubtype="0" fill="hold" nodeType="clickEffect">
+                                  <p:stCondLst>
+                                    <p:cond delay="0"/>
+                                  </p:stCondLst>
+                                  <p:childTnLst>
+                                    <p:set>
+                                      <p:cBhvr>
+                                        <p:cTn id="25" dur="1" fill="hold">
+                                          <p:stCondLst>
+                                            <p:cond delay="0"/>
+                                          </p:stCondLst>
+                                        </p:cTn>
+                                        <p:tgtEl>
+                                          <p:spTgt spid="4">
+                                            <p:txEl>
+                                              <p:pRg st="5" end="5"/>
+                                            </p:txEl>
+                                          </p:spTgt>
+                                        </p:tgtEl>
+                                        <p:attrNameLst>
+                                          <p:attrName>style.visibility</p:attrName>
+                                        </p:attrNameLst>
+                                      </p:cBhvr>
+                                      <p:to>
+                                        <p:strVal val="visible"/>
+                                      </p:to>
+                                    </p:set>
+                                    <p:animEffect transition="in" filter="fade">
+                                      <p:cBhvr>
+                                        <p:cTn id="26" dur="500"/>
+                                        <p:tgtEl>
+                                          <p:spTgt spid="4">
+                                            <p:txEl>
+                                              <p:pRg st="5" end="5"/>
+                                            </p:txEl>
+                                          </p:spTgt>
+                                        </p:tgtEl>
+                                      </p:cBhvr>
+                                    </p:animEffect>
+                                  </p:childTnLst>
+                                </p:cTn>
+                              </p:par>
+                              <p:par>
+                                <p:cTn id="27" presetID="10" presetClass="entr" presetSubtype="0" fill="hold" nodeType="withEffect">
+                                  <p:stCondLst>
+                                    <p:cond delay="0"/>
+                                  </p:stCondLst>
+                                  <p:childTnLst>
+                                    <p:set>
+                                      <p:cBhvr>
+                                        <p:cTn id="28" dur="1" fill="hold">
+                                          <p:stCondLst>
+                                            <p:cond delay="0"/>
+                                          </p:stCondLst>
+                                        </p:cTn>
+                                        <p:tgtEl>
+                                          <p:spTgt spid="4">
+                                            <p:txEl>
+                                              <p:pRg st="6" end="6"/>
+                                            </p:txEl>
+                                          </p:spTgt>
+                                        </p:tgtEl>
+                                        <p:attrNameLst>
+                                          <p:attrName>style.visibility</p:attrName>
+                                        </p:attrNameLst>
+                                      </p:cBhvr>
+                                      <p:to>
+                                        <p:strVal val="visible"/>
+                                      </p:to>
+                                    </p:set>
+                                    <p:animEffect transition="in" filter="fade">
+                                      <p:cBhvr>
+                                        <p:cTn id="29" dur="500"/>
+                                        <p:tgtEl>
+                                          <p:spTgt spid="4">
+                                            <p:txEl>
+                                              <p:pRg st="6" end="6"/>
+                                            </p:txEl>
+                                          </p:spTgt>
+                                        </p:tgtEl>
+                                      </p:cBhvr>
+                                    </p:animEffect>
+                                  </p:childTnLst>
+                                </p:cTn>
+                              </p:par>
+                            </p:childTnLst>
+                          </p:cTn>
+                        </p:par>
+                      </p:childTnLst>
+                    </p:cTn>
+                  </p:par>
+                </p:childTnLst>
+              </p:cTn>
               <p:prevCondLst>
                 <p:cond evt="onPrev" delay="0">
                   <p:tgtEl>
@@ -11303,7 +13239,7 @@
           <p:nvPr>
             <p:extLst>
               <p:ext uri="{D42A27DB-BD31-4B8C-83A1-F6EECF244321}">
-                <p14:modId xmlns:p14="http://schemas.microsoft.com/office/powerpoint/2010/main" val="1199552640"/>
+                <p14:modId xmlns:p14="http://schemas.microsoft.com/office/powerpoint/2010/main" val="1894475053"/>
               </p:ext>
             </p:extLst>
           </p:nvPr>
@@ -15633,17 +17569,17 @@
           </a:prstGeom>
         </p:spPr>
         <p:style>
-          <a:lnRef idx="2">
+          <a:lnRef idx="1">
             <a:schemeClr val="accent3"/>
           </a:lnRef>
-          <a:fillRef idx="1">
-            <a:schemeClr val="lt1"/>
+          <a:fillRef idx="3">
+            <a:schemeClr val="accent3"/>
           </a:fillRef>
-          <a:effectRef idx="0">
+          <a:effectRef idx="2">
             <a:schemeClr val="accent3"/>
           </a:effectRef>
           <a:fontRef idx="minor">
-            <a:schemeClr val="dk1"/>
+            <a:schemeClr val="lt1"/>
           </a:fontRef>
         </p:style>
         <p:txBody>
@@ -15654,7 +17590,11 @@
           <a:p>
             <a:pPr algn="r"/>
             <a:r>
-              <a:rPr lang="en-GB" dirty="0"/>
+              <a:rPr lang="en-GB" dirty="0">
+                <a:solidFill>
+                  <a:schemeClr val="tx1"/>
+                </a:solidFill>
+              </a:rPr>
               <a:t>Physical Layer</a:t>
             </a:r>
           </a:p>

--- a/data/presentation/PS_presentation.pptx
+++ b/data/presentation/PS_presentation.pptx
@@ -6,17 +6,22 @@
     <p:sldMasterId id="2147483661" r:id="rId2"/>
   </p:sldMasterIdLst>
   <p:notesMasterIdLst>
-    <p:notesMasterId r:id="rId11"/>
+    <p:notesMasterId r:id="rId16"/>
   </p:notesMasterIdLst>
   <p:sldIdLst>
     <p:sldId id="256" r:id="rId3"/>
     <p:sldId id="257" r:id="rId4"/>
-    <p:sldId id="258" r:id="rId5"/>
-    <p:sldId id="259" r:id="rId6"/>
+    <p:sldId id="264" r:id="rId5"/>
+    <p:sldId id="265" r:id="rId6"/>
     <p:sldId id="260" r:id="rId7"/>
     <p:sldId id="261" r:id="rId8"/>
     <p:sldId id="262" r:id="rId9"/>
-    <p:sldId id="263" r:id="rId10"/>
+    <p:sldId id="259" r:id="rId10"/>
+    <p:sldId id="266" r:id="rId11"/>
+    <p:sldId id="267" r:id="rId12"/>
+    <p:sldId id="268" r:id="rId13"/>
+    <p:sldId id="258" r:id="rId14"/>
+    <p:sldId id="269" r:id="rId15"/>
   </p:sldIdLst>
   <p:sldSz cx="9144000" cy="6858000" type="screen4x3"/>
   <p:notesSz cx="6858000" cy="9144000"/>
@@ -4265,6 +4270,591 @@
 </p:notes>
 </file>
 
+<file path=ppt/notesSlides/notesSlide10.xml><?xml version="1.0" encoding="utf-8"?>
+<p:notes xmlns:a="http://schemas.openxmlformats.org/drawingml/2006/main" xmlns:r="http://schemas.openxmlformats.org/officeDocument/2006/relationships" xmlns:p="http://schemas.openxmlformats.org/presentationml/2006/main">
+  <p:cSld>
+    <p:spTree>
+      <p:nvGrpSpPr>
+        <p:cNvPr id="1" name=""/>
+        <p:cNvGrpSpPr/>
+        <p:nvPr/>
+      </p:nvGrpSpPr>
+      <p:grpSpPr>
+        <a:xfrm>
+          <a:off x="0" y="0"/>
+          <a:ext cx="0" cy="0"/>
+          <a:chOff x="0" y="0"/>
+          <a:chExt cx="0" cy="0"/>
+        </a:xfrm>
+      </p:grpSpPr>
+      <p:sp>
+        <p:nvSpPr>
+          <p:cNvPr id="106" name="PlaceHolder 1"/>
+          <p:cNvSpPr>
+            <a:spLocks noGrp="1"/>
+          </p:cNvSpPr>
+          <p:nvPr>
+            <p:ph type="body"/>
+          </p:nvPr>
+        </p:nvSpPr>
+        <p:spPr>
+          <a:xfrm>
+            <a:off x="190440" y="4284720"/>
+            <a:ext cx="6476400" cy="4282200"/>
+          </a:xfrm>
+          <a:prstGeom prst="rect">
+            <a:avLst/>
+          </a:prstGeom>
+        </p:spPr>
+        <p:txBody>
+          <a:bodyPr lIns="0" tIns="0" rIns="0" bIns="0"/>
+          <a:lstStyle/>
+          <a:p>
+            <a:r>
+              <a:rPr lang="en-US" altLang=""/>
+              <a:t>500Hz, </a:t>
+            </a:r>
+          </a:p>
+        </p:txBody>
+      </p:sp>
+      <p:sp>
+        <p:nvSpPr>
+          <p:cNvPr id="107" name="CustomShape 2"/>
+          <p:cNvSpPr/>
+          <p:nvPr/>
+        </p:nvSpPr>
+        <p:spPr>
+          <a:xfrm>
+            <a:off x="189000" y="8685360"/>
+            <a:ext cx="1618560" cy="456480"/>
+          </a:xfrm>
+          <a:prstGeom prst="rect">
+            <a:avLst/>
+          </a:prstGeom>
+          <a:noFill/>
+          <a:ln>
+            <a:noFill/>
+          </a:ln>
+        </p:spPr>
+        <p:txBody>
+          <a:bodyPr lIns="90000" tIns="45000" rIns="90000" bIns="45000" anchor="ctr"/>
+          <a:lstStyle/>
+          <a:p>
+            <a:pPr>
+              <a:lnSpc>
+                <a:spcPts val="160"/>
+              </a:lnSpc>
+            </a:pPr>
+            <a:r>
+              <a:rPr lang="de-DE" sz="1000">
+                <a:solidFill>
+                  <a:srgbClr val="000000"/>
+                </a:solidFill>
+                <a:latin typeface="Stafford"/>
+                <a:ea typeface="+mn-ea"/>
+              </a:rPr>
+              <a:t>15.06.16</a:t>
+            </a:r>
+          </a:p>
+        </p:txBody>
+      </p:sp>
+      <p:sp>
+        <p:nvSpPr>
+          <p:cNvPr id="108" name="CustomShape 3"/>
+          <p:cNvSpPr/>
+          <p:nvPr/>
+        </p:nvSpPr>
+        <p:spPr>
+          <a:xfrm>
+            <a:off x="1808280" y="8685360"/>
+            <a:ext cx="4104720" cy="456480"/>
+          </a:xfrm>
+          <a:prstGeom prst="rect">
+            <a:avLst/>
+          </a:prstGeom>
+          <a:noFill/>
+          <a:ln>
+            <a:noFill/>
+          </a:ln>
+        </p:spPr>
+        <p:txBody>
+          <a:bodyPr lIns="90000" tIns="45000" rIns="90000" bIns="45000" anchor="ctr"/>
+          <a:lstStyle/>
+          <a:p>
+            <a:pPr>
+              <a:lnSpc>
+                <a:spcPts val="160"/>
+              </a:lnSpc>
+            </a:pPr>
+            <a:r>
+              <a:rPr lang="de-DE" sz="1000">
+                <a:solidFill>
+                  <a:srgbClr val="000000"/>
+                </a:solidFill>
+                <a:latin typeface="Stafford"/>
+                <a:ea typeface="+mn-ea"/>
+              </a:rPr>
+              <a:t>|  </a:t>
+            </a:r>
+          </a:p>
+        </p:txBody>
+      </p:sp>
+      <p:sp>
+        <p:nvSpPr>
+          <p:cNvPr id="109" name="CustomShape 4"/>
+          <p:cNvSpPr/>
+          <p:nvPr/>
+        </p:nvSpPr>
+        <p:spPr>
+          <a:xfrm>
+            <a:off x="5913360" y="8685360"/>
+            <a:ext cx="942120" cy="456480"/>
+          </a:xfrm>
+          <a:prstGeom prst="rect">
+            <a:avLst/>
+          </a:prstGeom>
+          <a:noFill/>
+          <a:ln>
+            <a:noFill/>
+          </a:ln>
+        </p:spPr>
+        <p:txBody>
+          <a:bodyPr lIns="90000" tIns="45000" rIns="90000" bIns="45000" anchor="ctr"/>
+          <a:lstStyle/>
+          <a:p>
+            <a:pPr algn="r">
+              <a:lnSpc>
+                <a:spcPts val="160"/>
+              </a:lnSpc>
+            </a:pPr>
+            <a:r>
+              <a:rPr lang="de-DE" sz="1000">
+                <a:solidFill>
+                  <a:srgbClr val="000000"/>
+                </a:solidFill>
+                <a:latin typeface="Stafford"/>
+                <a:ea typeface="+mn-ea"/>
+              </a:rPr>
+              <a:t>|  </a:t>
+            </a:r>
+            <a:fld id="{D8028492-1C9F-4E94-B585-9AAA12DBFDAA}" type="slidenum">
+              <a:rPr lang="de-DE" sz="1000">
+                <a:solidFill>
+                  <a:srgbClr val="000000"/>
+                </a:solidFill>
+                <a:latin typeface="Stafford"/>
+                <a:ea typeface="+mn-ea"/>
+              </a:rPr>
+              <a:t>11</a:t>
+            </a:fld>
+            <a:endParaRPr lang="de-DE" sz="1000">
+              <a:solidFill>
+                <a:srgbClr val="000000"/>
+              </a:solidFill>
+              <a:latin typeface="Stafford"/>
+              <a:ea typeface="+mn-ea"/>
+            </a:endParaRPr>
+          </a:p>
+        </p:txBody>
+      </p:sp>
+    </p:spTree>
+  </p:cSld>
+  <p:clrMapOvr>
+    <a:masterClrMapping/>
+  </p:clrMapOvr>
+</p:notes>
+</file>
+
+<file path=ppt/notesSlides/notesSlide11.xml><?xml version="1.0" encoding="utf-8"?>
+<p:notes xmlns:a="http://schemas.openxmlformats.org/drawingml/2006/main" xmlns:r="http://schemas.openxmlformats.org/officeDocument/2006/relationships" xmlns:p="http://schemas.openxmlformats.org/presentationml/2006/main">
+  <p:cSld>
+    <p:spTree>
+      <p:nvGrpSpPr>
+        <p:cNvPr id="1" name=""/>
+        <p:cNvGrpSpPr/>
+        <p:nvPr/>
+      </p:nvGrpSpPr>
+      <p:grpSpPr>
+        <a:xfrm>
+          <a:off x="0" y="0"/>
+          <a:ext cx="0" cy="0"/>
+          <a:chOff x="0" y="0"/>
+          <a:chExt cx="0" cy="0"/>
+        </a:xfrm>
+      </p:grpSpPr>
+      <p:sp>
+        <p:nvSpPr>
+          <p:cNvPr id="110" name="PlaceHolder 1"/>
+          <p:cNvSpPr>
+            <a:spLocks noGrp="1"/>
+          </p:cNvSpPr>
+          <p:nvPr>
+            <p:ph type="body"/>
+          </p:nvPr>
+        </p:nvSpPr>
+        <p:spPr>
+          <a:xfrm>
+            <a:off x="190440" y="4284720"/>
+            <a:ext cx="6476400" cy="4282200"/>
+          </a:xfrm>
+          <a:prstGeom prst="rect">
+            <a:avLst/>
+          </a:prstGeom>
+        </p:spPr>
+        <p:txBody>
+          <a:bodyPr lIns="0" tIns="0" rIns="0" bIns="0"/>
+          <a:lstStyle/>
+          <a:p>
+            <a:r>
+              <a:rPr lang="en-US" altLang="en-US"/>
+              <a:t>high performence, analyse the existed system, program a protocol, during design face some problem like padding, at last we finish the protocol and according to some test have determined the performens of the protocol.   With this already in HLP and Nucleo implemented protocol we can now...And of cause there are still improvement space for our protocol, like use CRC16 as the </a:t>
+            </a:r>
+          </a:p>
+        </p:txBody>
+      </p:sp>
+      <p:sp>
+        <p:nvSpPr>
+          <p:cNvPr id="111" name="CustomShape 2"/>
+          <p:cNvSpPr/>
+          <p:nvPr/>
+        </p:nvSpPr>
+        <p:spPr>
+          <a:xfrm>
+            <a:off x="189000" y="8685360"/>
+            <a:ext cx="1618560" cy="456480"/>
+          </a:xfrm>
+          <a:prstGeom prst="rect">
+            <a:avLst/>
+          </a:prstGeom>
+          <a:noFill/>
+          <a:ln>
+            <a:noFill/>
+          </a:ln>
+        </p:spPr>
+        <p:txBody>
+          <a:bodyPr lIns="90000" tIns="45000" rIns="90000" bIns="45000" anchor="ctr"/>
+          <a:lstStyle/>
+          <a:p>
+            <a:pPr>
+              <a:lnSpc>
+                <a:spcPts val="160"/>
+              </a:lnSpc>
+            </a:pPr>
+            <a:r>
+              <a:rPr lang="de-DE" sz="1000">
+                <a:solidFill>
+                  <a:srgbClr val="000000"/>
+                </a:solidFill>
+                <a:latin typeface="Stafford"/>
+                <a:ea typeface="+mn-ea"/>
+              </a:rPr>
+              <a:t>15.06.16</a:t>
+            </a:r>
+          </a:p>
+        </p:txBody>
+      </p:sp>
+      <p:sp>
+        <p:nvSpPr>
+          <p:cNvPr id="112" name="CustomShape 3"/>
+          <p:cNvSpPr/>
+          <p:nvPr/>
+        </p:nvSpPr>
+        <p:spPr>
+          <a:xfrm>
+            <a:off x="1808280" y="8685360"/>
+            <a:ext cx="4104720" cy="456480"/>
+          </a:xfrm>
+          <a:prstGeom prst="rect">
+            <a:avLst/>
+          </a:prstGeom>
+          <a:noFill/>
+          <a:ln>
+            <a:noFill/>
+          </a:ln>
+        </p:spPr>
+        <p:txBody>
+          <a:bodyPr lIns="90000" tIns="45000" rIns="90000" bIns="45000" anchor="ctr"/>
+          <a:lstStyle/>
+          <a:p>
+            <a:pPr>
+              <a:lnSpc>
+                <a:spcPts val="160"/>
+              </a:lnSpc>
+            </a:pPr>
+            <a:r>
+              <a:rPr lang="de-DE" sz="1000">
+                <a:solidFill>
+                  <a:srgbClr val="000000"/>
+                </a:solidFill>
+                <a:latin typeface="Stafford"/>
+                <a:ea typeface="+mn-ea"/>
+              </a:rPr>
+              <a:t>|  </a:t>
+            </a:r>
+          </a:p>
+        </p:txBody>
+      </p:sp>
+      <p:sp>
+        <p:nvSpPr>
+          <p:cNvPr id="113" name="CustomShape 4"/>
+          <p:cNvSpPr/>
+          <p:nvPr/>
+        </p:nvSpPr>
+        <p:spPr>
+          <a:xfrm>
+            <a:off x="5913360" y="8685360"/>
+            <a:ext cx="942120" cy="456480"/>
+          </a:xfrm>
+          <a:prstGeom prst="rect">
+            <a:avLst/>
+          </a:prstGeom>
+          <a:noFill/>
+          <a:ln>
+            <a:noFill/>
+          </a:ln>
+        </p:spPr>
+        <p:txBody>
+          <a:bodyPr lIns="90000" tIns="45000" rIns="90000" bIns="45000" anchor="ctr"/>
+          <a:lstStyle/>
+          <a:p>
+            <a:pPr algn="r">
+              <a:lnSpc>
+                <a:spcPts val="160"/>
+              </a:lnSpc>
+            </a:pPr>
+            <a:r>
+              <a:rPr lang="de-DE" sz="1000">
+                <a:solidFill>
+                  <a:srgbClr val="000000"/>
+                </a:solidFill>
+                <a:latin typeface="Stafford"/>
+                <a:ea typeface="+mn-ea"/>
+              </a:rPr>
+              <a:t>|  </a:t>
+            </a:r>
+            <a:fld id="{0BD78692-C88F-4214-A934-7F5547F1CA4D}" type="slidenum">
+              <a:rPr lang="de-DE" sz="1000">
+                <a:solidFill>
+                  <a:srgbClr val="000000"/>
+                </a:solidFill>
+                <a:latin typeface="Stafford"/>
+                <a:ea typeface="+mn-ea"/>
+              </a:rPr>
+              <a:t>12</a:t>
+            </a:fld>
+            <a:endParaRPr lang="de-DE" sz="1000">
+              <a:solidFill>
+                <a:srgbClr val="000000"/>
+              </a:solidFill>
+              <a:latin typeface="Stafford"/>
+              <a:ea typeface="+mn-ea"/>
+            </a:endParaRPr>
+          </a:p>
+        </p:txBody>
+      </p:sp>
+    </p:spTree>
+  </p:cSld>
+  <p:clrMapOvr>
+    <a:masterClrMapping/>
+  </p:clrMapOvr>
+</p:notes>
+</file>
+
+<file path=ppt/notesSlides/notesSlide12.xml><?xml version="1.0" encoding="utf-8"?>
+<p:notes xmlns:a="http://schemas.openxmlformats.org/drawingml/2006/main" xmlns:r="http://schemas.openxmlformats.org/officeDocument/2006/relationships" xmlns:p="http://schemas.openxmlformats.org/presentationml/2006/main">
+  <p:cSld>
+    <p:spTree>
+      <p:nvGrpSpPr>
+        <p:cNvPr id="1" name=""/>
+        <p:cNvGrpSpPr/>
+        <p:nvPr/>
+      </p:nvGrpSpPr>
+      <p:grpSpPr>
+        <a:xfrm>
+          <a:off x="0" y="0"/>
+          <a:ext cx="0" cy="0"/>
+          <a:chOff x="0" y="0"/>
+          <a:chExt cx="0" cy="0"/>
+        </a:xfrm>
+      </p:grpSpPr>
+      <p:sp>
+        <p:nvSpPr>
+          <p:cNvPr id="110" name="PlaceHolder 1"/>
+          <p:cNvSpPr>
+            <a:spLocks noGrp="1"/>
+          </p:cNvSpPr>
+          <p:nvPr>
+            <p:ph type="body"/>
+          </p:nvPr>
+        </p:nvSpPr>
+        <p:spPr>
+          <a:xfrm>
+            <a:off x="190440" y="4284720"/>
+            <a:ext cx="6476400" cy="4282200"/>
+          </a:xfrm>
+          <a:prstGeom prst="rect">
+            <a:avLst/>
+          </a:prstGeom>
+        </p:spPr>
+        <p:txBody>
+          <a:bodyPr lIns="0" tIns="0" rIns="0" bIns="0"/>
+          <a:lstStyle/>
+          <a:p>
+            <a:r>
+              <a:rPr lang="en-US" altLang="en-US"/>
+              <a:t>high performence, analyse the existed system, program a protocol, during design face some problem like padding, at last we finish the protocol and according to some test have determined the performens of the protocol.   With this already in HLP and Nucleo implemented protocol we can now...And of cause there are still improvement space for our protocol, like use CRC16 as the </a:t>
+            </a:r>
+          </a:p>
+        </p:txBody>
+      </p:sp>
+      <p:sp>
+        <p:nvSpPr>
+          <p:cNvPr id="111" name="CustomShape 2"/>
+          <p:cNvSpPr/>
+          <p:nvPr/>
+        </p:nvSpPr>
+        <p:spPr>
+          <a:xfrm>
+            <a:off x="189000" y="8685360"/>
+            <a:ext cx="1618560" cy="456480"/>
+          </a:xfrm>
+          <a:prstGeom prst="rect">
+            <a:avLst/>
+          </a:prstGeom>
+          <a:noFill/>
+          <a:ln>
+            <a:noFill/>
+          </a:ln>
+        </p:spPr>
+        <p:txBody>
+          <a:bodyPr lIns="90000" tIns="45000" rIns="90000" bIns="45000" anchor="ctr"/>
+          <a:lstStyle/>
+          <a:p>
+            <a:pPr>
+              <a:lnSpc>
+                <a:spcPts val="160"/>
+              </a:lnSpc>
+            </a:pPr>
+            <a:r>
+              <a:rPr lang="de-DE" sz="1000">
+                <a:solidFill>
+                  <a:srgbClr val="000000"/>
+                </a:solidFill>
+                <a:latin typeface="Stafford"/>
+                <a:ea typeface="+mn-ea"/>
+              </a:rPr>
+              <a:t>15.06.16</a:t>
+            </a:r>
+          </a:p>
+        </p:txBody>
+      </p:sp>
+      <p:sp>
+        <p:nvSpPr>
+          <p:cNvPr id="112" name="CustomShape 3"/>
+          <p:cNvSpPr/>
+          <p:nvPr/>
+        </p:nvSpPr>
+        <p:spPr>
+          <a:xfrm>
+            <a:off x="1808280" y="8685360"/>
+            <a:ext cx="4104720" cy="456480"/>
+          </a:xfrm>
+          <a:prstGeom prst="rect">
+            <a:avLst/>
+          </a:prstGeom>
+          <a:noFill/>
+          <a:ln>
+            <a:noFill/>
+          </a:ln>
+        </p:spPr>
+        <p:txBody>
+          <a:bodyPr lIns="90000" tIns="45000" rIns="90000" bIns="45000" anchor="ctr"/>
+          <a:lstStyle/>
+          <a:p>
+            <a:pPr>
+              <a:lnSpc>
+                <a:spcPts val="160"/>
+              </a:lnSpc>
+            </a:pPr>
+            <a:r>
+              <a:rPr lang="de-DE" sz="1000">
+                <a:solidFill>
+                  <a:srgbClr val="000000"/>
+                </a:solidFill>
+                <a:latin typeface="Stafford"/>
+                <a:ea typeface="+mn-ea"/>
+              </a:rPr>
+              <a:t>|  </a:t>
+            </a:r>
+          </a:p>
+        </p:txBody>
+      </p:sp>
+      <p:sp>
+        <p:nvSpPr>
+          <p:cNvPr id="113" name="CustomShape 4"/>
+          <p:cNvSpPr/>
+          <p:nvPr/>
+        </p:nvSpPr>
+        <p:spPr>
+          <a:xfrm>
+            <a:off x="5913360" y="8685360"/>
+            <a:ext cx="942120" cy="456480"/>
+          </a:xfrm>
+          <a:prstGeom prst="rect">
+            <a:avLst/>
+          </a:prstGeom>
+          <a:noFill/>
+          <a:ln>
+            <a:noFill/>
+          </a:ln>
+        </p:spPr>
+        <p:txBody>
+          <a:bodyPr lIns="90000" tIns="45000" rIns="90000" bIns="45000" anchor="ctr"/>
+          <a:lstStyle/>
+          <a:p>
+            <a:pPr algn="r">
+              <a:lnSpc>
+                <a:spcPts val="160"/>
+              </a:lnSpc>
+            </a:pPr>
+            <a:r>
+              <a:rPr lang="de-DE" sz="1000">
+                <a:solidFill>
+                  <a:srgbClr val="000000"/>
+                </a:solidFill>
+                <a:latin typeface="Stafford"/>
+                <a:ea typeface="+mn-ea"/>
+              </a:rPr>
+              <a:t>|  </a:t>
+            </a:r>
+            <a:fld id="{0BD78692-C88F-4214-A934-7F5547F1CA4D}" type="slidenum">
+              <a:rPr lang="de-DE" sz="1000">
+                <a:solidFill>
+                  <a:srgbClr val="000000"/>
+                </a:solidFill>
+                <a:latin typeface="Stafford"/>
+                <a:ea typeface="+mn-ea"/>
+              </a:rPr>
+              <a:t>13</a:t>
+            </a:fld>
+            <a:endParaRPr lang="de-DE" sz="1000">
+              <a:solidFill>
+                <a:srgbClr val="000000"/>
+              </a:solidFill>
+              <a:latin typeface="Stafford"/>
+              <a:ea typeface="+mn-ea"/>
+            </a:endParaRPr>
+          </a:p>
+        </p:txBody>
+      </p:sp>
+    </p:spTree>
+  </p:cSld>
+  <p:clrMapOvr>
+    <a:masterClrMapping/>
+  </p:clrMapOvr>
+</p:notes>
+</file>
+
 <file path=ppt/notesSlides/notesSlide2.xml><?xml version="1.0" encoding="utf-8"?>
 <p:notes xmlns:a="http://schemas.openxmlformats.org/drawingml/2006/main" xmlns:r="http://schemas.openxmlformats.org/officeDocument/2006/relationships" xmlns:p="http://schemas.openxmlformats.org/presentationml/2006/main">
   <p:cSld>
@@ -4305,7 +4895,372 @@
           <a:bodyPr lIns="0" tIns="0" rIns="0" bIns="0"/>
           <a:lstStyle/>
           <a:p>
-            <a:endParaRPr/>
+            <a:r>
+              <a:rPr lang="en-GB" altLang="zh-CN" sz="1200" b="0" i="0" kern="1200" dirty="0">
+                <a:solidFill>
+                  <a:schemeClr val="tx1"/>
+                </a:solidFill>
+                <a:effectLst/>
+                <a:latin typeface="+mn-lt"/>
+                <a:ea typeface="+mn-ea"/>
+                <a:cs typeface="+mn-cs"/>
+              </a:rPr>
+              <a:t>So firstly, why we need</a:t>
+            </a:r>
+            <a:r>
+              <a:rPr lang="en-GB" altLang="zh-CN" sz="1200" b="0" i="0" kern="1200" baseline="0" dirty="0">
+                <a:solidFill>
+                  <a:schemeClr val="tx1"/>
+                </a:solidFill>
+                <a:effectLst/>
+                <a:latin typeface="+mn-lt"/>
+                <a:ea typeface="+mn-ea"/>
+                <a:cs typeface="+mn-cs"/>
+              </a:rPr>
+              <a:t> an additional processor and protocol </a:t>
+            </a:r>
+            <a:r>
+              <a:rPr lang="en-GB" altLang="zh-CN" sz="1200" b="0" i="0" kern="1200" baseline="0" dirty="0" err="1">
+                <a:solidFill>
+                  <a:schemeClr val="tx1"/>
+                </a:solidFill>
+                <a:effectLst/>
+                <a:latin typeface="+mn-lt"/>
+                <a:ea typeface="+mn-ea"/>
+                <a:cs typeface="+mn-cs"/>
+              </a:rPr>
+              <a:t>specificly</a:t>
+            </a:r>
+            <a:r>
+              <a:rPr lang="en-GB" altLang="zh-CN" sz="1200" b="0" i="0" kern="1200" baseline="0" dirty="0">
+                <a:solidFill>
+                  <a:schemeClr val="tx1"/>
+                </a:solidFill>
+                <a:effectLst/>
+                <a:latin typeface="+mn-lt"/>
+                <a:ea typeface="+mn-ea"/>
+                <a:cs typeface="+mn-cs"/>
+              </a:rPr>
+              <a:t> for the sensor fusion.</a:t>
+            </a:r>
+            <a:endParaRPr lang="en-GB" altLang="zh-CN" sz="1200" b="0" i="0" kern="1200" dirty="0">
+              <a:solidFill>
+                <a:schemeClr val="tx1"/>
+              </a:solidFill>
+              <a:effectLst/>
+              <a:latin typeface="+mn-lt"/>
+              <a:ea typeface="+mn-ea"/>
+              <a:cs typeface="+mn-cs"/>
+            </a:endParaRPr>
+          </a:p>
+          <a:p>
+            <a:r>
+              <a:rPr lang="en-GB" altLang="zh-CN" sz="1200" b="0" i="0" kern="1200" dirty="0">
+                <a:solidFill>
+                  <a:schemeClr val="tx1"/>
+                </a:solidFill>
+                <a:effectLst/>
+                <a:latin typeface="+mn-lt"/>
+                <a:ea typeface="+mn-ea"/>
+                <a:cs typeface="+mn-cs"/>
+              </a:rPr>
+              <a:t>Straightforward if we list</a:t>
+            </a:r>
+            <a:r>
+              <a:rPr lang="en-GB" altLang="zh-CN" sz="1200" b="0" i="0" kern="1200" baseline="0" dirty="0">
+                <a:solidFill>
+                  <a:schemeClr val="tx1"/>
+                </a:solidFill>
+                <a:effectLst/>
+                <a:latin typeface="+mn-lt"/>
+                <a:ea typeface="+mn-ea"/>
+                <a:cs typeface="+mn-cs"/>
+              </a:rPr>
+              <a:t> the </a:t>
+            </a:r>
+            <a:r>
+              <a:rPr lang="en-GB" altLang="zh-CN" sz="1200" kern="1200" dirty="0">
+                <a:solidFill>
+                  <a:schemeClr val="tx1"/>
+                </a:solidFill>
+                <a:effectLst/>
+                <a:latin typeface="+mn-lt"/>
+                <a:ea typeface="+mn-ea"/>
+                <a:cs typeface="+mn-cs"/>
+              </a:rPr>
+              <a:t>requirement</a:t>
+            </a:r>
+            <a:r>
+              <a:rPr lang="en-GB" altLang="zh-CN" sz="1200" kern="1200" baseline="0" dirty="0">
+                <a:solidFill>
+                  <a:schemeClr val="tx1"/>
+                </a:solidFill>
+                <a:effectLst/>
+                <a:latin typeface="+mn-lt"/>
+                <a:ea typeface="+mn-ea"/>
+                <a:cs typeface="+mn-cs"/>
+              </a:rPr>
+              <a:t> of sensor fusion and </a:t>
+            </a:r>
+            <a:r>
+              <a:rPr lang="en-GB" altLang="zh-CN" sz="1200" kern="1200" baseline="0" dirty="0" err="1">
+                <a:solidFill>
+                  <a:schemeClr val="tx1"/>
+                </a:solidFill>
+                <a:effectLst/>
+                <a:latin typeface="+mn-lt"/>
+                <a:ea typeface="+mn-ea"/>
+                <a:cs typeface="+mn-cs"/>
+              </a:rPr>
+              <a:t>propoties</a:t>
+            </a:r>
+            <a:r>
+              <a:rPr lang="en-GB" altLang="zh-CN" sz="1200" kern="1200" baseline="0" dirty="0">
+                <a:solidFill>
+                  <a:schemeClr val="tx1"/>
+                </a:solidFill>
+                <a:effectLst/>
+                <a:latin typeface="+mn-lt"/>
+                <a:ea typeface="+mn-ea"/>
+                <a:cs typeface="+mn-cs"/>
+              </a:rPr>
+              <a:t> of HLP in UAV</a:t>
+            </a:r>
+            <a:endParaRPr lang="en-GB" altLang="zh-CN" sz="1200" kern="1200" dirty="0">
+              <a:solidFill>
+                <a:schemeClr val="tx1"/>
+              </a:solidFill>
+              <a:effectLst/>
+              <a:latin typeface="+mn-lt"/>
+              <a:ea typeface="+mn-ea"/>
+              <a:cs typeface="+mn-cs"/>
+            </a:endParaRPr>
+          </a:p>
+          <a:p>
+            <a:r>
+              <a:rPr lang="en-GB" altLang="zh-CN" sz="1200" kern="1200" dirty="0">
+                <a:solidFill>
+                  <a:schemeClr val="tx1"/>
+                </a:solidFill>
+                <a:effectLst/>
+                <a:latin typeface="+mn-lt"/>
+                <a:ea typeface="+mn-ea"/>
+                <a:cs typeface="+mn-cs"/>
+              </a:rPr>
+              <a:t>Pro in UAV</a:t>
+            </a:r>
+            <a:r>
+              <a:rPr lang="en-GB" altLang="zh-CN" sz="1200" kern="1200" baseline="0" dirty="0">
+                <a:solidFill>
+                  <a:schemeClr val="tx1"/>
+                </a:solidFill>
+                <a:effectLst/>
+                <a:latin typeface="+mn-lt"/>
+                <a:ea typeface="+mn-ea"/>
+                <a:cs typeface="+mn-cs"/>
+              </a:rPr>
+              <a:t> can not afford calculation.</a:t>
+            </a:r>
+          </a:p>
+          <a:p>
+            <a:r>
+              <a:rPr lang="en-GB" altLang="zh-CN" sz="1200" kern="1200" dirty="0">
+                <a:solidFill>
+                  <a:schemeClr val="tx1"/>
+                </a:solidFill>
+                <a:effectLst/>
+                <a:latin typeface="+mn-lt"/>
+                <a:ea typeface="+mn-ea"/>
+                <a:cs typeface="+mn-cs"/>
+              </a:rPr>
+              <a:t>Pro in UAV</a:t>
+            </a:r>
+            <a:r>
+              <a:rPr lang="en-GB" altLang="zh-CN" sz="1200" kern="1200" baseline="0" dirty="0">
+                <a:solidFill>
+                  <a:schemeClr val="tx1"/>
+                </a:solidFill>
+                <a:effectLst/>
+                <a:latin typeface="+mn-lt"/>
+                <a:ea typeface="+mn-ea"/>
+                <a:cs typeface="+mn-cs"/>
+              </a:rPr>
+              <a:t> will do many control task. It demands real-time property and also demands sources to do many calculation tasks.</a:t>
+            </a:r>
+          </a:p>
+          <a:p>
+            <a:r>
+              <a:rPr lang="en-US" altLang="zh-CN" sz="1200" kern="1200" baseline="0" dirty="0">
+                <a:solidFill>
+                  <a:schemeClr val="tx1"/>
+                </a:solidFill>
+                <a:effectLst/>
+                <a:latin typeface="+mn-lt"/>
+                <a:ea typeface="+mn-ea"/>
+                <a:cs typeface="+mn-cs"/>
+              </a:rPr>
+              <a:t>Also the </a:t>
+            </a:r>
+            <a:r>
+              <a:rPr lang="en-US" altLang="zh-CN" sz="1200" kern="1200" baseline="0" dirty="0" err="1">
+                <a:solidFill>
+                  <a:schemeClr val="tx1"/>
+                </a:solidFill>
+                <a:effectLst/>
+                <a:latin typeface="+mn-lt"/>
+                <a:ea typeface="+mn-ea"/>
+                <a:cs typeface="+mn-cs"/>
+              </a:rPr>
+              <a:t>sensorfusion</a:t>
+            </a:r>
+            <a:r>
+              <a:rPr lang="en-US" altLang="zh-CN" sz="1200" kern="1200" baseline="0" dirty="0">
+                <a:solidFill>
+                  <a:schemeClr val="tx1"/>
+                </a:solidFill>
+                <a:effectLst/>
+                <a:latin typeface="+mn-lt"/>
+                <a:ea typeface="+mn-ea"/>
+                <a:cs typeface="+mn-cs"/>
+              </a:rPr>
+              <a:t> have very big probability to conflict the original control logic, because the calculation takes time and frequently.</a:t>
+            </a:r>
+            <a:endParaRPr lang="en-GB" altLang="zh-CN" sz="1200" kern="1200" baseline="0" dirty="0">
+              <a:solidFill>
+                <a:schemeClr val="tx1"/>
+              </a:solidFill>
+              <a:effectLst/>
+              <a:latin typeface="+mn-lt"/>
+              <a:ea typeface="+mn-ea"/>
+              <a:cs typeface="+mn-cs"/>
+            </a:endParaRPr>
+          </a:p>
+          <a:p>
+            <a:r>
+              <a:rPr lang="en-GB" altLang="zh-CN" sz="1200" kern="1200" baseline="0" dirty="0">
+                <a:solidFill>
+                  <a:schemeClr val="tx1"/>
+                </a:solidFill>
+                <a:effectLst/>
+                <a:latin typeface="+mn-lt"/>
+                <a:ea typeface="+mn-ea"/>
+                <a:cs typeface="+mn-cs"/>
+              </a:rPr>
+              <a:t>So we add a specific processor to do sensor fusion task. </a:t>
+            </a:r>
+          </a:p>
+          <a:p>
+            <a:r>
+              <a:rPr lang="en-GB" altLang="zh-CN" sz="1200" kern="1200" baseline="0" dirty="0">
+                <a:solidFill>
+                  <a:schemeClr val="tx1"/>
+                </a:solidFill>
+                <a:effectLst/>
+                <a:latin typeface="+mn-lt"/>
+                <a:ea typeface="+mn-ea"/>
+                <a:cs typeface="+mn-cs"/>
+              </a:rPr>
+              <a:t>But firstly, we must ensure the reliable and high speed communication between our specific processer and the HLP, and only then we can make </a:t>
+            </a:r>
+            <a:r>
+              <a:rPr lang="en-GB" altLang="zh-CN" sz="1200" kern="1200" baseline="0" dirty="0" err="1">
+                <a:solidFill>
+                  <a:schemeClr val="tx1"/>
+                </a:solidFill>
+                <a:effectLst/>
+                <a:latin typeface="+mn-lt"/>
+                <a:ea typeface="+mn-ea"/>
+                <a:cs typeface="+mn-cs"/>
+              </a:rPr>
+              <a:t>sensorfusion</a:t>
+            </a:r>
+            <a:r>
+              <a:rPr lang="en-GB" altLang="zh-CN" sz="1200" kern="1200" baseline="0" dirty="0">
+                <a:solidFill>
+                  <a:schemeClr val="tx1"/>
+                </a:solidFill>
+                <a:effectLst/>
+                <a:latin typeface="+mn-lt"/>
+                <a:ea typeface="+mn-ea"/>
+                <a:cs typeface="+mn-cs"/>
+              </a:rPr>
+              <a:t> task.</a:t>
+            </a:r>
+          </a:p>
+          <a:p>
+            <a:endParaRPr lang="en-GB" altLang="zh-CN" sz="1200" kern="1200" dirty="0">
+              <a:solidFill>
+                <a:schemeClr val="tx1"/>
+              </a:solidFill>
+              <a:effectLst/>
+              <a:latin typeface="+mn-lt"/>
+              <a:ea typeface="+mn-ea"/>
+              <a:cs typeface="+mn-cs"/>
+            </a:endParaRPr>
+          </a:p>
+          <a:p>
+            <a:pPr marL="0" marR="0" lvl="0" indent="0" algn="l" defTabSz="914400" rtl="0" eaLnBrk="1" fontAlgn="auto" latinLnBrk="0" hangingPunct="1">
+              <a:lnSpc>
+                <a:spcPct val="100000"/>
+              </a:lnSpc>
+              <a:spcBef>
+                <a:spcPts val="0"/>
+              </a:spcBef>
+              <a:spcAft>
+                <a:spcPts val="0"/>
+              </a:spcAft>
+              <a:buClrTx/>
+              <a:buSzTx/>
+              <a:buFontTx/>
+              <a:buNone/>
+              <a:tabLst/>
+              <a:defRPr/>
+            </a:pPr>
+            <a:r>
+              <a:rPr lang="en-GB" altLang="zh-CN" sz="1200" kern="1200" baseline="0" dirty="0">
+                <a:solidFill>
+                  <a:schemeClr val="tx1"/>
+                </a:solidFill>
+                <a:effectLst/>
+                <a:latin typeface="+mn-lt"/>
+                <a:ea typeface="+mn-ea"/>
+                <a:cs typeface="+mn-cs"/>
+              </a:rPr>
+              <a:t>Besides,  data comes from many different sensors, so we need large quantity of variables to save them. But the memory of HLP not very enough.</a:t>
+            </a:r>
+          </a:p>
+          <a:p>
+            <a:endParaRPr lang="en-GB" altLang="zh-CN" sz="1200" kern="1200" dirty="0">
+              <a:solidFill>
+                <a:schemeClr val="tx1"/>
+              </a:solidFill>
+              <a:effectLst/>
+              <a:latin typeface="+mn-lt"/>
+              <a:ea typeface="+mn-ea"/>
+              <a:cs typeface="+mn-cs"/>
+            </a:endParaRPr>
+          </a:p>
+          <a:p>
+            <a:endParaRPr lang="en-GB" altLang="zh-CN" sz="1200" kern="1200" dirty="0">
+              <a:solidFill>
+                <a:schemeClr val="tx1"/>
+              </a:solidFill>
+              <a:effectLst/>
+              <a:latin typeface="+mn-lt"/>
+              <a:ea typeface="+mn-ea"/>
+              <a:cs typeface="+mn-cs"/>
+            </a:endParaRPr>
+          </a:p>
+          <a:p>
+            <a:endParaRPr lang="en-GB" altLang="zh-CN" dirty="0">
+              <a:effectLst/>
+            </a:endParaRPr>
+          </a:p>
+          <a:p>
+            <a:br>
+              <a:rPr lang="en-GB" altLang="zh-CN" dirty="0"/>
+            </a:br>
+            <a:endParaRPr dirty="0"/>
           </a:p>
         </p:txBody>
       </p:sp>
@@ -4493,7 +5448,115 @@
           <a:bodyPr lIns="0" tIns="0" rIns="0" bIns="0"/>
           <a:lstStyle/>
           <a:p>
-            <a:endParaRPr/>
+            <a:r>
+              <a:rPr lang="en-US" altLang="zh-CN" dirty="0"/>
+              <a:t>1.  Object of sensor fusion</a:t>
+            </a:r>
+            <a:r>
+              <a:rPr lang="en-US" altLang="zh-CN" baseline="0" dirty="0"/>
+              <a:t> task</a:t>
+            </a:r>
+            <a:endParaRPr lang="en-US" altLang="zh-CN" dirty="0"/>
+          </a:p>
+          <a:p>
+            <a:r>
+              <a:rPr lang="en-US" altLang="zh-CN" dirty="0"/>
+              <a:t>HL LL Directly</a:t>
+            </a:r>
+            <a:r>
+              <a:rPr lang="en-US" altLang="zh-CN" baseline="0" dirty="0"/>
+              <a:t> control. </a:t>
+            </a:r>
+          </a:p>
+          <a:p>
+            <a:r>
+              <a:rPr lang="en-US" altLang="zh-CN" baseline="0" dirty="0"/>
+              <a:t>high level control, like flying along a certain trajectory, but can not afford  large quantity of calculations.</a:t>
+            </a:r>
+          </a:p>
+          <a:p>
+            <a:r>
+              <a:rPr lang="en-US" baseline="0" dirty="0"/>
+              <a:t>2. </a:t>
+            </a:r>
+            <a:r>
+              <a:rPr lang="en-US" baseline="0" dirty="0" err="1"/>
+              <a:t>Nucleo</a:t>
+            </a:r>
+            <a:r>
+              <a:rPr lang="en-US" baseline="0" dirty="0"/>
+              <a:t>,</a:t>
+            </a:r>
+          </a:p>
+          <a:p>
+            <a:r>
+              <a:rPr lang="en-US" baseline="0" dirty="0"/>
+              <a:t>Very advanced and popular in </a:t>
+            </a:r>
+            <a:r>
+              <a:rPr lang="en-US" baseline="0" dirty="0" err="1"/>
+              <a:t>embeded</a:t>
+            </a:r>
+            <a:r>
+              <a:rPr lang="en-US" baseline="0" dirty="0"/>
+              <a:t> system field. Library functions, </a:t>
+            </a:r>
+            <a:r>
+              <a:rPr lang="en-US" baseline="0" dirty="0" err="1"/>
+              <a:t>c</a:t>
+            </a:r>
+            <a:r>
+              <a:rPr lang="en-US" altLang="zh-CN" baseline="0" dirty="0" err="1"/>
+              <a:t>onvienient</a:t>
+            </a:r>
+            <a:r>
+              <a:rPr lang="en-US" altLang="zh-CN" baseline="0" dirty="0"/>
+              <a:t> and fast to make prototyping. The calculation efficiency is very good.</a:t>
+            </a:r>
+          </a:p>
+          <a:p>
+            <a:r>
+              <a:rPr lang="en-US" altLang="zh-CN" baseline="0" dirty="0"/>
+              <a:t>The communication between </a:t>
+            </a:r>
+            <a:r>
+              <a:rPr lang="en-US" altLang="zh-CN" baseline="0" dirty="0" err="1"/>
+              <a:t>Nucleo</a:t>
+            </a:r>
+            <a:r>
+              <a:rPr lang="en-US" altLang="zh-CN" baseline="0" dirty="0"/>
+              <a:t> and UAV is based on SPI bus.  Also our protocol is based on this bus.</a:t>
+            </a:r>
+          </a:p>
+          <a:p>
+            <a:r>
+              <a:rPr lang="en-US" baseline="0" dirty="0"/>
+              <a:t>3. Firstly is intern sensors, they are very commonly used sensor, and they are already integrated in the UAV. Like ………..</a:t>
+            </a:r>
+          </a:p>
+          <a:p>
+            <a:r>
+              <a:rPr lang="en-US" baseline="0" dirty="0"/>
+              <a:t>   </a:t>
+            </a:r>
+            <a:r>
+              <a:rPr lang="en-US" altLang="zh-CN" baseline="0" dirty="0"/>
+              <a:t>But in some special situation, it doesn’t work well.  For, example, when UAV is flying indoors, GPS will not work.</a:t>
+            </a:r>
+            <a:endParaRPr lang="en-US" baseline="0" dirty="0"/>
+          </a:p>
+          <a:p>
+            <a:r>
+              <a:rPr lang="en-US" baseline="0" dirty="0"/>
+              <a:t>    Like optical flow, Lidar, camera.</a:t>
+            </a:r>
+          </a:p>
+          <a:p>
+            <a:r>
+              <a:rPr lang="en-US" baseline="0" dirty="0"/>
+              <a:t>    for example,  if we want to locate the position indoors, or avoid barrier.</a:t>
+            </a:r>
+            <a:endParaRPr dirty="0"/>
           </a:p>
         </p:txBody>
       </p:sp>
@@ -6595,7 +7658,358 @@
           <a:bodyPr lIns="0" tIns="0" rIns="0" bIns="0"/>
           <a:lstStyle/>
           <a:p>
-            <a:endParaRPr/>
+            <a:r>
+              <a:rPr lang="en-GB" noProof="0" dirty="0"/>
+              <a:t>To see how the actual protocol works, we take a deeper look into the layer representation.</a:t>
+            </a:r>
+          </a:p>
+          <a:p>
+            <a:pPr marL="0" marR="0" lvl="0" indent="0" algn="l" defTabSz="914400" rtl="0" eaLnBrk="1" fontAlgn="auto" latinLnBrk="0" hangingPunct="1">
+              <a:lnSpc>
+                <a:spcPct val="100000"/>
+              </a:lnSpc>
+              <a:spcBef>
+                <a:spcPts val="0"/>
+              </a:spcBef>
+              <a:spcAft>
+                <a:spcPts val="0"/>
+              </a:spcAft>
+              <a:buClrTx/>
+              <a:buSzTx/>
+              <a:buFontTx/>
+              <a:buNone/>
+              <a:tabLst/>
+              <a:defRPr/>
+            </a:pPr>
+            <a:r>
+              <a:rPr lang="en-GB" dirty="0"/>
+              <a:t>The highest layer is the application layer, on that layer you can fill a new package for example with the latest speed reading for the next package to be sent.</a:t>
+            </a:r>
+          </a:p>
+          <a:p>
+            <a:pPr marL="0" marR="0" lvl="0" indent="0" algn="l" defTabSz="914400" rtl="0" eaLnBrk="1" fontAlgn="auto" latinLnBrk="0" hangingPunct="1">
+              <a:lnSpc>
+                <a:spcPct val="100000"/>
+              </a:lnSpc>
+              <a:spcBef>
+                <a:spcPts val="0"/>
+              </a:spcBef>
+              <a:spcAft>
+                <a:spcPts val="0"/>
+              </a:spcAft>
+              <a:buClrTx/>
+              <a:buSzTx/>
+              <a:buFontTx/>
+              <a:buNone/>
+              <a:tabLst/>
+              <a:defRPr/>
+            </a:pPr>
+            <a:r>
+              <a:rPr lang="en-GB" dirty="0"/>
+              <a:t>When a package is finished (so basically all data is updated, happening in 500Hz), the next layer comes on. </a:t>
+            </a:r>
+          </a:p>
+          <a:p>
+            <a:pPr marL="0" marR="0" lvl="0" indent="0" algn="l" defTabSz="914400" rtl="0" eaLnBrk="1" fontAlgn="auto" latinLnBrk="0" hangingPunct="1">
+              <a:lnSpc>
+                <a:spcPct val="100000"/>
+              </a:lnSpc>
+              <a:spcBef>
+                <a:spcPts val="0"/>
+              </a:spcBef>
+              <a:spcAft>
+                <a:spcPts val="0"/>
+              </a:spcAft>
+              <a:buClrTx/>
+              <a:buSzTx/>
+              <a:buFontTx/>
+              <a:buNone/>
+              <a:tabLst/>
+              <a:defRPr/>
+            </a:pPr>
+            <a:r>
+              <a:rPr lang="en-GB" dirty="0"/>
+              <a:t>It’s called </a:t>
+            </a:r>
+            <a:r>
+              <a:rPr lang="en-GB" dirty="0" err="1"/>
+              <a:t>tansmitssion</a:t>
+            </a:r>
+            <a:r>
+              <a:rPr lang="en-GB" dirty="0"/>
+              <a:t> insurance layer, with the goal of detecting transmission errors.</a:t>
+            </a:r>
+          </a:p>
+          <a:p>
+            <a:pPr marL="0" marR="0" lvl="0" indent="0" algn="l" defTabSz="914400" rtl="0" eaLnBrk="1" fontAlgn="auto" latinLnBrk="0" hangingPunct="1">
+              <a:lnSpc>
+                <a:spcPct val="100000"/>
+              </a:lnSpc>
+              <a:spcBef>
+                <a:spcPts val="0"/>
+              </a:spcBef>
+              <a:spcAft>
+                <a:spcPts val="0"/>
+              </a:spcAft>
+              <a:buClrTx/>
+              <a:buSzTx/>
+              <a:buFontTx/>
+              <a:buNone/>
+              <a:tabLst/>
+              <a:defRPr/>
+            </a:pPr>
+            <a:r>
+              <a:rPr lang="en-GB" dirty="0"/>
+              <a:t>Here a checksum is calculated </a:t>
+            </a:r>
+            <a:r>
+              <a:rPr lang="en-US" dirty="0"/>
+              <a:t>based on the byte sequence and is </a:t>
+            </a:r>
+            <a:r>
+              <a:rPr lang="en-GB" dirty="0"/>
+              <a:t>attached to the PDU.</a:t>
+            </a:r>
+          </a:p>
+          <a:p>
+            <a:pPr marL="0" marR="0" lvl="0" indent="0" algn="l" defTabSz="914400" rtl="0" eaLnBrk="1" fontAlgn="auto" latinLnBrk="0" hangingPunct="1">
+              <a:lnSpc>
+                <a:spcPct val="100000"/>
+              </a:lnSpc>
+              <a:spcBef>
+                <a:spcPts val="0"/>
+              </a:spcBef>
+              <a:spcAft>
+                <a:spcPts val="0"/>
+              </a:spcAft>
+              <a:buClrTx/>
+              <a:buSzTx/>
+              <a:buFontTx/>
+              <a:buNone/>
+              <a:tabLst/>
+              <a:defRPr/>
+            </a:pPr>
+            <a:r>
+              <a:rPr lang="en-GB" dirty="0"/>
+              <a:t>The next  De- /</a:t>
+            </a:r>
+            <a:r>
+              <a:rPr lang="en-GB" dirty="0" err="1"/>
+              <a:t>Encodelayer</a:t>
+            </a:r>
+            <a:r>
+              <a:rPr lang="en-GB" dirty="0"/>
+              <a:t> is not considering the content of the PDU, it’s just treated like a simple </a:t>
+            </a:r>
+            <a:r>
+              <a:rPr lang="en-GB" dirty="0" err="1"/>
+              <a:t>ByteStream</a:t>
+            </a:r>
+            <a:r>
+              <a:rPr lang="en-GB" dirty="0"/>
+              <a:t>.</a:t>
+            </a:r>
+          </a:p>
+          <a:p>
+            <a:pPr marL="0" marR="0" lvl="0" indent="0" algn="l" defTabSz="914400" rtl="0" eaLnBrk="1" fontAlgn="auto" latinLnBrk="0" hangingPunct="1">
+              <a:lnSpc>
+                <a:spcPct val="100000"/>
+              </a:lnSpc>
+              <a:spcBef>
+                <a:spcPts val="0"/>
+              </a:spcBef>
+              <a:spcAft>
+                <a:spcPts val="0"/>
+              </a:spcAft>
+              <a:buClrTx/>
+              <a:buSzTx/>
+              <a:buFontTx/>
+              <a:buNone/>
+              <a:tabLst/>
+              <a:defRPr/>
+            </a:pPr>
+            <a:r>
+              <a:rPr lang="en-GB" dirty="0"/>
+              <a:t>As I said before, a COBS algorithm is used to de and encode the data.</a:t>
+            </a:r>
+          </a:p>
+          <a:p>
+            <a:pPr marL="0" marR="0" lvl="0" indent="0" algn="l" defTabSz="914400" rtl="0" eaLnBrk="1" fontAlgn="auto" latinLnBrk="0" hangingPunct="1">
+              <a:lnSpc>
+                <a:spcPct val="100000"/>
+              </a:lnSpc>
+              <a:spcBef>
+                <a:spcPts val="0"/>
+              </a:spcBef>
+              <a:spcAft>
+                <a:spcPts val="0"/>
+              </a:spcAft>
+              <a:buClrTx/>
+              <a:buSzTx/>
+              <a:buFontTx/>
+              <a:buNone/>
+              <a:tabLst/>
+              <a:defRPr/>
+            </a:pPr>
+            <a:r>
+              <a:rPr lang="en-GB" dirty="0"/>
+              <a:t>This algorithm is stuffing some new Bytes into the </a:t>
+            </a:r>
+            <a:r>
+              <a:rPr lang="en-GB" dirty="0" err="1"/>
+              <a:t>Bytestream</a:t>
+            </a:r>
+            <a:r>
+              <a:rPr lang="en-GB" dirty="0"/>
+              <a:t> (generating some overhead) to ensure that a specified </a:t>
+            </a:r>
+            <a:r>
+              <a:rPr lang="en-GB" dirty="0" err="1"/>
+              <a:t>delimiterByte</a:t>
+            </a:r>
+            <a:r>
+              <a:rPr lang="en-GB" dirty="0"/>
+              <a:t> is not included inside the Packet.</a:t>
+            </a:r>
+          </a:p>
+          <a:p>
+            <a:pPr marL="0" marR="0" lvl="0" indent="0" algn="l" defTabSz="914400" rtl="0" eaLnBrk="1" fontAlgn="auto" latinLnBrk="0" hangingPunct="1">
+              <a:lnSpc>
+                <a:spcPct val="100000"/>
+              </a:lnSpc>
+              <a:spcBef>
+                <a:spcPts val="0"/>
+              </a:spcBef>
+              <a:spcAft>
+                <a:spcPts val="0"/>
+              </a:spcAft>
+              <a:buClrTx/>
+              <a:buSzTx/>
+              <a:buFontTx/>
+              <a:buNone/>
+              <a:tabLst/>
+              <a:defRPr/>
+            </a:pPr>
+            <a:r>
+              <a:rPr lang="en-GB" dirty="0"/>
+              <a:t>Use you can this Delimiter (in that case 0x00) to set </a:t>
+            </a:r>
+            <a:r>
+              <a:rPr lang="en-GB" dirty="0" err="1"/>
+              <a:t>boundarys</a:t>
+            </a:r>
+            <a:r>
+              <a:rPr lang="en-GB" dirty="0"/>
+              <a:t> between the messages, so you can easily see the </a:t>
+            </a:r>
+            <a:r>
+              <a:rPr lang="en-GB" dirty="0" err="1"/>
+              <a:t>strat</a:t>
+            </a:r>
+            <a:r>
+              <a:rPr lang="en-GB" dirty="0"/>
+              <a:t> and the end of each single package.</a:t>
+            </a:r>
+          </a:p>
+          <a:p>
+            <a:pPr marL="0" marR="0" lvl="0" indent="0" algn="l" defTabSz="914400" rtl="0" eaLnBrk="1" fontAlgn="auto" latinLnBrk="0" hangingPunct="1">
+              <a:lnSpc>
+                <a:spcPct val="100000"/>
+              </a:lnSpc>
+              <a:spcBef>
+                <a:spcPts val="0"/>
+              </a:spcBef>
+              <a:spcAft>
+                <a:spcPts val="0"/>
+              </a:spcAft>
+              <a:buClrTx/>
+              <a:buSzTx/>
+              <a:buFontTx/>
+              <a:buNone/>
+              <a:tabLst/>
+              <a:defRPr/>
+            </a:pPr>
+            <a:r>
+              <a:rPr lang="en-GB" dirty="0"/>
+              <a:t>Last Layer is the Physical layer, here the </a:t>
+            </a:r>
+            <a:r>
+              <a:rPr lang="en-GB" dirty="0" err="1"/>
+              <a:t>Bittransfer</a:t>
+            </a:r>
+            <a:r>
+              <a:rPr lang="en-GB" dirty="0"/>
+              <a:t> between both partners is taking place. </a:t>
+            </a:r>
+          </a:p>
+          <a:p>
+            <a:pPr marL="0" marR="0" lvl="0" indent="0" algn="l" defTabSz="914400" rtl="0" eaLnBrk="1" fontAlgn="auto" latinLnBrk="0" hangingPunct="1">
+              <a:lnSpc>
+                <a:spcPct val="100000"/>
+              </a:lnSpc>
+              <a:spcBef>
+                <a:spcPts val="0"/>
+              </a:spcBef>
+              <a:spcAft>
+                <a:spcPts val="0"/>
+              </a:spcAft>
+              <a:buClrTx/>
+              <a:buSzTx/>
+              <a:buFontTx/>
+              <a:buNone/>
+              <a:tabLst/>
+              <a:defRPr/>
+            </a:pPr>
+            <a:r>
+              <a:rPr lang="en-GB" dirty="0"/>
+              <a:t>When a message gets received on the right side, decoded, checked for the correct checksum and is now available on the application layer.</a:t>
+            </a:r>
+          </a:p>
+          <a:p>
+            <a:pPr marL="0" marR="0" lvl="0" indent="0" algn="l" defTabSz="914400" rtl="0" eaLnBrk="1" fontAlgn="auto" latinLnBrk="0" hangingPunct="1">
+              <a:lnSpc>
+                <a:spcPct val="100000"/>
+              </a:lnSpc>
+              <a:spcBef>
+                <a:spcPts val="0"/>
+              </a:spcBef>
+              <a:spcAft>
+                <a:spcPts val="0"/>
+              </a:spcAft>
+              <a:buClrTx/>
+              <a:buSzTx/>
+              <a:buFontTx/>
+              <a:buNone/>
+              <a:tabLst/>
+              <a:defRPr/>
+            </a:pPr>
+            <a:r>
+              <a:rPr lang="en-GB" dirty="0"/>
+              <a:t>SO the data which was packed here, is now available on the receiving side.</a:t>
+            </a:r>
+          </a:p>
+          <a:p>
+            <a:pPr marL="0" marR="0" lvl="0" indent="0" algn="l" defTabSz="914400" rtl="0" eaLnBrk="1" fontAlgn="auto" latinLnBrk="0" hangingPunct="1">
+              <a:lnSpc>
+                <a:spcPct val="100000"/>
+              </a:lnSpc>
+              <a:spcBef>
+                <a:spcPts val="0"/>
+              </a:spcBef>
+              <a:spcAft>
+                <a:spcPts val="0"/>
+              </a:spcAft>
+              <a:buClrTx/>
+              <a:buSzTx/>
+              <a:buFontTx/>
+              <a:buNone/>
+              <a:tabLst/>
+              <a:defRPr/>
+            </a:pPr>
+            <a:endParaRPr lang="en-GB" dirty="0"/>
+          </a:p>
+          <a:p>
+            <a:endParaRPr dirty="0"/>
           </a:p>
         </p:txBody>
       </p:sp>
@@ -6767,7 +8181,7 @@
       </p:grpSpPr>
       <p:sp>
         <p:nvSpPr>
-          <p:cNvPr id="110" name="PlaceHolder 1"/>
+          <p:cNvPr id="106" name="PlaceHolder 1"/>
           <p:cNvSpPr>
             <a:spLocks noGrp="1"/>
           </p:cNvSpPr>
@@ -6788,13 +8202,15 @@
           <a:bodyPr lIns="0" tIns="0" rIns="0" bIns="0"/>
           <a:lstStyle/>
           <a:p>
-            <a:endParaRPr/>
+            <a:r>
+              <a:t>In order to evaluate a communication protocol, there are basically four criterion, which are...  Conformity... Interoperability...And the last two criterion: Effectiveness and robust of the protocol are in our project more important and so we do..Effectiveness ..Robust..   Using the... much time will it take to transfer a message and the success rate. When a error occurred, what excatly goes wrong?</a:t>
+            </a:r>
           </a:p>
         </p:txBody>
       </p:sp>
       <p:sp>
         <p:nvSpPr>
-          <p:cNvPr id="111" name="CustomShape 2"/>
+          <p:cNvPr id="107" name="CustomShape 2"/>
           <p:cNvSpPr/>
           <p:nvPr/>
         </p:nvSpPr>
@@ -6817,7 +8233,7 @@
           <a:p>
             <a:pPr>
               <a:lnSpc>
-                <a:spcPts val="162"/>
+                <a:spcPts val="160"/>
               </a:lnSpc>
             </a:pPr>
             <a:r>
@@ -6830,13 +8246,12 @@
               </a:rPr>
               <a:t>15.06.16</a:t>
             </a:r>
-            <a:endParaRPr/>
           </a:p>
         </p:txBody>
       </p:sp>
       <p:sp>
         <p:nvSpPr>
-          <p:cNvPr id="112" name="CustomShape 3"/>
+          <p:cNvPr id="108" name="CustomShape 3"/>
           <p:cNvSpPr/>
           <p:nvPr/>
         </p:nvSpPr>
@@ -6859,7 +8274,7 @@
           <a:p>
             <a:pPr>
               <a:lnSpc>
-                <a:spcPts val="162"/>
+                <a:spcPts val="160"/>
               </a:lnSpc>
             </a:pPr>
             <a:r>
@@ -6872,13 +8287,12 @@
               </a:rPr>
               <a:t>|  </a:t>
             </a:r>
-            <a:endParaRPr/>
           </a:p>
         </p:txBody>
       </p:sp>
       <p:sp>
         <p:nvSpPr>
-          <p:cNvPr id="113" name="CustomShape 4"/>
+          <p:cNvPr id="109" name="CustomShape 4"/>
           <p:cNvSpPr/>
           <p:nvPr/>
         </p:nvSpPr>
@@ -6901,7 +8315,7 @@
           <a:p>
             <a:pPr algn="r">
               <a:lnSpc>
-                <a:spcPts val="162"/>
+                <a:spcPts val="160"/>
               </a:lnSpc>
             </a:pPr>
             <a:r>
@@ -6914,7 +8328,7 @@
               </a:rPr>
               <a:t>|  </a:t>
             </a:r>
-            <a:fld id="{0BD78692-C88F-4214-A934-7F5547F1CA4D}" type="slidenum">
+            <a:fld id="{D8028492-1C9F-4E94-B585-9AAA12DBFDAA}" type="slidenum">
               <a:rPr lang="de-DE" sz="1000">
                 <a:solidFill>
                   <a:srgbClr val="000000"/>
@@ -6924,16 +8338,415 @@
               </a:rPr>
               <a:t>8</a:t>
             </a:fld>
-            <a:endParaRPr/>
+            <a:endParaRPr lang="de-DE" sz="1000">
+              <a:solidFill>
+                <a:srgbClr val="000000"/>
+              </a:solidFill>
+              <a:latin typeface="Stafford"/>
+              <a:ea typeface="+mn-ea"/>
+            </a:endParaRPr>
           </a:p>
         </p:txBody>
       </p:sp>
     </p:spTree>
-    <p:extLst>
-      <p:ext uri="{BB962C8B-B14F-4D97-AF65-F5344CB8AC3E}">
-        <p14:creationId xmlns:p14="http://schemas.microsoft.com/office/powerpoint/2010/main" val="1547891545"/>
-      </p:ext>
-    </p:extLst>
+  </p:cSld>
+  <p:clrMapOvr>
+    <a:masterClrMapping/>
+  </p:clrMapOvr>
+</p:notes>
+</file>
+
+<file path=ppt/notesSlides/notesSlide8.xml><?xml version="1.0" encoding="utf-8"?>
+<p:notes xmlns:a="http://schemas.openxmlformats.org/drawingml/2006/main" xmlns:r="http://schemas.openxmlformats.org/officeDocument/2006/relationships" xmlns:p="http://schemas.openxmlformats.org/presentationml/2006/main">
+  <p:cSld>
+    <p:spTree>
+      <p:nvGrpSpPr>
+        <p:cNvPr id="1" name=""/>
+        <p:cNvGrpSpPr/>
+        <p:nvPr/>
+      </p:nvGrpSpPr>
+      <p:grpSpPr>
+        <a:xfrm>
+          <a:off x="0" y="0"/>
+          <a:ext cx="0" cy="0"/>
+          <a:chOff x="0" y="0"/>
+          <a:chExt cx="0" cy="0"/>
+        </a:xfrm>
+      </p:grpSpPr>
+      <p:sp>
+        <p:nvSpPr>
+          <p:cNvPr id="106" name="PlaceHolder 1"/>
+          <p:cNvSpPr>
+            <a:spLocks noGrp="1"/>
+          </p:cNvSpPr>
+          <p:nvPr>
+            <p:ph type="body"/>
+          </p:nvPr>
+        </p:nvSpPr>
+        <p:spPr>
+          <a:xfrm>
+            <a:off x="190440" y="4284720"/>
+            <a:ext cx="6476400" cy="4282200"/>
+          </a:xfrm>
+          <a:prstGeom prst="rect">
+            <a:avLst/>
+          </a:prstGeom>
+        </p:spPr>
+        <p:txBody>
+          <a:bodyPr lIns="0" tIns="0" rIns="0" bIns="0"/>
+          <a:lstStyle/>
+          <a:p>
+            <a:r>
+              <a:t>Result analyse</a:t>
+            </a:r>
+          </a:p>
+          <a:p>
+            <a:r>
+              <a:t>For testing there are 4 diff. Situation need to considered...Both sides send fixed message to each other. So when one receive, unpack, check the checksum to see...</a:t>
+            </a:r>
+            <a:r>
+              <a:rPr lang="en-US" altLang=""/>
+              <a:t>two main situation...other situation like reject but correct can also happen, like when we face the padding problem. </a:t>
+            </a:r>
+          </a:p>
+        </p:txBody>
+      </p:sp>
+      <p:sp>
+        <p:nvSpPr>
+          <p:cNvPr id="107" name="CustomShape 2"/>
+          <p:cNvSpPr/>
+          <p:nvPr/>
+        </p:nvSpPr>
+        <p:spPr>
+          <a:xfrm>
+            <a:off x="189000" y="8685360"/>
+            <a:ext cx="1618560" cy="456480"/>
+          </a:xfrm>
+          <a:prstGeom prst="rect">
+            <a:avLst/>
+          </a:prstGeom>
+          <a:noFill/>
+          <a:ln>
+            <a:noFill/>
+          </a:ln>
+        </p:spPr>
+        <p:txBody>
+          <a:bodyPr lIns="90000" tIns="45000" rIns="90000" bIns="45000" anchor="ctr"/>
+          <a:lstStyle/>
+          <a:p>
+            <a:pPr>
+              <a:lnSpc>
+                <a:spcPts val="160"/>
+              </a:lnSpc>
+            </a:pPr>
+            <a:r>
+              <a:rPr lang="de-DE" sz="1000">
+                <a:solidFill>
+                  <a:srgbClr val="000000"/>
+                </a:solidFill>
+                <a:latin typeface="Stafford"/>
+                <a:ea typeface="+mn-ea"/>
+              </a:rPr>
+              <a:t>15.06.16</a:t>
+            </a:r>
+          </a:p>
+        </p:txBody>
+      </p:sp>
+      <p:sp>
+        <p:nvSpPr>
+          <p:cNvPr id="108" name="CustomShape 3"/>
+          <p:cNvSpPr/>
+          <p:nvPr/>
+        </p:nvSpPr>
+        <p:spPr>
+          <a:xfrm>
+            <a:off x="1808280" y="8685360"/>
+            <a:ext cx="4104720" cy="456480"/>
+          </a:xfrm>
+          <a:prstGeom prst="rect">
+            <a:avLst/>
+          </a:prstGeom>
+          <a:noFill/>
+          <a:ln>
+            <a:noFill/>
+          </a:ln>
+        </p:spPr>
+        <p:txBody>
+          <a:bodyPr lIns="90000" tIns="45000" rIns="90000" bIns="45000" anchor="ctr"/>
+          <a:lstStyle/>
+          <a:p>
+            <a:pPr>
+              <a:lnSpc>
+                <a:spcPts val="160"/>
+              </a:lnSpc>
+            </a:pPr>
+            <a:r>
+              <a:rPr lang="de-DE" sz="1000">
+                <a:solidFill>
+                  <a:srgbClr val="000000"/>
+                </a:solidFill>
+                <a:latin typeface="Stafford"/>
+                <a:ea typeface="+mn-ea"/>
+              </a:rPr>
+              <a:t>|  </a:t>
+            </a:r>
+          </a:p>
+        </p:txBody>
+      </p:sp>
+      <p:sp>
+        <p:nvSpPr>
+          <p:cNvPr id="109" name="CustomShape 4"/>
+          <p:cNvSpPr/>
+          <p:nvPr/>
+        </p:nvSpPr>
+        <p:spPr>
+          <a:xfrm>
+            <a:off x="5913360" y="8685360"/>
+            <a:ext cx="942120" cy="456480"/>
+          </a:xfrm>
+          <a:prstGeom prst="rect">
+            <a:avLst/>
+          </a:prstGeom>
+          <a:noFill/>
+          <a:ln>
+            <a:noFill/>
+          </a:ln>
+        </p:spPr>
+        <p:txBody>
+          <a:bodyPr lIns="90000" tIns="45000" rIns="90000" bIns="45000" anchor="ctr"/>
+          <a:lstStyle/>
+          <a:p>
+            <a:pPr algn="r">
+              <a:lnSpc>
+                <a:spcPts val="160"/>
+              </a:lnSpc>
+            </a:pPr>
+            <a:r>
+              <a:rPr lang="de-DE" sz="1000">
+                <a:solidFill>
+                  <a:srgbClr val="000000"/>
+                </a:solidFill>
+                <a:latin typeface="Stafford"/>
+                <a:ea typeface="+mn-ea"/>
+              </a:rPr>
+              <a:t>|  </a:t>
+            </a:r>
+            <a:fld id="{D8028492-1C9F-4E94-B585-9AAA12DBFDAA}" type="slidenum">
+              <a:rPr lang="de-DE" sz="1000">
+                <a:solidFill>
+                  <a:srgbClr val="000000"/>
+                </a:solidFill>
+                <a:latin typeface="Stafford"/>
+                <a:ea typeface="+mn-ea"/>
+              </a:rPr>
+              <a:t>9</a:t>
+            </a:fld>
+            <a:endParaRPr lang="de-DE" sz="1000">
+              <a:solidFill>
+                <a:srgbClr val="000000"/>
+              </a:solidFill>
+              <a:latin typeface="Stafford"/>
+              <a:ea typeface="+mn-ea"/>
+            </a:endParaRPr>
+          </a:p>
+        </p:txBody>
+      </p:sp>
+    </p:spTree>
+  </p:cSld>
+  <p:clrMapOvr>
+    <a:masterClrMapping/>
+  </p:clrMapOvr>
+</p:notes>
+</file>
+
+<file path=ppt/notesSlides/notesSlide9.xml><?xml version="1.0" encoding="utf-8"?>
+<p:notes xmlns:a="http://schemas.openxmlformats.org/drawingml/2006/main" xmlns:r="http://schemas.openxmlformats.org/officeDocument/2006/relationships" xmlns:p="http://schemas.openxmlformats.org/presentationml/2006/main">
+  <p:cSld>
+    <p:spTree>
+      <p:nvGrpSpPr>
+        <p:cNvPr id="1" name=""/>
+        <p:cNvGrpSpPr/>
+        <p:nvPr/>
+      </p:nvGrpSpPr>
+      <p:grpSpPr>
+        <a:xfrm>
+          <a:off x="0" y="0"/>
+          <a:ext cx="0" cy="0"/>
+          <a:chOff x="0" y="0"/>
+          <a:chExt cx="0" cy="0"/>
+        </a:xfrm>
+      </p:grpSpPr>
+      <p:sp>
+        <p:nvSpPr>
+          <p:cNvPr id="106" name="PlaceHolder 1"/>
+          <p:cNvSpPr>
+            <a:spLocks noGrp="1"/>
+          </p:cNvSpPr>
+          <p:nvPr>
+            <p:ph type="body"/>
+          </p:nvPr>
+        </p:nvSpPr>
+        <p:spPr>
+          <a:xfrm>
+            <a:off x="190440" y="4284720"/>
+            <a:ext cx="6476400" cy="4282200"/>
+          </a:xfrm>
+          <a:prstGeom prst="rect">
+            <a:avLst/>
+          </a:prstGeom>
+        </p:spPr>
+        <p:txBody>
+          <a:bodyPr lIns="0" tIns="0" rIns="0" bIns="0"/>
+          <a:lstStyle/>
+          <a:p>
+            <a:r>
+              <a:rPr lang="en-US" altLang="en-US"/>
+              <a:t>first as we can see is... two factor will effect the sucess rate: speed and the size of packet. For the size is apprant,, send and receive a whole packet at once, the longer the packet is , more chance a error occur, and this considered as a error receive case and drop...For the SPI speed needs to mention, According to the common sense...and it's true if both system just do simple SPI communication. but under the cirucumenten the existed UAV is a quite complex system, in </a:t>
+            </a:r>
+          </a:p>
+        </p:txBody>
+      </p:sp>
+      <p:sp>
+        <p:nvSpPr>
+          <p:cNvPr id="107" name="CustomShape 2"/>
+          <p:cNvSpPr/>
+          <p:nvPr/>
+        </p:nvSpPr>
+        <p:spPr>
+          <a:xfrm>
+            <a:off x="189000" y="8685360"/>
+            <a:ext cx="1618560" cy="456480"/>
+          </a:xfrm>
+          <a:prstGeom prst="rect">
+            <a:avLst/>
+          </a:prstGeom>
+          <a:noFill/>
+          <a:ln>
+            <a:noFill/>
+          </a:ln>
+        </p:spPr>
+        <p:txBody>
+          <a:bodyPr lIns="90000" tIns="45000" rIns="90000" bIns="45000" anchor="ctr"/>
+          <a:lstStyle/>
+          <a:p>
+            <a:pPr>
+              <a:lnSpc>
+                <a:spcPts val="160"/>
+              </a:lnSpc>
+            </a:pPr>
+            <a:r>
+              <a:rPr lang="de-DE" sz="1000">
+                <a:solidFill>
+                  <a:srgbClr val="000000"/>
+                </a:solidFill>
+                <a:latin typeface="Stafford"/>
+                <a:ea typeface="+mn-ea"/>
+              </a:rPr>
+              <a:t>15.06.16</a:t>
+            </a:r>
+          </a:p>
+        </p:txBody>
+      </p:sp>
+      <p:sp>
+        <p:nvSpPr>
+          <p:cNvPr id="108" name="CustomShape 3"/>
+          <p:cNvSpPr/>
+          <p:nvPr/>
+        </p:nvSpPr>
+        <p:spPr>
+          <a:xfrm>
+            <a:off x="1808280" y="8685360"/>
+            <a:ext cx="4104720" cy="456480"/>
+          </a:xfrm>
+          <a:prstGeom prst="rect">
+            <a:avLst/>
+          </a:prstGeom>
+          <a:noFill/>
+          <a:ln>
+            <a:noFill/>
+          </a:ln>
+        </p:spPr>
+        <p:txBody>
+          <a:bodyPr lIns="90000" tIns="45000" rIns="90000" bIns="45000" anchor="ctr"/>
+          <a:lstStyle/>
+          <a:p>
+            <a:pPr>
+              <a:lnSpc>
+                <a:spcPts val="160"/>
+              </a:lnSpc>
+            </a:pPr>
+            <a:r>
+              <a:rPr lang="de-DE" sz="1000">
+                <a:solidFill>
+                  <a:srgbClr val="000000"/>
+                </a:solidFill>
+                <a:latin typeface="Stafford"/>
+                <a:ea typeface="+mn-ea"/>
+              </a:rPr>
+              <a:t>|  </a:t>
+            </a:r>
+          </a:p>
+        </p:txBody>
+      </p:sp>
+      <p:sp>
+        <p:nvSpPr>
+          <p:cNvPr id="109" name="CustomShape 4"/>
+          <p:cNvSpPr/>
+          <p:nvPr/>
+        </p:nvSpPr>
+        <p:spPr>
+          <a:xfrm>
+            <a:off x="5913360" y="8685360"/>
+            <a:ext cx="942120" cy="456480"/>
+          </a:xfrm>
+          <a:prstGeom prst="rect">
+            <a:avLst/>
+          </a:prstGeom>
+          <a:noFill/>
+          <a:ln>
+            <a:noFill/>
+          </a:ln>
+        </p:spPr>
+        <p:txBody>
+          <a:bodyPr lIns="90000" tIns="45000" rIns="90000" bIns="45000" anchor="ctr"/>
+          <a:lstStyle/>
+          <a:p>
+            <a:pPr algn="r">
+              <a:lnSpc>
+                <a:spcPts val="160"/>
+              </a:lnSpc>
+            </a:pPr>
+            <a:r>
+              <a:rPr lang="de-DE" sz="1000">
+                <a:solidFill>
+                  <a:srgbClr val="000000"/>
+                </a:solidFill>
+                <a:latin typeface="Stafford"/>
+                <a:ea typeface="+mn-ea"/>
+              </a:rPr>
+              <a:t>|  </a:t>
+            </a:r>
+            <a:fld id="{D8028492-1C9F-4E94-B585-9AAA12DBFDAA}" type="slidenum">
+              <a:rPr lang="de-DE" sz="1000">
+                <a:solidFill>
+                  <a:srgbClr val="000000"/>
+                </a:solidFill>
+                <a:latin typeface="Stafford"/>
+                <a:ea typeface="+mn-ea"/>
+              </a:rPr>
+              <a:t>10</a:t>
+            </a:fld>
+            <a:endParaRPr lang="de-DE" sz="1000">
+              <a:solidFill>
+                <a:srgbClr val="000000"/>
+              </a:solidFill>
+              <a:latin typeface="Stafford"/>
+              <a:ea typeface="+mn-ea"/>
+            </a:endParaRPr>
+          </a:p>
+        </p:txBody>
+      </p:sp>
+    </p:spTree>
   </p:cSld>
   <p:clrMapOvr>
     <a:masterClrMapping/>
@@ -11124,45 +12937,8 @@
                 <a:solidFill>
                   <a:srgbClr val="FFFFFF"/>
                 </a:solidFill>
-                <a:latin typeface="Arial"/>
               </a:rPr>
-              <a:t>TITEL </a:t>
-            </a:r>
-            <a:r>
-              <a:rPr lang="de-DE" sz="2400" b="1" dirty="0" err="1">
-                <a:solidFill>
-                  <a:srgbClr val="FFFFFF"/>
-                </a:solidFill>
-                <a:latin typeface="Arial"/>
-              </a:rPr>
-              <a:t>coming</a:t>
-            </a:r>
-            <a:r>
-              <a:rPr lang="de-DE" sz="2400" b="1" dirty="0">
-                <a:solidFill>
-                  <a:srgbClr val="FFFFFF"/>
-                </a:solidFill>
-                <a:latin typeface="Arial"/>
-              </a:rPr>
-              <a:t> </a:t>
-            </a:r>
-            <a:r>
-              <a:rPr lang="de-DE" sz="2400" b="1" dirty="0" err="1">
-                <a:solidFill>
-                  <a:srgbClr val="FFFFFF"/>
-                </a:solidFill>
-                <a:latin typeface="Arial"/>
-              </a:rPr>
-              <a:t>soon</a:t>
-            </a:r>
-            <a:r>
-              <a:rPr lang="de-DE" sz="2400" b="1" dirty="0">
-                <a:solidFill>
-                  <a:srgbClr val="FFFFFF"/>
-                </a:solidFill>
-                <a:latin typeface="Arial"/>
-              </a:rPr>
-              <a:t>…</a:t>
+              <a:t>Protocol design</a:t>
             </a:r>
             <a:endParaRPr dirty="0"/>
           </a:p>
@@ -11200,6 +12976,887 @@
       </p:par>
     </p:tnLst>
   </p:timing>
+</p:sld>
+</file>
+
+<file path=ppt/slides/slide10.xml><?xml version="1.0" encoding="utf-8"?>
+<p:sld xmlns:a="http://schemas.openxmlformats.org/drawingml/2006/main" xmlns:r="http://schemas.openxmlformats.org/officeDocument/2006/relationships" xmlns:p="http://schemas.openxmlformats.org/presentationml/2006/main">
+  <p:cSld>
+    <p:spTree>
+      <p:nvGrpSpPr>
+        <p:cNvPr id="1" name=""/>
+        <p:cNvGrpSpPr/>
+        <p:nvPr/>
+      </p:nvGrpSpPr>
+      <p:grpSpPr>
+        <a:xfrm>
+          <a:off x="0" y="0"/>
+          <a:ext cx="0" cy="0"/>
+          <a:chOff x="0" y="0"/>
+          <a:chExt cx="0" cy="0"/>
+        </a:xfrm>
+      </p:grpSpPr>
+      <p:sp>
+        <p:nvSpPr>
+          <p:cNvPr id="102" name="CustomShape 1"/>
+          <p:cNvSpPr/>
+          <p:nvPr/>
+        </p:nvSpPr>
+        <p:spPr>
+          <a:xfrm>
+            <a:off x="358920" y="488880"/>
+            <a:ext cx="6641280" cy="837360"/>
+          </a:xfrm>
+          <a:prstGeom prst="rect">
+            <a:avLst/>
+          </a:prstGeom>
+          <a:noFill/>
+          <a:ln>
+            <a:noFill/>
+          </a:ln>
+        </p:spPr>
+        <p:txBody>
+          <a:bodyPr lIns="0" tIns="0" rIns="0" bIns="0" anchor="ctr"/>
+          <a:lstStyle/>
+          <a:p>
+            <a:pPr>
+              <a:lnSpc>
+                <a:spcPct val="100000"/>
+              </a:lnSpc>
+            </a:pPr>
+            <a:r>
+              <a:rPr lang="en-US" altLang="de-DE" sz="2400" b="1">
+                <a:solidFill>
+                  <a:srgbClr val="000000"/>
+                </a:solidFill>
+                <a:latin typeface="Arial" panose="020B0604020202020204"/>
+              </a:rPr>
+              <a:t>Nucleo Receiving</a:t>
+            </a:r>
+          </a:p>
+        </p:txBody>
+      </p:sp>
+      <p:sp>
+        <p:nvSpPr>
+          <p:cNvPr id="103" name="CustomShape 2"/>
+          <p:cNvSpPr/>
+          <p:nvPr/>
+        </p:nvSpPr>
+        <p:spPr>
+          <a:xfrm>
+            <a:off x="360000" y="1620000"/>
+            <a:ext cx="6822720" cy="4479120"/>
+          </a:xfrm>
+          <a:prstGeom prst="rect">
+            <a:avLst/>
+          </a:prstGeom>
+          <a:noFill/>
+          <a:ln>
+            <a:noFill/>
+          </a:ln>
+        </p:spPr>
+      </p:sp>
+      <p:pic>
+        <p:nvPicPr>
+          <p:cNvPr id="2" name="图片 1"/>
+          <p:cNvPicPr>
+            <a:picLocks noChangeAspect="1"/>
+          </p:cNvPicPr>
+          <p:nvPr/>
+        </p:nvPicPr>
+        <p:blipFill>
+          <a:blip r:embed="rId3"/>
+          <a:srcRect t="4280"/>
+          <a:stretch>
+            <a:fillRect/>
+          </a:stretch>
+        </p:blipFill>
+        <p:spPr>
+          <a:xfrm>
+            <a:off x="1268730" y="1507490"/>
+            <a:ext cx="6372860" cy="4822825"/>
+          </a:xfrm>
+          <a:prstGeom prst="rect">
+            <a:avLst/>
+          </a:prstGeom>
+        </p:spPr>
+      </p:pic>
+      <p:sp>
+        <p:nvSpPr>
+          <p:cNvPr id="4" name="矩形 3"/>
+          <p:cNvSpPr/>
+          <p:nvPr/>
+        </p:nvSpPr>
+        <p:spPr>
+          <a:xfrm>
+            <a:off x="3506470" y="6099175"/>
+            <a:ext cx="2118360" cy="215900"/>
+          </a:xfrm>
+          <a:prstGeom prst="rect">
+            <a:avLst/>
+          </a:prstGeom>
+          <a:solidFill>
+            <a:srgbClr val="FFFFFF"/>
+          </a:solidFill>
+          <a:ln>
+            <a:noFill/>
+          </a:ln>
+        </p:spPr>
+        <p:style>
+          <a:lnRef idx="2">
+            <a:schemeClr val="accent1">
+              <a:shade val="50000"/>
+            </a:schemeClr>
+          </a:lnRef>
+          <a:fillRef idx="1">
+            <a:schemeClr val="accent1"/>
+          </a:fillRef>
+          <a:effectRef idx="0">
+            <a:schemeClr val="accent1"/>
+          </a:effectRef>
+          <a:fontRef idx="minor">
+            <a:schemeClr val="lt1"/>
+          </a:fontRef>
+        </p:style>
+        <p:txBody>
+          <a:bodyPr rtlCol="0" anchor="ctr"/>
+          <a:lstStyle/>
+          <a:p>
+            <a:pPr algn="ctr"/>
+            <a:r>
+              <a:rPr lang="en-US" altLang="zh-CN">
+                <a:solidFill>
+                  <a:schemeClr val="tx1"/>
+                </a:solidFill>
+              </a:rPr>
+              <a:t>Packet rate in Hz</a:t>
+            </a:r>
+          </a:p>
+        </p:txBody>
+      </p:sp>
+      <p:sp>
+        <p:nvSpPr>
+          <p:cNvPr id="5" name="矩形 4"/>
+          <p:cNvSpPr/>
+          <p:nvPr/>
+        </p:nvSpPr>
+        <p:spPr>
+          <a:xfrm rot="16200000">
+            <a:off x="380365" y="3522345"/>
+            <a:ext cx="2060575" cy="283210"/>
+          </a:xfrm>
+          <a:prstGeom prst="rect">
+            <a:avLst/>
+          </a:prstGeom>
+          <a:solidFill>
+            <a:srgbClr val="FFFFFF"/>
+          </a:solidFill>
+          <a:ln>
+            <a:noFill/>
+          </a:ln>
+        </p:spPr>
+        <p:style>
+          <a:lnRef idx="2">
+            <a:schemeClr val="accent1">
+              <a:shade val="50000"/>
+            </a:schemeClr>
+          </a:lnRef>
+          <a:fillRef idx="1">
+            <a:schemeClr val="accent1"/>
+          </a:fillRef>
+          <a:effectRef idx="0">
+            <a:schemeClr val="accent1"/>
+          </a:effectRef>
+          <a:fontRef idx="minor">
+            <a:schemeClr val="lt1"/>
+          </a:fontRef>
+        </p:style>
+        <p:txBody>
+          <a:bodyPr rtlCol="0" anchor="ctr"/>
+          <a:lstStyle/>
+          <a:p>
+            <a:pPr algn="ctr"/>
+            <a:r>
+              <a:rPr lang="en-US" altLang="zh-CN">
+                <a:solidFill>
+                  <a:schemeClr val="tx1"/>
+                </a:solidFill>
+              </a:rPr>
+              <a:t>Successrate in %</a:t>
+            </a:r>
+          </a:p>
+        </p:txBody>
+      </p:sp>
+      <p:sp>
+        <p:nvSpPr>
+          <p:cNvPr id="6" name="矩形 5"/>
+          <p:cNvSpPr/>
+          <p:nvPr/>
+        </p:nvSpPr>
+        <p:spPr>
+          <a:xfrm>
+            <a:off x="5783580" y="1704340"/>
+            <a:ext cx="1487170" cy="215900"/>
+          </a:xfrm>
+          <a:prstGeom prst="rect">
+            <a:avLst/>
+          </a:prstGeom>
+          <a:solidFill>
+            <a:srgbClr val="FFFFFF"/>
+          </a:solidFill>
+          <a:ln>
+            <a:noFill/>
+          </a:ln>
+        </p:spPr>
+        <p:style>
+          <a:lnRef idx="2">
+            <a:schemeClr val="accent1">
+              <a:shade val="50000"/>
+            </a:schemeClr>
+          </a:lnRef>
+          <a:fillRef idx="1">
+            <a:schemeClr val="accent1"/>
+          </a:fillRef>
+          <a:effectRef idx="0">
+            <a:schemeClr val="accent1"/>
+          </a:effectRef>
+          <a:fontRef idx="minor">
+            <a:schemeClr val="lt1"/>
+          </a:fontRef>
+        </p:style>
+        <p:txBody>
+          <a:bodyPr rtlCol="0" anchor="ctr"/>
+          <a:lstStyle/>
+          <a:p>
+            <a:pPr algn="ctr"/>
+            <a:r>
+              <a:rPr lang="en-US" altLang="zh-CN" sz="1000">
+                <a:solidFill>
+                  <a:schemeClr val="tx1"/>
+                </a:solidFill>
+              </a:rPr>
+              <a:t>4 MHz SPI Speed</a:t>
+            </a:r>
+          </a:p>
+        </p:txBody>
+      </p:sp>
+      <p:sp>
+        <p:nvSpPr>
+          <p:cNvPr id="9" name="矩形 8"/>
+          <p:cNvSpPr/>
+          <p:nvPr/>
+        </p:nvSpPr>
+        <p:spPr>
+          <a:xfrm>
+            <a:off x="5783580" y="1985645"/>
+            <a:ext cx="1486535" cy="215900"/>
+          </a:xfrm>
+          <a:prstGeom prst="rect">
+            <a:avLst/>
+          </a:prstGeom>
+          <a:solidFill>
+            <a:srgbClr val="FFFFFF"/>
+          </a:solidFill>
+          <a:ln>
+            <a:noFill/>
+          </a:ln>
+        </p:spPr>
+        <p:style>
+          <a:lnRef idx="2">
+            <a:schemeClr val="accent1">
+              <a:shade val="50000"/>
+            </a:schemeClr>
+          </a:lnRef>
+          <a:fillRef idx="1">
+            <a:schemeClr val="accent1"/>
+          </a:fillRef>
+          <a:effectRef idx="0">
+            <a:schemeClr val="accent1"/>
+          </a:effectRef>
+          <a:fontRef idx="minor">
+            <a:schemeClr val="lt1"/>
+          </a:fontRef>
+        </p:style>
+        <p:txBody>
+          <a:bodyPr rtlCol="0" anchor="ctr"/>
+          <a:lstStyle/>
+          <a:p>
+            <a:pPr algn="ctr"/>
+            <a:r>
+              <a:rPr lang="en-US" altLang="zh-CN" sz="1000">
+                <a:solidFill>
+                  <a:schemeClr val="tx1"/>
+                </a:solidFill>
+              </a:rPr>
+              <a:t>2 MHz SPI Speed</a:t>
+            </a:r>
+          </a:p>
+        </p:txBody>
+      </p:sp>
+    </p:spTree>
+  </p:cSld>
+  <p:clrMapOvr>
+    <a:masterClrMapping/>
+  </p:clrMapOvr>
+</p:sld>
+</file>
+
+<file path=ppt/slides/slide11.xml><?xml version="1.0" encoding="utf-8"?>
+<p:sld xmlns:a="http://schemas.openxmlformats.org/drawingml/2006/main" xmlns:r="http://schemas.openxmlformats.org/officeDocument/2006/relationships" xmlns:p="http://schemas.openxmlformats.org/presentationml/2006/main">
+  <p:cSld>
+    <p:spTree>
+      <p:nvGrpSpPr>
+        <p:cNvPr id="1" name=""/>
+        <p:cNvGrpSpPr/>
+        <p:nvPr/>
+      </p:nvGrpSpPr>
+      <p:grpSpPr>
+        <a:xfrm>
+          <a:off x="0" y="0"/>
+          <a:ext cx="0" cy="0"/>
+          <a:chOff x="0" y="0"/>
+          <a:chExt cx="0" cy="0"/>
+        </a:xfrm>
+      </p:grpSpPr>
+      <p:sp>
+        <p:nvSpPr>
+          <p:cNvPr id="102" name="CustomShape 1"/>
+          <p:cNvSpPr/>
+          <p:nvPr/>
+        </p:nvSpPr>
+        <p:spPr>
+          <a:xfrm>
+            <a:off x="358920" y="488880"/>
+            <a:ext cx="6641280" cy="837360"/>
+          </a:xfrm>
+          <a:prstGeom prst="rect">
+            <a:avLst/>
+          </a:prstGeom>
+          <a:noFill/>
+          <a:ln>
+            <a:noFill/>
+          </a:ln>
+        </p:spPr>
+        <p:txBody>
+          <a:bodyPr lIns="0" tIns="0" rIns="0" bIns="0" anchor="ctr"/>
+          <a:lstStyle/>
+          <a:p>
+            <a:pPr>
+              <a:lnSpc>
+                <a:spcPct val="100000"/>
+              </a:lnSpc>
+            </a:pPr>
+            <a:r>
+              <a:rPr lang="en-US" altLang="de-DE" sz="2400" b="1">
+                <a:solidFill>
+                  <a:srgbClr val="000000"/>
+                </a:solidFill>
+                <a:latin typeface="Arial" panose="020B0604020202020204"/>
+              </a:rPr>
+              <a:t>HLP Receiving</a:t>
+            </a:r>
+          </a:p>
+        </p:txBody>
+      </p:sp>
+      <p:sp>
+        <p:nvSpPr>
+          <p:cNvPr id="103" name="CustomShape 2"/>
+          <p:cNvSpPr/>
+          <p:nvPr/>
+        </p:nvSpPr>
+        <p:spPr>
+          <a:xfrm>
+            <a:off x="360000" y="1620000"/>
+            <a:ext cx="6822720" cy="4479120"/>
+          </a:xfrm>
+          <a:prstGeom prst="rect">
+            <a:avLst/>
+          </a:prstGeom>
+          <a:noFill/>
+          <a:ln>
+            <a:noFill/>
+          </a:ln>
+        </p:spPr>
+      </p:sp>
+      <p:pic>
+        <p:nvPicPr>
+          <p:cNvPr id="2" name="图片 1"/>
+          <p:cNvPicPr>
+            <a:picLocks noChangeAspect="1"/>
+          </p:cNvPicPr>
+          <p:nvPr/>
+        </p:nvPicPr>
+        <p:blipFill>
+          <a:blip r:embed="rId3"/>
+          <a:stretch>
+            <a:fillRect/>
+          </a:stretch>
+        </p:blipFill>
+        <p:spPr>
+          <a:xfrm>
+            <a:off x="1779270" y="1711325"/>
+            <a:ext cx="5586095" cy="4387850"/>
+          </a:xfrm>
+          <a:prstGeom prst="rect">
+            <a:avLst/>
+          </a:prstGeom>
+        </p:spPr>
+      </p:pic>
+    </p:spTree>
+  </p:cSld>
+  <p:clrMapOvr>
+    <a:masterClrMapping/>
+  </p:clrMapOvr>
+</p:sld>
+</file>
+
+<file path=ppt/slides/slide12.xml><?xml version="1.0" encoding="utf-8"?>
+<p:sld xmlns:a="http://schemas.openxmlformats.org/drawingml/2006/main" xmlns:r="http://schemas.openxmlformats.org/officeDocument/2006/relationships" xmlns:p="http://schemas.openxmlformats.org/presentationml/2006/main">
+  <p:cSld>
+    <p:spTree>
+      <p:nvGrpSpPr>
+        <p:cNvPr id="1" name=""/>
+        <p:cNvGrpSpPr/>
+        <p:nvPr/>
+      </p:nvGrpSpPr>
+      <p:grpSpPr>
+        <a:xfrm>
+          <a:off x="0" y="0"/>
+          <a:ext cx="0" cy="0"/>
+          <a:chOff x="0" y="0"/>
+          <a:chExt cx="0" cy="0"/>
+        </a:xfrm>
+      </p:grpSpPr>
+      <p:sp>
+        <p:nvSpPr>
+          <p:cNvPr id="104" name="CustomShape 1"/>
+          <p:cNvSpPr/>
+          <p:nvPr/>
+        </p:nvSpPr>
+        <p:spPr>
+          <a:xfrm>
+            <a:off x="358920" y="488880"/>
+            <a:ext cx="6641280" cy="837360"/>
+          </a:xfrm>
+          <a:prstGeom prst="rect">
+            <a:avLst/>
+          </a:prstGeom>
+          <a:noFill/>
+          <a:ln>
+            <a:noFill/>
+          </a:ln>
+        </p:spPr>
+        <p:txBody>
+          <a:bodyPr lIns="0" tIns="0" rIns="0" bIns="0" anchor="ctr"/>
+          <a:lstStyle/>
+          <a:p>
+            <a:pPr>
+              <a:lnSpc>
+                <a:spcPct val="100000"/>
+              </a:lnSpc>
+            </a:pPr>
+            <a:r>
+              <a:rPr lang="en-US" altLang="de-DE" sz="2400" b="1">
+                <a:solidFill>
+                  <a:srgbClr val="000000"/>
+                </a:solidFill>
+                <a:latin typeface="Arial" panose="020B0604020202020204"/>
+              </a:rPr>
+              <a:t>Summary</a:t>
+            </a:r>
+          </a:p>
+        </p:txBody>
+      </p:sp>
+      <p:sp>
+        <p:nvSpPr>
+          <p:cNvPr id="2" name="流程图: 过程 1"/>
+          <p:cNvSpPr/>
+          <p:nvPr/>
+        </p:nvSpPr>
+        <p:spPr>
+          <a:xfrm>
+            <a:off x="1233170" y="2025015"/>
+            <a:ext cx="2013585" cy="648335"/>
+          </a:xfrm>
+          <a:prstGeom prst="flowChartProcess">
+            <a:avLst/>
+          </a:prstGeom>
+          <a:solidFill>
+            <a:srgbClr val="99C000"/>
+          </a:solidFill>
+        </p:spPr>
+        <p:style>
+          <a:lnRef idx="2">
+            <a:schemeClr val="accent1">
+              <a:shade val="50000"/>
+            </a:schemeClr>
+          </a:lnRef>
+          <a:fillRef idx="1">
+            <a:schemeClr val="accent1"/>
+          </a:fillRef>
+          <a:effectRef idx="0">
+            <a:schemeClr val="accent1"/>
+          </a:effectRef>
+          <a:fontRef idx="minor">
+            <a:schemeClr val="lt1"/>
+          </a:fontRef>
+        </p:style>
+        <p:txBody>
+          <a:bodyPr rtlCol="0" anchor="ctr"/>
+          <a:lstStyle/>
+          <a:p>
+            <a:pPr algn="ctr"/>
+            <a:r>
+              <a:rPr lang="en-US" altLang="zh-CN"/>
+              <a:t>Demand Analysis</a:t>
+            </a:r>
+          </a:p>
+        </p:txBody>
+      </p:sp>
+      <p:sp>
+        <p:nvSpPr>
+          <p:cNvPr id="4" name="流程图: 过程 3"/>
+          <p:cNvSpPr/>
+          <p:nvPr/>
+        </p:nvSpPr>
+        <p:spPr>
+          <a:xfrm>
+            <a:off x="1233170" y="3642995"/>
+            <a:ext cx="2013585" cy="648335"/>
+          </a:xfrm>
+          <a:prstGeom prst="flowChartProcess">
+            <a:avLst/>
+          </a:prstGeom>
+          <a:solidFill>
+            <a:srgbClr val="99C000"/>
+          </a:solidFill>
+        </p:spPr>
+        <p:style>
+          <a:lnRef idx="2">
+            <a:schemeClr val="accent1">
+              <a:shade val="50000"/>
+            </a:schemeClr>
+          </a:lnRef>
+          <a:fillRef idx="1">
+            <a:schemeClr val="accent1"/>
+          </a:fillRef>
+          <a:effectRef idx="0">
+            <a:schemeClr val="accent1"/>
+          </a:effectRef>
+          <a:fontRef idx="minor">
+            <a:schemeClr val="lt1"/>
+          </a:fontRef>
+        </p:style>
+        <p:txBody>
+          <a:bodyPr rtlCol="0" anchor="ctr"/>
+          <a:lstStyle/>
+          <a:p>
+            <a:pPr algn="ctr"/>
+            <a:r>
+              <a:rPr lang="en-US" altLang="zh-CN"/>
+              <a:t>Protocol Design</a:t>
+            </a:r>
+          </a:p>
+        </p:txBody>
+      </p:sp>
+      <p:sp>
+        <p:nvSpPr>
+          <p:cNvPr id="5" name="流程图: 过程 4"/>
+          <p:cNvSpPr/>
+          <p:nvPr/>
+        </p:nvSpPr>
+        <p:spPr>
+          <a:xfrm>
+            <a:off x="1233170" y="5260975"/>
+            <a:ext cx="2013585" cy="648335"/>
+          </a:xfrm>
+          <a:prstGeom prst="flowChartProcess">
+            <a:avLst/>
+          </a:prstGeom>
+          <a:solidFill>
+            <a:srgbClr val="99C000"/>
+          </a:solidFill>
+        </p:spPr>
+        <p:style>
+          <a:lnRef idx="2">
+            <a:schemeClr val="accent1">
+              <a:shade val="50000"/>
+            </a:schemeClr>
+          </a:lnRef>
+          <a:fillRef idx="1">
+            <a:schemeClr val="accent1"/>
+          </a:fillRef>
+          <a:effectRef idx="0">
+            <a:schemeClr val="accent1"/>
+          </a:effectRef>
+          <a:fontRef idx="minor">
+            <a:schemeClr val="lt1"/>
+          </a:fontRef>
+        </p:style>
+        <p:txBody>
+          <a:bodyPr rtlCol="0" anchor="ctr"/>
+          <a:lstStyle/>
+          <a:p>
+            <a:pPr algn="ctr"/>
+            <a:r>
+              <a:rPr lang="en-US" altLang="zh-CN"/>
+              <a:t>Test</a:t>
+            </a:r>
+          </a:p>
+        </p:txBody>
+      </p:sp>
+      <p:cxnSp>
+        <p:nvCxnSpPr>
+          <p:cNvPr id="6" name="直接箭头连接符 5"/>
+          <p:cNvCxnSpPr>
+            <a:endCxn id="4" idx="0"/>
+          </p:cNvCxnSpPr>
+          <p:nvPr/>
+        </p:nvCxnSpPr>
+        <p:spPr>
+          <a:xfrm>
+            <a:off x="2240280" y="2673985"/>
+            <a:ext cx="0" cy="969010"/>
+          </a:xfrm>
+          <a:prstGeom prst="straightConnector1">
+            <a:avLst/>
+          </a:prstGeom>
+          <a:ln>
+            <a:solidFill>
+              <a:srgbClr val="99C000"/>
+            </a:solidFill>
+            <a:tailEnd type="arrow"/>
+          </a:ln>
+        </p:spPr>
+        <p:style>
+          <a:lnRef idx="1">
+            <a:schemeClr val="accent1"/>
+          </a:lnRef>
+          <a:fillRef idx="0">
+            <a:schemeClr val="accent1"/>
+          </a:fillRef>
+          <a:effectRef idx="0">
+            <a:schemeClr val="accent1"/>
+          </a:effectRef>
+          <a:fontRef idx="minor">
+            <a:schemeClr val="tx1"/>
+          </a:fontRef>
+        </p:style>
+      </p:cxnSp>
+      <p:cxnSp>
+        <p:nvCxnSpPr>
+          <p:cNvPr id="7" name="直接箭头连接符 6"/>
+          <p:cNvCxnSpPr/>
+          <p:nvPr/>
+        </p:nvCxnSpPr>
+        <p:spPr>
+          <a:xfrm>
+            <a:off x="2267585" y="4293235"/>
+            <a:ext cx="0" cy="935990"/>
+          </a:xfrm>
+          <a:prstGeom prst="straightConnector1">
+            <a:avLst/>
+          </a:prstGeom>
+          <a:ln>
+            <a:solidFill>
+              <a:srgbClr val="99C000"/>
+            </a:solidFill>
+            <a:tailEnd type="arrow"/>
+          </a:ln>
+        </p:spPr>
+        <p:style>
+          <a:lnRef idx="1">
+            <a:schemeClr val="accent1"/>
+          </a:lnRef>
+          <a:fillRef idx="0">
+            <a:schemeClr val="accent1"/>
+          </a:fillRef>
+          <a:effectRef idx="0">
+            <a:schemeClr val="accent1"/>
+          </a:effectRef>
+          <a:fontRef idx="minor">
+            <a:schemeClr val="tx1"/>
+          </a:fontRef>
+        </p:style>
+      </p:cxnSp>
+      <p:cxnSp>
+        <p:nvCxnSpPr>
+          <p:cNvPr id="9" name="肘形连接符 8"/>
+          <p:cNvCxnSpPr>
+            <a:stCxn id="5" idx="3"/>
+            <a:endCxn id="4" idx="3"/>
+          </p:cNvCxnSpPr>
+          <p:nvPr/>
+        </p:nvCxnSpPr>
+        <p:spPr>
+          <a:xfrm flipV="1">
+            <a:off x="3246755" y="3967480"/>
+            <a:ext cx="3175" cy="1617980"/>
+          </a:xfrm>
+          <a:prstGeom prst="bentConnector3">
+            <a:avLst>
+              <a:gd name="adj1" fmla="val 7500000"/>
+            </a:avLst>
+          </a:prstGeom>
+          <a:ln>
+            <a:solidFill>
+              <a:srgbClr val="99C000"/>
+            </a:solidFill>
+            <a:tailEnd type="arrow"/>
+          </a:ln>
+        </p:spPr>
+        <p:style>
+          <a:lnRef idx="1">
+            <a:schemeClr val="accent1"/>
+          </a:lnRef>
+          <a:fillRef idx="0">
+            <a:schemeClr val="accent1"/>
+          </a:fillRef>
+          <a:effectRef idx="0">
+            <a:schemeClr val="accent1"/>
+          </a:effectRef>
+          <a:fontRef idx="minor">
+            <a:schemeClr val="tx1"/>
+          </a:fontRef>
+        </p:style>
+      </p:cxnSp>
+      <p:sp>
+        <p:nvSpPr>
+          <p:cNvPr id="10" name="文本框 9"/>
+          <p:cNvSpPr txBox="1"/>
+          <p:nvPr/>
+        </p:nvSpPr>
+        <p:spPr>
+          <a:xfrm>
+            <a:off x="5111750" y="2025015"/>
+            <a:ext cx="2656840" cy="1014730"/>
+          </a:xfrm>
+          <a:prstGeom prst="rect">
+            <a:avLst/>
+          </a:prstGeom>
+          <a:noFill/>
+        </p:spPr>
+        <p:txBody>
+          <a:bodyPr wrap="square" rtlCol="0">
+            <a:spAutoFit/>
+          </a:bodyPr>
+          <a:lstStyle/>
+          <a:p>
+            <a:r>
+              <a:rPr lang="en-US" altLang="zh-CN" sz="2400"/>
+              <a:t>Improvement:</a:t>
+            </a:r>
+            <a:endParaRPr lang="en-US" altLang="zh-CN"/>
+          </a:p>
+          <a:p>
+            <a:pPr marL="285750" indent="-285750">
+              <a:buFont typeface="Arial" panose="020B0604020202020204" pitchFamily="34" charset="0"/>
+              <a:buChar char="•"/>
+            </a:pPr>
+            <a:r>
+              <a:rPr lang="en-US" altLang="zh-CN"/>
+              <a:t>CRC16</a:t>
+            </a:r>
+          </a:p>
+          <a:p>
+            <a:pPr marL="285750" indent="-285750">
+              <a:buFont typeface="Arial" panose="020B0604020202020204" pitchFamily="34" charset="0"/>
+              <a:buChar char="•"/>
+            </a:pPr>
+            <a:endParaRPr lang="en-US" altLang="zh-CN"/>
+          </a:p>
+        </p:txBody>
+      </p:sp>
+    </p:spTree>
+  </p:cSld>
+  <p:clrMapOvr>
+    <a:masterClrMapping/>
+  </p:clrMapOvr>
+</p:sld>
+</file>
+
+<file path=ppt/slides/slide13.xml><?xml version="1.0" encoding="utf-8"?>
+<p:sld xmlns:a="http://schemas.openxmlformats.org/drawingml/2006/main" xmlns:r="http://schemas.openxmlformats.org/officeDocument/2006/relationships" xmlns:p="http://schemas.openxmlformats.org/presentationml/2006/main">
+  <p:cSld>
+    <p:spTree>
+      <p:nvGrpSpPr>
+        <p:cNvPr id="1" name=""/>
+        <p:cNvGrpSpPr/>
+        <p:nvPr/>
+      </p:nvGrpSpPr>
+      <p:grpSpPr>
+        <a:xfrm>
+          <a:off x="0" y="0"/>
+          <a:ext cx="0" cy="0"/>
+          <a:chOff x="0" y="0"/>
+          <a:chExt cx="0" cy="0"/>
+        </a:xfrm>
+      </p:grpSpPr>
+      <p:sp>
+        <p:nvSpPr>
+          <p:cNvPr id="104" name="CustomShape 1"/>
+          <p:cNvSpPr/>
+          <p:nvPr/>
+        </p:nvSpPr>
+        <p:spPr>
+          <a:xfrm>
+            <a:off x="755795" y="2936170"/>
+            <a:ext cx="6641280" cy="837360"/>
+          </a:xfrm>
+          <a:prstGeom prst="rect">
+            <a:avLst/>
+          </a:prstGeom>
+          <a:noFill/>
+          <a:ln>
+            <a:noFill/>
+          </a:ln>
+        </p:spPr>
+        <p:txBody>
+          <a:bodyPr lIns="0" tIns="0" rIns="0" bIns="0" anchor="ctr"/>
+          <a:lstStyle/>
+          <a:p>
+            <a:pPr algn="ctr">
+              <a:lnSpc>
+                <a:spcPct val="100000"/>
+              </a:lnSpc>
+            </a:pPr>
+            <a:r>
+              <a:rPr lang="en-US" altLang="de-DE" sz="4000" b="1">
+                <a:solidFill>
+                  <a:srgbClr val="000000"/>
+                </a:solidFill>
+                <a:latin typeface="Arial" panose="020B0604020202020204"/>
+              </a:rPr>
+              <a:t>Thank you!</a:t>
+            </a:r>
+          </a:p>
+        </p:txBody>
+      </p:sp>
+      <p:sp>
+        <p:nvSpPr>
+          <p:cNvPr id="105" name="CustomShape 2"/>
+          <p:cNvSpPr/>
+          <p:nvPr/>
+        </p:nvSpPr>
+        <p:spPr>
+          <a:xfrm>
+            <a:off x="360000" y="1620000"/>
+            <a:ext cx="6822720" cy="4479120"/>
+          </a:xfrm>
+          <a:prstGeom prst="rect">
+            <a:avLst/>
+          </a:prstGeom>
+          <a:noFill/>
+          <a:ln>
+            <a:noFill/>
+          </a:ln>
+        </p:spPr>
+      </p:sp>
+    </p:spTree>
+  </p:cSld>
+  <p:clrMapOvr>
+    <a:masterClrMapping/>
+  </p:clrMapOvr>
 </p:sld>
 </file>
 
@@ -11634,7 +14291,7 @@
         </p:nvSpPr>
         <p:spPr>
           <a:xfrm>
-            <a:off x="360000" y="1620000"/>
+            <a:off x="177480" y="1189440"/>
             <a:ext cx="6822720" cy="4479120"/>
           </a:xfrm>
           <a:prstGeom prst="rect">
@@ -11648,201 +14305,1290 @@
       </p:sp>
       <p:sp>
         <p:nvSpPr>
-          <p:cNvPr id="4" name="Textplatzhalter 2">
-            <a:extLst>
-              <a:ext uri="{FF2B5EF4-FFF2-40B4-BE49-F238E27FC236}">
-                <a16:creationId xmlns:a16="http://schemas.microsoft.com/office/drawing/2014/main" id="{04F97E2B-5BEB-4CDB-B4DB-D6BA9D3A4737}"/>
-              </a:ext>
-            </a:extLst>
-          </p:cNvPr>
-          <p:cNvSpPr txBox="1">
-            <a:spLocks/>
-          </p:cNvSpPr>
+          <p:cNvPr id="2" name="下箭头 1"/>
+          <p:cNvSpPr/>
           <p:nvPr/>
         </p:nvSpPr>
         <p:spPr>
           <a:xfrm>
-            <a:off x="457200" y="1604520"/>
-            <a:ext cx="8229240" cy="3977280"/>
+            <a:off x="4248437" y="3746749"/>
+            <a:ext cx="549180" cy="594045"/>
+          </a:xfrm>
+          <a:prstGeom prst="downArrow">
+            <a:avLst/>
+          </a:prstGeom>
+          <a:solidFill>
+            <a:schemeClr val="bg1"/>
+          </a:solidFill>
+          <a:ln>
+            <a:solidFill>
+              <a:schemeClr val="tx1"/>
+            </a:solidFill>
+          </a:ln>
+        </p:spPr>
+        <p:style>
+          <a:lnRef idx="2">
+            <a:schemeClr val="accent1">
+              <a:shade val="50000"/>
+            </a:schemeClr>
+          </a:lnRef>
+          <a:fillRef idx="1">
+            <a:schemeClr val="accent1"/>
+          </a:fillRef>
+          <a:effectRef idx="0">
+            <a:schemeClr val="accent1"/>
+          </a:effectRef>
+          <a:fontRef idx="minor">
+            <a:schemeClr val="lt1"/>
+          </a:fontRef>
+        </p:style>
+        <p:txBody>
+          <a:bodyPr rtlCol="0" anchor="ctr"/>
+          <a:lstStyle/>
+          <a:p>
+            <a:pPr algn="ctr"/>
+            <a:endParaRPr lang="zh-CN" altLang="en-US"/>
+          </a:p>
+        </p:txBody>
+      </p:sp>
+      <p:sp>
+        <p:nvSpPr>
+          <p:cNvPr id="8" name="文本框 7"/>
+          <p:cNvSpPr txBox="1"/>
+          <p:nvPr/>
+        </p:nvSpPr>
+        <p:spPr>
+          <a:xfrm>
+            <a:off x="2716629" y="4694973"/>
+            <a:ext cx="4066725" cy="369332"/>
           </a:xfrm>
           <a:prstGeom prst="rect">
             <a:avLst/>
           </a:prstGeom>
+          <a:noFill/>
         </p:spPr>
         <p:txBody>
-          <a:bodyPr/>
-          <a:lstStyle>
-            <a:lvl1pPr marL="228600" indent="-228600" algn="l" defTabSz="914400" rtl="0" eaLnBrk="1" latinLnBrk="0" hangingPunct="1">
-              <a:lnSpc>
-                <a:spcPct val="90000"/>
-              </a:lnSpc>
-              <a:spcBef>
-                <a:spcPts val="1000"/>
-              </a:spcBef>
-              <a:buFont typeface="Arial" panose="020B0604020202020204" pitchFamily="34" charset="0"/>
-              <a:buChar char="•"/>
-              <a:defRPr sz="2800" kern="1200">
-                <a:solidFill>
-                  <a:schemeClr val="tx1"/>
-                </a:solidFill>
-                <a:latin typeface="+mn-lt"/>
-                <a:ea typeface="+mn-ea"/>
-                <a:cs typeface="+mn-cs"/>
-              </a:defRPr>
-            </a:lvl1pPr>
-            <a:lvl2pPr marL="685800" indent="-228600" algn="l" defTabSz="914400" rtl="0" eaLnBrk="1" latinLnBrk="0" hangingPunct="1">
-              <a:lnSpc>
-                <a:spcPct val="90000"/>
-              </a:lnSpc>
-              <a:spcBef>
-                <a:spcPts val="500"/>
-              </a:spcBef>
-              <a:buFont typeface="Arial" panose="020B0604020202020204" pitchFamily="34" charset="0"/>
-              <a:buChar char="•"/>
-              <a:defRPr sz="2400" kern="1200">
-                <a:solidFill>
-                  <a:schemeClr val="tx1"/>
-                </a:solidFill>
-                <a:latin typeface="+mn-lt"/>
-                <a:ea typeface="+mn-ea"/>
-                <a:cs typeface="+mn-cs"/>
-              </a:defRPr>
-            </a:lvl2pPr>
-            <a:lvl3pPr marL="1143000" indent="-228600" algn="l" defTabSz="914400" rtl="0" eaLnBrk="1" latinLnBrk="0" hangingPunct="1">
-              <a:lnSpc>
-                <a:spcPct val="90000"/>
-              </a:lnSpc>
-              <a:spcBef>
-                <a:spcPts val="500"/>
-              </a:spcBef>
-              <a:buFont typeface="Arial" panose="020B0604020202020204" pitchFamily="34" charset="0"/>
-              <a:buChar char="•"/>
-              <a:defRPr sz="2000" kern="1200">
-                <a:solidFill>
-                  <a:schemeClr val="tx1"/>
-                </a:solidFill>
-                <a:latin typeface="+mn-lt"/>
-                <a:ea typeface="+mn-ea"/>
-                <a:cs typeface="+mn-cs"/>
-              </a:defRPr>
-            </a:lvl3pPr>
-            <a:lvl4pPr marL="1600200" indent="-228600" algn="l" defTabSz="914400" rtl="0" eaLnBrk="1" latinLnBrk="0" hangingPunct="1">
-              <a:lnSpc>
-                <a:spcPct val="90000"/>
-              </a:lnSpc>
-              <a:spcBef>
-                <a:spcPts val="500"/>
-              </a:spcBef>
-              <a:buFont typeface="Arial" panose="020B0604020202020204" pitchFamily="34" charset="0"/>
-              <a:buChar char="•"/>
-              <a:defRPr sz="1800" kern="1200">
-                <a:solidFill>
-                  <a:schemeClr val="tx1"/>
-                </a:solidFill>
-                <a:latin typeface="+mn-lt"/>
-                <a:ea typeface="+mn-ea"/>
-                <a:cs typeface="+mn-cs"/>
-              </a:defRPr>
-            </a:lvl4pPr>
-            <a:lvl5pPr marL="2057400" indent="-228600" algn="l" defTabSz="914400" rtl="0" eaLnBrk="1" latinLnBrk="0" hangingPunct="1">
-              <a:lnSpc>
-                <a:spcPct val="90000"/>
-              </a:lnSpc>
-              <a:spcBef>
-                <a:spcPts val="500"/>
-              </a:spcBef>
-              <a:buFont typeface="Arial" panose="020B0604020202020204" pitchFamily="34" charset="0"/>
-              <a:buChar char="•"/>
-              <a:defRPr sz="1800" kern="1200">
-                <a:solidFill>
-                  <a:schemeClr val="tx1"/>
-                </a:solidFill>
-                <a:latin typeface="+mn-lt"/>
-                <a:ea typeface="+mn-ea"/>
-                <a:cs typeface="+mn-cs"/>
-              </a:defRPr>
-            </a:lvl5pPr>
-            <a:lvl6pPr marL="2514600" indent="-228600" algn="l" defTabSz="914400" rtl="0" eaLnBrk="1" latinLnBrk="0" hangingPunct="1">
-              <a:lnSpc>
-                <a:spcPct val="90000"/>
-              </a:lnSpc>
-              <a:spcBef>
-                <a:spcPts val="500"/>
-              </a:spcBef>
-              <a:buFont typeface="Arial" panose="020B0604020202020204" pitchFamily="34" charset="0"/>
-              <a:buChar char="•"/>
-              <a:defRPr sz="1800" kern="1200">
-                <a:solidFill>
-                  <a:schemeClr val="tx1"/>
-                </a:solidFill>
-                <a:latin typeface="+mn-lt"/>
-                <a:ea typeface="+mn-ea"/>
-                <a:cs typeface="+mn-cs"/>
-              </a:defRPr>
-            </a:lvl6pPr>
-            <a:lvl7pPr marL="2971800" indent="-228600" algn="l" defTabSz="914400" rtl="0" eaLnBrk="1" latinLnBrk="0" hangingPunct="1">
-              <a:lnSpc>
-                <a:spcPct val="90000"/>
-              </a:lnSpc>
-              <a:spcBef>
-                <a:spcPts val="500"/>
-              </a:spcBef>
-              <a:buFont typeface="Arial" panose="020B0604020202020204" pitchFamily="34" charset="0"/>
-              <a:buChar char="•"/>
-              <a:defRPr sz="1800" kern="1200">
-                <a:solidFill>
-                  <a:schemeClr val="tx1"/>
-                </a:solidFill>
-                <a:latin typeface="+mn-lt"/>
-                <a:ea typeface="+mn-ea"/>
-                <a:cs typeface="+mn-cs"/>
-              </a:defRPr>
-            </a:lvl7pPr>
-            <a:lvl8pPr marL="3429000" indent="-228600" algn="l" defTabSz="914400" rtl="0" eaLnBrk="1" latinLnBrk="0" hangingPunct="1">
-              <a:lnSpc>
-                <a:spcPct val="90000"/>
-              </a:lnSpc>
-              <a:spcBef>
-                <a:spcPts val="500"/>
-              </a:spcBef>
-              <a:buFont typeface="Arial" panose="020B0604020202020204" pitchFamily="34" charset="0"/>
-              <a:buChar char="•"/>
-              <a:defRPr sz="1800" kern="1200">
-                <a:solidFill>
-                  <a:schemeClr val="tx1"/>
-                </a:solidFill>
-                <a:latin typeface="+mn-lt"/>
-                <a:ea typeface="+mn-ea"/>
-                <a:cs typeface="+mn-cs"/>
-              </a:defRPr>
-            </a:lvl8pPr>
-            <a:lvl9pPr marL="3886200" indent="-228600" algn="l" defTabSz="914400" rtl="0" eaLnBrk="1" latinLnBrk="0" hangingPunct="1">
-              <a:lnSpc>
-                <a:spcPct val="90000"/>
-              </a:lnSpc>
-              <a:spcBef>
-                <a:spcPts val="500"/>
-              </a:spcBef>
-              <a:buFont typeface="Arial" panose="020B0604020202020204" pitchFamily="34" charset="0"/>
-              <a:buChar char="•"/>
-              <a:defRPr sz="1800" kern="1200">
-                <a:solidFill>
-                  <a:schemeClr val="tx1"/>
-                </a:solidFill>
-                <a:latin typeface="+mn-lt"/>
-                <a:ea typeface="+mn-ea"/>
-                <a:cs typeface="+mn-cs"/>
-              </a:defRPr>
-            </a:lvl9pPr>
-          </a:lstStyle>
-          <a:p>
-            <a:r>
-              <a:rPr lang="de-DE" dirty="0"/>
-              <a:t>Poor Performance</a:t>
-            </a:r>
+          <a:bodyPr wrap="square" rtlCol="0">
+            <a:spAutoFit/>
+          </a:bodyPr>
+          <a:lstStyle/>
+          <a:p>
+            <a:r>
+              <a:rPr lang="en-US" altLang="zh-CN" dirty="0"/>
+              <a:t>Reliable, High Speed Communication</a:t>
+            </a:r>
+            <a:endParaRPr lang="zh-CN" altLang="en-US" dirty="0"/>
           </a:p>
         </p:txBody>
       </p:sp>
+      <p:cxnSp>
+        <p:nvCxnSpPr>
+          <p:cNvPr id="10" name="直接箭头连接符 9">
+            <a:extLst>
+              <a:ext uri="{FF2B5EF4-FFF2-40B4-BE49-F238E27FC236}">
+                <a16:creationId xmlns:a16="http://schemas.microsoft.com/office/drawing/2014/main" id="{9F642B10-260F-4752-BCC0-59C63F07CA05}"/>
+              </a:ext>
+            </a:extLst>
+          </p:cNvPr>
+          <p:cNvCxnSpPr>
+            <a:cxnSpLocks/>
+          </p:cNvCxnSpPr>
+          <p:nvPr/>
+        </p:nvCxnSpPr>
+        <p:spPr>
+          <a:xfrm>
+            <a:off x="3588840" y="2485095"/>
+            <a:ext cx="2253503" cy="0"/>
+          </a:xfrm>
+          <a:prstGeom prst="straightConnector1">
+            <a:avLst/>
+          </a:prstGeom>
+          <a:ln>
+            <a:headEnd type="triangle"/>
+            <a:tailEnd type="triangle"/>
+          </a:ln>
+        </p:spPr>
+        <p:style>
+          <a:lnRef idx="1">
+            <a:schemeClr val="accent1"/>
+          </a:lnRef>
+          <a:fillRef idx="0">
+            <a:schemeClr val="accent1"/>
+          </a:fillRef>
+          <a:effectRef idx="0">
+            <a:schemeClr val="accent1"/>
+          </a:effectRef>
+          <a:fontRef idx="minor">
+            <a:schemeClr val="tx1"/>
+          </a:fontRef>
+        </p:style>
+      </p:cxnSp>
+      <p:cxnSp>
+        <p:nvCxnSpPr>
+          <p:cNvPr id="13" name="直接箭头连接符 12">
+            <a:extLst>
+              <a:ext uri="{FF2B5EF4-FFF2-40B4-BE49-F238E27FC236}">
+                <a16:creationId xmlns:a16="http://schemas.microsoft.com/office/drawing/2014/main" id="{2D1C4C74-CCE0-4F97-9272-63184E26A203}"/>
+              </a:ext>
+            </a:extLst>
+          </p:cNvPr>
+          <p:cNvCxnSpPr>
+            <a:cxnSpLocks/>
+          </p:cNvCxnSpPr>
+          <p:nvPr/>
+        </p:nvCxnSpPr>
+        <p:spPr>
+          <a:xfrm>
+            <a:off x="3588840" y="2807647"/>
+            <a:ext cx="2253503" cy="0"/>
+          </a:xfrm>
+          <a:prstGeom prst="straightConnector1">
+            <a:avLst/>
+          </a:prstGeom>
+          <a:ln>
+            <a:headEnd type="triangle"/>
+            <a:tailEnd type="triangle"/>
+          </a:ln>
+        </p:spPr>
+        <p:style>
+          <a:lnRef idx="1">
+            <a:schemeClr val="accent1"/>
+          </a:lnRef>
+          <a:fillRef idx="0">
+            <a:schemeClr val="accent1"/>
+          </a:fillRef>
+          <a:effectRef idx="0">
+            <a:schemeClr val="accent1"/>
+          </a:effectRef>
+          <a:fontRef idx="minor">
+            <a:schemeClr val="tx1"/>
+          </a:fontRef>
+        </p:style>
+      </p:cxnSp>
+      <p:cxnSp>
+        <p:nvCxnSpPr>
+          <p:cNvPr id="14" name="直接箭头连接符 13">
+            <a:extLst>
+              <a:ext uri="{FF2B5EF4-FFF2-40B4-BE49-F238E27FC236}">
+                <a16:creationId xmlns:a16="http://schemas.microsoft.com/office/drawing/2014/main" id="{119ED372-05FD-48D5-A341-7B9B1ED2867D}"/>
+              </a:ext>
+            </a:extLst>
+          </p:cNvPr>
+          <p:cNvCxnSpPr>
+            <a:cxnSpLocks/>
+          </p:cNvCxnSpPr>
+          <p:nvPr/>
+        </p:nvCxnSpPr>
+        <p:spPr>
+          <a:xfrm>
+            <a:off x="3588840" y="3156383"/>
+            <a:ext cx="2253503" cy="0"/>
+          </a:xfrm>
+          <a:prstGeom prst="straightConnector1">
+            <a:avLst/>
+          </a:prstGeom>
+          <a:ln>
+            <a:headEnd type="triangle"/>
+            <a:tailEnd type="triangle"/>
+          </a:ln>
+        </p:spPr>
+        <p:style>
+          <a:lnRef idx="1">
+            <a:schemeClr val="accent1"/>
+          </a:lnRef>
+          <a:fillRef idx="0">
+            <a:schemeClr val="accent1"/>
+          </a:fillRef>
+          <a:effectRef idx="0">
+            <a:schemeClr val="accent1"/>
+          </a:effectRef>
+          <a:fontRef idx="minor">
+            <a:schemeClr val="tx1"/>
+          </a:fontRef>
+        </p:style>
+      </p:cxnSp>
+      <p:cxnSp>
+        <p:nvCxnSpPr>
+          <p:cNvPr id="15" name="直接箭头连接符 14">
+            <a:extLst>
+              <a:ext uri="{FF2B5EF4-FFF2-40B4-BE49-F238E27FC236}">
+                <a16:creationId xmlns:a16="http://schemas.microsoft.com/office/drawing/2014/main" id="{E672B561-4467-42B8-A228-D8AFC1A3BDA1}"/>
+              </a:ext>
+            </a:extLst>
+          </p:cNvPr>
+          <p:cNvCxnSpPr>
+            <a:cxnSpLocks/>
+          </p:cNvCxnSpPr>
+          <p:nvPr/>
+        </p:nvCxnSpPr>
+        <p:spPr>
+          <a:xfrm>
+            <a:off x="3588840" y="3533357"/>
+            <a:ext cx="2253503" cy="0"/>
+          </a:xfrm>
+          <a:prstGeom prst="straightConnector1">
+            <a:avLst/>
+          </a:prstGeom>
+          <a:ln>
+            <a:headEnd type="triangle"/>
+            <a:tailEnd type="triangle"/>
+          </a:ln>
+        </p:spPr>
+        <p:style>
+          <a:lnRef idx="1">
+            <a:schemeClr val="accent1"/>
+          </a:lnRef>
+          <a:fillRef idx="0">
+            <a:schemeClr val="accent1"/>
+          </a:fillRef>
+          <a:effectRef idx="0">
+            <a:schemeClr val="accent1"/>
+          </a:effectRef>
+          <a:fontRef idx="minor">
+            <a:schemeClr val="tx1"/>
+          </a:fontRef>
+        </p:style>
+      </p:cxnSp>
+      <p:grpSp>
+        <p:nvGrpSpPr>
+          <p:cNvPr id="19" name="组合 18">
+            <a:extLst>
+              <a:ext uri="{FF2B5EF4-FFF2-40B4-BE49-F238E27FC236}">
+                <a16:creationId xmlns:a16="http://schemas.microsoft.com/office/drawing/2014/main" id="{F398A18F-C333-4F32-A4CA-6D7BDEC5DE47}"/>
+              </a:ext>
+            </a:extLst>
+          </p:cNvPr>
+          <p:cNvGrpSpPr/>
+          <p:nvPr/>
+        </p:nvGrpSpPr>
+        <p:grpSpPr>
+          <a:xfrm>
+            <a:off x="1682161" y="4458854"/>
+            <a:ext cx="6010458" cy="653800"/>
+            <a:chOff x="3288" y="1291966"/>
+            <a:chExt cx="1795344" cy="653800"/>
+          </a:xfrm>
+        </p:grpSpPr>
+        <p:sp>
+          <p:nvSpPr>
+            <p:cNvPr id="23" name="矩形 22">
+              <a:extLst>
+                <a:ext uri="{FF2B5EF4-FFF2-40B4-BE49-F238E27FC236}">
+                  <a16:creationId xmlns:a16="http://schemas.microsoft.com/office/drawing/2014/main" id="{E622986D-59F4-479E-A924-1A22F47A9FFC}"/>
+                </a:ext>
+              </a:extLst>
+            </p:cNvPr>
+            <p:cNvSpPr/>
+            <p:nvPr/>
+          </p:nvSpPr>
+          <p:spPr>
+            <a:xfrm>
+              <a:off x="3288" y="1291966"/>
+              <a:ext cx="1795344" cy="653800"/>
+            </a:xfrm>
+            <a:prstGeom prst="rect">
+              <a:avLst/>
+            </a:prstGeom>
+          </p:spPr>
+          <p:style>
+            <a:lnRef idx="2">
+              <a:schemeClr val="accent3">
+                <a:hueOff val="0"/>
+                <a:satOff val="0"/>
+                <a:lumOff val="0"/>
+                <a:alphaOff val="0"/>
+              </a:schemeClr>
+            </a:lnRef>
+            <a:fillRef idx="1">
+              <a:schemeClr val="accent3">
+                <a:hueOff val="0"/>
+                <a:satOff val="0"/>
+                <a:lumOff val="0"/>
+                <a:alphaOff val="0"/>
+              </a:schemeClr>
+            </a:fillRef>
+            <a:effectRef idx="0">
+              <a:schemeClr val="accent3">
+                <a:hueOff val="0"/>
+                <a:satOff val="0"/>
+                <a:lumOff val="0"/>
+                <a:alphaOff val="0"/>
+              </a:schemeClr>
+            </a:effectRef>
+            <a:fontRef idx="minor">
+              <a:schemeClr val="lt1"/>
+            </a:fontRef>
+          </p:style>
+        </p:sp>
+        <p:sp>
+          <p:nvSpPr>
+            <p:cNvPr id="24" name="文本框 23">
+              <a:extLst>
+                <a:ext uri="{FF2B5EF4-FFF2-40B4-BE49-F238E27FC236}">
+                  <a16:creationId xmlns:a16="http://schemas.microsoft.com/office/drawing/2014/main" id="{A572B832-9F68-434D-AF8E-DE95B50503C0}"/>
+                </a:ext>
+              </a:extLst>
+            </p:cNvPr>
+            <p:cNvSpPr txBox="1"/>
+            <p:nvPr/>
+          </p:nvSpPr>
+          <p:spPr>
+            <a:xfrm>
+              <a:off x="3288" y="1291966"/>
+              <a:ext cx="1795344" cy="653800"/>
+            </a:xfrm>
+            <a:prstGeom prst="rect">
+              <a:avLst/>
+            </a:prstGeom>
+          </p:spPr>
+          <p:style>
+            <a:lnRef idx="0">
+              <a:scrgbClr r="0" g="0" b="0"/>
+            </a:lnRef>
+            <a:fillRef idx="0">
+              <a:scrgbClr r="0" g="0" b="0"/>
+            </a:fillRef>
+            <a:effectRef idx="0">
+              <a:scrgbClr r="0" g="0" b="0"/>
+            </a:effectRef>
+            <a:fontRef idx="minor">
+              <a:schemeClr val="lt1"/>
+            </a:fontRef>
+          </p:style>
+          <p:txBody>
+            <a:bodyPr spcFirstLastPara="0" vert="horz" wrap="square" lIns="135128" tIns="77216" rIns="135128" bIns="77216" numCol="1" spcCol="1270" anchor="ctr" anchorCtr="0">
+              <a:noAutofit/>
+            </a:bodyPr>
+            <a:lstStyle/>
+            <a:p>
+              <a:pPr algn="ctr"/>
+              <a:r>
+                <a:rPr lang="en-US" altLang="zh-CN" sz="2000" dirty="0"/>
+                <a:t>Adding specific Processor for Sensor Fusion</a:t>
+              </a:r>
+            </a:p>
+          </p:txBody>
+        </p:sp>
+      </p:grpSp>
+      <p:grpSp>
+        <p:nvGrpSpPr>
+          <p:cNvPr id="20" name="组合 19">
+            <a:extLst>
+              <a:ext uri="{FF2B5EF4-FFF2-40B4-BE49-F238E27FC236}">
+                <a16:creationId xmlns:a16="http://schemas.microsoft.com/office/drawing/2014/main" id="{DF841A08-2BEC-48D8-B6E0-1BC79FCA6B50}"/>
+              </a:ext>
+            </a:extLst>
+          </p:cNvPr>
+          <p:cNvGrpSpPr/>
+          <p:nvPr/>
+        </p:nvGrpSpPr>
+        <p:grpSpPr>
+          <a:xfrm>
+            <a:off x="1682161" y="5134630"/>
+            <a:ext cx="6010458" cy="1075541"/>
+            <a:chOff x="3288" y="1945767"/>
+            <a:chExt cx="1977147" cy="1641252"/>
+          </a:xfrm>
+        </p:grpSpPr>
+        <p:sp>
+          <p:nvSpPr>
+            <p:cNvPr id="21" name="矩形 20">
+              <a:extLst>
+                <a:ext uri="{FF2B5EF4-FFF2-40B4-BE49-F238E27FC236}">
+                  <a16:creationId xmlns:a16="http://schemas.microsoft.com/office/drawing/2014/main" id="{39820319-4F37-48FF-BDC1-56396DA6CDFA}"/>
+                </a:ext>
+              </a:extLst>
+            </p:cNvPr>
+            <p:cNvSpPr/>
+            <p:nvPr/>
+          </p:nvSpPr>
+          <p:spPr>
+            <a:xfrm>
+              <a:off x="3288" y="1945767"/>
+              <a:ext cx="1977147" cy="1641252"/>
+            </a:xfrm>
+            <a:prstGeom prst="rect">
+              <a:avLst/>
+            </a:prstGeom>
+          </p:spPr>
+          <p:style>
+            <a:lnRef idx="2">
+              <a:schemeClr val="accent3">
+                <a:alpha val="90000"/>
+                <a:tint val="40000"/>
+                <a:hueOff val="0"/>
+                <a:satOff val="0"/>
+                <a:lumOff val="0"/>
+                <a:alphaOff val="0"/>
+              </a:schemeClr>
+            </a:lnRef>
+            <a:fillRef idx="1">
+              <a:schemeClr val="accent3">
+                <a:alpha val="90000"/>
+                <a:tint val="40000"/>
+                <a:hueOff val="0"/>
+                <a:satOff val="0"/>
+                <a:lumOff val="0"/>
+                <a:alphaOff val="0"/>
+              </a:schemeClr>
+            </a:fillRef>
+            <a:effectRef idx="0">
+              <a:schemeClr val="accent3">
+                <a:alpha val="90000"/>
+                <a:tint val="40000"/>
+                <a:hueOff val="0"/>
+                <a:satOff val="0"/>
+                <a:lumOff val="0"/>
+                <a:alphaOff val="0"/>
+              </a:schemeClr>
+            </a:effectRef>
+            <a:fontRef idx="minor">
+              <a:schemeClr val="dk1">
+                <a:hueOff val="0"/>
+                <a:satOff val="0"/>
+                <a:lumOff val="0"/>
+                <a:alphaOff val="0"/>
+              </a:schemeClr>
+            </a:fontRef>
+          </p:style>
+        </p:sp>
+        <p:sp>
+          <p:nvSpPr>
+            <p:cNvPr id="22" name="文本框 21">
+              <a:extLst>
+                <a:ext uri="{FF2B5EF4-FFF2-40B4-BE49-F238E27FC236}">
+                  <a16:creationId xmlns:a16="http://schemas.microsoft.com/office/drawing/2014/main" id="{9BA9971F-6700-4DB4-978F-2D85CCB32F62}"/>
+                </a:ext>
+              </a:extLst>
+            </p:cNvPr>
+            <p:cNvSpPr txBox="1"/>
+            <p:nvPr/>
+          </p:nvSpPr>
+          <p:spPr>
+            <a:xfrm>
+              <a:off x="3288" y="1945767"/>
+              <a:ext cx="1977147" cy="1641252"/>
+            </a:xfrm>
+            <a:prstGeom prst="rect">
+              <a:avLst/>
+            </a:prstGeom>
+          </p:spPr>
+          <p:style>
+            <a:lnRef idx="0">
+              <a:scrgbClr r="0" g="0" b="0"/>
+            </a:lnRef>
+            <a:fillRef idx="0">
+              <a:scrgbClr r="0" g="0" b="0"/>
+            </a:fillRef>
+            <a:effectRef idx="0">
+              <a:scrgbClr r="0" g="0" b="0"/>
+            </a:effectRef>
+            <a:fontRef idx="minor">
+              <a:schemeClr val="dk1">
+                <a:hueOff val="0"/>
+                <a:satOff val="0"/>
+                <a:lumOff val="0"/>
+                <a:alphaOff val="0"/>
+              </a:schemeClr>
+            </a:fontRef>
+          </p:style>
+          <p:txBody>
+            <a:bodyPr spcFirstLastPara="0" vert="horz" wrap="square" lIns="101346" tIns="101346" rIns="135128" bIns="152019" numCol="1" spcCol="1270" anchor="t" anchorCtr="0">
+              <a:noAutofit/>
+            </a:bodyPr>
+            <a:lstStyle/>
+            <a:p>
+              <a:pPr marL="0" lvl="1" algn="l" defTabSz="844550">
+                <a:lnSpc>
+                  <a:spcPct val="90000"/>
+                </a:lnSpc>
+                <a:spcBef>
+                  <a:spcPct val="0"/>
+                </a:spcBef>
+                <a:spcAft>
+                  <a:spcPct val="15000"/>
+                </a:spcAft>
+              </a:pPr>
+              <a:r>
+                <a:rPr lang="en-US" altLang="zh-CN" sz="1900" dirty="0"/>
+                <a:t>1.</a:t>
+              </a:r>
+              <a:r>
+                <a:rPr lang="zh-CN" altLang="en-US" sz="1900" dirty="0"/>
+                <a:t> </a:t>
+              </a:r>
+              <a:r>
+                <a:rPr lang="en-US" altLang="zh-CN" sz="1900" dirty="0"/>
+                <a:t>Reliable and High</a:t>
+              </a:r>
+              <a:r>
+                <a:rPr lang="zh-CN" altLang="en-US" sz="1900" dirty="0"/>
+                <a:t> </a:t>
+              </a:r>
+              <a:r>
+                <a:rPr lang="en-US" altLang="zh-CN" sz="1900" dirty="0"/>
+                <a:t>Speed Communication</a:t>
+              </a:r>
+            </a:p>
+            <a:p>
+              <a:pPr marL="0" lvl="1" algn="l" defTabSz="844550">
+                <a:lnSpc>
+                  <a:spcPct val="90000"/>
+                </a:lnSpc>
+                <a:spcBef>
+                  <a:spcPct val="0"/>
+                </a:spcBef>
+                <a:spcAft>
+                  <a:spcPct val="15000"/>
+                </a:spcAft>
+              </a:pPr>
+              <a:r>
+                <a:rPr lang="en-US" altLang="zh-CN" sz="1900" dirty="0"/>
+                <a:t>2. …</a:t>
+              </a:r>
+            </a:p>
+            <a:p>
+              <a:pPr marL="0" lvl="1" algn="l" defTabSz="844550">
+                <a:lnSpc>
+                  <a:spcPct val="90000"/>
+                </a:lnSpc>
+                <a:spcBef>
+                  <a:spcPct val="0"/>
+                </a:spcBef>
+                <a:spcAft>
+                  <a:spcPct val="15000"/>
+                </a:spcAft>
+              </a:pPr>
+              <a:r>
+                <a:rPr lang="en-US" altLang="zh-CN" sz="1900" dirty="0"/>
+                <a:t>3. …</a:t>
+              </a:r>
+              <a:r>
+                <a:rPr lang="zh-CN" altLang="en-US" sz="1900" dirty="0"/>
+                <a:t> </a:t>
+              </a:r>
+              <a:endParaRPr lang="en-GB" sz="1900" kern="1200" dirty="0"/>
+            </a:p>
+            <a:p>
+              <a:pPr marL="171450" lvl="1" indent="-171450" algn="l" defTabSz="844550">
+                <a:lnSpc>
+                  <a:spcPct val="90000"/>
+                </a:lnSpc>
+                <a:spcBef>
+                  <a:spcPct val="0"/>
+                </a:spcBef>
+                <a:spcAft>
+                  <a:spcPct val="15000"/>
+                </a:spcAft>
+                <a:buChar char="•"/>
+              </a:pPr>
+              <a:endParaRPr lang="en-GB" sz="1900" kern="1200" dirty="0"/>
+            </a:p>
+          </p:txBody>
+        </p:sp>
+      </p:grpSp>
+      <p:grpSp>
+        <p:nvGrpSpPr>
+          <p:cNvPr id="29" name="组合 28">
+            <a:extLst>
+              <a:ext uri="{FF2B5EF4-FFF2-40B4-BE49-F238E27FC236}">
+                <a16:creationId xmlns:a16="http://schemas.microsoft.com/office/drawing/2014/main" id="{15AFB83A-53F4-468F-8953-75689F398A10}"/>
+              </a:ext>
+            </a:extLst>
+          </p:cNvPr>
+          <p:cNvGrpSpPr/>
+          <p:nvPr/>
+        </p:nvGrpSpPr>
+        <p:grpSpPr>
+          <a:xfrm>
+            <a:off x="358920" y="1588607"/>
+            <a:ext cx="3163403" cy="653800"/>
+            <a:chOff x="3288" y="1291966"/>
+            <a:chExt cx="1977147" cy="653800"/>
+          </a:xfrm>
+        </p:grpSpPr>
+        <p:sp>
+          <p:nvSpPr>
+            <p:cNvPr id="39" name="矩形 38">
+              <a:extLst>
+                <a:ext uri="{FF2B5EF4-FFF2-40B4-BE49-F238E27FC236}">
+                  <a16:creationId xmlns:a16="http://schemas.microsoft.com/office/drawing/2014/main" id="{60D84596-08BD-4487-A6A9-F65569F0D0C1}"/>
+                </a:ext>
+              </a:extLst>
+            </p:cNvPr>
+            <p:cNvSpPr/>
+            <p:nvPr/>
+          </p:nvSpPr>
+          <p:spPr>
+            <a:xfrm>
+              <a:off x="3288" y="1291966"/>
+              <a:ext cx="1977147" cy="653800"/>
+            </a:xfrm>
+            <a:prstGeom prst="rect">
+              <a:avLst/>
+            </a:prstGeom>
+          </p:spPr>
+          <p:style>
+            <a:lnRef idx="2">
+              <a:schemeClr val="accent3">
+                <a:hueOff val="0"/>
+                <a:satOff val="0"/>
+                <a:lumOff val="0"/>
+                <a:alphaOff val="0"/>
+              </a:schemeClr>
+            </a:lnRef>
+            <a:fillRef idx="1">
+              <a:schemeClr val="accent3">
+                <a:hueOff val="0"/>
+                <a:satOff val="0"/>
+                <a:lumOff val="0"/>
+                <a:alphaOff val="0"/>
+              </a:schemeClr>
+            </a:fillRef>
+            <a:effectRef idx="0">
+              <a:schemeClr val="accent3">
+                <a:hueOff val="0"/>
+                <a:satOff val="0"/>
+                <a:lumOff val="0"/>
+                <a:alphaOff val="0"/>
+              </a:schemeClr>
+            </a:effectRef>
+            <a:fontRef idx="minor">
+              <a:schemeClr val="lt1"/>
+            </a:fontRef>
+          </p:style>
+        </p:sp>
+        <p:sp>
+          <p:nvSpPr>
+            <p:cNvPr id="40" name="文本框 39">
+              <a:extLst>
+                <a:ext uri="{FF2B5EF4-FFF2-40B4-BE49-F238E27FC236}">
+                  <a16:creationId xmlns:a16="http://schemas.microsoft.com/office/drawing/2014/main" id="{6766AFD4-4F12-4DF4-956E-4047C0E2A107}"/>
+                </a:ext>
+              </a:extLst>
+            </p:cNvPr>
+            <p:cNvSpPr txBox="1"/>
+            <p:nvPr/>
+          </p:nvSpPr>
+          <p:spPr>
+            <a:xfrm>
+              <a:off x="3288" y="1291966"/>
+              <a:ext cx="1977147" cy="653800"/>
+            </a:xfrm>
+            <a:prstGeom prst="rect">
+              <a:avLst/>
+            </a:prstGeom>
+          </p:spPr>
+          <p:style>
+            <a:lnRef idx="0">
+              <a:scrgbClr r="0" g="0" b="0"/>
+            </a:lnRef>
+            <a:fillRef idx="0">
+              <a:scrgbClr r="0" g="0" b="0"/>
+            </a:fillRef>
+            <a:effectRef idx="0">
+              <a:scrgbClr r="0" g="0" b="0"/>
+            </a:effectRef>
+            <a:fontRef idx="minor">
+              <a:schemeClr val="lt1"/>
+            </a:fontRef>
+          </p:style>
+          <p:txBody>
+            <a:bodyPr spcFirstLastPara="0" vert="horz" wrap="square" lIns="135128" tIns="77216" rIns="135128" bIns="77216" numCol="1" spcCol="1270" anchor="ctr" anchorCtr="0">
+              <a:noAutofit/>
+            </a:bodyPr>
+            <a:lstStyle/>
+            <a:p>
+              <a:pPr algn="ctr"/>
+              <a:r>
+                <a:rPr lang="en-US" altLang="zh-CN" sz="2000" dirty="0"/>
+                <a:t>Requirement of </a:t>
+              </a:r>
+            </a:p>
+            <a:p>
+              <a:pPr algn="ctr"/>
+              <a:r>
+                <a:rPr lang="en-US" altLang="zh-CN" sz="2000" dirty="0"/>
+                <a:t>Sensor Fusion</a:t>
+              </a:r>
+            </a:p>
+          </p:txBody>
+        </p:sp>
+      </p:grpSp>
+      <p:grpSp>
+        <p:nvGrpSpPr>
+          <p:cNvPr id="30" name="组合 29">
+            <a:extLst>
+              <a:ext uri="{FF2B5EF4-FFF2-40B4-BE49-F238E27FC236}">
+                <a16:creationId xmlns:a16="http://schemas.microsoft.com/office/drawing/2014/main" id="{FB93D0ED-7853-4FE1-AB00-89FAACE149F7}"/>
+              </a:ext>
+            </a:extLst>
+          </p:cNvPr>
+          <p:cNvGrpSpPr/>
+          <p:nvPr/>
+        </p:nvGrpSpPr>
+        <p:grpSpPr>
+          <a:xfrm>
+            <a:off x="358920" y="2242408"/>
+            <a:ext cx="3163403" cy="1641252"/>
+            <a:chOff x="3288" y="1945767"/>
+            <a:chExt cx="1977147" cy="1641252"/>
+          </a:xfrm>
+        </p:grpSpPr>
+        <p:sp>
+          <p:nvSpPr>
+            <p:cNvPr id="37" name="矩形 36">
+              <a:extLst>
+                <a:ext uri="{FF2B5EF4-FFF2-40B4-BE49-F238E27FC236}">
+                  <a16:creationId xmlns:a16="http://schemas.microsoft.com/office/drawing/2014/main" id="{40C377ED-BC45-4435-B902-E0B80F9F71A9}"/>
+                </a:ext>
+              </a:extLst>
+            </p:cNvPr>
+            <p:cNvSpPr/>
+            <p:nvPr/>
+          </p:nvSpPr>
+          <p:spPr>
+            <a:xfrm>
+              <a:off x="3288" y="1945767"/>
+              <a:ext cx="1977147" cy="1641252"/>
+            </a:xfrm>
+            <a:prstGeom prst="rect">
+              <a:avLst/>
+            </a:prstGeom>
+          </p:spPr>
+          <p:style>
+            <a:lnRef idx="2">
+              <a:schemeClr val="accent3">
+                <a:alpha val="90000"/>
+                <a:tint val="40000"/>
+                <a:hueOff val="0"/>
+                <a:satOff val="0"/>
+                <a:lumOff val="0"/>
+                <a:alphaOff val="0"/>
+              </a:schemeClr>
+            </a:lnRef>
+            <a:fillRef idx="1">
+              <a:schemeClr val="accent3">
+                <a:alpha val="90000"/>
+                <a:tint val="40000"/>
+                <a:hueOff val="0"/>
+                <a:satOff val="0"/>
+                <a:lumOff val="0"/>
+                <a:alphaOff val="0"/>
+              </a:schemeClr>
+            </a:fillRef>
+            <a:effectRef idx="0">
+              <a:schemeClr val="accent3">
+                <a:alpha val="90000"/>
+                <a:tint val="40000"/>
+                <a:hueOff val="0"/>
+                <a:satOff val="0"/>
+                <a:lumOff val="0"/>
+                <a:alphaOff val="0"/>
+              </a:schemeClr>
+            </a:effectRef>
+            <a:fontRef idx="minor">
+              <a:schemeClr val="dk1">
+                <a:hueOff val="0"/>
+                <a:satOff val="0"/>
+                <a:lumOff val="0"/>
+                <a:alphaOff val="0"/>
+              </a:schemeClr>
+            </a:fontRef>
+          </p:style>
+        </p:sp>
+        <p:sp>
+          <p:nvSpPr>
+            <p:cNvPr id="38" name="文本框 37">
+              <a:extLst>
+                <a:ext uri="{FF2B5EF4-FFF2-40B4-BE49-F238E27FC236}">
+                  <a16:creationId xmlns:a16="http://schemas.microsoft.com/office/drawing/2014/main" id="{511976C3-E72A-4836-AA58-92D1AF2D6404}"/>
+                </a:ext>
+              </a:extLst>
+            </p:cNvPr>
+            <p:cNvSpPr txBox="1"/>
+            <p:nvPr/>
+          </p:nvSpPr>
+          <p:spPr>
+            <a:xfrm>
+              <a:off x="3288" y="1945767"/>
+              <a:ext cx="1977147" cy="1641252"/>
+            </a:xfrm>
+            <a:prstGeom prst="rect">
+              <a:avLst/>
+            </a:prstGeom>
+          </p:spPr>
+          <p:style>
+            <a:lnRef idx="0">
+              <a:scrgbClr r="0" g="0" b="0"/>
+            </a:lnRef>
+            <a:fillRef idx="0">
+              <a:scrgbClr r="0" g="0" b="0"/>
+            </a:fillRef>
+            <a:effectRef idx="0">
+              <a:scrgbClr r="0" g="0" b="0"/>
+            </a:effectRef>
+            <a:fontRef idx="minor">
+              <a:schemeClr val="dk1">
+                <a:hueOff val="0"/>
+                <a:satOff val="0"/>
+                <a:lumOff val="0"/>
+                <a:alphaOff val="0"/>
+              </a:schemeClr>
+            </a:fontRef>
+          </p:style>
+          <p:txBody>
+            <a:bodyPr spcFirstLastPara="0" vert="horz" wrap="square" lIns="101346" tIns="101346" rIns="135128" bIns="152019" numCol="1" spcCol="1270" anchor="t" anchorCtr="0">
+              <a:noAutofit/>
+            </a:bodyPr>
+            <a:lstStyle/>
+            <a:p>
+              <a:pPr marL="171450" lvl="1" indent="-171450" defTabSz="844550">
+                <a:lnSpc>
+                  <a:spcPct val="90000"/>
+                </a:lnSpc>
+                <a:spcBef>
+                  <a:spcPct val="0"/>
+                </a:spcBef>
+                <a:spcAft>
+                  <a:spcPct val="15000"/>
+                </a:spcAft>
+                <a:buFontTx/>
+                <a:buChar char="•"/>
+              </a:pPr>
+              <a:r>
+                <a:rPr lang="en-US" altLang="zh-CN" sz="2000" dirty="0"/>
+                <a:t>matrix arithmetic</a:t>
+              </a:r>
+            </a:p>
+            <a:p>
+              <a:pPr marL="171450" lvl="1" indent="-171450" defTabSz="844550">
+                <a:lnSpc>
+                  <a:spcPct val="90000"/>
+                </a:lnSpc>
+                <a:spcBef>
+                  <a:spcPct val="0"/>
+                </a:spcBef>
+                <a:spcAft>
+                  <a:spcPct val="15000"/>
+                </a:spcAft>
+                <a:buFontTx/>
+                <a:buChar char="•"/>
+              </a:pPr>
+              <a:r>
+                <a:rPr lang="en-US" altLang="zh-CN" sz="2000" dirty="0"/>
+                <a:t>floating-point arithmetic</a:t>
+              </a:r>
+            </a:p>
+            <a:p>
+              <a:pPr marL="171450" lvl="1" indent="-171450" defTabSz="844550">
+                <a:lnSpc>
+                  <a:spcPct val="90000"/>
+                </a:lnSpc>
+                <a:spcBef>
+                  <a:spcPct val="0"/>
+                </a:spcBef>
+                <a:spcAft>
+                  <a:spcPct val="15000"/>
+                </a:spcAft>
+                <a:buFontTx/>
+                <a:buChar char="•"/>
+              </a:pPr>
+              <a:r>
+                <a:rPr lang="en-US" altLang="zh-CN" sz="2000" dirty="0"/>
+                <a:t>processing speed</a:t>
+              </a:r>
+            </a:p>
+            <a:p>
+              <a:pPr marL="171450" lvl="1" indent="-171450" defTabSz="844550">
+                <a:lnSpc>
+                  <a:spcPct val="90000"/>
+                </a:lnSpc>
+                <a:spcBef>
+                  <a:spcPct val="0"/>
+                </a:spcBef>
+                <a:spcAft>
+                  <a:spcPct val="15000"/>
+                </a:spcAft>
+                <a:buFontTx/>
+                <a:buChar char="•"/>
+              </a:pPr>
+              <a:r>
+                <a:rPr lang="en-US" altLang="zh-CN" sz="2000" dirty="0"/>
+                <a:t>memory for programming</a:t>
+              </a:r>
+            </a:p>
+            <a:p>
+              <a:pPr marL="171450" lvl="1" indent="-171450" algn="l" defTabSz="844550">
+                <a:lnSpc>
+                  <a:spcPct val="90000"/>
+                </a:lnSpc>
+                <a:spcBef>
+                  <a:spcPct val="0"/>
+                </a:spcBef>
+                <a:spcAft>
+                  <a:spcPct val="15000"/>
+                </a:spcAft>
+                <a:buChar char="•"/>
+              </a:pPr>
+              <a:endParaRPr lang="en-GB" sz="1900" kern="1200" dirty="0"/>
+            </a:p>
+          </p:txBody>
+        </p:sp>
+      </p:grpSp>
+      <p:grpSp>
+        <p:nvGrpSpPr>
+          <p:cNvPr id="31" name="组合 30">
+            <a:extLst>
+              <a:ext uri="{FF2B5EF4-FFF2-40B4-BE49-F238E27FC236}">
+                <a16:creationId xmlns:a16="http://schemas.microsoft.com/office/drawing/2014/main" id="{64ED3988-CCF2-4396-A0ED-EE0A8F2EDAE6}"/>
+              </a:ext>
+            </a:extLst>
+          </p:cNvPr>
+          <p:cNvGrpSpPr/>
+          <p:nvPr/>
+        </p:nvGrpSpPr>
+        <p:grpSpPr>
+          <a:xfrm>
+            <a:off x="5999580" y="1588607"/>
+            <a:ext cx="2477173" cy="653800"/>
+            <a:chOff x="2257236" y="1291966"/>
+            <a:chExt cx="1977147" cy="653800"/>
+          </a:xfrm>
+        </p:grpSpPr>
+        <p:sp>
+          <p:nvSpPr>
+            <p:cNvPr id="35" name="矩形 34">
+              <a:extLst>
+                <a:ext uri="{FF2B5EF4-FFF2-40B4-BE49-F238E27FC236}">
+                  <a16:creationId xmlns:a16="http://schemas.microsoft.com/office/drawing/2014/main" id="{40A5F236-752C-4953-AAC4-90DB24AF9439}"/>
+                </a:ext>
+              </a:extLst>
+            </p:cNvPr>
+            <p:cNvSpPr/>
+            <p:nvPr/>
+          </p:nvSpPr>
+          <p:spPr>
+            <a:xfrm>
+              <a:off x="2257236" y="1291966"/>
+              <a:ext cx="1977147" cy="653800"/>
+            </a:xfrm>
+            <a:prstGeom prst="rect">
+              <a:avLst/>
+            </a:prstGeom>
+          </p:spPr>
+          <p:style>
+            <a:lnRef idx="2">
+              <a:schemeClr val="accent3">
+                <a:hueOff val="0"/>
+                <a:satOff val="0"/>
+                <a:lumOff val="0"/>
+                <a:alphaOff val="0"/>
+              </a:schemeClr>
+            </a:lnRef>
+            <a:fillRef idx="1">
+              <a:schemeClr val="accent3">
+                <a:hueOff val="0"/>
+                <a:satOff val="0"/>
+                <a:lumOff val="0"/>
+                <a:alphaOff val="0"/>
+              </a:schemeClr>
+            </a:fillRef>
+            <a:effectRef idx="0">
+              <a:schemeClr val="accent3">
+                <a:hueOff val="0"/>
+                <a:satOff val="0"/>
+                <a:lumOff val="0"/>
+                <a:alphaOff val="0"/>
+              </a:schemeClr>
+            </a:effectRef>
+            <a:fontRef idx="minor">
+              <a:schemeClr val="lt1"/>
+            </a:fontRef>
+          </p:style>
+        </p:sp>
+        <p:sp>
+          <p:nvSpPr>
+            <p:cNvPr id="36" name="文本框 35">
+              <a:extLst>
+                <a:ext uri="{FF2B5EF4-FFF2-40B4-BE49-F238E27FC236}">
+                  <a16:creationId xmlns:a16="http://schemas.microsoft.com/office/drawing/2014/main" id="{FD3CB231-E347-4761-98D3-DBD697F228D6}"/>
+                </a:ext>
+              </a:extLst>
+            </p:cNvPr>
+            <p:cNvSpPr txBox="1"/>
+            <p:nvPr/>
+          </p:nvSpPr>
+          <p:spPr>
+            <a:xfrm>
+              <a:off x="2257236" y="1291966"/>
+              <a:ext cx="1977147" cy="653800"/>
+            </a:xfrm>
+            <a:prstGeom prst="rect">
+              <a:avLst/>
+            </a:prstGeom>
+          </p:spPr>
+          <p:style>
+            <a:lnRef idx="0">
+              <a:scrgbClr r="0" g="0" b="0"/>
+            </a:lnRef>
+            <a:fillRef idx="0">
+              <a:scrgbClr r="0" g="0" b="0"/>
+            </a:fillRef>
+            <a:effectRef idx="0">
+              <a:scrgbClr r="0" g="0" b="0"/>
+            </a:effectRef>
+            <a:fontRef idx="minor">
+              <a:schemeClr val="lt1"/>
+            </a:fontRef>
+          </p:style>
+          <p:txBody>
+            <a:bodyPr spcFirstLastPara="0" vert="horz" wrap="square" lIns="135128" tIns="77216" rIns="135128" bIns="77216" numCol="1" spcCol="1270" anchor="ctr" anchorCtr="0">
+              <a:noAutofit/>
+            </a:bodyPr>
+            <a:lstStyle/>
+            <a:p>
+              <a:pPr algn="ctr"/>
+              <a:r>
+                <a:rPr lang="de-DE" altLang="zh-CN" sz="2000" dirty="0"/>
+                <a:t>Properties of </a:t>
+              </a:r>
+              <a:r>
+                <a:rPr lang="en-US" altLang="zh-CN" sz="2000" dirty="0"/>
+                <a:t>Processor</a:t>
+              </a:r>
+              <a:r>
+                <a:rPr lang="de-DE" altLang="zh-CN" sz="2000" dirty="0"/>
+                <a:t> in UAV</a:t>
+              </a:r>
+            </a:p>
+          </p:txBody>
+        </p:sp>
+      </p:grpSp>
+      <p:grpSp>
+        <p:nvGrpSpPr>
+          <p:cNvPr id="32" name="组合 31">
+            <a:extLst>
+              <a:ext uri="{FF2B5EF4-FFF2-40B4-BE49-F238E27FC236}">
+                <a16:creationId xmlns:a16="http://schemas.microsoft.com/office/drawing/2014/main" id="{95D65243-0ACC-4EE2-98D4-75F67C6746C5}"/>
+              </a:ext>
+            </a:extLst>
+          </p:cNvPr>
+          <p:cNvGrpSpPr/>
+          <p:nvPr/>
+        </p:nvGrpSpPr>
+        <p:grpSpPr>
+          <a:xfrm>
+            <a:off x="5999580" y="2242408"/>
+            <a:ext cx="2477173" cy="1641252"/>
+            <a:chOff x="2257236" y="1945767"/>
+            <a:chExt cx="1977147" cy="1641252"/>
+          </a:xfrm>
+        </p:grpSpPr>
+        <p:sp>
+          <p:nvSpPr>
+            <p:cNvPr id="33" name="矩形 32">
+              <a:extLst>
+                <a:ext uri="{FF2B5EF4-FFF2-40B4-BE49-F238E27FC236}">
+                  <a16:creationId xmlns:a16="http://schemas.microsoft.com/office/drawing/2014/main" id="{539AC879-2539-42ED-95E3-995FA9A106AB}"/>
+                </a:ext>
+              </a:extLst>
+            </p:cNvPr>
+            <p:cNvSpPr/>
+            <p:nvPr/>
+          </p:nvSpPr>
+          <p:spPr>
+            <a:xfrm>
+              <a:off x="2257236" y="1945767"/>
+              <a:ext cx="1977147" cy="1641252"/>
+            </a:xfrm>
+            <a:prstGeom prst="rect">
+              <a:avLst/>
+            </a:prstGeom>
+          </p:spPr>
+          <p:style>
+            <a:lnRef idx="2">
+              <a:schemeClr val="accent3">
+                <a:alpha val="90000"/>
+                <a:tint val="40000"/>
+                <a:hueOff val="0"/>
+                <a:satOff val="0"/>
+                <a:lumOff val="0"/>
+                <a:alphaOff val="0"/>
+              </a:schemeClr>
+            </a:lnRef>
+            <a:fillRef idx="1">
+              <a:schemeClr val="accent3">
+                <a:alpha val="90000"/>
+                <a:tint val="40000"/>
+                <a:hueOff val="0"/>
+                <a:satOff val="0"/>
+                <a:lumOff val="0"/>
+                <a:alphaOff val="0"/>
+              </a:schemeClr>
+            </a:fillRef>
+            <a:effectRef idx="0">
+              <a:schemeClr val="accent3">
+                <a:alpha val="90000"/>
+                <a:tint val="40000"/>
+                <a:hueOff val="0"/>
+                <a:satOff val="0"/>
+                <a:lumOff val="0"/>
+                <a:alphaOff val="0"/>
+              </a:schemeClr>
+            </a:effectRef>
+            <a:fontRef idx="minor">
+              <a:schemeClr val="dk1">
+                <a:hueOff val="0"/>
+                <a:satOff val="0"/>
+                <a:lumOff val="0"/>
+                <a:alphaOff val="0"/>
+              </a:schemeClr>
+            </a:fontRef>
+          </p:style>
+        </p:sp>
+        <p:sp>
+          <p:nvSpPr>
+            <p:cNvPr id="34" name="文本框 33">
+              <a:extLst>
+                <a:ext uri="{FF2B5EF4-FFF2-40B4-BE49-F238E27FC236}">
+                  <a16:creationId xmlns:a16="http://schemas.microsoft.com/office/drawing/2014/main" id="{0F6FA8F5-48CF-40B1-B878-CB6818CAF916}"/>
+                </a:ext>
+              </a:extLst>
+            </p:cNvPr>
+            <p:cNvSpPr txBox="1"/>
+            <p:nvPr/>
+          </p:nvSpPr>
+          <p:spPr>
+            <a:xfrm>
+              <a:off x="2257236" y="1945767"/>
+              <a:ext cx="1977147" cy="1641252"/>
+            </a:xfrm>
+            <a:prstGeom prst="rect">
+              <a:avLst/>
+            </a:prstGeom>
+          </p:spPr>
+          <p:style>
+            <a:lnRef idx="0">
+              <a:scrgbClr r="0" g="0" b="0"/>
+            </a:lnRef>
+            <a:fillRef idx="0">
+              <a:scrgbClr r="0" g="0" b="0"/>
+            </a:fillRef>
+            <a:effectRef idx="0">
+              <a:scrgbClr r="0" g="0" b="0"/>
+            </a:effectRef>
+            <a:fontRef idx="minor">
+              <a:schemeClr val="dk1">
+                <a:hueOff val="0"/>
+                <a:satOff val="0"/>
+                <a:lumOff val="0"/>
+                <a:alphaOff val="0"/>
+              </a:schemeClr>
+            </a:fontRef>
+          </p:style>
+          <p:txBody>
+            <a:bodyPr spcFirstLastPara="0" vert="horz" wrap="square" lIns="101346" tIns="101346" rIns="135128" bIns="152019" numCol="1" spcCol="1270" anchor="t" anchorCtr="0">
+              <a:noAutofit/>
+            </a:bodyPr>
+            <a:lstStyle/>
+            <a:p>
+              <a:pPr marL="171450" lvl="1" indent="-171450" defTabSz="844550">
+                <a:lnSpc>
+                  <a:spcPct val="90000"/>
+                </a:lnSpc>
+                <a:spcBef>
+                  <a:spcPct val="0"/>
+                </a:spcBef>
+                <a:spcAft>
+                  <a:spcPct val="15000"/>
+                </a:spcAft>
+                <a:buChar char="•"/>
+              </a:pPr>
+              <a:r>
+                <a:rPr lang="de-DE" altLang="zh-CN" sz="2000" dirty="0"/>
+                <a:t>limited</a:t>
+              </a:r>
+              <a:endParaRPr lang="en-GB" sz="1900" kern="1200" dirty="0"/>
+            </a:p>
+            <a:p>
+              <a:pPr marL="171450" lvl="1" indent="-171450" defTabSz="844550">
+                <a:lnSpc>
+                  <a:spcPct val="90000"/>
+                </a:lnSpc>
+                <a:spcBef>
+                  <a:spcPct val="0"/>
+                </a:spcBef>
+                <a:spcAft>
+                  <a:spcPct val="15000"/>
+                </a:spcAft>
+                <a:buChar char="•"/>
+              </a:pPr>
+              <a:r>
+                <a:rPr lang="de-DE" altLang="zh-CN" sz="2000" dirty="0"/>
+                <a:t>limited</a:t>
+              </a:r>
+              <a:r>
+                <a:rPr lang="en-US" altLang="zh-CN" sz="2000" dirty="0"/>
+                <a:t> </a:t>
+              </a:r>
+            </a:p>
+            <a:p>
+              <a:pPr marL="171450" lvl="1" indent="-171450" defTabSz="844550">
+                <a:lnSpc>
+                  <a:spcPct val="90000"/>
+                </a:lnSpc>
+                <a:spcBef>
+                  <a:spcPct val="0"/>
+                </a:spcBef>
+                <a:spcAft>
+                  <a:spcPct val="15000"/>
+                </a:spcAft>
+                <a:buChar char="•"/>
+              </a:pPr>
+              <a:r>
+                <a:rPr lang="en-US" altLang="zh-CN" sz="2000" dirty="0"/>
+                <a:t>slow</a:t>
+              </a:r>
+              <a:endParaRPr lang="en-GB" sz="1900" kern="1200" dirty="0"/>
+            </a:p>
+            <a:p>
+              <a:pPr marL="171450" lvl="1" indent="-171450" algn="l" defTabSz="844550">
+                <a:lnSpc>
+                  <a:spcPct val="90000"/>
+                </a:lnSpc>
+                <a:spcBef>
+                  <a:spcPct val="0"/>
+                </a:spcBef>
+                <a:spcAft>
+                  <a:spcPct val="15000"/>
+                </a:spcAft>
+                <a:buChar char="•"/>
+              </a:pPr>
+              <a:r>
+                <a:rPr lang="en-US" altLang="zh-CN" sz="1900" dirty="0"/>
+                <a:t>Not very enough</a:t>
+              </a:r>
+              <a:endParaRPr lang="en-GB" sz="1900" kern="1200" dirty="0"/>
+            </a:p>
+            <a:p>
+              <a:pPr marL="171450" lvl="1" indent="-171450" algn="l" defTabSz="844550">
+                <a:lnSpc>
+                  <a:spcPct val="90000"/>
+                </a:lnSpc>
+                <a:spcBef>
+                  <a:spcPct val="0"/>
+                </a:spcBef>
+                <a:spcAft>
+                  <a:spcPct val="15000"/>
+                </a:spcAft>
+                <a:buChar char="•"/>
+              </a:pPr>
+              <a:endParaRPr lang="en-GB" sz="1900" kern="1200" dirty="0"/>
+            </a:p>
+          </p:txBody>
+        </p:sp>
+      </p:grpSp>
     </p:spTree>
   </p:cSld>
   <p:clrMapOvr>
@@ -11895,6 +15641,53 @@
           <a:chExt cx="0" cy="0"/>
         </a:xfrm>
       </p:grpSpPr>
+      <p:pic>
+        <p:nvPicPr>
+          <p:cNvPr id="28" name="Picture 4" descr="Bildergebnis fÃ¼r Firefly uav">
+            <a:extLst>
+              <a:ext uri="{FF2B5EF4-FFF2-40B4-BE49-F238E27FC236}">
+                <a16:creationId xmlns:a16="http://schemas.microsoft.com/office/drawing/2014/main" id="{0D76452B-168E-4039-94A3-587E47096A10}"/>
+              </a:ext>
+            </a:extLst>
+          </p:cNvPr>
+          <p:cNvPicPr>
+            <a:picLocks noChangeAspect="1" noChangeArrowheads="1"/>
+          </p:cNvPicPr>
+          <p:nvPr/>
+        </p:nvPicPr>
+        <p:blipFill>
+          <a:blip r:embed="rId3">
+            <a:extLst>
+              <a:ext uri="{28A0092B-C50C-407E-A947-70E740481C1C}">
+                <a14:useLocalDpi xmlns:a14="http://schemas.microsoft.com/office/drawing/2010/main" val="0"/>
+              </a:ext>
+            </a:extLst>
+          </a:blip>
+          <a:srcRect/>
+          <a:stretch>
+            <a:fillRect/>
+          </a:stretch>
+        </p:blipFill>
+        <p:spPr bwMode="auto">
+          <a:xfrm>
+            <a:off x="129475" y="1504943"/>
+            <a:ext cx="2858984" cy="1612150"/>
+          </a:xfrm>
+          <a:prstGeom prst="rect">
+            <a:avLst/>
+          </a:prstGeom>
+          <a:noFill/>
+          <a:extLst>
+            <a:ext uri="{909E8E84-426E-40DD-AFC4-6F175D3DCCD1}">
+              <a14:hiddenFill xmlns:a14="http://schemas.microsoft.com/office/drawing/2010/main">
+                <a:solidFill>
+                  <a:srgbClr val="FFFFFF"/>
+                </a:solidFill>
+              </a14:hiddenFill>
+            </a:ext>
+          </a:extLst>
+        </p:spPr>
+      </p:pic>
       <p:sp>
         <p:nvSpPr>
           <p:cNvPr id="104" name="CustomShape 1"/>
@@ -11936,248 +15729,653 @@
           </a:p>
         </p:txBody>
       </p:sp>
+      <p:pic>
+        <p:nvPicPr>
+          <p:cNvPr id="8" name="图片 7"/>
+          <p:cNvPicPr>
+            <a:picLocks noChangeAspect="1"/>
+          </p:cNvPicPr>
+          <p:nvPr/>
+        </p:nvPicPr>
+        <p:blipFill>
+          <a:blip r:embed="rId4">
+            <a:extLst>
+              <a:ext uri="{28A0092B-C50C-407E-A947-70E740481C1C}">
+                <a14:useLocalDpi xmlns:a14="http://schemas.microsoft.com/office/drawing/2010/main" val="0"/>
+              </a:ext>
+            </a:extLst>
+          </a:blip>
+          <a:stretch>
+            <a:fillRect/>
+          </a:stretch>
+        </p:blipFill>
+        <p:spPr>
+          <a:xfrm>
+            <a:off x="1810388" y="1789203"/>
+            <a:ext cx="6222837" cy="4459280"/>
+          </a:xfrm>
+          <a:prstGeom prst="rect">
+            <a:avLst/>
+          </a:prstGeom>
+        </p:spPr>
+      </p:pic>
+      <p:cxnSp>
+        <p:nvCxnSpPr>
+          <p:cNvPr id="10" name="直接连接符 9"/>
+          <p:cNvCxnSpPr/>
+          <p:nvPr/>
+        </p:nvCxnSpPr>
+        <p:spPr>
+          <a:xfrm>
+            <a:off x="14439223" y="10611468"/>
+            <a:ext cx="0" cy="895598"/>
+          </a:xfrm>
+          <a:prstGeom prst="line">
+            <a:avLst/>
+          </a:prstGeom>
+          <a:ln w="9525" cap="flat" cmpd="sng" algn="ctr">
+            <a:solidFill>
+              <a:schemeClr val="dk1"/>
+            </a:solidFill>
+            <a:prstDash val="dash"/>
+            <a:round/>
+            <a:headEnd type="none" w="med" len="med"/>
+            <a:tailEnd type="none" w="med" len="med"/>
+          </a:ln>
+        </p:spPr>
+        <p:style>
+          <a:lnRef idx="0">
+            <a:scrgbClr r="0" g="0" b="0"/>
+          </a:lnRef>
+          <a:fillRef idx="0">
+            <a:scrgbClr r="0" g="0" b="0"/>
+          </a:fillRef>
+          <a:effectRef idx="0">
+            <a:scrgbClr r="0" g="0" b="0"/>
+          </a:effectRef>
+          <a:fontRef idx="minor">
+            <a:schemeClr val="tx1"/>
+          </a:fontRef>
+        </p:style>
+      </p:cxnSp>
       <p:sp>
         <p:nvSpPr>
-          <p:cNvPr id="105" name="CustomShape 2"/>
+          <p:cNvPr id="19" name="矩形 18"/>
           <p:cNvSpPr/>
           <p:nvPr/>
         </p:nvSpPr>
         <p:spPr>
           <a:xfrm>
-            <a:off x="360000" y="1620000"/>
-            <a:ext cx="6822720" cy="4479120"/>
+            <a:off x="6358063" y="3196874"/>
+            <a:ext cx="787672" cy="967055"/>
           </a:xfrm>
           <a:prstGeom prst="rect">
             <a:avLst/>
           </a:prstGeom>
           <a:noFill/>
-          <a:ln>
-            <a:noFill/>
+          <a:ln w="57150">
+            <a:solidFill>
+              <a:srgbClr val="C00000"/>
+            </a:solidFill>
           </a:ln>
         </p:spPr>
+        <p:style>
+          <a:lnRef idx="2">
+            <a:schemeClr val="accent1">
+              <a:shade val="50000"/>
+            </a:schemeClr>
+          </a:lnRef>
+          <a:fillRef idx="1">
+            <a:schemeClr val="accent1"/>
+          </a:fillRef>
+          <a:effectRef idx="0">
+            <a:schemeClr val="accent1"/>
+          </a:effectRef>
+          <a:fontRef idx="minor">
+            <a:schemeClr val="lt1"/>
+          </a:fontRef>
+        </p:style>
+        <p:txBody>
+          <a:bodyPr rtlCol="0" anchor="ctr"/>
+          <a:lstStyle/>
+          <a:p>
+            <a:pPr algn="ctr"/>
+            <a:endParaRPr lang="zh-CN" altLang="en-US" dirty="0">
+              <a:solidFill>
+                <a:schemeClr val="bg1"/>
+              </a:solidFill>
+            </a:endParaRPr>
+          </a:p>
+        </p:txBody>
       </p:sp>
-      <p:sp>
-        <p:nvSpPr>
-          <p:cNvPr id="4" name="Textplatzhalter 2">
+      <p:cxnSp>
+        <p:nvCxnSpPr>
+          <p:cNvPr id="12" name="直接连接符 11"/>
+          <p:cNvCxnSpPr>
+            <a:cxnSpLocks/>
+          </p:cNvCxnSpPr>
+          <p:nvPr/>
+        </p:nvCxnSpPr>
+        <p:spPr>
+          <a:xfrm>
+            <a:off x="6793468" y="4510018"/>
+            <a:ext cx="1927085" cy="0"/>
+          </a:xfrm>
+          <a:prstGeom prst="line">
+            <a:avLst/>
+          </a:prstGeom>
+          <a:ln w="9525" cap="flat" cmpd="sng" algn="ctr">
+            <a:solidFill>
+              <a:schemeClr val="dk1"/>
+            </a:solidFill>
+            <a:prstDash val="dash"/>
+            <a:round/>
+            <a:headEnd type="none" w="med" len="med"/>
+            <a:tailEnd type="none" w="med" len="med"/>
+          </a:ln>
+        </p:spPr>
+        <p:style>
+          <a:lnRef idx="0">
+            <a:scrgbClr r="0" g="0" b="0"/>
+          </a:lnRef>
+          <a:fillRef idx="0">
+            <a:scrgbClr r="0" g="0" b="0"/>
+          </a:fillRef>
+          <a:effectRef idx="0">
+            <a:scrgbClr r="0" g="0" b="0"/>
+          </a:effectRef>
+          <a:fontRef idx="minor">
+            <a:schemeClr val="tx1"/>
+          </a:fontRef>
+        </p:style>
+      </p:cxnSp>
+      <p:cxnSp>
+        <p:nvCxnSpPr>
+          <p:cNvPr id="16" name="直接连接符 15"/>
+          <p:cNvCxnSpPr/>
+          <p:nvPr/>
+        </p:nvCxnSpPr>
+        <p:spPr>
+          <a:xfrm>
+            <a:off x="6738144" y="1546910"/>
+            <a:ext cx="0" cy="4895571"/>
+          </a:xfrm>
+          <a:prstGeom prst="line">
+            <a:avLst/>
+          </a:prstGeom>
+          <a:ln w="9525" cap="flat" cmpd="sng" algn="ctr">
+            <a:solidFill>
+              <a:schemeClr val="dk1"/>
+            </a:solidFill>
+            <a:prstDash val="dash"/>
+            <a:round/>
+            <a:headEnd type="none" w="med" len="med"/>
+            <a:tailEnd type="none" w="med" len="med"/>
+          </a:ln>
+        </p:spPr>
+        <p:style>
+          <a:lnRef idx="0">
+            <a:scrgbClr r="0" g="0" b="0"/>
+          </a:lnRef>
+          <a:fillRef idx="0">
+            <a:scrgbClr r="0" g="0" b="0"/>
+          </a:fillRef>
+          <a:effectRef idx="0">
+            <a:scrgbClr r="0" g="0" b="0"/>
+          </a:effectRef>
+          <a:fontRef idx="minor">
+            <a:schemeClr val="tx1"/>
+          </a:fontRef>
+        </p:style>
+      </p:cxnSp>
+      <p:grpSp>
+        <p:nvGrpSpPr>
+          <p:cNvPr id="18" name="组合 17">
             <a:extLst>
               <a:ext uri="{FF2B5EF4-FFF2-40B4-BE49-F238E27FC236}">
-                <a16:creationId xmlns:a16="http://schemas.microsoft.com/office/drawing/2014/main" id="{04F97E2B-5BEB-4CDB-B4DB-D6BA9D3A4737}"/>
+                <a16:creationId xmlns:a16="http://schemas.microsoft.com/office/drawing/2014/main" id="{71417E6A-8AC5-4D5C-BE45-234EC21AAB56}"/>
               </a:ext>
             </a:extLst>
           </p:cNvPr>
-          <p:cNvSpPr txBox="1">
-            <a:spLocks/>
-          </p:cNvSpPr>
+          <p:cNvGrpSpPr/>
           <p:nvPr/>
-        </p:nvSpPr>
-        <p:spPr>
+        </p:nvGrpSpPr>
+        <p:grpSpPr>
           <a:xfrm>
-            <a:off x="457200" y="1604520"/>
-            <a:ext cx="8229240" cy="3977280"/>
+            <a:off x="367445" y="3889579"/>
+            <a:ext cx="1085136" cy="509699"/>
+            <a:chOff x="3288" y="1291966"/>
+            <a:chExt cx="1977147" cy="653800"/>
+          </a:xfrm>
+        </p:grpSpPr>
+        <p:sp>
+          <p:nvSpPr>
+            <p:cNvPr id="20" name="矩形 19">
+              <a:extLst>
+                <a:ext uri="{FF2B5EF4-FFF2-40B4-BE49-F238E27FC236}">
+                  <a16:creationId xmlns:a16="http://schemas.microsoft.com/office/drawing/2014/main" id="{4923F31B-CF97-4BB3-B91D-556467F0AFF1}"/>
+                </a:ext>
+              </a:extLst>
+            </p:cNvPr>
+            <p:cNvSpPr/>
+            <p:nvPr/>
+          </p:nvSpPr>
+          <p:spPr>
+            <a:xfrm>
+              <a:off x="3288" y="1291966"/>
+              <a:ext cx="1977147" cy="653800"/>
+            </a:xfrm>
+            <a:prstGeom prst="rect">
+              <a:avLst/>
+            </a:prstGeom>
+          </p:spPr>
+          <p:style>
+            <a:lnRef idx="2">
+              <a:schemeClr val="accent3">
+                <a:hueOff val="0"/>
+                <a:satOff val="0"/>
+                <a:lumOff val="0"/>
+                <a:alphaOff val="0"/>
+              </a:schemeClr>
+            </a:lnRef>
+            <a:fillRef idx="1">
+              <a:schemeClr val="accent3">
+                <a:hueOff val="0"/>
+                <a:satOff val="0"/>
+                <a:lumOff val="0"/>
+                <a:alphaOff val="0"/>
+              </a:schemeClr>
+            </a:fillRef>
+            <a:effectRef idx="0">
+              <a:schemeClr val="accent3">
+                <a:hueOff val="0"/>
+                <a:satOff val="0"/>
+                <a:lumOff val="0"/>
+                <a:alphaOff val="0"/>
+              </a:schemeClr>
+            </a:effectRef>
+            <a:fontRef idx="minor">
+              <a:schemeClr val="lt1"/>
+            </a:fontRef>
+          </p:style>
+        </p:sp>
+        <p:sp>
+          <p:nvSpPr>
+            <p:cNvPr id="21" name="文本框 20">
+              <a:extLst>
+                <a:ext uri="{FF2B5EF4-FFF2-40B4-BE49-F238E27FC236}">
+                  <a16:creationId xmlns:a16="http://schemas.microsoft.com/office/drawing/2014/main" id="{9E597A7D-B044-4810-906E-1802511AF35F}"/>
+                </a:ext>
+              </a:extLst>
+            </p:cNvPr>
+            <p:cNvSpPr txBox="1"/>
+            <p:nvPr/>
+          </p:nvSpPr>
+          <p:spPr>
+            <a:xfrm>
+              <a:off x="3288" y="1291966"/>
+              <a:ext cx="1977147" cy="653800"/>
+            </a:xfrm>
+            <a:prstGeom prst="rect">
+              <a:avLst/>
+            </a:prstGeom>
+          </p:spPr>
+          <p:style>
+            <a:lnRef idx="0">
+              <a:scrgbClr r="0" g="0" b="0"/>
+            </a:lnRef>
+            <a:fillRef idx="0">
+              <a:scrgbClr r="0" g="0" b="0"/>
+            </a:fillRef>
+            <a:effectRef idx="0">
+              <a:scrgbClr r="0" g="0" b="0"/>
+            </a:effectRef>
+            <a:fontRef idx="minor">
+              <a:schemeClr val="lt1"/>
+            </a:fontRef>
+          </p:style>
+          <p:txBody>
+            <a:bodyPr spcFirstLastPara="0" vert="horz" wrap="square" lIns="135128" tIns="77216" rIns="135128" bIns="77216" numCol="1" spcCol="1270" anchor="ctr" anchorCtr="0">
+              <a:noAutofit/>
+            </a:bodyPr>
+            <a:lstStyle/>
+            <a:p>
+              <a:pPr marL="0" lvl="0" indent="0" algn="ctr" defTabSz="844550">
+                <a:lnSpc>
+                  <a:spcPct val="90000"/>
+                </a:lnSpc>
+                <a:spcBef>
+                  <a:spcPct val="0"/>
+                </a:spcBef>
+                <a:spcAft>
+                  <a:spcPct val="35000"/>
+                </a:spcAft>
+                <a:buNone/>
+              </a:pPr>
+              <a:r>
+                <a:rPr lang="en-GB" sz="1900" kern="1200" dirty="0"/>
+                <a:t>UAV</a:t>
+              </a:r>
+            </a:p>
+          </p:txBody>
+        </p:sp>
+      </p:grpSp>
+      <p:grpSp>
+        <p:nvGrpSpPr>
+          <p:cNvPr id="22" name="组合 21">
+            <a:extLst>
+              <a:ext uri="{FF2B5EF4-FFF2-40B4-BE49-F238E27FC236}">
+                <a16:creationId xmlns:a16="http://schemas.microsoft.com/office/drawing/2014/main" id="{BF985023-0BA6-4DB5-BAED-E4206B82F4D6}"/>
+              </a:ext>
+            </a:extLst>
+          </p:cNvPr>
+          <p:cNvGrpSpPr/>
+          <p:nvPr/>
+        </p:nvGrpSpPr>
+        <p:grpSpPr>
+          <a:xfrm>
+            <a:off x="7386267" y="5801407"/>
+            <a:ext cx="1511230" cy="513280"/>
+            <a:chOff x="3288" y="1291966"/>
+            <a:chExt cx="1977147" cy="653800"/>
+          </a:xfrm>
+        </p:grpSpPr>
+        <p:sp>
+          <p:nvSpPr>
+            <p:cNvPr id="23" name="矩形 22">
+              <a:extLst>
+                <a:ext uri="{FF2B5EF4-FFF2-40B4-BE49-F238E27FC236}">
+                  <a16:creationId xmlns:a16="http://schemas.microsoft.com/office/drawing/2014/main" id="{81CBA676-E5B6-4274-A9FA-66C3E0F86E5E}"/>
+                </a:ext>
+              </a:extLst>
+            </p:cNvPr>
+            <p:cNvSpPr/>
+            <p:nvPr/>
+          </p:nvSpPr>
+          <p:spPr>
+            <a:xfrm>
+              <a:off x="3288" y="1291966"/>
+              <a:ext cx="1977147" cy="653800"/>
+            </a:xfrm>
+            <a:prstGeom prst="rect">
+              <a:avLst/>
+            </a:prstGeom>
+          </p:spPr>
+          <p:style>
+            <a:lnRef idx="2">
+              <a:schemeClr val="accent3">
+                <a:hueOff val="0"/>
+                <a:satOff val="0"/>
+                <a:lumOff val="0"/>
+                <a:alphaOff val="0"/>
+              </a:schemeClr>
+            </a:lnRef>
+            <a:fillRef idx="1">
+              <a:schemeClr val="accent3">
+                <a:hueOff val="0"/>
+                <a:satOff val="0"/>
+                <a:lumOff val="0"/>
+                <a:alphaOff val="0"/>
+              </a:schemeClr>
+            </a:fillRef>
+            <a:effectRef idx="0">
+              <a:schemeClr val="accent3">
+                <a:hueOff val="0"/>
+                <a:satOff val="0"/>
+                <a:lumOff val="0"/>
+                <a:alphaOff val="0"/>
+              </a:schemeClr>
+            </a:effectRef>
+            <a:fontRef idx="minor">
+              <a:schemeClr val="lt1"/>
+            </a:fontRef>
+          </p:style>
+        </p:sp>
+        <p:sp>
+          <p:nvSpPr>
+            <p:cNvPr id="24" name="文本框 23">
+              <a:extLst>
+                <a:ext uri="{FF2B5EF4-FFF2-40B4-BE49-F238E27FC236}">
+                  <a16:creationId xmlns:a16="http://schemas.microsoft.com/office/drawing/2014/main" id="{DF3F8FB3-F23E-4726-B2C4-7B66CBAC4B54}"/>
+                </a:ext>
+              </a:extLst>
+            </p:cNvPr>
+            <p:cNvSpPr txBox="1"/>
+            <p:nvPr/>
+          </p:nvSpPr>
+          <p:spPr>
+            <a:xfrm>
+              <a:off x="3288" y="1291966"/>
+              <a:ext cx="1977147" cy="653800"/>
+            </a:xfrm>
+            <a:prstGeom prst="rect">
+              <a:avLst/>
+            </a:prstGeom>
+          </p:spPr>
+          <p:style>
+            <a:lnRef idx="0">
+              <a:scrgbClr r="0" g="0" b="0"/>
+            </a:lnRef>
+            <a:fillRef idx="0">
+              <a:scrgbClr r="0" g="0" b="0"/>
+            </a:fillRef>
+            <a:effectRef idx="0">
+              <a:scrgbClr r="0" g="0" b="0"/>
+            </a:effectRef>
+            <a:fontRef idx="minor">
+              <a:schemeClr val="lt1"/>
+            </a:fontRef>
+          </p:style>
+          <p:txBody>
+            <a:bodyPr spcFirstLastPara="0" vert="horz" wrap="square" lIns="135128" tIns="77216" rIns="135128" bIns="77216" numCol="1" spcCol="1270" anchor="ctr" anchorCtr="0">
+              <a:noAutofit/>
+            </a:bodyPr>
+            <a:lstStyle/>
+            <a:p>
+              <a:pPr marL="0" lvl="0" indent="0" algn="ctr" defTabSz="844550">
+                <a:lnSpc>
+                  <a:spcPct val="90000"/>
+                </a:lnSpc>
+                <a:spcBef>
+                  <a:spcPct val="0"/>
+                </a:spcBef>
+                <a:spcAft>
+                  <a:spcPct val="35000"/>
+                </a:spcAft>
+                <a:buNone/>
+              </a:pPr>
+              <a:r>
+                <a:rPr lang="en-GB" sz="1900" dirty="0"/>
+                <a:t>Sensors</a:t>
+              </a:r>
+              <a:endParaRPr lang="en-GB" sz="1900" kern="1200" dirty="0"/>
+            </a:p>
+          </p:txBody>
+        </p:sp>
+      </p:grpSp>
+      <p:grpSp>
+        <p:nvGrpSpPr>
+          <p:cNvPr id="25" name="组合 24">
+            <a:extLst>
+              <a:ext uri="{FF2B5EF4-FFF2-40B4-BE49-F238E27FC236}">
+                <a16:creationId xmlns:a16="http://schemas.microsoft.com/office/drawing/2014/main" id="{0220BECA-08F2-4AD9-9B69-1A26AC581ECA}"/>
+              </a:ext>
+            </a:extLst>
+          </p:cNvPr>
+          <p:cNvGrpSpPr/>
+          <p:nvPr/>
+        </p:nvGrpSpPr>
+        <p:grpSpPr>
+          <a:xfrm>
+            <a:off x="7054874" y="1648012"/>
+            <a:ext cx="1511229" cy="780939"/>
+            <a:chOff x="3288" y="1291966"/>
+            <a:chExt cx="1977147" cy="653800"/>
+          </a:xfrm>
+        </p:grpSpPr>
+        <p:sp>
+          <p:nvSpPr>
+            <p:cNvPr id="26" name="矩形 25">
+              <a:extLst>
+                <a:ext uri="{FF2B5EF4-FFF2-40B4-BE49-F238E27FC236}">
+                  <a16:creationId xmlns:a16="http://schemas.microsoft.com/office/drawing/2014/main" id="{FC16A95B-4241-41B9-BFB2-01FE1283CE77}"/>
+                </a:ext>
+              </a:extLst>
+            </p:cNvPr>
+            <p:cNvSpPr/>
+            <p:nvPr/>
+          </p:nvSpPr>
+          <p:spPr>
+            <a:xfrm>
+              <a:off x="3288" y="1291966"/>
+              <a:ext cx="1977147" cy="653800"/>
+            </a:xfrm>
+            <a:prstGeom prst="rect">
+              <a:avLst/>
+            </a:prstGeom>
+          </p:spPr>
+          <p:style>
+            <a:lnRef idx="2">
+              <a:schemeClr val="accent3">
+                <a:hueOff val="0"/>
+                <a:satOff val="0"/>
+                <a:lumOff val="0"/>
+                <a:alphaOff val="0"/>
+              </a:schemeClr>
+            </a:lnRef>
+            <a:fillRef idx="1">
+              <a:schemeClr val="accent3">
+                <a:hueOff val="0"/>
+                <a:satOff val="0"/>
+                <a:lumOff val="0"/>
+                <a:alphaOff val="0"/>
+              </a:schemeClr>
+            </a:fillRef>
+            <a:effectRef idx="0">
+              <a:schemeClr val="accent3">
+                <a:hueOff val="0"/>
+                <a:satOff val="0"/>
+                <a:lumOff val="0"/>
+                <a:alphaOff val="0"/>
+              </a:schemeClr>
+            </a:effectRef>
+            <a:fontRef idx="minor">
+              <a:schemeClr val="lt1"/>
+            </a:fontRef>
+          </p:style>
+        </p:sp>
+        <p:sp>
+          <p:nvSpPr>
+            <p:cNvPr id="27" name="文本框 26">
+              <a:extLst>
+                <a:ext uri="{FF2B5EF4-FFF2-40B4-BE49-F238E27FC236}">
+                  <a16:creationId xmlns:a16="http://schemas.microsoft.com/office/drawing/2014/main" id="{AC696439-72CB-4FA9-93AD-40687E2FEBF1}"/>
+                </a:ext>
+              </a:extLst>
+            </p:cNvPr>
+            <p:cNvSpPr txBox="1"/>
+            <p:nvPr/>
+          </p:nvSpPr>
+          <p:spPr>
+            <a:xfrm>
+              <a:off x="3288" y="1291966"/>
+              <a:ext cx="1977147" cy="653800"/>
+            </a:xfrm>
+            <a:prstGeom prst="rect">
+              <a:avLst/>
+            </a:prstGeom>
+          </p:spPr>
+          <p:style>
+            <a:lnRef idx="0">
+              <a:scrgbClr r="0" g="0" b="0"/>
+            </a:lnRef>
+            <a:fillRef idx="0">
+              <a:scrgbClr r="0" g="0" b="0"/>
+            </a:fillRef>
+            <a:effectRef idx="0">
+              <a:scrgbClr r="0" g="0" b="0"/>
+            </a:effectRef>
+            <a:fontRef idx="minor">
+              <a:schemeClr val="lt1"/>
+            </a:fontRef>
+          </p:style>
+          <p:txBody>
+            <a:bodyPr spcFirstLastPara="0" vert="horz" wrap="square" lIns="135128" tIns="77216" rIns="135128" bIns="77216" numCol="1" spcCol="1270" anchor="ctr" anchorCtr="0">
+              <a:noAutofit/>
+            </a:bodyPr>
+            <a:lstStyle/>
+            <a:p>
+              <a:pPr marL="0" lvl="0" indent="0" algn="ctr" defTabSz="844550">
+                <a:lnSpc>
+                  <a:spcPct val="90000"/>
+                </a:lnSpc>
+                <a:spcBef>
+                  <a:spcPct val="0"/>
+                </a:spcBef>
+                <a:spcAft>
+                  <a:spcPct val="35000"/>
+                </a:spcAft>
+                <a:buNone/>
+              </a:pPr>
+              <a:r>
+                <a:rPr lang="en-GB" sz="1900" kern="1200" dirty="0"/>
+                <a:t>Additional Processor</a:t>
+              </a:r>
+            </a:p>
+          </p:txBody>
+        </p:sp>
+      </p:grpSp>
+      <p:pic>
+        <p:nvPicPr>
+          <p:cNvPr id="29" name="Picture 6" descr="Bildergebnis fÃ¼r nucleo 144">
+            <a:extLst>
+              <a:ext uri="{FF2B5EF4-FFF2-40B4-BE49-F238E27FC236}">
+                <a16:creationId xmlns:a16="http://schemas.microsoft.com/office/drawing/2014/main" id="{401A97C0-289E-463B-9108-5A73309B0608}"/>
+              </a:ext>
+            </a:extLst>
+          </p:cNvPr>
+          <p:cNvPicPr>
+            <a:picLocks noChangeAspect="1" noChangeArrowheads="1"/>
+          </p:cNvPicPr>
+          <p:nvPr/>
+        </p:nvPicPr>
+        <p:blipFill>
+          <a:blip r:embed="rId5" cstate="hqprint">
+            <a:extLst>
+              <a:ext uri="{28A0092B-C50C-407E-A947-70E740481C1C}">
+                <a14:useLocalDpi xmlns:a14="http://schemas.microsoft.com/office/drawing/2010/main" val="0"/>
+              </a:ext>
+            </a:extLst>
+          </a:blip>
+          <a:srcRect/>
+          <a:stretch>
+            <a:fillRect/>
+          </a:stretch>
+        </p:blipFill>
+        <p:spPr bwMode="auto">
+          <a:xfrm>
+            <a:off x="8093842" y="2771306"/>
+            <a:ext cx="803655" cy="1548468"/>
           </a:xfrm>
           <a:prstGeom prst="rect">
             <a:avLst/>
           </a:prstGeom>
+          <a:noFill/>
+          <a:extLst>
+            <a:ext uri="{909E8E84-426E-40DD-AFC4-6F175D3DCCD1}">
+              <a14:hiddenFill xmlns:a14="http://schemas.microsoft.com/office/drawing/2010/main">
+                <a:solidFill>
+                  <a:srgbClr val="FFFFFF"/>
+                </a:solidFill>
+              </a14:hiddenFill>
+            </a:ext>
+          </a:extLst>
         </p:spPr>
-        <p:txBody>
-          <a:bodyPr/>
-          <a:lstStyle>
-            <a:lvl1pPr marL="228600" indent="-228600" algn="l" defTabSz="914400" rtl="0" eaLnBrk="1" latinLnBrk="0" hangingPunct="1">
-              <a:lnSpc>
-                <a:spcPct val="90000"/>
-              </a:lnSpc>
-              <a:spcBef>
-                <a:spcPts val="1000"/>
-              </a:spcBef>
-              <a:buFont typeface="Arial" panose="020B0604020202020204" pitchFamily="34" charset="0"/>
-              <a:buChar char="•"/>
-              <a:defRPr sz="2800" kern="1200">
-                <a:solidFill>
-                  <a:schemeClr val="tx1"/>
-                </a:solidFill>
-                <a:latin typeface="+mn-lt"/>
-                <a:ea typeface="+mn-ea"/>
-                <a:cs typeface="+mn-cs"/>
-              </a:defRPr>
-            </a:lvl1pPr>
-            <a:lvl2pPr marL="685800" indent="-228600" algn="l" defTabSz="914400" rtl="0" eaLnBrk="1" latinLnBrk="0" hangingPunct="1">
-              <a:lnSpc>
-                <a:spcPct val="90000"/>
-              </a:lnSpc>
-              <a:spcBef>
-                <a:spcPts val="500"/>
-              </a:spcBef>
-              <a:buFont typeface="Arial" panose="020B0604020202020204" pitchFamily="34" charset="0"/>
-              <a:buChar char="•"/>
-              <a:defRPr sz="2400" kern="1200">
-                <a:solidFill>
-                  <a:schemeClr val="tx1"/>
-                </a:solidFill>
-                <a:latin typeface="+mn-lt"/>
-                <a:ea typeface="+mn-ea"/>
-                <a:cs typeface="+mn-cs"/>
-              </a:defRPr>
-            </a:lvl2pPr>
-            <a:lvl3pPr marL="1143000" indent="-228600" algn="l" defTabSz="914400" rtl="0" eaLnBrk="1" latinLnBrk="0" hangingPunct="1">
-              <a:lnSpc>
-                <a:spcPct val="90000"/>
-              </a:lnSpc>
-              <a:spcBef>
-                <a:spcPts val="500"/>
-              </a:spcBef>
-              <a:buFont typeface="Arial" panose="020B0604020202020204" pitchFamily="34" charset="0"/>
-              <a:buChar char="•"/>
-              <a:defRPr sz="2000" kern="1200">
-                <a:solidFill>
-                  <a:schemeClr val="tx1"/>
-                </a:solidFill>
-                <a:latin typeface="+mn-lt"/>
-                <a:ea typeface="+mn-ea"/>
-                <a:cs typeface="+mn-cs"/>
-              </a:defRPr>
-            </a:lvl3pPr>
-            <a:lvl4pPr marL="1600200" indent="-228600" algn="l" defTabSz="914400" rtl="0" eaLnBrk="1" latinLnBrk="0" hangingPunct="1">
-              <a:lnSpc>
-                <a:spcPct val="90000"/>
-              </a:lnSpc>
-              <a:spcBef>
-                <a:spcPts val="500"/>
-              </a:spcBef>
-              <a:buFont typeface="Arial" panose="020B0604020202020204" pitchFamily="34" charset="0"/>
-              <a:buChar char="•"/>
-              <a:defRPr sz="1800" kern="1200">
-                <a:solidFill>
-                  <a:schemeClr val="tx1"/>
-                </a:solidFill>
-                <a:latin typeface="+mn-lt"/>
-                <a:ea typeface="+mn-ea"/>
-                <a:cs typeface="+mn-cs"/>
-              </a:defRPr>
-            </a:lvl4pPr>
-            <a:lvl5pPr marL="2057400" indent="-228600" algn="l" defTabSz="914400" rtl="0" eaLnBrk="1" latinLnBrk="0" hangingPunct="1">
-              <a:lnSpc>
-                <a:spcPct val="90000"/>
-              </a:lnSpc>
-              <a:spcBef>
-                <a:spcPts val="500"/>
-              </a:spcBef>
-              <a:buFont typeface="Arial" panose="020B0604020202020204" pitchFamily="34" charset="0"/>
-              <a:buChar char="•"/>
-              <a:defRPr sz="1800" kern="1200">
-                <a:solidFill>
-                  <a:schemeClr val="tx1"/>
-                </a:solidFill>
-                <a:latin typeface="+mn-lt"/>
-                <a:ea typeface="+mn-ea"/>
-                <a:cs typeface="+mn-cs"/>
-              </a:defRPr>
-            </a:lvl5pPr>
-            <a:lvl6pPr marL="2514600" indent="-228600" algn="l" defTabSz="914400" rtl="0" eaLnBrk="1" latinLnBrk="0" hangingPunct="1">
-              <a:lnSpc>
-                <a:spcPct val="90000"/>
-              </a:lnSpc>
-              <a:spcBef>
-                <a:spcPts val="500"/>
-              </a:spcBef>
-              <a:buFont typeface="Arial" panose="020B0604020202020204" pitchFamily="34" charset="0"/>
-              <a:buChar char="•"/>
-              <a:defRPr sz="1800" kern="1200">
-                <a:solidFill>
-                  <a:schemeClr val="tx1"/>
-                </a:solidFill>
-                <a:latin typeface="+mn-lt"/>
-                <a:ea typeface="+mn-ea"/>
-                <a:cs typeface="+mn-cs"/>
-              </a:defRPr>
-            </a:lvl6pPr>
-            <a:lvl7pPr marL="2971800" indent="-228600" algn="l" defTabSz="914400" rtl="0" eaLnBrk="1" latinLnBrk="0" hangingPunct="1">
-              <a:lnSpc>
-                <a:spcPct val="90000"/>
-              </a:lnSpc>
-              <a:spcBef>
-                <a:spcPts val="500"/>
-              </a:spcBef>
-              <a:buFont typeface="Arial" panose="020B0604020202020204" pitchFamily="34" charset="0"/>
-              <a:buChar char="•"/>
-              <a:defRPr sz="1800" kern="1200">
-                <a:solidFill>
-                  <a:schemeClr val="tx1"/>
-                </a:solidFill>
-                <a:latin typeface="+mn-lt"/>
-                <a:ea typeface="+mn-ea"/>
-                <a:cs typeface="+mn-cs"/>
-              </a:defRPr>
-            </a:lvl7pPr>
-            <a:lvl8pPr marL="3429000" indent="-228600" algn="l" defTabSz="914400" rtl="0" eaLnBrk="1" latinLnBrk="0" hangingPunct="1">
-              <a:lnSpc>
-                <a:spcPct val="90000"/>
-              </a:lnSpc>
-              <a:spcBef>
-                <a:spcPts val="500"/>
-              </a:spcBef>
-              <a:buFont typeface="Arial" panose="020B0604020202020204" pitchFamily="34" charset="0"/>
-              <a:buChar char="•"/>
-              <a:defRPr sz="1800" kern="1200">
-                <a:solidFill>
-                  <a:schemeClr val="tx1"/>
-                </a:solidFill>
-                <a:latin typeface="+mn-lt"/>
-                <a:ea typeface="+mn-ea"/>
-                <a:cs typeface="+mn-cs"/>
-              </a:defRPr>
-            </a:lvl8pPr>
-            <a:lvl9pPr marL="3886200" indent="-228600" algn="l" defTabSz="914400" rtl="0" eaLnBrk="1" latinLnBrk="0" hangingPunct="1">
-              <a:lnSpc>
-                <a:spcPct val="90000"/>
-              </a:lnSpc>
-              <a:spcBef>
-                <a:spcPts val="500"/>
-              </a:spcBef>
-              <a:buFont typeface="Arial" panose="020B0604020202020204" pitchFamily="34" charset="0"/>
-              <a:buChar char="•"/>
-              <a:defRPr sz="1800" kern="1200">
-                <a:solidFill>
-                  <a:schemeClr val="tx1"/>
-                </a:solidFill>
-                <a:latin typeface="+mn-lt"/>
-                <a:ea typeface="+mn-ea"/>
-                <a:cs typeface="+mn-cs"/>
-              </a:defRPr>
-            </a:lvl9pPr>
-          </a:lstStyle>
-          <a:p>
-            <a:r>
-              <a:rPr lang="de-DE" dirty="0"/>
-              <a:t>Description </a:t>
-            </a:r>
-            <a:r>
-              <a:rPr lang="de-DE" dirty="0" err="1"/>
-              <a:t>of</a:t>
-            </a:r>
-            <a:r>
-              <a:rPr lang="de-DE" dirty="0"/>
-              <a:t> </a:t>
-            </a:r>
-            <a:r>
-              <a:rPr lang="de-DE" dirty="0" err="1"/>
-              <a:t>FireFly</a:t>
-            </a:r>
-            <a:r>
-              <a:rPr lang="de-DE" dirty="0"/>
-              <a:t> &amp; </a:t>
-            </a:r>
-            <a:r>
-              <a:rPr lang="de-DE" dirty="0" err="1"/>
-              <a:t>Nucleo</a:t>
-            </a:r>
-            <a:endParaRPr lang="de-DE" dirty="0"/>
-          </a:p>
-        </p:txBody>
-      </p:sp>
+      </p:pic>
     </p:spTree>
     <p:extLst>
       <p:ext uri="{BB962C8B-B14F-4D97-AF65-F5344CB8AC3E}">
-        <p14:creationId xmlns:p14="http://schemas.microsoft.com/office/powerpoint/2010/main" val="100935333"/>
+        <p14:creationId xmlns:p14="http://schemas.microsoft.com/office/powerpoint/2010/main" val="623641488"/>
       </p:ext>
     </p:extLst>
   </p:cSld>
@@ -19566,6 +23764,110 @@
                       </p:childTnLst>
                     </p:cTn>
                   </p:par>
+                  <p:par>
+                    <p:cTn id="172" fill="hold">
+                      <p:stCondLst>
+                        <p:cond delay="indefinite"/>
+                      </p:stCondLst>
+                      <p:childTnLst>
+                        <p:par>
+                          <p:cTn id="173" fill="hold">
+                            <p:stCondLst>
+                              <p:cond delay="0"/>
+                            </p:stCondLst>
+                            <p:childTnLst>
+                              <p:par>
+                                <p:cTn id="174" presetID="10" presetClass="entr" presetSubtype="0" fill="hold" nodeType="clickEffect">
+                                  <p:stCondLst>
+                                    <p:cond delay="0"/>
+                                  </p:stCondLst>
+                                  <p:childTnLst>
+                                    <p:set>
+                                      <p:cBhvr>
+                                        <p:cTn id="175" dur="1" fill="hold">
+                                          <p:stCondLst>
+                                            <p:cond delay="0"/>
+                                          </p:stCondLst>
+                                        </p:cTn>
+                                        <p:tgtEl>
+                                          <p:spTgt spid="4">
+                                            <p:txEl>
+                                              <p:pRg st="7" end="7"/>
+                                            </p:txEl>
+                                          </p:spTgt>
+                                        </p:tgtEl>
+                                        <p:attrNameLst>
+                                          <p:attrName>style.visibility</p:attrName>
+                                        </p:attrNameLst>
+                                      </p:cBhvr>
+                                      <p:to>
+                                        <p:strVal val="visible"/>
+                                      </p:to>
+                                    </p:set>
+                                    <p:animEffect transition="in" filter="fade">
+                                      <p:cBhvr>
+                                        <p:cTn id="176" dur="500"/>
+                                        <p:tgtEl>
+                                          <p:spTgt spid="4">
+                                            <p:txEl>
+                                              <p:pRg st="7" end="7"/>
+                                            </p:txEl>
+                                          </p:spTgt>
+                                        </p:tgtEl>
+                                      </p:cBhvr>
+                                    </p:animEffect>
+                                  </p:childTnLst>
+                                </p:cTn>
+                              </p:par>
+                              <p:par>
+                                <p:cTn id="177" presetID="10" presetClass="entr" presetSubtype="0" fill="hold" nodeType="withEffect">
+                                  <p:stCondLst>
+                                    <p:cond delay="0"/>
+                                  </p:stCondLst>
+                                  <p:childTnLst>
+                                    <p:set>
+                                      <p:cBhvr>
+                                        <p:cTn id="178" dur="1" fill="hold">
+                                          <p:stCondLst>
+                                            <p:cond delay="0"/>
+                                          </p:stCondLst>
+                                        </p:cTn>
+                                        <p:tgtEl>
+                                          <p:spTgt spid="4">
+                                            <p:txEl>
+                                              <p:pRg st="8" end="8"/>
+                                            </p:txEl>
+                                          </p:spTgt>
+                                        </p:tgtEl>
+                                        <p:attrNameLst>
+                                          <p:attrName>style.visibility</p:attrName>
+                                        </p:attrNameLst>
+                                      </p:cBhvr>
+                                      <p:to>
+                                        <p:strVal val="visible"/>
+                                      </p:to>
+                                    </p:set>
+                                    <p:animEffect transition="in" filter="fade">
+                                      <p:cBhvr>
+                                        <p:cTn id="179" dur="500"/>
+                                        <p:tgtEl>
+                                          <p:spTgt spid="4">
+                                            <p:txEl>
+                                              <p:pRg st="8" end="8"/>
+                                            </p:txEl>
+                                          </p:spTgt>
+                                        </p:tgtEl>
+                                      </p:cBhvr>
+                                    </p:animEffect>
+                                  </p:childTnLst>
+                                </p:cTn>
+                              </p:par>
+                            </p:childTnLst>
+                          </p:cTn>
+                        </p:par>
+                      </p:childTnLst>
+                    </p:cTn>
+                  </p:par>
                 </p:childTnLst>
               </p:cTn>
               <p:prevCondLst>
@@ -19659,7 +23961,7 @@
       </p:grpSpPr>
       <p:sp>
         <p:nvSpPr>
-          <p:cNvPr id="104" name="CustomShape 1"/>
+          <p:cNvPr id="102" name="CustomShape 1"/>
           <p:cNvSpPr/>
           <p:nvPr/>
         </p:nvSpPr>
@@ -19686,30 +23988,47 @@
               </a:lnSpc>
             </a:pPr>
             <a:r>
-              <a:rPr lang="en-GB" sz="2400" b="1" dirty="0" err="1">
+              <a:rPr lang="de-DE" sz="2400" b="1">
                 <a:solidFill>
                   <a:srgbClr val="000000"/>
                 </a:solidFill>
-                <a:latin typeface="Arial"/>
+                <a:latin typeface="Arial" panose="020B0604020202020204"/>
               </a:rPr>
-              <a:t>Protocoldesign</a:t>
-            </a:r>
-            <a:r>
-              <a:rPr lang="en-GB" sz="2400" b="1" dirty="0">
+              <a:t>Evaluation </a:t>
+            </a:r>
+            <a:r>
+              <a:rPr lang="en-US" altLang="de-DE" sz="2400" b="1">
                 <a:solidFill>
                   <a:srgbClr val="000000"/>
                 </a:solidFill>
-                <a:latin typeface="Arial"/>
+                <a:latin typeface="Arial" panose="020B0604020202020204"/>
               </a:rPr>
-              <a:t> - Results</a:t>
-            </a:r>
-            <a:endParaRPr lang="en-GB" dirty="0"/>
+              <a:t>S</a:t>
+            </a:r>
+            <a:r>
+              <a:rPr lang="de-DE" sz="2400" b="1">
+                <a:solidFill>
+                  <a:srgbClr val="000000"/>
+                </a:solidFill>
+                <a:latin typeface="Arial" panose="020B0604020202020204"/>
+              </a:rPr>
+              <a:t>tandard</a:t>
+            </a:r>
+            <a:r>
+              <a:rPr lang="en-US" altLang="de-DE" sz="2400" b="1">
+                <a:solidFill>
+                  <a:srgbClr val="000000"/>
+                </a:solidFill>
+                <a:latin typeface="Arial" panose="020B0604020202020204"/>
+              </a:rPr>
+              <a:t>s</a:t>
+            </a:r>
           </a:p>
         </p:txBody>
       </p:sp>
       <p:sp>
         <p:nvSpPr>
-          <p:cNvPr id="105" name="CustomShape 2"/>
+          <p:cNvPr id="103" name="CustomShape 2"/>
           <p:cNvSpPr/>
           <p:nvPr/>
         </p:nvSpPr>
@@ -19729,258 +24048,494 @@
       </p:sp>
       <p:sp>
         <p:nvSpPr>
-          <p:cNvPr id="4" name="Textplatzhalter 2">
-            <a:extLst>
-              <a:ext uri="{FF2B5EF4-FFF2-40B4-BE49-F238E27FC236}">
-                <a16:creationId xmlns:a16="http://schemas.microsoft.com/office/drawing/2014/main" id="{04F97E2B-5BEB-4CDB-B4DB-D6BA9D3A4737}"/>
-              </a:ext>
-            </a:extLst>
-          </p:cNvPr>
-          <p:cNvSpPr txBox="1">
-            <a:spLocks/>
-          </p:cNvSpPr>
+          <p:cNvPr id="3" name="文本框 2"/>
+          <p:cNvSpPr txBox="1"/>
           <p:nvPr/>
         </p:nvSpPr>
         <p:spPr>
           <a:xfrm>
-            <a:off x="457200" y="1604520"/>
-            <a:ext cx="8229240" cy="3977280"/>
+            <a:off x="413385" y="1819275"/>
+            <a:ext cx="8047355" cy="4810760"/>
           </a:xfrm>
           <a:prstGeom prst="rect">
             <a:avLst/>
           </a:prstGeom>
+          <a:noFill/>
         </p:spPr>
         <p:txBody>
-          <a:bodyPr/>
-          <a:lstStyle>
-            <a:lvl1pPr marL="228600" indent="-228600" algn="l" defTabSz="914400" rtl="0" eaLnBrk="1" latinLnBrk="0" hangingPunct="1">
+          <a:bodyPr wrap="square" rtlCol="0">
+            <a:spAutoFit/>
+          </a:bodyPr>
+          <a:lstStyle/>
+          <a:p>
+            <a:pPr marL="285750" indent="-285750" fontAlgn="auto">
               <a:lnSpc>
-                <a:spcPct val="90000"/>
+                <a:spcPts val="3680"/>
               </a:lnSpc>
-              <a:spcBef>
-                <a:spcPts val="1000"/>
-              </a:spcBef>
               <a:buFont typeface="Arial" panose="020B0604020202020204" pitchFamily="34" charset="0"/>
               <a:buChar char="•"/>
-              <a:defRPr sz="2800" kern="1200">
-                <a:solidFill>
-                  <a:schemeClr val="tx1"/>
-                </a:solidFill>
-                <a:latin typeface="+mn-lt"/>
-                <a:ea typeface="+mn-ea"/>
-                <a:cs typeface="+mn-cs"/>
-              </a:defRPr>
-            </a:lvl1pPr>
-            <a:lvl2pPr marL="685800" indent="-228600" algn="l" defTabSz="914400" rtl="0" eaLnBrk="1" latinLnBrk="0" hangingPunct="1">
+            </a:pPr>
+            <a:r>
+              <a:rPr lang="en-US" altLang="zh-CN" sz="2800"/>
+              <a:t>Conformity</a:t>
+            </a:r>
+          </a:p>
+          <a:p>
+            <a:pPr marL="285750" indent="-285750" fontAlgn="auto">
               <a:lnSpc>
-                <a:spcPct val="90000"/>
+                <a:spcPts val="3680"/>
               </a:lnSpc>
-              <a:spcBef>
-                <a:spcPts val="500"/>
-              </a:spcBef>
               <a:buFont typeface="Arial" panose="020B0604020202020204" pitchFamily="34" charset="0"/>
               <a:buChar char="•"/>
-              <a:defRPr sz="2400" kern="1200">
-                <a:solidFill>
-                  <a:schemeClr val="tx1"/>
-                </a:solidFill>
-                <a:latin typeface="+mn-lt"/>
-                <a:ea typeface="+mn-ea"/>
-                <a:cs typeface="+mn-cs"/>
-              </a:defRPr>
-            </a:lvl2pPr>
-            <a:lvl3pPr marL="1143000" indent="-228600" algn="l" defTabSz="914400" rtl="0" eaLnBrk="1" latinLnBrk="0" hangingPunct="1">
+            </a:pPr>
+            <a:r>
+              <a:rPr lang="en-US" altLang="zh-CN" sz="2800"/>
+              <a:t>Interoperability</a:t>
+            </a:r>
+          </a:p>
+          <a:p>
+            <a:pPr marL="285750" indent="-285750" fontAlgn="auto">
               <a:lnSpc>
-                <a:spcPct val="90000"/>
+                <a:spcPts val="3680"/>
               </a:lnSpc>
-              <a:spcBef>
-                <a:spcPts val="500"/>
-              </a:spcBef>
               <a:buFont typeface="Arial" panose="020B0604020202020204" pitchFamily="34" charset="0"/>
               <a:buChar char="•"/>
-              <a:defRPr sz="2000" kern="1200">
-                <a:solidFill>
-                  <a:schemeClr val="tx1"/>
-                </a:solidFill>
-                <a:latin typeface="+mn-lt"/>
-                <a:ea typeface="+mn-ea"/>
-                <a:cs typeface="+mn-cs"/>
-              </a:defRPr>
-            </a:lvl3pPr>
-            <a:lvl4pPr marL="1600200" indent="-228600" algn="l" defTabSz="914400" rtl="0" eaLnBrk="1" latinLnBrk="0" hangingPunct="1">
+            </a:pPr>
+            <a:r>
+              <a:rPr lang="en-US" altLang="zh-CN" sz="2800">
+                <a:sym typeface="+mn-ea"/>
+              </a:rPr>
+              <a:t>Effectiveness</a:t>
+            </a:r>
+            <a:endParaRPr lang="en-US" altLang="zh-CN" sz="2400">
+              <a:sym typeface="+mn-ea"/>
+            </a:endParaRPr>
+          </a:p>
+          <a:p>
+            <a:pPr marL="742950" lvl="1" indent="-285750" fontAlgn="auto">
               <a:lnSpc>
-                <a:spcPct val="90000"/>
+                <a:spcPts val="3680"/>
               </a:lnSpc>
-              <a:spcBef>
-                <a:spcPts val="500"/>
-              </a:spcBef>
               <a:buFont typeface="Arial" panose="020B0604020202020204" pitchFamily="34" charset="0"/>
               <a:buChar char="•"/>
-              <a:defRPr sz="1800" kern="1200">
-                <a:solidFill>
-                  <a:schemeClr val="tx1"/>
-                </a:solidFill>
-                <a:latin typeface="+mn-lt"/>
-                <a:ea typeface="+mn-ea"/>
-                <a:cs typeface="+mn-cs"/>
-              </a:defRPr>
-            </a:lvl4pPr>
-            <a:lvl5pPr marL="2057400" indent="-228600" algn="l" defTabSz="914400" rtl="0" eaLnBrk="1" latinLnBrk="0" hangingPunct="1">
+            </a:pPr>
+            <a:r>
+              <a:rPr lang="en-US" altLang="zh-CN" sz="2400"/>
+              <a:t>Speed</a:t>
+            </a:r>
+          </a:p>
+          <a:p>
+            <a:pPr marL="285750" indent="-285750" fontAlgn="auto">
               <a:lnSpc>
-                <a:spcPct val="90000"/>
+                <a:spcPts val="3680"/>
               </a:lnSpc>
-              <a:spcBef>
-                <a:spcPts val="500"/>
-              </a:spcBef>
               <a:buFont typeface="Arial" panose="020B0604020202020204" pitchFamily="34" charset="0"/>
               <a:buChar char="•"/>
-              <a:defRPr sz="1800" kern="1200">
-                <a:solidFill>
-                  <a:schemeClr val="tx1"/>
-                </a:solidFill>
-                <a:latin typeface="+mn-lt"/>
-                <a:ea typeface="+mn-ea"/>
-                <a:cs typeface="+mn-cs"/>
-              </a:defRPr>
-            </a:lvl5pPr>
-            <a:lvl6pPr marL="2514600" indent="-228600" algn="l" defTabSz="914400" rtl="0" eaLnBrk="1" latinLnBrk="0" hangingPunct="1">
+            </a:pPr>
+            <a:r>
+              <a:rPr lang="en-US" altLang="zh-CN" sz="2800">
+                <a:sym typeface="+mn-ea"/>
+              </a:rPr>
+              <a:t>Robust</a:t>
+            </a:r>
+            <a:endParaRPr lang="en-US" altLang="zh-CN" sz="2400">
+              <a:sym typeface="+mn-ea"/>
+            </a:endParaRPr>
+          </a:p>
+          <a:p>
+            <a:pPr marL="742950" lvl="1" indent="-285750" fontAlgn="auto">
               <a:lnSpc>
-                <a:spcPct val="90000"/>
+                <a:spcPts val="3680"/>
               </a:lnSpc>
-              <a:spcBef>
-                <a:spcPts val="500"/>
-              </a:spcBef>
               <a:buFont typeface="Arial" panose="020B0604020202020204" pitchFamily="34" charset="0"/>
               <a:buChar char="•"/>
-              <a:defRPr sz="1800" kern="1200">
-                <a:solidFill>
-                  <a:schemeClr val="tx1"/>
-                </a:solidFill>
-                <a:latin typeface="+mn-lt"/>
-                <a:ea typeface="+mn-ea"/>
-                <a:cs typeface="+mn-cs"/>
-              </a:defRPr>
-            </a:lvl6pPr>
-            <a:lvl7pPr marL="2971800" indent="-228600" algn="l" defTabSz="914400" rtl="0" eaLnBrk="1" latinLnBrk="0" hangingPunct="1">
+            </a:pPr>
+            <a:r>
+              <a:rPr lang="en-US" altLang="zh-CN" sz="2400">
+                <a:sym typeface="+mn-ea"/>
+              </a:rPr>
+              <a:t>SPI transfer speed(in bit/second)</a:t>
+            </a:r>
+            <a:endParaRPr lang="en-US" altLang="zh-CN" sz="2400"/>
+          </a:p>
+          <a:p>
+            <a:pPr marL="742950" lvl="1" indent="-285750" fontAlgn="auto">
               <a:lnSpc>
-                <a:spcPct val="90000"/>
+                <a:spcPts val="3680"/>
               </a:lnSpc>
-              <a:spcBef>
-                <a:spcPts val="500"/>
-              </a:spcBef>
               <a:buFont typeface="Arial" panose="020B0604020202020204" pitchFamily="34" charset="0"/>
               <a:buChar char="•"/>
-              <a:defRPr sz="1800" kern="1200">
-                <a:solidFill>
-                  <a:schemeClr val="tx1"/>
-                </a:solidFill>
-                <a:latin typeface="+mn-lt"/>
-                <a:ea typeface="+mn-ea"/>
-                <a:cs typeface="+mn-cs"/>
-              </a:defRPr>
-            </a:lvl7pPr>
-            <a:lvl8pPr marL="3429000" indent="-228600" algn="l" defTabSz="914400" rtl="0" eaLnBrk="1" latinLnBrk="0" hangingPunct="1">
+            </a:pPr>
+            <a:r>
+              <a:rPr lang="en-US" altLang="zh-CN" sz="2400">
+                <a:sym typeface="+mn-ea"/>
+              </a:rPr>
+              <a:t>Packet size(in bytes)</a:t>
+            </a:r>
+          </a:p>
+          <a:p>
+            <a:pPr marL="742950" lvl="1" indent="-285750" fontAlgn="auto">
               <a:lnSpc>
-                <a:spcPct val="90000"/>
+                <a:spcPts val="3680"/>
               </a:lnSpc>
-              <a:spcBef>
-                <a:spcPts val="500"/>
-              </a:spcBef>
               <a:buFont typeface="Arial" panose="020B0604020202020204" pitchFamily="34" charset="0"/>
               <a:buChar char="•"/>
-              <a:defRPr sz="1800" kern="1200">
-                <a:solidFill>
-                  <a:schemeClr val="tx1"/>
-                </a:solidFill>
-                <a:latin typeface="+mn-lt"/>
-                <a:ea typeface="+mn-ea"/>
-                <a:cs typeface="+mn-cs"/>
-              </a:defRPr>
-            </a:lvl8pPr>
-            <a:lvl9pPr marL="3886200" indent="-228600" algn="l" defTabSz="914400" rtl="0" eaLnBrk="1" latinLnBrk="0" hangingPunct="1">
+            </a:pPr>
+            <a:r>
+              <a:rPr lang="en-US" altLang="zh-CN" sz="2400">
+                <a:sym typeface="+mn-ea"/>
+              </a:rPr>
+              <a:t>Operating status of UAV(calibration/initialization)</a:t>
+            </a:r>
+          </a:p>
+          <a:p>
+            <a:pPr marL="285750" indent="-285750" fontAlgn="auto">
               <a:lnSpc>
-                <a:spcPct val="90000"/>
+                <a:spcPts val="3680"/>
               </a:lnSpc>
-              <a:spcBef>
-                <a:spcPts val="500"/>
-              </a:spcBef>
               <a:buFont typeface="Arial" panose="020B0604020202020204" pitchFamily="34" charset="0"/>
               <a:buChar char="•"/>
-              <a:defRPr sz="1800" kern="1200">
-                <a:solidFill>
-                  <a:schemeClr val="tx1"/>
-                </a:solidFill>
-                <a:latin typeface="+mn-lt"/>
-                <a:ea typeface="+mn-ea"/>
-                <a:cs typeface="+mn-cs"/>
-              </a:defRPr>
-            </a:lvl9pPr>
-          </a:lstStyle>
-          <a:p>
-            <a:r>
-              <a:rPr lang="de-DE" dirty="0" err="1"/>
-              <a:t>To</a:t>
-            </a:r>
-            <a:r>
-              <a:rPr lang="de-DE" dirty="0"/>
-              <a:t> </a:t>
-            </a:r>
-            <a:r>
-              <a:rPr lang="de-DE" dirty="0" err="1"/>
-              <a:t>be</a:t>
-            </a:r>
-            <a:r>
-              <a:rPr lang="de-DE" dirty="0"/>
-              <a:t> </a:t>
-            </a:r>
-            <a:r>
-              <a:rPr lang="de-DE" dirty="0" err="1"/>
-              <a:t>continued</a:t>
-            </a:r>
-            <a:r>
-              <a:rPr lang="de-DE" dirty="0"/>
-              <a:t>…</a:t>
-            </a:r>
+            </a:pPr>
+            <a:endParaRPr lang="en-US" altLang="zh-CN" sz="2400">
+              <a:sym typeface="+mn-ea"/>
+            </a:endParaRPr>
+          </a:p>
+          <a:p>
+            <a:pPr marL="742950" lvl="1" indent="-285750" fontAlgn="auto">
+              <a:lnSpc>
+                <a:spcPts val="3680"/>
+              </a:lnSpc>
+              <a:buFont typeface="Arial" panose="020B0604020202020204" pitchFamily="34" charset="0"/>
+              <a:buChar char="•"/>
+            </a:pPr>
+            <a:endParaRPr lang="en-US" altLang="zh-CN" sz="2400">
+              <a:sym typeface="+mn-ea"/>
+            </a:endParaRPr>
           </a:p>
         </p:txBody>
       </p:sp>
     </p:spTree>
-    <p:extLst>
-      <p:ext uri="{BB962C8B-B14F-4D97-AF65-F5344CB8AC3E}">
-        <p14:creationId xmlns:p14="http://schemas.microsoft.com/office/powerpoint/2010/main" val="3926114765"/>
-      </p:ext>
-    </p:extLst>
   </p:cSld>
   <p:clrMapOvr>
     <a:masterClrMapping/>
   </p:clrMapOvr>
-  <p:timing>
-    <p:tnLst>
-      <p:par>
-        <p:cTn id="1" dur="indefinite" restart="never" nodeType="tmRoot">
-          <p:childTnLst>
-            <p:seq>
-              <p:cTn id="2" nodeType="mainSeq"/>
-              <p:prevCondLst>
-                <p:cond evt="onPrev" delay="0">
-                  <p:tgtEl>
-                    <p:sldTgt/>
-                  </p:tgtEl>
-                </p:cond>
-              </p:prevCondLst>
-              <p:nextCondLst>
-                <p:cond evt="onNext" delay="0">
-                  <p:tgtEl>
-                    <p:sldTgt/>
-                  </p:tgtEl>
-                </p:cond>
-              </p:nextCondLst>
-            </p:seq>
-          </p:childTnLst>
-        </p:cTn>
-      </p:par>
-    </p:tnLst>
-  </p:timing>
+</p:sld>
+</file>
+
+<file path=ppt/slides/slide9.xml><?xml version="1.0" encoding="utf-8"?>
+<p:sld xmlns:a="http://schemas.openxmlformats.org/drawingml/2006/main" xmlns:r="http://schemas.openxmlformats.org/officeDocument/2006/relationships" xmlns:p="http://schemas.openxmlformats.org/presentationml/2006/main">
+  <p:cSld>
+    <p:spTree>
+      <p:nvGrpSpPr>
+        <p:cNvPr id="1" name=""/>
+        <p:cNvGrpSpPr/>
+        <p:nvPr/>
+      </p:nvGrpSpPr>
+      <p:grpSpPr>
+        <a:xfrm>
+          <a:off x="0" y="0"/>
+          <a:ext cx="0" cy="0"/>
+          <a:chOff x="0" y="0"/>
+          <a:chExt cx="0" cy="0"/>
+        </a:xfrm>
+      </p:grpSpPr>
+      <p:sp>
+        <p:nvSpPr>
+          <p:cNvPr id="102" name="CustomShape 1"/>
+          <p:cNvSpPr/>
+          <p:nvPr/>
+        </p:nvSpPr>
+        <p:spPr>
+          <a:xfrm>
+            <a:off x="358920" y="488880"/>
+            <a:ext cx="6641280" cy="837360"/>
+          </a:xfrm>
+          <a:prstGeom prst="rect">
+            <a:avLst/>
+          </a:prstGeom>
+          <a:noFill/>
+          <a:ln>
+            <a:noFill/>
+          </a:ln>
+        </p:spPr>
+        <p:txBody>
+          <a:bodyPr lIns="0" tIns="0" rIns="0" bIns="0" anchor="ctr"/>
+          <a:lstStyle/>
+          <a:p>
+            <a:pPr>
+              <a:lnSpc>
+                <a:spcPct val="100000"/>
+              </a:lnSpc>
+            </a:pPr>
+            <a:r>
+              <a:rPr lang="en-US" altLang="de-DE" sz="2400" b="1">
+                <a:solidFill>
+                  <a:srgbClr val="000000"/>
+                </a:solidFill>
+                <a:latin typeface="Arial" panose="020B0604020202020204"/>
+                <a:sym typeface="+mn-ea"/>
+              </a:rPr>
+              <a:t>Analysing </a:t>
+            </a:r>
+            <a:r>
+              <a:rPr lang="en-US" altLang="de-DE" sz="2400" b="1">
+                <a:solidFill>
+                  <a:srgbClr val="000000"/>
+                </a:solidFill>
+                <a:latin typeface="Arial" panose="020B0604020202020204"/>
+              </a:rPr>
+              <a:t>Results</a:t>
+            </a:r>
+          </a:p>
+        </p:txBody>
+      </p:sp>
+      <p:sp>
+        <p:nvSpPr>
+          <p:cNvPr id="103" name="CustomShape 2"/>
+          <p:cNvSpPr/>
+          <p:nvPr/>
+        </p:nvSpPr>
+        <p:spPr>
+          <a:xfrm>
+            <a:off x="360000" y="1620000"/>
+            <a:ext cx="6822720" cy="4479120"/>
+          </a:xfrm>
+          <a:prstGeom prst="rect">
+            <a:avLst/>
+          </a:prstGeom>
+          <a:noFill/>
+          <a:ln>
+            <a:noFill/>
+          </a:ln>
+        </p:spPr>
+      </p:sp>
+      <p:graphicFrame>
+        <p:nvGraphicFramePr>
+          <p:cNvPr id="2" name="表格 1"/>
+          <p:cNvGraphicFramePr/>
+          <p:nvPr/>
+        </p:nvGraphicFramePr>
+        <p:xfrm>
+          <a:off x="1343660" y="1792605"/>
+          <a:ext cx="6197600" cy="2042160"/>
+        </p:xfrm>
+        <a:graphic>
+          <a:graphicData uri="http://schemas.openxmlformats.org/drawingml/2006/table">
+            <a:tbl>
+              <a:tblPr firstRow="1" bandRow="1">
+                <a:tableStyleId>{5C22544A-7EE6-4342-B048-85BDC9FD1C3A}</a:tableStyleId>
+              </a:tblPr>
+              <a:tblGrid>
+                <a:gridCol w="3098800">
+                  <a:extLst>
+                    <a:ext uri="{9D8B030D-6E8A-4147-A177-3AD203B41FA5}">
+                      <a16:colId xmlns:a16="http://schemas.microsoft.com/office/drawing/2014/main" val="20000"/>
+                    </a:ext>
+                  </a:extLst>
+                </a:gridCol>
+                <a:gridCol w="3098800">
+                  <a:extLst>
+                    <a:ext uri="{9D8B030D-6E8A-4147-A177-3AD203B41FA5}">
+                      <a16:colId xmlns:a16="http://schemas.microsoft.com/office/drawing/2014/main" val="20001"/>
+                    </a:ext>
+                  </a:extLst>
+                </a:gridCol>
+              </a:tblGrid>
+              <a:tr h="680720">
+                <a:tc>
+                  <a:txBody>
+                    <a:bodyPr/>
+                    <a:lstStyle/>
+                    <a:p>
+                      <a:pPr algn="ctr">
+                        <a:buNone/>
+                      </a:pPr>
+                      <a:r>
+                        <a:rPr lang="en-US" altLang="zh-CN" sz="2800"/>
+                        <a:t>Protocol</a:t>
+                      </a:r>
+                    </a:p>
+                  </a:txBody>
+                  <a:tcPr>
+                    <a:solidFill>
+                      <a:srgbClr val="99C000"/>
+                    </a:solidFill>
+                  </a:tcPr>
+                </a:tc>
+                <a:tc>
+                  <a:txBody>
+                    <a:bodyPr/>
+                    <a:lstStyle/>
+                    <a:p>
+                      <a:pPr algn="ctr">
+                        <a:buNone/>
+                      </a:pPr>
+                      <a:r>
+                        <a:rPr lang="en-US" altLang="zh-CN" sz="2800"/>
+                        <a:t>Packet</a:t>
+                      </a:r>
+                    </a:p>
+                  </a:txBody>
+                  <a:tcPr>
+                    <a:solidFill>
+                      <a:srgbClr val="99C000"/>
+                    </a:solidFill>
+                  </a:tcPr>
+                </a:tc>
+                <a:extLst>
+                  <a:ext uri="{0D108BD9-81ED-4DB2-BD59-A6C34878D82A}">
+                    <a16:rowId xmlns:a16="http://schemas.microsoft.com/office/drawing/2014/main" val="10000"/>
+                  </a:ext>
+                </a:extLst>
+              </a:tr>
+              <a:tr h="680720">
+                <a:tc>
+                  <a:txBody>
+                    <a:bodyPr/>
+                    <a:lstStyle/>
+                    <a:p>
+                      <a:pPr algn="ctr">
+                        <a:buNone/>
+                      </a:pPr>
+                      <a:r>
+                        <a:rPr lang="en-US" altLang="zh-CN" sz="2800"/>
+                        <a:t>accept</a:t>
+                      </a:r>
+                    </a:p>
+                  </a:txBody>
+                  <a:tcPr>
+                    <a:solidFill>
+                      <a:srgbClr val="E9EDF4"/>
+                    </a:solidFill>
+                  </a:tcPr>
+                </a:tc>
+                <a:tc>
+                  <a:txBody>
+                    <a:bodyPr/>
+                    <a:lstStyle/>
+                    <a:p>
+                      <a:pPr algn="ctr">
+                        <a:buNone/>
+                      </a:pPr>
+                      <a:r>
+                        <a:rPr lang="en-US" altLang="zh-CN" sz="2800"/>
+                        <a:t>correct</a:t>
+                      </a:r>
+                    </a:p>
+                  </a:txBody>
+                  <a:tcPr>
+                    <a:solidFill>
+                      <a:srgbClr val="E9EDF4"/>
+                    </a:solidFill>
+                  </a:tcPr>
+                </a:tc>
+                <a:extLst>
+                  <a:ext uri="{0D108BD9-81ED-4DB2-BD59-A6C34878D82A}">
+                    <a16:rowId xmlns:a16="http://schemas.microsoft.com/office/drawing/2014/main" val="10001"/>
+                  </a:ext>
+                </a:extLst>
+              </a:tr>
+              <a:tr h="680720">
+                <a:tc>
+                  <a:txBody>
+                    <a:bodyPr/>
+                    <a:lstStyle/>
+                    <a:p>
+                      <a:pPr algn="ctr">
+                        <a:buNone/>
+                      </a:pPr>
+                      <a:r>
+                        <a:rPr lang="en-US" altLang="zh-CN" sz="2800"/>
+                        <a:t>reject</a:t>
+                      </a:r>
+                    </a:p>
+                  </a:txBody>
+                  <a:tcPr/>
+                </a:tc>
+                <a:tc>
+                  <a:txBody>
+                    <a:bodyPr/>
+                    <a:lstStyle/>
+                    <a:p>
+                      <a:pPr algn="ctr">
+                        <a:buNone/>
+                      </a:pPr>
+                      <a:r>
+                        <a:rPr lang="en-US" altLang="zh-CN" sz="2800"/>
+                        <a:t>error</a:t>
+                      </a:r>
+                    </a:p>
+                  </a:txBody>
+                  <a:tcPr/>
+                </a:tc>
+                <a:extLst>
+                  <a:ext uri="{0D108BD9-81ED-4DB2-BD59-A6C34878D82A}">
+                    <a16:rowId xmlns:a16="http://schemas.microsoft.com/office/drawing/2014/main" val="10002"/>
+                  </a:ext>
+                </a:extLst>
+              </a:tr>
+            </a:tbl>
+          </a:graphicData>
+        </a:graphic>
+      </p:graphicFrame>
+      <p:sp>
+        <p:nvSpPr>
+          <p:cNvPr id="5" name="文本框 4"/>
+          <p:cNvSpPr txBox="1"/>
+          <p:nvPr/>
+        </p:nvSpPr>
+        <p:spPr>
+          <a:xfrm>
+            <a:off x="958850" y="4175125"/>
+            <a:ext cx="6853555" cy="922020"/>
+          </a:xfrm>
+          <a:prstGeom prst="rect">
+            <a:avLst/>
+          </a:prstGeom>
+          <a:noFill/>
+        </p:spPr>
+        <p:txBody>
+          <a:bodyPr wrap="square" rtlCol="0">
+            <a:spAutoFit/>
+          </a:bodyPr>
+          <a:lstStyle/>
+          <a:p>
+            <a:pPr marL="285750" indent="-285750">
+              <a:buFont typeface="Arial" panose="020B0604020202020204" pitchFamily="34" charset="0"/>
+              <a:buChar char="•"/>
+            </a:pPr>
+            <a:r>
+              <a:rPr lang="en-US" altLang="zh-CN"/>
+              <a:t>Best situation: when protocol accepts the packet and i</a:t>
+            </a:r>
+            <a:r>
+              <a:rPr lang="en-US" altLang="zh-CN">
+                <a:sym typeface="+mn-ea"/>
+              </a:rPr>
+              <a:t>n fact </a:t>
+            </a:r>
+            <a:r>
+              <a:rPr lang="en-US" altLang="zh-CN"/>
+              <a:t>the packet is ture.</a:t>
+            </a:r>
+          </a:p>
+          <a:p>
+            <a:pPr marL="285750" indent="-285750">
+              <a:buFont typeface="Arial" panose="020B0604020202020204" pitchFamily="34" charset="0"/>
+              <a:buChar char="•"/>
+            </a:pPr>
+            <a:r>
+              <a:rPr lang="en-US" altLang="zh-CN"/>
+              <a:t>Worst situation: when protocol accepts but it's wrong.</a:t>
+            </a:r>
+          </a:p>
+        </p:txBody>
+      </p:sp>
+    </p:spTree>
+  </p:cSld>
+  <p:clrMapOvr>
+    <a:masterClrMapping/>
+  </p:clrMapOvr>
 </p:sld>
 </file>
 

--- a/data/presentation/PS_presentation.pptx
+++ b/data/presentation/PS_presentation.pptx
@@ -6,7 +6,7 @@
     <p:sldMasterId id="2147483661" r:id="rId2"/>
   </p:sldMasterIdLst>
   <p:notesMasterIdLst>
-    <p:notesMasterId r:id="rId16"/>
+    <p:notesMasterId r:id="rId14"/>
   </p:notesMasterIdLst>
   <p:sldIdLst>
     <p:sldId id="256" r:id="rId3"/>
@@ -19,9 +19,7 @@
     <p:sldId id="259" r:id="rId10"/>
     <p:sldId id="266" r:id="rId11"/>
     <p:sldId id="267" r:id="rId12"/>
-    <p:sldId id="268" r:id="rId13"/>
-    <p:sldId id="258" r:id="rId14"/>
-    <p:sldId id="269" r:id="rId15"/>
+    <p:sldId id="269" r:id="rId13"/>
   </p:sldIdLst>
   <p:sldSz cx="9144000" cy="6858000" type="screen4x3"/>
   <p:notesSz cx="6858000" cy="9144000"/>
@@ -129,3670 +127,6 @@
     </p:ext>
   </p:extLst>
 </p:presentation>
-</file>
-
-<file path=ppt/diagrams/colors1.xml><?xml version="1.0" encoding="utf-8"?>
-<dgm:colorsDef xmlns:dgm="http://schemas.openxmlformats.org/drawingml/2006/diagram" xmlns:a="http://schemas.openxmlformats.org/drawingml/2006/main" uniqueId="urn:microsoft.com/office/officeart/2005/8/colors/accent3_2">
-  <dgm:title val=""/>
-  <dgm:desc val=""/>
-  <dgm:catLst>
-    <dgm:cat type="accent3" pri="11200"/>
-  </dgm:catLst>
-  <dgm:styleLbl name="node0">
-    <dgm:fillClrLst meth="repeat">
-      <a:schemeClr val="accent3"/>
-    </dgm:fillClrLst>
-    <dgm:linClrLst meth="repeat">
-      <a:schemeClr val="lt1"/>
-    </dgm:linClrLst>
-    <dgm:effectClrLst/>
-    <dgm:txLinClrLst/>
-    <dgm:txFillClrLst/>
-    <dgm:txEffectClrLst/>
-  </dgm:styleLbl>
-  <dgm:styleLbl name="node1">
-    <dgm:fillClrLst meth="repeat">
-      <a:schemeClr val="accent3"/>
-    </dgm:fillClrLst>
-    <dgm:linClrLst meth="repeat">
-      <a:schemeClr val="lt1"/>
-    </dgm:linClrLst>
-    <dgm:effectClrLst/>
-    <dgm:txLinClrLst/>
-    <dgm:txFillClrLst/>
-    <dgm:txEffectClrLst/>
-  </dgm:styleLbl>
-  <dgm:styleLbl name="alignNode1">
-    <dgm:fillClrLst meth="repeat">
-      <a:schemeClr val="accent3"/>
-    </dgm:fillClrLst>
-    <dgm:linClrLst meth="repeat">
-      <a:schemeClr val="accent3"/>
-    </dgm:linClrLst>
-    <dgm:effectClrLst/>
-    <dgm:txLinClrLst/>
-    <dgm:txFillClrLst/>
-    <dgm:txEffectClrLst/>
-  </dgm:styleLbl>
-  <dgm:styleLbl name="lnNode1">
-    <dgm:fillClrLst meth="repeat">
-      <a:schemeClr val="accent3"/>
-    </dgm:fillClrLst>
-    <dgm:linClrLst meth="repeat">
-      <a:schemeClr val="lt1"/>
-    </dgm:linClrLst>
-    <dgm:effectClrLst/>
-    <dgm:txLinClrLst/>
-    <dgm:txFillClrLst/>
-    <dgm:txEffectClrLst/>
-  </dgm:styleLbl>
-  <dgm:styleLbl name="vennNode1">
-    <dgm:fillClrLst meth="repeat">
-      <a:schemeClr val="accent3">
-        <a:alpha val="50000"/>
-      </a:schemeClr>
-    </dgm:fillClrLst>
-    <dgm:linClrLst meth="repeat">
-      <a:schemeClr val="lt1"/>
-    </dgm:linClrLst>
-    <dgm:effectClrLst/>
-    <dgm:txLinClrLst/>
-    <dgm:txFillClrLst/>
-    <dgm:txEffectClrLst/>
-  </dgm:styleLbl>
-  <dgm:styleLbl name="node2">
-    <dgm:fillClrLst meth="repeat">
-      <a:schemeClr val="accent3"/>
-    </dgm:fillClrLst>
-    <dgm:linClrLst meth="repeat">
-      <a:schemeClr val="lt1"/>
-    </dgm:linClrLst>
-    <dgm:effectClrLst/>
-    <dgm:txLinClrLst/>
-    <dgm:txFillClrLst/>
-    <dgm:txEffectClrLst/>
-  </dgm:styleLbl>
-  <dgm:styleLbl name="node3">
-    <dgm:fillClrLst meth="repeat">
-      <a:schemeClr val="accent3"/>
-    </dgm:fillClrLst>
-    <dgm:linClrLst meth="repeat">
-      <a:schemeClr val="lt1"/>
-    </dgm:linClrLst>
-    <dgm:effectClrLst/>
-    <dgm:txLinClrLst/>
-    <dgm:txFillClrLst/>
-    <dgm:txEffectClrLst/>
-  </dgm:styleLbl>
-  <dgm:styleLbl name="node4">
-    <dgm:fillClrLst meth="repeat">
-      <a:schemeClr val="accent3"/>
-    </dgm:fillClrLst>
-    <dgm:linClrLst meth="repeat">
-      <a:schemeClr val="lt1"/>
-    </dgm:linClrLst>
-    <dgm:effectClrLst/>
-    <dgm:txLinClrLst/>
-    <dgm:txFillClrLst/>
-    <dgm:txEffectClrLst/>
-  </dgm:styleLbl>
-  <dgm:styleLbl name="fgImgPlace1">
-    <dgm:fillClrLst meth="repeat">
-      <a:schemeClr val="accent3">
-        <a:tint val="50000"/>
-      </a:schemeClr>
-    </dgm:fillClrLst>
-    <dgm:linClrLst meth="repeat">
-      <a:schemeClr val="lt1"/>
-    </dgm:linClrLst>
-    <dgm:effectClrLst/>
-    <dgm:txLinClrLst/>
-    <dgm:txFillClrLst meth="repeat">
-      <a:schemeClr val="lt1"/>
-    </dgm:txFillClrLst>
-    <dgm:txEffectClrLst/>
-  </dgm:styleLbl>
-  <dgm:styleLbl name="alignImgPlace1">
-    <dgm:fillClrLst meth="repeat">
-      <a:schemeClr val="accent3">
-        <a:tint val="50000"/>
-      </a:schemeClr>
-    </dgm:fillClrLst>
-    <dgm:linClrLst meth="repeat">
-      <a:schemeClr val="lt1"/>
-    </dgm:linClrLst>
-    <dgm:effectClrLst/>
-    <dgm:txLinClrLst/>
-    <dgm:txFillClrLst meth="repeat">
-      <a:schemeClr val="lt1"/>
-    </dgm:txFillClrLst>
-    <dgm:txEffectClrLst/>
-  </dgm:styleLbl>
-  <dgm:styleLbl name="bgImgPlace1">
-    <dgm:fillClrLst meth="repeat">
-      <a:schemeClr val="accent3">
-        <a:tint val="50000"/>
-      </a:schemeClr>
-    </dgm:fillClrLst>
-    <dgm:linClrLst meth="repeat">
-      <a:schemeClr val="lt1"/>
-    </dgm:linClrLst>
-    <dgm:effectClrLst/>
-    <dgm:txLinClrLst/>
-    <dgm:txFillClrLst meth="repeat">
-      <a:schemeClr val="lt1"/>
-    </dgm:txFillClrLst>
-    <dgm:txEffectClrLst/>
-  </dgm:styleLbl>
-  <dgm:styleLbl name="sibTrans2D1">
-    <dgm:fillClrLst meth="repeat">
-      <a:schemeClr val="accent3">
-        <a:tint val="60000"/>
-      </a:schemeClr>
-    </dgm:fillClrLst>
-    <dgm:linClrLst meth="repeat">
-      <a:schemeClr val="accent3">
-        <a:tint val="60000"/>
-      </a:schemeClr>
-    </dgm:linClrLst>
-    <dgm:effectClrLst/>
-    <dgm:txLinClrLst/>
-    <dgm:txFillClrLst/>
-    <dgm:txEffectClrLst/>
-  </dgm:styleLbl>
-  <dgm:styleLbl name="fgSibTrans2D1">
-    <dgm:fillClrLst meth="repeat">
-      <a:schemeClr val="accent3">
-        <a:tint val="60000"/>
-      </a:schemeClr>
-    </dgm:fillClrLst>
-    <dgm:linClrLst meth="repeat">
-      <a:schemeClr val="accent3">
-        <a:tint val="60000"/>
-      </a:schemeClr>
-    </dgm:linClrLst>
-    <dgm:effectClrLst/>
-    <dgm:txLinClrLst/>
-    <dgm:txFillClrLst/>
-    <dgm:txEffectClrLst/>
-  </dgm:styleLbl>
-  <dgm:styleLbl name="bgSibTrans2D1">
-    <dgm:fillClrLst meth="repeat">
-      <a:schemeClr val="accent3">
-        <a:tint val="60000"/>
-      </a:schemeClr>
-    </dgm:fillClrLst>
-    <dgm:linClrLst meth="repeat">
-      <a:schemeClr val="accent3">
-        <a:tint val="60000"/>
-      </a:schemeClr>
-    </dgm:linClrLst>
-    <dgm:effectClrLst/>
-    <dgm:txLinClrLst/>
-    <dgm:txFillClrLst/>
-    <dgm:txEffectClrLst/>
-  </dgm:styleLbl>
-  <dgm:styleLbl name="sibTrans1D1">
-    <dgm:fillClrLst meth="repeat">
-      <a:schemeClr val="accent3"/>
-    </dgm:fillClrLst>
-    <dgm:linClrLst meth="repeat">
-      <a:schemeClr val="accent3"/>
-    </dgm:linClrLst>
-    <dgm:effectClrLst/>
-    <dgm:txLinClrLst/>
-    <dgm:txFillClrLst meth="repeat">
-      <a:schemeClr val="tx1"/>
-    </dgm:txFillClrLst>
-    <dgm:txEffectClrLst/>
-  </dgm:styleLbl>
-  <dgm:styleLbl name="callout">
-    <dgm:fillClrLst meth="repeat">
-      <a:schemeClr val="accent3"/>
-    </dgm:fillClrLst>
-    <dgm:linClrLst meth="repeat">
-      <a:schemeClr val="accent3">
-        <a:tint val="50000"/>
-      </a:schemeClr>
-    </dgm:linClrLst>
-    <dgm:effectClrLst/>
-    <dgm:txLinClrLst/>
-    <dgm:txFillClrLst meth="repeat">
-      <a:schemeClr val="tx1"/>
-    </dgm:txFillClrLst>
-    <dgm:txEffectClrLst/>
-  </dgm:styleLbl>
-  <dgm:styleLbl name="asst0">
-    <dgm:fillClrLst meth="repeat">
-      <a:schemeClr val="accent3"/>
-    </dgm:fillClrLst>
-    <dgm:linClrLst meth="repeat">
-      <a:schemeClr val="lt1"/>
-    </dgm:linClrLst>
-    <dgm:effectClrLst/>
-    <dgm:txLinClrLst/>
-    <dgm:txFillClrLst/>
-    <dgm:txEffectClrLst/>
-  </dgm:styleLbl>
-  <dgm:styleLbl name="asst1">
-    <dgm:fillClrLst meth="repeat">
-      <a:schemeClr val="accent3"/>
-    </dgm:fillClrLst>
-    <dgm:linClrLst meth="repeat">
-      <a:schemeClr val="lt1"/>
-    </dgm:linClrLst>
-    <dgm:effectClrLst/>
-    <dgm:txLinClrLst/>
-    <dgm:txFillClrLst/>
-    <dgm:txEffectClrLst/>
-  </dgm:styleLbl>
-  <dgm:styleLbl name="asst2">
-    <dgm:fillClrLst meth="repeat">
-      <a:schemeClr val="accent3"/>
-    </dgm:fillClrLst>
-    <dgm:linClrLst meth="repeat">
-      <a:schemeClr val="lt1"/>
-    </dgm:linClrLst>
-    <dgm:effectClrLst/>
-    <dgm:txLinClrLst/>
-    <dgm:txFillClrLst/>
-    <dgm:txEffectClrLst/>
-  </dgm:styleLbl>
-  <dgm:styleLbl name="asst3">
-    <dgm:fillClrLst meth="repeat">
-      <a:schemeClr val="accent3"/>
-    </dgm:fillClrLst>
-    <dgm:linClrLst meth="repeat">
-      <a:schemeClr val="lt1"/>
-    </dgm:linClrLst>
-    <dgm:effectClrLst/>
-    <dgm:txLinClrLst/>
-    <dgm:txFillClrLst/>
-    <dgm:txEffectClrLst/>
-  </dgm:styleLbl>
-  <dgm:styleLbl name="asst4">
-    <dgm:fillClrLst meth="repeat">
-      <a:schemeClr val="accent3"/>
-    </dgm:fillClrLst>
-    <dgm:linClrLst meth="repeat">
-      <a:schemeClr val="lt1"/>
-    </dgm:linClrLst>
-    <dgm:effectClrLst/>
-    <dgm:txLinClrLst/>
-    <dgm:txFillClrLst/>
-    <dgm:txEffectClrLst/>
-  </dgm:styleLbl>
-  <dgm:styleLbl name="parChTrans2D1">
-    <dgm:fillClrLst meth="repeat">
-      <a:schemeClr val="accent3">
-        <a:tint val="60000"/>
-      </a:schemeClr>
-    </dgm:fillClrLst>
-    <dgm:linClrLst meth="repeat">
-      <a:schemeClr val="accent3">
-        <a:tint val="60000"/>
-      </a:schemeClr>
-    </dgm:linClrLst>
-    <dgm:effectClrLst/>
-    <dgm:txLinClrLst/>
-    <dgm:txFillClrLst meth="repeat">
-      <a:schemeClr val="lt1"/>
-    </dgm:txFillClrLst>
-    <dgm:txEffectClrLst/>
-  </dgm:styleLbl>
-  <dgm:styleLbl name="parChTrans2D2">
-    <dgm:fillClrLst meth="repeat">
-      <a:schemeClr val="accent3"/>
-    </dgm:fillClrLst>
-    <dgm:linClrLst meth="repeat">
-      <a:schemeClr val="accent3"/>
-    </dgm:linClrLst>
-    <dgm:effectClrLst/>
-    <dgm:txLinClrLst/>
-    <dgm:txFillClrLst meth="repeat">
-      <a:schemeClr val="lt1"/>
-    </dgm:txFillClrLst>
-    <dgm:txEffectClrLst/>
-  </dgm:styleLbl>
-  <dgm:styleLbl name="parChTrans2D3">
-    <dgm:fillClrLst meth="repeat">
-      <a:schemeClr val="accent3"/>
-    </dgm:fillClrLst>
-    <dgm:linClrLst meth="repeat">
-      <a:schemeClr val="accent3"/>
-    </dgm:linClrLst>
-    <dgm:effectClrLst/>
-    <dgm:txLinClrLst/>
-    <dgm:txFillClrLst meth="repeat">
-      <a:schemeClr val="lt1"/>
-    </dgm:txFillClrLst>
-    <dgm:txEffectClrLst/>
-  </dgm:styleLbl>
-  <dgm:styleLbl name="parChTrans2D4">
-    <dgm:fillClrLst meth="repeat">
-      <a:schemeClr val="accent3"/>
-    </dgm:fillClrLst>
-    <dgm:linClrLst meth="repeat">
-      <a:schemeClr val="accent3"/>
-    </dgm:linClrLst>
-    <dgm:effectClrLst/>
-    <dgm:txLinClrLst/>
-    <dgm:txFillClrLst meth="repeat">
-      <a:schemeClr val="lt1"/>
-    </dgm:txFillClrLst>
-    <dgm:txEffectClrLst/>
-  </dgm:styleLbl>
-  <dgm:styleLbl name="parChTrans1D1">
-    <dgm:fillClrLst meth="repeat">
-      <a:schemeClr val="accent3"/>
-    </dgm:fillClrLst>
-    <dgm:linClrLst meth="repeat">
-      <a:schemeClr val="accent3">
-        <a:shade val="60000"/>
-      </a:schemeClr>
-    </dgm:linClrLst>
-    <dgm:effectClrLst/>
-    <dgm:txLinClrLst/>
-    <dgm:txFillClrLst meth="repeat">
-      <a:schemeClr val="tx1"/>
-    </dgm:txFillClrLst>
-    <dgm:txEffectClrLst/>
-  </dgm:styleLbl>
-  <dgm:styleLbl name="parChTrans1D2">
-    <dgm:fillClrLst meth="repeat">
-      <a:schemeClr val="accent3"/>
-    </dgm:fillClrLst>
-    <dgm:linClrLst meth="repeat">
-      <a:schemeClr val="accent3">
-        <a:shade val="60000"/>
-      </a:schemeClr>
-    </dgm:linClrLst>
-    <dgm:effectClrLst/>
-    <dgm:txLinClrLst/>
-    <dgm:txFillClrLst meth="repeat">
-      <a:schemeClr val="tx1"/>
-    </dgm:txFillClrLst>
-    <dgm:txEffectClrLst/>
-  </dgm:styleLbl>
-  <dgm:styleLbl name="parChTrans1D3">
-    <dgm:fillClrLst meth="repeat">
-      <a:schemeClr val="accent3"/>
-    </dgm:fillClrLst>
-    <dgm:linClrLst meth="repeat">
-      <a:schemeClr val="accent3">
-        <a:shade val="80000"/>
-      </a:schemeClr>
-    </dgm:linClrLst>
-    <dgm:effectClrLst/>
-    <dgm:txLinClrLst/>
-    <dgm:txFillClrLst meth="repeat">
-      <a:schemeClr val="tx1"/>
-    </dgm:txFillClrLst>
-    <dgm:txEffectClrLst/>
-  </dgm:styleLbl>
-  <dgm:styleLbl name="parChTrans1D4">
-    <dgm:fillClrLst meth="repeat">
-      <a:schemeClr val="accent3"/>
-    </dgm:fillClrLst>
-    <dgm:linClrLst meth="repeat">
-      <a:schemeClr val="accent3">
-        <a:shade val="80000"/>
-      </a:schemeClr>
-    </dgm:linClrLst>
-    <dgm:effectClrLst/>
-    <dgm:txLinClrLst/>
-    <dgm:txFillClrLst meth="repeat">
-      <a:schemeClr val="tx1"/>
-    </dgm:txFillClrLst>
-    <dgm:txEffectClrLst/>
-  </dgm:styleLbl>
-  <dgm:styleLbl name="fgAcc1">
-    <dgm:fillClrLst meth="repeat">
-      <a:schemeClr val="lt1">
-        <a:alpha val="90000"/>
-      </a:schemeClr>
-    </dgm:fillClrLst>
-    <dgm:linClrLst meth="repeat">
-      <a:schemeClr val="accent3"/>
-    </dgm:linClrLst>
-    <dgm:effectClrLst/>
-    <dgm:txLinClrLst/>
-    <dgm:txFillClrLst meth="repeat">
-      <a:schemeClr val="dk1"/>
-    </dgm:txFillClrLst>
-    <dgm:txEffectClrLst/>
-  </dgm:styleLbl>
-  <dgm:styleLbl name="conFgAcc1">
-    <dgm:fillClrLst meth="repeat">
-      <a:schemeClr val="lt1">
-        <a:alpha val="90000"/>
-      </a:schemeClr>
-    </dgm:fillClrLst>
-    <dgm:linClrLst meth="repeat">
-      <a:schemeClr val="accent3"/>
-    </dgm:linClrLst>
-    <dgm:effectClrLst/>
-    <dgm:txLinClrLst/>
-    <dgm:txFillClrLst meth="repeat">
-      <a:schemeClr val="dk1"/>
-    </dgm:txFillClrLst>
-    <dgm:txEffectClrLst/>
-  </dgm:styleLbl>
-  <dgm:styleLbl name="alignAcc1">
-    <dgm:fillClrLst meth="repeat">
-      <a:schemeClr val="lt1">
-        <a:alpha val="90000"/>
-      </a:schemeClr>
-    </dgm:fillClrLst>
-    <dgm:linClrLst meth="repeat">
-      <a:schemeClr val="accent3"/>
-    </dgm:linClrLst>
-    <dgm:effectClrLst/>
-    <dgm:txLinClrLst/>
-    <dgm:txFillClrLst meth="repeat">
-      <a:schemeClr val="dk1"/>
-    </dgm:txFillClrLst>
-    <dgm:txEffectClrLst/>
-  </dgm:styleLbl>
-  <dgm:styleLbl name="trAlignAcc1">
-    <dgm:fillClrLst meth="repeat">
-      <a:schemeClr val="lt1">
-        <a:alpha val="40000"/>
-      </a:schemeClr>
-    </dgm:fillClrLst>
-    <dgm:linClrLst meth="repeat">
-      <a:schemeClr val="accent3"/>
-    </dgm:linClrLst>
-    <dgm:effectClrLst/>
-    <dgm:txLinClrLst/>
-    <dgm:txFillClrLst meth="repeat">
-      <a:schemeClr val="dk1"/>
-    </dgm:txFillClrLst>
-    <dgm:txEffectClrLst/>
-  </dgm:styleLbl>
-  <dgm:styleLbl name="bgAcc1">
-    <dgm:fillClrLst meth="repeat">
-      <a:schemeClr val="lt1">
-        <a:alpha val="90000"/>
-      </a:schemeClr>
-    </dgm:fillClrLst>
-    <dgm:linClrLst meth="repeat">
-      <a:schemeClr val="accent3"/>
-    </dgm:linClrLst>
-    <dgm:effectClrLst/>
-    <dgm:txLinClrLst/>
-    <dgm:txFillClrLst meth="repeat">
-      <a:schemeClr val="dk1"/>
-    </dgm:txFillClrLst>
-    <dgm:txEffectClrLst/>
-  </dgm:styleLbl>
-  <dgm:styleLbl name="solidFgAcc1">
-    <dgm:fillClrLst meth="repeat">
-      <a:schemeClr val="lt1"/>
-    </dgm:fillClrLst>
-    <dgm:linClrLst meth="repeat">
-      <a:schemeClr val="accent3"/>
-    </dgm:linClrLst>
-    <dgm:effectClrLst/>
-    <dgm:txLinClrLst/>
-    <dgm:txFillClrLst meth="repeat">
-      <a:schemeClr val="dk1"/>
-    </dgm:txFillClrLst>
-    <dgm:txEffectClrLst/>
-  </dgm:styleLbl>
-  <dgm:styleLbl name="solidAlignAcc1">
-    <dgm:fillClrLst meth="repeat">
-      <a:schemeClr val="lt1"/>
-    </dgm:fillClrLst>
-    <dgm:linClrLst meth="repeat">
-      <a:schemeClr val="accent3"/>
-    </dgm:linClrLst>
-    <dgm:effectClrLst/>
-    <dgm:txLinClrLst/>
-    <dgm:txFillClrLst meth="repeat">
-      <a:schemeClr val="dk1"/>
-    </dgm:txFillClrLst>
-    <dgm:txEffectClrLst/>
-  </dgm:styleLbl>
-  <dgm:styleLbl name="solidBgAcc1">
-    <dgm:fillClrLst meth="repeat">
-      <a:schemeClr val="lt1"/>
-    </dgm:fillClrLst>
-    <dgm:linClrLst meth="repeat">
-      <a:schemeClr val="accent3"/>
-    </dgm:linClrLst>
-    <dgm:effectClrLst/>
-    <dgm:txLinClrLst/>
-    <dgm:txFillClrLst meth="repeat">
-      <a:schemeClr val="dk1"/>
-    </dgm:txFillClrLst>
-    <dgm:txEffectClrLst/>
-  </dgm:styleLbl>
-  <dgm:styleLbl name="fgAccFollowNode1">
-    <dgm:fillClrLst meth="repeat">
-      <a:schemeClr val="accent3">
-        <a:alpha val="90000"/>
-        <a:tint val="40000"/>
-      </a:schemeClr>
-    </dgm:fillClrLst>
-    <dgm:linClrLst meth="repeat">
-      <a:schemeClr val="accent3">
-        <a:alpha val="90000"/>
-        <a:tint val="40000"/>
-      </a:schemeClr>
-    </dgm:linClrLst>
-    <dgm:effectClrLst/>
-    <dgm:txLinClrLst/>
-    <dgm:txFillClrLst meth="repeat">
-      <a:schemeClr val="dk1"/>
-    </dgm:txFillClrLst>
-    <dgm:txEffectClrLst/>
-  </dgm:styleLbl>
-  <dgm:styleLbl name="alignAccFollowNode1">
-    <dgm:fillClrLst meth="repeat">
-      <a:schemeClr val="accent3">
-        <a:alpha val="90000"/>
-        <a:tint val="40000"/>
-      </a:schemeClr>
-    </dgm:fillClrLst>
-    <dgm:linClrLst meth="repeat">
-      <a:schemeClr val="accent3">
-        <a:alpha val="90000"/>
-        <a:tint val="40000"/>
-      </a:schemeClr>
-    </dgm:linClrLst>
-    <dgm:effectClrLst/>
-    <dgm:txLinClrLst/>
-    <dgm:txFillClrLst meth="repeat">
-      <a:schemeClr val="dk1"/>
-    </dgm:txFillClrLst>
-    <dgm:txEffectClrLst/>
-  </dgm:styleLbl>
-  <dgm:styleLbl name="bgAccFollowNode1">
-    <dgm:fillClrLst meth="repeat">
-      <a:schemeClr val="accent3">
-        <a:alpha val="90000"/>
-        <a:tint val="40000"/>
-      </a:schemeClr>
-    </dgm:fillClrLst>
-    <dgm:linClrLst meth="repeat">
-      <a:schemeClr val="accent3">
-        <a:alpha val="90000"/>
-        <a:tint val="40000"/>
-      </a:schemeClr>
-    </dgm:linClrLst>
-    <dgm:effectClrLst/>
-    <dgm:txLinClrLst/>
-    <dgm:txFillClrLst meth="repeat">
-      <a:schemeClr val="dk1"/>
-    </dgm:txFillClrLst>
-    <dgm:txEffectClrLst/>
-  </dgm:styleLbl>
-  <dgm:styleLbl name="fgAcc0">
-    <dgm:fillClrLst meth="repeat">
-      <a:schemeClr val="lt1">
-        <a:alpha val="90000"/>
-      </a:schemeClr>
-    </dgm:fillClrLst>
-    <dgm:linClrLst meth="repeat">
-      <a:schemeClr val="accent3"/>
-    </dgm:linClrLst>
-    <dgm:effectClrLst/>
-    <dgm:txLinClrLst/>
-    <dgm:txFillClrLst meth="repeat">
-      <a:schemeClr val="dk1"/>
-    </dgm:txFillClrLst>
-    <dgm:txEffectClrLst/>
-  </dgm:styleLbl>
-  <dgm:styleLbl name="fgAcc2">
-    <dgm:fillClrLst meth="repeat">
-      <a:schemeClr val="lt1">
-        <a:alpha val="90000"/>
-      </a:schemeClr>
-    </dgm:fillClrLst>
-    <dgm:linClrLst meth="repeat">
-      <a:schemeClr val="accent3"/>
-    </dgm:linClrLst>
-    <dgm:effectClrLst/>
-    <dgm:txLinClrLst/>
-    <dgm:txFillClrLst meth="repeat">
-      <a:schemeClr val="dk1"/>
-    </dgm:txFillClrLst>
-    <dgm:txEffectClrLst/>
-  </dgm:styleLbl>
-  <dgm:styleLbl name="fgAcc3">
-    <dgm:fillClrLst meth="repeat">
-      <a:schemeClr val="lt1">
-        <a:alpha val="90000"/>
-      </a:schemeClr>
-    </dgm:fillClrLst>
-    <dgm:linClrLst meth="repeat">
-      <a:schemeClr val="accent3"/>
-    </dgm:linClrLst>
-    <dgm:effectClrLst/>
-    <dgm:txLinClrLst/>
-    <dgm:txFillClrLst meth="repeat">
-      <a:schemeClr val="dk1"/>
-    </dgm:txFillClrLst>
-    <dgm:txEffectClrLst/>
-  </dgm:styleLbl>
-  <dgm:styleLbl name="fgAcc4">
-    <dgm:fillClrLst meth="repeat">
-      <a:schemeClr val="lt1">
-        <a:alpha val="90000"/>
-      </a:schemeClr>
-    </dgm:fillClrLst>
-    <dgm:linClrLst meth="repeat">
-      <a:schemeClr val="accent3"/>
-    </dgm:linClrLst>
-    <dgm:effectClrLst/>
-    <dgm:txLinClrLst/>
-    <dgm:txFillClrLst meth="repeat">
-      <a:schemeClr val="dk1"/>
-    </dgm:txFillClrLst>
-    <dgm:txEffectClrLst/>
-  </dgm:styleLbl>
-  <dgm:styleLbl name="bgShp">
-    <dgm:fillClrLst meth="repeat">
-      <a:schemeClr val="accent3">
-        <a:tint val="40000"/>
-      </a:schemeClr>
-    </dgm:fillClrLst>
-    <dgm:linClrLst meth="repeat">
-      <a:schemeClr val="accent3"/>
-    </dgm:linClrLst>
-    <dgm:effectClrLst/>
-    <dgm:txLinClrLst/>
-    <dgm:txFillClrLst meth="repeat">
-      <a:schemeClr val="dk1"/>
-    </dgm:txFillClrLst>
-    <dgm:txEffectClrLst/>
-  </dgm:styleLbl>
-  <dgm:styleLbl name="dkBgShp">
-    <dgm:fillClrLst meth="repeat">
-      <a:schemeClr val="accent3">
-        <a:shade val="80000"/>
-      </a:schemeClr>
-    </dgm:fillClrLst>
-    <dgm:linClrLst meth="repeat">
-      <a:schemeClr val="accent3"/>
-    </dgm:linClrLst>
-    <dgm:effectClrLst/>
-    <dgm:txLinClrLst/>
-    <dgm:txFillClrLst meth="repeat">
-      <a:schemeClr val="lt1"/>
-    </dgm:txFillClrLst>
-    <dgm:txEffectClrLst/>
-  </dgm:styleLbl>
-  <dgm:styleLbl name="trBgShp">
-    <dgm:fillClrLst meth="repeat">
-      <a:schemeClr val="accent3">
-        <a:tint val="50000"/>
-        <a:alpha val="40000"/>
-      </a:schemeClr>
-    </dgm:fillClrLst>
-    <dgm:linClrLst meth="repeat">
-      <a:schemeClr val="accent3"/>
-    </dgm:linClrLst>
-    <dgm:effectClrLst/>
-    <dgm:txLinClrLst/>
-    <dgm:txFillClrLst meth="repeat">
-      <a:schemeClr val="lt1"/>
-    </dgm:txFillClrLst>
-    <dgm:txEffectClrLst/>
-  </dgm:styleLbl>
-  <dgm:styleLbl name="fgShp">
-    <dgm:fillClrLst meth="repeat">
-      <a:schemeClr val="accent3">
-        <a:tint val="60000"/>
-      </a:schemeClr>
-    </dgm:fillClrLst>
-    <dgm:linClrLst meth="repeat">
-      <a:schemeClr val="lt1"/>
-    </dgm:linClrLst>
-    <dgm:effectClrLst/>
-    <dgm:txLinClrLst/>
-    <dgm:txFillClrLst meth="repeat">
-      <a:schemeClr val="dk1"/>
-    </dgm:txFillClrLst>
-    <dgm:txEffectClrLst/>
-  </dgm:styleLbl>
-  <dgm:styleLbl name="revTx">
-    <dgm:fillClrLst meth="repeat">
-      <a:schemeClr val="lt1">
-        <a:alpha val="0"/>
-      </a:schemeClr>
-    </dgm:fillClrLst>
-    <dgm:linClrLst meth="repeat">
-      <a:schemeClr val="dk1">
-        <a:alpha val="0"/>
-      </a:schemeClr>
-    </dgm:linClrLst>
-    <dgm:effectClrLst/>
-    <dgm:txLinClrLst/>
-    <dgm:txFillClrLst meth="repeat">
-      <a:schemeClr val="tx1"/>
-    </dgm:txFillClrLst>
-    <dgm:txEffectClrLst/>
-  </dgm:styleLbl>
-</dgm:colorsDef>
-</file>
-
-<file path=ppt/diagrams/data1.xml><?xml version="1.0" encoding="utf-8"?>
-<dgm:dataModel xmlns:dgm="http://schemas.openxmlformats.org/drawingml/2006/diagram" xmlns:a="http://schemas.openxmlformats.org/drawingml/2006/main">
-  <dgm:ptLst>
-    <dgm:pt modelId="{FCC8923D-1C02-4F0A-BA97-113C006F84F3}" type="doc">
-      <dgm:prSet loTypeId="urn:microsoft.com/office/officeart/2005/8/layout/hList1" loCatId="list" qsTypeId="urn:microsoft.com/office/officeart/2005/8/quickstyle/simple1" qsCatId="simple" csTypeId="urn:microsoft.com/office/officeart/2005/8/colors/accent3_2" csCatId="accent3" phldr="1"/>
-      <dgm:spPr/>
-      <dgm:t>
-        <a:bodyPr/>
-        <a:lstStyle/>
-        <a:p>
-          <a:endParaRPr lang="en-GB"/>
-        </a:p>
-      </dgm:t>
-    </dgm:pt>
-    <dgm:pt modelId="{25B20CE3-F2BA-4B66-8727-7C1AD8C6CC89}">
-      <dgm:prSet phldrT="[Text]"/>
-      <dgm:spPr/>
-      <dgm:t>
-        <a:bodyPr/>
-        <a:lstStyle/>
-        <a:p>
-          <a:r>
-            <a:rPr lang="en-GB" dirty="0"/>
-            <a:t>Requirement analysis</a:t>
-          </a:r>
-        </a:p>
-      </dgm:t>
-    </dgm:pt>
-    <dgm:pt modelId="{EF6C7BA1-221E-4667-A8DD-F0C4008692CD}" type="parTrans" cxnId="{65A2AF46-B545-49B2-82B7-01F62900F06A}">
-      <dgm:prSet/>
-      <dgm:spPr/>
-      <dgm:t>
-        <a:bodyPr/>
-        <a:lstStyle/>
-        <a:p>
-          <a:endParaRPr lang="en-GB"/>
-        </a:p>
-      </dgm:t>
-    </dgm:pt>
-    <dgm:pt modelId="{319ADE62-7907-4649-9428-8DAD0D0CBD9D}" type="sibTrans" cxnId="{65A2AF46-B545-49B2-82B7-01F62900F06A}">
-      <dgm:prSet/>
-      <dgm:spPr/>
-      <dgm:t>
-        <a:bodyPr/>
-        <a:lstStyle/>
-        <a:p>
-          <a:endParaRPr lang="en-GB"/>
-        </a:p>
-      </dgm:t>
-    </dgm:pt>
-    <dgm:pt modelId="{1B3D78F2-D344-49FA-AD5F-204135470CA8}">
-      <dgm:prSet phldrT="[Text]"/>
-      <dgm:spPr/>
-      <dgm:t>
-        <a:bodyPr/>
-        <a:lstStyle/>
-        <a:p>
-          <a:r>
-            <a:rPr lang="en-GB" dirty="0"/>
-            <a:t>Robust</a:t>
-          </a:r>
-        </a:p>
-      </dgm:t>
-    </dgm:pt>
-    <dgm:pt modelId="{761BFC96-8461-41DB-810D-638524723C5C}" type="parTrans" cxnId="{21C21081-CB9F-4F3B-A4B8-9D1F6B3F9961}">
-      <dgm:prSet/>
-      <dgm:spPr/>
-      <dgm:t>
-        <a:bodyPr/>
-        <a:lstStyle/>
-        <a:p>
-          <a:endParaRPr lang="en-GB"/>
-        </a:p>
-      </dgm:t>
-    </dgm:pt>
-    <dgm:pt modelId="{BF3FF03A-4910-4EC8-89F2-70CF5A5B9CE8}" type="sibTrans" cxnId="{21C21081-CB9F-4F3B-A4B8-9D1F6B3F9961}">
-      <dgm:prSet/>
-      <dgm:spPr/>
-      <dgm:t>
-        <a:bodyPr/>
-        <a:lstStyle/>
-        <a:p>
-          <a:endParaRPr lang="en-GB"/>
-        </a:p>
-      </dgm:t>
-    </dgm:pt>
-    <dgm:pt modelId="{58833EB1-48C3-44FE-839D-3712D350D848}">
-      <dgm:prSet phldrT="[Text]"/>
-      <dgm:spPr/>
-      <dgm:t>
-        <a:bodyPr/>
-        <a:lstStyle/>
-        <a:p>
-          <a:r>
-            <a:rPr lang="en-GB" dirty="0"/>
-            <a:t>Fast</a:t>
-          </a:r>
-        </a:p>
-      </dgm:t>
-    </dgm:pt>
-    <dgm:pt modelId="{1B9E803A-827C-4642-A48F-7AFB8610B5C5}" type="parTrans" cxnId="{85A5A836-DFEE-4A31-AE75-7913054C7464}">
-      <dgm:prSet/>
-      <dgm:spPr/>
-      <dgm:t>
-        <a:bodyPr/>
-        <a:lstStyle/>
-        <a:p>
-          <a:endParaRPr lang="en-GB"/>
-        </a:p>
-      </dgm:t>
-    </dgm:pt>
-    <dgm:pt modelId="{43E2ECC0-A17E-4DA3-9BE9-E5797E83C1C3}" type="sibTrans" cxnId="{85A5A836-DFEE-4A31-AE75-7913054C7464}">
-      <dgm:prSet/>
-      <dgm:spPr/>
-      <dgm:t>
-        <a:bodyPr/>
-        <a:lstStyle/>
-        <a:p>
-          <a:endParaRPr lang="en-GB"/>
-        </a:p>
-      </dgm:t>
-    </dgm:pt>
-    <dgm:pt modelId="{FE2D95C6-68AA-414F-9718-ED6C7C224D4A}">
-      <dgm:prSet phldrT="[Text]"/>
-      <dgm:spPr/>
-      <dgm:t>
-        <a:bodyPr/>
-        <a:lstStyle/>
-        <a:p>
-          <a:r>
-            <a:rPr lang="en-GB" dirty="0"/>
-            <a:t>Protocol design</a:t>
-          </a:r>
-        </a:p>
-      </dgm:t>
-    </dgm:pt>
-    <dgm:pt modelId="{BC2B293B-101C-4351-87A4-0853CFBB9BB1}" type="parTrans" cxnId="{FBA2B149-ACF4-4045-8700-66EF7CAF0EB9}">
-      <dgm:prSet/>
-      <dgm:spPr/>
-      <dgm:t>
-        <a:bodyPr/>
-        <a:lstStyle/>
-        <a:p>
-          <a:endParaRPr lang="en-GB"/>
-        </a:p>
-      </dgm:t>
-    </dgm:pt>
-    <dgm:pt modelId="{7E1F24A0-0F70-46F9-8A9E-24FCE1959228}" type="sibTrans" cxnId="{FBA2B149-ACF4-4045-8700-66EF7CAF0EB9}">
-      <dgm:prSet/>
-      <dgm:spPr/>
-      <dgm:t>
-        <a:bodyPr/>
-        <a:lstStyle/>
-        <a:p>
-          <a:endParaRPr lang="en-GB"/>
-        </a:p>
-      </dgm:t>
-    </dgm:pt>
-    <dgm:pt modelId="{20AE3CD3-9581-4BAD-BAF3-4EB02E8FA467}">
-      <dgm:prSet phldrT="[Text]" custT="1"/>
-      <dgm:spPr/>
-      <dgm:t>
-        <a:bodyPr/>
-        <a:lstStyle/>
-        <a:p>
-          <a:r>
-            <a:rPr lang="en-GB" sz="1900" dirty="0"/>
-            <a:t>COBS (</a:t>
-          </a:r>
-          <a:r>
-            <a:rPr lang="en-GB" sz="2000" b="0" dirty="0"/>
-            <a:t>Consistent Overhead Byte Stuffing</a:t>
-          </a:r>
-          <a:r>
-            <a:rPr lang="en-GB" sz="1900" dirty="0"/>
-            <a:t>)</a:t>
-          </a:r>
-        </a:p>
-      </dgm:t>
-    </dgm:pt>
-    <dgm:pt modelId="{CFD50D0D-8D20-4766-A970-253FA1E473EF}" type="parTrans" cxnId="{9F06EA8E-54A3-442E-ACB9-1BE166D05200}">
-      <dgm:prSet/>
-      <dgm:spPr/>
-      <dgm:t>
-        <a:bodyPr/>
-        <a:lstStyle/>
-        <a:p>
-          <a:endParaRPr lang="en-GB"/>
-        </a:p>
-      </dgm:t>
-    </dgm:pt>
-    <dgm:pt modelId="{C9342DA7-9594-4CF3-876E-D093BDEFD202}" type="sibTrans" cxnId="{9F06EA8E-54A3-442E-ACB9-1BE166D05200}">
-      <dgm:prSet/>
-      <dgm:spPr/>
-      <dgm:t>
-        <a:bodyPr/>
-        <a:lstStyle/>
-        <a:p>
-          <a:endParaRPr lang="en-GB"/>
-        </a:p>
-      </dgm:t>
-    </dgm:pt>
-    <dgm:pt modelId="{19A4407C-924F-4918-A9FF-12011F4CEA9B}">
-      <dgm:prSet phldrT="[Text]"/>
-      <dgm:spPr/>
-      <dgm:t>
-        <a:bodyPr/>
-        <a:lstStyle/>
-        <a:p>
-          <a:r>
-            <a:rPr lang="en-GB" dirty="0"/>
-            <a:t>Implementation</a:t>
-          </a:r>
-        </a:p>
-      </dgm:t>
-    </dgm:pt>
-    <dgm:pt modelId="{9E2DFBE2-FF0F-4F86-B67D-D6E14A8D35B5}" type="parTrans" cxnId="{7EDD64B9-A0D2-445F-88B2-9A34FAC7208B}">
-      <dgm:prSet/>
-      <dgm:spPr/>
-      <dgm:t>
-        <a:bodyPr/>
-        <a:lstStyle/>
-        <a:p>
-          <a:endParaRPr lang="en-GB"/>
-        </a:p>
-      </dgm:t>
-    </dgm:pt>
-    <dgm:pt modelId="{47CFE9ED-B482-4493-864F-59AE7A543522}" type="sibTrans" cxnId="{7EDD64B9-A0D2-445F-88B2-9A34FAC7208B}">
-      <dgm:prSet/>
-      <dgm:spPr/>
-      <dgm:t>
-        <a:bodyPr/>
-        <a:lstStyle/>
-        <a:p>
-          <a:endParaRPr lang="en-GB"/>
-        </a:p>
-      </dgm:t>
-    </dgm:pt>
-    <dgm:pt modelId="{367259CD-3583-4C6D-8E0A-46093B187AEB}">
-      <dgm:prSet phldrT="[Text]"/>
-      <dgm:spPr/>
-      <dgm:t>
-        <a:bodyPr/>
-        <a:lstStyle/>
-        <a:p>
-          <a:r>
-            <a:rPr lang="en-GB" dirty="0"/>
-            <a:t>Different implementation on both microcontrollers</a:t>
-          </a:r>
-        </a:p>
-      </dgm:t>
-    </dgm:pt>
-    <dgm:pt modelId="{B75DB198-3B90-4A98-A3BA-38C178332DD7}" type="parTrans" cxnId="{69D9CD58-8573-4AD5-911D-19D2CC0389DE}">
-      <dgm:prSet/>
-      <dgm:spPr/>
-      <dgm:t>
-        <a:bodyPr/>
-        <a:lstStyle/>
-        <a:p>
-          <a:endParaRPr lang="en-GB"/>
-        </a:p>
-      </dgm:t>
-    </dgm:pt>
-    <dgm:pt modelId="{C6623FFE-EA17-4BF5-A819-B525C5C09E98}" type="sibTrans" cxnId="{69D9CD58-8573-4AD5-911D-19D2CC0389DE}">
-      <dgm:prSet/>
-      <dgm:spPr/>
-      <dgm:t>
-        <a:bodyPr/>
-        <a:lstStyle/>
-        <a:p>
-          <a:endParaRPr lang="en-GB"/>
-        </a:p>
-      </dgm:t>
-    </dgm:pt>
-    <dgm:pt modelId="{3380A10D-84CC-408C-9017-5D39B8D8C920}">
-      <dgm:prSet phldrT="[Text]"/>
-      <dgm:spPr/>
-      <dgm:t>
-        <a:bodyPr/>
-        <a:lstStyle/>
-        <a:p>
-          <a:r>
-            <a:rPr lang="en-GB" dirty="0"/>
-            <a:t>Testing</a:t>
-          </a:r>
-        </a:p>
-      </dgm:t>
-    </dgm:pt>
-    <dgm:pt modelId="{13213F54-13A0-4DAE-BDC7-C9E912B2606F}" type="parTrans" cxnId="{DDEC9806-A7A7-48F8-9939-04A8C03C04FF}">
-      <dgm:prSet/>
-      <dgm:spPr/>
-      <dgm:t>
-        <a:bodyPr/>
-        <a:lstStyle/>
-        <a:p>
-          <a:endParaRPr lang="en-GB"/>
-        </a:p>
-      </dgm:t>
-    </dgm:pt>
-    <dgm:pt modelId="{E023B4D1-F107-4758-A6D3-2F60C239E738}" type="sibTrans" cxnId="{DDEC9806-A7A7-48F8-9939-04A8C03C04FF}">
-      <dgm:prSet/>
-      <dgm:spPr/>
-      <dgm:t>
-        <a:bodyPr/>
-        <a:lstStyle/>
-        <a:p>
-          <a:endParaRPr lang="en-GB"/>
-        </a:p>
-      </dgm:t>
-    </dgm:pt>
-    <dgm:pt modelId="{ED974D52-B76B-49A3-8E99-54C9BE615D44}">
-      <dgm:prSet phldrT="[Text]"/>
-      <dgm:spPr/>
-      <dgm:t>
-        <a:bodyPr/>
-        <a:lstStyle/>
-        <a:p>
-          <a:r>
-            <a:rPr lang="en-GB" dirty="0"/>
-            <a:t>SPI drivers</a:t>
-          </a:r>
-        </a:p>
-      </dgm:t>
-    </dgm:pt>
-    <dgm:pt modelId="{B9DFA131-4203-4431-A072-C95F8A14FB48}" type="parTrans" cxnId="{CFE1F63D-D1C3-495E-A31B-87973EF3016A}">
-      <dgm:prSet/>
-      <dgm:spPr/>
-      <dgm:t>
-        <a:bodyPr/>
-        <a:lstStyle/>
-        <a:p>
-          <a:endParaRPr lang="en-GB"/>
-        </a:p>
-      </dgm:t>
-    </dgm:pt>
-    <dgm:pt modelId="{D2CC2640-6A42-4F1F-B15E-7DC63E8F8932}" type="sibTrans" cxnId="{CFE1F63D-D1C3-495E-A31B-87973EF3016A}">
-      <dgm:prSet/>
-      <dgm:spPr/>
-      <dgm:t>
-        <a:bodyPr/>
-        <a:lstStyle/>
-        <a:p>
-          <a:endParaRPr lang="en-GB"/>
-        </a:p>
-      </dgm:t>
-    </dgm:pt>
-    <dgm:pt modelId="{CDB271D0-6E9C-4853-BEBF-8C0C58ED76B3}">
-      <dgm:prSet phldrT="[Text]"/>
-      <dgm:spPr/>
-      <dgm:t>
-        <a:bodyPr/>
-        <a:lstStyle/>
-        <a:p>
-          <a:endParaRPr lang="en-GB" dirty="0"/>
-        </a:p>
-      </dgm:t>
-    </dgm:pt>
-    <dgm:pt modelId="{27973728-C45A-4C7B-892A-7D75D8BD9E14}" type="parTrans" cxnId="{FA4CD924-E3FE-4CFB-840C-634FBE4DCED8}">
-      <dgm:prSet/>
-      <dgm:spPr/>
-      <dgm:t>
-        <a:bodyPr/>
-        <a:lstStyle/>
-        <a:p>
-          <a:endParaRPr lang="en-GB"/>
-        </a:p>
-      </dgm:t>
-    </dgm:pt>
-    <dgm:pt modelId="{C1B4149F-5318-4D31-9BA7-C2EB5138B223}" type="sibTrans" cxnId="{FA4CD924-E3FE-4CFB-840C-634FBE4DCED8}">
-      <dgm:prSet/>
-      <dgm:spPr/>
-      <dgm:t>
-        <a:bodyPr/>
-        <a:lstStyle/>
-        <a:p>
-          <a:endParaRPr lang="en-GB"/>
-        </a:p>
-      </dgm:t>
-    </dgm:pt>
-    <dgm:pt modelId="{DDBEC27C-3A33-4C94-BCCF-51589B63D2AF}">
-      <dgm:prSet phldrT="[Text]" custT="1"/>
-      <dgm:spPr/>
-      <dgm:t>
-        <a:bodyPr/>
-        <a:lstStyle/>
-        <a:p>
-          <a:r>
-            <a:rPr lang="en-GB" sz="2000" dirty="0"/>
-            <a:t>Performance</a:t>
-          </a:r>
-        </a:p>
-      </dgm:t>
-    </dgm:pt>
-    <dgm:pt modelId="{A14B49BE-7643-4DCD-AD45-3563E5AC3BF7}" type="parTrans" cxnId="{FE009DCA-024D-4DA0-9320-A795D416E7E0}">
-      <dgm:prSet/>
-      <dgm:spPr/>
-      <dgm:t>
-        <a:bodyPr/>
-        <a:lstStyle/>
-        <a:p>
-          <a:endParaRPr lang="en-GB"/>
-        </a:p>
-      </dgm:t>
-    </dgm:pt>
-    <dgm:pt modelId="{AABB19A2-C92F-42E8-8712-302C7F729B5B}" type="sibTrans" cxnId="{FE009DCA-024D-4DA0-9320-A795D416E7E0}">
-      <dgm:prSet/>
-      <dgm:spPr/>
-      <dgm:t>
-        <a:bodyPr/>
-        <a:lstStyle/>
-        <a:p>
-          <a:endParaRPr lang="en-GB"/>
-        </a:p>
-      </dgm:t>
-    </dgm:pt>
-    <dgm:pt modelId="{95EE15FC-DA97-491E-AE7F-E3D2B7EA693C}">
-      <dgm:prSet phldrT="[Text]"/>
-      <dgm:spPr/>
-      <dgm:t>
-        <a:bodyPr/>
-        <a:lstStyle/>
-        <a:p>
-          <a:r>
-            <a:rPr lang="en-GB" dirty="0"/>
-            <a:t>Real time</a:t>
-          </a:r>
-        </a:p>
-      </dgm:t>
-    </dgm:pt>
-    <dgm:pt modelId="{78F6FB82-91C7-4B9C-A745-DEC58C5993F5}" type="parTrans" cxnId="{E231095B-1E09-466B-9C4B-62D589739689}">
-      <dgm:prSet/>
-      <dgm:spPr/>
-      <dgm:t>
-        <a:bodyPr/>
-        <a:lstStyle/>
-        <a:p>
-          <a:endParaRPr lang="en-GB"/>
-        </a:p>
-      </dgm:t>
-    </dgm:pt>
-    <dgm:pt modelId="{5AB2D185-E547-433B-A306-06014310D3D2}" type="sibTrans" cxnId="{E231095B-1E09-466B-9C4B-62D589739689}">
-      <dgm:prSet/>
-      <dgm:spPr/>
-      <dgm:t>
-        <a:bodyPr/>
-        <a:lstStyle/>
-        <a:p>
-          <a:endParaRPr lang="en-GB"/>
-        </a:p>
-      </dgm:t>
-    </dgm:pt>
-    <dgm:pt modelId="{D78BEAA3-1769-40AF-BB21-1FEDE668C53D}">
-      <dgm:prSet phldrT="[Text]"/>
-      <dgm:spPr/>
-      <dgm:t>
-        <a:bodyPr/>
-        <a:lstStyle/>
-        <a:p>
-          <a:r>
-            <a:rPr lang="en-GB" dirty="0"/>
-            <a:t>Expandable</a:t>
-          </a:r>
-        </a:p>
-      </dgm:t>
-    </dgm:pt>
-    <dgm:pt modelId="{B59CD722-B21F-40DA-B29F-16010C0B90D8}" type="parTrans" cxnId="{54C0C30E-F177-4159-A831-EC8F5CA2C483}">
-      <dgm:prSet/>
-      <dgm:spPr/>
-      <dgm:t>
-        <a:bodyPr/>
-        <a:lstStyle/>
-        <a:p>
-          <a:endParaRPr lang="en-GB"/>
-        </a:p>
-      </dgm:t>
-    </dgm:pt>
-    <dgm:pt modelId="{B298F9B3-89E4-4591-A05F-DDB23112CC09}" type="sibTrans" cxnId="{54C0C30E-F177-4159-A831-EC8F5CA2C483}">
-      <dgm:prSet/>
-      <dgm:spPr/>
-      <dgm:t>
-        <a:bodyPr/>
-        <a:lstStyle/>
-        <a:p>
-          <a:endParaRPr lang="en-GB"/>
-        </a:p>
-      </dgm:t>
-    </dgm:pt>
-    <dgm:pt modelId="{51CD9286-5F51-443B-B9DC-7862A0B12C37}">
-      <dgm:prSet phldrT="[Text]"/>
-      <dgm:spPr/>
-      <dgm:t>
-        <a:bodyPr/>
-        <a:lstStyle/>
-        <a:p>
-          <a:r>
-            <a:rPr lang="en-GB" sz="1900" dirty="0"/>
-            <a:t>Fletcher’s Checksum</a:t>
-          </a:r>
-        </a:p>
-      </dgm:t>
-    </dgm:pt>
-    <dgm:pt modelId="{87D17C0F-5FC3-4D87-AA4F-2CAB601B6EAF}" type="parTrans" cxnId="{E08687D1-2C0C-477C-A924-A9F7D1799115}">
-      <dgm:prSet/>
-      <dgm:spPr/>
-      <dgm:t>
-        <a:bodyPr/>
-        <a:lstStyle/>
-        <a:p>
-          <a:endParaRPr lang="en-GB"/>
-        </a:p>
-      </dgm:t>
-    </dgm:pt>
-    <dgm:pt modelId="{78222FC3-EE74-47A7-B42F-8F2691729E9B}" type="sibTrans" cxnId="{E08687D1-2C0C-477C-A924-A9F7D1799115}">
-      <dgm:prSet/>
-      <dgm:spPr/>
-      <dgm:t>
-        <a:bodyPr/>
-        <a:lstStyle/>
-        <a:p>
-          <a:endParaRPr lang="en-GB"/>
-        </a:p>
-      </dgm:t>
-    </dgm:pt>
-    <dgm:pt modelId="{22DB3E3D-CB24-4FE3-ACD5-B36A55FAE080}">
-      <dgm:prSet phldrT="[Text]"/>
-      <dgm:spPr/>
-      <dgm:t>
-        <a:bodyPr/>
-        <a:lstStyle/>
-        <a:p>
-          <a:r>
-            <a:rPr lang="en-GB" dirty="0"/>
-            <a:t>Error detection</a:t>
-          </a:r>
-        </a:p>
-      </dgm:t>
-    </dgm:pt>
-    <dgm:pt modelId="{D4CC8E52-B687-4FF5-BB63-5DD86A39EA88}" type="parTrans" cxnId="{AA69C404-48DA-4BAF-948F-F5C77EAF9CD2}">
-      <dgm:prSet/>
-      <dgm:spPr/>
-      <dgm:t>
-        <a:bodyPr/>
-        <a:lstStyle/>
-        <a:p>
-          <a:endParaRPr lang="en-GB"/>
-        </a:p>
-      </dgm:t>
-    </dgm:pt>
-    <dgm:pt modelId="{5F6250BB-4F4B-4A74-9669-A8C2F7D42D31}" type="sibTrans" cxnId="{AA69C404-48DA-4BAF-948F-F5C77EAF9CD2}">
-      <dgm:prSet/>
-      <dgm:spPr/>
-      <dgm:t>
-        <a:bodyPr/>
-        <a:lstStyle/>
-        <a:p>
-          <a:endParaRPr lang="en-GB"/>
-        </a:p>
-      </dgm:t>
-    </dgm:pt>
-    <dgm:pt modelId="{DB28B0CC-0545-4664-9DB1-DF5F57C2885B}">
-      <dgm:prSet phldrT="[Text]"/>
-      <dgm:spPr/>
-      <dgm:t>
-        <a:bodyPr/>
-        <a:lstStyle/>
-        <a:p>
-          <a:r>
-            <a:rPr lang="en-GB" dirty="0"/>
-            <a:t>Reliability</a:t>
-          </a:r>
-        </a:p>
-      </dgm:t>
-    </dgm:pt>
-    <dgm:pt modelId="{1DAE4590-32A0-40D3-B796-7921EE8BC91D}" type="parTrans" cxnId="{B02DC051-4474-448A-8416-8223223D69C6}">
-      <dgm:prSet/>
-      <dgm:spPr/>
-      <dgm:t>
-        <a:bodyPr/>
-        <a:lstStyle/>
-        <a:p>
-          <a:endParaRPr lang="en-GB"/>
-        </a:p>
-      </dgm:t>
-    </dgm:pt>
-    <dgm:pt modelId="{C0C88451-6F36-4AD9-9533-81EFEFE202BF}" type="sibTrans" cxnId="{B02DC051-4474-448A-8416-8223223D69C6}">
-      <dgm:prSet/>
-      <dgm:spPr/>
-      <dgm:t>
-        <a:bodyPr/>
-        <a:lstStyle/>
-        <a:p>
-          <a:endParaRPr lang="en-GB"/>
-        </a:p>
-      </dgm:t>
-    </dgm:pt>
-    <dgm:pt modelId="{900DA08A-CB03-49A3-A51F-560CB31758AE}">
-      <dgm:prSet phldrT="[Text]" custT="1"/>
-      <dgm:spPr/>
-      <dgm:t>
-        <a:bodyPr/>
-        <a:lstStyle/>
-        <a:p>
-          <a:r>
-            <a:rPr lang="en-GB" sz="2000" dirty="0"/>
-            <a:t>Robustness</a:t>
-          </a:r>
-        </a:p>
-      </dgm:t>
-    </dgm:pt>
-    <dgm:pt modelId="{07D0AA38-18C7-4360-8B95-69F6578CEB18}" type="parTrans" cxnId="{219C2599-CBDE-4D8A-B8A3-D8CA8A3CF351}">
-      <dgm:prSet/>
-      <dgm:spPr/>
-      <dgm:t>
-        <a:bodyPr/>
-        <a:lstStyle/>
-        <a:p>
-          <a:endParaRPr lang="en-GB"/>
-        </a:p>
-      </dgm:t>
-    </dgm:pt>
-    <dgm:pt modelId="{A8FCCD37-FDA8-4152-B9CC-9C3A58939BDA}" type="sibTrans" cxnId="{219C2599-CBDE-4D8A-B8A3-D8CA8A3CF351}">
-      <dgm:prSet/>
-      <dgm:spPr/>
-      <dgm:t>
-        <a:bodyPr/>
-        <a:lstStyle/>
-        <a:p>
-          <a:endParaRPr lang="en-GB"/>
-        </a:p>
-      </dgm:t>
-    </dgm:pt>
-    <dgm:pt modelId="{90476383-FCAD-49A9-A8C2-5FCA3FABFAD2}">
-      <dgm:prSet phldrT="[Text]"/>
-      <dgm:spPr/>
-      <dgm:t>
-        <a:bodyPr/>
-        <a:lstStyle/>
-        <a:p>
-          <a:r>
-            <a:rPr lang="en-GB" dirty="0"/>
-            <a:t>Easy access by a struct</a:t>
-          </a:r>
-        </a:p>
-      </dgm:t>
-    </dgm:pt>
-    <dgm:pt modelId="{17CB4363-828D-4B3E-93EF-D9D991BF5349}" type="parTrans" cxnId="{D399E4BA-4459-4435-B2D5-93AB53B7473D}">
-      <dgm:prSet/>
-      <dgm:spPr/>
-      <dgm:t>
-        <a:bodyPr/>
-        <a:lstStyle/>
-        <a:p>
-          <a:endParaRPr lang="de-DE"/>
-        </a:p>
-      </dgm:t>
-    </dgm:pt>
-    <dgm:pt modelId="{28922084-9DC7-4C41-81C3-B06C468E9F2A}" type="sibTrans" cxnId="{D399E4BA-4459-4435-B2D5-93AB53B7473D}">
-      <dgm:prSet/>
-      <dgm:spPr/>
-      <dgm:t>
-        <a:bodyPr/>
-        <a:lstStyle/>
-        <a:p>
-          <a:endParaRPr lang="de-DE"/>
-        </a:p>
-      </dgm:t>
-    </dgm:pt>
-    <dgm:pt modelId="{A9A4DDB9-E64E-4F0E-B2BD-F8419AC57381}" type="pres">
-      <dgm:prSet presAssocID="{FCC8923D-1C02-4F0A-BA97-113C006F84F3}" presName="Name0" presStyleCnt="0">
-        <dgm:presLayoutVars>
-          <dgm:dir/>
-          <dgm:animLvl val="lvl"/>
-          <dgm:resizeHandles val="exact"/>
-        </dgm:presLayoutVars>
-      </dgm:prSet>
-      <dgm:spPr/>
-    </dgm:pt>
-    <dgm:pt modelId="{9BCF8619-5F75-41E7-BC9B-15EE2797A200}" type="pres">
-      <dgm:prSet presAssocID="{25B20CE3-F2BA-4B66-8727-7C1AD8C6CC89}" presName="composite" presStyleCnt="0"/>
-      <dgm:spPr/>
-    </dgm:pt>
-    <dgm:pt modelId="{C9BAEBD8-2202-419E-947D-E128E1D1799C}" type="pres">
-      <dgm:prSet presAssocID="{25B20CE3-F2BA-4B66-8727-7C1AD8C6CC89}" presName="parTx" presStyleLbl="alignNode1" presStyleIdx="0" presStyleCnt="4">
-        <dgm:presLayoutVars>
-          <dgm:chMax val="0"/>
-          <dgm:chPref val="0"/>
-          <dgm:bulletEnabled val="1"/>
-        </dgm:presLayoutVars>
-      </dgm:prSet>
-      <dgm:spPr/>
-    </dgm:pt>
-    <dgm:pt modelId="{AB3F3ED0-C353-4106-AE9F-58BADC57B5A3}" type="pres">
-      <dgm:prSet presAssocID="{25B20CE3-F2BA-4B66-8727-7C1AD8C6CC89}" presName="desTx" presStyleLbl="alignAccFollowNode1" presStyleIdx="0" presStyleCnt="4">
-        <dgm:presLayoutVars>
-          <dgm:bulletEnabled val="1"/>
-        </dgm:presLayoutVars>
-      </dgm:prSet>
-      <dgm:spPr/>
-    </dgm:pt>
-    <dgm:pt modelId="{0E8D4E7F-E54D-46D7-A4F7-2E203372E328}" type="pres">
-      <dgm:prSet presAssocID="{319ADE62-7907-4649-9428-8DAD0D0CBD9D}" presName="space" presStyleCnt="0"/>
-      <dgm:spPr/>
-    </dgm:pt>
-    <dgm:pt modelId="{22325C39-9132-43F8-BC45-F9FE1053734F}" type="pres">
-      <dgm:prSet presAssocID="{FE2D95C6-68AA-414F-9718-ED6C7C224D4A}" presName="composite" presStyleCnt="0"/>
-      <dgm:spPr/>
-    </dgm:pt>
-    <dgm:pt modelId="{FCFA5902-CDA4-44D7-81F4-7642CD4645E5}" type="pres">
-      <dgm:prSet presAssocID="{FE2D95C6-68AA-414F-9718-ED6C7C224D4A}" presName="parTx" presStyleLbl="alignNode1" presStyleIdx="1" presStyleCnt="4">
-        <dgm:presLayoutVars>
-          <dgm:chMax val="0"/>
-          <dgm:chPref val="0"/>
-          <dgm:bulletEnabled val="1"/>
-        </dgm:presLayoutVars>
-      </dgm:prSet>
-      <dgm:spPr/>
-    </dgm:pt>
-    <dgm:pt modelId="{071927AB-A6EC-4C09-931D-02BE466E7B3F}" type="pres">
-      <dgm:prSet presAssocID="{FE2D95C6-68AA-414F-9718-ED6C7C224D4A}" presName="desTx" presStyleLbl="alignAccFollowNode1" presStyleIdx="1" presStyleCnt="4">
-        <dgm:presLayoutVars>
-          <dgm:bulletEnabled val="1"/>
-        </dgm:presLayoutVars>
-      </dgm:prSet>
-      <dgm:spPr/>
-    </dgm:pt>
-    <dgm:pt modelId="{3CFED7FD-68C2-4601-960F-9FFD1105741A}" type="pres">
-      <dgm:prSet presAssocID="{7E1F24A0-0F70-46F9-8A9E-24FCE1959228}" presName="space" presStyleCnt="0"/>
-      <dgm:spPr/>
-    </dgm:pt>
-    <dgm:pt modelId="{1D842957-B589-4ADA-B842-A53484ECE499}" type="pres">
-      <dgm:prSet presAssocID="{19A4407C-924F-4918-A9FF-12011F4CEA9B}" presName="composite" presStyleCnt="0"/>
-      <dgm:spPr/>
-    </dgm:pt>
-    <dgm:pt modelId="{270C6582-85ED-4E53-9018-63CDC739E4FE}" type="pres">
-      <dgm:prSet presAssocID="{19A4407C-924F-4918-A9FF-12011F4CEA9B}" presName="parTx" presStyleLbl="alignNode1" presStyleIdx="2" presStyleCnt="4">
-        <dgm:presLayoutVars>
-          <dgm:chMax val="0"/>
-          <dgm:chPref val="0"/>
-          <dgm:bulletEnabled val="1"/>
-        </dgm:presLayoutVars>
-      </dgm:prSet>
-      <dgm:spPr/>
-    </dgm:pt>
-    <dgm:pt modelId="{F1738DBC-2D18-47D2-97EF-7B3AB1B94588}" type="pres">
-      <dgm:prSet presAssocID="{19A4407C-924F-4918-A9FF-12011F4CEA9B}" presName="desTx" presStyleLbl="alignAccFollowNode1" presStyleIdx="2" presStyleCnt="4">
-        <dgm:presLayoutVars>
-          <dgm:bulletEnabled val="1"/>
-        </dgm:presLayoutVars>
-      </dgm:prSet>
-      <dgm:spPr/>
-    </dgm:pt>
-    <dgm:pt modelId="{168B8C67-786A-4BE7-A994-05F1E21F7509}" type="pres">
-      <dgm:prSet presAssocID="{47CFE9ED-B482-4493-864F-59AE7A543522}" presName="space" presStyleCnt="0"/>
-      <dgm:spPr/>
-    </dgm:pt>
-    <dgm:pt modelId="{E9AD59AB-0904-4A30-82CC-2263ED21CC21}" type="pres">
-      <dgm:prSet presAssocID="{3380A10D-84CC-408C-9017-5D39B8D8C920}" presName="composite" presStyleCnt="0"/>
-      <dgm:spPr/>
-    </dgm:pt>
-    <dgm:pt modelId="{195B9F5F-DC90-4DDE-A008-D743D5E18D83}" type="pres">
-      <dgm:prSet presAssocID="{3380A10D-84CC-408C-9017-5D39B8D8C920}" presName="parTx" presStyleLbl="alignNode1" presStyleIdx="3" presStyleCnt="4">
-        <dgm:presLayoutVars>
-          <dgm:chMax val="0"/>
-          <dgm:chPref val="0"/>
-          <dgm:bulletEnabled val="1"/>
-        </dgm:presLayoutVars>
-      </dgm:prSet>
-      <dgm:spPr/>
-    </dgm:pt>
-    <dgm:pt modelId="{E4CB8C97-4590-4E34-ADC6-DD42B8BDC192}" type="pres">
-      <dgm:prSet presAssocID="{3380A10D-84CC-408C-9017-5D39B8D8C920}" presName="desTx" presStyleLbl="alignAccFollowNode1" presStyleIdx="3" presStyleCnt="4">
-        <dgm:presLayoutVars>
-          <dgm:bulletEnabled val="1"/>
-        </dgm:presLayoutVars>
-      </dgm:prSet>
-      <dgm:spPr/>
-    </dgm:pt>
-  </dgm:ptLst>
-  <dgm:cxnLst>
-    <dgm:cxn modelId="{AA69C404-48DA-4BAF-948F-F5C77EAF9CD2}" srcId="{1B3D78F2-D344-49FA-AD5F-204135470CA8}" destId="{22DB3E3D-CB24-4FE3-ACD5-B36A55FAE080}" srcOrd="0" destOrd="0" parTransId="{D4CC8E52-B687-4FF5-BB63-5DD86A39EA88}" sibTransId="{5F6250BB-4F4B-4A74-9669-A8C2F7D42D31}"/>
-    <dgm:cxn modelId="{DDEC9806-A7A7-48F8-9939-04A8C03C04FF}" srcId="{FCC8923D-1C02-4F0A-BA97-113C006F84F3}" destId="{3380A10D-84CC-408C-9017-5D39B8D8C920}" srcOrd="3" destOrd="0" parTransId="{13213F54-13A0-4DAE-BDC7-C9E912B2606F}" sibTransId="{E023B4D1-F107-4758-A6D3-2F60C239E738}"/>
-    <dgm:cxn modelId="{92F5F606-8B69-431F-A74E-F88AF8529E40}" type="presOf" srcId="{DB28B0CC-0545-4664-9DB1-DF5F57C2885B}" destId="{AB3F3ED0-C353-4106-AE9F-58BADC57B5A3}" srcOrd="0" destOrd="2" presId="urn:microsoft.com/office/officeart/2005/8/layout/hList1"/>
-    <dgm:cxn modelId="{54C0C30E-F177-4159-A831-EC8F5CA2C483}" srcId="{25B20CE3-F2BA-4B66-8727-7C1AD8C6CC89}" destId="{D78BEAA3-1769-40AF-BB21-1FEDE668C53D}" srcOrd="3" destOrd="0" parTransId="{B59CD722-B21F-40DA-B29F-16010C0B90D8}" sibTransId="{B298F9B3-89E4-4591-A05F-DDB23112CC09}"/>
-    <dgm:cxn modelId="{504C1D22-6F1E-43EB-B00F-58A0DB036B63}" type="presOf" srcId="{95EE15FC-DA97-491E-AE7F-E3D2B7EA693C}" destId="{AB3F3ED0-C353-4106-AE9F-58BADC57B5A3}" srcOrd="0" destOrd="4" presId="urn:microsoft.com/office/officeart/2005/8/layout/hList1"/>
-    <dgm:cxn modelId="{FA4CD924-E3FE-4CFB-840C-634FBE4DCED8}" srcId="{19A4407C-924F-4918-A9FF-12011F4CEA9B}" destId="{CDB271D0-6E9C-4853-BEBF-8C0C58ED76B3}" srcOrd="3" destOrd="0" parTransId="{27973728-C45A-4C7B-892A-7D75D8BD9E14}" sibTransId="{C1B4149F-5318-4D31-9BA7-C2EB5138B223}"/>
-    <dgm:cxn modelId="{0670C235-F332-46FE-A5A6-5D53134420AE}" type="presOf" srcId="{1B3D78F2-D344-49FA-AD5F-204135470CA8}" destId="{AB3F3ED0-C353-4106-AE9F-58BADC57B5A3}" srcOrd="0" destOrd="0" presId="urn:microsoft.com/office/officeart/2005/8/layout/hList1"/>
-    <dgm:cxn modelId="{E3ED8C36-8848-43DC-8C0C-AD11BF6ABA3E}" type="presOf" srcId="{51CD9286-5F51-443B-B9DC-7862A0B12C37}" destId="{071927AB-A6EC-4C09-931D-02BE466E7B3F}" srcOrd="0" destOrd="1" presId="urn:microsoft.com/office/officeart/2005/8/layout/hList1"/>
-    <dgm:cxn modelId="{85A5A836-DFEE-4A31-AE75-7913054C7464}" srcId="{25B20CE3-F2BA-4B66-8727-7C1AD8C6CC89}" destId="{58833EB1-48C3-44FE-839D-3712D350D848}" srcOrd="1" destOrd="0" parTransId="{1B9E803A-827C-4642-A48F-7AFB8610B5C5}" sibTransId="{43E2ECC0-A17E-4DA3-9BE9-E5797E83C1C3}"/>
-    <dgm:cxn modelId="{CFE1F63D-D1C3-495E-A31B-87973EF3016A}" srcId="{19A4407C-924F-4918-A9FF-12011F4CEA9B}" destId="{ED974D52-B76B-49A3-8E99-54C9BE615D44}" srcOrd="1" destOrd="0" parTransId="{B9DFA131-4203-4431-A072-C95F8A14FB48}" sibTransId="{D2CC2640-6A42-4F1F-B15E-7DC63E8F8932}"/>
-    <dgm:cxn modelId="{E231095B-1E09-466B-9C4B-62D589739689}" srcId="{25B20CE3-F2BA-4B66-8727-7C1AD8C6CC89}" destId="{95EE15FC-DA97-491E-AE7F-E3D2B7EA693C}" srcOrd="2" destOrd="0" parTransId="{78F6FB82-91C7-4B9C-A745-DEC58C5993F5}" sibTransId="{5AB2D185-E547-433B-A306-06014310D3D2}"/>
-    <dgm:cxn modelId="{2098DA60-3FC0-48FA-A1AC-069218BB1676}" type="presOf" srcId="{D78BEAA3-1769-40AF-BB21-1FEDE668C53D}" destId="{AB3F3ED0-C353-4106-AE9F-58BADC57B5A3}" srcOrd="0" destOrd="5" presId="urn:microsoft.com/office/officeart/2005/8/layout/hList1"/>
-    <dgm:cxn modelId="{65A2AF46-B545-49B2-82B7-01F62900F06A}" srcId="{FCC8923D-1C02-4F0A-BA97-113C006F84F3}" destId="{25B20CE3-F2BA-4B66-8727-7C1AD8C6CC89}" srcOrd="0" destOrd="0" parTransId="{EF6C7BA1-221E-4667-A8DD-F0C4008692CD}" sibTransId="{319ADE62-7907-4649-9428-8DAD0D0CBD9D}"/>
-    <dgm:cxn modelId="{FBA2B149-ACF4-4045-8700-66EF7CAF0EB9}" srcId="{FCC8923D-1C02-4F0A-BA97-113C006F84F3}" destId="{FE2D95C6-68AA-414F-9718-ED6C7C224D4A}" srcOrd="1" destOrd="0" parTransId="{BC2B293B-101C-4351-87A4-0853CFBB9BB1}" sibTransId="{7E1F24A0-0F70-46F9-8A9E-24FCE1959228}"/>
-    <dgm:cxn modelId="{458D944E-2670-4681-A1B9-8ADDB9C66B5A}" type="presOf" srcId="{900DA08A-CB03-49A3-A51F-560CB31758AE}" destId="{E4CB8C97-4590-4E34-ADC6-DD42B8BDC192}" srcOrd="0" destOrd="1" presId="urn:microsoft.com/office/officeart/2005/8/layout/hList1"/>
-    <dgm:cxn modelId="{B02DC051-4474-448A-8416-8223223D69C6}" srcId="{1B3D78F2-D344-49FA-AD5F-204135470CA8}" destId="{DB28B0CC-0545-4664-9DB1-DF5F57C2885B}" srcOrd="1" destOrd="0" parTransId="{1DAE4590-32A0-40D3-B796-7921EE8BC91D}" sibTransId="{C0C88451-6F36-4AD9-9533-81EFEFE202BF}"/>
-    <dgm:cxn modelId="{69D9CD58-8573-4AD5-911D-19D2CC0389DE}" srcId="{19A4407C-924F-4918-A9FF-12011F4CEA9B}" destId="{367259CD-3583-4C6D-8E0A-46093B187AEB}" srcOrd="0" destOrd="0" parTransId="{B75DB198-3B90-4A98-A3BA-38C178332DD7}" sibTransId="{C6623FFE-EA17-4BF5-A819-B525C5C09E98}"/>
-    <dgm:cxn modelId="{0FF09759-E691-499C-81DA-7A53AC68B6D9}" type="presOf" srcId="{3380A10D-84CC-408C-9017-5D39B8D8C920}" destId="{195B9F5F-DC90-4DDE-A008-D743D5E18D83}" srcOrd="0" destOrd="0" presId="urn:microsoft.com/office/officeart/2005/8/layout/hList1"/>
-    <dgm:cxn modelId="{170BEC59-61D6-4755-B7FE-CD925DE27719}" type="presOf" srcId="{20AE3CD3-9581-4BAD-BAF3-4EB02E8FA467}" destId="{071927AB-A6EC-4C09-931D-02BE466E7B3F}" srcOrd="0" destOrd="0" presId="urn:microsoft.com/office/officeart/2005/8/layout/hList1"/>
-    <dgm:cxn modelId="{9283C27F-BB9A-4D4B-A326-E05A119FDD08}" type="presOf" srcId="{90476383-FCAD-49A9-A8C2-5FCA3FABFAD2}" destId="{F1738DBC-2D18-47D2-97EF-7B3AB1B94588}" srcOrd="0" destOrd="2" presId="urn:microsoft.com/office/officeart/2005/8/layout/hList1"/>
-    <dgm:cxn modelId="{21C21081-CB9F-4F3B-A4B8-9D1F6B3F9961}" srcId="{25B20CE3-F2BA-4B66-8727-7C1AD8C6CC89}" destId="{1B3D78F2-D344-49FA-AD5F-204135470CA8}" srcOrd="0" destOrd="0" parTransId="{761BFC96-8461-41DB-810D-638524723C5C}" sibTransId="{BF3FF03A-4910-4EC8-89F2-70CF5A5B9CE8}"/>
-    <dgm:cxn modelId="{DAC39E88-5DA7-4A05-A871-6FF16C05D23E}" type="presOf" srcId="{22DB3E3D-CB24-4FE3-ACD5-B36A55FAE080}" destId="{AB3F3ED0-C353-4106-AE9F-58BADC57B5A3}" srcOrd="0" destOrd="1" presId="urn:microsoft.com/office/officeart/2005/8/layout/hList1"/>
-    <dgm:cxn modelId="{9F06EA8E-54A3-442E-ACB9-1BE166D05200}" srcId="{FE2D95C6-68AA-414F-9718-ED6C7C224D4A}" destId="{20AE3CD3-9581-4BAD-BAF3-4EB02E8FA467}" srcOrd="0" destOrd="0" parTransId="{CFD50D0D-8D20-4766-A970-253FA1E473EF}" sibTransId="{C9342DA7-9594-4CF3-876E-D093BDEFD202}"/>
-    <dgm:cxn modelId="{4E313295-B0CC-4093-A9E7-37F14EDDADA2}" type="presOf" srcId="{FE2D95C6-68AA-414F-9718-ED6C7C224D4A}" destId="{FCFA5902-CDA4-44D7-81F4-7642CD4645E5}" srcOrd="0" destOrd="0" presId="urn:microsoft.com/office/officeart/2005/8/layout/hList1"/>
-    <dgm:cxn modelId="{219C2599-CBDE-4D8A-B8A3-D8CA8A3CF351}" srcId="{3380A10D-84CC-408C-9017-5D39B8D8C920}" destId="{900DA08A-CB03-49A3-A51F-560CB31758AE}" srcOrd="1" destOrd="0" parTransId="{07D0AA38-18C7-4360-8B95-69F6578CEB18}" sibTransId="{A8FCCD37-FDA8-4152-B9CC-9C3A58939BDA}"/>
-    <dgm:cxn modelId="{7EDD64B9-A0D2-445F-88B2-9A34FAC7208B}" srcId="{FCC8923D-1C02-4F0A-BA97-113C006F84F3}" destId="{19A4407C-924F-4918-A9FF-12011F4CEA9B}" srcOrd="2" destOrd="0" parTransId="{9E2DFBE2-FF0F-4F86-B67D-D6E14A8D35B5}" sibTransId="{47CFE9ED-B482-4493-864F-59AE7A543522}"/>
-    <dgm:cxn modelId="{D399E4BA-4459-4435-B2D5-93AB53B7473D}" srcId="{19A4407C-924F-4918-A9FF-12011F4CEA9B}" destId="{90476383-FCAD-49A9-A8C2-5FCA3FABFAD2}" srcOrd="2" destOrd="0" parTransId="{17CB4363-828D-4B3E-93EF-D9D991BF5349}" sibTransId="{28922084-9DC7-4C41-81C3-B06C468E9F2A}"/>
-    <dgm:cxn modelId="{15ED37BB-B3BE-46D6-80E7-C1C42C2D8715}" type="presOf" srcId="{19A4407C-924F-4918-A9FF-12011F4CEA9B}" destId="{270C6582-85ED-4E53-9018-63CDC739E4FE}" srcOrd="0" destOrd="0" presId="urn:microsoft.com/office/officeart/2005/8/layout/hList1"/>
-    <dgm:cxn modelId="{891C0DC9-229B-4D4B-A388-042DC5C416D2}" type="presOf" srcId="{CDB271D0-6E9C-4853-BEBF-8C0C58ED76B3}" destId="{F1738DBC-2D18-47D2-97EF-7B3AB1B94588}" srcOrd="0" destOrd="3" presId="urn:microsoft.com/office/officeart/2005/8/layout/hList1"/>
-    <dgm:cxn modelId="{FE009DCA-024D-4DA0-9320-A795D416E7E0}" srcId="{3380A10D-84CC-408C-9017-5D39B8D8C920}" destId="{DDBEC27C-3A33-4C94-BCCF-51589B63D2AF}" srcOrd="0" destOrd="0" parTransId="{A14B49BE-7643-4DCD-AD45-3563E5AC3BF7}" sibTransId="{AABB19A2-C92F-42E8-8712-302C7F729B5B}"/>
-    <dgm:cxn modelId="{E08687D1-2C0C-477C-A924-A9F7D1799115}" srcId="{FE2D95C6-68AA-414F-9718-ED6C7C224D4A}" destId="{51CD9286-5F51-443B-B9DC-7862A0B12C37}" srcOrd="1" destOrd="0" parTransId="{87D17C0F-5FC3-4D87-AA4F-2CAB601B6EAF}" sibTransId="{78222FC3-EE74-47A7-B42F-8F2691729E9B}"/>
-    <dgm:cxn modelId="{B59477E4-71D4-47A3-A50B-54D2ED0D721D}" type="presOf" srcId="{FCC8923D-1C02-4F0A-BA97-113C006F84F3}" destId="{A9A4DDB9-E64E-4F0E-B2BD-F8419AC57381}" srcOrd="0" destOrd="0" presId="urn:microsoft.com/office/officeart/2005/8/layout/hList1"/>
-    <dgm:cxn modelId="{1CDF75E6-A943-48A7-80EC-331DAD6A28FB}" type="presOf" srcId="{58833EB1-48C3-44FE-839D-3712D350D848}" destId="{AB3F3ED0-C353-4106-AE9F-58BADC57B5A3}" srcOrd="0" destOrd="3" presId="urn:microsoft.com/office/officeart/2005/8/layout/hList1"/>
-    <dgm:cxn modelId="{17D5E1E6-1E6F-4BE2-B84A-4BF98347758B}" type="presOf" srcId="{ED974D52-B76B-49A3-8E99-54C9BE615D44}" destId="{F1738DBC-2D18-47D2-97EF-7B3AB1B94588}" srcOrd="0" destOrd="1" presId="urn:microsoft.com/office/officeart/2005/8/layout/hList1"/>
-    <dgm:cxn modelId="{25EA90EF-A92A-415F-AE1C-BA5ECBD4BDA8}" type="presOf" srcId="{25B20CE3-F2BA-4B66-8727-7C1AD8C6CC89}" destId="{C9BAEBD8-2202-419E-947D-E128E1D1799C}" srcOrd="0" destOrd="0" presId="urn:microsoft.com/office/officeart/2005/8/layout/hList1"/>
-    <dgm:cxn modelId="{1BE3F6EF-816E-4A50-8D1F-FDAC5E96140D}" type="presOf" srcId="{DDBEC27C-3A33-4C94-BCCF-51589B63D2AF}" destId="{E4CB8C97-4590-4E34-ADC6-DD42B8BDC192}" srcOrd="0" destOrd="0" presId="urn:microsoft.com/office/officeart/2005/8/layout/hList1"/>
-    <dgm:cxn modelId="{3C01DCFA-3C73-4F1F-AA6F-36BB31406FFE}" type="presOf" srcId="{367259CD-3583-4C6D-8E0A-46093B187AEB}" destId="{F1738DBC-2D18-47D2-97EF-7B3AB1B94588}" srcOrd="0" destOrd="0" presId="urn:microsoft.com/office/officeart/2005/8/layout/hList1"/>
-    <dgm:cxn modelId="{27CC73D6-6698-49D3-945A-7D45FA0017CA}" type="presParOf" srcId="{A9A4DDB9-E64E-4F0E-B2BD-F8419AC57381}" destId="{9BCF8619-5F75-41E7-BC9B-15EE2797A200}" srcOrd="0" destOrd="0" presId="urn:microsoft.com/office/officeart/2005/8/layout/hList1"/>
-    <dgm:cxn modelId="{23951400-F5EF-4824-A5A0-D668CCC11BA7}" type="presParOf" srcId="{9BCF8619-5F75-41E7-BC9B-15EE2797A200}" destId="{C9BAEBD8-2202-419E-947D-E128E1D1799C}" srcOrd="0" destOrd="0" presId="urn:microsoft.com/office/officeart/2005/8/layout/hList1"/>
-    <dgm:cxn modelId="{3DF485F5-B5D4-4F0B-8466-D1F7B43D262E}" type="presParOf" srcId="{9BCF8619-5F75-41E7-BC9B-15EE2797A200}" destId="{AB3F3ED0-C353-4106-AE9F-58BADC57B5A3}" srcOrd="1" destOrd="0" presId="urn:microsoft.com/office/officeart/2005/8/layout/hList1"/>
-    <dgm:cxn modelId="{AF36CD21-2FA3-45F4-9ADA-B7A85B5CAE5C}" type="presParOf" srcId="{A9A4DDB9-E64E-4F0E-B2BD-F8419AC57381}" destId="{0E8D4E7F-E54D-46D7-A4F7-2E203372E328}" srcOrd="1" destOrd="0" presId="urn:microsoft.com/office/officeart/2005/8/layout/hList1"/>
-    <dgm:cxn modelId="{82B9DF8B-B16E-4B72-9FDD-FC397C13692E}" type="presParOf" srcId="{A9A4DDB9-E64E-4F0E-B2BD-F8419AC57381}" destId="{22325C39-9132-43F8-BC45-F9FE1053734F}" srcOrd="2" destOrd="0" presId="urn:microsoft.com/office/officeart/2005/8/layout/hList1"/>
-    <dgm:cxn modelId="{7B8300AD-DDBD-4954-8549-503A92E0C06D}" type="presParOf" srcId="{22325C39-9132-43F8-BC45-F9FE1053734F}" destId="{FCFA5902-CDA4-44D7-81F4-7642CD4645E5}" srcOrd="0" destOrd="0" presId="urn:microsoft.com/office/officeart/2005/8/layout/hList1"/>
-    <dgm:cxn modelId="{94464015-B3CB-4C77-A433-47A8E0DD504F}" type="presParOf" srcId="{22325C39-9132-43F8-BC45-F9FE1053734F}" destId="{071927AB-A6EC-4C09-931D-02BE466E7B3F}" srcOrd="1" destOrd="0" presId="urn:microsoft.com/office/officeart/2005/8/layout/hList1"/>
-    <dgm:cxn modelId="{83DAB007-813D-4160-BD5B-9262F7F240B8}" type="presParOf" srcId="{A9A4DDB9-E64E-4F0E-B2BD-F8419AC57381}" destId="{3CFED7FD-68C2-4601-960F-9FFD1105741A}" srcOrd="3" destOrd="0" presId="urn:microsoft.com/office/officeart/2005/8/layout/hList1"/>
-    <dgm:cxn modelId="{8AD49B7D-93D1-4956-A6C2-A26E8DBB24E4}" type="presParOf" srcId="{A9A4DDB9-E64E-4F0E-B2BD-F8419AC57381}" destId="{1D842957-B589-4ADA-B842-A53484ECE499}" srcOrd="4" destOrd="0" presId="urn:microsoft.com/office/officeart/2005/8/layout/hList1"/>
-    <dgm:cxn modelId="{1520457F-A779-426E-8FF7-D42FC16B2D05}" type="presParOf" srcId="{1D842957-B589-4ADA-B842-A53484ECE499}" destId="{270C6582-85ED-4E53-9018-63CDC739E4FE}" srcOrd="0" destOrd="0" presId="urn:microsoft.com/office/officeart/2005/8/layout/hList1"/>
-    <dgm:cxn modelId="{965C5C81-9E68-4685-A340-DB02FC2C70D8}" type="presParOf" srcId="{1D842957-B589-4ADA-B842-A53484ECE499}" destId="{F1738DBC-2D18-47D2-97EF-7B3AB1B94588}" srcOrd="1" destOrd="0" presId="urn:microsoft.com/office/officeart/2005/8/layout/hList1"/>
-    <dgm:cxn modelId="{689AAF62-58DA-4AD1-84B4-32DAC6A2036E}" type="presParOf" srcId="{A9A4DDB9-E64E-4F0E-B2BD-F8419AC57381}" destId="{168B8C67-786A-4BE7-A994-05F1E21F7509}" srcOrd="5" destOrd="0" presId="urn:microsoft.com/office/officeart/2005/8/layout/hList1"/>
-    <dgm:cxn modelId="{DD5A932B-A863-4C48-8183-0B4C08CC314D}" type="presParOf" srcId="{A9A4DDB9-E64E-4F0E-B2BD-F8419AC57381}" destId="{E9AD59AB-0904-4A30-82CC-2263ED21CC21}" srcOrd="6" destOrd="0" presId="urn:microsoft.com/office/officeart/2005/8/layout/hList1"/>
-    <dgm:cxn modelId="{21E1ED17-DF22-45C2-B97F-455F0EC97B48}" type="presParOf" srcId="{E9AD59AB-0904-4A30-82CC-2263ED21CC21}" destId="{195B9F5F-DC90-4DDE-A008-D743D5E18D83}" srcOrd="0" destOrd="0" presId="urn:microsoft.com/office/officeart/2005/8/layout/hList1"/>
-    <dgm:cxn modelId="{9F215EE0-550E-48E3-B0E9-2C31794D7E52}" type="presParOf" srcId="{E9AD59AB-0904-4A30-82CC-2263ED21CC21}" destId="{E4CB8C97-4590-4E34-ADC6-DD42B8BDC192}" srcOrd="1" destOrd="0" presId="urn:microsoft.com/office/officeart/2005/8/layout/hList1"/>
-  </dgm:cxnLst>
-  <dgm:bg/>
-  <dgm:whole/>
-  <dgm:extLst>
-    <a:ext uri="http://schemas.microsoft.com/office/drawing/2008/diagram">
-      <dsp:dataModelExt xmlns:dsp="http://schemas.microsoft.com/office/drawing/2008/diagram" relId="rId7" minVer="http://schemas.openxmlformats.org/drawingml/2006/diagram"/>
-    </a:ext>
-    <a:ext uri="{C62137D5-CB1D-491B-B009-E17868A290BF}">
-      <dgm14:recolorImg xmlns:dgm14="http://schemas.microsoft.com/office/drawing/2010/diagram" val="1"/>
-    </a:ext>
-  </dgm:extLst>
-</dgm:dataModel>
-</file>
-
-<file path=ppt/diagrams/drawing1.xml><?xml version="1.0" encoding="utf-8"?>
-<dsp:drawing xmlns:dgm="http://schemas.openxmlformats.org/drawingml/2006/diagram" xmlns:dsp="http://schemas.microsoft.com/office/drawing/2008/diagram" xmlns:a="http://schemas.openxmlformats.org/drawingml/2006/main">
-  <dsp:spTree>
-    <dsp:nvGrpSpPr>
-      <dsp:cNvPr id="0" name=""/>
-      <dsp:cNvGrpSpPr/>
-    </dsp:nvGrpSpPr>
-    <dsp:grpSpPr/>
-    <dsp:sp modelId="{C9BAEBD8-2202-419E-947D-E128E1D1799C}">
-      <dsp:nvSpPr>
-        <dsp:cNvPr id="0" name=""/>
-        <dsp:cNvSpPr/>
-      </dsp:nvSpPr>
-      <dsp:spPr>
-        <a:xfrm>
-          <a:off x="3248" y="1099730"/>
-          <a:ext cx="1953094" cy="589850"/>
-        </a:xfrm>
-        <a:prstGeom prst="rect">
-          <a:avLst/>
-        </a:prstGeom>
-        <a:solidFill>
-          <a:schemeClr val="accent3">
-            <a:hueOff val="0"/>
-            <a:satOff val="0"/>
-            <a:lumOff val="0"/>
-            <a:alphaOff val="0"/>
-          </a:schemeClr>
-        </a:solidFill>
-        <a:ln w="25400" cap="flat" cmpd="sng" algn="ctr">
-          <a:solidFill>
-            <a:schemeClr val="accent3">
-              <a:hueOff val="0"/>
-              <a:satOff val="0"/>
-              <a:lumOff val="0"/>
-              <a:alphaOff val="0"/>
-            </a:schemeClr>
-          </a:solidFill>
-          <a:prstDash val="solid"/>
-        </a:ln>
-        <a:effectLst/>
-      </dsp:spPr>
-      <dsp:style>
-        <a:lnRef idx="2">
-          <a:scrgbClr r="0" g="0" b="0"/>
-        </a:lnRef>
-        <a:fillRef idx="1">
-          <a:scrgbClr r="0" g="0" b="0"/>
-        </a:fillRef>
-        <a:effectRef idx="0">
-          <a:scrgbClr r="0" g="0" b="0"/>
-        </a:effectRef>
-        <a:fontRef idx="minor">
-          <a:schemeClr val="lt1"/>
-        </a:fontRef>
-      </dsp:style>
-      <dsp:txBody>
-        <a:bodyPr spcFirstLastPara="0" vert="horz" wrap="square" lIns="120904" tIns="69088" rIns="120904" bIns="69088" numCol="1" spcCol="1270" anchor="ctr" anchorCtr="0">
-          <a:noAutofit/>
-        </a:bodyPr>
-        <a:lstStyle/>
-        <a:p>
-          <a:pPr marL="0" lvl="0" indent="0" algn="ctr" defTabSz="755650">
-            <a:lnSpc>
-              <a:spcPct val="90000"/>
-            </a:lnSpc>
-            <a:spcBef>
-              <a:spcPct val="0"/>
-            </a:spcBef>
-            <a:spcAft>
-              <a:spcPct val="35000"/>
-            </a:spcAft>
-            <a:buNone/>
-          </a:pPr>
-          <a:r>
-            <a:rPr lang="en-GB" sz="1700" kern="1200" dirty="0"/>
-            <a:t>Requirement analysis</a:t>
-          </a:r>
-        </a:p>
-      </dsp:txBody>
-      <dsp:txXfrm>
-        <a:off x="3248" y="1099730"/>
-        <a:ext cx="1953094" cy="589850"/>
-      </dsp:txXfrm>
-    </dsp:sp>
-    <dsp:sp modelId="{AB3F3ED0-C353-4106-AE9F-58BADC57B5A3}">
-      <dsp:nvSpPr>
-        <dsp:cNvPr id="0" name=""/>
-        <dsp:cNvSpPr/>
-      </dsp:nvSpPr>
-      <dsp:spPr>
-        <a:xfrm>
-          <a:off x="3248" y="1689581"/>
-          <a:ext cx="1953094" cy="2132007"/>
-        </a:xfrm>
-        <a:prstGeom prst="rect">
-          <a:avLst/>
-        </a:prstGeom>
-        <a:solidFill>
-          <a:schemeClr val="accent3">
-            <a:alpha val="90000"/>
-            <a:tint val="40000"/>
-            <a:hueOff val="0"/>
-            <a:satOff val="0"/>
-            <a:lumOff val="0"/>
-            <a:alphaOff val="0"/>
-          </a:schemeClr>
-        </a:solidFill>
-        <a:ln w="25400" cap="flat" cmpd="sng" algn="ctr">
-          <a:solidFill>
-            <a:schemeClr val="accent3">
-              <a:alpha val="90000"/>
-              <a:tint val="40000"/>
-              <a:hueOff val="0"/>
-              <a:satOff val="0"/>
-              <a:lumOff val="0"/>
-              <a:alphaOff val="0"/>
-            </a:schemeClr>
-          </a:solidFill>
-          <a:prstDash val="solid"/>
-        </a:ln>
-        <a:effectLst/>
-      </dsp:spPr>
-      <dsp:style>
-        <a:lnRef idx="2">
-          <a:scrgbClr r="0" g="0" b="0"/>
-        </a:lnRef>
-        <a:fillRef idx="1">
-          <a:scrgbClr r="0" g="0" b="0"/>
-        </a:fillRef>
-        <a:effectRef idx="0">
-          <a:scrgbClr r="0" g="0" b="0"/>
-        </a:effectRef>
-        <a:fontRef idx="minor"/>
-      </dsp:style>
-      <dsp:txBody>
-        <a:bodyPr spcFirstLastPara="0" vert="horz" wrap="square" lIns="90678" tIns="90678" rIns="120904" bIns="136017" numCol="1" spcCol="1270" anchor="t" anchorCtr="0">
-          <a:noAutofit/>
-        </a:bodyPr>
-        <a:lstStyle/>
-        <a:p>
-          <a:pPr marL="171450" lvl="1" indent="-171450" algn="l" defTabSz="755650">
-            <a:lnSpc>
-              <a:spcPct val="90000"/>
-            </a:lnSpc>
-            <a:spcBef>
-              <a:spcPct val="0"/>
-            </a:spcBef>
-            <a:spcAft>
-              <a:spcPct val="15000"/>
-            </a:spcAft>
-            <a:buChar char="•"/>
-          </a:pPr>
-          <a:r>
-            <a:rPr lang="en-GB" sz="1700" kern="1200" dirty="0"/>
-            <a:t>Robust</a:t>
-          </a:r>
-        </a:p>
-        <a:p>
-          <a:pPr marL="342900" lvl="2" indent="-171450" algn="l" defTabSz="755650">
-            <a:lnSpc>
-              <a:spcPct val="90000"/>
-            </a:lnSpc>
-            <a:spcBef>
-              <a:spcPct val="0"/>
-            </a:spcBef>
-            <a:spcAft>
-              <a:spcPct val="15000"/>
-            </a:spcAft>
-            <a:buChar char="•"/>
-          </a:pPr>
-          <a:r>
-            <a:rPr lang="en-GB" sz="1700" kern="1200" dirty="0"/>
-            <a:t>Error detection</a:t>
-          </a:r>
-        </a:p>
-        <a:p>
-          <a:pPr marL="342900" lvl="2" indent="-171450" algn="l" defTabSz="755650">
-            <a:lnSpc>
-              <a:spcPct val="90000"/>
-            </a:lnSpc>
-            <a:spcBef>
-              <a:spcPct val="0"/>
-            </a:spcBef>
-            <a:spcAft>
-              <a:spcPct val="15000"/>
-            </a:spcAft>
-            <a:buChar char="•"/>
-          </a:pPr>
-          <a:r>
-            <a:rPr lang="en-GB" sz="1700" kern="1200" dirty="0"/>
-            <a:t>Reliability</a:t>
-          </a:r>
-        </a:p>
-        <a:p>
-          <a:pPr marL="171450" lvl="1" indent="-171450" algn="l" defTabSz="755650">
-            <a:lnSpc>
-              <a:spcPct val="90000"/>
-            </a:lnSpc>
-            <a:spcBef>
-              <a:spcPct val="0"/>
-            </a:spcBef>
-            <a:spcAft>
-              <a:spcPct val="15000"/>
-            </a:spcAft>
-            <a:buChar char="•"/>
-          </a:pPr>
-          <a:r>
-            <a:rPr lang="en-GB" sz="1700" kern="1200" dirty="0"/>
-            <a:t>Fast</a:t>
-          </a:r>
-        </a:p>
-        <a:p>
-          <a:pPr marL="171450" lvl="1" indent="-171450" algn="l" defTabSz="755650">
-            <a:lnSpc>
-              <a:spcPct val="90000"/>
-            </a:lnSpc>
-            <a:spcBef>
-              <a:spcPct val="0"/>
-            </a:spcBef>
-            <a:spcAft>
-              <a:spcPct val="15000"/>
-            </a:spcAft>
-            <a:buChar char="•"/>
-          </a:pPr>
-          <a:r>
-            <a:rPr lang="en-GB" sz="1700" kern="1200" dirty="0"/>
-            <a:t>Real time</a:t>
-          </a:r>
-        </a:p>
-        <a:p>
-          <a:pPr marL="171450" lvl="1" indent="-171450" algn="l" defTabSz="755650">
-            <a:lnSpc>
-              <a:spcPct val="90000"/>
-            </a:lnSpc>
-            <a:spcBef>
-              <a:spcPct val="0"/>
-            </a:spcBef>
-            <a:spcAft>
-              <a:spcPct val="15000"/>
-            </a:spcAft>
-            <a:buChar char="•"/>
-          </a:pPr>
-          <a:r>
-            <a:rPr lang="en-GB" sz="1700" kern="1200" dirty="0"/>
-            <a:t>Expandable</a:t>
-          </a:r>
-        </a:p>
-      </dsp:txBody>
-      <dsp:txXfrm>
-        <a:off x="3248" y="1689581"/>
-        <a:ext cx="1953094" cy="2132007"/>
-      </dsp:txXfrm>
-    </dsp:sp>
-    <dsp:sp modelId="{FCFA5902-CDA4-44D7-81F4-7642CD4645E5}">
-      <dsp:nvSpPr>
-        <dsp:cNvPr id="0" name=""/>
-        <dsp:cNvSpPr/>
-      </dsp:nvSpPr>
-      <dsp:spPr>
-        <a:xfrm>
-          <a:off x="2229776" y="1099730"/>
-          <a:ext cx="1953094" cy="589850"/>
-        </a:xfrm>
-        <a:prstGeom prst="rect">
-          <a:avLst/>
-        </a:prstGeom>
-        <a:solidFill>
-          <a:schemeClr val="accent3">
-            <a:hueOff val="0"/>
-            <a:satOff val="0"/>
-            <a:lumOff val="0"/>
-            <a:alphaOff val="0"/>
-          </a:schemeClr>
-        </a:solidFill>
-        <a:ln w="25400" cap="flat" cmpd="sng" algn="ctr">
-          <a:solidFill>
-            <a:schemeClr val="accent3">
-              <a:hueOff val="0"/>
-              <a:satOff val="0"/>
-              <a:lumOff val="0"/>
-              <a:alphaOff val="0"/>
-            </a:schemeClr>
-          </a:solidFill>
-          <a:prstDash val="solid"/>
-        </a:ln>
-        <a:effectLst/>
-      </dsp:spPr>
-      <dsp:style>
-        <a:lnRef idx="2">
-          <a:scrgbClr r="0" g="0" b="0"/>
-        </a:lnRef>
-        <a:fillRef idx="1">
-          <a:scrgbClr r="0" g="0" b="0"/>
-        </a:fillRef>
-        <a:effectRef idx="0">
-          <a:scrgbClr r="0" g="0" b="0"/>
-        </a:effectRef>
-        <a:fontRef idx="minor">
-          <a:schemeClr val="lt1"/>
-        </a:fontRef>
-      </dsp:style>
-      <dsp:txBody>
-        <a:bodyPr spcFirstLastPara="0" vert="horz" wrap="square" lIns="120904" tIns="69088" rIns="120904" bIns="69088" numCol="1" spcCol="1270" anchor="ctr" anchorCtr="0">
-          <a:noAutofit/>
-        </a:bodyPr>
-        <a:lstStyle/>
-        <a:p>
-          <a:pPr marL="0" lvl="0" indent="0" algn="ctr" defTabSz="755650">
-            <a:lnSpc>
-              <a:spcPct val="90000"/>
-            </a:lnSpc>
-            <a:spcBef>
-              <a:spcPct val="0"/>
-            </a:spcBef>
-            <a:spcAft>
-              <a:spcPct val="35000"/>
-            </a:spcAft>
-            <a:buNone/>
-          </a:pPr>
-          <a:r>
-            <a:rPr lang="en-GB" sz="1700" kern="1200" dirty="0"/>
-            <a:t>Protocol design</a:t>
-          </a:r>
-        </a:p>
-      </dsp:txBody>
-      <dsp:txXfrm>
-        <a:off x="2229776" y="1099730"/>
-        <a:ext cx="1953094" cy="589850"/>
-      </dsp:txXfrm>
-    </dsp:sp>
-    <dsp:sp modelId="{071927AB-A6EC-4C09-931D-02BE466E7B3F}">
-      <dsp:nvSpPr>
-        <dsp:cNvPr id="0" name=""/>
-        <dsp:cNvSpPr/>
-      </dsp:nvSpPr>
-      <dsp:spPr>
-        <a:xfrm>
-          <a:off x="2229776" y="1689581"/>
-          <a:ext cx="1953094" cy="2132007"/>
-        </a:xfrm>
-        <a:prstGeom prst="rect">
-          <a:avLst/>
-        </a:prstGeom>
-        <a:solidFill>
-          <a:schemeClr val="accent3">
-            <a:alpha val="90000"/>
-            <a:tint val="40000"/>
-            <a:hueOff val="0"/>
-            <a:satOff val="0"/>
-            <a:lumOff val="0"/>
-            <a:alphaOff val="0"/>
-          </a:schemeClr>
-        </a:solidFill>
-        <a:ln w="25400" cap="flat" cmpd="sng" algn="ctr">
-          <a:solidFill>
-            <a:schemeClr val="accent3">
-              <a:alpha val="90000"/>
-              <a:tint val="40000"/>
-              <a:hueOff val="0"/>
-              <a:satOff val="0"/>
-              <a:lumOff val="0"/>
-              <a:alphaOff val="0"/>
-            </a:schemeClr>
-          </a:solidFill>
-          <a:prstDash val="solid"/>
-        </a:ln>
-        <a:effectLst/>
-      </dsp:spPr>
-      <dsp:style>
-        <a:lnRef idx="2">
-          <a:scrgbClr r="0" g="0" b="0"/>
-        </a:lnRef>
-        <a:fillRef idx="1">
-          <a:scrgbClr r="0" g="0" b="0"/>
-        </a:fillRef>
-        <a:effectRef idx="0">
-          <a:scrgbClr r="0" g="0" b="0"/>
-        </a:effectRef>
-        <a:fontRef idx="minor"/>
-      </dsp:style>
-      <dsp:txBody>
-        <a:bodyPr spcFirstLastPara="0" vert="horz" wrap="square" lIns="101346" tIns="101346" rIns="135128" bIns="152019" numCol="1" spcCol="1270" anchor="t" anchorCtr="0">
-          <a:noAutofit/>
-        </a:bodyPr>
-        <a:lstStyle/>
-        <a:p>
-          <a:pPr marL="171450" lvl="1" indent="-171450" algn="l" defTabSz="844550">
-            <a:lnSpc>
-              <a:spcPct val="90000"/>
-            </a:lnSpc>
-            <a:spcBef>
-              <a:spcPct val="0"/>
-            </a:spcBef>
-            <a:spcAft>
-              <a:spcPct val="15000"/>
-            </a:spcAft>
-            <a:buChar char="•"/>
-          </a:pPr>
-          <a:r>
-            <a:rPr lang="en-GB" sz="1900" kern="1200" dirty="0"/>
-            <a:t>COBS (</a:t>
-          </a:r>
-          <a:r>
-            <a:rPr lang="en-GB" sz="2000" b="0" kern="1200" dirty="0"/>
-            <a:t>Consistent Overhead Byte Stuffing</a:t>
-          </a:r>
-          <a:r>
-            <a:rPr lang="en-GB" sz="1900" kern="1200" dirty="0"/>
-            <a:t>)</a:t>
-          </a:r>
-        </a:p>
-        <a:p>
-          <a:pPr marL="171450" lvl="1" indent="-171450" algn="l" defTabSz="844550">
-            <a:lnSpc>
-              <a:spcPct val="90000"/>
-            </a:lnSpc>
-            <a:spcBef>
-              <a:spcPct val="0"/>
-            </a:spcBef>
-            <a:spcAft>
-              <a:spcPct val="15000"/>
-            </a:spcAft>
-            <a:buChar char="•"/>
-          </a:pPr>
-          <a:r>
-            <a:rPr lang="en-GB" sz="1900" kern="1200" dirty="0"/>
-            <a:t>Fletcher’s Checksum</a:t>
-          </a:r>
-        </a:p>
-      </dsp:txBody>
-      <dsp:txXfrm>
-        <a:off x="2229776" y="1689581"/>
-        <a:ext cx="1953094" cy="2132007"/>
-      </dsp:txXfrm>
-    </dsp:sp>
-    <dsp:sp modelId="{270C6582-85ED-4E53-9018-63CDC739E4FE}">
-      <dsp:nvSpPr>
-        <dsp:cNvPr id="0" name=""/>
-        <dsp:cNvSpPr/>
-      </dsp:nvSpPr>
-      <dsp:spPr>
-        <a:xfrm>
-          <a:off x="4456304" y="1099730"/>
-          <a:ext cx="1953094" cy="589850"/>
-        </a:xfrm>
-        <a:prstGeom prst="rect">
-          <a:avLst/>
-        </a:prstGeom>
-        <a:solidFill>
-          <a:schemeClr val="accent3">
-            <a:hueOff val="0"/>
-            <a:satOff val="0"/>
-            <a:lumOff val="0"/>
-            <a:alphaOff val="0"/>
-          </a:schemeClr>
-        </a:solidFill>
-        <a:ln w="25400" cap="flat" cmpd="sng" algn="ctr">
-          <a:solidFill>
-            <a:schemeClr val="accent3">
-              <a:hueOff val="0"/>
-              <a:satOff val="0"/>
-              <a:lumOff val="0"/>
-              <a:alphaOff val="0"/>
-            </a:schemeClr>
-          </a:solidFill>
-          <a:prstDash val="solid"/>
-        </a:ln>
-        <a:effectLst/>
-      </dsp:spPr>
-      <dsp:style>
-        <a:lnRef idx="2">
-          <a:scrgbClr r="0" g="0" b="0"/>
-        </a:lnRef>
-        <a:fillRef idx="1">
-          <a:scrgbClr r="0" g="0" b="0"/>
-        </a:fillRef>
-        <a:effectRef idx="0">
-          <a:scrgbClr r="0" g="0" b="0"/>
-        </a:effectRef>
-        <a:fontRef idx="minor">
-          <a:schemeClr val="lt1"/>
-        </a:fontRef>
-      </dsp:style>
-      <dsp:txBody>
-        <a:bodyPr spcFirstLastPara="0" vert="horz" wrap="square" lIns="120904" tIns="69088" rIns="120904" bIns="69088" numCol="1" spcCol="1270" anchor="ctr" anchorCtr="0">
-          <a:noAutofit/>
-        </a:bodyPr>
-        <a:lstStyle/>
-        <a:p>
-          <a:pPr marL="0" lvl="0" indent="0" algn="ctr" defTabSz="755650">
-            <a:lnSpc>
-              <a:spcPct val="90000"/>
-            </a:lnSpc>
-            <a:spcBef>
-              <a:spcPct val="0"/>
-            </a:spcBef>
-            <a:spcAft>
-              <a:spcPct val="35000"/>
-            </a:spcAft>
-            <a:buNone/>
-          </a:pPr>
-          <a:r>
-            <a:rPr lang="en-GB" sz="1700" kern="1200" dirty="0"/>
-            <a:t>Implementation</a:t>
-          </a:r>
-        </a:p>
-      </dsp:txBody>
-      <dsp:txXfrm>
-        <a:off x="4456304" y="1099730"/>
-        <a:ext cx="1953094" cy="589850"/>
-      </dsp:txXfrm>
-    </dsp:sp>
-    <dsp:sp modelId="{F1738DBC-2D18-47D2-97EF-7B3AB1B94588}">
-      <dsp:nvSpPr>
-        <dsp:cNvPr id="0" name=""/>
-        <dsp:cNvSpPr/>
-      </dsp:nvSpPr>
-      <dsp:spPr>
-        <a:xfrm>
-          <a:off x="4456304" y="1689581"/>
-          <a:ext cx="1953094" cy="2132007"/>
-        </a:xfrm>
-        <a:prstGeom prst="rect">
-          <a:avLst/>
-        </a:prstGeom>
-        <a:solidFill>
-          <a:schemeClr val="accent3">
-            <a:alpha val="90000"/>
-            <a:tint val="40000"/>
-            <a:hueOff val="0"/>
-            <a:satOff val="0"/>
-            <a:lumOff val="0"/>
-            <a:alphaOff val="0"/>
-          </a:schemeClr>
-        </a:solidFill>
-        <a:ln w="25400" cap="flat" cmpd="sng" algn="ctr">
-          <a:solidFill>
-            <a:schemeClr val="accent3">
-              <a:alpha val="90000"/>
-              <a:tint val="40000"/>
-              <a:hueOff val="0"/>
-              <a:satOff val="0"/>
-              <a:lumOff val="0"/>
-              <a:alphaOff val="0"/>
-            </a:schemeClr>
-          </a:solidFill>
-          <a:prstDash val="solid"/>
-        </a:ln>
-        <a:effectLst/>
-      </dsp:spPr>
-      <dsp:style>
-        <a:lnRef idx="2">
-          <a:scrgbClr r="0" g="0" b="0"/>
-        </a:lnRef>
-        <a:fillRef idx="1">
-          <a:scrgbClr r="0" g="0" b="0"/>
-        </a:fillRef>
-        <a:effectRef idx="0">
-          <a:scrgbClr r="0" g="0" b="0"/>
-        </a:effectRef>
-        <a:fontRef idx="minor"/>
-      </dsp:style>
-      <dsp:txBody>
-        <a:bodyPr spcFirstLastPara="0" vert="horz" wrap="square" lIns="90678" tIns="90678" rIns="120904" bIns="136017" numCol="1" spcCol="1270" anchor="t" anchorCtr="0">
-          <a:noAutofit/>
-        </a:bodyPr>
-        <a:lstStyle/>
-        <a:p>
-          <a:pPr marL="171450" lvl="1" indent="-171450" algn="l" defTabSz="755650">
-            <a:lnSpc>
-              <a:spcPct val="90000"/>
-            </a:lnSpc>
-            <a:spcBef>
-              <a:spcPct val="0"/>
-            </a:spcBef>
-            <a:spcAft>
-              <a:spcPct val="15000"/>
-            </a:spcAft>
-            <a:buChar char="•"/>
-          </a:pPr>
-          <a:r>
-            <a:rPr lang="en-GB" sz="1700" kern="1200" dirty="0"/>
-            <a:t>Different implementation on both microcontrollers</a:t>
-          </a:r>
-        </a:p>
-        <a:p>
-          <a:pPr marL="171450" lvl="1" indent="-171450" algn="l" defTabSz="755650">
-            <a:lnSpc>
-              <a:spcPct val="90000"/>
-            </a:lnSpc>
-            <a:spcBef>
-              <a:spcPct val="0"/>
-            </a:spcBef>
-            <a:spcAft>
-              <a:spcPct val="15000"/>
-            </a:spcAft>
-            <a:buChar char="•"/>
-          </a:pPr>
-          <a:r>
-            <a:rPr lang="en-GB" sz="1700" kern="1200" dirty="0"/>
-            <a:t>SPI drivers</a:t>
-          </a:r>
-        </a:p>
-        <a:p>
-          <a:pPr marL="171450" lvl="1" indent="-171450" algn="l" defTabSz="755650">
-            <a:lnSpc>
-              <a:spcPct val="90000"/>
-            </a:lnSpc>
-            <a:spcBef>
-              <a:spcPct val="0"/>
-            </a:spcBef>
-            <a:spcAft>
-              <a:spcPct val="15000"/>
-            </a:spcAft>
-            <a:buChar char="•"/>
-          </a:pPr>
-          <a:r>
-            <a:rPr lang="en-GB" sz="1700" kern="1200" dirty="0"/>
-            <a:t>Easy access by a struct</a:t>
-          </a:r>
-        </a:p>
-        <a:p>
-          <a:pPr marL="171450" lvl="1" indent="-171450" algn="l" defTabSz="755650">
-            <a:lnSpc>
-              <a:spcPct val="90000"/>
-            </a:lnSpc>
-            <a:spcBef>
-              <a:spcPct val="0"/>
-            </a:spcBef>
-            <a:spcAft>
-              <a:spcPct val="15000"/>
-            </a:spcAft>
-            <a:buChar char="•"/>
-          </a:pPr>
-          <a:endParaRPr lang="en-GB" sz="1700" kern="1200" dirty="0"/>
-        </a:p>
-      </dsp:txBody>
-      <dsp:txXfrm>
-        <a:off x="4456304" y="1689581"/>
-        <a:ext cx="1953094" cy="2132007"/>
-      </dsp:txXfrm>
-    </dsp:sp>
-    <dsp:sp modelId="{195B9F5F-DC90-4DDE-A008-D743D5E18D83}">
-      <dsp:nvSpPr>
-        <dsp:cNvPr id="0" name=""/>
-        <dsp:cNvSpPr/>
-      </dsp:nvSpPr>
-      <dsp:spPr>
-        <a:xfrm>
-          <a:off x="6682832" y="1099730"/>
-          <a:ext cx="1953094" cy="589850"/>
-        </a:xfrm>
-        <a:prstGeom prst="rect">
-          <a:avLst/>
-        </a:prstGeom>
-        <a:solidFill>
-          <a:schemeClr val="accent3">
-            <a:hueOff val="0"/>
-            <a:satOff val="0"/>
-            <a:lumOff val="0"/>
-            <a:alphaOff val="0"/>
-          </a:schemeClr>
-        </a:solidFill>
-        <a:ln w="25400" cap="flat" cmpd="sng" algn="ctr">
-          <a:solidFill>
-            <a:schemeClr val="accent3">
-              <a:hueOff val="0"/>
-              <a:satOff val="0"/>
-              <a:lumOff val="0"/>
-              <a:alphaOff val="0"/>
-            </a:schemeClr>
-          </a:solidFill>
-          <a:prstDash val="solid"/>
-        </a:ln>
-        <a:effectLst/>
-      </dsp:spPr>
-      <dsp:style>
-        <a:lnRef idx="2">
-          <a:scrgbClr r="0" g="0" b="0"/>
-        </a:lnRef>
-        <a:fillRef idx="1">
-          <a:scrgbClr r="0" g="0" b="0"/>
-        </a:fillRef>
-        <a:effectRef idx="0">
-          <a:scrgbClr r="0" g="0" b="0"/>
-        </a:effectRef>
-        <a:fontRef idx="minor">
-          <a:schemeClr val="lt1"/>
-        </a:fontRef>
-      </dsp:style>
-      <dsp:txBody>
-        <a:bodyPr spcFirstLastPara="0" vert="horz" wrap="square" lIns="120904" tIns="69088" rIns="120904" bIns="69088" numCol="1" spcCol="1270" anchor="ctr" anchorCtr="0">
-          <a:noAutofit/>
-        </a:bodyPr>
-        <a:lstStyle/>
-        <a:p>
-          <a:pPr marL="0" lvl="0" indent="0" algn="ctr" defTabSz="755650">
-            <a:lnSpc>
-              <a:spcPct val="90000"/>
-            </a:lnSpc>
-            <a:spcBef>
-              <a:spcPct val="0"/>
-            </a:spcBef>
-            <a:spcAft>
-              <a:spcPct val="35000"/>
-            </a:spcAft>
-            <a:buNone/>
-          </a:pPr>
-          <a:r>
-            <a:rPr lang="en-GB" sz="1700" kern="1200" dirty="0"/>
-            <a:t>Testing</a:t>
-          </a:r>
-        </a:p>
-      </dsp:txBody>
-      <dsp:txXfrm>
-        <a:off x="6682832" y="1099730"/>
-        <a:ext cx="1953094" cy="589850"/>
-      </dsp:txXfrm>
-    </dsp:sp>
-    <dsp:sp modelId="{E4CB8C97-4590-4E34-ADC6-DD42B8BDC192}">
-      <dsp:nvSpPr>
-        <dsp:cNvPr id="0" name=""/>
-        <dsp:cNvSpPr/>
-      </dsp:nvSpPr>
-      <dsp:spPr>
-        <a:xfrm>
-          <a:off x="6682832" y="1689581"/>
-          <a:ext cx="1953094" cy="2132007"/>
-        </a:xfrm>
-        <a:prstGeom prst="rect">
-          <a:avLst/>
-        </a:prstGeom>
-        <a:solidFill>
-          <a:schemeClr val="accent3">
-            <a:alpha val="90000"/>
-            <a:tint val="40000"/>
-            <a:hueOff val="0"/>
-            <a:satOff val="0"/>
-            <a:lumOff val="0"/>
-            <a:alphaOff val="0"/>
-          </a:schemeClr>
-        </a:solidFill>
-        <a:ln w="25400" cap="flat" cmpd="sng" algn="ctr">
-          <a:solidFill>
-            <a:schemeClr val="accent3">
-              <a:alpha val="90000"/>
-              <a:tint val="40000"/>
-              <a:hueOff val="0"/>
-              <a:satOff val="0"/>
-              <a:lumOff val="0"/>
-              <a:alphaOff val="0"/>
-            </a:schemeClr>
-          </a:solidFill>
-          <a:prstDash val="solid"/>
-        </a:ln>
-        <a:effectLst/>
-      </dsp:spPr>
-      <dsp:style>
-        <a:lnRef idx="2">
-          <a:scrgbClr r="0" g="0" b="0"/>
-        </a:lnRef>
-        <a:fillRef idx="1">
-          <a:scrgbClr r="0" g="0" b="0"/>
-        </a:fillRef>
-        <a:effectRef idx="0">
-          <a:scrgbClr r="0" g="0" b="0"/>
-        </a:effectRef>
-        <a:fontRef idx="minor"/>
-      </dsp:style>
-      <dsp:txBody>
-        <a:bodyPr spcFirstLastPara="0" vert="horz" wrap="square" lIns="106680" tIns="106680" rIns="142240" bIns="160020" numCol="1" spcCol="1270" anchor="t" anchorCtr="0">
-          <a:noAutofit/>
-        </a:bodyPr>
-        <a:lstStyle/>
-        <a:p>
-          <a:pPr marL="228600" lvl="1" indent="-228600" algn="l" defTabSz="889000">
-            <a:lnSpc>
-              <a:spcPct val="90000"/>
-            </a:lnSpc>
-            <a:spcBef>
-              <a:spcPct val="0"/>
-            </a:spcBef>
-            <a:spcAft>
-              <a:spcPct val="15000"/>
-            </a:spcAft>
-            <a:buChar char="•"/>
-          </a:pPr>
-          <a:r>
-            <a:rPr lang="en-GB" sz="2000" kern="1200" dirty="0"/>
-            <a:t>Performance</a:t>
-          </a:r>
-        </a:p>
-        <a:p>
-          <a:pPr marL="228600" lvl="1" indent="-228600" algn="l" defTabSz="889000">
-            <a:lnSpc>
-              <a:spcPct val="90000"/>
-            </a:lnSpc>
-            <a:spcBef>
-              <a:spcPct val="0"/>
-            </a:spcBef>
-            <a:spcAft>
-              <a:spcPct val="15000"/>
-            </a:spcAft>
-            <a:buChar char="•"/>
-          </a:pPr>
-          <a:r>
-            <a:rPr lang="en-GB" sz="2000" kern="1200" dirty="0"/>
-            <a:t>Robustness</a:t>
-          </a:r>
-        </a:p>
-      </dsp:txBody>
-      <dsp:txXfrm>
-        <a:off x="6682832" y="1689581"/>
-        <a:ext cx="1953094" cy="2132007"/>
-      </dsp:txXfrm>
-    </dsp:sp>
-  </dsp:spTree>
-</dsp:drawing>
-</file>
-
-<file path=ppt/diagrams/layout1.xml><?xml version="1.0" encoding="utf-8"?>
-<dgm:layoutDef xmlns:dgm="http://schemas.openxmlformats.org/drawingml/2006/diagram" xmlns:a="http://schemas.openxmlformats.org/drawingml/2006/main" uniqueId="urn:microsoft.com/office/officeart/2005/8/layout/hList1">
-  <dgm:title val=""/>
-  <dgm:desc val=""/>
-  <dgm:catLst>
-    <dgm:cat type="list" pri="5000"/>
-    <dgm:cat type="convert" pri="5000"/>
-  </dgm:catLst>
-  <dgm:sampData>
-    <dgm:dataModel>
-      <dgm:ptLst>
-        <dgm:pt modelId="0" type="doc"/>
-        <dgm:pt modelId="1">
-          <dgm:prSet phldr="1"/>
-        </dgm:pt>
-        <dgm:pt modelId="11">
-          <dgm:prSet phldr="1"/>
-        </dgm:pt>
-        <dgm:pt modelId="12">
-          <dgm:prSet phldr="1"/>
-        </dgm:pt>
-        <dgm:pt modelId="2">
-          <dgm:prSet phldr="1"/>
-        </dgm:pt>
-        <dgm:pt modelId="21">
-          <dgm:prSet phldr="1"/>
-        </dgm:pt>
-        <dgm:pt modelId="22">
-          <dgm:prSet phldr="1"/>
-        </dgm:pt>
-        <dgm:pt modelId="3">
-          <dgm:prSet phldr="1"/>
-        </dgm:pt>
-        <dgm:pt modelId="31">
-          <dgm:prSet phldr="1"/>
-        </dgm:pt>
-        <dgm:pt modelId="32">
-          <dgm:prSet phldr="1"/>
-        </dgm:pt>
-      </dgm:ptLst>
-      <dgm:cxnLst>
-        <dgm:cxn modelId="4" srcId="0" destId="1" srcOrd="0" destOrd="0"/>
-        <dgm:cxn modelId="5" srcId="0" destId="2" srcOrd="1" destOrd="0"/>
-        <dgm:cxn modelId="6" srcId="0" destId="3" srcOrd="2" destOrd="0"/>
-        <dgm:cxn modelId="13" srcId="1" destId="11" srcOrd="0" destOrd="0"/>
-        <dgm:cxn modelId="14" srcId="1" destId="12" srcOrd="1" destOrd="0"/>
-        <dgm:cxn modelId="23" srcId="2" destId="21" srcOrd="0" destOrd="0"/>
-        <dgm:cxn modelId="24" srcId="2" destId="22" srcOrd="1" destOrd="0"/>
-        <dgm:cxn modelId="33" srcId="3" destId="31" srcOrd="0" destOrd="0"/>
-        <dgm:cxn modelId="34" srcId="3" destId="32" srcOrd="1" destOrd="0"/>
-      </dgm:cxnLst>
-      <dgm:bg/>
-      <dgm:whole/>
-    </dgm:dataModel>
-  </dgm:sampData>
-  <dgm:styleData>
-    <dgm:dataModel>
-      <dgm:ptLst>
-        <dgm:pt modelId="0" type="doc"/>
-        <dgm:pt modelId="1">
-          <dgm:prSet phldr="1"/>
-        </dgm:pt>
-        <dgm:pt modelId="2">
-          <dgm:prSet phldr="1"/>
-        </dgm:pt>
-      </dgm:ptLst>
-      <dgm:cxnLst>
-        <dgm:cxn modelId="3" srcId="0" destId="1" srcOrd="0" destOrd="0"/>
-        <dgm:cxn modelId="4" srcId="0" destId="2" srcOrd="1" destOrd="0"/>
-      </dgm:cxnLst>
-      <dgm:bg/>
-      <dgm:whole/>
-    </dgm:dataModel>
-  </dgm:styleData>
-  <dgm:clrData>
-    <dgm:dataModel>
-      <dgm:ptLst>
-        <dgm:pt modelId="0" type="doc"/>
-        <dgm:pt modelId="1">
-          <dgm:prSet phldr="1"/>
-        </dgm:pt>
-        <dgm:pt modelId="2">
-          <dgm:prSet phldr="1"/>
-        </dgm:pt>
-        <dgm:pt modelId="3">
-          <dgm:prSet phldr="1"/>
-        </dgm:pt>
-        <dgm:pt modelId="4">
-          <dgm:prSet phldr="1"/>
-        </dgm:pt>
-      </dgm:ptLst>
-      <dgm:cxnLst>
-        <dgm:cxn modelId="5" srcId="0" destId="1" srcOrd="0" destOrd="0"/>
-        <dgm:cxn modelId="6" srcId="0" destId="2" srcOrd="1" destOrd="0"/>
-        <dgm:cxn modelId="7" srcId="0" destId="3" srcOrd="2" destOrd="0"/>
-        <dgm:cxn modelId="8" srcId="0" destId="4" srcOrd="3" destOrd="0"/>
-      </dgm:cxnLst>
-      <dgm:bg/>
-      <dgm:whole/>
-    </dgm:dataModel>
-  </dgm:clrData>
-  <dgm:layoutNode name="Name0">
-    <dgm:varLst>
-      <dgm:dir/>
-      <dgm:animLvl val="lvl"/>
-      <dgm:resizeHandles val="exact"/>
-    </dgm:varLst>
-    <dgm:choose name="Name1">
-      <dgm:if name="Name2" func="var" arg="dir" op="equ" val="norm">
-        <dgm:alg type="lin"/>
-      </dgm:if>
-      <dgm:else name="Name3">
-        <dgm:alg type="lin">
-          <dgm:param type="linDir" val="fromR"/>
-        </dgm:alg>
-      </dgm:else>
-    </dgm:choose>
-    <dgm:shape xmlns:r="http://schemas.openxmlformats.org/officeDocument/2006/relationships" r:blip="">
-      <dgm:adjLst/>
-    </dgm:shape>
-    <dgm:presOf/>
-    <dgm:constrLst>
-      <dgm:constr type="h" for="ch" forName="composite" refType="h"/>
-      <dgm:constr type="w" for="ch" forName="composite" refType="w"/>
-      <dgm:constr type="w" for="des" forName="parTx"/>
-      <dgm:constr type="h" for="des" forName="parTx" op="equ"/>
-      <dgm:constr type="w" for="des" forName="desTx"/>
-      <dgm:constr type="h" for="des" forName="desTx" op="equ"/>
-      <dgm:constr type="primFontSz" for="des" forName="parTx" val="65"/>
-      <dgm:constr type="secFontSz" for="des" forName="desTx" refType="primFontSz" refFor="des" refForName="parTx" op="equ"/>
-      <dgm:constr type="h" for="des" forName="parTx" refType="primFontSz" refFor="des" refForName="parTx" fact="0.8"/>
-      <dgm:constr type="h" for="des" forName="desTx" refType="primFontSz" refFor="des" refForName="parTx" fact="1.22"/>
-      <dgm:constr type="w" for="ch" forName="space" refType="w" refFor="ch" refForName="composite" op="equ" fact="0.14"/>
-    </dgm:constrLst>
-    <dgm:ruleLst>
-      <dgm:rule type="w" for="ch" forName="composite" val="0" fact="NaN" max="NaN"/>
-      <dgm:rule type="primFontSz" for="des" forName="parTx" val="5" fact="NaN" max="NaN"/>
-    </dgm:ruleLst>
-    <dgm:forEach name="Name4" axis="ch" ptType="node">
-      <dgm:layoutNode name="composite">
-        <dgm:alg type="composite"/>
-        <dgm:shape xmlns:r="http://schemas.openxmlformats.org/officeDocument/2006/relationships" r:blip="">
-          <dgm:adjLst/>
-        </dgm:shape>
-        <dgm:presOf/>
-        <dgm:constrLst>
-          <dgm:constr type="l" for="ch" forName="parTx"/>
-          <dgm:constr type="w" for="ch" forName="parTx" refType="w"/>
-          <dgm:constr type="t" for="ch" forName="parTx"/>
-          <dgm:constr type="l" for="ch" forName="desTx"/>
-          <dgm:constr type="w" for="ch" forName="desTx" refType="w" refFor="ch" refForName="parTx"/>
-          <dgm:constr type="t" for="ch" forName="desTx" refType="h" refFor="ch" refForName="parTx"/>
-        </dgm:constrLst>
-        <dgm:ruleLst>
-          <dgm:rule type="h" val="INF" fact="NaN" max="NaN"/>
-        </dgm:ruleLst>
-        <dgm:layoutNode name="parTx" styleLbl="alignNode1">
-          <dgm:varLst>
-            <dgm:chMax val="0"/>
-            <dgm:chPref val="0"/>
-            <dgm:bulletEnabled val="1"/>
-          </dgm:varLst>
-          <dgm:alg type="tx"/>
-          <dgm:shape xmlns:r="http://schemas.openxmlformats.org/officeDocument/2006/relationships" type="rect" r:blip="">
-            <dgm:adjLst/>
-          </dgm:shape>
-          <dgm:presOf axis="self" ptType="node"/>
-          <dgm:constrLst>
-            <dgm:constr type="h" refType="w" op="lte" fact="0.4"/>
-            <dgm:constr type="h"/>
-            <dgm:constr type="tMarg" refType="primFontSz" fact="0.32"/>
-            <dgm:constr type="bMarg" refType="primFontSz" fact="0.32"/>
-          </dgm:constrLst>
-          <dgm:ruleLst>
-            <dgm:rule type="h" val="INF" fact="NaN" max="NaN"/>
-          </dgm:ruleLst>
-        </dgm:layoutNode>
-        <dgm:layoutNode name="desTx" styleLbl="alignAccFollowNode1">
-          <dgm:varLst>
-            <dgm:bulletEnabled val="1"/>
-          </dgm:varLst>
-          <dgm:alg type="tx">
-            <dgm:param type="stBulletLvl" val="1"/>
-          </dgm:alg>
-          <dgm:shape xmlns:r="http://schemas.openxmlformats.org/officeDocument/2006/relationships" type="rect" r:blip="">
-            <dgm:adjLst/>
-          </dgm:shape>
-          <dgm:presOf axis="des" ptType="node"/>
-          <dgm:constrLst>
-            <dgm:constr type="secFontSz" val="65"/>
-            <dgm:constr type="primFontSz" refType="secFontSz"/>
-            <dgm:constr type="h"/>
-            <dgm:constr type="lMarg" refType="primFontSz" fact="0.42"/>
-            <dgm:constr type="tMarg" refType="primFontSz" fact="0.42"/>
-            <dgm:constr type="bMarg" refType="primFontSz" fact="0.63"/>
-          </dgm:constrLst>
-          <dgm:ruleLst>
-            <dgm:rule type="h" val="INF" fact="NaN" max="NaN"/>
-          </dgm:ruleLst>
-        </dgm:layoutNode>
-      </dgm:layoutNode>
-      <dgm:forEach name="Name5" axis="followSib" ptType="sibTrans" cnt="1">
-        <dgm:layoutNode name="space">
-          <dgm:alg type="sp"/>
-          <dgm:shape xmlns:r="http://schemas.openxmlformats.org/officeDocument/2006/relationships" r:blip="">
-            <dgm:adjLst/>
-          </dgm:shape>
-          <dgm:presOf/>
-          <dgm:constrLst/>
-          <dgm:ruleLst/>
-        </dgm:layoutNode>
-      </dgm:forEach>
-    </dgm:forEach>
-  </dgm:layoutNode>
-</dgm:layoutDef>
-</file>
-
-<file path=ppt/diagrams/quickStyle1.xml><?xml version="1.0" encoding="utf-8"?>
-<dgm:styleDef xmlns:dgm="http://schemas.openxmlformats.org/drawingml/2006/diagram" xmlns:a="http://schemas.openxmlformats.org/drawingml/2006/main" uniqueId="urn:microsoft.com/office/officeart/2005/8/quickstyle/simple1">
-  <dgm:title val=""/>
-  <dgm:desc val=""/>
-  <dgm:catLst>
-    <dgm:cat type="simple" pri="10100"/>
-  </dgm:catLst>
-  <dgm:scene3d>
-    <a:camera prst="orthographicFront"/>
-    <a:lightRig rig="threePt" dir="t"/>
-  </dgm:scene3d>
-  <dgm:styleLbl name="node0">
-    <dgm:scene3d>
-      <a:camera prst="orthographicFront"/>
-      <a:lightRig rig="threePt" dir="t"/>
-    </dgm:scene3d>
-    <dgm:sp3d/>
-    <dgm:txPr/>
-    <dgm:style>
-      <a:lnRef idx="2">
-        <a:scrgbClr r="0" g="0" b="0"/>
-      </a:lnRef>
-      <a:fillRef idx="1">
-        <a:scrgbClr r="0" g="0" b="0"/>
-      </a:fillRef>
-      <a:effectRef idx="0">
-        <a:scrgbClr r="0" g="0" b="0"/>
-      </a:effectRef>
-      <a:fontRef idx="minor">
-        <a:schemeClr val="lt1"/>
-      </a:fontRef>
-    </dgm:style>
-  </dgm:styleLbl>
-  <dgm:styleLbl name="lnNode1">
-    <dgm:scene3d>
-      <a:camera prst="orthographicFront"/>
-      <a:lightRig rig="threePt" dir="t"/>
-    </dgm:scene3d>
-    <dgm:sp3d/>
-    <dgm:txPr/>
-    <dgm:style>
-      <a:lnRef idx="2">
-        <a:scrgbClr r="0" g="0" b="0"/>
-      </a:lnRef>
-      <a:fillRef idx="1">
-        <a:scrgbClr r="0" g="0" b="0"/>
-      </a:fillRef>
-      <a:effectRef idx="0">
-        <a:scrgbClr r="0" g="0" b="0"/>
-      </a:effectRef>
-      <a:fontRef idx="minor">
-        <a:schemeClr val="lt1"/>
-      </a:fontRef>
-    </dgm:style>
-  </dgm:styleLbl>
-  <dgm:styleLbl name="vennNode1">
-    <dgm:scene3d>
-      <a:camera prst="orthographicFront"/>
-      <a:lightRig rig="threePt" dir="t"/>
-    </dgm:scene3d>
-    <dgm:sp3d/>
-    <dgm:txPr/>
-    <dgm:style>
-      <a:lnRef idx="2">
-        <a:scrgbClr r="0" g="0" b="0"/>
-      </a:lnRef>
-      <a:fillRef idx="1">
-        <a:scrgbClr r="0" g="0" b="0"/>
-      </a:fillRef>
-      <a:effectRef idx="0">
-        <a:scrgbClr r="0" g="0" b="0"/>
-      </a:effectRef>
-      <a:fontRef idx="minor">
-        <a:schemeClr val="tx1"/>
-      </a:fontRef>
-    </dgm:style>
-  </dgm:styleLbl>
-  <dgm:styleLbl name="alignNode1">
-    <dgm:scene3d>
-      <a:camera prst="orthographicFront"/>
-      <a:lightRig rig="threePt" dir="t"/>
-    </dgm:scene3d>
-    <dgm:sp3d/>
-    <dgm:txPr/>
-    <dgm:style>
-      <a:lnRef idx="2">
-        <a:scrgbClr r="0" g="0" b="0"/>
-      </a:lnRef>
-      <a:fillRef idx="1">
-        <a:scrgbClr r="0" g="0" b="0"/>
-      </a:fillRef>
-      <a:effectRef idx="0">
-        <a:scrgbClr r="0" g="0" b="0"/>
-      </a:effectRef>
-      <a:fontRef idx="minor">
-        <a:schemeClr val="lt1"/>
-      </a:fontRef>
-    </dgm:style>
-  </dgm:styleLbl>
-  <dgm:styleLbl name="node1">
-    <dgm:scene3d>
-      <a:camera prst="orthographicFront"/>
-      <a:lightRig rig="threePt" dir="t"/>
-    </dgm:scene3d>
-    <dgm:sp3d/>
-    <dgm:txPr/>
-    <dgm:style>
-      <a:lnRef idx="2">
-        <a:scrgbClr r="0" g="0" b="0"/>
-      </a:lnRef>
-      <a:fillRef idx="1">
-        <a:scrgbClr r="0" g="0" b="0"/>
-      </a:fillRef>
-      <a:effectRef idx="0">
-        <a:scrgbClr r="0" g="0" b="0"/>
-      </a:effectRef>
-      <a:fontRef idx="minor">
-        <a:schemeClr val="lt1"/>
-      </a:fontRef>
-    </dgm:style>
-  </dgm:styleLbl>
-  <dgm:styleLbl name="node2">
-    <dgm:scene3d>
-      <a:camera prst="orthographicFront"/>
-      <a:lightRig rig="threePt" dir="t"/>
-    </dgm:scene3d>
-    <dgm:sp3d/>
-    <dgm:txPr/>
-    <dgm:style>
-      <a:lnRef idx="2">
-        <a:scrgbClr r="0" g="0" b="0"/>
-      </a:lnRef>
-      <a:fillRef idx="1">
-        <a:scrgbClr r="0" g="0" b="0"/>
-      </a:fillRef>
-      <a:effectRef idx="0">
-        <a:scrgbClr r="0" g="0" b="0"/>
-      </a:effectRef>
-      <a:fontRef idx="minor">
-        <a:schemeClr val="lt1"/>
-      </a:fontRef>
-    </dgm:style>
-  </dgm:styleLbl>
-  <dgm:styleLbl name="node3">
-    <dgm:scene3d>
-      <a:camera prst="orthographicFront"/>
-      <a:lightRig rig="threePt" dir="t"/>
-    </dgm:scene3d>
-    <dgm:sp3d/>
-    <dgm:txPr/>
-    <dgm:style>
-      <a:lnRef idx="2">
-        <a:scrgbClr r="0" g="0" b="0"/>
-      </a:lnRef>
-      <a:fillRef idx="1">
-        <a:scrgbClr r="0" g="0" b="0"/>
-      </a:fillRef>
-      <a:effectRef idx="0">
-        <a:scrgbClr r="0" g="0" b="0"/>
-      </a:effectRef>
-      <a:fontRef idx="minor">
-        <a:schemeClr val="lt1"/>
-      </a:fontRef>
-    </dgm:style>
-  </dgm:styleLbl>
-  <dgm:styleLbl name="node4">
-    <dgm:scene3d>
-      <a:camera prst="orthographicFront"/>
-      <a:lightRig rig="threePt" dir="t"/>
-    </dgm:scene3d>
-    <dgm:sp3d/>
-    <dgm:txPr/>
-    <dgm:style>
-      <a:lnRef idx="2">
-        <a:scrgbClr r="0" g="0" b="0"/>
-      </a:lnRef>
-      <a:fillRef idx="1">
-        <a:scrgbClr r="0" g="0" b="0"/>
-      </a:fillRef>
-      <a:effectRef idx="0">
-        <a:scrgbClr r="0" g="0" b="0"/>
-      </a:effectRef>
-      <a:fontRef idx="minor">
-        <a:schemeClr val="lt1"/>
-      </a:fontRef>
-    </dgm:style>
-  </dgm:styleLbl>
-  <dgm:styleLbl name="fgImgPlace1">
-    <dgm:scene3d>
-      <a:camera prst="orthographicFront"/>
-      <a:lightRig rig="threePt" dir="t"/>
-    </dgm:scene3d>
-    <dgm:sp3d/>
-    <dgm:txPr/>
-    <dgm:style>
-      <a:lnRef idx="2">
-        <a:scrgbClr r="0" g="0" b="0"/>
-      </a:lnRef>
-      <a:fillRef idx="1">
-        <a:scrgbClr r="0" g="0" b="0"/>
-      </a:fillRef>
-      <a:effectRef idx="0">
-        <a:scrgbClr r="0" g="0" b="0"/>
-      </a:effectRef>
-      <a:fontRef idx="minor"/>
-    </dgm:style>
-  </dgm:styleLbl>
-  <dgm:styleLbl name="alignImgPlace1">
-    <dgm:scene3d>
-      <a:camera prst="orthographicFront"/>
-      <a:lightRig rig="threePt" dir="t"/>
-    </dgm:scene3d>
-    <dgm:sp3d/>
-    <dgm:txPr/>
-    <dgm:style>
-      <a:lnRef idx="2">
-        <a:scrgbClr r="0" g="0" b="0"/>
-      </a:lnRef>
-      <a:fillRef idx="1">
-        <a:scrgbClr r="0" g="0" b="0"/>
-      </a:fillRef>
-      <a:effectRef idx="0">
-        <a:scrgbClr r="0" g="0" b="0"/>
-      </a:effectRef>
-      <a:fontRef idx="minor"/>
-    </dgm:style>
-  </dgm:styleLbl>
-  <dgm:styleLbl name="bgImgPlace1">
-    <dgm:scene3d>
-      <a:camera prst="orthographicFront"/>
-      <a:lightRig rig="threePt" dir="t"/>
-    </dgm:scene3d>
-    <dgm:sp3d/>
-    <dgm:txPr/>
-    <dgm:style>
-      <a:lnRef idx="2">
-        <a:scrgbClr r="0" g="0" b="0"/>
-      </a:lnRef>
-      <a:fillRef idx="1">
-        <a:scrgbClr r="0" g="0" b="0"/>
-      </a:fillRef>
-      <a:effectRef idx="0">
-        <a:scrgbClr r="0" g="0" b="0"/>
-      </a:effectRef>
-      <a:fontRef idx="minor"/>
-    </dgm:style>
-  </dgm:styleLbl>
-  <dgm:styleLbl name="sibTrans2D1">
-    <dgm:scene3d>
-      <a:camera prst="orthographicFront"/>
-      <a:lightRig rig="threePt" dir="t"/>
-    </dgm:scene3d>
-    <dgm:sp3d/>
-    <dgm:txPr/>
-    <dgm:style>
-      <a:lnRef idx="0">
-        <a:scrgbClr r="0" g="0" b="0"/>
-      </a:lnRef>
-      <a:fillRef idx="1">
-        <a:scrgbClr r="0" g="0" b="0"/>
-      </a:fillRef>
-      <a:effectRef idx="0">
-        <a:scrgbClr r="0" g="0" b="0"/>
-      </a:effectRef>
-      <a:fontRef idx="minor">
-        <a:schemeClr val="lt1"/>
-      </a:fontRef>
-    </dgm:style>
-  </dgm:styleLbl>
-  <dgm:styleLbl name="fgSibTrans2D1">
-    <dgm:scene3d>
-      <a:camera prst="orthographicFront"/>
-      <a:lightRig rig="threePt" dir="t"/>
-    </dgm:scene3d>
-    <dgm:sp3d/>
-    <dgm:txPr/>
-    <dgm:style>
-      <a:lnRef idx="0">
-        <a:scrgbClr r="0" g="0" b="0"/>
-      </a:lnRef>
-      <a:fillRef idx="1">
-        <a:scrgbClr r="0" g="0" b="0"/>
-      </a:fillRef>
-      <a:effectRef idx="0">
-        <a:scrgbClr r="0" g="0" b="0"/>
-      </a:effectRef>
-      <a:fontRef idx="minor">
-        <a:schemeClr val="lt1"/>
-      </a:fontRef>
-    </dgm:style>
-  </dgm:styleLbl>
-  <dgm:styleLbl name="bgSibTrans2D1">
-    <dgm:scene3d>
-      <a:camera prst="orthographicFront"/>
-      <a:lightRig rig="threePt" dir="t"/>
-    </dgm:scene3d>
-    <dgm:sp3d/>
-    <dgm:txPr/>
-    <dgm:style>
-      <a:lnRef idx="0">
-        <a:scrgbClr r="0" g="0" b="0"/>
-      </a:lnRef>
-      <a:fillRef idx="1">
-        <a:scrgbClr r="0" g="0" b="0"/>
-      </a:fillRef>
-      <a:effectRef idx="0">
-        <a:scrgbClr r="0" g="0" b="0"/>
-      </a:effectRef>
-      <a:fontRef idx="minor">
-        <a:schemeClr val="lt1"/>
-      </a:fontRef>
-    </dgm:style>
-  </dgm:styleLbl>
-  <dgm:styleLbl name="sibTrans1D1">
-    <dgm:scene3d>
-      <a:camera prst="orthographicFront"/>
-      <a:lightRig rig="threePt" dir="t"/>
-    </dgm:scene3d>
-    <dgm:sp3d/>
-    <dgm:txPr/>
-    <dgm:style>
-      <a:lnRef idx="1">
-        <a:scrgbClr r="0" g="0" b="0"/>
-      </a:lnRef>
-      <a:fillRef idx="0">
-        <a:scrgbClr r="0" g="0" b="0"/>
-      </a:fillRef>
-      <a:effectRef idx="0">
-        <a:scrgbClr r="0" g="0" b="0"/>
-      </a:effectRef>
-      <a:fontRef idx="minor"/>
-    </dgm:style>
-  </dgm:styleLbl>
-  <dgm:styleLbl name="callout">
-    <dgm:scene3d>
-      <a:camera prst="orthographicFront"/>
-      <a:lightRig rig="threePt" dir="t"/>
-    </dgm:scene3d>
-    <dgm:sp3d/>
-    <dgm:txPr/>
-    <dgm:style>
-      <a:lnRef idx="2">
-        <a:scrgbClr r="0" g="0" b="0"/>
-      </a:lnRef>
-      <a:fillRef idx="1">
-        <a:scrgbClr r="0" g="0" b="0"/>
-      </a:fillRef>
-      <a:effectRef idx="0">
-        <a:scrgbClr r="0" g="0" b="0"/>
-      </a:effectRef>
-      <a:fontRef idx="minor"/>
-    </dgm:style>
-  </dgm:styleLbl>
-  <dgm:styleLbl name="asst0">
-    <dgm:scene3d>
-      <a:camera prst="orthographicFront"/>
-      <a:lightRig rig="threePt" dir="t"/>
-    </dgm:scene3d>
-    <dgm:sp3d/>
-    <dgm:txPr/>
-    <dgm:style>
-      <a:lnRef idx="2">
-        <a:scrgbClr r="0" g="0" b="0"/>
-      </a:lnRef>
-      <a:fillRef idx="1">
-        <a:scrgbClr r="0" g="0" b="0"/>
-      </a:fillRef>
-      <a:effectRef idx="0">
-        <a:scrgbClr r="0" g="0" b="0"/>
-      </a:effectRef>
-      <a:fontRef idx="minor">
-        <a:schemeClr val="lt1"/>
-      </a:fontRef>
-    </dgm:style>
-  </dgm:styleLbl>
-  <dgm:styleLbl name="asst1">
-    <dgm:scene3d>
-      <a:camera prst="orthographicFront"/>
-      <a:lightRig rig="threePt" dir="t"/>
-    </dgm:scene3d>
-    <dgm:sp3d/>
-    <dgm:txPr/>
-    <dgm:style>
-      <a:lnRef idx="2">
-        <a:scrgbClr r="0" g="0" b="0"/>
-      </a:lnRef>
-      <a:fillRef idx="1">
-        <a:scrgbClr r="0" g="0" b="0"/>
-      </a:fillRef>
-      <a:effectRef idx="0">
-        <a:scrgbClr r="0" g="0" b="0"/>
-      </a:effectRef>
-      <a:fontRef idx="minor">
-        <a:schemeClr val="lt1"/>
-      </a:fontRef>
-    </dgm:style>
-  </dgm:styleLbl>
-  <dgm:styleLbl name="asst2">
-    <dgm:scene3d>
-      <a:camera prst="orthographicFront"/>
-      <a:lightRig rig="threePt" dir="t"/>
-    </dgm:scene3d>
-    <dgm:sp3d/>
-    <dgm:txPr/>
-    <dgm:style>
-      <a:lnRef idx="2">
-        <a:scrgbClr r="0" g="0" b="0"/>
-      </a:lnRef>
-      <a:fillRef idx="1">
-        <a:scrgbClr r="0" g="0" b="0"/>
-      </a:fillRef>
-      <a:effectRef idx="0">
-        <a:scrgbClr r="0" g="0" b="0"/>
-      </a:effectRef>
-      <a:fontRef idx="minor">
-        <a:schemeClr val="lt1"/>
-      </a:fontRef>
-    </dgm:style>
-  </dgm:styleLbl>
-  <dgm:styleLbl name="asst3">
-    <dgm:scene3d>
-      <a:camera prst="orthographicFront"/>
-      <a:lightRig rig="threePt" dir="t"/>
-    </dgm:scene3d>
-    <dgm:sp3d/>
-    <dgm:txPr/>
-    <dgm:style>
-      <a:lnRef idx="2">
-        <a:scrgbClr r="0" g="0" b="0"/>
-      </a:lnRef>
-      <a:fillRef idx="1">
-        <a:scrgbClr r="0" g="0" b="0"/>
-      </a:fillRef>
-      <a:effectRef idx="0">
-        <a:scrgbClr r="0" g="0" b="0"/>
-      </a:effectRef>
-      <a:fontRef idx="minor">
-        <a:schemeClr val="lt1"/>
-      </a:fontRef>
-    </dgm:style>
-  </dgm:styleLbl>
-  <dgm:styleLbl name="asst4">
-    <dgm:scene3d>
-      <a:camera prst="orthographicFront"/>
-      <a:lightRig rig="threePt" dir="t"/>
-    </dgm:scene3d>
-    <dgm:sp3d/>
-    <dgm:txPr/>
-    <dgm:style>
-      <a:lnRef idx="2">
-        <a:scrgbClr r="0" g="0" b="0"/>
-      </a:lnRef>
-      <a:fillRef idx="1">
-        <a:scrgbClr r="0" g="0" b="0"/>
-      </a:fillRef>
-      <a:effectRef idx="0">
-        <a:scrgbClr r="0" g="0" b="0"/>
-      </a:effectRef>
-      <a:fontRef idx="minor">
-        <a:schemeClr val="lt1"/>
-      </a:fontRef>
-    </dgm:style>
-  </dgm:styleLbl>
-  <dgm:styleLbl name="parChTrans2D1">
-    <dgm:scene3d>
-      <a:camera prst="orthographicFront"/>
-      <a:lightRig rig="threePt" dir="t"/>
-    </dgm:scene3d>
-    <dgm:sp3d/>
-    <dgm:txPr/>
-    <dgm:style>
-      <a:lnRef idx="2">
-        <a:scrgbClr r="0" g="0" b="0"/>
-      </a:lnRef>
-      <a:fillRef idx="1">
-        <a:scrgbClr r="0" g="0" b="0"/>
-      </a:fillRef>
-      <a:effectRef idx="0">
-        <a:scrgbClr r="0" g="0" b="0"/>
-      </a:effectRef>
-      <a:fontRef idx="minor">
-        <a:schemeClr val="lt1"/>
-      </a:fontRef>
-    </dgm:style>
-  </dgm:styleLbl>
-  <dgm:styleLbl name="parChTrans2D2">
-    <dgm:scene3d>
-      <a:camera prst="orthographicFront"/>
-      <a:lightRig rig="threePt" dir="t"/>
-    </dgm:scene3d>
-    <dgm:sp3d/>
-    <dgm:txPr/>
-    <dgm:style>
-      <a:lnRef idx="2">
-        <a:scrgbClr r="0" g="0" b="0"/>
-      </a:lnRef>
-      <a:fillRef idx="1">
-        <a:scrgbClr r="0" g="0" b="0"/>
-      </a:fillRef>
-      <a:effectRef idx="0">
-        <a:scrgbClr r="0" g="0" b="0"/>
-      </a:effectRef>
-      <a:fontRef idx="minor">
-        <a:schemeClr val="lt1"/>
-      </a:fontRef>
-    </dgm:style>
-  </dgm:styleLbl>
-  <dgm:styleLbl name="parChTrans2D3">
-    <dgm:scene3d>
-      <a:camera prst="orthographicFront"/>
-      <a:lightRig rig="threePt" dir="t"/>
-    </dgm:scene3d>
-    <dgm:sp3d/>
-    <dgm:txPr/>
-    <dgm:style>
-      <a:lnRef idx="2">
-        <a:scrgbClr r="0" g="0" b="0"/>
-      </a:lnRef>
-      <a:fillRef idx="1">
-        <a:scrgbClr r="0" g="0" b="0"/>
-      </a:fillRef>
-      <a:effectRef idx="0">
-        <a:scrgbClr r="0" g="0" b="0"/>
-      </a:effectRef>
-      <a:fontRef idx="minor">
-        <a:schemeClr val="lt1"/>
-      </a:fontRef>
-    </dgm:style>
-  </dgm:styleLbl>
-  <dgm:styleLbl name="parChTrans2D4">
-    <dgm:scene3d>
-      <a:camera prst="orthographicFront"/>
-      <a:lightRig rig="threePt" dir="t"/>
-    </dgm:scene3d>
-    <dgm:sp3d/>
-    <dgm:txPr/>
-    <dgm:style>
-      <a:lnRef idx="2">
-        <a:scrgbClr r="0" g="0" b="0"/>
-      </a:lnRef>
-      <a:fillRef idx="1">
-        <a:scrgbClr r="0" g="0" b="0"/>
-      </a:fillRef>
-      <a:effectRef idx="0">
-        <a:scrgbClr r="0" g="0" b="0"/>
-      </a:effectRef>
-      <a:fontRef idx="minor">
-        <a:schemeClr val="lt1"/>
-      </a:fontRef>
-    </dgm:style>
-  </dgm:styleLbl>
-  <dgm:styleLbl name="parChTrans1D1">
-    <dgm:scene3d>
-      <a:camera prst="orthographicFront"/>
-      <a:lightRig rig="threePt" dir="t"/>
-    </dgm:scene3d>
-    <dgm:sp3d/>
-    <dgm:txPr/>
-    <dgm:style>
-      <a:lnRef idx="2">
-        <a:scrgbClr r="0" g="0" b="0"/>
-      </a:lnRef>
-      <a:fillRef idx="0">
-        <a:scrgbClr r="0" g="0" b="0"/>
-      </a:fillRef>
-      <a:effectRef idx="0">
-        <a:scrgbClr r="0" g="0" b="0"/>
-      </a:effectRef>
-      <a:fontRef idx="minor"/>
-    </dgm:style>
-  </dgm:styleLbl>
-  <dgm:styleLbl name="parChTrans1D2">
-    <dgm:scene3d>
-      <a:camera prst="orthographicFront"/>
-      <a:lightRig rig="threePt" dir="t"/>
-    </dgm:scene3d>
-    <dgm:sp3d/>
-    <dgm:txPr/>
-    <dgm:style>
-      <a:lnRef idx="2">
-        <a:scrgbClr r="0" g="0" b="0"/>
-      </a:lnRef>
-      <a:fillRef idx="0">
-        <a:scrgbClr r="0" g="0" b="0"/>
-      </a:fillRef>
-      <a:effectRef idx="0">
-        <a:scrgbClr r="0" g="0" b="0"/>
-      </a:effectRef>
-      <a:fontRef idx="minor"/>
-    </dgm:style>
-  </dgm:styleLbl>
-  <dgm:styleLbl name="parChTrans1D3">
-    <dgm:scene3d>
-      <a:camera prst="orthographicFront"/>
-      <a:lightRig rig="threePt" dir="t"/>
-    </dgm:scene3d>
-    <dgm:sp3d/>
-    <dgm:txPr/>
-    <dgm:style>
-      <a:lnRef idx="2">
-        <a:scrgbClr r="0" g="0" b="0"/>
-      </a:lnRef>
-      <a:fillRef idx="0">
-        <a:scrgbClr r="0" g="0" b="0"/>
-      </a:fillRef>
-      <a:effectRef idx="0">
-        <a:scrgbClr r="0" g="0" b="0"/>
-      </a:effectRef>
-      <a:fontRef idx="minor"/>
-    </dgm:style>
-  </dgm:styleLbl>
-  <dgm:styleLbl name="parChTrans1D4">
-    <dgm:scene3d>
-      <a:camera prst="orthographicFront"/>
-      <a:lightRig rig="threePt" dir="t"/>
-    </dgm:scene3d>
-    <dgm:sp3d/>
-    <dgm:txPr/>
-    <dgm:style>
-      <a:lnRef idx="2">
-        <a:scrgbClr r="0" g="0" b="0"/>
-      </a:lnRef>
-      <a:fillRef idx="0">
-        <a:scrgbClr r="0" g="0" b="0"/>
-      </a:fillRef>
-      <a:effectRef idx="0">
-        <a:scrgbClr r="0" g="0" b="0"/>
-      </a:effectRef>
-      <a:fontRef idx="minor"/>
-    </dgm:style>
-  </dgm:styleLbl>
-  <dgm:styleLbl name="fgAcc1">
-    <dgm:scene3d>
-      <a:camera prst="orthographicFront"/>
-      <a:lightRig rig="threePt" dir="t"/>
-    </dgm:scene3d>
-    <dgm:sp3d/>
-    <dgm:txPr/>
-    <dgm:style>
-      <a:lnRef idx="2">
-        <a:scrgbClr r="0" g="0" b="0"/>
-      </a:lnRef>
-      <a:fillRef idx="1">
-        <a:scrgbClr r="0" g="0" b="0"/>
-      </a:fillRef>
-      <a:effectRef idx="0">
-        <a:scrgbClr r="0" g="0" b="0"/>
-      </a:effectRef>
-      <a:fontRef idx="minor"/>
-    </dgm:style>
-  </dgm:styleLbl>
-  <dgm:styleLbl name="conFgAcc1">
-    <dgm:scene3d>
-      <a:camera prst="orthographicFront"/>
-      <a:lightRig rig="threePt" dir="t"/>
-    </dgm:scene3d>
-    <dgm:sp3d/>
-    <dgm:txPr/>
-    <dgm:style>
-      <a:lnRef idx="2">
-        <a:scrgbClr r="0" g="0" b="0"/>
-      </a:lnRef>
-      <a:fillRef idx="1">
-        <a:scrgbClr r="0" g="0" b="0"/>
-      </a:fillRef>
-      <a:effectRef idx="0">
-        <a:scrgbClr r="0" g="0" b="0"/>
-      </a:effectRef>
-      <a:fontRef idx="minor"/>
-    </dgm:style>
-  </dgm:styleLbl>
-  <dgm:styleLbl name="alignAcc1">
-    <dgm:scene3d>
-      <a:camera prst="orthographicFront"/>
-      <a:lightRig rig="threePt" dir="t"/>
-    </dgm:scene3d>
-    <dgm:sp3d/>
-    <dgm:txPr/>
-    <dgm:style>
-      <a:lnRef idx="2">
-        <a:scrgbClr r="0" g="0" b="0"/>
-      </a:lnRef>
-      <a:fillRef idx="1">
-        <a:scrgbClr r="0" g="0" b="0"/>
-      </a:fillRef>
-      <a:effectRef idx="0">
-        <a:scrgbClr r="0" g="0" b="0"/>
-      </a:effectRef>
-      <a:fontRef idx="minor"/>
-    </dgm:style>
-  </dgm:styleLbl>
-  <dgm:styleLbl name="trAlignAcc1">
-    <dgm:scene3d>
-      <a:camera prst="orthographicFront"/>
-      <a:lightRig rig="threePt" dir="t"/>
-    </dgm:scene3d>
-    <dgm:sp3d/>
-    <dgm:txPr/>
-    <dgm:style>
-      <a:lnRef idx="1">
-        <a:scrgbClr r="0" g="0" b="0"/>
-      </a:lnRef>
-      <a:fillRef idx="1">
-        <a:scrgbClr r="0" g="0" b="0"/>
-      </a:fillRef>
-      <a:effectRef idx="0">
-        <a:scrgbClr r="0" g="0" b="0"/>
-      </a:effectRef>
-      <a:fontRef idx="minor"/>
-    </dgm:style>
-  </dgm:styleLbl>
-  <dgm:styleLbl name="bgAcc1">
-    <dgm:scene3d>
-      <a:camera prst="orthographicFront"/>
-      <a:lightRig rig="threePt" dir="t"/>
-    </dgm:scene3d>
-    <dgm:sp3d/>
-    <dgm:txPr/>
-    <dgm:style>
-      <a:lnRef idx="2">
-        <a:scrgbClr r="0" g="0" b="0"/>
-      </a:lnRef>
-      <a:fillRef idx="1">
-        <a:scrgbClr r="0" g="0" b="0"/>
-      </a:fillRef>
-      <a:effectRef idx="0">
-        <a:scrgbClr r="0" g="0" b="0"/>
-      </a:effectRef>
-      <a:fontRef idx="minor"/>
-    </dgm:style>
-  </dgm:styleLbl>
-  <dgm:styleLbl name="solidFgAcc1">
-    <dgm:scene3d>
-      <a:camera prst="orthographicFront"/>
-      <a:lightRig rig="threePt" dir="t"/>
-    </dgm:scene3d>
-    <dgm:sp3d/>
-    <dgm:txPr/>
-    <dgm:style>
-      <a:lnRef idx="2">
-        <a:scrgbClr r="0" g="0" b="0"/>
-      </a:lnRef>
-      <a:fillRef idx="1">
-        <a:scrgbClr r="0" g="0" b="0"/>
-      </a:fillRef>
-      <a:effectRef idx="0">
-        <a:scrgbClr r="0" g="0" b="0"/>
-      </a:effectRef>
-      <a:fontRef idx="minor"/>
-    </dgm:style>
-  </dgm:styleLbl>
-  <dgm:styleLbl name="solidAlignAcc1">
-    <dgm:scene3d>
-      <a:camera prst="orthographicFront"/>
-      <a:lightRig rig="threePt" dir="t"/>
-    </dgm:scene3d>
-    <dgm:sp3d/>
-    <dgm:txPr/>
-    <dgm:style>
-      <a:lnRef idx="2">
-        <a:scrgbClr r="0" g="0" b="0"/>
-      </a:lnRef>
-      <a:fillRef idx="1">
-        <a:scrgbClr r="0" g="0" b="0"/>
-      </a:fillRef>
-      <a:effectRef idx="0">
-        <a:scrgbClr r="0" g="0" b="0"/>
-      </a:effectRef>
-      <a:fontRef idx="minor"/>
-    </dgm:style>
-  </dgm:styleLbl>
-  <dgm:styleLbl name="solidBgAcc1">
-    <dgm:scene3d>
-      <a:camera prst="orthographicFront"/>
-      <a:lightRig rig="threePt" dir="t"/>
-    </dgm:scene3d>
-    <dgm:sp3d/>
-    <dgm:txPr/>
-    <dgm:style>
-      <a:lnRef idx="2">
-        <a:scrgbClr r="0" g="0" b="0"/>
-      </a:lnRef>
-      <a:fillRef idx="1">
-        <a:scrgbClr r="0" g="0" b="0"/>
-      </a:fillRef>
-      <a:effectRef idx="0">
-        <a:scrgbClr r="0" g="0" b="0"/>
-      </a:effectRef>
-      <a:fontRef idx="minor"/>
-    </dgm:style>
-  </dgm:styleLbl>
-  <dgm:styleLbl name="fgAccFollowNode1">
-    <dgm:scene3d>
-      <a:camera prst="orthographicFront"/>
-      <a:lightRig rig="threePt" dir="t"/>
-    </dgm:scene3d>
-    <dgm:sp3d/>
-    <dgm:txPr/>
-    <dgm:style>
-      <a:lnRef idx="2">
-        <a:scrgbClr r="0" g="0" b="0"/>
-      </a:lnRef>
-      <a:fillRef idx="1">
-        <a:scrgbClr r="0" g="0" b="0"/>
-      </a:fillRef>
-      <a:effectRef idx="0">
-        <a:scrgbClr r="0" g="0" b="0"/>
-      </a:effectRef>
-      <a:fontRef idx="minor"/>
-    </dgm:style>
-  </dgm:styleLbl>
-  <dgm:styleLbl name="alignAccFollowNode1">
-    <dgm:scene3d>
-      <a:camera prst="orthographicFront"/>
-      <a:lightRig rig="threePt" dir="t"/>
-    </dgm:scene3d>
-    <dgm:sp3d/>
-    <dgm:txPr/>
-    <dgm:style>
-      <a:lnRef idx="2">
-        <a:scrgbClr r="0" g="0" b="0"/>
-      </a:lnRef>
-      <a:fillRef idx="1">
-        <a:scrgbClr r="0" g="0" b="0"/>
-      </a:fillRef>
-      <a:effectRef idx="0">
-        <a:scrgbClr r="0" g="0" b="0"/>
-      </a:effectRef>
-      <a:fontRef idx="minor"/>
-    </dgm:style>
-  </dgm:styleLbl>
-  <dgm:styleLbl name="bgAccFollowNode1">
-    <dgm:scene3d>
-      <a:camera prst="orthographicFront"/>
-      <a:lightRig rig="threePt" dir="t"/>
-    </dgm:scene3d>
-    <dgm:sp3d/>
-    <dgm:txPr/>
-    <dgm:style>
-      <a:lnRef idx="2">
-        <a:scrgbClr r="0" g="0" b="0"/>
-      </a:lnRef>
-      <a:fillRef idx="1">
-        <a:scrgbClr r="0" g="0" b="0"/>
-      </a:fillRef>
-      <a:effectRef idx="0">
-        <a:scrgbClr r="0" g="0" b="0"/>
-      </a:effectRef>
-      <a:fontRef idx="minor"/>
-    </dgm:style>
-  </dgm:styleLbl>
-  <dgm:styleLbl name="fgAcc0">
-    <dgm:scene3d>
-      <a:camera prst="orthographicFront"/>
-      <a:lightRig rig="threePt" dir="t"/>
-    </dgm:scene3d>
-    <dgm:sp3d/>
-    <dgm:txPr/>
-    <dgm:style>
-      <a:lnRef idx="2">
-        <a:scrgbClr r="0" g="0" b="0"/>
-      </a:lnRef>
-      <a:fillRef idx="1">
-        <a:scrgbClr r="0" g="0" b="0"/>
-      </a:fillRef>
-      <a:effectRef idx="0">
-        <a:scrgbClr r="0" g="0" b="0"/>
-      </a:effectRef>
-      <a:fontRef idx="minor"/>
-    </dgm:style>
-  </dgm:styleLbl>
-  <dgm:styleLbl name="fgAcc2">
-    <dgm:scene3d>
-      <a:camera prst="orthographicFront"/>
-      <a:lightRig rig="threePt" dir="t"/>
-    </dgm:scene3d>
-    <dgm:sp3d/>
-    <dgm:txPr/>
-    <dgm:style>
-      <a:lnRef idx="2">
-        <a:scrgbClr r="0" g="0" b="0"/>
-      </a:lnRef>
-      <a:fillRef idx="1">
-        <a:scrgbClr r="0" g="0" b="0"/>
-      </a:fillRef>
-      <a:effectRef idx="0">
-        <a:scrgbClr r="0" g="0" b="0"/>
-      </a:effectRef>
-      <a:fontRef idx="minor"/>
-    </dgm:style>
-  </dgm:styleLbl>
-  <dgm:styleLbl name="fgAcc3">
-    <dgm:scene3d>
-      <a:camera prst="orthographicFront"/>
-      <a:lightRig rig="threePt" dir="t"/>
-    </dgm:scene3d>
-    <dgm:sp3d/>
-    <dgm:txPr/>
-    <dgm:style>
-      <a:lnRef idx="2">
-        <a:scrgbClr r="0" g="0" b="0"/>
-      </a:lnRef>
-      <a:fillRef idx="1">
-        <a:scrgbClr r="0" g="0" b="0"/>
-      </a:fillRef>
-      <a:effectRef idx="0">
-        <a:scrgbClr r="0" g="0" b="0"/>
-      </a:effectRef>
-      <a:fontRef idx="minor"/>
-    </dgm:style>
-  </dgm:styleLbl>
-  <dgm:styleLbl name="fgAcc4">
-    <dgm:scene3d>
-      <a:camera prst="orthographicFront"/>
-      <a:lightRig rig="threePt" dir="t"/>
-    </dgm:scene3d>
-    <dgm:sp3d/>
-    <dgm:txPr/>
-    <dgm:style>
-      <a:lnRef idx="2">
-        <a:scrgbClr r="0" g="0" b="0"/>
-      </a:lnRef>
-      <a:fillRef idx="1">
-        <a:scrgbClr r="0" g="0" b="0"/>
-      </a:fillRef>
-      <a:effectRef idx="0">
-        <a:scrgbClr r="0" g="0" b="0"/>
-      </a:effectRef>
-      <a:fontRef idx="minor"/>
-    </dgm:style>
-  </dgm:styleLbl>
-  <dgm:styleLbl name="bgShp">
-    <dgm:scene3d>
-      <a:camera prst="orthographicFront"/>
-      <a:lightRig rig="threePt" dir="t"/>
-    </dgm:scene3d>
-    <dgm:sp3d/>
-    <dgm:txPr/>
-    <dgm:style>
-      <a:lnRef idx="0">
-        <a:scrgbClr r="0" g="0" b="0"/>
-      </a:lnRef>
-      <a:fillRef idx="1">
-        <a:scrgbClr r="0" g="0" b="0"/>
-      </a:fillRef>
-      <a:effectRef idx="0">
-        <a:scrgbClr r="0" g="0" b="0"/>
-      </a:effectRef>
-      <a:fontRef idx="minor"/>
-    </dgm:style>
-  </dgm:styleLbl>
-  <dgm:styleLbl name="dkBgShp">
-    <dgm:scene3d>
-      <a:camera prst="orthographicFront"/>
-      <a:lightRig rig="threePt" dir="t"/>
-    </dgm:scene3d>
-    <dgm:sp3d/>
-    <dgm:txPr/>
-    <dgm:style>
-      <a:lnRef idx="0">
-        <a:scrgbClr r="0" g="0" b="0"/>
-      </a:lnRef>
-      <a:fillRef idx="1">
-        <a:scrgbClr r="0" g="0" b="0"/>
-      </a:fillRef>
-      <a:effectRef idx="0">
-        <a:scrgbClr r="0" g="0" b="0"/>
-      </a:effectRef>
-      <a:fontRef idx="minor"/>
-    </dgm:style>
-  </dgm:styleLbl>
-  <dgm:styleLbl name="trBgShp">
-    <dgm:scene3d>
-      <a:camera prst="orthographicFront"/>
-      <a:lightRig rig="threePt" dir="t"/>
-    </dgm:scene3d>
-    <dgm:sp3d/>
-    <dgm:txPr/>
-    <dgm:style>
-      <a:lnRef idx="0">
-        <a:scrgbClr r="0" g="0" b="0"/>
-      </a:lnRef>
-      <a:fillRef idx="1">
-        <a:scrgbClr r="0" g="0" b="0"/>
-      </a:fillRef>
-      <a:effectRef idx="0">
-        <a:scrgbClr r="0" g="0" b="0"/>
-      </a:effectRef>
-      <a:fontRef idx="minor"/>
-    </dgm:style>
-  </dgm:styleLbl>
-  <dgm:styleLbl name="fgShp">
-    <dgm:scene3d>
-      <a:camera prst="orthographicFront"/>
-      <a:lightRig rig="threePt" dir="t"/>
-    </dgm:scene3d>
-    <dgm:sp3d/>
-    <dgm:txPr/>
-    <dgm:style>
-      <a:lnRef idx="2">
-        <a:scrgbClr r="0" g="0" b="0"/>
-      </a:lnRef>
-      <a:fillRef idx="1">
-        <a:scrgbClr r="0" g="0" b="0"/>
-      </a:fillRef>
-      <a:effectRef idx="0">
-        <a:scrgbClr r="0" g="0" b="0"/>
-      </a:effectRef>
-      <a:fontRef idx="minor"/>
-    </dgm:style>
-  </dgm:styleLbl>
-  <dgm:styleLbl name="revTx">
-    <dgm:scene3d>
-      <a:camera prst="orthographicFront"/>
-      <a:lightRig rig="threePt" dir="t"/>
-    </dgm:scene3d>
-    <dgm:sp3d/>
-    <dgm:txPr/>
-    <dgm:style>
-      <a:lnRef idx="0">
-        <a:scrgbClr r="0" g="0" b="0"/>
-      </a:lnRef>
-      <a:fillRef idx="0">
-        <a:scrgbClr r="0" g="0" b="0"/>
-      </a:fillRef>
-      <a:effectRef idx="0">
-        <a:scrgbClr r="0" g="0" b="0"/>
-      </a:effectRef>
-      <a:fontRef idx="minor"/>
-    </dgm:style>
-  </dgm:styleLbl>
-</dgm:styleDef>
 </file>
 
 <file path=ppt/notesMasters/notesMaster1.xml><?xml version="1.0" encoding="utf-8"?>
@@ -4289,7 +623,7 @@
       </p:grpSpPr>
       <p:sp>
         <p:nvSpPr>
-          <p:cNvPr id="106" name="PlaceHolder 1"/>
+          <p:cNvPr id="110" name="PlaceHolder 1"/>
           <p:cNvSpPr>
             <a:spLocks noGrp="1"/>
           </p:cNvSpPr>
@@ -4311,15 +645,15 @@
           <a:lstStyle/>
           <a:p>
             <a:r>
-              <a:rPr lang="en-US" altLang=""/>
-              <a:t>500Hz, </a:t>
+              <a:rPr lang="en-US" altLang="en-US"/>
+              <a:t>high performence, analyse the existed system, program a protocol, during design face some problem like padding, at last we finish the protocol and according to some test have determined the performens of the protocol.   With this already in HLP and Nucleo implemented protocol we can now...And of cause there are still improvement space for our protocol, like use CRC16 as the </a:t>
             </a:r>
           </a:p>
         </p:txBody>
       </p:sp>
       <p:sp>
         <p:nvSpPr>
-          <p:cNvPr id="107" name="CustomShape 2"/>
+          <p:cNvPr id="111" name="CustomShape 2"/>
           <p:cNvSpPr/>
           <p:nvPr/>
         </p:nvSpPr>
@@ -4360,7 +694,7 @@
       </p:sp>
       <p:sp>
         <p:nvSpPr>
-          <p:cNvPr id="108" name="CustomShape 3"/>
+          <p:cNvPr id="112" name="CustomShape 3"/>
           <p:cNvSpPr/>
           <p:nvPr/>
         </p:nvSpPr>
@@ -4401,7 +735,7 @@
       </p:sp>
       <p:sp>
         <p:nvSpPr>
-          <p:cNvPr id="109" name="CustomShape 4"/>
+          <p:cNvPr id="113" name="CustomShape 4"/>
           <p:cNvSpPr/>
           <p:nvPr/>
         </p:nvSpPr>
@@ -4437,7 +771,7 @@
               </a:rPr>
               <a:t>|  </a:t>
             </a:r>
-            <a:fld id="{D8028492-1C9F-4E94-B585-9AAA12DBFDAA}" type="slidenum">
+            <a:fld id="{0BD78692-C88F-4214-A934-7F5547F1CA4D}" type="slidenum">
               <a:rPr lang="de-DE" sz="1000">
                 <a:solidFill>
                   <a:srgbClr val="000000"/>
@@ -4446,396 +780,6 @@
                 <a:ea typeface="+mn-ea"/>
               </a:rPr>
               <a:t>11</a:t>
-            </a:fld>
-            <a:endParaRPr lang="de-DE" sz="1000">
-              <a:solidFill>
-                <a:srgbClr val="000000"/>
-              </a:solidFill>
-              <a:latin typeface="Stafford"/>
-              <a:ea typeface="+mn-ea"/>
-            </a:endParaRPr>
-          </a:p>
-        </p:txBody>
-      </p:sp>
-    </p:spTree>
-  </p:cSld>
-  <p:clrMapOvr>
-    <a:masterClrMapping/>
-  </p:clrMapOvr>
-</p:notes>
-</file>
-
-<file path=ppt/notesSlides/notesSlide11.xml><?xml version="1.0" encoding="utf-8"?>
-<p:notes xmlns:a="http://schemas.openxmlformats.org/drawingml/2006/main" xmlns:r="http://schemas.openxmlformats.org/officeDocument/2006/relationships" xmlns:p="http://schemas.openxmlformats.org/presentationml/2006/main">
-  <p:cSld>
-    <p:spTree>
-      <p:nvGrpSpPr>
-        <p:cNvPr id="1" name=""/>
-        <p:cNvGrpSpPr/>
-        <p:nvPr/>
-      </p:nvGrpSpPr>
-      <p:grpSpPr>
-        <a:xfrm>
-          <a:off x="0" y="0"/>
-          <a:ext cx="0" cy="0"/>
-          <a:chOff x="0" y="0"/>
-          <a:chExt cx="0" cy="0"/>
-        </a:xfrm>
-      </p:grpSpPr>
-      <p:sp>
-        <p:nvSpPr>
-          <p:cNvPr id="110" name="PlaceHolder 1"/>
-          <p:cNvSpPr>
-            <a:spLocks noGrp="1"/>
-          </p:cNvSpPr>
-          <p:nvPr>
-            <p:ph type="body"/>
-          </p:nvPr>
-        </p:nvSpPr>
-        <p:spPr>
-          <a:xfrm>
-            <a:off x="190440" y="4284720"/>
-            <a:ext cx="6476400" cy="4282200"/>
-          </a:xfrm>
-          <a:prstGeom prst="rect">
-            <a:avLst/>
-          </a:prstGeom>
-        </p:spPr>
-        <p:txBody>
-          <a:bodyPr lIns="0" tIns="0" rIns="0" bIns="0"/>
-          <a:lstStyle/>
-          <a:p>
-            <a:r>
-              <a:rPr lang="en-US" altLang="en-US"/>
-              <a:t>high performence, analyse the existed system, program a protocol, during design face some problem like padding, at last we finish the protocol and according to some test have determined the performens of the protocol.   With this already in HLP and Nucleo implemented protocol we can now...And of cause there are still improvement space for our protocol, like use CRC16 as the </a:t>
-            </a:r>
-          </a:p>
-        </p:txBody>
-      </p:sp>
-      <p:sp>
-        <p:nvSpPr>
-          <p:cNvPr id="111" name="CustomShape 2"/>
-          <p:cNvSpPr/>
-          <p:nvPr/>
-        </p:nvSpPr>
-        <p:spPr>
-          <a:xfrm>
-            <a:off x="189000" y="8685360"/>
-            <a:ext cx="1618560" cy="456480"/>
-          </a:xfrm>
-          <a:prstGeom prst="rect">
-            <a:avLst/>
-          </a:prstGeom>
-          <a:noFill/>
-          <a:ln>
-            <a:noFill/>
-          </a:ln>
-        </p:spPr>
-        <p:txBody>
-          <a:bodyPr lIns="90000" tIns="45000" rIns="90000" bIns="45000" anchor="ctr"/>
-          <a:lstStyle/>
-          <a:p>
-            <a:pPr>
-              <a:lnSpc>
-                <a:spcPts val="160"/>
-              </a:lnSpc>
-            </a:pPr>
-            <a:r>
-              <a:rPr lang="de-DE" sz="1000">
-                <a:solidFill>
-                  <a:srgbClr val="000000"/>
-                </a:solidFill>
-                <a:latin typeface="Stafford"/>
-                <a:ea typeface="+mn-ea"/>
-              </a:rPr>
-              <a:t>15.06.16</a:t>
-            </a:r>
-          </a:p>
-        </p:txBody>
-      </p:sp>
-      <p:sp>
-        <p:nvSpPr>
-          <p:cNvPr id="112" name="CustomShape 3"/>
-          <p:cNvSpPr/>
-          <p:nvPr/>
-        </p:nvSpPr>
-        <p:spPr>
-          <a:xfrm>
-            <a:off x="1808280" y="8685360"/>
-            <a:ext cx="4104720" cy="456480"/>
-          </a:xfrm>
-          <a:prstGeom prst="rect">
-            <a:avLst/>
-          </a:prstGeom>
-          <a:noFill/>
-          <a:ln>
-            <a:noFill/>
-          </a:ln>
-        </p:spPr>
-        <p:txBody>
-          <a:bodyPr lIns="90000" tIns="45000" rIns="90000" bIns="45000" anchor="ctr"/>
-          <a:lstStyle/>
-          <a:p>
-            <a:pPr>
-              <a:lnSpc>
-                <a:spcPts val="160"/>
-              </a:lnSpc>
-            </a:pPr>
-            <a:r>
-              <a:rPr lang="de-DE" sz="1000">
-                <a:solidFill>
-                  <a:srgbClr val="000000"/>
-                </a:solidFill>
-                <a:latin typeface="Stafford"/>
-                <a:ea typeface="+mn-ea"/>
-              </a:rPr>
-              <a:t>|  </a:t>
-            </a:r>
-          </a:p>
-        </p:txBody>
-      </p:sp>
-      <p:sp>
-        <p:nvSpPr>
-          <p:cNvPr id="113" name="CustomShape 4"/>
-          <p:cNvSpPr/>
-          <p:nvPr/>
-        </p:nvSpPr>
-        <p:spPr>
-          <a:xfrm>
-            <a:off x="5913360" y="8685360"/>
-            <a:ext cx="942120" cy="456480"/>
-          </a:xfrm>
-          <a:prstGeom prst="rect">
-            <a:avLst/>
-          </a:prstGeom>
-          <a:noFill/>
-          <a:ln>
-            <a:noFill/>
-          </a:ln>
-        </p:spPr>
-        <p:txBody>
-          <a:bodyPr lIns="90000" tIns="45000" rIns="90000" bIns="45000" anchor="ctr"/>
-          <a:lstStyle/>
-          <a:p>
-            <a:pPr algn="r">
-              <a:lnSpc>
-                <a:spcPts val="160"/>
-              </a:lnSpc>
-            </a:pPr>
-            <a:r>
-              <a:rPr lang="de-DE" sz="1000">
-                <a:solidFill>
-                  <a:srgbClr val="000000"/>
-                </a:solidFill>
-                <a:latin typeface="Stafford"/>
-                <a:ea typeface="+mn-ea"/>
-              </a:rPr>
-              <a:t>|  </a:t>
-            </a:r>
-            <a:fld id="{0BD78692-C88F-4214-A934-7F5547F1CA4D}" type="slidenum">
-              <a:rPr lang="de-DE" sz="1000">
-                <a:solidFill>
-                  <a:srgbClr val="000000"/>
-                </a:solidFill>
-                <a:latin typeface="Stafford"/>
-                <a:ea typeface="+mn-ea"/>
-              </a:rPr>
-              <a:t>12</a:t>
-            </a:fld>
-            <a:endParaRPr lang="de-DE" sz="1000">
-              <a:solidFill>
-                <a:srgbClr val="000000"/>
-              </a:solidFill>
-              <a:latin typeface="Stafford"/>
-              <a:ea typeface="+mn-ea"/>
-            </a:endParaRPr>
-          </a:p>
-        </p:txBody>
-      </p:sp>
-    </p:spTree>
-  </p:cSld>
-  <p:clrMapOvr>
-    <a:masterClrMapping/>
-  </p:clrMapOvr>
-</p:notes>
-</file>
-
-<file path=ppt/notesSlides/notesSlide12.xml><?xml version="1.0" encoding="utf-8"?>
-<p:notes xmlns:a="http://schemas.openxmlformats.org/drawingml/2006/main" xmlns:r="http://schemas.openxmlformats.org/officeDocument/2006/relationships" xmlns:p="http://schemas.openxmlformats.org/presentationml/2006/main">
-  <p:cSld>
-    <p:spTree>
-      <p:nvGrpSpPr>
-        <p:cNvPr id="1" name=""/>
-        <p:cNvGrpSpPr/>
-        <p:nvPr/>
-      </p:nvGrpSpPr>
-      <p:grpSpPr>
-        <a:xfrm>
-          <a:off x="0" y="0"/>
-          <a:ext cx="0" cy="0"/>
-          <a:chOff x="0" y="0"/>
-          <a:chExt cx="0" cy="0"/>
-        </a:xfrm>
-      </p:grpSpPr>
-      <p:sp>
-        <p:nvSpPr>
-          <p:cNvPr id="110" name="PlaceHolder 1"/>
-          <p:cNvSpPr>
-            <a:spLocks noGrp="1"/>
-          </p:cNvSpPr>
-          <p:nvPr>
-            <p:ph type="body"/>
-          </p:nvPr>
-        </p:nvSpPr>
-        <p:spPr>
-          <a:xfrm>
-            <a:off x="190440" y="4284720"/>
-            <a:ext cx="6476400" cy="4282200"/>
-          </a:xfrm>
-          <a:prstGeom prst="rect">
-            <a:avLst/>
-          </a:prstGeom>
-        </p:spPr>
-        <p:txBody>
-          <a:bodyPr lIns="0" tIns="0" rIns="0" bIns="0"/>
-          <a:lstStyle/>
-          <a:p>
-            <a:r>
-              <a:rPr lang="en-US" altLang="en-US"/>
-              <a:t>high performence, analyse the existed system, program a protocol, during design face some problem like padding, at last we finish the protocol and according to some test have determined the performens of the protocol.   With this already in HLP and Nucleo implemented protocol we can now...And of cause there are still improvement space for our protocol, like use CRC16 as the </a:t>
-            </a:r>
-          </a:p>
-        </p:txBody>
-      </p:sp>
-      <p:sp>
-        <p:nvSpPr>
-          <p:cNvPr id="111" name="CustomShape 2"/>
-          <p:cNvSpPr/>
-          <p:nvPr/>
-        </p:nvSpPr>
-        <p:spPr>
-          <a:xfrm>
-            <a:off x="189000" y="8685360"/>
-            <a:ext cx="1618560" cy="456480"/>
-          </a:xfrm>
-          <a:prstGeom prst="rect">
-            <a:avLst/>
-          </a:prstGeom>
-          <a:noFill/>
-          <a:ln>
-            <a:noFill/>
-          </a:ln>
-        </p:spPr>
-        <p:txBody>
-          <a:bodyPr lIns="90000" tIns="45000" rIns="90000" bIns="45000" anchor="ctr"/>
-          <a:lstStyle/>
-          <a:p>
-            <a:pPr>
-              <a:lnSpc>
-                <a:spcPts val="160"/>
-              </a:lnSpc>
-            </a:pPr>
-            <a:r>
-              <a:rPr lang="de-DE" sz="1000">
-                <a:solidFill>
-                  <a:srgbClr val="000000"/>
-                </a:solidFill>
-                <a:latin typeface="Stafford"/>
-                <a:ea typeface="+mn-ea"/>
-              </a:rPr>
-              <a:t>15.06.16</a:t>
-            </a:r>
-          </a:p>
-        </p:txBody>
-      </p:sp>
-      <p:sp>
-        <p:nvSpPr>
-          <p:cNvPr id="112" name="CustomShape 3"/>
-          <p:cNvSpPr/>
-          <p:nvPr/>
-        </p:nvSpPr>
-        <p:spPr>
-          <a:xfrm>
-            <a:off x="1808280" y="8685360"/>
-            <a:ext cx="4104720" cy="456480"/>
-          </a:xfrm>
-          <a:prstGeom prst="rect">
-            <a:avLst/>
-          </a:prstGeom>
-          <a:noFill/>
-          <a:ln>
-            <a:noFill/>
-          </a:ln>
-        </p:spPr>
-        <p:txBody>
-          <a:bodyPr lIns="90000" tIns="45000" rIns="90000" bIns="45000" anchor="ctr"/>
-          <a:lstStyle/>
-          <a:p>
-            <a:pPr>
-              <a:lnSpc>
-                <a:spcPts val="160"/>
-              </a:lnSpc>
-            </a:pPr>
-            <a:r>
-              <a:rPr lang="de-DE" sz="1000">
-                <a:solidFill>
-                  <a:srgbClr val="000000"/>
-                </a:solidFill>
-                <a:latin typeface="Stafford"/>
-                <a:ea typeface="+mn-ea"/>
-              </a:rPr>
-              <a:t>|  </a:t>
-            </a:r>
-          </a:p>
-        </p:txBody>
-      </p:sp>
-      <p:sp>
-        <p:nvSpPr>
-          <p:cNvPr id="113" name="CustomShape 4"/>
-          <p:cNvSpPr/>
-          <p:nvPr/>
-        </p:nvSpPr>
-        <p:spPr>
-          <a:xfrm>
-            <a:off x="5913360" y="8685360"/>
-            <a:ext cx="942120" cy="456480"/>
-          </a:xfrm>
-          <a:prstGeom prst="rect">
-            <a:avLst/>
-          </a:prstGeom>
-          <a:noFill/>
-          <a:ln>
-            <a:noFill/>
-          </a:ln>
-        </p:spPr>
-        <p:txBody>
-          <a:bodyPr lIns="90000" tIns="45000" rIns="90000" bIns="45000" anchor="ctr"/>
-          <a:lstStyle/>
-          <a:p>
-            <a:pPr algn="r">
-              <a:lnSpc>
-                <a:spcPts val="160"/>
-              </a:lnSpc>
-            </a:pPr>
-            <a:r>
-              <a:rPr lang="de-DE" sz="1000">
-                <a:solidFill>
-                  <a:srgbClr val="000000"/>
-                </a:solidFill>
-                <a:latin typeface="Stafford"/>
-                <a:ea typeface="+mn-ea"/>
-              </a:rPr>
-              <a:t>|  </a:t>
-            </a:r>
-            <a:fld id="{0BD78692-C88F-4214-A934-7F5547F1CA4D}" type="slidenum">
-              <a:rPr lang="de-DE" sz="1000">
-                <a:solidFill>
-                  <a:srgbClr val="000000"/>
-                </a:solidFill>
-                <a:latin typeface="Stafford"/>
-                <a:ea typeface="+mn-ea"/>
-              </a:rPr>
-              <a:t>13</a:t>
             </a:fld>
             <a:endParaRPr lang="de-DE" sz="1000">
               <a:solidFill>
@@ -5843,7 +1787,15 @@
             </a:pPr>
             <a:r>
               <a:rPr lang="en-US" dirty="0"/>
-              <a:t>I would start by explaining to you what a communication protocol is in information technology. </a:t>
+              <a:t>I would start by explaining to you what a </a:t>
+            </a:r>
+            <a:r>
+              <a:rPr lang="en-US" b="1" dirty="0"/>
+              <a:t>communication protocol </a:t>
+            </a:r>
+            <a:r>
+              <a:rPr lang="en-US" dirty="0"/>
+              <a:t>is in information technology. </a:t>
             </a:r>
           </a:p>
           <a:p>
@@ -5870,7 +1822,7 @@
             </a:r>
             <a:r>
               <a:rPr lang="en-GB" dirty="0"/>
-              <a:t> set of rules allowing communication partners to transmit information.</a:t>
+              <a:t> set of rules allowing communication partners to transmit information. [CLICK]</a:t>
             </a:r>
           </a:p>
           <a:p>
@@ -5897,7 +1849,15 @@
             </a:r>
             <a:r>
               <a:rPr lang="en-US" dirty="0"/>
-              <a:t>a defined timing of communication actions, like transmitting data or decode some data at a </a:t>
+              <a:t>a defined </a:t>
+            </a:r>
+            <a:r>
+              <a:rPr lang="en-US" b="1" dirty="0"/>
+              <a:t>timing of communication actions</a:t>
+            </a:r>
+            <a:r>
+              <a:rPr lang="en-US" dirty="0"/>
+              <a:t>, like transmitting data or decode some data at a </a:t>
             </a:r>
             <a:r>
               <a:rPr lang="en-US" dirty="0" err="1"/>
@@ -5931,8 +1891,12 @@
               <a:t>The information both partners share are packed in so called </a:t>
             </a:r>
             <a:r>
+              <a:rPr lang="en-GB" b="1" dirty="0"/>
+              <a:t>PDUs</a:t>
+            </a:r>
+            <a:r>
               <a:rPr lang="en-GB" dirty="0"/>
-              <a:t>PDUs, </a:t>
+              <a:t>, </a:t>
             </a:r>
             <a:r>
               <a:rPr lang="de-DE" dirty="0" err="1"/>
@@ -5979,16 +1943,13 @@
             </a:pPr>
             <a:r>
               <a:rPr lang="en-US" dirty="0"/>
-              <a:t>So it must be known for what the first three bytes are, is there  a </a:t>
-            </a:r>
-            <a:r>
-              <a:rPr lang="en-US" dirty="0" err="1"/>
-              <a:t>Startbyte</a:t>
-            </a:r>
-            <a:r>
-              <a:rPr lang="en-US" dirty="0"/>
-              <a:t> for example.</a:t>
-            </a:r>
+              <a:t>So it must be defined what the first byte of each packet means and the second and so on… </a:t>
+            </a:r>
+            <a:r>
+              <a:rPr lang="en-GB" dirty="0"/>
+              <a:t>[CLICK]</a:t>
+            </a:r>
+            <a:endParaRPr lang="en-US" dirty="0"/>
           </a:p>
           <a:p>
             <a:pPr marL="0" marR="0" lvl="0" indent="0" algn="l" defTabSz="914400" rtl="0" eaLnBrk="1" fontAlgn="auto" latinLnBrk="0" hangingPunct="1">
@@ -6030,7 +1991,7 @@
             </a:pPr>
             <a:r>
               <a:rPr lang="en-US" dirty="0"/>
-              <a:t>To achieve a successful communication, both partners need to provide </a:t>
+              <a:t>To achieve a successful communication, both partners need to provide several </a:t>
             </a:r>
             <a:r>
               <a:rPr lang="en-GB" dirty="0"/>
@@ -6080,7 +2041,7 @@
             </a:pPr>
             <a:r>
               <a:rPr lang="en-GB" dirty="0"/>
-              <a:t>-&gt; Error detection, to detect errors while transmission</a:t>
+              <a:t>-&gt; Error detection, to detect errors while transmission [CLICK]</a:t>
             </a:r>
           </a:p>
           <a:p>
@@ -6174,7 +2135,7 @@
               <a:t> </a:t>
             </a:r>
             <a:r>
-              <a:rPr lang="de-DE" dirty="0" err="1"/>
+              <a:rPr lang="de-DE" b="1" dirty="0" err="1"/>
               <a:t>layer</a:t>
             </a:r>
             <a:r>
@@ -6234,15 +2195,31 @@
             </a:r>
             <a:r>
               <a:rPr lang="de-DE" dirty="0" err="1"/>
-              <a:t>functions</a:t>
+              <a:t>several</a:t>
             </a:r>
             <a:r>
               <a:rPr lang="de-DE" dirty="0"/>
               <a:t> </a:t>
             </a:r>
             <a:r>
+              <a:rPr lang="de-DE" dirty="0" err="1"/>
+              <a:t>functions</a:t>
+            </a:r>
+            <a:r>
+              <a:rPr lang="de-DE" dirty="0"/>
+              <a:t> </a:t>
+            </a:r>
+            <a:r>
               <a:rPr lang="en-US" dirty="0"/>
-              <a:t>to fulfill a specific goal. </a:t>
+              <a:t>to fulfill </a:t>
+            </a:r>
+            <a:r>
+              <a:rPr lang="en-US" b="1" dirty="0"/>
+              <a:t>one</a:t>
+            </a:r>
+            <a:r>
+              <a:rPr lang="en-US" dirty="0"/>
+              <a:t> specific goal. </a:t>
             </a:r>
           </a:p>
           <a:p>
@@ -6583,13 +2560,32 @@
             </a:r>
           </a:p>
           <a:p>
+            <a:endParaRPr lang="en-US" dirty="0"/>
+          </a:p>
+          <a:p>
             <a:r>
               <a:rPr lang="en-US" dirty="0"/>
-              <a:t>In this context robust means, that </a:t>
+              <a:t>The transfer needs to be fast of course, to reach a high data </a:t>
+            </a:r>
+            <a:r>
+              <a:rPr lang="en-US" dirty="0" err="1"/>
+              <a:t>throuput</a:t>
+            </a:r>
+            <a:r>
+              <a:rPr lang="en-US" dirty="0"/>
+              <a:t> (so the </a:t>
+            </a:r>
+            <a:r>
+              <a:rPr lang="en-US" dirty="0" err="1"/>
+              <a:t>hexacopter</a:t>
+            </a:r>
+            <a:r>
+              <a:rPr lang="en-US" dirty="0"/>
+              <a:t> can be </a:t>
             </a:r>
             <a:r>
               <a:rPr lang="de-DE" dirty="0" err="1"/>
-              <a:t>transmission</a:t>
+              <a:t>stably</a:t>
             </a:r>
             <a:r>
               <a:rPr lang="de-DE" dirty="0"/>
@@ -6597,7 +2593,17 @@
             </a:r>
             <a:r>
               <a:rPr lang="de-DE" dirty="0" err="1"/>
-              <a:t>errors</a:t>
+              <a:t>controlled</a:t>
+            </a:r>
+            <a:r>
+              <a:rPr lang="en-US" dirty="0"/>
+              <a:t>).</a:t>
+            </a:r>
+          </a:p>
+          <a:p>
+            <a:r>
+              <a:rPr lang="de-DE" dirty="0" err="1"/>
+              <a:t>For</a:t>
             </a:r>
             <a:r>
               <a:rPr lang="de-DE" dirty="0"/>
@@ -6605,7 +2611,15 @@
             </a:r>
             <a:r>
               <a:rPr lang="de-DE" dirty="0" err="1"/>
-              <a:t>need</a:t>
+              <a:t>the</a:t>
+            </a:r>
+            <a:r>
+              <a:rPr lang="de-DE" dirty="0"/>
+              <a:t> same </a:t>
+            </a:r>
+            <a:r>
+              <a:rPr lang="de-DE" dirty="0" err="1"/>
+              <a:t>reason</a:t>
             </a:r>
             <a:r>
               <a:rPr lang="de-DE" dirty="0"/>
@@ -6613,7 +2627,15 @@
             </a:r>
             <a:r>
               <a:rPr lang="de-DE" dirty="0" err="1"/>
-              <a:t>to</a:t>
+              <a:t>the</a:t>
+            </a:r>
+            <a:r>
+              <a:rPr lang="de-DE" dirty="0"/>
+              <a:t> hole </a:t>
+            </a:r>
+            <a:r>
+              <a:rPr lang="de-DE" dirty="0" err="1"/>
+              <a:t>implementation</a:t>
             </a:r>
             <a:r>
               <a:rPr lang="de-DE" dirty="0"/>
@@ -6621,7 +2643,7 @@
             </a:r>
             <a:r>
               <a:rPr lang="de-DE" dirty="0" err="1"/>
-              <a:t>be</a:t>
+              <a:t>needs</a:t>
             </a:r>
             <a:r>
               <a:rPr lang="de-DE" dirty="0"/>
@@ -6629,7 +2651,128 @@
             </a:r>
             <a:r>
               <a:rPr lang="de-DE" dirty="0" err="1"/>
-              <a:t>detected</a:t>
+              <a:t>to</a:t>
+            </a:r>
+            <a:r>
+              <a:rPr lang="de-DE" dirty="0"/>
+              <a:t> </a:t>
+            </a:r>
+            <a:r>
+              <a:rPr lang="de-DE" dirty="0" err="1"/>
+              <a:t>be</a:t>
+            </a:r>
+            <a:r>
+              <a:rPr lang="de-DE" dirty="0"/>
+              <a:t> </a:t>
+            </a:r>
+            <a:r>
+              <a:rPr lang="de-DE" dirty="0" err="1"/>
+              <a:t>realtime</a:t>
+            </a:r>
+            <a:r>
+              <a:rPr lang="de-DE" dirty="0"/>
+              <a:t> – </a:t>
+            </a:r>
+            <a:r>
+              <a:rPr lang="de-DE" dirty="0" err="1"/>
+              <a:t>capable</a:t>
+            </a:r>
+            <a:r>
+              <a:rPr lang="de-DE" dirty="0"/>
+              <a:t>.</a:t>
+            </a:r>
+          </a:p>
+          <a:p>
+            <a:endParaRPr lang="de-DE" dirty="0"/>
+          </a:p>
+          <a:p>
+            <a:r>
+              <a:rPr lang="de-DE" dirty="0"/>
+              <a:t>Last but not least, </a:t>
+            </a:r>
+            <a:r>
+              <a:rPr lang="de-DE" dirty="0" err="1"/>
+              <a:t>the</a:t>
+            </a:r>
+            <a:r>
+              <a:rPr lang="de-DE" dirty="0"/>
+              <a:t> </a:t>
+            </a:r>
+            <a:r>
+              <a:rPr lang="de-DE" dirty="0" err="1"/>
+              <a:t>protocol</a:t>
+            </a:r>
+            <a:r>
+              <a:rPr lang="de-DE" dirty="0"/>
+              <a:t> </a:t>
+            </a:r>
+            <a:r>
+              <a:rPr lang="de-DE" dirty="0" err="1"/>
+              <a:t>should</a:t>
+            </a:r>
+            <a:r>
+              <a:rPr lang="de-DE" dirty="0"/>
+              <a:t> </a:t>
+            </a:r>
+            <a:r>
+              <a:rPr lang="de-DE" dirty="0" err="1"/>
+              <a:t>be</a:t>
+            </a:r>
+            <a:r>
+              <a:rPr lang="de-DE" dirty="0"/>
+              <a:t> </a:t>
+            </a:r>
+            <a:r>
+              <a:rPr lang="de-DE" dirty="0" err="1"/>
+              <a:t>easily</a:t>
+            </a:r>
+            <a:r>
+              <a:rPr lang="de-DE" dirty="0"/>
+              <a:t> </a:t>
+            </a:r>
+            <a:r>
+              <a:rPr lang="de-DE" dirty="0" err="1"/>
+              <a:t>expandable</a:t>
+            </a:r>
+            <a:r>
+              <a:rPr lang="de-DE" dirty="0"/>
+              <a:t>, so </a:t>
+            </a:r>
+            <a:r>
+              <a:rPr lang="de-DE" dirty="0" err="1"/>
+              <a:t>it</a:t>
+            </a:r>
+            <a:r>
+              <a:rPr lang="de-DE" dirty="0"/>
+              <a:t> </a:t>
+            </a:r>
+            <a:r>
+              <a:rPr lang="de-DE" dirty="0" err="1"/>
+              <a:t>should</a:t>
+            </a:r>
+            <a:r>
+              <a:rPr lang="de-DE" dirty="0"/>
+              <a:t> </a:t>
+            </a:r>
+            <a:r>
+              <a:rPr lang="de-DE" dirty="0" err="1"/>
+              <a:t>be</a:t>
+            </a:r>
+            <a:r>
+              <a:rPr lang="de-DE" dirty="0"/>
+              <a:t> possible </a:t>
+            </a:r>
+            <a:r>
+              <a:rPr lang="de-DE" dirty="0" err="1"/>
+              <a:t>to</a:t>
+            </a:r>
+            <a:r>
+              <a:rPr lang="de-DE" dirty="0"/>
+              <a:t> </a:t>
+            </a:r>
+            <a:r>
+              <a:rPr lang="de-DE" dirty="0" err="1"/>
+              <a:t>add</a:t>
             </a:r>
             <a:r>
               <a:rPr lang="de-DE" dirty="0"/>
@@ -6637,15 +2780,7 @@
             </a:r>
             <a:r>
               <a:rPr lang="de-DE" dirty="0" err="1"/>
-              <a:t>handeld</a:t>
-            </a:r>
-            <a:r>
-              <a:rPr lang="de-DE" dirty="0"/>
-              <a:t> AND </a:t>
-            </a:r>
-            <a:r>
-              <a:rPr lang="de-DE" dirty="0" err="1"/>
-              <a:t>there</a:t>
+              <a:t>remove</a:t>
             </a:r>
             <a:r>
               <a:rPr lang="de-DE" dirty="0"/>
@@ -6653,7 +2788,7 @@
             </a:r>
             <a:r>
               <a:rPr lang="de-DE" dirty="0" err="1"/>
-              <a:t>should</a:t>
+              <a:t>new</a:t>
             </a:r>
             <a:r>
               <a:rPr lang="de-DE" dirty="0"/>
@@ -6661,7 +2796,7 @@
             </a:r>
             <a:r>
               <a:rPr lang="de-DE" dirty="0" err="1"/>
-              <a:t>never</a:t>
+              <a:t>sensory</a:t>
             </a:r>
             <a:r>
               <a:rPr lang="de-DE" dirty="0"/>
@@ -6669,52 +2804,7 @@
             </a:r>
             <a:r>
               <a:rPr lang="de-DE" dirty="0" err="1"/>
-              <a:t>be</a:t>
-            </a:r>
-            <a:r>
-              <a:rPr lang="de-DE" dirty="0"/>
-              <a:t> a Live- </a:t>
-            </a:r>
-            <a:r>
-              <a:rPr lang="de-DE" dirty="0" err="1"/>
-              <a:t>or</a:t>
-            </a:r>
-            <a:r>
-              <a:rPr lang="de-DE" dirty="0"/>
-              <a:t> a Deadlock. So </a:t>
-            </a:r>
-            <a:r>
-              <a:rPr lang="en-US" dirty="0"/>
-              <a:t>the program must never hang up.</a:t>
-            </a:r>
-          </a:p>
-          <a:p>
-            <a:endParaRPr lang="en-US" dirty="0"/>
-          </a:p>
-          <a:p>
-            <a:r>
-              <a:rPr lang="en-US" dirty="0"/>
-              <a:t>The transfer needs to be fast of course, to reach a high data </a:t>
-            </a:r>
-            <a:r>
-              <a:rPr lang="en-US" dirty="0" err="1"/>
-              <a:t>throuput</a:t>
-            </a:r>
-            <a:r>
-              <a:rPr lang="en-US" dirty="0"/>
-              <a:t> (so the </a:t>
-            </a:r>
-            <a:r>
-              <a:rPr lang="en-US" dirty="0" err="1"/>
-              <a:t>hexacopter</a:t>
-            </a:r>
-            <a:r>
-              <a:rPr lang="en-US" dirty="0"/>
-              <a:t> can be </a:t>
-            </a:r>
-            <a:r>
-              <a:rPr lang="de-DE" dirty="0" err="1"/>
-              <a:t>stably</a:t>
+              <a:t>by</a:t>
             </a:r>
             <a:r>
               <a:rPr lang="de-DE" dirty="0"/>
@@ -6722,17 +2812,7 @@
             </a:r>
             <a:r>
               <a:rPr lang="de-DE" dirty="0" err="1"/>
-              <a:t>controlled</a:t>
-            </a:r>
-            <a:r>
-              <a:rPr lang="en-US" dirty="0"/>
-              <a:t>).</a:t>
-            </a:r>
-          </a:p>
-          <a:p>
-            <a:r>
-              <a:rPr lang="de-DE" dirty="0" err="1"/>
-              <a:t>For</a:t>
+              <a:t>small</a:t>
             </a:r>
             <a:r>
               <a:rPr lang="de-DE" dirty="0"/>
@@ -6740,220 +2820,11 @@
             </a:r>
             <a:r>
               <a:rPr lang="de-DE" dirty="0" err="1"/>
-              <a:t>the</a:t>
+              <a:t>effort</a:t>
             </a:r>
             <a:r>
               <a:rPr lang="de-DE" dirty="0"/>
-              <a:t> same </a:t>
-            </a:r>
-            <a:r>
-              <a:rPr lang="de-DE" dirty="0" err="1"/>
-              <a:t>reason</a:t>
-            </a:r>
-            <a:r>
-              <a:rPr lang="de-DE" dirty="0"/>
-              <a:t> </a:t>
-            </a:r>
-            <a:r>
-              <a:rPr lang="de-DE" dirty="0" err="1"/>
-              <a:t>the</a:t>
-            </a:r>
-            <a:r>
-              <a:rPr lang="de-DE" dirty="0"/>
-              <a:t> hole </a:t>
-            </a:r>
-            <a:r>
-              <a:rPr lang="de-DE" dirty="0" err="1"/>
-              <a:t>implementation</a:t>
-            </a:r>
-            <a:r>
-              <a:rPr lang="de-DE" dirty="0"/>
-              <a:t> </a:t>
-            </a:r>
-            <a:r>
-              <a:rPr lang="de-DE" dirty="0" err="1"/>
-              <a:t>needs</a:t>
-            </a:r>
-            <a:r>
-              <a:rPr lang="de-DE" dirty="0"/>
-              <a:t> </a:t>
-            </a:r>
-            <a:r>
-              <a:rPr lang="de-DE" dirty="0" err="1"/>
-              <a:t>to</a:t>
-            </a:r>
-            <a:r>
-              <a:rPr lang="de-DE" dirty="0"/>
-              <a:t> </a:t>
-            </a:r>
-            <a:r>
-              <a:rPr lang="de-DE" dirty="0" err="1"/>
-              <a:t>be</a:t>
-            </a:r>
-            <a:r>
-              <a:rPr lang="de-DE" dirty="0"/>
-              <a:t> </a:t>
-            </a:r>
-            <a:r>
-              <a:rPr lang="de-DE" dirty="0" err="1"/>
-              <a:t>realtime</a:t>
-            </a:r>
-            <a:r>
-              <a:rPr lang="de-DE" dirty="0"/>
-              <a:t> – </a:t>
-            </a:r>
-            <a:r>
-              <a:rPr lang="de-DE" dirty="0" err="1"/>
-              <a:t>capable</a:t>
-            </a:r>
-            <a:r>
-              <a:rPr lang="de-DE" dirty="0"/>
-              <a:t>.</a:t>
-            </a:r>
-          </a:p>
-          <a:p>
-            <a:endParaRPr lang="de-DE" dirty="0"/>
-          </a:p>
-          <a:p>
-            <a:r>
-              <a:rPr lang="de-DE" dirty="0"/>
-              <a:t>Last but not least, </a:t>
-            </a:r>
-            <a:r>
-              <a:rPr lang="de-DE" dirty="0" err="1"/>
-              <a:t>the</a:t>
-            </a:r>
-            <a:r>
-              <a:rPr lang="de-DE" dirty="0"/>
-              <a:t> </a:t>
-            </a:r>
-            <a:r>
-              <a:rPr lang="de-DE" dirty="0" err="1"/>
-              <a:t>implementation</a:t>
-            </a:r>
-            <a:r>
-              <a:rPr lang="de-DE" dirty="0"/>
-              <a:t> </a:t>
-            </a:r>
-            <a:r>
-              <a:rPr lang="de-DE" dirty="0" err="1"/>
-              <a:t>should</a:t>
-            </a:r>
-            <a:r>
-              <a:rPr lang="de-DE" dirty="0"/>
-              <a:t> </a:t>
-            </a:r>
-            <a:r>
-              <a:rPr lang="de-DE" dirty="0" err="1"/>
-              <a:t>be</a:t>
-            </a:r>
-            <a:r>
-              <a:rPr lang="de-DE" dirty="0"/>
-              <a:t> </a:t>
-            </a:r>
-            <a:r>
-              <a:rPr lang="de-DE" dirty="0" err="1"/>
-              <a:t>easily</a:t>
-            </a:r>
-            <a:r>
-              <a:rPr lang="de-DE" dirty="0"/>
-              <a:t> </a:t>
-            </a:r>
-            <a:r>
-              <a:rPr lang="de-DE" dirty="0" err="1"/>
-              <a:t>expandable</a:t>
-            </a:r>
-            <a:r>
-              <a:rPr lang="de-DE" dirty="0"/>
-              <a:t>, so </a:t>
-            </a:r>
-            <a:r>
-              <a:rPr lang="de-DE" dirty="0" err="1"/>
-              <a:t>it</a:t>
-            </a:r>
-            <a:r>
-              <a:rPr lang="de-DE" dirty="0"/>
-              <a:t> </a:t>
-            </a:r>
-            <a:r>
-              <a:rPr lang="de-DE" dirty="0" err="1"/>
-              <a:t>should</a:t>
-            </a:r>
-            <a:r>
-              <a:rPr lang="de-DE" dirty="0"/>
-              <a:t> </a:t>
-            </a:r>
-            <a:r>
-              <a:rPr lang="de-DE" dirty="0" err="1"/>
-              <a:t>be</a:t>
-            </a:r>
-            <a:r>
-              <a:rPr lang="de-DE" dirty="0"/>
-              <a:t> possible </a:t>
-            </a:r>
-            <a:r>
-              <a:rPr lang="de-DE" dirty="0" err="1"/>
-              <a:t>to</a:t>
-            </a:r>
-            <a:r>
-              <a:rPr lang="de-DE" dirty="0"/>
-              <a:t> </a:t>
-            </a:r>
-            <a:r>
-              <a:rPr lang="de-DE" dirty="0" err="1"/>
-              <a:t>add</a:t>
-            </a:r>
-            <a:r>
-              <a:rPr lang="de-DE" dirty="0"/>
-              <a:t> and </a:t>
-            </a:r>
-            <a:r>
-              <a:rPr lang="de-DE" dirty="0" err="1"/>
-              <a:t>remove</a:t>
-            </a:r>
-            <a:r>
-              <a:rPr lang="de-DE" dirty="0"/>
-              <a:t> </a:t>
-            </a:r>
-            <a:r>
-              <a:rPr lang="de-DE" dirty="0" err="1"/>
-              <a:t>new</a:t>
-            </a:r>
-            <a:r>
-              <a:rPr lang="de-DE" dirty="0"/>
-              <a:t> </a:t>
-            </a:r>
-            <a:r>
-              <a:rPr lang="de-DE" dirty="0" err="1"/>
-              <a:t>sensory</a:t>
-            </a:r>
-            <a:r>
-              <a:rPr lang="de-DE" dirty="0"/>
-              <a:t> </a:t>
-            </a:r>
-            <a:r>
-              <a:rPr lang="de-DE" dirty="0" err="1"/>
-              <a:t>by</a:t>
-            </a:r>
-            <a:r>
-              <a:rPr lang="de-DE" dirty="0"/>
-              <a:t> </a:t>
-            </a:r>
-            <a:r>
-              <a:rPr lang="de-DE" dirty="0" err="1"/>
-              <a:t>small</a:t>
-            </a:r>
-            <a:r>
-              <a:rPr lang="de-DE" dirty="0"/>
-              <a:t> </a:t>
-            </a:r>
-            <a:r>
-              <a:rPr lang="de-DE" dirty="0" err="1"/>
-              <a:t>effort</a:t>
-            </a:r>
-            <a:r>
-              <a:rPr lang="de-DE" dirty="0"/>
-              <a:t>.</a:t>
+              <a:t>. [CLICK]</a:t>
             </a:r>
           </a:p>
           <a:p>
@@ -7154,92 +3025,17 @@
             </a:r>
             <a:r>
               <a:rPr lang="en-GB" dirty="0"/>
-              <a:t>Error detection the Fletchers Checksum is used. This means, we are calculating a checksum </a:t>
+              <a:t>Error detection the Fletchers Checksum is used, which is a g</a:t>
+            </a:r>
+            <a:r>
+              <a:rPr lang="en-US" dirty="0" err="1"/>
+              <a:t>ood</a:t>
             </a:r>
             <a:r>
               <a:rPr lang="en-US" dirty="0"/>
-              <a:t>based on the byte sequence to be sent. This calculated Checksum is then </a:t>
-            </a:r>
-            <a:r>
-              <a:rPr lang="de-DE" dirty="0" err="1"/>
-              <a:t>attached</a:t>
-            </a:r>
-            <a:r>
-              <a:rPr lang="de-DE" dirty="0"/>
-              <a:t> </a:t>
-            </a:r>
-            <a:r>
-              <a:rPr lang="de-DE" dirty="0" err="1"/>
-              <a:t>to</a:t>
-            </a:r>
-            <a:r>
-              <a:rPr lang="de-DE" dirty="0"/>
-              <a:t> </a:t>
-            </a:r>
-            <a:r>
-              <a:rPr lang="de-DE" dirty="0" err="1"/>
-              <a:t>the</a:t>
-            </a:r>
-            <a:r>
-              <a:rPr lang="de-DE" dirty="0"/>
-              <a:t> send-</a:t>
-            </a:r>
-            <a:r>
-              <a:rPr lang="de-DE" dirty="0" err="1"/>
-              <a:t>package</a:t>
-            </a:r>
-            <a:r>
-              <a:rPr lang="de-DE" dirty="0"/>
-              <a:t>, and </a:t>
-            </a:r>
-            <a:r>
-              <a:rPr lang="de-DE" dirty="0" err="1"/>
-              <a:t>can</a:t>
-            </a:r>
-            <a:r>
-              <a:rPr lang="de-DE" dirty="0"/>
-              <a:t> </a:t>
-            </a:r>
-            <a:r>
-              <a:rPr lang="de-DE" dirty="0" err="1"/>
-              <a:t>be</a:t>
-            </a:r>
-            <a:r>
-              <a:rPr lang="de-DE" dirty="0"/>
-              <a:t> </a:t>
-            </a:r>
-            <a:r>
-              <a:rPr lang="de-DE" dirty="0" err="1"/>
-              <a:t>checked</a:t>
-            </a:r>
-            <a:r>
-              <a:rPr lang="de-DE" dirty="0"/>
-              <a:t> on </a:t>
-            </a:r>
-            <a:r>
-              <a:rPr lang="de-DE" dirty="0" err="1"/>
-              <a:t>the</a:t>
-            </a:r>
-            <a:r>
-              <a:rPr lang="de-DE" dirty="0"/>
-              <a:t> </a:t>
-            </a:r>
-            <a:r>
-              <a:rPr lang="de-DE" dirty="0" err="1"/>
-              <a:t>receiving</a:t>
-            </a:r>
-            <a:r>
-              <a:rPr lang="de-DE" dirty="0"/>
-              <a:t> </a:t>
-            </a:r>
-            <a:r>
-              <a:rPr lang="de-DE" dirty="0" err="1"/>
-              <a:t>side</a:t>
-            </a:r>
-            <a:r>
-              <a:rPr lang="de-DE" dirty="0"/>
-              <a:t>. </a:t>
-            </a:r>
+              <a:t> compromise between error detection rate and computation power requirements [CLICK]</a:t>
+            </a:r>
+            <a:endParaRPr lang="de-DE" dirty="0"/>
           </a:p>
           <a:p>
             <a:pPr marL="0" marR="0" lvl="0" indent="0" algn="l" defTabSz="914400" rtl="0" eaLnBrk="1" fontAlgn="auto" latinLnBrk="0" hangingPunct="1">
@@ -7266,9 +3062,6 @@
               <a:rPr lang="en-GB" dirty="0"/>
               <a:t>The Design is followed by the Implementation, which should translate the design specification into </a:t>
             </a:r>
-            <a:endParaRPr lang="de-DE" dirty="0"/>
-          </a:p>
-          <a:p>
             <a:r>
               <a:rPr lang="de-DE" dirty="0" err="1"/>
               <a:t>executable</a:t>
@@ -7371,7 +3164,7 @@
             </a:pPr>
             <a:r>
               <a:rPr lang="en-US" dirty="0"/>
-              <a:t>For an easy access of the variables, a C-struct is used.</a:t>
+              <a:t>For an easy access of the variables, an easy expandable C-struct is used.</a:t>
             </a:r>
           </a:p>
           <a:p>
@@ -7413,12 +3206,96 @@
               <a:defRPr/>
             </a:pPr>
             <a:r>
-              <a:rPr lang="en-GB" dirty="0"/>
-              <a:t>To test the design and implementation, at the end some benchmarks and testing sequences </a:t>
+              <a:rPr lang="de-DE" dirty="0"/>
+              <a:t>After </a:t>
+            </a:r>
+            <a:r>
+              <a:rPr lang="de-DE" dirty="0" err="1"/>
+              <a:t>that</a:t>
+            </a:r>
+            <a:r>
+              <a:rPr lang="de-DE" dirty="0"/>
+              <a:t> </a:t>
+            </a:r>
+            <a:r>
+              <a:rPr lang="de-DE" dirty="0" err="1"/>
+              <a:t>we</a:t>
+            </a:r>
+            <a:r>
+              <a:rPr lang="de-DE" dirty="0"/>
+              <a:t> </a:t>
+            </a:r>
+            <a:r>
+              <a:rPr lang="de-DE" dirty="0" err="1"/>
+              <a:t>had</a:t>
+            </a:r>
+            <a:r>
+              <a:rPr lang="de-DE" dirty="0"/>
+              <a:t> </a:t>
+            </a:r>
+            <a:r>
+              <a:rPr lang="de-DE" dirty="0" err="1"/>
+              <a:t>to</a:t>
+            </a:r>
+            <a:r>
+              <a:rPr lang="de-DE" dirty="0"/>
+              <a:t> </a:t>
+            </a:r>
+            <a:r>
+              <a:rPr lang="de-DE" dirty="0" err="1"/>
+              <a:t>test</a:t>
+            </a:r>
+            <a:r>
+              <a:rPr lang="de-DE" dirty="0"/>
+              <a:t>, </a:t>
+            </a:r>
+            <a:r>
+              <a:rPr lang="de-DE" dirty="0" err="1"/>
+              <a:t>if</a:t>
+            </a:r>
+            <a:r>
+              <a:rPr lang="de-DE" dirty="0"/>
+              <a:t> </a:t>
+            </a:r>
+            <a:r>
+              <a:rPr lang="de-DE" dirty="0" err="1"/>
+              <a:t>the</a:t>
+            </a:r>
+            <a:r>
+              <a:rPr lang="de-DE" dirty="0"/>
+              <a:t> </a:t>
+            </a:r>
+            <a:r>
+              <a:rPr lang="de-DE" dirty="0" err="1"/>
+              <a:t>implementation</a:t>
+            </a:r>
+            <a:r>
+              <a:rPr lang="de-DE" dirty="0"/>
+              <a:t> </a:t>
+            </a:r>
+            <a:r>
+              <a:rPr lang="de-DE" dirty="0" err="1"/>
+              <a:t>meets</a:t>
+            </a:r>
+            <a:r>
+              <a:rPr lang="de-DE" dirty="0"/>
+              <a:t> </a:t>
+            </a:r>
+            <a:r>
+              <a:rPr lang="de-DE" dirty="0" err="1"/>
+              <a:t>the</a:t>
+            </a:r>
+            <a:r>
+              <a:rPr lang="de-DE" dirty="0"/>
+              <a:t> </a:t>
+            </a:r>
+            <a:r>
+              <a:rPr lang="de-DE" dirty="0" err="1"/>
+              <a:t>requirements</a:t>
             </a:r>
             <a:r>
               <a:rPr lang="en-US" dirty="0"/>
-              <a:t>have to be run through, Mr. Chen will go into more detail later.</a:t>
+              <a:t>, Mr. Chen will go into more detail later.</a:t>
             </a:r>
           </a:p>
           <a:p>
@@ -7660,8 +3537,11 @@
           <a:p>
             <a:r>
               <a:rPr lang="en-GB" noProof="0" dirty="0"/>
-              <a:t>To see how the actual protocol works, we take a deeper look into the layer representation.</a:t>
-            </a:r>
+              <a:t>To see how the actual protocol works, we take a deeper look into the layer representation. [CLICK]</a:t>
+            </a:r>
+          </a:p>
+          <a:p>
+            <a:endParaRPr lang="en-GB" noProof="0" dirty="0"/>
           </a:p>
           <a:p>
             <a:pPr marL="0" marR="0" lvl="0" indent="0" algn="l" defTabSz="914400" rtl="0" eaLnBrk="1" fontAlgn="auto" latinLnBrk="0" hangingPunct="1">
@@ -7683,7 +3563,7 @@
             </a:pPr>
             <a:r>
               <a:rPr lang="en-GB" dirty="0"/>
-              <a:t>The highest layer is the application layer, on that layer you can fill a new package for example with the latest speed reading for the next package to be sent.</a:t>
+              <a:t>The highest layer is the application layer, here it’s possible to fill a new packet for example with the latest speed reading for the next packet to be sent.</a:t>
             </a:r>
           </a:p>
           <a:p>
@@ -7706,7 +3586,7 @@
             </a:pPr>
             <a:r>
               <a:rPr lang="en-GB" dirty="0"/>
-              <a:t>When a package is finished (so basically all data is updated, happening in 500Hz), the next layer comes on. </a:t>
+              <a:t>When a packet is finished (so basically all data is updated, happening in 500Hz), the next layer comes on.  [CLICK]</a:t>
             </a:r>
           </a:p>
           <a:p>
@@ -7733,7 +3613,7 @@
             </a:r>
             <a:r>
               <a:rPr lang="en-GB" dirty="0" err="1"/>
-              <a:t>tansmitssion</a:t>
+              <a:t>tansmission</a:t>
             </a:r>
             <a:r>
               <a:rPr lang="en-GB" dirty="0"/>
@@ -7768,7 +3648,7 @@
             </a:r>
             <a:r>
               <a:rPr lang="en-GB" dirty="0"/>
-              <a:t>attached to the PDU.</a:t>
+              <a:t>attached to the PDU. [CLICK]</a:t>
             </a:r>
           </a:p>
           <a:p>
@@ -7799,7 +3679,15 @@
             </a:r>
             <a:r>
               <a:rPr lang="en-GB" dirty="0"/>
-              <a:t> is not considering the content of the PDU, it’s just treated like a simple </a:t>
+              <a:t> is not considering the </a:t>
+            </a:r>
+            <a:r>
+              <a:rPr lang="en-GB" b="1" dirty="0"/>
+              <a:t>content</a:t>
+            </a:r>
+            <a:r>
+              <a:rPr lang="en-GB" dirty="0"/>
+              <a:t> of the PDU, it’s just treated like a simple </a:t>
             </a:r>
             <a:r>
               <a:rPr lang="en-GB" dirty="0" err="1"/>
@@ -7830,7 +3718,7 @@
             </a:pPr>
             <a:r>
               <a:rPr lang="en-GB" dirty="0"/>
-              <a:t>As I said before, a COBS algorithm is used to de and encode the data.</a:t>
+              <a:t>As I said before, the COBS algorithm is used to de and encode the packet.</a:t>
             </a:r>
           </a:p>
           <a:p>
@@ -7892,7 +3780,7 @@
             </a:pPr>
             <a:r>
               <a:rPr lang="en-GB" dirty="0"/>
-              <a:t>Use you can this Delimiter (in that case 0x00) to set </a:t>
+              <a:t>This Delimiter (in that case 0x00) can be used to set </a:t>
             </a:r>
             <a:r>
               <a:rPr lang="en-GB" dirty="0" err="1"/>
@@ -7900,15 +3788,7 @@
             </a:r>
             <a:r>
               <a:rPr lang="en-GB" dirty="0"/>
-              <a:t> between the messages, so you can easily see the </a:t>
-            </a:r>
-            <a:r>
-              <a:rPr lang="en-GB" dirty="0" err="1"/>
-              <a:t>strat</a:t>
-            </a:r>
-            <a:r>
-              <a:rPr lang="en-GB" dirty="0"/>
-              <a:t> and the end of each single package.</a:t>
+              <a:t> between the messages, so you can easily see the start and the end of each single packet. [CLICK]</a:t>
             </a:r>
           </a:p>
           <a:p>
@@ -8203,7 +4083,24 @@
           <a:lstStyle/>
           <a:p>
             <a:r>
-              <a:t>In order to evaluate a communication protocol, there are basically four criterion, which are...  Conformity... Interoperability...And the last two criterion: Effectiveness and robust of the protocol are in our project more important and so we do..Effectiveness ..Robust..   Using the... much time will it take to transfer a message and the success rate. When a error occurred, what excatly goes wrong?</a:t>
+              <a:rPr dirty="0"/>
+              <a:t>In order to evaluate a communication protocol, there are basically four criterion, which are...  Conformity... Interoperability...And the last two criterion: Effectiveness and robust of the protocol are in our project more important and so we </a:t>
+            </a:r>
+            <a:r>
+              <a:rPr dirty="0" err="1"/>
+              <a:t>do..Effectiveness</a:t>
+            </a:r>
+            <a:r>
+              <a:rPr dirty="0"/>
+              <a:t> ..Robust..   Using the... much time will it take to transfer a message and the success rate. When a error occurred, what </a:t>
+            </a:r>
+            <a:r>
+              <a:rPr dirty="0" err="1"/>
+              <a:t>excatly</a:t>
+            </a:r>
+            <a:r>
+              <a:rPr dirty="0"/>
+              <a:t> goes wrong?</a:t>
             </a:r>
           </a:p>
         </p:txBody>
@@ -12938,12 +8835,298 @@
                   <a:srgbClr val="FFFFFF"/>
                 </a:solidFill>
               </a:rPr>
-              <a:t>Protocol design</a:t>
-            </a:r>
-            <a:endParaRPr dirty="0"/>
+              <a:t>Development </a:t>
+            </a:r>
+            <a:r>
+              <a:rPr lang="de-DE" sz="2400" b="1" dirty="0" err="1">
+                <a:solidFill>
+                  <a:srgbClr val="FFFFFF"/>
+                </a:solidFill>
+              </a:rPr>
+              <a:t>of</a:t>
+            </a:r>
+            <a:r>
+              <a:rPr lang="de-DE" sz="2400" b="1" dirty="0">
+                <a:solidFill>
+                  <a:srgbClr val="FFFFFF"/>
+                </a:solidFill>
+              </a:rPr>
+              <a:t> a </a:t>
+            </a:r>
+            <a:r>
+              <a:rPr lang="de-DE" sz="2400" b="1" dirty="0" err="1">
+                <a:solidFill>
+                  <a:srgbClr val="FFFFFF"/>
+                </a:solidFill>
+              </a:rPr>
+              <a:t>protocol</a:t>
+            </a:r>
+            <a:r>
+              <a:rPr lang="de-DE" sz="2400" b="1" dirty="0">
+                <a:solidFill>
+                  <a:srgbClr val="FFFFFF"/>
+                </a:solidFill>
+              </a:rPr>
+              <a:t> </a:t>
+            </a:r>
+            <a:r>
+              <a:rPr lang="de-DE" sz="2400" b="1" dirty="0" err="1">
+                <a:solidFill>
+                  <a:srgbClr val="FFFFFF"/>
+                </a:solidFill>
+              </a:rPr>
+              <a:t>for</a:t>
+            </a:r>
+            <a:r>
+              <a:rPr lang="de-DE" sz="2400" b="1" dirty="0">
+                <a:solidFill>
+                  <a:srgbClr val="FFFFFF"/>
+                </a:solidFill>
+              </a:rPr>
+              <a:t> </a:t>
+            </a:r>
+            <a:r>
+              <a:rPr lang="de-DE" sz="2400" b="1" dirty="0" err="1">
+                <a:solidFill>
+                  <a:srgbClr val="FFFFFF"/>
+                </a:solidFill>
+              </a:rPr>
+              <a:t>inclusion</a:t>
+            </a:r>
+            <a:r>
+              <a:rPr lang="de-DE" sz="2400" b="1" dirty="0">
+                <a:solidFill>
+                  <a:srgbClr val="FFFFFF"/>
+                </a:solidFill>
+              </a:rPr>
+              <a:t> </a:t>
+            </a:r>
+            <a:r>
+              <a:rPr lang="de-DE" sz="2400" b="1" dirty="0" err="1">
+                <a:solidFill>
+                  <a:srgbClr val="FFFFFF"/>
+                </a:solidFill>
+              </a:rPr>
+              <a:t>of</a:t>
+            </a:r>
+            <a:r>
+              <a:rPr lang="de-DE" sz="2400" b="1" dirty="0">
+                <a:solidFill>
+                  <a:srgbClr val="FFFFFF"/>
+                </a:solidFill>
+              </a:rPr>
+              <a:t> an </a:t>
+            </a:r>
+            <a:r>
+              <a:rPr lang="de-DE" sz="2400" b="1" dirty="0" err="1">
+                <a:solidFill>
+                  <a:srgbClr val="FFFFFF"/>
+                </a:solidFill>
+              </a:rPr>
+              <a:t>microcontroller</a:t>
+            </a:r>
+            <a:r>
+              <a:rPr lang="de-DE" sz="2400" b="1" dirty="0">
+                <a:solidFill>
+                  <a:srgbClr val="FFFFFF"/>
+                </a:solidFill>
+              </a:rPr>
+              <a:t> in an </a:t>
+            </a:r>
+            <a:r>
+              <a:rPr lang="de-DE" sz="2400" b="1" dirty="0" err="1">
+                <a:solidFill>
+                  <a:srgbClr val="FFFFFF"/>
+                </a:solidFill>
+              </a:rPr>
+              <a:t>multicopter</a:t>
+            </a:r>
+            <a:r>
+              <a:rPr lang="de-DE" sz="2400" b="1" dirty="0">
+                <a:solidFill>
+                  <a:srgbClr val="FFFFFF"/>
+                </a:solidFill>
+              </a:rPr>
+              <a:t> </a:t>
+            </a:r>
+            <a:r>
+              <a:rPr lang="de-DE" sz="2400" b="1" dirty="0" err="1">
+                <a:solidFill>
+                  <a:srgbClr val="FFFFFF"/>
+                </a:solidFill>
+              </a:rPr>
+              <a:t>system</a:t>
+            </a:r>
+            <a:r>
+              <a:rPr lang="de-DE" sz="2400" b="1" dirty="0">
+                <a:solidFill>
+                  <a:srgbClr val="FFFFFF"/>
+                </a:solidFill>
+              </a:rPr>
+              <a:t> </a:t>
+            </a:r>
+            <a:endParaRPr sz="2400" dirty="0"/>
           </a:p>
         </p:txBody>
       </p:sp>
+      <p:pic>
+        <p:nvPicPr>
+          <p:cNvPr id="5" name="Grafik 4">
+            <a:extLst>
+              <a:ext uri="{FF2B5EF4-FFF2-40B4-BE49-F238E27FC236}">
+                <a16:creationId xmlns:a16="http://schemas.microsoft.com/office/drawing/2014/main" id="{86339336-B8EF-40E1-874E-DEB7AC97FB66}"/>
+              </a:ext>
+            </a:extLst>
+          </p:cNvPr>
+          <p:cNvPicPr>
+            <a:picLocks noChangeAspect="1"/>
+          </p:cNvPicPr>
+          <p:nvPr/>
+        </p:nvPicPr>
+        <p:blipFill>
+          <a:blip r:embed="rId2">
+            <a:extLst>
+              <a:ext uri="{28A0092B-C50C-407E-A947-70E740481C1C}">
+                <a14:useLocalDpi xmlns:a14="http://schemas.microsoft.com/office/drawing/2010/main" val="0"/>
+              </a:ext>
+            </a:extLst>
+          </a:blip>
+          <a:stretch>
+            <a:fillRect/>
+          </a:stretch>
+        </p:blipFill>
+        <p:spPr>
+          <a:xfrm>
+            <a:off x="1041400" y="3429000"/>
+            <a:ext cx="3429000" cy="1933575"/>
+          </a:xfrm>
+          <a:prstGeom prst="rect">
+            <a:avLst/>
+          </a:prstGeom>
+        </p:spPr>
+      </p:pic>
+      <p:pic>
+        <p:nvPicPr>
+          <p:cNvPr id="7" name="Grafik 6">
+            <a:extLst>
+              <a:ext uri="{FF2B5EF4-FFF2-40B4-BE49-F238E27FC236}">
+                <a16:creationId xmlns:a16="http://schemas.microsoft.com/office/drawing/2014/main" id="{72F91B22-5EA0-424A-8585-A2BC71785F79}"/>
+              </a:ext>
+            </a:extLst>
+          </p:cNvPr>
+          <p:cNvPicPr>
+            <a:picLocks noChangeAspect="1"/>
+          </p:cNvPicPr>
+          <p:nvPr/>
+        </p:nvPicPr>
+        <p:blipFill>
+          <a:blip r:embed="rId3">
+            <a:extLst>
+              <a:ext uri="{28A0092B-C50C-407E-A947-70E740481C1C}">
+                <a14:useLocalDpi xmlns:a14="http://schemas.microsoft.com/office/drawing/2010/main" val="0"/>
+              </a:ext>
+            </a:extLst>
+          </a:blip>
+          <a:stretch>
+            <a:fillRect/>
+          </a:stretch>
+        </p:blipFill>
+        <p:spPr>
+          <a:xfrm>
+            <a:off x="5486400" y="3436937"/>
+            <a:ext cx="1917700" cy="1917700"/>
+          </a:xfrm>
+          <a:prstGeom prst="rect">
+            <a:avLst/>
+          </a:prstGeom>
+        </p:spPr>
+      </p:pic>
+      <p:cxnSp>
+        <p:nvCxnSpPr>
+          <p:cNvPr id="9" name="Gerade Verbindung mit Pfeil 8">
+            <a:extLst>
+              <a:ext uri="{FF2B5EF4-FFF2-40B4-BE49-F238E27FC236}">
+                <a16:creationId xmlns:a16="http://schemas.microsoft.com/office/drawing/2014/main" id="{3C36EBA8-3180-4AF2-920D-C5566EB6CB2B}"/>
+              </a:ext>
+            </a:extLst>
+          </p:cNvPr>
+          <p:cNvCxnSpPr/>
+          <p:nvPr/>
+        </p:nvCxnSpPr>
+        <p:spPr>
+          <a:xfrm flipH="1">
+            <a:off x="4502150" y="4298950"/>
+            <a:ext cx="908050" cy="0"/>
+          </a:xfrm>
+          <a:prstGeom prst="straightConnector1">
+            <a:avLst/>
+          </a:prstGeom>
+          <a:ln w="57150">
+            <a:solidFill>
+              <a:srgbClr val="99C000"/>
+            </a:solidFill>
+            <a:tailEnd type="triangle"/>
+          </a:ln>
+        </p:spPr>
+        <p:style>
+          <a:lnRef idx="1">
+            <a:schemeClr val="accent1"/>
+          </a:lnRef>
+          <a:fillRef idx="0">
+            <a:schemeClr val="accent1"/>
+          </a:fillRef>
+          <a:effectRef idx="0">
+            <a:schemeClr val="accent1"/>
+          </a:effectRef>
+          <a:fontRef idx="minor">
+            <a:schemeClr val="tx1"/>
+          </a:fontRef>
+        </p:style>
+      </p:cxnSp>
+      <p:cxnSp>
+        <p:nvCxnSpPr>
+          <p:cNvPr id="12" name="Gerade Verbindung mit Pfeil 11">
+            <a:extLst>
+              <a:ext uri="{FF2B5EF4-FFF2-40B4-BE49-F238E27FC236}">
+                <a16:creationId xmlns:a16="http://schemas.microsoft.com/office/drawing/2014/main" id="{F1927172-5134-439D-B05A-88246B0E37F0}"/>
+              </a:ext>
+            </a:extLst>
+          </p:cNvPr>
+          <p:cNvCxnSpPr>
+            <a:cxnSpLocks/>
+          </p:cNvCxnSpPr>
+          <p:nvPr/>
+        </p:nvCxnSpPr>
+        <p:spPr>
+          <a:xfrm>
+            <a:off x="4575175" y="4484687"/>
+            <a:ext cx="835025" cy="0"/>
+          </a:xfrm>
+          <a:prstGeom prst="straightConnector1">
+            <a:avLst/>
+          </a:prstGeom>
+          <a:ln w="57150">
+            <a:solidFill>
+              <a:srgbClr val="99C000"/>
+            </a:solidFill>
+            <a:tailEnd type="triangle"/>
+          </a:ln>
+        </p:spPr>
+        <p:style>
+          <a:lnRef idx="1">
+            <a:schemeClr val="accent1"/>
+          </a:lnRef>
+          <a:fillRef idx="0">
+            <a:schemeClr val="accent1"/>
+          </a:fillRef>
+          <a:effectRef idx="0">
+            <a:schemeClr val="accent1"/>
+          </a:effectRef>
+          <a:fontRef idx="minor">
+            <a:schemeClr val="tx1"/>
+          </a:fontRef>
+        </p:style>
+      </p:cxnSp>
     </p:spTree>
   </p:cSld>
   <p:clrMapOvr>
@@ -13025,13 +9208,22 @@
               </a:lnSpc>
             </a:pPr>
             <a:r>
-              <a:rPr lang="en-US" altLang="de-DE" sz="2400" b="1">
+              <a:rPr lang="en-US" altLang="de-DE" sz="2400" b="1" dirty="0" err="1">
                 <a:solidFill>
                   <a:srgbClr val="000000"/>
                 </a:solidFill>
                 <a:latin typeface="Arial" panose="020B0604020202020204"/>
               </a:rPr>
-              <a:t>Nucleo Receiving</a:t>
+              <a:t>Nucleo</a:t>
+            </a:r>
+            <a:r>
+              <a:rPr lang="en-US" altLang="de-DE" sz="2400" b="1" dirty="0">
+                <a:solidFill>
+                  <a:srgbClr val="000000"/>
+                </a:solidFill>
+                <a:latin typeface="Arial" panose="020B0604020202020204"/>
+              </a:rPr>
+              <a:t> Receiving</a:t>
             </a:r>
           </a:p>
         </p:txBody>
@@ -13320,7 +9512,33 @@
       </p:grpSpPr>
       <p:sp>
         <p:nvSpPr>
-          <p:cNvPr id="102" name="CustomShape 1"/>
+          <p:cNvPr id="105" name="CustomShape 2"/>
+          <p:cNvSpPr/>
+          <p:nvPr/>
+        </p:nvSpPr>
+        <p:spPr>
+          <a:xfrm>
+            <a:off x="360000" y="1620000"/>
+            <a:ext cx="6822720" cy="4479120"/>
+          </a:xfrm>
+          <a:prstGeom prst="rect">
+            <a:avLst/>
+          </a:prstGeom>
+          <a:noFill/>
+          <a:ln>
+            <a:noFill/>
+          </a:ln>
+        </p:spPr>
+      </p:sp>
+      <p:sp>
+        <p:nvSpPr>
+          <p:cNvPr id="4" name="CustomShape 1">
+            <a:extLst>
+              <a:ext uri="{FF2B5EF4-FFF2-40B4-BE49-F238E27FC236}">
+                <a16:creationId xmlns:a16="http://schemas.microsoft.com/office/drawing/2014/main" id="{48B572DD-D83C-4D3D-9AB9-9C71DD6FF87D}"/>
+              </a:ext>
+            </a:extLst>
+          </p:cNvPr>
           <p:cNvSpPr/>
           <p:nvPr/>
         </p:nvSpPr>
@@ -13347,389 +9565,33 @@
               </a:lnSpc>
             </a:pPr>
             <a:r>
-              <a:rPr lang="en-US" altLang="de-DE" sz="2400" b="1">
+              <a:rPr lang="en-US" altLang="de-DE" sz="2400" b="1" dirty="0">
                 <a:solidFill>
                   <a:srgbClr val="000000"/>
                 </a:solidFill>
                 <a:latin typeface="Arial" panose="020B0604020202020204"/>
               </a:rPr>
-              <a:t>HLP Receiving</a:t>
+              <a:t>Sources</a:t>
             </a:r>
           </a:p>
         </p:txBody>
       </p:sp>
       <p:sp>
         <p:nvSpPr>
-          <p:cNvPr id="103" name="CustomShape 2"/>
-          <p:cNvSpPr/>
-          <p:nvPr/>
-        </p:nvSpPr>
-        <p:spPr>
-          <a:xfrm>
-            <a:off x="360000" y="1620000"/>
-            <a:ext cx="6822720" cy="4479120"/>
-          </a:xfrm>
-          <a:prstGeom prst="rect">
-            <a:avLst/>
-          </a:prstGeom>
-          <a:noFill/>
-          <a:ln>
-            <a:noFill/>
-          </a:ln>
-        </p:spPr>
-      </p:sp>
-      <p:pic>
-        <p:nvPicPr>
-          <p:cNvPr id="2" name="图片 1"/>
-          <p:cNvPicPr>
-            <a:picLocks noChangeAspect="1"/>
-          </p:cNvPicPr>
-          <p:nvPr/>
-        </p:nvPicPr>
-        <p:blipFill>
-          <a:blip r:embed="rId3"/>
-          <a:stretch>
-            <a:fillRect/>
-          </a:stretch>
-        </p:blipFill>
-        <p:spPr>
-          <a:xfrm>
-            <a:off x="1779270" y="1711325"/>
-            <a:ext cx="5586095" cy="4387850"/>
-          </a:xfrm>
-          <a:prstGeom prst="rect">
-            <a:avLst/>
-          </a:prstGeom>
-        </p:spPr>
-      </p:pic>
-    </p:spTree>
-  </p:cSld>
-  <p:clrMapOvr>
-    <a:masterClrMapping/>
-  </p:clrMapOvr>
-</p:sld>
-</file>
-
-<file path=ppt/slides/slide12.xml><?xml version="1.0" encoding="utf-8"?>
-<p:sld xmlns:a="http://schemas.openxmlformats.org/drawingml/2006/main" xmlns:r="http://schemas.openxmlformats.org/officeDocument/2006/relationships" xmlns:p="http://schemas.openxmlformats.org/presentationml/2006/main">
-  <p:cSld>
-    <p:spTree>
-      <p:nvGrpSpPr>
-        <p:cNvPr id="1" name=""/>
-        <p:cNvGrpSpPr/>
-        <p:nvPr/>
-      </p:nvGrpSpPr>
-      <p:grpSpPr>
-        <a:xfrm>
-          <a:off x="0" y="0"/>
-          <a:ext cx="0" cy="0"/>
-          <a:chOff x="0" y="0"/>
-          <a:chExt cx="0" cy="0"/>
-        </a:xfrm>
-      </p:grpSpPr>
-      <p:sp>
-        <p:nvSpPr>
-          <p:cNvPr id="104" name="CustomShape 1"/>
-          <p:cNvSpPr/>
-          <p:nvPr/>
-        </p:nvSpPr>
-        <p:spPr>
-          <a:xfrm>
-            <a:off x="358920" y="488880"/>
-            <a:ext cx="6641280" cy="837360"/>
-          </a:xfrm>
-          <a:prstGeom prst="rect">
-            <a:avLst/>
-          </a:prstGeom>
-          <a:noFill/>
-          <a:ln>
-            <a:noFill/>
-          </a:ln>
-        </p:spPr>
-        <p:txBody>
-          <a:bodyPr lIns="0" tIns="0" rIns="0" bIns="0" anchor="ctr"/>
-          <a:lstStyle/>
-          <a:p>
-            <a:pPr>
-              <a:lnSpc>
-                <a:spcPct val="100000"/>
-              </a:lnSpc>
-            </a:pPr>
-            <a:r>
-              <a:rPr lang="en-US" altLang="de-DE" sz="2400" b="1">
-                <a:solidFill>
-                  <a:srgbClr val="000000"/>
-                </a:solidFill>
-                <a:latin typeface="Arial" panose="020B0604020202020204"/>
-              </a:rPr>
-              <a:t>Summary</a:t>
-            </a:r>
-          </a:p>
-        </p:txBody>
-      </p:sp>
-      <p:sp>
-        <p:nvSpPr>
-          <p:cNvPr id="2" name="流程图: 过程 1"/>
-          <p:cNvSpPr/>
-          <p:nvPr/>
-        </p:nvSpPr>
-        <p:spPr>
-          <a:xfrm>
-            <a:off x="1233170" y="2025015"/>
-            <a:ext cx="2013585" cy="648335"/>
-          </a:xfrm>
-          <a:prstGeom prst="flowChartProcess">
-            <a:avLst/>
-          </a:prstGeom>
-          <a:solidFill>
-            <a:srgbClr val="99C000"/>
-          </a:solidFill>
-        </p:spPr>
-        <p:style>
-          <a:lnRef idx="2">
-            <a:schemeClr val="accent1">
-              <a:shade val="50000"/>
-            </a:schemeClr>
-          </a:lnRef>
-          <a:fillRef idx="1">
-            <a:schemeClr val="accent1"/>
-          </a:fillRef>
-          <a:effectRef idx="0">
-            <a:schemeClr val="accent1"/>
-          </a:effectRef>
-          <a:fontRef idx="minor">
-            <a:schemeClr val="lt1"/>
-          </a:fontRef>
-        </p:style>
-        <p:txBody>
-          <a:bodyPr rtlCol="0" anchor="ctr"/>
-          <a:lstStyle/>
-          <a:p>
-            <a:pPr algn="ctr"/>
-            <a:r>
-              <a:rPr lang="en-US" altLang="zh-CN"/>
-              <a:t>Demand Analysis</a:t>
-            </a:r>
-          </a:p>
-        </p:txBody>
-      </p:sp>
-      <p:sp>
-        <p:nvSpPr>
-          <p:cNvPr id="4" name="流程图: 过程 3"/>
-          <p:cNvSpPr/>
-          <p:nvPr/>
-        </p:nvSpPr>
-        <p:spPr>
-          <a:xfrm>
-            <a:off x="1233170" y="3642995"/>
-            <a:ext cx="2013585" cy="648335"/>
-          </a:xfrm>
-          <a:prstGeom prst="flowChartProcess">
-            <a:avLst/>
-          </a:prstGeom>
-          <a:solidFill>
-            <a:srgbClr val="99C000"/>
-          </a:solidFill>
-        </p:spPr>
-        <p:style>
-          <a:lnRef idx="2">
-            <a:schemeClr val="accent1">
-              <a:shade val="50000"/>
-            </a:schemeClr>
-          </a:lnRef>
-          <a:fillRef idx="1">
-            <a:schemeClr val="accent1"/>
-          </a:fillRef>
-          <a:effectRef idx="0">
-            <a:schemeClr val="accent1"/>
-          </a:effectRef>
-          <a:fontRef idx="minor">
-            <a:schemeClr val="lt1"/>
-          </a:fontRef>
-        </p:style>
-        <p:txBody>
-          <a:bodyPr rtlCol="0" anchor="ctr"/>
-          <a:lstStyle/>
-          <a:p>
-            <a:pPr algn="ctr"/>
-            <a:r>
-              <a:rPr lang="en-US" altLang="zh-CN"/>
-              <a:t>Protocol Design</a:t>
-            </a:r>
-          </a:p>
-        </p:txBody>
-      </p:sp>
-      <p:sp>
-        <p:nvSpPr>
-          <p:cNvPr id="5" name="流程图: 过程 4"/>
-          <p:cNvSpPr/>
-          <p:nvPr/>
-        </p:nvSpPr>
-        <p:spPr>
-          <a:xfrm>
-            <a:off x="1233170" y="5260975"/>
-            <a:ext cx="2013585" cy="648335"/>
-          </a:xfrm>
-          <a:prstGeom prst="flowChartProcess">
-            <a:avLst/>
-          </a:prstGeom>
-          <a:solidFill>
-            <a:srgbClr val="99C000"/>
-          </a:solidFill>
-        </p:spPr>
-        <p:style>
-          <a:lnRef idx="2">
-            <a:schemeClr val="accent1">
-              <a:shade val="50000"/>
-            </a:schemeClr>
-          </a:lnRef>
-          <a:fillRef idx="1">
-            <a:schemeClr val="accent1"/>
-          </a:fillRef>
-          <a:effectRef idx="0">
-            <a:schemeClr val="accent1"/>
-          </a:effectRef>
-          <a:fontRef idx="minor">
-            <a:schemeClr val="lt1"/>
-          </a:fontRef>
-        </p:style>
-        <p:txBody>
-          <a:bodyPr rtlCol="0" anchor="ctr"/>
-          <a:lstStyle/>
-          <a:p>
-            <a:pPr algn="ctr"/>
-            <a:r>
-              <a:rPr lang="en-US" altLang="zh-CN"/>
-              <a:t>Test</a:t>
-            </a:r>
-          </a:p>
-        </p:txBody>
-      </p:sp>
-      <p:cxnSp>
-        <p:nvCxnSpPr>
-          <p:cNvPr id="6" name="直接箭头连接符 5"/>
-          <p:cNvCxnSpPr>
-            <a:endCxn id="4" idx="0"/>
-          </p:cNvCxnSpPr>
-          <p:nvPr/>
-        </p:nvCxnSpPr>
-        <p:spPr>
-          <a:xfrm>
-            <a:off x="2240280" y="2673985"/>
-            <a:ext cx="0" cy="969010"/>
-          </a:xfrm>
-          <a:prstGeom prst="straightConnector1">
-            <a:avLst/>
-          </a:prstGeom>
-          <a:ln>
-            <a:solidFill>
-              <a:srgbClr val="99C000"/>
-            </a:solidFill>
-            <a:tailEnd type="arrow"/>
-          </a:ln>
-        </p:spPr>
-        <p:style>
-          <a:lnRef idx="1">
-            <a:schemeClr val="accent1"/>
-          </a:lnRef>
-          <a:fillRef idx="0">
-            <a:schemeClr val="accent1"/>
-          </a:fillRef>
-          <a:effectRef idx="0">
-            <a:schemeClr val="accent1"/>
-          </a:effectRef>
-          <a:fontRef idx="minor">
-            <a:schemeClr val="tx1"/>
-          </a:fontRef>
-        </p:style>
-      </p:cxnSp>
-      <p:cxnSp>
-        <p:nvCxnSpPr>
-          <p:cNvPr id="7" name="直接箭头连接符 6"/>
-          <p:cNvCxnSpPr/>
-          <p:nvPr/>
-        </p:nvCxnSpPr>
-        <p:spPr>
-          <a:xfrm>
-            <a:off x="2267585" y="4293235"/>
-            <a:ext cx="0" cy="935990"/>
-          </a:xfrm>
-          <a:prstGeom prst="straightConnector1">
-            <a:avLst/>
-          </a:prstGeom>
-          <a:ln>
-            <a:solidFill>
-              <a:srgbClr val="99C000"/>
-            </a:solidFill>
-            <a:tailEnd type="arrow"/>
-          </a:ln>
-        </p:spPr>
-        <p:style>
-          <a:lnRef idx="1">
-            <a:schemeClr val="accent1"/>
-          </a:lnRef>
-          <a:fillRef idx="0">
-            <a:schemeClr val="accent1"/>
-          </a:fillRef>
-          <a:effectRef idx="0">
-            <a:schemeClr val="accent1"/>
-          </a:effectRef>
-          <a:fontRef idx="minor">
-            <a:schemeClr val="tx1"/>
-          </a:fontRef>
-        </p:style>
-      </p:cxnSp>
-      <p:cxnSp>
-        <p:nvCxnSpPr>
-          <p:cNvPr id="9" name="肘形连接符 8"/>
-          <p:cNvCxnSpPr>
-            <a:stCxn id="5" idx="3"/>
-            <a:endCxn id="4" idx="3"/>
-          </p:cNvCxnSpPr>
-          <p:nvPr/>
-        </p:nvCxnSpPr>
-        <p:spPr>
-          <a:xfrm flipV="1">
-            <a:off x="3246755" y="3967480"/>
-            <a:ext cx="3175" cy="1617980"/>
-          </a:xfrm>
-          <a:prstGeom prst="bentConnector3">
-            <a:avLst>
-              <a:gd name="adj1" fmla="val 7500000"/>
-            </a:avLst>
-          </a:prstGeom>
-          <a:ln>
-            <a:solidFill>
-              <a:srgbClr val="99C000"/>
-            </a:solidFill>
-            <a:tailEnd type="arrow"/>
-          </a:ln>
-        </p:spPr>
-        <p:style>
-          <a:lnRef idx="1">
-            <a:schemeClr val="accent1"/>
-          </a:lnRef>
-          <a:fillRef idx="0">
-            <a:schemeClr val="accent1"/>
-          </a:fillRef>
-          <a:effectRef idx="0">
-            <a:schemeClr val="accent1"/>
-          </a:effectRef>
-          <a:fontRef idx="minor">
-            <a:schemeClr val="tx1"/>
-          </a:fontRef>
-        </p:style>
-      </p:cxnSp>
-      <p:sp>
-        <p:nvSpPr>
-          <p:cNvPr id="10" name="文本框 9"/>
+          <p:cNvPr id="6" name="文本框 2">
+            <a:extLst>
+              <a:ext uri="{FF2B5EF4-FFF2-40B4-BE49-F238E27FC236}">
+                <a16:creationId xmlns:a16="http://schemas.microsoft.com/office/drawing/2014/main" id="{6230B1EF-835E-4246-AFF0-B1149C5414FE}"/>
+              </a:ext>
+            </a:extLst>
+          </p:cNvPr>
           <p:cNvSpPr txBox="1"/>
           <p:nvPr/>
         </p:nvSpPr>
         <p:spPr>
           <a:xfrm>
-            <a:off x="5111750" y="2025015"/>
-            <a:ext cx="2656840" cy="1014730"/>
+            <a:off x="358920" y="1620000"/>
+            <a:ext cx="8047355" cy="4647426"/>
           </a:xfrm>
           <a:prstGeom prst="rect">
             <a:avLst/>
@@ -13743,27 +9605,359 @@
           <a:lstStyle/>
           <a:p>
             <a:r>
-              <a:rPr lang="en-US" altLang="zh-CN" sz="2400"/>
-              <a:t>Improvement:</a:t>
-            </a:r>
-            <a:endParaRPr lang="en-US" altLang="zh-CN"/>
-          </a:p>
-          <a:p>
-            <a:pPr marL="285750" indent="-285750">
-              <a:buFont typeface="Arial" panose="020B0604020202020204" pitchFamily="34" charset="0"/>
-              <a:buChar char="•"/>
+              <a:rPr lang="de-DE" sz="1600" dirty="0"/>
+              <a:t>[1] H. König, </a:t>
+            </a:r>
+            <a:r>
+              <a:rPr lang="de-DE" sz="1600" i="1" dirty="0"/>
+              <a:t>Protocol Engineering</a:t>
+            </a:r>
+            <a:r>
+              <a:rPr lang="de-DE" sz="1600" dirty="0"/>
+              <a:t>, 1st </a:t>
+            </a:r>
+            <a:r>
+              <a:rPr lang="de-DE" sz="1600" dirty="0" err="1"/>
+              <a:t>ed</a:t>
+            </a:r>
+            <a:r>
+              <a:rPr lang="de-DE" sz="1600" dirty="0"/>
+              <a:t>. Wiesbaden, Deutschland: Teubner,</a:t>
+            </a:r>
+          </a:p>
+          <a:p>
+            <a:r>
+              <a:rPr lang="de-DE" sz="1600" dirty="0"/>
+              <a:t>2003.</a:t>
+            </a:r>
+          </a:p>
+          <a:p>
+            <a:r>
+              <a:rPr lang="de-DE" sz="1600" dirty="0"/>
+              <a:t>[2] H. </a:t>
+            </a:r>
+            <a:r>
+              <a:rPr lang="de-DE" sz="1600" dirty="0" err="1"/>
+              <a:t>Wörn</a:t>
+            </a:r>
+            <a:r>
+              <a:rPr lang="de-DE" sz="1600" dirty="0"/>
+              <a:t>, </a:t>
+            </a:r>
+            <a:r>
+              <a:rPr lang="de-DE" sz="1600" i="1" dirty="0"/>
+              <a:t>Echtzeitsysteme</a:t>
+            </a:r>
+            <a:r>
+              <a:rPr lang="de-DE" sz="1600" dirty="0"/>
+              <a:t>, 1st </a:t>
+            </a:r>
+            <a:r>
+              <a:rPr lang="de-DE" sz="1600" dirty="0" err="1"/>
+              <a:t>ed</a:t>
+            </a:r>
+            <a:r>
+              <a:rPr lang="de-DE" sz="1600" dirty="0"/>
+              <a:t>. Springer-Verlag Berlin Heidelberg,</a:t>
+            </a:r>
+          </a:p>
+          <a:p>
+            <a:r>
+              <a:rPr lang="de-DE" sz="1600" dirty="0"/>
+              <a:t>2005.</a:t>
+            </a:r>
+          </a:p>
+          <a:p>
+            <a:r>
+              <a:rPr lang="en-US" sz="1600" dirty="0"/>
+              <a:t>[3] T.C. </a:t>
+            </a:r>
+            <a:r>
+              <a:rPr lang="en-US" sz="1600" dirty="0" err="1"/>
+              <a:t>Maxino</a:t>
+            </a:r>
+            <a:r>
+              <a:rPr lang="en-US" sz="1600" dirty="0"/>
+              <a:t> und P.J. Koopman, </a:t>
+            </a:r>
+            <a:r>
+              <a:rPr lang="en-US" sz="1600" i="1" dirty="0"/>
+              <a:t>The Effectiveness of Checksums for</a:t>
+            </a:r>
+          </a:p>
+          <a:p>
+            <a:r>
+              <a:rPr lang="en-US" sz="1600" i="1" dirty="0"/>
+              <a:t>Embedded Control Networks</a:t>
+            </a:r>
+            <a:r>
+              <a:rPr lang="en-US" sz="1600" dirty="0"/>
+              <a:t>, IEEE Xplore Digital Library, 2009.</a:t>
+            </a:r>
+          </a:p>
+          <a:p>
+            <a:r>
+              <a:rPr lang="en-US" sz="1600" dirty="0"/>
+              <a:t>[4] J.F. Kurose und K.W. Ross, </a:t>
+            </a:r>
+            <a:r>
+              <a:rPr lang="en-US" sz="1600" i="1" dirty="0"/>
+              <a:t>Computer networking</a:t>
+            </a:r>
+            <a:r>
+              <a:rPr lang="en-US" sz="1600" dirty="0"/>
+              <a:t>, 5. ed. Boston, MA :</a:t>
+            </a:r>
+          </a:p>
+          <a:p>
+            <a:r>
+              <a:rPr lang="en-US" sz="1600" dirty="0"/>
+              <a:t>Pearson/Addison-Wesley, Pearson Education, 2009.</a:t>
+            </a:r>
+          </a:p>
+          <a:p>
+            <a:r>
+              <a:rPr lang="de-DE" sz="1600" dirty="0"/>
+              <a:t>[5] S. Cheshire und M. Baker, </a:t>
+            </a:r>
+            <a:r>
+              <a:rPr lang="de-DE" sz="1600" i="1" dirty="0" err="1"/>
+              <a:t>Consistent</a:t>
+            </a:r>
+            <a:r>
+              <a:rPr lang="de-DE" sz="1600" i="1" dirty="0"/>
+              <a:t> Overhead Byte </a:t>
+            </a:r>
+            <a:r>
+              <a:rPr lang="de-DE" sz="1600" i="1" dirty="0" err="1"/>
+              <a:t>Stuffing</a:t>
+            </a:r>
+            <a:r>
+              <a:rPr lang="de-DE" sz="1600" dirty="0"/>
+              <a:t>, IEEE/ACM</a:t>
+            </a:r>
+          </a:p>
+          <a:p>
+            <a:r>
+              <a:rPr lang="en-US" sz="1600" dirty="0"/>
+              <a:t>TRANSACTIONS ON NETWORKING, VOL.7, NO. 2, 1999.</a:t>
+            </a:r>
+          </a:p>
+          <a:p>
+            <a:r>
+              <a:rPr lang="de-DE" sz="1600" dirty="0"/>
+              <a:t>[6] C. </a:t>
+            </a:r>
+            <a:r>
+              <a:rPr lang="de-DE" sz="1600" dirty="0" err="1"/>
+              <a:t>Noviello</a:t>
+            </a:r>
+            <a:r>
+              <a:rPr lang="de-DE" sz="1600" dirty="0"/>
+              <a:t>, </a:t>
+            </a:r>
+            <a:r>
+              <a:rPr lang="de-DE" sz="1600" i="1" dirty="0"/>
+              <a:t>Mastering STM32</a:t>
+            </a:r>
+            <a:r>
+              <a:rPr lang="de-DE" sz="1600" dirty="0"/>
+              <a:t>, Victoria, BC, Canada: </a:t>
+            </a:r>
+            <a:r>
+              <a:rPr lang="de-DE" sz="1600" dirty="0" err="1"/>
+              <a:t>Leanpub</a:t>
+            </a:r>
+            <a:r>
+              <a:rPr lang="de-DE" sz="1600" dirty="0"/>
+              <a:t>, 2017.</a:t>
+            </a:r>
+          </a:p>
+          <a:p>
+            <a:r>
+              <a:rPr lang="de-DE" sz="1600" dirty="0"/>
+              <a:t>[7] S.C. Hill und J. </a:t>
+            </a:r>
+            <a:r>
+              <a:rPr lang="de-DE" sz="1600" dirty="0" err="1"/>
+              <a:t>Jelemensky</a:t>
+            </a:r>
+            <a:r>
+              <a:rPr lang="de-DE" sz="1600" dirty="0"/>
+              <a:t> und M.R. </a:t>
+            </a:r>
+            <a:r>
+              <a:rPr lang="de-DE" sz="1600" dirty="0" err="1"/>
+              <a:t>Heene</a:t>
+            </a:r>
+            <a:r>
+              <a:rPr lang="de-DE" sz="1600" dirty="0"/>
+              <a:t>, </a:t>
+            </a:r>
+            <a:r>
+              <a:rPr lang="de-DE" sz="1600" i="1" dirty="0" err="1"/>
+              <a:t>Queued</a:t>
+            </a:r>
+            <a:r>
+              <a:rPr lang="de-DE" sz="1600" i="1" dirty="0"/>
+              <a:t> </a:t>
+            </a:r>
+            <a:r>
+              <a:rPr lang="de-DE" sz="1600" i="1" dirty="0" err="1"/>
+              <a:t>serial</a:t>
+            </a:r>
+            <a:r>
+              <a:rPr lang="de-DE" sz="1600" i="1" dirty="0"/>
+              <a:t> </a:t>
+            </a:r>
+            <a:r>
+              <a:rPr lang="de-DE" sz="1600" i="1" dirty="0" err="1"/>
+              <a:t>peripheral</a:t>
+            </a:r>
+            <a:endParaRPr lang="de-DE" sz="1600" i="1" dirty="0"/>
+          </a:p>
+          <a:p>
+            <a:r>
+              <a:rPr lang="en-US" sz="1600" i="1" dirty="0"/>
+              <a:t>interface for use in a data processing system</a:t>
+            </a:r>
+            <a:r>
+              <a:rPr lang="en-US" sz="1600" dirty="0"/>
+              <a:t>, Google Patents, 1989.</a:t>
+            </a:r>
+          </a:p>
+          <a:p>
+            <a:r>
+              <a:rPr lang="en-US" sz="1600" dirty="0"/>
+              <a:t>[8] D. HONEGGER, </a:t>
+            </a:r>
+            <a:r>
+              <a:rPr lang="en-US" sz="1600" i="1" dirty="0"/>
+              <a:t>An open source and open hardware embedded metric</a:t>
+            </a:r>
+          </a:p>
+          <a:p>
+            <a:r>
+              <a:rPr lang="en-US" sz="1600" i="1" dirty="0"/>
+              <a:t>optical flow </a:t>
+            </a:r>
+            <a:r>
+              <a:rPr lang="en-US" sz="1600" i="1" dirty="0" err="1"/>
+              <a:t>cmos</a:t>
+            </a:r>
+            <a:r>
+              <a:rPr lang="en-US" sz="1600" i="1" dirty="0"/>
+              <a:t> camera for indoor and outdoor applications</a:t>
+            </a:r>
+            <a:r>
+              <a:rPr lang="en-US" sz="1600" dirty="0"/>
+              <a:t>, Robotics</a:t>
+            </a:r>
+          </a:p>
+          <a:p>
+            <a:r>
+              <a:rPr lang="en-US" sz="1600" dirty="0"/>
+              <a:t>and Automation (ICRA), IEEE International Conference on. IEEE, 2013.</a:t>
+            </a:r>
+          </a:p>
+          <a:p>
+            <a:r>
+              <a:rPr lang="en-US" sz="1600" dirty="0"/>
+              <a:t>[9] J.G. Fletcher, </a:t>
+            </a:r>
+            <a:r>
+              <a:rPr lang="en-US" sz="1600" i="1" dirty="0"/>
+              <a:t>An Arithmetic Checksum for Serial Transmissions</a:t>
+            </a:r>
+            <a:r>
+              <a:rPr lang="en-US" sz="1600" dirty="0"/>
+              <a:t>, IEEE</a:t>
+            </a:r>
+          </a:p>
+          <a:p>
+            <a:r>
+              <a:rPr lang="fr-FR" sz="1600" dirty="0"/>
+              <a:t>Transactions on Communications Vol. 30, 1982.</a:t>
+            </a:r>
+            <a:endParaRPr lang="en-US" altLang="zh-CN" sz="2000" dirty="0">
+              <a:sym typeface="+mn-ea"/>
+            </a:endParaRPr>
+          </a:p>
+        </p:txBody>
+      </p:sp>
+      <p:sp>
+        <p:nvSpPr>
+          <p:cNvPr id="104" name="CustomShape 1"/>
+          <p:cNvSpPr/>
+          <p:nvPr/>
+        </p:nvSpPr>
+        <p:spPr>
+          <a:xfrm>
+            <a:off x="1825697" y="2179665"/>
+            <a:ext cx="5492605" cy="2498670"/>
+          </a:xfrm>
+          <a:prstGeom prst="rect">
+            <a:avLst/>
+          </a:prstGeom>
+          <a:gradFill flip="none" rotWithShape="1">
+            <a:gsLst>
+              <a:gs pos="0">
+                <a:schemeClr val="accent3">
+                  <a:lumMod val="67000"/>
+                </a:schemeClr>
+              </a:gs>
+              <a:gs pos="48000">
+                <a:schemeClr val="accent3">
+                  <a:lumMod val="97000"/>
+                  <a:lumOff val="3000"/>
+                </a:schemeClr>
+              </a:gs>
+              <a:gs pos="100000">
+                <a:schemeClr val="accent3">
+                  <a:lumMod val="60000"/>
+                  <a:lumOff val="40000"/>
+                </a:schemeClr>
+              </a:gs>
+            </a:gsLst>
+            <a:lin ang="16200000" scaled="1"/>
+            <a:tileRect/>
+          </a:gradFill>
+          <a:ln>
+            <a:noFill/>
+          </a:ln>
+        </p:spPr>
+        <p:style>
+          <a:lnRef idx="0">
+            <a:scrgbClr r="0" g="0" b="0"/>
+          </a:lnRef>
+          <a:fillRef idx="0">
+            <a:scrgbClr r="0" g="0" b="0"/>
+          </a:fillRef>
+          <a:effectRef idx="0">
+            <a:scrgbClr r="0" g="0" b="0"/>
+          </a:effectRef>
+          <a:fontRef idx="minor">
+            <a:schemeClr val="lt1"/>
+          </a:fontRef>
+        </p:style>
+        <p:txBody>
+          <a:bodyPr lIns="0" tIns="0" rIns="0" bIns="0" anchor="ctr"/>
+          <a:lstStyle/>
+          <a:p>
+            <a:pPr algn="ctr">
+              <a:lnSpc>
+                <a:spcPct val="100000"/>
+              </a:lnSpc>
             </a:pPr>
             <a:r>
-              <a:rPr lang="en-US" altLang="zh-CN"/>
-              <a:t>CRC16</a:t>
-            </a:r>
-          </a:p>
-          <a:p>
-            <a:pPr marL="285750" indent="-285750">
-              <a:buFont typeface="Arial" panose="020B0604020202020204" pitchFamily="34" charset="0"/>
-              <a:buChar char="•"/>
-            </a:pPr>
-            <a:endParaRPr lang="en-US" altLang="zh-CN"/>
+              <a:rPr lang="en-US" altLang="de-DE" sz="4000" b="1" dirty="0">
+                <a:solidFill>
+                  <a:srgbClr val="000000"/>
+                </a:solidFill>
+                <a:latin typeface="Arial" panose="020B0604020202020204"/>
+              </a:rPr>
+              <a:t>Thank you for your Attention!</a:t>
+            </a:r>
           </a:p>
         </p:txBody>
       </p:sp>
@@ -13772,91 +9966,92 @@
   <p:clrMapOvr>
     <a:masterClrMapping/>
   </p:clrMapOvr>
-</p:sld>
-</file>
-
-<file path=ppt/slides/slide13.xml><?xml version="1.0" encoding="utf-8"?>
-<p:sld xmlns:a="http://schemas.openxmlformats.org/drawingml/2006/main" xmlns:r="http://schemas.openxmlformats.org/officeDocument/2006/relationships" xmlns:p="http://schemas.openxmlformats.org/presentationml/2006/main">
-  <p:cSld>
-    <p:spTree>
-      <p:nvGrpSpPr>
-        <p:cNvPr id="1" name=""/>
-        <p:cNvGrpSpPr/>
-        <p:nvPr/>
-      </p:nvGrpSpPr>
-      <p:grpSpPr>
-        <a:xfrm>
-          <a:off x="0" y="0"/>
-          <a:ext cx="0" cy="0"/>
-          <a:chOff x="0" y="0"/>
-          <a:chExt cx="0" cy="0"/>
-        </a:xfrm>
-      </p:grpSpPr>
-      <p:sp>
-        <p:nvSpPr>
-          <p:cNvPr id="104" name="CustomShape 1"/>
-          <p:cNvSpPr/>
-          <p:nvPr/>
-        </p:nvSpPr>
-        <p:spPr>
-          <a:xfrm>
-            <a:off x="755795" y="2936170"/>
-            <a:ext cx="6641280" cy="837360"/>
-          </a:xfrm>
-          <a:prstGeom prst="rect">
-            <a:avLst/>
-          </a:prstGeom>
-          <a:noFill/>
-          <a:ln>
-            <a:noFill/>
-          </a:ln>
-        </p:spPr>
-        <p:txBody>
-          <a:bodyPr lIns="0" tIns="0" rIns="0" bIns="0" anchor="ctr"/>
-          <a:lstStyle/>
-          <a:p>
-            <a:pPr algn="ctr">
-              <a:lnSpc>
-                <a:spcPct val="100000"/>
-              </a:lnSpc>
-            </a:pPr>
-            <a:r>
-              <a:rPr lang="en-US" altLang="de-DE" sz="4000" b="1">
-                <a:solidFill>
-                  <a:srgbClr val="000000"/>
-                </a:solidFill>
-                <a:latin typeface="Arial" panose="020B0604020202020204"/>
-              </a:rPr>
-              <a:t>Thank you!</a:t>
-            </a:r>
-          </a:p>
-        </p:txBody>
-      </p:sp>
-      <p:sp>
-        <p:nvSpPr>
-          <p:cNvPr id="105" name="CustomShape 2"/>
-          <p:cNvSpPr/>
-          <p:nvPr/>
-        </p:nvSpPr>
-        <p:spPr>
-          <a:xfrm>
-            <a:off x="360000" y="1620000"/>
-            <a:ext cx="6822720" cy="4479120"/>
-          </a:xfrm>
-          <a:prstGeom prst="rect">
-            <a:avLst/>
-          </a:prstGeom>
-          <a:noFill/>
-          <a:ln>
-            <a:noFill/>
-          </a:ln>
-        </p:spPr>
-      </p:sp>
-    </p:spTree>
-  </p:cSld>
-  <p:clrMapOvr>
-    <a:masterClrMapping/>
-  </p:clrMapOvr>
+  <p:timing>
+    <p:tnLst>
+      <p:par>
+        <p:cTn id="1" dur="indefinite" restart="never" nodeType="tmRoot">
+          <p:childTnLst>
+            <p:seq concurrent="1" nextAc="seek">
+              <p:cTn id="2" dur="indefinite" nodeType="mainSeq">
+                <p:childTnLst>
+                  <p:par>
+                    <p:cTn id="3" fill="hold">
+                      <p:stCondLst>
+                        <p:cond delay="indefinite"/>
+                      </p:stCondLst>
+                      <p:childTnLst>
+                        <p:par>
+                          <p:cTn id="4" fill="hold">
+                            <p:stCondLst>
+                              <p:cond delay="0"/>
+                            </p:stCondLst>
+                            <p:childTnLst>
+                              <p:par>
+                                <p:cTn id="5" presetID="10" presetClass="entr" presetSubtype="0" fill="hold" grpId="0" nodeType="clickEffect">
+                                  <p:stCondLst>
+                                    <p:cond delay="0"/>
+                                  </p:stCondLst>
+                                  <p:childTnLst>
+                                    <p:set>
+                                      <p:cBhvr>
+                                        <p:cTn id="6" dur="1" fill="hold">
+                                          <p:stCondLst>
+                                            <p:cond delay="0"/>
+                                          </p:stCondLst>
+                                        </p:cTn>
+                                        <p:tgtEl>
+                                          <p:spTgt spid="104"/>
+                                        </p:tgtEl>
+                                        <p:attrNameLst>
+                                          <p:attrName>style.visibility</p:attrName>
+                                        </p:attrNameLst>
+                                      </p:cBhvr>
+                                      <p:to>
+                                        <p:strVal val="visible"/>
+                                      </p:to>
+                                    </p:set>
+                                    <p:animEffect transition="in" filter="fade">
+                                      <p:cBhvr>
+                                        <p:cTn id="7" dur="250"/>
+                                        <p:tgtEl>
+                                          <p:spTgt spid="104"/>
+                                        </p:tgtEl>
+                                      </p:cBhvr>
+                                    </p:animEffect>
+                                  </p:childTnLst>
+                                </p:cTn>
+                              </p:par>
+                            </p:childTnLst>
+                          </p:cTn>
+                        </p:par>
+                      </p:childTnLst>
+                    </p:cTn>
+                  </p:par>
+                </p:childTnLst>
+              </p:cTn>
+              <p:prevCondLst>
+                <p:cond evt="onPrev" delay="0">
+                  <p:tgtEl>
+                    <p:sldTgt/>
+                  </p:tgtEl>
+                </p:cond>
+              </p:prevCondLst>
+              <p:nextCondLst>
+                <p:cond evt="onNext" delay="0">
+                  <p:tgtEl>
+                    <p:sldTgt/>
+                  </p:tgtEl>
+                </p:cond>
+              </p:nextCondLst>
+            </p:seq>
+          </p:childTnLst>
+        </p:cTn>
+      </p:par>
+    </p:tnLst>
+    <p:bldLst>
+      <p:bldP spid="104" grpId="0" animBg="1"/>
+    </p:bldLst>
+  </p:timing>
 </p:sld>
 </file>
 
@@ -14129,62 +10324,69 @@
           </a:lstStyle>
           <a:p>
             <a:r>
-              <a:rPr lang="de-DE" dirty="0"/>
+              <a:rPr lang="en-GB" dirty="0"/>
               <a:t>Motivation</a:t>
             </a:r>
           </a:p>
           <a:p>
-            <a:r>
-              <a:rPr lang="de-DE" dirty="0"/>
+            <a:pPr>
+              <a:lnSpc>
+                <a:spcPct val="150000"/>
+              </a:lnSpc>
+            </a:pPr>
+            <a:r>
+              <a:rPr lang="en-GB" dirty="0"/>
               <a:t>Basics</a:t>
             </a:r>
           </a:p>
           <a:p>
             <a:pPr lvl="1"/>
             <a:r>
-              <a:rPr lang="de-DE" dirty="0"/>
-              <a:t>System </a:t>
-            </a:r>
-            <a:r>
-              <a:rPr lang="de-DE" dirty="0" err="1"/>
-              <a:t>description</a:t>
-            </a:r>
-            <a:endParaRPr lang="de-DE" dirty="0"/>
+              <a:rPr lang="en-GB" dirty="0"/>
+              <a:t>System description</a:t>
+            </a:r>
           </a:p>
           <a:p>
             <a:pPr lvl="1"/>
             <a:r>
-              <a:rPr lang="de-DE" dirty="0" err="1"/>
+              <a:rPr lang="en-GB" dirty="0"/>
               <a:t>Protocols</a:t>
             </a:r>
-            <a:endParaRPr lang="de-DE" dirty="0"/>
-          </a:p>
-          <a:p>
-            <a:r>
-              <a:rPr lang="de-DE" dirty="0" err="1"/>
+          </a:p>
+          <a:p>
+            <a:pPr>
+              <a:lnSpc>
+                <a:spcPct val="150000"/>
+              </a:lnSpc>
+            </a:pPr>
+            <a:r>
+              <a:rPr lang="en-GB" dirty="0" err="1"/>
               <a:t>Protocoldesign</a:t>
             </a:r>
-            <a:endParaRPr lang="de-DE" dirty="0"/>
+            <a:endParaRPr lang="en-GB" dirty="0"/>
           </a:p>
           <a:p>
             <a:pPr lvl="1"/>
             <a:r>
-              <a:rPr lang="de-DE" dirty="0" err="1"/>
+              <a:rPr lang="en-GB" dirty="0"/>
               <a:t>Presentation</a:t>
             </a:r>
-            <a:endParaRPr lang="de-DE" dirty="0"/>
           </a:p>
           <a:p>
             <a:pPr lvl="1"/>
             <a:r>
-              <a:rPr lang="de-DE" dirty="0" err="1"/>
+              <a:rPr lang="en-GB" dirty="0"/>
               <a:t>Results</a:t>
             </a:r>
-            <a:endParaRPr lang="de-DE" dirty="0"/>
-          </a:p>
-          <a:p>
-            <a:r>
-              <a:rPr lang="de-DE" dirty="0"/>
+          </a:p>
+          <a:p>
+            <a:pPr>
+              <a:lnSpc>
+                <a:spcPct val="150000"/>
+              </a:lnSpc>
+            </a:pPr>
+            <a:r>
+              <a:rPr lang="en-GB" dirty="0"/>
               <a:t>Summary &amp; Outlook</a:t>
             </a:r>
           </a:p>
@@ -16954,7 +13156,7 @@
             </a:pPr>
             <a:r>
               <a:rPr lang="en-GB" dirty="0"/>
-              <a:t>A set of rules allowing communication partners to transmit information.</a:t>
+              <a:t>A set of rules allowing communication partners to transmit information. [1]</a:t>
             </a:r>
           </a:p>
         </p:txBody>
@@ -17332,6 +13534,105 @@
                       </p:childTnLst>
                     </p:cTn>
                   </p:par>
+                  <p:par>
+                    <p:cTn id="30" fill="hold">
+                      <p:stCondLst>
+                        <p:cond delay="indefinite"/>
+                      </p:stCondLst>
+                      <p:childTnLst>
+                        <p:par>
+                          <p:cTn id="31" fill="hold">
+                            <p:stCondLst>
+                              <p:cond delay="0"/>
+                            </p:stCondLst>
+                            <p:childTnLst>
+                              <p:par>
+                                <p:cTn id="32" presetID="24" presetClass="emph" presetSubtype="0" fill="hold" nodeType="clickEffect">
+                                  <p:stCondLst>
+                                    <p:cond delay="0"/>
+                                  </p:stCondLst>
+                                  <p:childTnLst>
+                                    <p:animClr clrSpc="hsl" dir="cw">
+                                      <p:cBhvr override="childStyle">
+                                        <p:cTn id="33" dur="10" fill="hold"/>
+                                        <p:tgtEl>
+                                          <p:spTgt spid="4">
+                                            <p:txEl>
+                                              <p:pRg st="4" end="4"/>
+                                            </p:txEl>
+                                          </p:spTgt>
+                                        </p:tgtEl>
+                                        <p:attrNameLst>
+                                          <p:attrName>style.color</p:attrName>
+                                        </p:attrNameLst>
+                                      </p:cBhvr>
+                                      <p:by>
+                                        <p:hsl h="0" s="-12549" l="-25098"/>
+                                      </p:by>
+                                    </p:animClr>
+                                    <p:animClr clrSpc="hsl" dir="cw">
+                                      <p:cBhvr>
+                                        <p:cTn id="34" dur="10" fill="hold"/>
+                                        <p:tgtEl>
+                                          <p:spTgt spid="4">
+                                            <p:txEl>
+                                              <p:pRg st="4" end="4"/>
+                                            </p:txEl>
+                                          </p:spTgt>
+                                        </p:tgtEl>
+                                        <p:attrNameLst>
+                                          <p:attrName>fillcolor</p:attrName>
+                                        </p:attrNameLst>
+                                      </p:cBhvr>
+                                      <p:by>
+                                        <p:hsl h="0" s="-12549" l="-25098"/>
+                                      </p:by>
+                                    </p:animClr>
+                                    <p:animClr clrSpc="hsl" dir="cw">
+                                      <p:cBhvr>
+                                        <p:cTn id="35" dur="10" fill="hold"/>
+                                        <p:tgtEl>
+                                          <p:spTgt spid="4">
+                                            <p:txEl>
+                                              <p:pRg st="4" end="4"/>
+                                            </p:txEl>
+                                          </p:spTgt>
+                                        </p:tgtEl>
+                                        <p:attrNameLst>
+                                          <p:attrName>stroke.color</p:attrName>
+                                        </p:attrNameLst>
+                                      </p:cBhvr>
+                                      <p:by>
+                                        <p:hsl h="0" s="-12549" l="-25098"/>
+                                      </p:by>
+                                    </p:animClr>
+                                    <p:set>
+                                      <p:cBhvr>
+                                        <p:cTn id="36" dur="10" fill="hold"/>
+                                        <p:tgtEl>
+                                          <p:spTgt spid="4">
+                                            <p:txEl>
+                                              <p:pRg st="4" end="4"/>
+                                            </p:txEl>
+                                          </p:spTgt>
+                                        </p:tgtEl>
+                                        <p:attrNameLst>
+                                          <p:attrName>fill.type</p:attrName>
+                                        </p:attrNameLst>
+                                      </p:cBhvr>
+                                      <p:to>
+                                        <p:strVal val="solid"/>
+                                      </p:to>
+                                    </p:set>
+                                  </p:childTnLst>
+                                </p:cTn>
+                              </p:par>
+                            </p:childTnLst>
+                          </p:cTn>
+                        </p:par>
+                      </p:childTnLst>
+                    </p:cTn>
+                  </p:par>
                 </p:childTnLst>
               </p:cTn>
               <p:prevCondLst>
@@ -17424,34 +13725,1243 @@
           </a:p>
         </p:txBody>
       </p:sp>
-      <p:graphicFrame>
-        <p:nvGraphicFramePr>
-          <p:cNvPr id="5" name="Diagramm 4">
+      <p:sp>
+        <p:nvSpPr>
+          <p:cNvPr id="3" name="Freihandform: Form 2">
             <a:extLst>
               <a:ext uri="{FF2B5EF4-FFF2-40B4-BE49-F238E27FC236}">
-                <a16:creationId xmlns:a16="http://schemas.microsoft.com/office/drawing/2014/main" id="{0EB26BDD-F70B-4BE1-9E78-A116EAF411A8}"/>
+                <a16:creationId xmlns:a16="http://schemas.microsoft.com/office/drawing/2014/main" id="{D0B23CD9-5234-4841-9579-ACFF2C7E72B0}"/>
               </a:ext>
             </a:extLst>
           </p:cNvPr>
-          <p:cNvGraphicFramePr/>
-          <p:nvPr>
-            <p:extLst>
-              <p:ext uri="{D42A27DB-BD31-4B8C-83A1-F6EECF244321}">
-                <p14:modId xmlns:p14="http://schemas.microsoft.com/office/powerpoint/2010/main" val="1894475053"/>
-              </p:ext>
-            </p:extLst>
-          </p:nvPr>
-        </p:nvGraphicFramePr>
-        <p:xfrm>
-          <a:off x="257175" y="1447800"/>
-          <a:ext cx="8639175" cy="4921319"/>
-        </p:xfrm>
-        <a:graphic>
-          <a:graphicData uri="http://schemas.openxmlformats.org/drawingml/2006/diagram">
-            <dgm:relIds xmlns:dgm="http://schemas.openxmlformats.org/drawingml/2006/diagram" xmlns:r="http://schemas.openxmlformats.org/officeDocument/2006/relationships" r:dm="rId3" r:lo="rId4" r:qs="rId5" r:cs="rId6"/>
-          </a:graphicData>
-        </a:graphic>
-      </p:graphicFrame>
+          <p:cNvSpPr/>
+          <p:nvPr/>
+        </p:nvSpPr>
+        <p:spPr>
+          <a:xfrm>
+            <a:off x="260423" y="2547530"/>
+            <a:ext cx="1953094" cy="589850"/>
+          </a:xfrm>
+          <a:custGeom>
+            <a:avLst/>
+            <a:gdLst>
+              <a:gd name="connsiteX0" fmla="*/ 0 w 1953094"/>
+              <a:gd name="connsiteY0" fmla="*/ 0 h 589850"/>
+              <a:gd name="connsiteX1" fmla="*/ 1953094 w 1953094"/>
+              <a:gd name="connsiteY1" fmla="*/ 0 h 589850"/>
+              <a:gd name="connsiteX2" fmla="*/ 1953094 w 1953094"/>
+              <a:gd name="connsiteY2" fmla="*/ 589850 h 589850"/>
+              <a:gd name="connsiteX3" fmla="*/ 0 w 1953094"/>
+              <a:gd name="connsiteY3" fmla="*/ 589850 h 589850"/>
+              <a:gd name="connsiteX4" fmla="*/ 0 w 1953094"/>
+              <a:gd name="connsiteY4" fmla="*/ 0 h 589850"/>
+            </a:gdLst>
+            <a:ahLst/>
+            <a:cxnLst>
+              <a:cxn ang="0">
+                <a:pos x="connsiteX0" y="connsiteY0"/>
+              </a:cxn>
+              <a:cxn ang="0">
+                <a:pos x="connsiteX1" y="connsiteY1"/>
+              </a:cxn>
+              <a:cxn ang="0">
+                <a:pos x="connsiteX2" y="connsiteY2"/>
+              </a:cxn>
+              <a:cxn ang="0">
+                <a:pos x="connsiteX3" y="connsiteY3"/>
+              </a:cxn>
+              <a:cxn ang="0">
+                <a:pos x="connsiteX4" y="connsiteY4"/>
+              </a:cxn>
+            </a:cxnLst>
+            <a:rect l="l" t="t" r="r" b="b"/>
+            <a:pathLst>
+              <a:path w="1953094" h="589850">
+                <a:moveTo>
+                  <a:pt x="0" y="0"/>
+                </a:moveTo>
+                <a:lnTo>
+                  <a:pt x="1953094" y="0"/>
+                </a:lnTo>
+                <a:lnTo>
+                  <a:pt x="1953094" y="589850"/>
+                </a:lnTo>
+                <a:lnTo>
+                  <a:pt x="0" y="589850"/>
+                </a:lnTo>
+                <a:lnTo>
+                  <a:pt x="0" y="0"/>
+                </a:lnTo>
+                <a:close/>
+              </a:path>
+            </a:pathLst>
+          </a:custGeom>
+        </p:spPr>
+        <p:style>
+          <a:lnRef idx="2">
+            <a:schemeClr val="accent3">
+              <a:hueOff val="0"/>
+              <a:satOff val="0"/>
+              <a:lumOff val="0"/>
+              <a:alphaOff val="0"/>
+            </a:schemeClr>
+          </a:lnRef>
+          <a:fillRef idx="1">
+            <a:schemeClr val="accent3">
+              <a:hueOff val="0"/>
+              <a:satOff val="0"/>
+              <a:lumOff val="0"/>
+              <a:alphaOff val="0"/>
+            </a:schemeClr>
+          </a:fillRef>
+          <a:effectRef idx="0">
+            <a:schemeClr val="accent3">
+              <a:hueOff val="0"/>
+              <a:satOff val="0"/>
+              <a:lumOff val="0"/>
+              <a:alphaOff val="0"/>
+            </a:schemeClr>
+          </a:effectRef>
+          <a:fontRef idx="minor">
+            <a:schemeClr val="lt1"/>
+          </a:fontRef>
+        </p:style>
+        <p:txBody>
+          <a:bodyPr spcFirstLastPara="0" vert="horz" wrap="square" lIns="120904" tIns="69088" rIns="120904" bIns="69088" numCol="1" spcCol="1270" anchor="ctr" anchorCtr="0">
+            <a:noAutofit/>
+          </a:bodyPr>
+          <a:lstStyle/>
+          <a:p>
+            <a:pPr marL="0" lvl="0" indent="0" algn="ctr" defTabSz="755650">
+              <a:lnSpc>
+                <a:spcPct val="90000"/>
+              </a:lnSpc>
+              <a:spcBef>
+                <a:spcPct val="0"/>
+              </a:spcBef>
+              <a:spcAft>
+                <a:spcPct val="35000"/>
+              </a:spcAft>
+              <a:buNone/>
+            </a:pPr>
+            <a:r>
+              <a:rPr lang="en-GB" sz="1700" kern="1200" dirty="0"/>
+              <a:t>Requirement analysis</a:t>
+            </a:r>
+          </a:p>
+        </p:txBody>
+      </p:sp>
+      <p:sp>
+        <p:nvSpPr>
+          <p:cNvPr id="4" name="Freihandform: Form 3">
+            <a:extLst>
+              <a:ext uri="{FF2B5EF4-FFF2-40B4-BE49-F238E27FC236}">
+                <a16:creationId xmlns:a16="http://schemas.microsoft.com/office/drawing/2014/main" id="{125B5C43-BB9D-4640-9E89-0BDC2F71919F}"/>
+              </a:ext>
+            </a:extLst>
+          </p:cNvPr>
+          <p:cNvSpPr/>
+          <p:nvPr/>
+        </p:nvSpPr>
+        <p:spPr>
+          <a:xfrm>
+            <a:off x="260423" y="3137381"/>
+            <a:ext cx="1953094" cy="2132007"/>
+          </a:xfrm>
+          <a:custGeom>
+            <a:avLst/>
+            <a:gdLst>
+              <a:gd name="connsiteX0" fmla="*/ 0 w 1953094"/>
+              <a:gd name="connsiteY0" fmla="*/ 0 h 2132007"/>
+              <a:gd name="connsiteX1" fmla="*/ 1953094 w 1953094"/>
+              <a:gd name="connsiteY1" fmla="*/ 0 h 2132007"/>
+              <a:gd name="connsiteX2" fmla="*/ 1953094 w 1953094"/>
+              <a:gd name="connsiteY2" fmla="*/ 2132007 h 2132007"/>
+              <a:gd name="connsiteX3" fmla="*/ 0 w 1953094"/>
+              <a:gd name="connsiteY3" fmla="*/ 2132007 h 2132007"/>
+              <a:gd name="connsiteX4" fmla="*/ 0 w 1953094"/>
+              <a:gd name="connsiteY4" fmla="*/ 0 h 2132007"/>
+            </a:gdLst>
+            <a:ahLst/>
+            <a:cxnLst>
+              <a:cxn ang="0">
+                <a:pos x="connsiteX0" y="connsiteY0"/>
+              </a:cxn>
+              <a:cxn ang="0">
+                <a:pos x="connsiteX1" y="connsiteY1"/>
+              </a:cxn>
+              <a:cxn ang="0">
+                <a:pos x="connsiteX2" y="connsiteY2"/>
+              </a:cxn>
+              <a:cxn ang="0">
+                <a:pos x="connsiteX3" y="connsiteY3"/>
+              </a:cxn>
+              <a:cxn ang="0">
+                <a:pos x="connsiteX4" y="connsiteY4"/>
+              </a:cxn>
+            </a:cxnLst>
+            <a:rect l="l" t="t" r="r" b="b"/>
+            <a:pathLst>
+              <a:path w="1953094" h="2132007">
+                <a:moveTo>
+                  <a:pt x="0" y="0"/>
+                </a:moveTo>
+                <a:lnTo>
+                  <a:pt x="1953094" y="0"/>
+                </a:lnTo>
+                <a:lnTo>
+                  <a:pt x="1953094" y="2132007"/>
+                </a:lnTo>
+                <a:lnTo>
+                  <a:pt x="0" y="2132007"/>
+                </a:lnTo>
+                <a:lnTo>
+                  <a:pt x="0" y="0"/>
+                </a:lnTo>
+                <a:close/>
+              </a:path>
+            </a:pathLst>
+          </a:custGeom>
+        </p:spPr>
+        <p:style>
+          <a:lnRef idx="2">
+            <a:schemeClr val="accent3">
+              <a:alpha val="90000"/>
+              <a:tint val="40000"/>
+              <a:hueOff val="0"/>
+              <a:satOff val="0"/>
+              <a:lumOff val="0"/>
+              <a:alphaOff val="0"/>
+            </a:schemeClr>
+          </a:lnRef>
+          <a:fillRef idx="1">
+            <a:schemeClr val="accent3">
+              <a:alpha val="90000"/>
+              <a:tint val="40000"/>
+              <a:hueOff val="0"/>
+              <a:satOff val="0"/>
+              <a:lumOff val="0"/>
+              <a:alphaOff val="0"/>
+            </a:schemeClr>
+          </a:fillRef>
+          <a:effectRef idx="0">
+            <a:schemeClr val="accent3">
+              <a:alpha val="90000"/>
+              <a:tint val="40000"/>
+              <a:hueOff val="0"/>
+              <a:satOff val="0"/>
+              <a:lumOff val="0"/>
+              <a:alphaOff val="0"/>
+            </a:schemeClr>
+          </a:effectRef>
+          <a:fontRef idx="minor">
+            <a:schemeClr val="dk1">
+              <a:hueOff val="0"/>
+              <a:satOff val="0"/>
+              <a:lumOff val="0"/>
+              <a:alphaOff val="0"/>
+            </a:schemeClr>
+          </a:fontRef>
+        </p:style>
+        <p:txBody>
+          <a:bodyPr spcFirstLastPara="0" vert="horz" wrap="square" lIns="90678" tIns="90678" rIns="120904" bIns="136017" numCol="1" spcCol="1270" anchor="t" anchorCtr="0">
+            <a:noAutofit/>
+          </a:bodyPr>
+          <a:lstStyle/>
+          <a:p>
+            <a:pPr marL="171450" lvl="1" indent="-171450" algn="l" defTabSz="755650">
+              <a:lnSpc>
+                <a:spcPct val="90000"/>
+              </a:lnSpc>
+              <a:spcBef>
+                <a:spcPct val="0"/>
+              </a:spcBef>
+              <a:spcAft>
+                <a:spcPct val="15000"/>
+              </a:spcAft>
+              <a:buChar char="•"/>
+            </a:pPr>
+            <a:r>
+              <a:rPr lang="en-GB" sz="1700" kern="1200" dirty="0"/>
+              <a:t>Robust</a:t>
+            </a:r>
+          </a:p>
+          <a:p>
+            <a:pPr marL="342900" lvl="2" indent="-171450" algn="l" defTabSz="755650">
+              <a:lnSpc>
+                <a:spcPct val="90000"/>
+              </a:lnSpc>
+              <a:spcBef>
+                <a:spcPct val="0"/>
+              </a:spcBef>
+              <a:spcAft>
+                <a:spcPct val="15000"/>
+              </a:spcAft>
+              <a:buChar char="•"/>
+            </a:pPr>
+            <a:r>
+              <a:rPr lang="en-GB" sz="1700" kern="1200" dirty="0"/>
+              <a:t>Error detection</a:t>
+            </a:r>
+          </a:p>
+          <a:p>
+            <a:pPr marL="342900" lvl="2" indent="-171450" algn="l" defTabSz="755650">
+              <a:lnSpc>
+                <a:spcPct val="90000"/>
+              </a:lnSpc>
+              <a:spcBef>
+                <a:spcPct val="0"/>
+              </a:spcBef>
+              <a:spcAft>
+                <a:spcPct val="15000"/>
+              </a:spcAft>
+              <a:buChar char="•"/>
+            </a:pPr>
+            <a:r>
+              <a:rPr lang="en-GB" sz="1700" kern="1200" dirty="0"/>
+              <a:t>Reliability</a:t>
+            </a:r>
+          </a:p>
+          <a:p>
+            <a:pPr marL="171450" lvl="1" indent="-171450" algn="l" defTabSz="755650">
+              <a:lnSpc>
+                <a:spcPct val="90000"/>
+              </a:lnSpc>
+              <a:spcBef>
+                <a:spcPct val="0"/>
+              </a:spcBef>
+              <a:spcAft>
+                <a:spcPct val="15000"/>
+              </a:spcAft>
+              <a:buChar char="•"/>
+            </a:pPr>
+            <a:r>
+              <a:rPr lang="en-GB" sz="1700" kern="1200" dirty="0"/>
+              <a:t>Fast</a:t>
+            </a:r>
+          </a:p>
+          <a:p>
+            <a:pPr marL="171450" lvl="1" indent="-171450" algn="l" defTabSz="755650">
+              <a:lnSpc>
+                <a:spcPct val="90000"/>
+              </a:lnSpc>
+              <a:spcBef>
+                <a:spcPct val="0"/>
+              </a:spcBef>
+              <a:spcAft>
+                <a:spcPct val="15000"/>
+              </a:spcAft>
+              <a:buChar char="•"/>
+            </a:pPr>
+            <a:r>
+              <a:rPr lang="en-GB" sz="1700" kern="1200" dirty="0"/>
+              <a:t>Real time</a:t>
+            </a:r>
+          </a:p>
+          <a:p>
+            <a:pPr marL="171450" lvl="1" indent="-171450" algn="l" defTabSz="755650">
+              <a:lnSpc>
+                <a:spcPct val="90000"/>
+              </a:lnSpc>
+              <a:spcBef>
+                <a:spcPct val="0"/>
+              </a:spcBef>
+              <a:spcAft>
+                <a:spcPct val="15000"/>
+              </a:spcAft>
+              <a:buChar char="•"/>
+            </a:pPr>
+            <a:r>
+              <a:rPr lang="en-GB" sz="1700" kern="1200" dirty="0"/>
+              <a:t>Expandable</a:t>
+            </a:r>
+          </a:p>
+        </p:txBody>
+      </p:sp>
+      <p:sp>
+        <p:nvSpPr>
+          <p:cNvPr id="7" name="Freihandform: Form 6">
+            <a:extLst>
+              <a:ext uri="{FF2B5EF4-FFF2-40B4-BE49-F238E27FC236}">
+                <a16:creationId xmlns:a16="http://schemas.microsoft.com/office/drawing/2014/main" id="{F614A7B0-6DFD-419A-B4B1-416C7EAE4F4C}"/>
+              </a:ext>
+            </a:extLst>
+          </p:cNvPr>
+          <p:cNvSpPr/>
+          <p:nvPr/>
+        </p:nvSpPr>
+        <p:spPr>
+          <a:xfrm>
+            <a:off x="2486951" y="2547530"/>
+            <a:ext cx="1953094" cy="589850"/>
+          </a:xfrm>
+          <a:custGeom>
+            <a:avLst/>
+            <a:gdLst>
+              <a:gd name="connsiteX0" fmla="*/ 0 w 1953094"/>
+              <a:gd name="connsiteY0" fmla="*/ 0 h 589850"/>
+              <a:gd name="connsiteX1" fmla="*/ 1953094 w 1953094"/>
+              <a:gd name="connsiteY1" fmla="*/ 0 h 589850"/>
+              <a:gd name="connsiteX2" fmla="*/ 1953094 w 1953094"/>
+              <a:gd name="connsiteY2" fmla="*/ 589850 h 589850"/>
+              <a:gd name="connsiteX3" fmla="*/ 0 w 1953094"/>
+              <a:gd name="connsiteY3" fmla="*/ 589850 h 589850"/>
+              <a:gd name="connsiteX4" fmla="*/ 0 w 1953094"/>
+              <a:gd name="connsiteY4" fmla="*/ 0 h 589850"/>
+            </a:gdLst>
+            <a:ahLst/>
+            <a:cxnLst>
+              <a:cxn ang="0">
+                <a:pos x="connsiteX0" y="connsiteY0"/>
+              </a:cxn>
+              <a:cxn ang="0">
+                <a:pos x="connsiteX1" y="connsiteY1"/>
+              </a:cxn>
+              <a:cxn ang="0">
+                <a:pos x="connsiteX2" y="connsiteY2"/>
+              </a:cxn>
+              <a:cxn ang="0">
+                <a:pos x="connsiteX3" y="connsiteY3"/>
+              </a:cxn>
+              <a:cxn ang="0">
+                <a:pos x="connsiteX4" y="connsiteY4"/>
+              </a:cxn>
+            </a:cxnLst>
+            <a:rect l="l" t="t" r="r" b="b"/>
+            <a:pathLst>
+              <a:path w="1953094" h="589850">
+                <a:moveTo>
+                  <a:pt x="0" y="0"/>
+                </a:moveTo>
+                <a:lnTo>
+                  <a:pt x="1953094" y="0"/>
+                </a:lnTo>
+                <a:lnTo>
+                  <a:pt x="1953094" y="589850"/>
+                </a:lnTo>
+                <a:lnTo>
+                  <a:pt x="0" y="589850"/>
+                </a:lnTo>
+                <a:lnTo>
+                  <a:pt x="0" y="0"/>
+                </a:lnTo>
+                <a:close/>
+              </a:path>
+            </a:pathLst>
+          </a:custGeom>
+        </p:spPr>
+        <p:style>
+          <a:lnRef idx="2">
+            <a:schemeClr val="accent3">
+              <a:hueOff val="0"/>
+              <a:satOff val="0"/>
+              <a:lumOff val="0"/>
+              <a:alphaOff val="0"/>
+            </a:schemeClr>
+          </a:lnRef>
+          <a:fillRef idx="1">
+            <a:schemeClr val="accent3">
+              <a:hueOff val="0"/>
+              <a:satOff val="0"/>
+              <a:lumOff val="0"/>
+              <a:alphaOff val="0"/>
+            </a:schemeClr>
+          </a:fillRef>
+          <a:effectRef idx="0">
+            <a:schemeClr val="accent3">
+              <a:hueOff val="0"/>
+              <a:satOff val="0"/>
+              <a:lumOff val="0"/>
+              <a:alphaOff val="0"/>
+            </a:schemeClr>
+          </a:effectRef>
+          <a:fontRef idx="minor">
+            <a:schemeClr val="lt1"/>
+          </a:fontRef>
+        </p:style>
+        <p:txBody>
+          <a:bodyPr spcFirstLastPara="0" vert="horz" wrap="square" lIns="120904" tIns="69088" rIns="120904" bIns="69088" numCol="1" spcCol="1270" anchor="ctr" anchorCtr="0">
+            <a:noAutofit/>
+          </a:bodyPr>
+          <a:lstStyle/>
+          <a:p>
+            <a:pPr marL="0" lvl="0" indent="0" algn="ctr" defTabSz="755650">
+              <a:lnSpc>
+                <a:spcPct val="90000"/>
+              </a:lnSpc>
+              <a:spcBef>
+                <a:spcPct val="0"/>
+              </a:spcBef>
+              <a:spcAft>
+                <a:spcPct val="35000"/>
+              </a:spcAft>
+              <a:buNone/>
+            </a:pPr>
+            <a:r>
+              <a:rPr lang="en-GB" sz="1700" kern="1200" dirty="0"/>
+              <a:t>Protocol design</a:t>
+            </a:r>
+          </a:p>
+        </p:txBody>
+      </p:sp>
+      <p:sp>
+        <p:nvSpPr>
+          <p:cNvPr id="8" name="Freihandform: Form 7">
+            <a:extLst>
+              <a:ext uri="{FF2B5EF4-FFF2-40B4-BE49-F238E27FC236}">
+                <a16:creationId xmlns:a16="http://schemas.microsoft.com/office/drawing/2014/main" id="{F77628B4-43D9-4B4E-B9B9-80C600FFE40C}"/>
+              </a:ext>
+            </a:extLst>
+          </p:cNvPr>
+          <p:cNvSpPr/>
+          <p:nvPr/>
+        </p:nvSpPr>
+        <p:spPr>
+          <a:xfrm>
+            <a:off x="2486951" y="3137381"/>
+            <a:ext cx="1953094" cy="2132007"/>
+          </a:xfrm>
+          <a:custGeom>
+            <a:avLst/>
+            <a:gdLst>
+              <a:gd name="connsiteX0" fmla="*/ 0 w 1953094"/>
+              <a:gd name="connsiteY0" fmla="*/ 0 h 2132007"/>
+              <a:gd name="connsiteX1" fmla="*/ 1953094 w 1953094"/>
+              <a:gd name="connsiteY1" fmla="*/ 0 h 2132007"/>
+              <a:gd name="connsiteX2" fmla="*/ 1953094 w 1953094"/>
+              <a:gd name="connsiteY2" fmla="*/ 2132007 h 2132007"/>
+              <a:gd name="connsiteX3" fmla="*/ 0 w 1953094"/>
+              <a:gd name="connsiteY3" fmla="*/ 2132007 h 2132007"/>
+              <a:gd name="connsiteX4" fmla="*/ 0 w 1953094"/>
+              <a:gd name="connsiteY4" fmla="*/ 0 h 2132007"/>
+            </a:gdLst>
+            <a:ahLst/>
+            <a:cxnLst>
+              <a:cxn ang="0">
+                <a:pos x="connsiteX0" y="connsiteY0"/>
+              </a:cxn>
+              <a:cxn ang="0">
+                <a:pos x="connsiteX1" y="connsiteY1"/>
+              </a:cxn>
+              <a:cxn ang="0">
+                <a:pos x="connsiteX2" y="connsiteY2"/>
+              </a:cxn>
+              <a:cxn ang="0">
+                <a:pos x="connsiteX3" y="connsiteY3"/>
+              </a:cxn>
+              <a:cxn ang="0">
+                <a:pos x="connsiteX4" y="connsiteY4"/>
+              </a:cxn>
+            </a:cxnLst>
+            <a:rect l="l" t="t" r="r" b="b"/>
+            <a:pathLst>
+              <a:path w="1953094" h="2132007">
+                <a:moveTo>
+                  <a:pt x="0" y="0"/>
+                </a:moveTo>
+                <a:lnTo>
+                  <a:pt x="1953094" y="0"/>
+                </a:lnTo>
+                <a:lnTo>
+                  <a:pt x="1953094" y="2132007"/>
+                </a:lnTo>
+                <a:lnTo>
+                  <a:pt x="0" y="2132007"/>
+                </a:lnTo>
+                <a:lnTo>
+                  <a:pt x="0" y="0"/>
+                </a:lnTo>
+                <a:close/>
+              </a:path>
+            </a:pathLst>
+          </a:custGeom>
+        </p:spPr>
+        <p:style>
+          <a:lnRef idx="2">
+            <a:schemeClr val="accent3">
+              <a:alpha val="90000"/>
+              <a:tint val="40000"/>
+              <a:hueOff val="0"/>
+              <a:satOff val="0"/>
+              <a:lumOff val="0"/>
+              <a:alphaOff val="0"/>
+            </a:schemeClr>
+          </a:lnRef>
+          <a:fillRef idx="1">
+            <a:schemeClr val="accent3">
+              <a:alpha val="90000"/>
+              <a:tint val="40000"/>
+              <a:hueOff val="0"/>
+              <a:satOff val="0"/>
+              <a:lumOff val="0"/>
+              <a:alphaOff val="0"/>
+            </a:schemeClr>
+          </a:fillRef>
+          <a:effectRef idx="0">
+            <a:schemeClr val="accent3">
+              <a:alpha val="90000"/>
+              <a:tint val="40000"/>
+              <a:hueOff val="0"/>
+              <a:satOff val="0"/>
+              <a:lumOff val="0"/>
+              <a:alphaOff val="0"/>
+            </a:schemeClr>
+          </a:effectRef>
+          <a:fontRef idx="minor">
+            <a:schemeClr val="dk1">
+              <a:hueOff val="0"/>
+              <a:satOff val="0"/>
+              <a:lumOff val="0"/>
+              <a:alphaOff val="0"/>
+            </a:schemeClr>
+          </a:fontRef>
+        </p:style>
+        <p:txBody>
+          <a:bodyPr spcFirstLastPara="0" vert="horz" wrap="square" lIns="101346" tIns="101346" rIns="135128" bIns="152019" numCol="1" spcCol="1270" anchor="t" anchorCtr="0">
+            <a:noAutofit/>
+          </a:bodyPr>
+          <a:lstStyle/>
+          <a:p>
+            <a:pPr marL="171450" lvl="1" indent="-171450" algn="l" defTabSz="844550">
+              <a:lnSpc>
+                <a:spcPct val="90000"/>
+              </a:lnSpc>
+              <a:spcBef>
+                <a:spcPct val="0"/>
+              </a:spcBef>
+              <a:spcAft>
+                <a:spcPct val="15000"/>
+              </a:spcAft>
+              <a:buChar char="•"/>
+            </a:pPr>
+            <a:r>
+              <a:rPr lang="en-GB" sz="1900" kern="1200" dirty="0"/>
+              <a:t>COBS (</a:t>
+            </a:r>
+            <a:r>
+              <a:rPr lang="en-GB" sz="2000" b="0" kern="1200" dirty="0"/>
+              <a:t>Consistent Overhead Byte Stuffing</a:t>
+            </a:r>
+            <a:r>
+              <a:rPr lang="en-GB" sz="1900" kern="1200" dirty="0"/>
+              <a:t>)</a:t>
+            </a:r>
+          </a:p>
+          <a:p>
+            <a:pPr marL="171450" lvl="1" indent="-171450" algn="l" defTabSz="844550">
+              <a:lnSpc>
+                <a:spcPct val="90000"/>
+              </a:lnSpc>
+              <a:spcBef>
+                <a:spcPct val="0"/>
+              </a:spcBef>
+              <a:spcAft>
+                <a:spcPct val="15000"/>
+              </a:spcAft>
+              <a:buChar char="•"/>
+            </a:pPr>
+            <a:r>
+              <a:rPr lang="en-GB" sz="1900" kern="1200" dirty="0"/>
+              <a:t>Fletcher’s Checksum</a:t>
+            </a:r>
+          </a:p>
+        </p:txBody>
+      </p:sp>
+      <p:sp>
+        <p:nvSpPr>
+          <p:cNvPr id="10" name="Freihandform: Form 9">
+            <a:extLst>
+              <a:ext uri="{FF2B5EF4-FFF2-40B4-BE49-F238E27FC236}">
+                <a16:creationId xmlns:a16="http://schemas.microsoft.com/office/drawing/2014/main" id="{29EE1883-1840-42EB-A86E-9D07F8737CB3}"/>
+              </a:ext>
+            </a:extLst>
+          </p:cNvPr>
+          <p:cNvSpPr/>
+          <p:nvPr/>
+        </p:nvSpPr>
+        <p:spPr>
+          <a:xfrm>
+            <a:off x="4713479" y="2547530"/>
+            <a:ext cx="1953094" cy="589850"/>
+          </a:xfrm>
+          <a:custGeom>
+            <a:avLst/>
+            <a:gdLst>
+              <a:gd name="connsiteX0" fmla="*/ 0 w 1953094"/>
+              <a:gd name="connsiteY0" fmla="*/ 0 h 589850"/>
+              <a:gd name="connsiteX1" fmla="*/ 1953094 w 1953094"/>
+              <a:gd name="connsiteY1" fmla="*/ 0 h 589850"/>
+              <a:gd name="connsiteX2" fmla="*/ 1953094 w 1953094"/>
+              <a:gd name="connsiteY2" fmla="*/ 589850 h 589850"/>
+              <a:gd name="connsiteX3" fmla="*/ 0 w 1953094"/>
+              <a:gd name="connsiteY3" fmla="*/ 589850 h 589850"/>
+              <a:gd name="connsiteX4" fmla="*/ 0 w 1953094"/>
+              <a:gd name="connsiteY4" fmla="*/ 0 h 589850"/>
+            </a:gdLst>
+            <a:ahLst/>
+            <a:cxnLst>
+              <a:cxn ang="0">
+                <a:pos x="connsiteX0" y="connsiteY0"/>
+              </a:cxn>
+              <a:cxn ang="0">
+                <a:pos x="connsiteX1" y="connsiteY1"/>
+              </a:cxn>
+              <a:cxn ang="0">
+                <a:pos x="connsiteX2" y="connsiteY2"/>
+              </a:cxn>
+              <a:cxn ang="0">
+                <a:pos x="connsiteX3" y="connsiteY3"/>
+              </a:cxn>
+              <a:cxn ang="0">
+                <a:pos x="connsiteX4" y="connsiteY4"/>
+              </a:cxn>
+            </a:cxnLst>
+            <a:rect l="l" t="t" r="r" b="b"/>
+            <a:pathLst>
+              <a:path w="1953094" h="589850">
+                <a:moveTo>
+                  <a:pt x="0" y="0"/>
+                </a:moveTo>
+                <a:lnTo>
+                  <a:pt x="1953094" y="0"/>
+                </a:lnTo>
+                <a:lnTo>
+                  <a:pt x="1953094" y="589850"/>
+                </a:lnTo>
+                <a:lnTo>
+                  <a:pt x="0" y="589850"/>
+                </a:lnTo>
+                <a:lnTo>
+                  <a:pt x="0" y="0"/>
+                </a:lnTo>
+                <a:close/>
+              </a:path>
+            </a:pathLst>
+          </a:custGeom>
+        </p:spPr>
+        <p:style>
+          <a:lnRef idx="2">
+            <a:schemeClr val="accent3">
+              <a:hueOff val="0"/>
+              <a:satOff val="0"/>
+              <a:lumOff val="0"/>
+              <a:alphaOff val="0"/>
+            </a:schemeClr>
+          </a:lnRef>
+          <a:fillRef idx="1">
+            <a:schemeClr val="accent3">
+              <a:hueOff val="0"/>
+              <a:satOff val="0"/>
+              <a:lumOff val="0"/>
+              <a:alphaOff val="0"/>
+            </a:schemeClr>
+          </a:fillRef>
+          <a:effectRef idx="0">
+            <a:schemeClr val="accent3">
+              <a:hueOff val="0"/>
+              <a:satOff val="0"/>
+              <a:lumOff val="0"/>
+              <a:alphaOff val="0"/>
+            </a:schemeClr>
+          </a:effectRef>
+          <a:fontRef idx="minor">
+            <a:schemeClr val="lt1"/>
+          </a:fontRef>
+        </p:style>
+        <p:txBody>
+          <a:bodyPr spcFirstLastPara="0" vert="horz" wrap="square" lIns="120904" tIns="69088" rIns="120904" bIns="69088" numCol="1" spcCol="1270" anchor="ctr" anchorCtr="0">
+            <a:noAutofit/>
+          </a:bodyPr>
+          <a:lstStyle/>
+          <a:p>
+            <a:pPr marL="0" lvl="0" indent="0" algn="ctr" defTabSz="755650">
+              <a:lnSpc>
+                <a:spcPct val="90000"/>
+              </a:lnSpc>
+              <a:spcBef>
+                <a:spcPct val="0"/>
+              </a:spcBef>
+              <a:spcAft>
+                <a:spcPct val="35000"/>
+              </a:spcAft>
+              <a:buNone/>
+            </a:pPr>
+            <a:r>
+              <a:rPr lang="en-GB" sz="1700" kern="1200" dirty="0"/>
+              <a:t>Implementation</a:t>
+            </a:r>
+          </a:p>
+        </p:txBody>
+      </p:sp>
+      <p:sp>
+        <p:nvSpPr>
+          <p:cNvPr id="13" name="Freihandform: Form 12">
+            <a:extLst>
+              <a:ext uri="{FF2B5EF4-FFF2-40B4-BE49-F238E27FC236}">
+                <a16:creationId xmlns:a16="http://schemas.microsoft.com/office/drawing/2014/main" id="{CDB0958E-41EE-4DDC-8591-A01C63C25F91}"/>
+              </a:ext>
+            </a:extLst>
+          </p:cNvPr>
+          <p:cNvSpPr/>
+          <p:nvPr/>
+        </p:nvSpPr>
+        <p:spPr>
+          <a:xfrm>
+            <a:off x="4713479" y="3137381"/>
+            <a:ext cx="1953094" cy="2132007"/>
+          </a:xfrm>
+          <a:custGeom>
+            <a:avLst/>
+            <a:gdLst>
+              <a:gd name="connsiteX0" fmla="*/ 0 w 1953094"/>
+              <a:gd name="connsiteY0" fmla="*/ 0 h 2132007"/>
+              <a:gd name="connsiteX1" fmla="*/ 1953094 w 1953094"/>
+              <a:gd name="connsiteY1" fmla="*/ 0 h 2132007"/>
+              <a:gd name="connsiteX2" fmla="*/ 1953094 w 1953094"/>
+              <a:gd name="connsiteY2" fmla="*/ 2132007 h 2132007"/>
+              <a:gd name="connsiteX3" fmla="*/ 0 w 1953094"/>
+              <a:gd name="connsiteY3" fmla="*/ 2132007 h 2132007"/>
+              <a:gd name="connsiteX4" fmla="*/ 0 w 1953094"/>
+              <a:gd name="connsiteY4" fmla="*/ 0 h 2132007"/>
+            </a:gdLst>
+            <a:ahLst/>
+            <a:cxnLst>
+              <a:cxn ang="0">
+                <a:pos x="connsiteX0" y="connsiteY0"/>
+              </a:cxn>
+              <a:cxn ang="0">
+                <a:pos x="connsiteX1" y="connsiteY1"/>
+              </a:cxn>
+              <a:cxn ang="0">
+                <a:pos x="connsiteX2" y="connsiteY2"/>
+              </a:cxn>
+              <a:cxn ang="0">
+                <a:pos x="connsiteX3" y="connsiteY3"/>
+              </a:cxn>
+              <a:cxn ang="0">
+                <a:pos x="connsiteX4" y="connsiteY4"/>
+              </a:cxn>
+            </a:cxnLst>
+            <a:rect l="l" t="t" r="r" b="b"/>
+            <a:pathLst>
+              <a:path w="1953094" h="2132007">
+                <a:moveTo>
+                  <a:pt x="0" y="0"/>
+                </a:moveTo>
+                <a:lnTo>
+                  <a:pt x="1953094" y="0"/>
+                </a:lnTo>
+                <a:lnTo>
+                  <a:pt x="1953094" y="2132007"/>
+                </a:lnTo>
+                <a:lnTo>
+                  <a:pt x="0" y="2132007"/>
+                </a:lnTo>
+                <a:lnTo>
+                  <a:pt x="0" y="0"/>
+                </a:lnTo>
+                <a:close/>
+              </a:path>
+            </a:pathLst>
+          </a:custGeom>
+        </p:spPr>
+        <p:style>
+          <a:lnRef idx="2">
+            <a:schemeClr val="accent3">
+              <a:alpha val="90000"/>
+              <a:tint val="40000"/>
+              <a:hueOff val="0"/>
+              <a:satOff val="0"/>
+              <a:lumOff val="0"/>
+              <a:alphaOff val="0"/>
+            </a:schemeClr>
+          </a:lnRef>
+          <a:fillRef idx="1">
+            <a:schemeClr val="accent3">
+              <a:alpha val="90000"/>
+              <a:tint val="40000"/>
+              <a:hueOff val="0"/>
+              <a:satOff val="0"/>
+              <a:lumOff val="0"/>
+              <a:alphaOff val="0"/>
+            </a:schemeClr>
+          </a:fillRef>
+          <a:effectRef idx="0">
+            <a:schemeClr val="accent3">
+              <a:alpha val="90000"/>
+              <a:tint val="40000"/>
+              <a:hueOff val="0"/>
+              <a:satOff val="0"/>
+              <a:lumOff val="0"/>
+              <a:alphaOff val="0"/>
+            </a:schemeClr>
+          </a:effectRef>
+          <a:fontRef idx="minor">
+            <a:schemeClr val="dk1">
+              <a:hueOff val="0"/>
+              <a:satOff val="0"/>
+              <a:lumOff val="0"/>
+              <a:alphaOff val="0"/>
+            </a:schemeClr>
+          </a:fontRef>
+        </p:style>
+        <p:txBody>
+          <a:bodyPr spcFirstLastPara="0" vert="horz" wrap="square" lIns="90678" tIns="90678" rIns="120904" bIns="136017" numCol="1" spcCol="1270" anchor="t" anchorCtr="0">
+            <a:noAutofit/>
+          </a:bodyPr>
+          <a:lstStyle/>
+          <a:p>
+            <a:pPr marL="171450" lvl="1" indent="-171450" algn="l" defTabSz="755650">
+              <a:lnSpc>
+                <a:spcPct val="90000"/>
+              </a:lnSpc>
+              <a:spcBef>
+                <a:spcPct val="0"/>
+              </a:spcBef>
+              <a:spcAft>
+                <a:spcPct val="15000"/>
+              </a:spcAft>
+              <a:buChar char="•"/>
+            </a:pPr>
+            <a:r>
+              <a:rPr lang="en-GB" sz="1700" kern="1200" dirty="0"/>
+              <a:t>Different implementation on both microcontrollers</a:t>
+            </a:r>
+          </a:p>
+          <a:p>
+            <a:pPr marL="171450" lvl="1" indent="-171450" algn="l" defTabSz="755650">
+              <a:lnSpc>
+                <a:spcPct val="90000"/>
+              </a:lnSpc>
+              <a:spcBef>
+                <a:spcPct val="0"/>
+              </a:spcBef>
+              <a:spcAft>
+                <a:spcPct val="15000"/>
+              </a:spcAft>
+              <a:buChar char="•"/>
+            </a:pPr>
+            <a:r>
+              <a:rPr lang="en-GB" sz="1700" kern="1200" dirty="0"/>
+              <a:t>SPI drivers</a:t>
+            </a:r>
+          </a:p>
+          <a:p>
+            <a:pPr marL="171450" lvl="1" indent="-171450" algn="l" defTabSz="755650">
+              <a:lnSpc>
+                <a:spcPct val="90000"/>
+              </a:lnSpc>
+              <a:spcBef>
+                <a:spcPct val="0"/>
+              </a:spcBef>
+              <a:spcAft>
+                <a:spcPct val="15000"/>
+              </a:spcAft>
+              <a:buChar char="•"/>
+            </a:pPr>
+            <a:r>
+              <a:rPr lang="en-GB" sz="1700" kern="1200" dirty="0"/>
+              <a:t>Easy access by a struct</a:t>
+            </a:r>
+          </a:p>
+          <a:p>
+            <a:pPr marL="171450" lvl="1" indent="-171450" algn="l" defTabSz="755650">
+              <a:lnSpc>
+                <a:spcPct val="90000"/>
+              </a:lnSpc>
+              <a:spcBef>
+                <a:spcPct val="0"/>
+              </a:spcBef>
+              <a:spcAft>
+                <a:spcPct val="15000"/>
+              </a:spcAft>
+              <a:buChar char="•"/>
+            </a:pPr>
+            <a:endParaRPr lang="en-GB" sz="1700" kern="1200" dirty="0"/>
+          </a:p>
+        </p:txBody>
+      </p:sp>
+      <p:sp>
+        <p:nvSpPr>
+          <p:cNvPr id="14" name="Freihandform: Form 13">
+            <a:extLst>
+              <a:ext uri="{FF2B5EF4-FFF2-40B4-BE49-F238E27FC236}">
+                <a16:creationId xmlns:a16="http://schemas.microsoft.com/office/drawing/2014/main" id="{82F30EAF-3D12-41E6-BD71-9881F61B70A6}"/>
+              </a:ext>
+            </a:extLst>
+          </p:cNvPr>
+          <p:cNvSpPr/>
+          <p:nvPr/>
+        </p:nvSpPr>
+        <p:spPr>
+          <a:xfrm>
+            <a:off x="6940007" y="2547530"/>
+            <a:ext cx="1953094" cy="589850"/>
+          </a:xfrm>
+          <a:custGeom>
+            <a:avLst/>
+            <a:gdLst>
+              <a:gd name="connsiteX0" fmla="*/ 0 w 1953094"/>
+              <a:gd name="connsiteY0" fmla="*/ 0 h 589850"/>
+              <a:gd name="connsiteX1" fmla="*/ 1953094 w 1953094"/>
+              <a:gd name="connsiteY1" fmla="*/ 0 h 589850"/>
+              <a:gd name="connsiteX2" fmla="*/ 1953094 w 1953094"/>
+              <a:gd name="connsiteY2" fmla="*/ 589850 h 589850"/>
+              <a:gd name="connsiteX3" fmla="*/ 0 w 1953094"/>
+              <a:gd name="connsiteY3" fmla="*/ 589850 h 589850"/>
+              <a:gd name="connsiteX4" fmla="*/ 0 w 1953094"/>
+              <a:gd name="connsiteY4" fmla="*/ 0 h 589850"/>
+            </a:gdLst>
+            <a:ahLst/>
+            <a:cxnLst>
+              <a:cxn ang="0">
+                <a:pos x="connsiteX0" y="connsiteY0"/>
+              </a:cxn>
+              <a:cxn ang="0">
+                <a:pos x="connsiteX1" y="connsiteY1"/>
+              </a:cxn>
+              <a:cxn ang="0">
+                <a:pos x="connsiteX2" y="connsiteY2"/>
+              </a:cxn>
+              <a:cxn ang="0">
+                <a:pos x="connsiteX3" y="connsiteY3"/>
+              </a:cxn>
+              <a:cxn ang="0">
+                <a:pos x="connsiteX4" y="connsiteY4"/>
+              </a:cxn>
+            </a:cxnLst>
+            <a:rect l="l" t="t" r="r" b="b"/>
+            <a:pathLst>
+              <a:path w="1953094" h="589850">
+                <a:moveTo>
+                  <a:pt x="0" y="0"/>
+                </a:moveTo>
+                <a:lnTo>
+                  <a:pt x="1953094" y="0"/>
+                </a:lnTo>
+                <a:lnTo>
+                  <a:pt x="1953094" y="589850"/>
+                </a:lnTo>
+                <a:lnTo>
+                  <a:pt x="0" y="589850"/>
+                </a:lnTo>
+                <a:lnTo>
+                  <a:pt x="0" y="0"/>
+                </a:lnTo>
+                <a:close/>
+              </a:path>
+            </a:pathLst>
+          </a:custGeom>
+        </p:spPr>
+        <p:style>
+          <a:lnRef idx="2">
+            <a:schemeClr val="accent3">
+              <a:hueOff val="0"/>
+              <a:satOff val="0"/>
+              <a:lumOff val="0"/>
+              <a:alphaOff val="0"/>
+            </a:schemeClr>
+          </a:lnRef>
+          <a:fillRef idx="1">
+            <a:schemeClr val="accent3">
+              <a:hueOff val="0"/>
+              <a:satOff val="0"/>
+              <a:lumOff val="0"/>
+              <a:alphaOff val="0"/>
+            </a:schemeClr>
+          </a:fillRef>
+          <a:effectRef idx="0">
+            <a:schemeClr val="accent3">
+              <a:hueOff val="0"/>
+              <a:satOff val="0"/>
+              <a:lumOff val="0"/>
+              <a:alphaOff val="0"/>
+            </a:schemeClr>
+          </a:effectRef>
+          <a:fontRef idx="minor">
+            <a:schemeClr val="lt1"/>
+          </a:fontRef>
+        </p:style>
+        <p:txBody>
+          <a:bodyPr spcFirstLastPara="0" vert="horz" wrap="square" lIns="120904" tIns="69088" rIns="120904" bIns="69088" numCol="1" spcCol="1270" anchor="ctr" anchorCtr="0">
+            <a:noAutofit/>
+          </a:bodyPr>
+          <a:lstStyle/>
+          <a:p>
+            <a:pPr marL="0" lvl="0" indent="0" algn="ctr" defTabSz="755650">
+              <a:lnSpc>
+                <a:spcPct val="90000"/>
+              </a:lnSpc>
+              <a:spcBef>
+                <a:spcPct val="0"/>
+              </a:spcBef>
+              <a:spcAft>
+                <a:spcPct val="35000"/>
+              </a:spcAft>
+              <a:buNone/>
+            </a:pPr>
+            <a:r>
+              <a:rPr lang="en-GB" sz="1700" kern="1200" dirty="0"/>
+              <a:t>Testing</a:t>
+            </a:r>
+          </a:p>
+        </p:txBody>
+      </p:sp>
+      <p:sp>
+        <p:nvSpPr>
+          <p:cNvPr id="15" name="Freihandform: Form 14">
+            <a:extLst>
+              <a:ext uri="{FF2B5EF4-FFF2-40B4-BE49-F238E27FC236}">
+                <a16:creationId xmlns:a16="http://schemas.microsoft.com/office/drawing/2014/main" id="{088090CD-759B-4B10-8BE5-5969D84EA41A}"/>
+              </a:ext>
+            </a:extLst>
+          </p:cNvPr>
+          <p:cNvSpPr/>
+          <p:nvPr/>
+        </p:nvSpPr>
+        <p:spPr>
+          <a:xfrm>
+            <a:off x="6940007" y="3137381"/>
+            <a:ext cx="1953094" cy="2132007"/>
+          </a:xfrm>
+          <a:custGeom>
+            <a:avLst/>
+            <a:gdLst>
+              <a:gd name="connsiteX0" fmla="*/ 0 w 1953094"/>
+              <a:gd name="connsiteY0" fmla="*/ 0 h 2132007"/>
+              <a:gd name="connsiteX1" fmla="*/ 1953094 w 1953094"/>
+              <a:gd name="connsiteY1" fmla="*/ 0 h 2132007"/>
+              <a:gd name="connsiteX2" fmla="*/ 1953094 w 1953094"/>
+              <a:gd name="connsiteY2" fmla="*/ 2132007 h 2132007"/>
+              <a:gd name="connsiteX3" fmla="*/ 0 w 1953094"/>
+              <a:gd name="connsiteY3" fmla="*/ 2132007 h 2132007"/>
+              <a:gd name="connsiteX4" fmla="*/ 0 w 1953094"/>
+              <a:gd name="connsiteY4" fmla="*/ 0 h 2132007"/>
+            </a:gdLst>
+            <a:ahLst/>
+            <a:cxnLst>
+              <a:cxn ang="0">
+                <a:pos x="connsiteX0" y="connsiteY0"/>
+              </a:cxn>
+              <a:cxn ang="0">
+                <a:pos x="connsiteX1" y="connsiteY1"/>
+              </a:cxn>
+              <a:cxn ang="0">
+                <a:pos x="connsiteX2" y="connsiteY2"/>
+              </a:cxn>
+              <a:cxn ang="0">
+                <a:pos x="connsiteX3" y="connsiteY3"/>
+              </a:cxn>
+              <a:cxn ang="0">
+                <a:pos x="connsiteX4" y="connsiteY4"/>
+              </a:cxn>
+            </a:cxnLst>
+            <a:rect l="l" t="t" r="r" b="b"/>
+            <a:pathLst>
+              <a:path w="1953094" h="2132007">
+                <a:moveTo>
+                  <a:pt x="0" y="0"/>
+                </a:moveTo>
+                <a:lnTo>
+                  <a:pt x="1953094" y="0"/>
+                </a:lnTo>
+                <a:lnTo>
+                  <a:pt x="1953094" y="2132007"/>
+                </a:lnTo>
+                <a:lnTo>
+                  <a:pt x="0" y="2132007"/>
+                </a:lnTo>
+                <a:lnTo>
+                  <a:pt x="0" y="0"/>
+                </a:lnTo>
+                <a:close/>
+              </a:path>
+            </a:pathLst>
+          </a:custGeom>
+        </p:spPr>
+        <p:style>
+          <a:lnRef idx="2">
+            <a:schemeClr val="accent3">
+              <a:alpha val="90000"/>
+              <a:tint val="40000"/>
+              <a:hueOff val="0"/>
+              <a:satOff val="0"/>
+              <a:lumOff val="0"/>
+              <a:alphaOff val="0"/>
+            </a:schemeClr>
+          </a:lnRef>
+          <a:fillRef idx="1">
+            <a:schemeClr val="accent3">
+              <a:alpha val="90000"/>
+              <a:tint val="40000"/>
+              <a:hueOff val="0"/>
+              <a:satOff val="0"/>
+              <a:lumOff val="0"/>
+              <a:alphaOff val="0"/>
+            </a:schemeClr>
+          </a:fillRef>
+          <a:effectRef idx="0">
+            <a:schemeClr val="accent3">
+              <a:alpha val="90000"/>
+              <a:tint val="40000"/>
+              <a:hueOff val="0"/>
+              <a:satOff val="0"/>
+              <a:lumOff val="0"/>
+              <a:alphaOff val="0"/>
+            </a:schemeClr>
+          </a:effectRef>
+          <a:fontRef idx="minor">
+            <a:schemeClr val="dk1">
+              <a:hueOff val="0"/>
+              <a:satOff val="0"/>
+              <a:lumOff val="0"/>
+              <a:alphaOff val="0"/>
+            </a:schemeClr>
+          </a:fontRef>
+        </p:style>
+        <p:txBody>
+          <a:bodyPr spcFirstLastPara="0" vert="horz" wrap="square" lIns="106680" tIns="106680" rIns="142240" bIns="160020" numCol="1" spcCol="1270" anchor="t" anchorCtr="0">
+            <a:noAutofit/>
+          </a:bodyPr>
+          <a:lstStyle/>
+          <a:p>
+            <a:pPr marL="228600" lvl="1" indent="-228600" algn="l" defTabSz="889000">
+              <a:lnSpc>
+                <a:spcPct val="90000"/>
+              </a:lnSpc>
+              <a:spcBef>
+                <a:spcPct val="0"/>
+              </a:spcBef>
+              <a:spcAft>
+                <a:spcPct val="15000"/>
+              </a:spcAft>
+              <a:buChar char="•"/>
+            </a:pPr>
+            <a:r>
+              <a:rPr lang="en-GB" sz="2000" kern="1200" dirty="0"/>
+              <a:t>Performance</a:t>
+            </a:r>
+          </a:p>
+          <a:p>
+            <a:pPr marL="228600" lvl="1" indent="-228600" algn="l" defTabSz="889000">
+              <a:lnSpc>
+                <a:spcPct val="90000"/>
+              </a:lnSpc>
+              <a:spcBef>
+                <a:spcPct val="0"/>
+              </a:spcBef>
+              <a:spcAft>
+                <a:spcPct val="15000"/>
+              </a:spcAft>
+              <a:buChar char="•"/>
+            </a:pPr>
+            <a:r>
+              <a:rPr lang="en-GB" sz="2000" kern="1200" dirty="0"/>
+              <a:t>Robustness</a:t>
+            </a:r>
+          </a:p>
+        </p:txBody>
+      </p:sp>
       <p:cxnSp>
         <p:nvCxnSpPr>
           <p:cNvPr id="6" name="Verbinder: gekrümmt 5">
@@ -17805,8 +15315,644 @@
       <p:par>
         <p:cTn id="1" dur="indefinite" restart="never" nodeType="tmRoot">
           <p:childTnLst>
-            <p:seq>
-              <p:cTn id="2" nodeType="mainSeq"/>
+            <p:seq concurrent="1" nextAc="seek">
+              <p:cTn id="2" dur="indefinite" nodeType="mainSeq">
+                <p:childTnLst>
+                  <p:par>
+                    <p:cTn id="3" fill="hold">
+                      <p:stCondLst>
+                        <p:cond delay="indefinite"/>
+                        <p:cond evt="onBegin" delay="0">
+                          <p:tn val="2"/>
+                        </p:cond>
+                      </p:stCondLst>
+                      <p:childTnLst>
+                        <p:par>
+                          <p:cTn id="4" fill="hold">
+                            <p:stCondLst>
+                              <p:cond delay="0"/>
+                            </p:stCondLst>
+                            <p:childTnLst>
+                              <p:par>
+                                <p:cTn id="5" presetID="9" presetClass="emph" presetSubtype="0" grpId="0" nodeType="withEffect">
+                                  <p:stCondLst>
+                                    <p:cond delay="0"/>
+                                  </p:stCondLst>
+                                  <p:childTnLst>
+                                    <p:set>
+                                      <p:cBhvr>
+                                        <p:cTn id="6" dur="indefinite"/>
+                                        <p:tgtEl>
+                                          <p:spTgt spid="7"/>
+                                        </p:tgtEl>
+                                        <p:attrNameLst>
+                                          <p:attrName>style.opacity</p:attrName>
+                                        </p:attrNameLst>
+                                      </p:cBhvr>
+                                      <p:to>
+                                        <p:strVal val="0.25"/>
+                                      </p:to>
+                                    </p:set>
+                                    <p:animEffect filter="image" prLst="opacity: 0.25">
+                                      <p:cBhvr rctx="IE">
+                                        <p:cTn id="7" dur="indefinite"/>
+                                        <p:tgtEl>
+                                          <p:spTgt spid="7"/>
+                                        </p:tgtEl>
+                                      </p:cBhvr>
+                                    </p:animEffect>
+                                  </p:childTnLst>
+                                </p:cTn>
+                              </p:par>
+                              <p:par>
+                                <p:cTn id="8" presetID="9" presetClass="emph" presetSubtype="0" grpId="0" nodeType="withEffect">
+                                  <p:stCondLst>
+                                    <p:cond delay="0"/>
+                                  </p:stCondLst>
+                                  <p:childTnLst>
+                                    <p:set>
+                                      <p:cBhvr>
+                                        <p:cTn id="9" dur="indefinite"/>
+                                        <p:tgtEl>
+                                          <p:spTgt spid="8"/>
+                                        </p:tgtEl>
+                                        <p:attrNameLst>
+                                          <p:attrName>style.opacity</p:attrName>
+                                        </p:attrNameLst>
+                                      </p:cBhvr>
+                                      <p:to>
+                                        <p:strVal val="0.25"/>
+                                      </p:to>
+                                    </p:set>
+                                    <p:animEffect filter="image" prLst="opacity: 0.25">
+                                      <p:cBhvr rctx="IE">
+                                        <p:cTn id="10" dur="indefinite"/>
+                                        <p:tgtEl>
+                                          <p:spTgt spid="8"/>
+                                        </p:tgtEl>
+                                      </p:cBhvr>
+                                    </p:animEffect>
+                                  </p:childTnLst>
+                                </p:cTn>
+                              </p:par>
+                              <p:par>
+                                <p:cTn id="11" presetID="9" presetClass="emph" presetSubtype="0" grpId="0" nodeType="withEffect">
+                                  <p:stCondLst>
+                                    <p:cond delay="0"/>
+                                  </p:stCondLst>
+                                  <p:childTnLst>
+                                    <p:set>
+                                      <p:cBhvr>
+                                        <p:cTn id="12" dur="indefinite"/>
+                                        <p:tgtEl>
+                                          <p:spTgt spid="10"/>
+                                        </p:tgtEl>
+                                        <p:attrNameLst>
+                                          <p:attrName>style.opacity</p:attrName>
+                                        </p:attrNameLst>
+                                      </p:cBhvr>
+                                      <p:to>
+                                        <p:strVal val="0.25"/>
+                                      </p:to>
+                                    </p:set>
+                                    <p:animEffect filter="image" prLst="opacity: 0.25">
+                                      <p:cBhvr rctx="IE">
+                                        <p:cTn id="13" dur="indefinite"/>
+                                        <p:tgtEl>
+                                          <p:spTgt spid="10"/>
+                                        </p:tgtEl>
+                                      </p:cBhvr>
+                                    </p:animEffect>
+                                  </p:childTnLst>
+                                </p:cTn>
+                              </p:par>
+                              <p:par>
+                                <p:cTn id="14" presetID="9" presetClass="emph" presetSubtype="0" grpId="0" nodeType="withEffect">
+                                  <p:stCondLst>
+                                    <p:cond delay="0"/>
+                                  </p:stCondLst>
+                                  <p:childTnLst>
+                                    <p:set>
+                                      <p:cBhvr>
+                                        <p:cTn id="15" dur="indefinite"/>
+                                        <p:tgtEl>
+                                          <p:spTgt spid="13"/>
+                                        </p:tgtEl>
+                                        <p:attrNameLst>
+                                          <p:attrName>style.opacity</p:attrName>
+                                        </p:attrNameLst>
+                                      </p:cBhvr>
+                                      <p:to>
+                                        <p:strVal val="0.25"/>
+                                      </p:to>
+                                    </p:set>
+                                    <p:animEffect filter="image" prLst="opacity: 0.25">
+                                      <p:cBhvr rctx="IE">
+                                        <p:cTn id="16" dur="indefinite"/>
+                                        <p:tgtEl>
+                                          <p:spTgt spid="13"/>
+                                        </p:tgtEl>
+                                      </p:cBhvr>
+                                    </p:animEffect>
+                                  </p:childTnLst>
+                                </p:cTn>
+                              </p:par>
+                              <p:par>
+                                <p:cTn id="17" presetID="9" presetClass="emph" presetSubtype="0" grpId="0" nodeType="withEffect">
+                                  <p:stCondLst>
+                                    <p:cond delay="0"/>
+                                  </p:stCondLst>
+                                  <p:childTnLst>
+                                    <p:set>
+                                      <p:cBhvr>
+                                        <p:cTn id="18" dur="indefinite"/>
+                                        <p:tgtEl>
+                                          <p:spTgt spid="14"/>
+                                        </p:tgtEl>
+                                        <p:attrNameLst>
+                                          <p:attrName>style.opacity</p:attrName>
+                                        </p:attrNameLst>
+                                      </p:cBhvr>
+                                      <p:to>
+                                        <p:strVal val="0.25"/>
+                                      </p:to>
+                                    </p:set>
+                                    <p:animEffect filter="image" prLst="opacity: 0.25">
+                                      <p:cBhvr rctx="IE">
+                                        <p:cTn id="19" dur="indefinite"/>
+                                        <p:tgtEl>
+                                          <p:spTgt spid="14"/>
+                                        </p:tgtEl>
+                                      </p:cBhvr>
+                                    </p:animEffect>
+                                  </p:childTnLst>
+                                </p:cTn>
+                              </p:par>
+                              <p:par>
+                                <p:cTn id="20" presetID="9" presetClass="emph" presetSubtype="0" grpId="0" nodeType="withEffect">
+                                  <p:stCondLst>
+                                    <p:cond delay="0"/>
+                                  </p:stCondLst>
+                                  <p:childTnLst>
+                                    <p:set>
+                                      <p:cBhvr>
+                                        <p:cTn id="21" dur="indefinite"/>
+                                        <p:tgtEl>
+                                          <p:spTgt spid="15"/>
+                                        </p:tgtEl>
+                                        <p:attrNameLst>
+                                          <p:attrName>style.opacity</p:attrName>
+                                        </p:attrNameLst>
+                                      </p:cBhvr>
+                                      <p:to>
+                                        <p:strVal val="0.25"/>
+                                      </p:to>
+                                    </p:set>
+                                    <p:animEffect filter="image" prLst="opacity: 0.25">
+                                      <p:cBhvr rctx="IE">
+                                        <p:cTn id="22" dur="indefinite"/>
+                                        <p:tgtEl>
+                                          <p:spTgt spid="15"/>
+                                        </p:tgtEl>
+                                      </p:cBhvr>
+                                    </p:animEffect>
+                                  </p:childTnLst>
+                                </p:cTn>
+                              </p:par>
+                              <p:par>
+                                <p:cTn id="23" presetID="9" presetClass="emph" presetSubtype="0" nodeType="withEffect">
+                                  <p:stCondLst>
+                                    <p:cond delay="0"/>
+                                  </p:stCondLst>
+                                  <p:childTnLst>
+                                    <p:set>
+                                      <p:cBhvr>
+                                        <p:cTn id="24" dur="indefinite"/>
+                                        <p:tgtEl>
+                                          <p:spTgt spid="6"/>
+                                        </p:tgtEl>
+                                        <p:attrNameLst>
+                                          <p:attrName>style.opacity</p:attrName>
+                                        </p:attrNameLst>
+                                      </p:cBhvr>
+                                      <p:to>
+                                        <p:strVal val="0.25"/>
+                                      </p:to>
+                                    </p:set>
+                                    <p:animEffect filter="image" prLst="opacity: 0.25">
+                                      <p:cBhvr rctx="IE">
+                                        <p:cTn id="25" dur="indefinite"/>
+                                        <p:tgtEl>
+                                          <p:spTgt spid="6"/>
+                                        </p:tgtEl>
+                                      </p:cBhvr>
+                                    </p:animEffect>
+                                  </p:childTnLst>
+                                </p:cTn>
+                              </p:par>
+                              <p:par>
+                                <p:cTn id="26" presetID="9" presetClass="emph" presetSubtype="0" nodeType="withEffect">
+                                  <p:stCondLst>
+                                    <p:cond delay="0"/>
+                                  </p:stCondLst>
+                                  <p:childTnLst>
+                                    <p:set>
+                                      <p:cBhvr>
+                                        <p:cTn id="27" dur="indefinite"/>
+                                        <p:tgtEl>
+                                          <p:spTgt spid="11"/>
+                                        </p:tgtEl>
+                                        <p:attrNameLst>
+                                          <p:attrName>style.opacity</p:attrName>
+                                        </p:attrNameLst>
+                                      </p:cBhvr>
+                                      <p:to>
+                                        <p:strVal val="0.25"/>
+                                      </p:to>
+                                    </p:set>
+                                    <p:animEffect filter="image" prLst="opacity: 0.25">
+                                      <p:cBhvr rctx="IE">
+                                        <p:cTn id="28" dur="indefinite"/>
+                                        <p:tgtEl>
+                                          <p:spTgt spid="11"/>
+                                        </p:tgtEl>
+                                      </p:cBhvr>
+                                    </p:animEffect>
+                                  </p:childTnLst>
+                                </p:cTn>
+                              </p:par>
+                              <p:par>
+                                <p:cTn id="29" presetID="9" presetClass="emph" presetSubtype="0" nodeType="withEffect">
+                                  <p:stCondLst>
+                                    <p:cond delay="0"/>
+                                  </p:stCondLst>
+                                  <p:childTnLst>
+                                    <p:set>
+                                      <p:cBhvr>
+                                        <p:cTn id="30" dur="indefinite"/>
+                                        <p:tgtEl>
+                                          <p:spTgt spid="12"/>
+                                        </p:tgtEl>
+                                        <p:attrNameLst>
+                                          <p:attrName>style.opacity</p:attrName>
+                                        </p:attrNameLst>
+                                      </p:cBhvr>
+                                      <p:to>
+                                        <p:strVal val="0.25"/>
+                                      </p:to>
+                                    </p:set>
+                                    <p:animEffect filter="image" prLst="opacity: 0.25">
+                                      <p:cBhvr rctx="IE">
+                                        <p:cTn id="31" dur="indefinite"/>
+                                        <p:tgtEl>
+                                          <p:spTgt spid="12"/>
+                                        </p:tgtEl>
+                                      </p:cBhvr>
+                                    </p:animEffect>
+                                  </p:childTnLst>
+                                </p:cTn>
+                              </p:par>
+                            </p:childTnLst>
+                          </p:cTn>
+                        </p:par>
+                      </p:childTnLst>
+                    </p:cTn>
+                  </p:par>
+                  <p:par>
+                    <p:cTn id="32" fill="hold">
+                      <p:stCondLst>
+                        <p:cond delay="indefinite"/>
+                      </p:stCondLst>
+                      <p:childTnLst>
+                        <p:par>
+                          <p:cTn id="33" fill="hold">
+                            <p:stCondLst>
+                              <p:cond delay="0"/>
+                            </p:stCondLst>
+                            <p:childTnLst>
+                              <p:par>
+                                <p:cTn id="34" presetID="9" presetClass="emph" presetSubtype="0" grpId="1" nodeType="clickEffect">
+                                  <p:stCondLst>
+                                    <p:cond delay="0"/>
+                                  </p:stCondLst>
+                                  <p:childTnLst>
+                                    <p:set>
+                                      <p:cBhvr>
+                                        <p:cTn id="35" dur="indefinite"/>
+                                        <p:tgtEl>
+                                          <p:spTgt spid="7"/>
+                                        </p:tgtEl>
+                                        <p:attrNameLst>
+                                          <p:attrName>style.opacity</p:attrName>
+                                        </p:attrNameLst>
+                                      </p:cBhvr>
+                                      <p:to>
+                                        <p:strVal val="1"/>
+                                      </p:to>
+                                    </p:set>
+                                    <p:animEffect filter="image" prLst="opacity: 1">
+                                      <p:cBhvr rctx="IE">
+                                        <p:cTn id="36" dur="indefinite"/>
+                                        <p:tgtEl>
+                                          <p:spTgt spid="7"/>
+                                        </p:tgtEl>
+                                      </p:cBhvr>
+                                    </p:animEffect>
+                                  </p:childTnLst>
+                                </p:cTn>
+                              </p:par>
+                              <p:par>
+                                <p:cTn id="37" presetID="9" presetClass="emph" presetSubtype="0" grpId="1" nodeType="withEffect">
+                                  <p:stCondLst>
+                                    <p:cond delay="0"/>
+                                  </p:stCondLst>
+                                  <p:childTnLst>
+                                    <p:set>
+                                      <p:cBhvr>
+                                        <p:cTn id="38" dur="indefinite"/>
+                                        <p:tgtEl>
+                                          <p:spTgt spid="8"/>
+                                        </p:tgtEl>
+                                        <p:attrNameLst>
+                                          <p:attrName>style.opacity</p:attrName>
+                                        </p:attrNameLst>
+                                      </p:cBhvr>
+                                      <p:to>
+                                        <p:strVal val="1"/>
+                                      </p:to>
+                                    </p:set>
+                                    <p:animEffect filter="image" prLst="opacity: 1">
+                                      <p:cBhvr rctx="IE">
+                                        <p:cTn id="39" dur="indefinite"/>
+                                        <p:tgtEl>
+                                          <p:spTgt spid="8"/>
+                                        </p:tgtEl>
+                                      </p:cBhvr>
+                                    </p:animEffect>
+                                  </p:childTnLst>
+                                </p:cTn>
+                              </p:par>
+                              <p:par>
+                                <p:cTn id="40" presetID="9" presetClass="emph" presetSubtype="0" nodeType="withEffect">
+                                  <p:stCondLst>
+                                    <p:cond delay="0"/>
+                                  </p:stCondLst>
+                                  <p:childTnLst>
+                                    <p:set>
+                                      <p:cBhvr>
+                                        <p:cTn id="41" dur="indefinite"/>
+                                        <p:tgtEl>
+                                          <p:spTgt spid="6"/>
+                                        </p:tgtEl>
+                                        <p:attrNameLst>
+                                          <p:attrName>style.opacity</p:attrName>
+                                        </p:attrNameLst>
+                                      </p:cBhvr>
+                                      <p:to>
+                                        <p:strVal val="1"/>
+                                      </p:to>
+                                    </p:set>
+                                    <p:animEffect filter="image" prLst="opacity: 1">
+                                      <p:cBhvr rctx="IE">
+                                        <p:cTn id="42" dur="indefinite"/>
+                                        <p:tgtEl>
+                                          <p:spTgt spid="6"/>
+                                        </p:tgtEl>
+                                      </p:cBhvr>
+                                    </p:animEffect>
+                                  </p:childTnLst>
+                                </p:cTn>
+                              </p:par>
+                            </p:childTnLst>
+                          </p:cTn>
+                        </p:par>
+                      </p:childTnLst>
+                    </p:cTn>
+                  </p:par>
+                  <p:par>
+                    <p:cTn id="43" fill="hold">
+                      <p:stCondLst>
+                        <p:cond delay="indefinite"/>
+                      </p:stCondLst>
+                      <p:childTnLst>
+                        <p:par>
+                          <p:cTn id="44" fill="hold">
+                            <p:stCondLst>
+                              <p:cond delay="0"/>
+                            </p:stCondLst>
+                            <p:childTnLst>
+                              <p:par>
+                                <p:cTn id="45" presetID="9" presetClass="emph" presetSubtype="0" grpId="1" nodeType="clickEffect">
+                                  <p:stCondLst>
+                                    <p:cond delay="0"/>
+                                  </p:stCondLst>
+                                  <p:childTnLst>
+                                    <p:set>
+                                      <p:cBhvr>
+                                        <p:cTn id="46" dur="indefinite"/>
+                                        <p:tgtEl>
+                                          <p:spTgt spid="10"/>
+                                        </p:tgtEl>
+                                        <p:attrNameLst>
+                                          <p:attrName>style.opacity</p:attrName>
+                                        </p:attrNameLst>
+                                      </p:cBhvr>
+                                      <p:to>
+                                        <p:strVal val="1"/>
+                                      </p:to>
+                                    </p:set>
+                                    <p:animEffect filter="image" prLst="opacity: 1">
+                                      <p:cBhvr rctx="IE">
+                                        <p:cTn id="47" dur="indefinite"/>
+                                        <p:tgtEl>
+                                          <p:spTgt spid="10"/>
+                                        </p:tgtEl>
+                                      </p:cBhvr>
+                                    </p:animEffect>
+                                  </p:childTnLst>
+                                </p:cTn>
+                              </p:par>
+                              <p:par>
+                                <p:cTn id="48" presetID="9" presetClass="emph" presetSubtype="0" grpId="1" nodeType="withEffect">
+                                  <p:stCondLst>
+                                    <p:cond delay="0"/>
+                                  </p:stCondLst>
+                                  <p:childTnLst>
+                                    <p:set>
+                                      <p:cBhvr>
+                                        <p:cTn id="49" dur="indefinite"/>
+                                        <p:tgtEl>
+                                          <p:spTgt spid="13"/>
+                                        </p:tgtEl>
+                                        <p:attrNameLst>
+                                          <p:attrName>style.opacity</p:attrName>
+                                        </p:attrNameLst>
+                                      </p:cBhvr>
+                                      <p:to>
+                                        <p:strVal val="1"/>
+                                      </p:to>
+                                    </p:set>
+                                    <p:animEffect filter="image" prLst="opacity: 1">
+                                      <p:cBhvr rctx="IE">
+                                        <p:cTn id="50" dur="indefinite"/>
+                                        <p:tgtEl>
+                                          <p:spTgt spid="13"/>
+                                        </p:tgtEl>
+                                      </p:cBhvr>
+                                    </p:animEffect>
+                                  </p:childTnLst>
+                                </p:cTn>
+                              </p:par>
+                              <p:par>
+                                <p:cTn id="51" presetID="9" presetClass="emph" presetSubtype="0" nodeType="withEffect">
+                                  <p:stCondLst>
+                                    <p:cond delay="0"/>
+                                  </p:stCondLst>
+                                  <p:childTnLst>
+                                    <p:set>
+                                      <p:cBhvr>
+                                        <p:cTn id="52" dur="indefinite"/>
+                                        <p:tgtEl>
+                                          <p:spTgt spid="11"/>
+                                        </p:tgtEl>
+                                        <p:attrNameLst>
+                                          <p:attrName>style.opacity</p:attrName>
+                                        </p:attrNameLst>
+                                      </p:cBhvr>
+                                      <p:to>
+                                        <p:strVal val="1"/>
+                                      </p:to>
+                                    </p:set>
+                                    <p:animEffect filter="image" prLst="opacity: 1">
+                                      <p:cBhvr rctx="IE">
+                                        <p:cTn id="53" dur="indefinite"/>
+                                        <p:tgtEl>
+                                          <p:spTgt spid="11"/>
+                                        </p:tgtEl>
+                                      </p:cBhvr>
+                                    </p:animEffect>
+                                  </p:childTnLst>
+                                </p:cTn>
+                              </p:par>
+                            </p:childTnLst>
+                          </p:cTn>
+                        </p:par>
+                      </p:childTnLst>
+                    </p:cTn>
+                  </p:par>
+                  <p:par>
+                    <p:cTn id="54" fill="hold">
+                      <p:stCondLst>
+                        <p:cond delay="indefinite"/>
+                      </p:stCondLst>
+                      <p:childTnLst>
+                        <p:par>
+                          <p:cTn id="55" fill="hold">
+                            <p:stCondLst>
+                              <p:cond delay="0"/>
+                            </p:stCondLst>
+                            <p:childTnLst>
+                              <p:par>
+                                <p:cTn id="56" presetID="9" presetClass="emph" presetSubtype="0" grpId="1" nodeType="clickEffect">
+                                  <p:stCondLst>
+                                    <p:cond delay="0"/>
+                                  </p:stCondLst>
+                                  <p:childTnLst>
+                                    <p:set>
+                                      <p:cBhvr>
+                                        <p:cTn id="57" dur="indefinite"/>
+                                        <p:tgtEl>
+                                          <p:spTgt spid="14"/>
+                                        </p:tgtEl>
+                                        <p:attrNameLst>
+                                          <p:attrName>style.opacity</p:attrName>
+                                        </p:attrNameLst>
+                                      </p:cBhvr>
+                                      <p:to>
+                                        <p:strVal val="1"/>
+                                      </p:to>
+                                    </p:set>
+                                    <p:animEffect filter="image" prLst="opacity: 1">
+                                      <p:cBhvr rctx="IE">
+                                        <p:cTn id="58" dur="indefinite"/>
+                                        <p:tgtEl>
+                                          <p:spTgt spid="14"/>
+                                        </p:tgtEl>
+                                      </p:cBhvr>
+                                    </p:animEffect>
+                                  </p:childTnLst>
+                                </p:cTn>
+                              </p:par>
+                              <p:par>
+                                <p:cTn id="59" presetID="9" presetClass="emph" presetSubtype="0" grpId="1" nodeType="withEffect">
+                                  <p:stCondLst>
+                                    <p:cond delay="0"/>
+                                  </p:stCondLst>
+                                  <p:childTnLst>
+                                    <p:set>
+                                      <p:cBhvr>
+                                        <p:cTn id="60" dur="indefinite"/>
+                                        <p:tgtEl>
+                                          <p:spTgt spid="15"/>
+                                        </p:tgtEl>
+                                        <p:attrNameLst>
+                                          <p:attrName>style.opacity</p:attrName>
+                                        </p:attrNameLst>
+                                      </p:cBhvr>
+                                      <p:to>
+                                        <p:strVal val="1"/>
+                                      </p:to>
+                                    </p:set>
+                                    <p:animEffect filter="image" prLst="opacity: 1">
+                                      <p:cBhvr rctx="IE">
+                                        <p:cTn id="61" dur="indefinite"/>
+                                        <p:tgtEl>
+                                          <p:spTgt spid="15"/>
+                                        </p:tgtEl>
+                                      </p:cBhvr>
+                                    </p:animEffect>
+                                  </p:childTnLst>
+                                </p:cTn>
+                              </p:par>
+                              <p:par>
+                                <p:cTn id="62" presetID="9" presetClass="emph" presetSubtype="0" nodeType="withEffect">
+                                  <p:stCondLst>
+                                    <p:cond delay="0"/>
+                                  </p:stCondLst>
+                                  <p:childTnLst>
+                                    <p:set>
+                                      <p:cBhvr>
+                                        <p:cTn id="63" dur="indefinite"/>
+                                        <p:tgtEl>
+                                          <p:spTgt spid="12"/>
+                                        </p:tgtEl>
+                                        <p:attrNameLst>
+                                          <p:attrName>style.opacity</p:attrName>
+                                        </p:attrNameLst>
+                                      </p:cBhvr>
+                                      <p:to>
+                                        <p:strVal val="1"/>
+                                      </p:to>
+                                    </p:set>
+                                    <p:animEffect filter="image" prLst="opacity: 1">
+                                      <p:cBhvr rctx="IE">
+                                        <p:cTn id="64" dur="indefinite"/>
+                                        <p:tgtEl>
+                                          <p:spTgt spid="12"/>
+                                        </p:tgtEl>
+                                      </p:cBhvr>
+                                    </p:animEffect>
+                                  </p:childTnLst>
+                                </p:cTn>
+                              </p:par>
+                            </p:childTnLst>
+                          </p:cTn>
+                        </p:par>
+                      </p:childTnLst>
+                    </p:cTn>
+                  </p:par>
+                </p:childTnLst>
+              </p:cTn>
               <p:prevCondLst>
                 <p:cond evt="onPrev" delay="0">
                   <p:tgtEl>
@@ -17826,6 +15972,20 @@
         </p:cTn>
       </p:par>
     </p:tnLst>
+    <p:bldLst>
+      <p:bldP spid="7" grpId="0" animBg="1"/>
+      <p:bldP spid="7" grpId="1" animBg="1"/>
+      <p:bldP spid="8" grpId="0" animBg="1"/>
+      <p:bldP spid="8" grpId="1" animBg="1"/>
+      <p:bldP spid="10" grpId="0" animBg="1"/>
+      <p:bldP spid="10" grpId="1" animBg="1"/>
+      <p:bldP spid="13" grpId="0" animBg="1"/>
+      <p:bldP spid="13" grpId="1" animBg="1"/>
+      <p:bldP spid="14" grpId="0" animBg="1"/>
+      <p:bldP spid="14" grpId="1" animBg="1"/>
+      <p:bldP spid="15" grpId="0" animBg="1"/>
+      <p:bldP spid="15" grpId="1" animBg="1"/>
+    </p:bldLst>
   </p:timing>
 </p:sld>
 </file>
@@ -17861,7 +16021,7 @@
         </p:nvSpPr>
         <p:spPr>
           <a:xfrm>
-            <a:off x="5486400" y="1661039"/>
+            <a:off x="5486400" y="1594241"/>
             <a:ext cx="3345984" cy="369332"/>
           </a:xfrm>
           <a:prstGeom prst="rect">
@@ -17869,17 +16029,17 @@
           </a:prstGeom>
         </p:spPr>
         <p:style>
-          <a:lnRef idx="2">
+          <a:lnRef idx="1">
             <a:schemeClr val="accent3"/>
           </a:lnRef>
-          <a:fillRef idx="1">
-            <a:schemeClr val="lt1"/>
+          <a:fillRef idx="3">
+            <a:schemeClr val="accent3"/>
           </a:fillRef>
-          <a:effectRef idx="0">
+          <a:effectRef idx="2">
             <a:schemeClr val="accent3"/>
           </a:effectRef>
           <a:fontRef idx="minor">
-            <a:schemeClr val="dk1"/>
+            <a:schemeClr val="lt1"/>
           </a:fontRef>
         </p:style>
         <p:txBody>
@@ -17890,7 +16050,11 @@
           <a:p>
             <a:pPr algn="r"/>
             <a:r>
-              <a:rPr lang="en-GB" dirty="0"/>
+              <a:rPr lang="en-GB" dirty="0">
+                <a:solidFill>
+                  <a:schemeClr val="tx1"/>
+                </a:solidFill>
+              </a:rPr>
               <a:t>Application Layer</a:t>
             </a:r>
           </a:p>
@@ -17910,7 +16074,7 @@
         </p:nvSpPr>
         <p:spPr>
           <a:xfrm>
-            <a:off x="5486400" y="1654682"/>
+            <a:off x="5486400" y="1587936"/>
             <a:ext cx="3345984" cy="369332"/>
           </a:xfrm>
           <a:prstGeom prst="rect">
@@ -17918,17 +16082,17 @@
           </a:prstGeom>
         </p:spPr>
         <p:style>
-          <a:lnRef idx="2">
+          <a:lnRef idx="1">
             <a:schemeClr val="accent3"/>
           </a:lnRef>
-          <a:fillRef idx="1">
-            <a:schemeClr val="lt1"/>
+          <a:fillRef idx="3">
+            <a:schemeClr val="accent3"/>
           </a:fillRef>
-          <a:effectRef idx="0">
+          <a:effectRef idx="2">
             <a:schemeClr val="accent3"/>
           </a:effectRef>
           <a:fontRef idx="minor">
-            <a:schemeClr val="dk1"/>
+            <a:schemeClr val="lt1"/>
           </a:fontRef>
         </p:style>
         <p:txBody>
@@ -17939,7 +16103,11 @@
           <a:p>
             <a:pPr algn="r"/>
             <a:r>
-              <a:rPr lang="en-GB" dirty="0"/>
+              <a:rPr lang="en-GB" dirty="0">
+                <a:solidFill>
+                  <a:schemeClr val="tx1"/>
+                </a:solidFill>
+              </a:rPr>
               <a:t>Transmission assurance Layer</a:t>
             </a:r>
           </a:p>
@@ -17959,7 +16127,7 @@
         </p:nvSpPr>
         <p:spPr>
           <a:xfrm>
-            <a:off x="5486400" y="1653932"/>
+            <a:off x="5486400" y="1587936"/>
             <a:ext cx="3345984" cy="369332"/>
           </a:xfrm>
           <a:prstGeom prst="rect">
@@ -17967,17 +16135,17 @@
           </a:prstGeom>
         </p:spPr>
         <p:style>
-          <a:lnRef idx="2">
+          <a:lnRef idx="1">
             <a:schemeClr val="accent3"/>
           </a:lnRef>
-          <a:fillRef idx="1">
-            <a:schemeClr val="lt1"/>
+          <a:fillRef idx="3">
+            <a:schemeClr val="accent3"/>
           </a:fillRef>
-          <a:effectRef idx="0">
+          <a:effectRef idx="2">
             <a:schemeClr val="accent3"/>
           </a:effectRef>
           <a:fontRef idx="minor">
-            <a:schemeClr val="dk1"/>
+            <a:schemeClr val="lt1"/>
           </a:fontRef>
         </p:style>
         <p:txBody>
@@ -17988,7 +16156,11 @@
           <a:p>
             <a:pPr algn="r"/>
             <a:r>
-              <a:rPr lang="en-GB" dirty="0"/>
+              <a:rPr lang="en-GB" dirty="0">
+                <a:solidFill>
+                  <a:schemeClr val="tx1"/>
+                </a:solidFill>
+              </a:rPr>
               <a:t>De- /Encoding Layer</a:t>
             </a:r>
           </a:p>
@@ -21759,7 +19931,7 @@
         </p:nvSpPr>
         <p:spPr>
           <a:xfrm>
-            <a:off x="5486400" y="1657736"/>
+            <a:off x="5486400" y="1587936"/>
             <a:ext cx="3345984" cy="369332"/>
           </a:xfrm>
           <a:prstGeom prst="rect">
@@ -21798,159 +19970,6 @@
           </a:p>
         </p:txBody>
       </p:sp>
-      <p:sp>
-        <p:nvSpPr>
-          <p:cNvPr id="244" name="Textfeld 243">
-            <a:extLst>
-              <a:ext uri="{FF2B5EF4-FFF2-40B4-BE49-F238E27FC236}">
-                <a16:creationId xmlns:a16="http://schemas.microsoft.com/office/drawing/2014/main" id="{D742721C-2F6B-44CE-93FB-8AA6A3B9C89D}"/>
-              </a:ext>
-            </a:extLst>
-          </p:cNvPr>
-          <p:cNvSpPr txBox="1"/>
-          <p:nvPr/>
-        </p:nvSpPr>
-        <p:spPr>
-          <a:xfrm>
-            <a:off x="4727440" y="1992474"/>
-            <a:ext cx="1031051" cy="369332"/>
-          </a:xfrm>
-          <a:prstGeom prst="rect">
-            <a:avLst/>
-          </a:prstGeom>
-          <a:noFill/>
-        </p:spPr>
-        <p:txBody>
-          <a:bodyPr wrap="none" rtlCol="0">
-            <a:spAutoFit/>
-          </a:bodyPr>
-          <a:lstStyle/>
-          <a:p>
-            <a:r>
-              <a:rPr lang="en-GB" dirty="0"/>
-              <a:t>Sending</a:t>
-            </a:r>
-          </a:p>
-        </p:txBody>
-      </p:sp>
-      <p:sp>
-        <p:nvSpPr>
-          <p:cNvPr id="245" name="Textfeld 244">
-            <a:extLst>
-              <a:ext uri="{FF2B5EF4-FFF2-40B4-BE49-F238E27FC236}">
-                <a16:creationId xmlns:a16="http://schemas.microsoft.com/office/drawing/2014/main" id="{2D237F96-9D3A-4D44-8A81-D0E83DA0D1DC}"/>
-              </a:ext>
-            </a:extLst>
-          </p:cNvPr>
-          <p:cNvSpPr txBox="1"/>
-          <p:nvPr/>
-        </p:nvSpPr>
-        <p:spPr>
-          <a:xfrm>
-            <a:off x="7125564" y="1963601"/>
-            <a:ext cx="1197764" cy="369332"/>
-          </a:xfrm>
-          <a:prstGeom prst="rect">
-            <a:avLst/>
-          </a:prstGeom>
-          <a:noFill/>
-        </p:spPr>
-        <p:txBody>
-          <a:bodyPr wrap="none" rtlCol="0">
-            <a:spAutoFit/>
-          </a:bodyPr>
-          <a:lstStyle/>
-          <a:p>
-            <a:r>
-              <a:rPr lang="en-GB" dirty="0"/>
-              <a:t>Receiving</a:t>
-            </a:r>
-          </a:p>
-        </p:txBody>
-      </p:sp>
-      <p:cxnSp>
-        <p:nvCxnSpPr>
-          <p:cNvPr id="247" name="Gerade Verbindung mit Pfeil 246">
-            <a:extLst>
-              <a:ext uri="{FF2B5EF4-FFF2-40B4-BE49-F238E27FC236}">
-                <a16:creationId xmlns:a16="http://schemas.microsoft.com/office/drawing/2014/main" id="{23BFFEA9-0A7B-4D20-BC33-437732217BFF}"/>
-              </a:ext>
-            </a:extLst>
-          </p:cNvPr>
-          <p:cNvCxnSpPr>
-            <a:stCxn id="244" idx="2"/>
-          </p:cNvCxnSpPr>
-          <p:nvPr/>
-        </p:nvCxnSpPr>
-        <p:spPr>
-          <a:xfrm>
-            <a:off x="5242966" y="2361806"/>
-            <a:ext cx="5309" cy="2472904"/>
-          </a:xfrm>
-          <a:prstGeom prst="straightConnector1">
-            <a:avLst/>
-          </a:prstGeom>
-          <a:ln>
-            <a:tailEnd type="triangle"/>
-          </a:ln>
-        </p:spPr>
-        <p:style>
-          <a:lnRef idx="1">
-            <a:schemeClr val="accent3"/>
-          </a:lnRef>
-          <a:fillRef idx="0">
-            <a:schemeClr val="accent3"/>
-          </a:fillRef>
-          <a:effectRef idx="0">
-            <a:schemeClr val="accent3"/>
-          </a:effectRef>
-          <a:fontRef idx="minor">
-            <a:schemeClr val="tx1"/>
-          </a:fontRef>
-        </p:style>
-      </p:cxnSp>
-      <p:cxnSp>
-        <p:nvCxnSpPr>
-          <p:cNvPr id="248" name="Gerade Verbindung mit Pfeil 247">
-            <a:extLst>
-              <a:ext uri="{FF2B5EF4-FFF2-40B4-BE49-F238E27FC236}">
-                <a16:creationId xmlns:a16="http://schemas.microsoft.com/office/drawing/2014/main" id="{860FF276-D703-4993-AC16-F619ADDB546A}"/>
-              </a:ext>
-            </a:extLst>
-          </p:cNvPr>
-          <p:cNvCxnSpPr>
-            <a:cxnSpLocks/>
-            <a:endCxn id="245" idx="2"/>
-          </p:cNvCxnSpPr>
-          <p:nvPr/>
-        </p:nvCxnSpPr>
-        <p:spPr>
-          <a:xfrm flipH="1" flipV="1">
-            <a:off x="7724446" y="2332933"/>
-            <a:ext cx="12974" cy="2494697"/>
-          </a:xfrm>
-          <a:prstGeom prst="straightConnector1">
-            <a:avLst/>
-          </a:prstGeom>
-          <a:ln>
-            <a:tailEnd type="triangle"/>
-          </a:ln>
-        </p:spPr>
-        <p:style>
-          <a:lnRef idx="1">
-            <a:schemeClr val="accent3"/>
-          </a:lnRef>
-          <a:fillRef idx="0">
-            <a:schemeClr val="accent3"/>
-          </a:fillRef>
-          <a:effectRef idx="0">
-            <a:schemeClr val="accent3"/>
-          </a:effectRef>
-          <a:fontRef idx="minor">
-            <a:schemeClr val="tx1"/>
-          </a:fontRef>
-        </p:style>
-      </p:cxnSp>
     </p:spTree>
     <p:extLst>
       <p:ext uri="{BB962C8B-B14F-4D97-AF65-F5344CB8AC3E}">
@@ -22679,7 +20698,7 @@
                                     </p:set>
                                     <p:animEffect transition="in" filter="fade">
                                       <p:cBhvr>
-                                        <p:cTn id="72" dur="100"/>
+                                        <p:cTn id="72" dur="50"/>
                                         <p:tgtEl>
                                           <p:spTgt spid="241"/>
                                         </p:tgtEl>
@@ -22689,231 +20708,75 @@
                                 </p:cTn>
                               </p:par>
                               <p:par>
-                                <p:cTn id="73" presetID="9" presetClass="emph" presetSubtype="0" grpId="1" nodeType="withEffect">
+                                <p:cTn id="73" presetID="10" presetClass="entr" presetSubtype="0" fill="hold" nodeType="withEffect">
                                   <p:stCondLst>
                                     <p:cond delay="0"/>
                                   </p:stCondLst>
                                   <p:childTnLst>
                                     <p:set>
                                       <p:cBhvr>
-                                        <p:cTn id="74" dur="indefinite"/>
+                                        <p:cTn id="74" dur="1" fill="hold">
+                                          <p:stCondLst>
+                                            <p:cond delay="0"/>
+                                          </p:stCondLst>
+                                        </p:cTn>
                                         <p:tgtEl>
-                                          <p:spTgt spid="207"/>
+                                          <p:spTgt spid="4">
+                                            <p:txEl>
+                                              <p:pRg st="7" end="7"/>
+                                            </p:txEl>
+                                          </p:spTgt>
                                         </p:tgtEl>
                                         <p:attrNameLst>
-                                          <p:attrName>style.opacity</p:attrName>
+                                          <p:attrName>style.visibility</p:attrName>
                                         </p:attrNameLst>
                                       </p:cBhvr>
                                       <p:to>
-                                        <p:strVal val="1"/>
+                                        <p:strVal val="visible"/>
                                       </p:to>
                                     </p:set>
-                                    <p:animEffect filter="image" prLst="opacity: 1">
-                                      <p:cBhvr rctx="IE">
-                                        <p:cTn id="75" dur="indefinite"/>
+                                    <p:animEffect transition="in" filter="fade">
+                                      <p:cBhvr>
+                                        <p:cTn id="75" dur="500"/>
                                         <p:tgtEl>
-                                          <p:spTgt spid="207"/>
+                                          <p:spTgt spid="4">
+                                            <p:txEl>
+                                              <p:pRg st="7" end="7"/>
+                                            </p:txEl>
+                                          </p:spTgt>
                                         </p:tgtEl>
                                       </p:cBhvr>
                                     </p:animEffect>
                                   </p:childTnLst>
                                 </p:cTn>
                               </p:par>
+                            </p:childTnLst>
+                          </p:cTn>
+                        </p:par>
+                      </p:childTnLst>
+                    </p:cTn>
+                  </p:par>
+                  <p:par>
+                    <p:cTn id="76" fill="hold">
+                      <p:stCondLst>
+                        <p:cond delay="indefinite"/>
+                      </p:stCondLst>
+                      <p:childTnLst>
+                        <p:par>
+                          <p:cTn id="77" fill="hold">
+                            <p:stCondLst>
+                              <p:cond delay="0"/>
+                            </p:stCondLst>
+                            <p:childTnLst>
                               <p:par>
-                                <p:cTn id="76" presetID="9" presetClass="emph" presetSubtype="0" grpId="1" nodeType="withEffect">
+                                <p:cTn id="78" presetID="10" presetClass="entr" presetSubtype="0" fill="hold" grpId="0" nodeType="clickEffect">
                                   <p:stCondLst>
                                     <p:cond delay="0"/>
                                   </p:stCondLst>
                                   <p:childTnLst>
                                     <p:set>
                                       <p:cBhvr>
-                                        <p:cTn id="77" dur="indefinite"/>
-                                        <p:tgtEl>
-                                          <p:spTgt spid="210"/>
-                                        </p:tgtEl>
-                                        <p:attrNameLst>
-                                          <p:attrName>style.opacity</p:attrName>
-                                        </p:attrNameLst>
-                                      </p:cBhvr>
-                                      <p:to>
-                                        <p:strVal val="1"/>
-                                      </p:to>
-                                    </p:set>
-                                    <p:animEffect filter="image" prLst="opacity: 1">
-                                      <p:cBhvr rctx="IE">
-                                        <p:cTn id="78" dur="indefinite"/>
-                                        <p:tgtEl>
-                                          <p:spTgt spid="210"/>
-                                        </p:tgtEl>
-                                      </p:cBhvr>
-                                    </p:animEffect>
-                                  </p:childTnLst>
-                                </p:cTn>
-                              </p:par>
-                              <p:par>
-                                <p:cTn id="79" presetID="9" presetClass="emph" presetSubtype="0" grpId="1" nodeType="withEffect">
-                                  <p:stCondLst>
-                                    <p:cond delay="0"/>
-                                  </p:stCondLst>
-                                  <p:childTnLst>
-                                    <p:set>
-                                      <p:cBhvr>
-                                        <p:cTn id="80" dur="indefinite"/>
-                                        <p:tgtEl>
-                                          <p:spTgt spid="213"/>
-                                        </p:tgtEl>
-                                        <p:attrNameLst>
-                                          <p:attrName>style.opacity</p:attrName>
-                                        </p:attrNameLst>
-                                      </p:cBhvr>
-                                      <p:to>
-                                        <p:strVal val="1"/>
-                                      </p:to>
-                                    </p:set>
-                                    <p:animEffect filter="image" prLst="opacity: 1">
-                                      <p:cBhvr rctx="IE">
-                                        <p:cTn id="81" dur="indefinite"/>
-                                        <p:tgtEl>
-                                          <p:spTgt spid="213"/>
-                                        </p:tgtEl>
-                                      </p:cBhvr>
-                                    </p:animEffect>
-                                  </p:childTnLst>
-                                </p:cTn>
-                              </p:par>
-                              <p:par>
-                                <p:cTn id="82" presetID="9" presetClass="emph" presetSubtype="0" grpId="1" nodeType="withEffect">
-                                  <p:stCondLst>
-                                    <p:cond delay="0"/>
-                                  </p:stCondLst>
-                                  <p:childTnLst>
-                                    <p:set>
-                                      <p:cBhvr>
-                                        <p:cTn id="83" dur="indefinite"/>
-                                        <p:tgtEl>
-                                          <p:spTgt spid="215"/>
-                                        </p:tgtEl>
-                                        <p:attrNameLst>
-                                          <p:attrName>style.opacity</p:attrName>
-                                        </p:attrNameLst>
-                                      </p:cBhvr>
-                                      <p:to>
-                                        <p:strVal val="1"/>
-                                      </p:to>
-                                    </p:set>
-                                    <p:animEffect filter="image" prLst="opacity: 1">
-                                      <p:cBhvr rctx="IE">
-                                        <p:cTn id="84" dur="indefinite"/>
-                                        <p:tgtEl>
-                                          <p:spTgt spid="215"/>
-                                        </p:tgtEl>
-                                      </p:cBhvr>
-                                    </p:animEffect>
-                                  </p:childTnLst>
-                                </p:cTn>
-                              </p:par>
-                              <p:par>
-                                <p:cTn id="85" presetID="9" presetClass="emph" presetSubtype="0" grpId="1" nodeType="withEffect">
-                                  <p:stCondLst>
-                                    <p:cond delay="0"/>
-                                  </p:stCondLst>
-                                  <p:childTnLst>
-                                    <p:set>
-                                      <p:cBhvr>
-                                        <p:cTn id="86" dur="indefinite"/>
-                                        <p:tgtEl>
-                                          <p:spTgt spid="216"/>
-                                        </p:tgtEl>
-                                        <p:attrNameLst>
-                                          <p:attrName>style.opacity</p:attrName>
-                                        </p:attrNameLst>
-                                      </p:cBhvr>
-                                      <p:to>
-                                        <p:strVal val="1"/>
-                                      </p:to>
-                                    </p:set>
-                                    <p:animEffect filter="image" prLst="opacity: 1">
-                                      <p:cBhvr rctx="IE">
-                                        <p:cTn id="87" dur="indefinite"/>
-                                        <p:tgtEl>
-                                          <p:spTgt spid="216"/>
-                                        </p:tgtEl>
-                                      </p:cBhvr>
-                                    </p:animEffect>
-                                  </p:childTnLst>
-                                </p:cTn>
-                              </p:par>
-                              <p:par>
-                                <p:cTn id="88" presetID="9" presetClass="emph" presetSubtype="0" grpId="1" nodeType="withEffect">
-                                  <p:stCondLst>
-                                    <p:cond delay="0"/>
-                                  </p:stCondLst>
-                                  <p:childTnLst>
-                                    <p:set>
-                                      <p:cBhvr>
-                                        <p:cTn id="89" dur="indefinite"/>
-                                        <p:tgtEl>
-                                          <p:spTgt spid="224"/>
-                                        </p:tgtEl>
-                                        <p:attrNameLst>
-                                          <p:attrName>style.opacity</p:attrName>
-                                        </p:attrNameLst>
-                                      </p:cBhvr>
-                                      <p:to>
-                                        <p:strVal val="1"/>
-                                      </p:to>
-                                    </p:set>
-                                    <p:animEffect filter="image" prLst="opacity: 1">
-                                      <p:cBhvr rctx="IE">
-                                        <p:cTn id="90" dur="indefinite"/>
-                                        <p:tgtEl>
-                                          <p:spTgt spid="224"/>
-                                        </p:tgtEl>
-                                      </p:cBhvr>
-                                    </p:animEffect>
-                                  </p:childTnLst>
-                                </p:cTn>
-                              </p:par>
-                              <p:par>
-                                <p:cTn id="91" presetID="9" presetClass="emph" presetSubtype="0" nodeType="withEffect">
-                                  <p:stCondLst>
-                                    <p:cond delay="0"/>
-                                  </p:stCondLst>
-                                  <p:childTnLst>
-                                    <p:set>
-                                      <p:cBhvr>
-                                        <p:cTn id="92" dur="indefinite"/>
-                                        <p:tgtEl>
-                                          <p:spTgt spid="234"/>
-                                        </p:tgtEl>
-                                        <p:attrNameLst>
-                                          <p:attrName>style.opacity</p:attrName>
-                                        </p:attrNameLst>
-                                      </p:cBhvr>
-                                      <p:to>
-                                        <p:strVal val="1"/>
-                                      </p:to>
-                                    </p:set>
-                                    <p:animEffect filter="image" prLst="opacity: 1">
-                                      <p:cBhvr rctx="IE">
-                                        <p:cTn id="93" dur="indefinite"/>
-                                        <p:tgtEl>
-                                          <p:spTgt spid="234"/>
-                                        </p:tgtEl>
-                                      </p:cBhvr>
-                                    </p:animEffect>
-                                  </p:childTnLst>
-                                </p:cTn>
-                              </p:par>
-                              <p:par>
-                                <p:cTn id="94" presetID="10" presetClass="entr" presetSubtype="0" fill="hold" grpId="0" nodeType="withEffect">
-                                  <p:stCondLst>
-                                    <p:cond delay="0"/>
-                                  </p:stCondLst>
-                                  <p:childTnLst>
-                                    <p:set>
-                                      <p:cBhvr>
-                                        <p:cTn id="95" dur="1" fill="hold">
+                                        <p:cTn id="79" dur="1" fill="hold">
                                           <p:stCondLst>
                                             <p:cond delay="0"/>
                                           </p:stCondLst>
@@ -22931,7 +20794,7 @@
                                     </p:set>
                                     <p:animEffect transition="in" filter="fade">
                                       <p:cBhvr>
-                                        <p:cTn id="96" dur="100"/>
+                                        <p:cTn id="80" dur="50"/>
                                         <p:tgtEl>
                                           <p:spTgt spid="237"/>
                                         </p:tgtEl>
@@ -22940,47 +20803,220 @@
                                   </p:childTnLst>
                                 </p:cTn>
                               </p:par>
-                            </p:childTnLst>
-                          </p:cTn>
-                        </p:par>
-                      </p:childTnLst>
-                    </p:cTn>
-                  </p:par>
-                  <p:par>
-                    <p:cTn id="97" fill="hold">
-                      <p:stCondLst>
-                        <p:cond delay="indefinite"/>
-                      </p:stCondLst>
-                      <p:childTnLst>
-                        <p:par>
-                          <p:cTn id="98" fill="hold">
-                            <p:stCondLst>
-                              <p:cond delay="0"/>
-                            </p:stCondLst>
-                            <p:childTnLst>
                               <p:par>
-                                <p:cTn id="99" presetID="26" presetClass="emph" presetSubtype="0" fill="hold" grpId="2" nodeType="clickEffect">
+                                <p:cTn id="81" presetID="9" presetClass="emph" presetSubtype="0" grpId="1" nodeType="withEffect">
                                   <p:stCondLst>
                                     <p:cond delay="0"/>
                                   </p:stCondLst>
                                   <p:childTnLst>
-                                    <p:animEffect transition="out" filter="fade">
+                                    <p:set>
                                       <p:cBhvr>
-                                        <p:cTn id="100" dur="500" tmFilter="0, 0; .2, .5; .8, .5; 1, 0"/>
+                                        <p:cTn id="82" dur="indefinite"/>
+                                        <p:tgtEl>
+                                          <p:spTgt spid="207"/>
+                                        </p:tgtEl>
+                                        <p:attrNameLst>
+                                          <p:attrName>style.opacity</p:attrName>
+                                        </p:attrNameLst>
+                                      </p:cBhvr>
+                                      <p:to>
+                                        <p:strVal val="1"/>
+                                      </p:to>
+                                    </p:set>
+                                    <p:animEffect filter="image" prLst="opacity: 1">
+                                      <p:cBhvr rctx="IE">
+                                        <p:cTn id="83" dur="indefinite"/>
+                                        <p:tgtEl>
+                                          <p:spTgt spid="207"/>
+                                        </p:tgtEl>
+                                      </p:cBhvr>
+                                    </p:animEffect>
+                                  </p:childTnLst>
+                                </p:cTn>
+                              </p:par>
+                              <p:par>
+                                <p:cTn id="84" presetID="9" presetClass="emph" presetSubtype="0" grpId="1" nodeType="withEffect">
+                                  <p:stCondLst>
+                                    <p:cond delay="0"/>
+                                  </p:stCondLst>
+                                  <p:childTnLst>
+                                    <p:set>
+                                      <p:cBhvr>
+                                        <p:cTn id="85" dur="indefinite"/>
+                                        <p:tgtEl>
+                                          <p:spTgt spid="210"/>
+                                        </p:tgtEl>
+                                        <p:attrNameLst>
+                                          <p:attrName>style.opacity</p:attrName>
+                                        </p:attrNameLst>
+                                      </p:cBhvr>
+                                      <p:to>
+                                        <p:strVal val="1"/>
+                                      </p:to>
+                                    </p:set>
+                                    <p:animEffect filter="image" prLst="opacity: 1">
+                                      <p:cBhvr rctx="IE">
+                                        <p:cTn id="86" dur="indefinite"/>
+                                        <p:tgtEl>
+                                          <p:spTgt spid="210"/>
+                                        </p:tgtEl>
+                                      </p:cBhvr>
+                                    </p:animEffect>
+                                  </p:childTnLst>
+                                </p:cTn>
+                              </p:par>
+                              <p:par>
+                                <p:cTn id="87" presetID="9" presetClass="emph" presetSubtype="0" grpId="1" nodeType="withEffect">
+                                  <p:stCondLst>
+                                    <p:cond delay="0"/>
+                                  </p:stCondLst>
+                                  <p:childTnLst>
+                                    <p:set>
+                                      <p:cBhvr>
+                                        <p:cTn id="88" dur="indefinite"/>
+                                        <p:tgtEl>
+                                          <p:spTgt spid="213"/>
+                                        </p:tgtEl>
+                                        <p:attrNameLst>
+                                          <p:attrName>style.opacity</p:attrName>
+                                        </p:attrNameLst>
+                                      </p:cBhvr>
+                                      <p:to>
+                                        <p:strVal val="1"/>
+                                      </p:to>
+                                    </p:set>
+                                    <p:animEffect filter="image" prLst="opacity: 1">
+                                      <p:cBhvr rctx="IE">
+                                        <p:cTn id="89" dur="indefinite"/>
+                                        <p:tgtEl>
+                                          <p:spTgt spid="213"/>
+                                        </p:tgtEl>
+                                      </p:cBhvr>
+                                    </p:animEffect>
+                                  </p:childTnLst>
+                                </p:cTn>
+                              </p:par>
+                              <p:par>
+                                <p:cTn id="90" presetID="9" presetClass="emph" presetSubtype="0" grpId="1" nodeType="withEffect">
+                                  <p:stCondLst>
+                                    <p:cond delay="0"/>
+                                  </p:stCondLst>
+                                  <p:childTnLst>
+                                    <p:set>
+                                      <p:cBhvr>
+                                        <p:cTn id="91" dur="indefinite"/>
+                                        <p:tgtEl>
+                                          <p:spTgt spid="215"/>
+                                        </p:tgtEl>
+                                        <p:attrNameLst>
+                                          <p:attrName>style.opacity</p:attrName>
+                                        </p:attrNameLst>
+                                      </p:cBhvr>
+                                      <p:to>
+                                        <p:strVal val="1"/>
+                                      </p:to>
+                                    </p:set>
+                                    <p:animEffect filter="image" prLst="opacity: 1">
+                                      <p:cBhvr rctx="IE">
+                                        <p:cTn id="92" dur="indefinite"/>
+                                        <p:tgtEl>
+                                          <p:spTgt spid="215"/>
+                                        </p:tgtEl>
+                                      </p:cBhvr>
+                                    </p:animEffect>
+                                  </p:childTnLst>
+                                </p:cTn>
+                              </p:par>
+                              <p:par>
+                                <p:cTn id="93" presetID="9" presetClass="emph" presetSubtype="0" grpId="1" nodeType="withEffect">
+                                  <p:stCondLst>
+                                    <p:cond delay="0"/>
+                                  </p:stCondLst>
+                                  <p:childTnLst>
+                                    <p:set>
+                                      <p:cBhvr>
+                                        <p:cTn id="94" dur="indefinite"/>
+                                        <p:tgtEl>
+                                          <p:spTgt spid="216"/>
+                                        </p:tgtEl>
+                                        <p:attrNameLst>
+                                          <p:attrName>style.opacity</p:attrName>
+                                        </p:attrNameLst>
+                                      </p:cBhvr>
+                                      <p:to>
+                                        <p:strVal val="1"/>
+                                      </p:to>
+                                    </p:set>
+                                    <p:animEffect filter="image" prLst="opacity: 1">
+                                      <p:cBhvr rctx="IE">
+                                        <p:cTn id="95" dur="indefinite"/>
+                                        <p:tgtEl>
+                                          <p:spTgt spid="216"/>
+                                        </p:tgtEl>
+                                      </p:cBhvr>
+                                    </p:animEffect>
+                                  </p:childTnLst>
+                                </p:cTn>
+                              </p:par>
+                              <p:par>
+                                <p:cTn id="96" presetID="9" presetClass="emph" presetSubtype="0" grpId="1" nodeType="withEffect">
+                                  <p:stCondLst>
+                                    <p:cond delay="0"/>
+                                  </p:stCondLst>
+                                  <p:childTnLst>
+                                    <p:set>
+                                      <p:cBhvr>
+                                        <p:cTn id="97" dur="indefinite"/>
+                                        <p:tgtEl>
+                                          <p:spTgt spid="224"/>
+                                        </p:tgtEl>
+                                        <p:attrNameLst>
+                                          <p:attrName>style.opacity</p:attrName>
+                                        </p:attrNameLst>
+                                      </p:cBhvr>
+                                      <p:to>
+                                        <p:strVal val="1"/>
+                                      </p:to>
+                                    </p:set>
+                                    <p:animEffect filter="image" prLst="opacity: 1">
+                                      <p:cBhvr rctx="IE">
+                                        <p:cTn id="98" dur="indefinite"/>
                                         <p:tgtEl>
                                           <p:spTgt spid="224"/>
                                         </p:tgtEl>
                                       </p:cBhvr>
                                     </p:animEffect>
-                                    <p:animScale>
+                                  </p:childTnLst>
+                                </p:cTn>
+                              </p:par>
+                              <p:par>
+                                <p:cTn id="99" presetID="9" presetClass="emph" presetSubtype="0" nodeType="withEffect">
+                                  <p:stCondLst>
+                                    <p:cond delay="0"/>
+                                  </p:stCondLst>
+                                  <p:childTnLst>
+                                    <p:set>
                                       <p:cBhvr>
-                                        <p:cTn id="101" dur="250" autoRev="1" fill="hold"/>
+                                        <p:cTn id="100" dur="indefinite"/>
                                         <p:tgtEl>
-                                          <p:spTgt spid="224"/>
+                                          <p:spTgt spid="234"/>
+                                        </p:tgtEl>
+                                        <p:attrNameLst>
+                                          <p:attrName>style.opacity</p:attrName>
+                                        </p:attrNameLst>
+                                      </p:cBhvr>
+                                      <p:to>
+                                        <p:strVal val="1"/>
+                                      </p:to>
+                                    </p:set>
+                                    <p:animEffect filter="image" prLst="opacity: 1">
+                                      <p:cBhvr rctx="IE">
+                                        <p:cTn id="101" dur="indefinite"/>
+                                        <p:tgtEl>
+                                          <p:spTgt spid="234"/>
                                         </p:tgtEl>
                                       </p:cBhvr>
-                                      <p:by x="105000" y="105000"/>
-                                    </p:animScale>
+                                    </p:animEffect>
                                   </p:childTnLst>
                                 </p:cTn>
                               </p:par>
@@ -23276,7 +21312,7 @@
                                     </p:set>
                                     <p:animEffect transition="in" filter="fade">
                                       <p:cBhvr>
-                                        <p:cTn id="130" dur="100"/>
+                                        <p:cTn id="130" dur="50"/>
                                         <p:tgtEl>
                                           <p:spTgt spid="242"/>
                                         </p:tgtEl>
@@ -23515,7 +21551,7 @@
                                     </p:set>
                                     <p:animEffect transition="in" filter="fade">
                                       <p:cBhvr>
-                                        <p:cTn id="153" dur="100"/>
+                                        <p:cTn id="153" dur="50"/>
                                         <p:tgtEl>
                                           <p:spTgt spid="243"/>
                                         </p:tgtEl>
@@ -23524,310 +21560,15 @@
                                   </p:childTnLst>
                                 </p:cTn>
                               </p:par>
-                            </p:childTnLst>
-                          </p:cTn>
-                        </p:par>
-                      </p:childTnLst>
-                    </p:cTn>
-                  </p:par>
-                  <p:par>
-                    <p:cTn id="154" fill="hold">
-                      <p:stCondLst>
-                        <p:cond delay="indefinite"/>
-                      </p:stCondLst>
-                      <p:childTnLst>
-                        <p:par>
-                          <p:cTn id="155" fill="hold">
-                            <p:stCondLst>
-                              <p:cond delay="0"/>
-                            </p:stCondLst>
-                            <p:childTnLst>
                               <p:par>
-                                <p:cTn id="156" presetID="1" presetClass="exit" presetSubtype="0" fill="hold" grpId="1" nodeType="clickEffect">
+                                <p:cTn id="154" presetID="10" presetClass="entr" presetSubtype="0" fill="hold" nodeType="withEffect">
                                   <p:stCondLst>
                                     <p:cond delay="0"/>
                                   </p:stCondLst>
                                   <p:childTnLst>
                                     <p:set>
                                       <p:cBhvr>
-                                        <p:cTn id="157" dur="1" fill="hold">
-                                          <p:stCondLst>
-                                            <p:cond delay="0"/>
-                                          </p:stCondLst>
-                                        </p:cTn>
-                                        <p:tgtEl>
-                                          <p:spTgt spid="241"/>
-                                        </p:tgtEl>
-                                        <p:attrNameLst>
-                                          <p:attrName>style.visibility</p:attrName>
-                                        </p:attrNameLst>
-                                      </p:cBhvr>
-                                      <p:to>
-                                        <p:strVal val="hidden"/>
-                                      </p:to>
-                                    </p:set>
-                                  </p:childTnLst>
-                                </p:cTn>
-                              </p:par>
-                              <p:par>
-                                <p:cTn id="158" presetID="1" presetClass="exit" presetSubtype="0" fill="hold" grpId="1" nodeType="withEffect">
-                                  <p:stCondLst>
-                                    <p:cond delay="0"/>
-                                  </p:stCondLst>
-                                  <p:childTnLst>
-                                    <p:set>
-                                      <p:cBhvr>
-                                        <p:cTn id="159" dur="1" fill="hold">
-                                          <p:stCondLst>
-                                            <p:cond delay="0"/>
-                                          </p:stCondLst>
-                                        </p:cTn>
-                                        <p:tgtEl>
-                                          <p:spTgt spid="237"/>
-                                        </p:tgtEl>
-                                        <p:attrNameLst>
-                                          <p:attrName>style.visibility</p:attrName>
-                                        </p:attrNameLst>
-                                      </p:cBhvr>
-                                      <p:to>
-                                        <p:strVal val="hidden"/>
-                                      </p:to>
-                                    </p:set>
-                                  </p:childTnLst>
-                                </p:cTn>
-                              </p:par>
-                              <p:par>
-                                <p:cTn id="160" presetID="1" presetClass="exit" presetSubtype="0" fill="hold" grpId="1" nodeType="withEffect">
-                                  <p:stCondLst>
-                                    <p:cond delay="0"/>
-                                  </p:stCondLst>
-                                  <p:childTnLst>
-                                    <p:set>
-                                      <p:cBhvr>
-                                        <p:cTn id="161" dur="1" fill="hold">
-                                          <p:stCondLst>
-                                            <p:cond delay="0"/>
-                                          </p:stCondLst>
-                                        </p:cTn>
-                                        <p:tgtEl>
-                                          <p:spTgt spid="242"/>
-                                        </p:tgtEl>
-                                        <p:attrNameLst>
-                                          <p:attrName>style.visibility</p:attrName>
-                                        </p:attrNameLst>
-                                      </p:cBhvr>
-                                      <p:to>
-                                        <p:strVal val="hidden"/>
-                                      </p:to>
-                                    </p:set>
-                                  </p:childTnLst>
-                                </p:cTn>
-                              </p:par>
-                              <p:par>
-                                <p:cTn id="162" presetID="1" presetClass="exit" presetSubtype="0" fill="hold" grpId="1" nodeType="withEffect">
-                                  <p:stCondLst>
-                                    <p:cond delay="0"/>
-                                  </p:stCondLst>
-                                  <p:childTnLst>
-                                    <p:set>
-                                      <p:cBhvr>
-                                        <p:cTn id="163" dur="1" fill="hold">
-                                          <p:stCondLst>
-                                            <p:cond delay="0"/>
-                                          </p:stCondLst>
-                                        </p:cTn>
-                                        <p:tgtEl>
-                                          <p:spTgt spid="243"/>
-                                        </p:tgtEl>
-                                        <p:attrNameLst>
-                                          <p:attrName>style.visibility</p:attrName>
-                                        </p:attrNameLst>
-                                      </p:cBhvr>
-                                      <p:to>
-                                        <p:strVal val="hidden"/>
-                                      </p:to>
-                                    </p:set>
-                                  </p:childTnLst>
-                                </p:cTn>
-                              </p:par>
-                              <p:par>
-                                <p:cTn id="164" presetID="1" presetClass="entr" presetSubtype="0" fill="hold" grpId="0" nodeType="withEffect">
-                                  <p:stCondLst>
-                                    <p:cond delay="0"/>
-                                  </p:stCondLst>
-                                  <p:childTnLst>
-                                    <p:set>
-                                      <p:cBhvr>
-                                        <p:cTn id="165" dur="1" fill="hold">
-                                          <p:stCondLst>
-                                            <p:cond delay="0"/>
-                                          </p:stCondLst>
-                                        </p:cTn>
-                                        <p:tgtEl>
-                                          <p:spTgt spid="244"/>
-                                        </p:tgtEl>
-                                        <p:attrNameLst>
-                                          <p:attrName>style.visibility</p:attrName>
-                                        </p:attrNameLst>
-                                      </p:cBhvr>
-                                      <p:to>
-                                        <p:strVal val="visible"/>
-                                      </p:to>
-                                    </p:set>
-                                  </p:childTnLst>
-                                </p:cTn>
-                              </p:par>
-                              <p:par>
-                                <p:cTn id="166" presetID="1" presetClass="entr" presetSubtype="0" fill="hold" nodeType="withEffect">
-                                  <p:stCondLst>
-                                    <p:cond delay="0"/>
-                                  </p:stCondLst>
-                                  <p:childTnLst>
-                                    <p:set>
-                                      <p:cBhvr>
-                                        <p:cTn id="167" dur="1" fill="hold">
-                                          <p:stCondLst>
-                                            <p:cond delay="0"/>
-                                          </p:stCondLst>
-                                        </p:cTn>
-                                        <p:tgtEl>
-                                          <p:spTgt spid="247"/>
-                                        </p:tgtEl>
-                                        <p:attrNameLst>
-                                          <p:attrName>style.visibility</p:attrName>
-                                        </p:attrNameLst>
-                                      </p:cBhvr>
-                                      <p:to>
-                                        <p:strVal val="visible"/>
-                                      </p:to>
-                                    </p:set>
-                                  </p:childTnLst>
-                                </p:cTn>
-                              </p:par>
-                              <p:par>
-                                <p:cTn id="168" presetID="1" presetClass="entr" presetSubtype="0" fill="hold" nodeType="withEffect">
-                                  <p:stCondLst>
-                                    <p:cond delay="0"/>
-                                  </p:stCondLst>
-                                  <p:childTnLst>
-                                    <p:set>
-                                      <p:cBhvr>
-                                        <p:cTn id="169" dur="1" fill="hold">
-                                          <p:stCondLst>
-                                            <p:cond delay="0"/>
-                                          </p:stCondLst>
-                                        </p:cTn>
-                                        <p:tgtEl>
-                                          <p:spTgt spid="248"/>
-                                        </p:tgtEl>
-                                        <p:attrNameLst>
-                                          <p:attrName>style.visibility</p:attrName>
-                                        </p:attrNameLst>
-                                      </p:cBhvr>
-                                      <p:to>
-                                        <p:strVal val="visible"/>
-                                      </p:to>
-                                    </p:set>
-                                  </p:childTnLst>
-                                </p:cTn>
-                              </p:par>
-                              <p:par>
-                                <p:cTn id="170" presetID="1" presetClass="entr" presetSubtype="0" fill="hold" grpId="0" nodeType="withEffect">
-                                  <p:stCondLst>
-                                    <p:cond delay="0"/>
-                                  </p:stCondLst>
-                                  <p:childTnLst>
-                                    <p:set>
-                                      <p:cBhvr>
-                                        <p:cTn id="171" dur="1" fill="hold">
-                                          <p:stCondLst>
-                                            <p:cond delay="0"/>
-                                          </p:stCondLst>
-                                        </p:cTn>
-                                        <p:tgtEl>
-                                          <p:spTgt spid="245"/>
-                                        </p:tgtEl>
-                                        <p:attrNameLst>
-                                          <p:attrName>style.visibility</p:attrName>
-                                        </p:attrNameLst>
-                                      </p:cBhvr>
-                                      <p:to>
-                                        <p:strVal val="visible"/>
-                                      </p:to>
-                                    </p:set>
-                                  </p:childTnLst>
-                                </p:cTn>
-                              </p:par>
-                            </p:childTnLst>
-                          </p:cTn>
-                        </p:par>
-                      </p:childTnLst>
-                    </p:cTn>
-                  </p:par>
-                  <p:par>
-                    <p:cTn id="172" fill="hold">
-                      <p:stCondLst>
-                        <p:cond delay="indefinite"/>
-                      </p:stCondLst>
-                      <p:childTnLst>
-                        <p:par>
-                          <p:cTn id="173" fill="hold">
-                            <p:stCondLst>
-                              <p:cond delay="0"/>
-                            </p:stCondLst>
-                            <p:childTnLst>
-                              <p:par>
-                                <p:cTn id="174" presetID="10" presetClass="entr" presetSubtype="0" fill="hold" nodeType="clickEffect">
-                                  <p:stCondLst>
-                                    <p:cond delay="0"/>
-                                  </p:stCondLst>
-                                  <p:childTnLst>
-                                    <p:set>
-                                      <p:cBhvr>
-                                        <p:cTn id="175" dur="1" fill="hold">
-                                          <p:stCondLst>
-                                            <p:cond delay="0"/>
-                                          </p:stCondLst>
-                                        </p:cTn>
-                                        <p:tgtEl>
-                                          <p:spTgt spid="4">
-                                            <p:txEl>
-                                              <p:pRg st="7" end="7"/>
-                                            </p:txEl>
-                                          </p:spTgt>
-                                        </p:tgtEl>
-                                        <p:attrNameLst>
-                                          <p:attrName>style.visibility</p:attrName>
-                                        </p:attrNameLst>
-                                      </p:cBhvr>
-                                      <p:to>
-                                        <p:strVal val="visible"/>
-                                      </p:to>
-                                    </p:set>
-                                    <p:animEffect transition="in" filter="fade">
-                                      <p:cBhvr>
-                                        <p:cTn id="176" dur="500"/>
-                                        <p:tgtEl>
-                                          <p:spTgt spid="4">
-                                            <p:txEl>
-                                              <p:pRg st="7" end="7"/>
-                                            </p:txEl>
-                                          </p:spTgt>
-                                        </p:tgtEl>
-                                      </p:cBhvr>
-                                    </p:animEffect>
-                                  </p:childTnLst>
-                                </p:cTn>
-                              </p:par>
-                              <p:par>
-                                <p:cTn id="177" presetID="10" presetClass="entr" presetSubtype="0" fill="hold" nodeType="withEffect">
-                                  <p:stCondLst>
-                                    <p:cond delay="0"/>
-                                  </p:stCondLst>
-                                  <p:childTnLst>
-                                    <p:set>
-                                      <p:cBhvr>
-                                        <p:cTn id="178" dur="1" fill="hold">
+                                        <p:cTn id="155" dur="1" fill="hold">
                                           <p:stCondLst>
                                             <p:cond delay="0"/>
                                           </p:stCondLst>
@@ -23849,7 +21590,7 @@
                                     </p:set>
                                     <p:animEffect transition="in" filter="fade">
                                       <p:cBhvr>
-                                        <p:cTn id="179" dur="500"/>
+                                        <p:cTn id="156" dur="500"/>
                                         <p:tgtEl>
                                           <p:spTgt spid="4">
                                             <p:txEl>
@@ -23891,11 +21632,8 @@
     </p:tnLst>
     <p:bldLst>
       <p:bldP spid="241" grpId="0" animBg="1"/>
-      <p:bldP spid="241" grpId="1" animBg="1"/>
       <p:bldP spid="237" grpId="0" animBg="1"/>
-      <p:bldP spid="237" grpId="1" animBg="1"/>
       <p:bldP spid="242" grpId="0" animBg="1"/>
-      <p:bldP spid="242" grpId="1" animBg="1"/>
       <p:bldP spid="205" grpId="0" animBg="1"/>
       <p:bldP spid="205" grpId="1" animBg="1"/>
       <p:bldP spid="206" grpId="0" animBg="1"/>
@@ -23926,7 +21664,6 @@
       <p:bldP spid="218" grpId="1" animBg="1"/>
       <p:bldP spid="224" grpId="0" animBg="1"/>
       <p:bldP spid="224" grpId="1" animBg="1"/>
-      <p:bldP spid="224" grpId="2" animBg="1"/>
       <p:bldP spid="225" grpId="0" animBg="1"/>
       <p:bldP spid="225" grpId="1" animBg="1"/>
       <p:bldP spid="226" grpId="0" animBg="1"/>
@@ -23934,9 +21671,6 @@
       <p:bldP spid="227" grpId="0" animBg="1"/>
       <p:bldP spid="227" grpId="1" animBg="1"/>
       <p:bldP spid="243" grpId="0" animBg="1"/>
-      <p:bldP spid="243" grpId="1" animBg="1"/>
-      <p:bldP spid="244" grpId="0"/>
-      <p:bldP spid="245" grpId="0"/>
     </p:bldLst>
   </p:timing>
 </p:sld>
@@ -24076,7 +21810,7 @@
               <a:buChar char="•"/>
             </a:pPr>
             <a:r>
-              <a:rPr lang="en-US" altLang="zh-CN" sz="2800"/>
+              <a:rPr lang="en-US" altLang="zh-CN" sz="2800" dirty="0"/>
               <a:t>Conformity</a:t>
             </a:r>
           </a:p>
@@ -24089,7 +21823,7 @@
               <a:buChar char="•"/>
             </a:pPr>
             <a:r>
-              <a:rPr lang="en-US" altLang="zh-CN" sz="2800"/>
+              <a:rPr lang="en-US" altLang="zh-CN" sz="2800" dirty="0"/>
               <a:t>Interoperability</a:t>
             </a:r>
           </a:p>
@@ -24102,12 +21836,12 @@
               <a:buChar char="•"/>
             </a:pPr>
             <a:r>
-              <a:rPr lang="en-US" altLang="zh-CN" sz="2800">
+              <a:rPr lang="en-US" altLang="zh-CN" sz="2800" dirty="0">
                 <a:sym typeface="+mn-ea"/>
               </a:rPr>
               <a:t>Effectiveness</a:t>
             </a:r>
-            <a:endParaRPr lang="en-US" altLang="zh-CN" sz="2400">
+            <a:endParaRPr lang="en-US" altLang="zh-CN" sz="2400" dirty="0">
               <a:sym typeface="+mn-ea"/>
             </a:endParaRPr>
           </a:p>
@@ -24120,7 +21854,7 @@
               <a:buChar char="•"/>
             </a:pPr>
             <a:r>
-              <a:rPr lang="en-US" altLang="zh-CN" sz="2400"/>
+              <a:rPr lang="en-US" altLang="zh-CN" sz="2400" dirty="0"/>
               <a:t>Speed</a:t>
             </a:r>
           </a:p>
@@ -24133,12 +21867,12 @@
               <a:buChar char="•"/>
             </a:pPr>
             <a:r>
-              <a:rPr lang="en-US" altLang="zh-CN" sz="2800">
+              <a:rPr lang="en-US" altLang="zh-CN" sz="2800" dirty="0">
                 <a:sym typeface="+mn-ea"/>
               </a:rPr>
               <a:t>Robust</a:t>
             </a:r>
-            <a:endParaRPr lang="en-US" altLang="zh-CN" sz="2400">
+            <a:endParaRPr lang="en-US" altLang="zh-CN" sz="2400" dirty="0">
               <a:sym typeface="+mn-ea"/>
             </a:endParaRPr>
           </a:p>
@@ -24151,12 +21885,12 @@
               <a:buChar char="•"/>
             </a:pPr>
             <a:r>
-              <a:rPr lang="en-US" altLang="zh-CN" sz="2400">
+              <a:rPr lang="en-US" altLang="zh-CN" sz="2400" dirty="0">
                 <a:sym typeface="+mn-ea"/>
               </a:rPr>
               <a:t>SPI transfer speed(in bit/second)</a:t>
             </a:r>
-            <a:endParaRPr lang="en-US" altLang="zh-CN" sz="2400"/>
+            <a:endParaRPr lang="en-US" altLang="zh-CN" sz="2400" dirty="0"/>
           </a:p>
           <a:p>
             <a:pPr marL="742950" lvl="1" indent="-285750" fontAlgn="auto">
@@ -24167,7 +21901,7 @@
               <a:buChar char="•"/>
             </a:pPr>
             <a:r>
-              <a:rPr lang="en-US" altLang="zh-CN" sz="2400">
+              <a:rPr lang="en-US" altLang="zh-CN" sz="2400" dirty="0">
                 <a:sym typeface="+mn-ea"/>
               </a:rPr>
               <a:t>Packet size(in bytes)</a:t>
@@ -24182,7 +21916,7 @@
               <a:buChar char="•"/>
             </a:pPr>
             <a:r>
-              <a:rPr lang="en-US" altLang="zh-CN" sz="2400">
+              <a:rPr lang="en-US" altLang="zh-CN" sz="2400" dirty="0">
                 <a:sym typeface="+mn-ea"/>
               </a:rPr>
               <a:t>Operating status of UAV(calibration/initialization)</a:t>
@@ -24196,7 +21930,7 @@
               <a:buFont typeface="Arial" panose="020B0604020202020204" pitchFamily="34" charset="0"/>
               <a:buChar char="•"/>
             </a:pPr>
-            <a:endParaRPr lang="en-US" altLang="zh-CN" sz="2400">
+            <a:endParaRPr lang="en-US" altLang="zh-CN" sz="2400" dirty="0">
               <a:sym typeface="+mn-ea"/>
             </a:endParaRPr>
           </a:p>
@@ -24208,7 +21942,7 @@
               <a:buFont typeface="Arial" panose="020B0604020202020204" pitchFamily="34" charset="0"/>
               <a:buChar char="•"/>
             </a:pPr>
-            <a:endParaRPr lang="en-US" altLang="zh-CN" sz="2400">
+            <a:endParaRPr lang="en-US" altLang="zh-CN" sz="2400" dirty="0">
               <a:sym typeface="+mn-ea"/>
             </a:endParaRPr>
           </a:p>
